--- a/Prova.pptx
+++ b/Prova.pptx
@@ -1,38 +1,46 @@
 
 <file path=ppt/presentation.xml><?xml version="1.0" encoding="utf-8"?>
-<p:presentation xmlns:a="http://schemas.openxmlformats.org/drawingml/2006/main" xmlns:r="http://schemas.openxmlformats.org/officeDocument/2006/relationships" xmlns:p="http://schemas.openxmlformats.org/presentationml/2006/main" xmlns:m="http://schemas.openxmlformats.org/officeDocument/2006/math" xmlns:a14="http://schemas.microsoft.com/office/drawing/2010/main">
+<p:presentation xmlns:a="http://schemas.openxmlformats.org/drawingml/2006/main" xmlns:r="http://schemas.openxmlformats.org/officeDocument/2006/relationships" xmlns:p="http://schemas.openxmlformats.org/presentationml/2006/main">
   <p:sldMasterIdLst>
-    <p:sldMasterId id="2147483648" r:id="rId5"/>
+    <p:sldMasterId id="2147483648" r:id="rId1"/>
   </p:sldMasterIdLst>
   <p:notesMasterIdLst>
-    <p:notesMasterId r:id="rId7"/>
+    <p:notesMasterId r:id="rId33"/>
   </p:notesMasterIdLst>
   <p:sldIdLst>
-    <p:sldId id="256" r:id="rId8"/>
-    <p:sldId id="257" r:id="rId9"/>
-    <p:sldId id="258" r:id="rId10"/>
-    <p:sldId id="259" r:id="rId11"/>
-    <p:sldId id="260" r:id="rId12"/>
-    <p:sldId id="261" r:id="rId13"/>
-    <p:sldId id="262" r:id="rId14"/>
-    <p:sldId id="263" r:id="rId15"/>
-    <p:sldId id="264" r:id="rId16"/>
-    <p:sldId id="265" r:id="rId17"/>
-    <p:sldId id="266" r:id="rId18"/>
-    <p:sldId id="267" r:id="rId19"/>
-    <p:sldId id="268" r:id="rId20"/>
-    <p:sldId id="269" r:id="rId21"/>
-    <p:sldId id="270" r:id="rId22"/>
-    <p:sldId id="271" r:id="rId23"/>
-    <p:sldId id="272" r:id="rId24"/>
-    <p:sldId id="273" r:id="rId25"/>
-    <p:sldId id="274" r:id="rId26"/>
-    <p:sldId id="275" r:id="rId27"/>
-    <p:sldId id="276" r:id="rId28"/>
-    <p:sldId id="277" r:id="rId29"/>
-    <p:sldId id="278" r:id="rId30"/>
+    <p:sldId id="256" r:id="rId2"/>
+    <p:sldId id="257" r:id="rId3"/>
+    <p:sldId id="258" r:id="rId4"/>
+    <p:sldId id="259" r:id="rId5"/>
+    <p:sldId id="260" r:id="rId6"/>
+    <p:sldId id="261" r:id="rId7"/>
+    <p:sldId id="262" r:id="rId8"/>
+    <p:sldId id="263" r:id="rId9"/>
+    <p:sldId id="264" r:id="rId10"/>
+    <p:sldId id="265" r:id="rId11"/>
+    <p:sldId id="266" r:id="rId12"/>
+    <p:sldId id="267" r:id="rId13"/>
+    <p:sldId id="268" r:id="rId14"/>
+    <p:sldId id="269" r:id="rId15"/>
+    <p:sldId id="270" r:id="rId16"/>
+    <p:sldId id="271" r:id="rId17"/>
+    <p:sldId id="272" r:id="rId18"/>
+    <p:sldId id="273" r:id="rId19"/>
+    <p:sldId id="274" r:id="rId20"/>
+    <p:sldId id="275" r:id="rId21"/>
+    <p:sldId id="276" r:id="rId22"/>
+    <p:sldId id="277" r:id="rId23"/>
+    <p:sldId id="278" r:id="rId24"/>
+    <p:sldId id="279" r:id="rId25"/>
+    <p:sldId id="280" r:id="rId26"/>
+    <p:sldId id="281" r:id="rId27"/>
+    <p:sldId id="282" r:id="rId28"/>
+    <p:sldId id="283" r:id="rId29"/>
+    <p:sldId id="284" r:id="rId30"/>
+    <p:sldId id="285" r:id="rId31"/>
+    <p:sldId id="286" r:id="rId32"/>
   </p:sldIdLst>
-  <p:sldSz cx="9144000" cy="6858000"/>
+  <p:sldSz cx="9144000" cy="6858000" type="screen4x3"/>
   <p:notesSz cx="6858000" cy="9144000"/>
   <p:defaultTextStyle>
     <a:defPPr marL="0" marR="0" indent="0" algn="l" defTabSz="914400" rtl="0" fontAlgn="auto" latinLnBrk="1" hangingPunct="0">
@@ -50,7 +58,7 @@
       <a:buFontTx/>
       <a:buNone/>
       <a:tabLst/>
-      <a:defRPr b="0" baseline="0" cap="none" i="0" spc="0" strike="noStrike" sz="1800" u="none" kumimoji="0" normalizeH="0">
+      <a:defRPr kumimoji="0" sz="1800" b="0" i="0" u="none" strike="noStrike" cap="none" spc="0" normalizeH="0" baseline="0">
         <a:ln>
           <a:noFill/>
         </a:ln>
@@ -76,7 +84,7 @@
       <a:buFontTx/>
       <a:buNone/>
       <a:tabLst/>
-      <a:defRPr b="0" baseline="0" cap="none" i="0" spc="0" strike="noStrike" sz="1800" u="none" kumimoji="0" normalizeH="0">
+      <a:defRPr kumimoji="0" sz="1800" b="0" i="0" u="none" strike="noStrike" cap="none" spc="0" normalizeH="0" baseline="0">
         <a:ln>
           <a:noFill/>
         </a:ln>
@@ -106,7 +114,7 @@
       <a:buFontTx/>
       <a:buNone/>
       <a:tabLst/>
-      <a:defRPr b="0" baseline="0" cap="none" i="0" spc="0" strike="noStrike" sz="1800" u="none" kumimoji="0" normalizeH="0">
+      <a:defRPr kumimoji="0" sz="1800" b="0" i="0" u="none" strike="noStrike" cap="none" spc="0" normalizeH="0" baseline="0">
         <a:ln>
           <a:noFill/>
         </a:ln>
@@ -136,7 +144,7 @@
       <a:buFontTx/>
       <a:buNone/>
       <a:tabLst/>
-      <a:defRPr b="0" baseline="0" cap="none" i="0" spc="0" strike="noStrike" sz="1800" u="none" kumimoji="0" normalizeH="0">
+      <a:defRPr kumimoji="0" sz="1800" b="0" i="0" u="none" strike="noStrike" cap="none" spc="0" normalizeH="0" baseline="0">
         <a:ln>
           <a:noFill/>
         </a:ln>
@@ -166,7 +174,7 @@
       <a:buFontTx/>
       <a:buNone/>
       <a:tabLst/>
-      <a:defRPr b="0" baseline="0" cap="none" i="0" spc="0" strike="noStrike" sz="1800" u="none" kumimoji="0" normalizeH="0">
+      <a:defRPr kumimoji="0" sz="1800" b="0" i="0" u="none" strike="noStrike" cap="none" spc="0" normalizeH="0" baseline="0">
         <a:ln>
           <a:noFill/>
         </a:ln>
@@ -196,7 +204,7 @@
       <a:buFontTx/>
       <a:buNone/>
       <a:tabLst/>
-      <a:defRPr b="0" baseline="0" cap="none" i="0" spc="0" strike="noStrike" sz="1800" u="none" kumimoji="0" normalizeH="0">
+      <a:defRPr kumimoji="0" sz="1800" b="0" i="0" u="none" strike="noStrike" cap="none" spc="0" normalizeH="0" baseline="0">
         <a:ln>
           <a:noFill/>
         </a:ln>
@@ -226,7 +234,7 @@
       <a:buFontTx/>
       <a:buNone/>
       <a:tabLst/>
-      <a:defRPr b="0" baseline="0" cap="none" i="0" spc="0" strike="noStrike" sz="1800" u="none" kumimoji="0" normalizeH="0">
+      <a:defRPr kumimoji="0" sz="1800" b="0" i="0" u="none" strike="noStrike" cap="none" spc="0" normalizeH="0" baseline="0">
         <a:ln>
           <a:noFill/>
         </a:ln>
@@ -256,7 +264,7 @@
       <a:buFontTx/>
       <a:buNone/>
       <a:tabLst/>
-      <a:defRPr b="0" baseline="0" cap="none" i="0" spc="0" strike="noStrike" sz="1800" u="none" kumimoji="0" normalizeH="0">
+      <a:defRPr kumimoji="0" sz="1800" b="0" i="0" u="none" strike="noStrike" cap="none" spc="0" normalizeH="0" baseline="0">
         <a:ln>
           <a:noFill/>
         </a:ln>
@@ -286,7 +294,7 @@
       <a:buFontTx/>
       <a:buNone/>
       <a:tabLst/>
-      <a:defRPr b="0" baseline="0" cap="none" i="0" spc="0" strike="noStrike" sz="1800" u="none" kumimoji="0" normalizeH="0">
+      <a:defRPr kumimoji="0" sz="1800" b="0" i="0" u="none" strike="noStrike" cap="none" spc="0" normalizeH="0" baseline="0">
         <a:ln>
           <a:noFill/>
         </a:ln>
@@ -316,7 +324,7 @@
       <a:buFontTx/>
       <a:buNone/>
       <a:tabLst/>
-      <a:defRPr b="0" baseline="0" cap="none" i="0" spc="0" strike="noStrike" sz="1800" u="none" kumimoji="0" normalizeH="0">
+      <a:defRPr kumimoji="0" sz="1800" b="0" i="0" u="none" strike="noStrike" cap="none" spc="0" normalizeH="0" baseline="0">
         <a:ln>
           <a:noFill/>
         </a:ln>
@@ -332,16 +340,22 @@
       </a:defRPr>
     </a:lvl9pPr>
   </p:defaultTextStyle>
+  <p:extLst>
+    <p:ext uri="{EFAFB233-063F-42B5-8137-9DF3F51BA10A}">
+      <p15:sldGuideLst xmlns:p15="http://schemas.microsoft.com/office/powerpoint/2012/main"/>
+    </p:ext>
+  </p:extLst>
 </p:presentation>
 </file>
 
-<file path=ppt/commentAuthors.xml><?xml version="1.0" encoding="utf-8"?>
-<p:cmAuthorLst xmlns:a="http://schemas.openxmlformats.org/drawingml/2006/main" xmlns:r="http://schemas.openxmlformats.org/officeDocument/2006/relationships" xmlns:p="http://schemas.openxmlformats.org/presentationml/2006/main" xmlns:m="http://schemas.openxmlformats.org/officeDocument/2006/math" xmlns:a14="http://schemas.microsoft.com/office/drawing/2010/main"/>
-</file>
-
 <file path=ppt/notesMasters/notesMaster1.xml><?xml version="1.0" encoding="utf-8"?>
-<p:notesMaster xmlns:a="http://schemas.openxmlformats.org/drawingml/2006/main" xmlns:r="http://schemas.openxmlformats.org/officeDocument/2006/relationships" xmlns:p="http://schemas.openxmlformats.org/presentationml/2006/main" xmlns:m="http://schemas.openxmlformats.org/officeDocument/2006/math" xmlns:a14="http://schemas.microsoft.com/office/drawing/2010/main">
+<p:notesMaster xmlns:a="http://schemas.openxmlformats.org/drawingml/2006/main" xmlns:r="http://schemas.openxmlformats.org/officeDocument/2006/relationships" xmlns:p="http://schemas.openxmlformats.org/presentationml/2006/main">
   <p:cSld>
+    <p:bg>
+      <p:bgRef idx="1001">
+        <a:schemeClr val="bg1"/>
+      </p:bgRef>
+    </p:bg>
     <p:spTree>
       <p:nvGrpSpPr>
         <p:cNvPr id="1" name=""/>
@@ -359,7 +373,9 @@
       <p:sp>
         <p:nvSpPr>
           <p:cNvPr id="101" name="Shape 101"/>
-          <p:cNvSpPr/>
+          <p:cNvSpPr>
+            <a:spLocks noGrp="1" noRot="1" noChangeAspect="1"/>
+          </p:cNvSpPr>
           <p:nvPr>
             <p:ph type="sldImg"/>
           </p:nvPr>
@@ -377,14 +393,16 @@
           <a:bodyPr/>
           <a:lstStyle/>
           <a:p>
-            <a:pPr/>
+            <a:endParaRPr/>
           </a:p>
         </p:txBody>
       </p:sp>
       <p:sp>
         <p:nvSpPr>
           <p:cNvPr id="102" name="Shape 102"/>
-          <p:cNvSpPr/>
+          <p:cNvSpPr>
+            <a:spLocks noGrp="1"/>
+          </p:cNvSpPr>
           <p:nvPr>
             <p:ph type="body" sz="quarter" idx="1"/>
           </p:nvPr>
@@ -402,7 +420,7 @@
           <a:bodyPr/>
           <a:lstStyle/>
           <a:p>
-            <a:pPr/>
+            <a:endParaRPr/>
           </a:p>
         </p:txBody>
       </p:sp>
@@ -487,7 +505,7 @@
 </file>
 
 <file path=ppt/slideLayouts/slideLayout1.xml><?xml version="1.0" encoding="utf-8"?>
-<p:sldLayout xmlns:a="http://schemas.openxmlformats.org/drawingml/2006/main" xmlns:r="http://schemas.openxmlformats.org/officeDocument/2006/relationships" xmlns:p="http://schemas.openxmlformats.org/presentationml/2006/main" xmlns:m="http://schemas.openxmlformats.org/officeDocument/2006/math" xmlns:a14="http://schemas.microsoft.com/office/drawing/2010/main" type="title" showMasterSp="0" showMasterPhAnim="1">
+<p:sldLayout xmlns:a="http://schemas.openxmlformats.org/drawingml/2006/main" xmlns:r="http://schemas.openxmlformats.org/officeDocument/2006/relationships" xmlns:p="http://schemas.openxmlformats.org/presentationml/2006/main" showMasterSp="0" type="title">
   <p:cSld name="Diapositiva titolo">
     <p:spTree>
       <p:nvGrpSpPr>
@@ -539,13 +557,16 @@
                 <a:sym typeface="Corbel"/>
               </a:defRPr>
             </a:pPr>
+            <a:endParaRPr/>
           </a:p>
         </p:txBody>
       </p:sp>
       <p:sp>
         <p:nvSpPr>
           <p:cNvPr id="14" name="Titolo Testo"/>
-          <p:cNvSpPr txBox="1"/>
+          <p:cNvSpPr txBox="1">
+            <a:spLocks noGrp="1"/>
+          </p:cNvSpPr>
           <p:nvPr>
             <p:ph type="title"/>
           </p:nvPr>
@@ -567,7 +588,6 @@
             </a:lvl1pPr>
           </a:lstStyle>
           <a:p>
-            <a:pPr/>
             <a:r>
               <a:t>Titolo Testo</a:t>
             </a:r>
@@ -577,7 +597,9 @@
       <p:sp>
         <p:nvSpPr>
           <p:cNvPr id="15" name="Corpo livello uno…"/>
-          <p:cNvSpPr txBox="1"/>
+          <p:cNvSpPr txBox="1">
+            <a:spLocks noGrp="1"/>
+          </p:cNvSpPr>
           <p:nvPr>
             <p:ph type="body" sz="quarter" idx="1"/>
           </p:nvPr>
@@ -646,7 +668,6 @@
             </a:lvl5pPr>
           </a:lstStyle>
           <a:p>
-            <a:pPr/>
             <a:r>
               <a:t>Corpo livello uno</a:t>
             </a:r>
@@ -698,7 +719,7 @@
             <a:miter lim="400000"/>
           </a:ln>
           <a:effectLst>
-            <a:outerShdw sx="100000" sy="100000" kx="0" ky="0" algn="b" rotWithShape="0" blurRad="38100" dist="10160" dir="5400000">
+            <a:outerShdw blurRad="38100" dist="10160" dir="5400000" rotWithShape="0">
               <a:srgbClr val="000000">
                 <a:alpha val="60000"/>
               </a:srgbClr>
@@ -720,13 +741,16 @@
                 <a:sym typeface="Corbel"/>
               </a:defRPr>
             </a:pPr>
+            <a:endParaRPr/>
           </a:p>
         </p:txBody>
       </p:sp>
       <p:sp>
         <p:nvSpPr>
           <p:cNvPr id="17" name="Numero diapositiva"/>
-          <p:cNvSpPr txBox="1"/>
+          <p:cNvSpPr txBox="1">
+            <a:spLocks noGrp="1"/>
+          </p:cNvSpPr>
           <p:nvPr>
             <p:ph type="sldNum" sz="quarter" idx="2"/>
           </p:nvPr>
@@ -740,8 +764,10 @@
           <a:bodyPr/>
           <a:lstStyle/>
           <a:p>
-            <a:pPr/>
-            <a:fld id="{86CB4B4D-7CA3-9044-876B-883B54F8677D}" type="slidenum"/>
+            <a:fld id="{86CB4B4D-7CA3-9044-876B-883B54F8677D}" type="slidenum">
+              <a:t>‹#›</a:t>
+            </a:fld>
+            <a:endParaRPr/>
           </a:p>
         </p:txBody>
       </p:sp>
@@ -750,12 +776,12 @@
   <p:clrMapOvr>
     <a:masterClrMapping/>
   </p:clrMapOvr>
-  <p:transition xmlns:p14="http://schemas.microsoft.com/office/powerpoint/2010/main" spd="med" advClick="1"/>
+  <p:transition spd="med"/>
 </p:sldLayout>
 </file>
 
 <file path=ppt/slideLayouts/slideLayout2.xml><?xml version="1.0" encoding="utf-8"?>
-<p:sldLayout xmlns:a="http://schemas.openxmlformats.org/drawingml/2006/main" xmlns:r="http://schemas.openxmlformats.org/officeDocument/2006/relationships" xmlns:p="http://schemas.openxmlformats.org/presentationml/2006/main" xmlns:m="http://schemas.openxmlformats.org/officeDocument/2006/math" xmlns:a14="http://schemas.microsoft.com/office/drawing/2010/main" type="tx" showMasterSp="1" showMasterPhAnim="1">
+<p:sldLayout xmlns:a="http://schemas.openxmlformats.org/drawingml/2006/main" xmlns:r="http://schemas.openxmlformats.org/officeDocument/2006/relationships" xmlns:p="http://schemas.openxmlformats.org/presentationml/2006/main" type="tx">
   <p:cSld name="Titolo e contenuto">
     <p:spTree>
       <p:nvGrpSpPr>
@@ -774,7 +800,9 @@
       <p:sp>
         <p:nvSpPr>
           <p:cNvPr id="24" name="Titolo Testo"/>
-          <p:cNvSpPr txBox="1"/>
+          <p:cNvSpPr txBox="1">
+            <a:spLocks noGrp="1"/>
+          </p:cNvSpPr>
           <p:nvPr>
             <p:ph type="title"/>
           </p:nvPr>
@@ -788,7 +816,6 @@
           <a:bodyPr/>
           <a:lstStyle/>
           <a:p>
-            <a:pPr/>
             <a:r>
               <a:t>Titolo Testo</a:t>
             </a:r>
@@ -798,7 +825,9 @@
       <p:sp>
         <p:nvSpPr>
           <p:cNvPr id="25" name="Corpo livello uno…"/>
-          <p:cNvSpPr txBox="1"/>
+          <p:cNvSpPr txBox="1">
+            <a:spLocks noGrp="1"/>
+          </p:cNvSpPr>
           <p:nvPr>
             <p:ph type="body" idx="1"/>
           </p:nvPr>
@@ -812,7 +841,6 @@
           <a:bodyPr/>
           <a:lstStyle/>
           <a:p>
-            <a:pPr/>
             <a:r>
               <a:t>Corpo livello uno</a:t>
             </a:r>
@@ -846,7 +874,9 @@
       <p:sp>
         <p:nvSpPr>
           <p:cNvPr id="26" name="Numero diapositiva"/>
-          <p:cNvSpPr txBox="1"/>
+          <p:cNvSpPr txBox="1">
+            <a:spLocks noGrp="1"/>
+          </p:cNvSpPr>
           <p:nvPr>
             <p:ph type="sldNum" sz="quarter" idx="2"/>
           </p:nvPr>
@@ -860,8 +890,10 @@
           <a:bodyPr/>
           <a:lstStyle/>
           <a:p>
-            <a:pPr/>
-            <a:fld id="{86CB4B4D-7CA3-9044-876B-883B54F8677D}" type="slidenum"/>
+            <a:fld id="{86CB4B4D-7CA3-9044-876B-883B54F8677D}" type="slidenum">
+              <a:t>‹#›</a:t>
+            </a:fld>
+            <a:endParaRPr/>
           </a:p>
         </p:txBody>
       </p:sp>
@@ -870,12 +902,12 @@
   <p:clrMapOvr>
     <a:masterClrMapping/>
   </p:clrMapOvr>
-  <p:transition xmlns:p14="http://schemas.microsoft.com/office/powerpoint/2010/main" spd="med" advClick="1"/>
+  <p:transition spd="med"/>
 </p:sldLayout>
 </file>
 
 <file path=ppt/slideLayouts/slideLayout3.xml><?xml version="1.0" encoding="utf-8"?>
-<p:sldLayout xmlns:a="http://schemas.openxmlformats.org/drawingml/2006/main" xmlns:r="http://schemas.openxmlformats.org/officeDocument/2006/relationships" xmlns:p="http://schemas.openxmlformats.org/presentationml/2006/main" xmlns:m="http://schemas.openxmlformats.org/officeDocument/2006/math" xmlns:a14="http://schemas.microsoft.com/office/drawing/2010/main" type="tx" showMasterSp="0" showMasterPhAnim="1">
+<p:sldLayout xmlns:a="http://schemas.openxmlformats.org/drawingml/2006/main" xmlns:r="http://schemas.openxmlformats.org/officeDocument/2006/relationships" xmlns:p="http://schemas.openxmlformats.org/presentationml/2006/main" showMasterSp="0" type="tx">
   <p:cSld name="Intestazione sezione">
     <p:spTree>
       <p:nvGrpSpPr>
@@ -927,6 +959,7 @@
                 <a:sym typeface="Corbel"/>
               </a:defRPr>
             </a:pPr>
+            <a:endParaRPr/>
           </a:p>
         </p:txBody>
       </p:sp>
@@ -951,7 +984,7 @@
             <a:miter lim="400000"/>
           </a:ln>
           <a:effectLst>
-            <a:outerShdw sx="100000" sy="100000" kx="0" ky="0" algn="b" rotWithShape="0" blurRad="38100" dist="10160" dir="5400000">
+            <a:outerShdw blurRad="38100" dist="10160" dir="5400000" rotWithShape="0">
               <a:srgbClr val="000000">
                 <a:alpha val="60000"/>
               </a:srgbClr>
@@ -973,13 +1006,16 @@
                 <a:sym typeface="Corbel"/>
               </a:defRPr>
             </a:pPr>
+            <a:endParaRPr/>
           </a:p>
         </p:txBody>
       </p:sp>
       <p:sp>
         <p:nvSpPr>
           <p:cNvPr id="35" name="Titolo Testo"/>
-          <p:cNvSpPr txBox="1"/>
+          <p:cNvSpPr txBox="1">
+            <a:spLocks noGrp="1"/>
+          </p:cNvSpPr>
           <p:nvPr>
             <p:ph type="title"/>
           </p:nvPr>
@@ -1001,7 +1037,6 @@
             </a:lvl1pPr>
           </a:lstStyle>
           <a:p>
-            <a:pPr/>
             <a:r>
               <a:t>Titolo Testo</a:t>
             </a:r>
@@ -1011,7 +1046,9 @@
       <p:sp>
         <p:nvSpPr>
           <p:cNvPr id="36" name="Corpo livello uno…"/>
-          <p:cNvSpPr txBox="1"/>
+          <p:cNvSpPr txBox="1">
+            <a:spLocks noGrp="1"/>
+          </p:cNvSpPr>
           <p:nvPr>
             <p:ph type="body" sz="quarter" idx="1"/>
           </p:nvPr>
@@ -1080,7 +1117,6 @@
             </a:lvl5pPr>
           </a:lstStyle>
           <a:p>
-            <a:pPr/>
             <a:r>
               <a:t>Corpo livello uno</a:t>
             </a:r>
@@ -1114,7 +1150,9 @@
       <p:sp>
         <p:nvSpPr>
           <p:cNvPr id="37" name="Numero diapositiva"/>
-          <p:cNvSpPr txBox="1"/>
+          <p:cNvSpPr txBox="1">
+            <a:spLocks noGrp="1"/>
+          </p:cNvSpPr>
           <p:nvPr>
             <p:ph type="sldNum" sz="quarter" idx="2"/>
           </p:nvPr>
@@ -1128,8 +1166,10 @@
           <a:bodyPr/>
           <a:lstStyle/>
           <a:p>
-            <a:pPr/>
-            <a:fld id="{86CB4B4D-7CA3-9044-876B-883B54F8677D}" type="slidenum"/>
+            <a:fld id="{86CB4B4D-7CA3-9044-876B-883B54F8677D}" type="slidenum">
+              <a:t>‹#›</a:t>
+            </a:fld>
+            <a:endParaRPr/>
           </a:p>
         </p:txBody>
       </p:sp>
@@ -1138,12 +1178,12 @@
   <p:clrMapOvr>
     <a:masterClrMapping/>
   </p:clrMapOvr>
-  <p:transition xmlns:p14="http://schemas.microsoft.com/office/powerpoint/2010/main" spd="med" advClick="1"/>
+  <p:transition spd="med"/>
 </p:sldLayout>
 </file>
 
 <file path=ppt/slideLayouts/slideLayout4.xml><?xml version="1.0" encoding="utf-8"?>
-<p:sldLayout xmlns:a="http://schemas.openxmlformats.org/drawingml/2006/main" xmlns:r="http://schemas.openxmlformats.org/officeDocument/2006/relationships" xmlns:p="http://schemas.openxmlformats.org/presentationml/2006/main" xmlns:m="http://schemas.openxmlformats.org/officeDocument/2006/math" xmlns:a14="http://schemas.microsoft.com/office/drawing/2010/main" type="tx" showMasterSp="1" showMasterPhAnim="1">
+<p:sldLayout xmlns:a="http://schemas.openxmlformats.org/drawingml/2006/main" xmlns:r="http://schemas.openxmlformats.org/officeDocument/2006/relationships" xmlns:p="http://schemas.openxmlformats.org/presentationml/2006/main" type="tx">
   <p:cSld name="Due contenuti">
     <p:spTree>
       <p:nvGrpSpPr>
@@ -1162,7 +1202,9 @@
       <p:sp>
         <p:nvSpPr>
           <p:cNvPr id="44" name="Titolo Testo"/>
-          <p:cNvSpPr txBox="1"/>
+          <p:cNvSpPr txBox="1">
+            <a:spLocks noGrp="1"/>
+          </p:cNvSpPr>
           <p:nvPr>
             <p:ph type="title"/>
           </p:nvPr>
@@ -1180,7 +1222,6 @@
           <a:bodyPr/>
           <a:lstStyle/>
           <a:p>
-            <a:pPr/>
             <a:r>
               <a:t>Titolo Testo</a:t>
             </a:r>
@@ -1190,7 +1231,9 @@
       <p:sp>
         <p:nvSpPr>
           <p:cNvPr id="45" name="Corpo livello uno…"/>
-          <p:cNvSpPr txBox="1"/>
+          <p:cNvSpPr txBox="1">
+            <a:spLocks noGrp="1"/>
+          </p:cNvSpPr>
           <p:nvPr>
             <p:ph type="body" sz="half" idx="1"/>
           </p:nvPr>
@@ -1224,7 +1267,6 @@
             </a:lvl5pPr>
           </a:lstStyle>
           <a:p>
-            <a:pPr/>
             <a:r>
               <a:t>Corpo livello uno</a:t>
             </a:r>
@@ -1258,7 +1300,9 @@
       <p:sp>
         <p:nvSpPr>
           <p:cNvPr id="46" name="Numero diapositiva"/>
-          <p:cNvSpPr txBox="1"/>
+          <p:cNvSpPr txBox="1">
+            <a:spLocks noGrp="1"/>
+          </p:cNvSpPr>
           <p:nvPr>
             <p:ph type="sldNum" sz="quarter" idx="2"/>
           </p:nvPr>
@@ -1272,8 +1316,10 @@
           <a:bodyPr/>
           <a:lstStyle/>
           <a:p>
-            <a:pPr/>
-            <a:fld id="{86CB4B4D-7CA3-9044-876B-883B54F8677D}" type="slidenum"/>
+            <a:fld id="{86CB4B4D-7CA3-9044-876B-883B54F8677D}" type="slidenum">
+              <a:t>‹#›</a:t>
+            </a:fld>
+            <a:endParaRPr/>
           </a:p>
         </p:txBody>
       </p:sp>
@@ -1282,12 +1328,12 @@
   <p:clrMapOvr>
     <a:masterClrMapping/>
   </p:clrMapOvr>
-  <p:transition xmlns:p14="http://schemas.microsoft.com/office/powerpoint/2010/main" spd="med" advClick="1"/>
+  <p:transition spd="med"/>
 </p:sldLayout>
 </file>
 
 <file path=ppt/slideLayouts/slideLayout5.xml><?xml version="1.0" encoding="utf-8"?>
-<p:sldLayout xmlns:a="http://schemas.openxmlformats.org/drawingml/2006/main" xmlns:r="http://schemas.openxmlformats.org/officeDocument/2006/relationships" xmlns:p="http://schemas.openxmlformats.org/presentationml/2006/main" xmlns:m="http://schemas.openxmlformats.org/officeDocument/2006/math" xmlns:a14="http://schemas.microsoft.com/office/drawing/2010/main" type="tx" showMasterSp="1" showMasterPhAnim="1">
+<p:sldLayout xmlns:a="http://schemas.openxmlformats.org/drawingml/2006/main" xmlns:r="http://schemas.openxmlformats.org/officeDocument/2006/relationships" xmlns:p="http://schemas.openxmlformats.org/presentationml/2006/main" type="tx">
   <p:cSld name="Confronto">
     <p:spTree>
       <p:nvGrpSpPr>
@@ -1306,7 +1352,9 @@
       <p:sp>
         <p:nvSpPr>
           <p:cNvPr id="53" name="Titolo Testo"/>
-          <p:cNvSpPr txBox="1"/>
+          <p:cNvSpPr txBox="1">
+            <a:spLocks noGrp="1"/>
+          </p:cNvSpPr>
           <p:nvPr>
             <p:ph type="title"/>
           </p:nvPr>
@@ -1324,7 +1372,6 @@
           <a:bodyPr/>
           <a:lstStyle/>
           <a:p>
-            <a:pPr/>
             <a:r>
               <a:t>Titolo Testo</a:t>
             </a:r>
@@ -1334,7 +1381,9 @@
       <p:sp>
         <p:nvSpPr>
           <p:cNvPr id="54" name="Corpo livello uno…"/>
-          <p:cNvSpPr txBox="1"/>
+          <p:cNvSpPr txBox="1">
+            <a:spLocks noGrp="1"/>
+          </p:cNvSpPr>
           <p:nvPr>
             <p:ph type="body" sz="quarter" idx="1"/>
           </p:nvPr>
@@ -1355,35 +1404,34 @@
               <a:buClrTx/>
               <a:buSzTx/>
               <a:buNone/>
-              <a:defRPr cap="all" sz="2300"/>
+              <a:defRPr sz="2300" cap="all"/>
             </a:lvl1pPr>
             <a:lvl2pPr marL="0" indent="0">
               <a:buClrTx/>
               <a:buSzTx/>
               <a:buNone/>
-              <a:defRPr cap="all" sz="2300"/>
+              <a:defRPr sz="2300" cap="all"/>
             </a:lvl2pPr>
             <a:lvl3pPr marL="0" indent="0">
               <a:buClrTx/>
               <a:buSzTx/>
               <a:buNone/>
-              <a:defRPr cap="all" sz="2300"/>
+              <a:defRPr sz="2300" cap="all"/>
             </a:lvl3pPr>
             <a:lvl4pPr marL="0" indent="0">
               <a:buClrTx/>
               <a:buSzTx/>
               <a:buNone/>
-              <a:defRPr cap="all" sz="2300"/>
+              <a:defRPr sz="2300" cap="all"/>
             </a:lvl4pPr>
             <a:lvl5pPr marL="0" indent="0">
               <a:buClrTx/>
               <a:buSzTx/>
               <a:buNone/>
-              <a:defRPr cap="all" sz="2300"/>
+              <a:defRPr sz="2300" cap="all"/>
             </a:lvl5pPr>
           </a:lstStyle>
           <a:p>
-            <a:pPr/>
             <a:r>
               <a:t>Corpo livello uno</a:t>
             </a:r>
@@ -1417,7 +1465,9 @@
       <p:sp>
         <p:nvSpPr>
           <p:cNvPr id="55" name="Segnaposto testo 4"/>
-          <p:cNvSpPr/>
+          <p:cNvSpPr>
+            <a:spLocks noGrp="1"/>
+          </p:cNvSpPr>
           <p:nvPr>
             <p:ph type="body" sz="quarter" idx="13"/>
           </p:nvPr>
@@ -1435,14 +1485,16 @@
           <a:bodyPr anchor="ctr"/>
           <a:lstStyle/>
           <a:p>
-            <a:pPr/>
+            <a:endParaRPr/>
           </a:p>
         </p:txBody>
       </p:sp>
       <p:sp>
         <p:nvSpPr>
           <p:cNvPr id="56" name="Numero diapositiva"/>
-          <p:cNvSpPr txBox="1"/>
+          <p:cNvSpPr txBox="1">
+            <a:spLocks noGrp="1"/>
+          </p:cNvSpPr>
           <p:nvPr>
             <p:ph type="sldNum" sz="quarter" idx="2"/>
           </p:nvPr>
@@ -1456,8 +1508,10 @@
           <a:bodyPr/>
           <a:lstStyle/>
           <a:p>
-            <a:pPr/>
-            <a:fld id="{86CB4B4D-7CA3-9044-876B-883B54F8677D}" type="slidenum"/>
+            <a:fld id="{86CB4B4D-7CA3-9044-876B-883B54F8677D}" type="slidenum">
+              <a:t>‹#›</a:t>
+            </a:fld>
+            <a:endParaRPr/>
           </a:p>
         </p:txBody>
       </p:sp>
@@ -1466,12 +1520,12 @@
   <p:clrMapOvr>
     <a:masterClrMapping/>
   </p:clrMapOvr>
-  <p:transition xmlns:p14="http://schemas.microsoft.com/office/powerpoint/2010/main" spd="med" advClick="1"/>
+  <p:transition spd="med"/>
 </p:sldLayout>
 </file>
 
 <file path=ppt/slideLayouts/slideLayout6.xml><?xml version="1.0" encoding="utf-8"?>
-<p:sldLayout xmlns:a="http://schemas.openxmlformats.org/drawingml/2006/main" xmlns:r="http://schemas.openxmlformats.org/officeDocument/2006/relationships" xmlns:p="http://schemas.openxmlformats.org/presentationml/2006/main" xmlns:m="http://schemas.openxmlformats.org/officeDocument/2006/math" xmlns:a14="http://schemas.microsoft.com/office/drawing/2010/main" type="tx" showMasterSp="1" showMasterPhAnim="1">
+<p:sldLayout xmlns:a="http://schemas.openxmlformats.org/drawingml/2006/main" xmlns:r="http://schemas.openxmlformats.org/officeDocument/2006/relationships" xmlns:p="http://schemas.openxmlformats.org/presentationml/2006/main" type="tx">
   <p:cSld name="Solo titolo">
     <p:spTree>
       <p:nvGrpSpPr>
@@ -1490,7 +1544,9 @@
       <p:sp>
         <p:nvSpPr>
           <p:cNvPr id="63" name="Titolo Testo"/>
-          <p:cNvSpPr txBox="1"/>
+          <p:cNvSpPr txBox="1">
+            <a:spLocks noGrp="1"/>
+          </p:cNvSpPr>
           <p:nvPr>
             <p:ph type="title"/>
           </p:nvPr>
@@ -1508,7 +1564,6 @@
           <a:bodyPr/>
           <a:lstStyle/>
           <a:p>
-            <a:pPr/>
             <a:r>
               <a:t>Titolo Testo</a:t>
             </a:r>
@@ -1518,7 +1573,9 @@
       <p:sp>
         <p:nvSpPr>
           <p:cNvPr id="64" name="Numero diapositiva"/>
-          <p:cNvSpPr txBox="1"/>
+          <p:cNvSpPr txBox="1">
+            <a:spLocks noGrp="1"/>
+          </p:cNvSpPr>
           <p:nvPr>
             <p:ph type="sldNum" sz="quarter" idx="2"/>
           </p:nvPr>
@@ -1532,8 +1589,10 @@
           <a:bodyPr/>
           <a:lstStyle/>
           <a:p>
-            <a:pPr/>
-            <a:fld id="{86CB4B4D-7CA3-9044-876B-883B54F8677D}" type="slidenum"/>
+            <a:fld id="{86CB4B4D-7CA3-9044-876B-883B54F8677D}" type="slidenum">
+              <a:t>‹#›</a:t>
+            </a:fld>
+            <a:endParaRPr/>
           </a:p>
         </p:txBody>
       </p:sp>
@@ -1542,12 +1601,12 @@
   <p:clrMapOvr>
     <a:masterClrMapping/>
   </p:clrMapOvr>
-  <p:transition xmlns:p14="http://schemas.microsoft.com/office/powerpoint/2010/main" spd="med" advClick="1"/>
+  <p:transition spd="med"/>
 </p:sldLayout>
 </file>
 
 <file path=ppt/slideLayouts/slideLayout7.xml><?xml version="1.0" encoding="utf-8"?>
-<p:sldLayout xmlns:a="http://schemas.openxmlformats.org/drawingml/2006/main" xmlns:r="http://schemas.openxmlformats.org/officeDocument/2006/relationships" xmlns:p="http://schemas.openxmlformats.org/presentationml/2006/main" xmlns:m="http://schemas.openxmlformats.org/officeDocument/2006/math" xmlns:a14="http://schemas.microsoft.com/office/drawing/2010/main" type="tx" showMasterSp="0" showMasterPhAnim="1">
+<p:sldLayout xmlns:a="http://schemas.openxmlformats.org/drawingml/2006/main" xmlns:r="http://schemas.openxmlformats.org/officeDocument/2006/relationships" xmlns:p="http://schemas.openxmlformats.org/presentationml/2006/main" showMasterSp="0" type="tx">
   <p:cSld name="Vuota">
     <p:spTree>
       <p:nvGrpSpPr>
@@ -1566,7 +1625,9 @@
       <p:sp>
         <p:nvSpPr>
           <p:cNvPr id="71" name="Numero diapositiva"/>
-          <p:cNvSpPr txBox="1"/>
+          <p:cNvSpPr txBox="1">
+            <a:spLocks noGrp="1"/>
+          </p:cNvSpPr>
           <p:nvPr>
             <p:ph type="sldNum" sz="quarter" idx="2"/>
           </p:nvPr>
@@ -1580,8 +1641,10 @@
           <a:bodyPr/>
           <a:lstStyle/>
           <a:p>
-            <a:pPr/>
-            <a:fld id="{86CB4B4D-7CA3-9044-876B-883B54F8677D}" type="slidenum"/>
+            <a:fld id="{86CB4B4D-7CA3-9044-876B-883B54F8677D}" type="slidenum">
+              <a:t>‹#›</a:t>
+            </a:fld>
+            <a:endParaRPr/>
           </a:p>
         </p:txBody>
       </p:sp>
@@ -1590,12 +1653,12 @@
   <p:clrMapOvr>
     <a:masterClrMapping/>
   </p:clrMapOvr>
-  <p:transition xmlns:p14="http://schemas.microsoft.com/office/powerpoint/2010/main" spd="med" advClick="1"/>
+  <p:transition spd="med"/>
 </p:sldLayout>
 </file>
 
 <file path=ppt/slideLayouts/slideLayout8.xml><?xml version="1.0" encoding="utf-8"?>
-<p:sldLayout xmlns:a="http://schemas.openxmlformats.org/drawingml/2006/main" xmlns:r="http://schemas.openxmlformats.org/officeDocument/2006/relationships" xmlns:p="http://schemas.openxmlformats.org/presentationml/2006/main" xmlns:m="http://schemas.openxmlformats.org/officeDocument/2006/math" xmlns:a14="http://schemas.microsoft.com/office/drawing/2010/main" type="tx" showMasterSp="1" showMasterPhAnim="1">
+<p:sldLayout xmlns:a="http://schemas.openxmlformats.org/drawingml/2006/main" xmlns:r="http://schemas.openxmlformats.org/officeDocument/2006/relationships" xmlns:p="http://schemas.openxmlformats.org/presentationml/2006/main" type="tx">
   <p:cSld name="Contenuto con didascalia">
     <p:spTree>
       <p:nvGrpSpPr>
@@ -1614,7 +1677,9 @@
       <p:sp>
         <p:nvSpPr>
           <p:cNvPr id="78" name="Titolo Testo"/>
-          <p:cNvSpPr txBox="1"/>
+          <p:cNvSpPr txBox="1">
+            <a:spLocks noGrp="1"/>
+          </p:cNvSpPr>
           <p:nvPr>
             <p:ph type="title"/>
           </p:nvPr>
@@ -1636,7 +1701,6 @@
             </a:lvl1pPr>
           </a:lstStyle>
           <a:p>
-            <a:pPr/>
             <a:r>
               <a:t>Titolo Testo</a:t>
             </a:r>
@@ -1646,7 +1710,9 @@
       <p:sp>
         <p:nvSpPr>
           <p:cNvPr id="79" name="Corpo livello uno…"/>
-          <p:cNvSpPr txBox="1"/>
+          <p:cNvSpPr txBox="1">
+            <a:spLocks noGrp="1"/>
+          </p:cNvSpPr>
           <p:nvPr>
             <p:ph type="body" idx="1"/>
           </p:nvPr>
@@ -1664,7 +1730,6 @@
           <a:bodyPr/>
           <a:lstStyle/>
           <a:p>
-            <a:pPr/>
             <a:r>
               <a:t>Corpo livello uno</a:t>
             </a:r>
@@ -1698,7 +1763,9 @@
       <p:sp>
         <p:nvSpPr>
           <p:cNvPr id="80" name="Segnaposto testo 3"/>
-          <p:cNvSpPr/>
+          <p:cNvSpPr>
+            <a:spLocks noGrp="1"/>
+          </p:cNvSpPr>
           <p:nvPr>
             <p:ph type="body" sz="quarter" idx="13"/>
           </p:nvPr>
@@ -1716,7 +1783,7 @@
           <a:bodyPr/>
           <a:lstStyle/>
           <a:p>
-            <a:pPr/>
+            <a:endParaRPr/>
           </a:p>
         </p:txBody>
       </p:sp>
@@ -1756,6 +1823,7 @@
                 <a:sym typeface="Corbel"/>
               </a:defRPr>
             </a:pPr>
+            <a:endParaRPr/>
           </a:p>
         </p:txBody>
       </p:sp>
@@ -1795,13 +1863,16 @@
                 <a:sym typeface="Corbel"/>
               </a:defRPr>
             </a:pPr>
+            <a:endParaRPr/>
           </a:p>
         </p:txBody>
       </p:sp>
       <p:sp>
         <p:nvSpPr>
           <p:cNvPr id="83" name="Numero diapositiva"/>
-          <p:cNvSpPr txBox="1"/>
+          <p:cNvSpPr txBox="1">
+            <a:spLocks noGrp="1"/>
+          </p:cNvSpPr>
           <p:nvPr>
             <p:ph type="sldNum" sz="quarter" idx="2"/>
           </p:nvPr>
@@ -1815,8 +1886,10 @@
           <a:bodyPr/>
           <a:lstStyle/>
           <a:p>
-            <a:pPr/>
-            <a:fld id="{86CB4B4D-7CA3-9044-876B-883B54F8677D}" type="slidenum"/>
+            <a:fld id="{86CB4B4D-7CA3-9044-876B-883B54F8677D}" type="slidenum">
+              <a:t>‹#›</a:t>
+            </a:fld>
+            <a:endParaRPr/>
           </a:p>
         </p:txBody>
       </p:sp>
@@ -1825,12 +1898,12 @@
   <p:clrMapOvr>
     <a:masterClrMapping/>
   </p:clrMapOvr>
-  <p:transition xmlns:p14="http://schemas.microsoft.com/office/powerpoint/2010/main" spd="med" advClick="1"/>
+  <p:transition spd="med"/>
 </p:sldLayout>
 </file>
 
 <file path=ppt/slideLayouts/slideLayout9.xml><?xml version="1.0" encoding="utf-8"?>
-<p:sldLayout xmlns:a="http://schemas.openxmlformats.org/drawingml/2006/main" xmlns:r="http://schemas.openxmlformats.org/officeDocument/2006/relationships" xmlns:p="http://schemas.openxmlformats.org/presentationml/2006/main" xmlns:m="http://schemas.openxmlformats.org/officeDocument/2006/math" xmlns:a14="http://schemas.microsoft.com/office/drawing/2010/main" type="tx" showMasterSp="1" showMasterPhAnim="1">
+<p:sldLayout xmlns:a="http://schemas.openxmlformats.org/drawingml/2006/main" xmlns:r="http://schemas.openxmlformats.org/officeDocument/2006/relationships" xmlns:p="http://schemas.openxmlformats.org/presentationml/2006/main" type="tx">
   <p:cSld name="Immagine con didascalia">
     <p:spTree>
       <p:nvGrpSpPr>
@@ -1849,7 +1922,9 @@
       <p:sp>
         <p:nvSpPr>
           <p:cNvPr id="90" name="Titolo Testo"/>
-          <p:cNvSpPr txBox="1"/>
+          <p:cNvSpPr txBox="1">
+            <a:spLocks noGrp="1"/>
+          </p:cNvSpPr>
           <p:nvPr>
             <p:ph type="title"/>
           </p:nvPr>
@@ -1871,7 +1946,6 @@
             </a:lvl1pPr>
           </a:lstStyle>
           <a:p>
-            <a:pPr/>
             <a:r>
               <a:t>Titolo Testo</a:t>
             </a:r>
@@ -1881,7 +1955,9 @@
       <p:sp>
         <p:nvSpPr>
           <p:cNvPr id="91" name="Segnaposto immagine 2"/>
-          <p:cNvSpPr/>
+          <p:cNvSpPr>
+            <a:spLocks noGrp="1"/>
+          </p:cNvSpPr>
           <p:nvPr>
             <p:ph type="pic" idx="13"/>
           </p:nvPr>
@@ -1901,14 +1977,16 @@
           </a:bodyPr>
           <a:lstStyle/>
           <a:p>
-            <a:pPr/>
+            <a:endParaRPr/>
           </a:p>
         </p:txBody>
       </p:sp>
       <p:sp>
         <p:nvSpPr>
           <p:cNvPr id="92" name="Corpo livello uno…"/>
-          <p:cNvSpPr txBox="1"/>
+          <p:cNvSpPr txBox="1">
+            <a:spLocks noGrp="1"/>
+          </p:cNvSpPr>
           <p:nvPr>
             <p:ph type="body" sz="quarter" idx="1"/>
           </p:nvPr>
@@ -1957,7 +2035,6 @@
             </a:lvl5pPr>
           </a:lstStyle>
           <a:p>
-            <a:pPr/>
             <a:r>
               <a:t>Corpo livello uno</a:t>
             </a:r>
@@ -2024,6 +2101,7 @@
                 <a:sym typeface="Corbel"/>
               </a:defRPr>
             </a:pPr>
+            <a:endParaRPr/>
           </a:p>
         </p:txBody>
       </p:sp>
@@ -2063,13 +2141,16 @@
                 <a:sym typeface="Corbel"/>
               </a:defRPr>
             </a:pPr>
+            <a:endParaRPr/>
           </a:p>
         </p:txBody>
       </p:sp>
       <p:sp>
         <p:nvSpPr>
           <p:cNvPr id="95" name="Numero diapositiva"/>
-          <p:cNvSpPr txBox="1"/>
+          <p:cNvSpPr txBox="1">
+            <a:spLocks noGrp="1"/>
+          </p:cNvSpPr>
           <p:nvPr>
             <p:ph type="sldNum" sz="quarter" idx="2"/>
           </p:nvPr>
@@ -2087,8 +2168,10 @@
           <a:bodyPr/>
           <a:lstStyle/>
           <a:p>
-            <a:pPr/>
-            <a:fld id="{86CB4B4D-7CA3-9044-876B-883B54F8677D}" type="slidenum"/>
+            <a:fld id="{86CB4B4D-7CA3-9044-876B-883B54F8677D}" type="slidenum">
+              <a:t>‹#›</a:t>
+            </a:fld>
+            <a:endParaRPr/>
           </a:p>
         </p:txBody>
       </p:sp>
@@ -2097,18 +2180,19 @@
   <p:clrMapOvr>
     <a:masterClrMapping/>
   </p:clrMapOvr>
-  <p:transition xmlns:p14="http://schemas.microsoft.com/office/powerpoint/2010/main" spd="med" advClick="1"/>
+  <p:transition spd="med"/>
 </p:sldLayout>
 </file>
 
 <file path=ppt/slideMasters/slideMaster1.xml><?xml version="1.0" encoding="utf-8"?>
-<p:sldMaster xmlns:a="http://schemas.openxmlformats.org/drawingml/2006/main" xmlns:r="http://schemas.openxmlformats.org/officeDocument/2006/relationships" xmlns:p="http://schemas.openxmlformats.org/presentationml/2006/main" xmlns:m="http://schemas.openxmlformats.org/officeDocument/2006/math" xmlns:a14="http://schemas.microsoft.com/office/drawing/2010/main">
+<p:sldMaster xmlns:a="http://schemas.openxmlformats.org/drawingml/2006/main" xmlns:r="http://schemas.openxmlformats.org/officeDocument/2006/relationships" xmlns:p="http://schemas.openxmlformats.org/presentationml/2006/main">
   <p:cSld>
     <p:bg>
       <p:bgPr>
         <a:solidFill>
           <a:srgbClr val="FFFFFF"/>
         </a:solidFill>
+        <a:effectLst/>
       </p:bgPr>
     </p:bg>
     <p:spTree>
@@ -2146,7 +2230,7 @@
             <a:miter lim="400000"/>
           </a:ln>
           <a:effectLst>
-            <a:outerShdw sx="100000" sy="100000" kx="0" ky="0" algn="b" rotWithShape="0" blurRad="38100" dist="10160" dir="5400000">
+            <a:outerShdw blurRad="38100" dist="10160" dir="5400000" rotWithShape="0">
               <a:srgbClr val="000000">
                 <a:alpha val="60000"/>
               </a:srgbClr>
@@ -2168,6 +2252,7 @@
                 <a:sym typeface="Corbel"/>
               </a:defRPr>
             </a:pPr>
+            <a:endParaRPr/>
           </a:p>
         </p:txBody>
       </p:sp>
@@ -2207,13 +2292,16 @@
                 <a:sym typeface="Corbel"/>
               </a:defRPr>
             </a:pPr>
+            <a:endParaRPr/>
           </a:p>
         </p:txBody>
       </p:sp>
       <p:sp>
         <p:nvSpPr>
           <p:cNvPr id="4" name="Titolo Testo"/>
-          <p:cNvSpPr txBox="1"/>
+          <p:cNvSpPr txBox="1">
+            <a:spLocks noGrp="1"/>
+          </p:cNvSpPr>
           <p:nvPr>
             <p:ph type="title"/>
           </p:nvPr>
@@ -2231,17 +2319,16 @@
           </a:ln>
           <a:extLst>
             <a:ext uri="{C572A759-6A51-4108-AA02-DFA0A04FC94B}">
-              <ma14:wrappingTextBoxFlag xmlns:ma14="http://schemas.microsoft.com/office/mac/drawingml/2011/main" val="1"/>
+              <ma14:wrappingTextBoxFlag xmlns:ma14="http://schemas.microsoft.com/office/mac/drawingml/2011/main" xmlns:a14="http://schemas.microsoft.com/office/drawing/2010/main" xmlns:m="http://schemas.openxmlformats.org/officeDocument/2006/math" xmlns="" val="1"/>
             </a:ext>
           </a:extLst>
         </p:spPr>
         <p:txBody>
           <a:bodyPr lIns="45718" tIns="45718" rIns="45718" bIns="45718" anchor="ctr">
-            <a:normAutofit fontScale="100000" lnSpcReduction="0"/>
+            <a:normAutofit/>
           </a:bodyPr>
           <a:lstStyle/>
           <a:p>
-            <a:pPr/>
             <a:r>
               <a:t>Titolo Testo</a:t>
             </a:r>
@@ -2251,7 +2338,9 @@
       <p:sp>
         <p:nvSpPr>
           <p:cNvPr id="5" name="Corpo livello uno…"/>
-          <p:cNvSpPr txBox="1"/>
+          <p:cNvSpPr txBox="1">
+            <a:spLocks noGrp="1"/>
+          </p:cNvSpPr>
           <p:nvPr>
             <p:ph type="body" idx="1"/>
           </p:nvPr>
@@ -2269,17 +2358,16 @@
           </a:ln>
           <a:extLst>
             <a:ext uri="{C572A759-6A51-4108-AA02-DFA0A04FC94B}">
-              <ma14:wrappingTextBoxFlag xmlns:ma14="http://schemas.microsoft.com/office/mac/drawingml/2011/main" val="1"/>
+              <ma14:wrappingTextBoxFlag xmlns:ma14="http://schemas.microsoft.com/office/mac/drawingml/2011/main" xmlns:a14="http://schemas.microsoft.com/office/drawing/2010/main" xmlns:m="http://schemas.openxmlformats.org/officeDocument/2006/math" xmlns="" val="1"/>
             </a:ext>
           </a:extLst>
         </p:spPr>
         <p:txBody>
           <a:bodyPr lIns="45718" tIns="45718" rIns="45718" bIns="45718">
-            <a:normAutofit fontScale="100000" lnSpcReduction="0"/>
+            <a:normAutofit/>
           </a:bodyPr>
           <a:lstStyle/>
           <a:p>
-            <a:pPr/>
             <a:r>
               <a:t>Corpo livello uno</a:t>
             </a:r>
@@ -2313,7 +2401,9 @@
       <p:sp>
         <p:nvSpPr>
           <p:cNvPr id="6" name="Numero diapositiva"/>
-          <p:cNvSpPr txBox="1"/>
+          <p:cNvSpPr txBox="1">
+            <a:spLocks noGrp="1"/>
+          </p:cNvSpPr>
           <p:nvPr>
             <p:ph type="sldNum" sz="quarter" idx="2"/>
           </p:nvPr>
@@ -2348,8 +2438,10 @@
             </a:lvl1pPr>
           </a:lstStyle>
           <a:p>
-            <a:pPr/>
-            <a:fld id="{86CB4B4D-7CA3-9044-876B-883B54F8677D}" type="slidenum"/>
+            <a:fld id="{86CB4B4D-7CA3-9044-876B-883B54F8677D}" type="slidenum">
+              <a:t>‹#›</a:t>
+            </a:fld>
+            <a:endParaRPr/>
           </a:p>
         </p:txBody>
       </p:sp>
@@ -2357,17 +2449,17 @@
   </p:cSld>
   <p:clrMap bg1="lt1" tx1="dk1" bg2="lt2" tx2="dk2" accent1="accent1" accent2="accent2" accent3="accent3" accent4="accent4" accent5="accent5" accent6="accent6" hlink="hlink" folHlink="folHlink"/>
   <p:sldLayoutIdLst>
-    <p:sldLayoutId id="2147483649" r:id="rId2"/>
-    <p:sldLayoutId id="2147483650" r:id="rId3"/>
-    <p:sldLayoutId id="2147483651" r:id="rId4"/>
-    <p:sldLayoutId id="2147483652" r:id="rId5"/>
-    <p:sldLayoutId id="2147483653" r:id="rId6"/>
-    <p:sldLayoutId id="2147483654" r:id="rId7"/>
-    <p:sldLayoutId id="2147483655" r:id="rId8"/>
-    <p:sldLayoutId id="2147483656" r:id="rId9"/>
-    <p:sldLayoutId id="2147483657" r:id="rId10"/>
+    <p:sldLayoutId id="2147483649" r:id="rId1"/>
+    <p:sldLayoutId id="2147483650" r:id="rId2"/>
+    <p:sldLayoutId id="2147483651" r:id="rId3"/>
+    <p:sldLayoutId id="2147483652" r:id="rId4"/>
+    <p:sldLayoutId id="2147483653" r:id="rId5"/>
+    <p:sldLayoutId id="2147483654" r:id="rId6"/>
+    <p:sldLayoutId id="2147483655" r:id="rId7"/>
+    <p:sldLayoutId id="2147483656" r:id="rId8"/>
+    <p:sldLayoutId id="2147483657" r:id="rId9"/>
   </p:sldLayoutIdLst>
-  <p:transition xmlns:p14="http://schemas.microsoft.com/office/powerpoint/2010/main" spd="med" advClick="1"/>
+  <p:transition spd="med"/>
   <p:txStyles>
     <p:titleStyle>
       <a:lvl1pPr marL="0" marR="0" indent="0" algn="l" defTabSz="914400" rtl="0" latinLnBrk="0">
@@ -2385,7 +2477,7 @@
         <a:buFontTx/>
         <a:buNone/>
         <a:tabLst/>
-        <a:defRPr b="0" baseline="0" cap="none" i="0" spc="0" strike="noStrike" sz="4500" u="none">
+        <a:defRPr sz="4500" b="0" i="0" u="none" strike="noStrike" cap="none" spc="0" baseline="0">
           <a:solidFill>
             <a:schemeClr val="accent2">
               <a:lumOff val="16690"/>
@@ -2413,7 +2505,7 @@
         <a:buFontTx/>
         <a:buNone/>
         <a:tabLst/>
-        <a:defRPr b="0" baseline="0" cap="none" i="0" spc="0" strike="noStrike" sz="4500" u="none">
+        <a:defRPr sz="4500" b="0" i="0" u="none" strike="noStrike" cap="none" spc="0" baseline="0">
           <a:solidFill>
             <a:schemeClr val="accent2">
               <a:lumOff val="16690"/>
@@ -2441,7 +2533,7 @@
         <a:buFontTx/>
         <a:buNone/>
         <a:tabLst/>
-        <a:defRPr b="0" baseline="0" cap="none" i="0" spc="0" strike="noStrike" sz="4500" u="none">
+        <a:defRPr sz="4500" b="0" i="0" u="none" strike="noStrike" cap="none" spc="0" baseline="0">
           <a:solidFill>
             <a:schemeClr val="accent2">
               <a:lumOff val="16690"/>
@@ -2469,7 +2561,7 @@
         <a:buFontTx/>
         <a:buNone/>
         <a:tabLst/>
-        <a:defRPr b="0" baseline="0" cap="none" i="0" spc="0" strike="noStrike" sz="4500" u="none">
+        <a:defRPr sz="4500" b="0" i="0" u="none" strike="noStrike" cap="none" spc="0" baseline="0">
           <a:solidFill>
             <a:schemeClr val="accent2">
               <a:lumOff val="16690"/>
@@ -2497,7 +2589,7 @@
         <a:buFontTx/>
         <a:buNone/>
         <a:tabLst/>
-        <a:defRPr b="0" baseline="0" cap="none" i="0" spc="0" strike="noStrike" sz="4500" u="none">
+        <a:defRPr sz="4500" b="0" i="0" u="none" strike="noStrike" cap="none" spc="0" baseline="0">
           <a:solidFill>
             <a:schemeClr val="accent2">
               <a:lumOff val="16690"/>
@@ -2525,7 +2617,7 @@
         <a:buFontTx/>
         <a:buNone/>
         <a:tabLst/>
-        <a:defRPr b="0" baseline="0" cap="none" i="0" spc="0" strike="noStrike" sz="4500" u="none">
+        <a:defRPr sz="4500" b="0" i="0" u="none" strike="noStrike" cap="none" spc="0" baseline="0">
           <a:solidFill>
             <a:schemeClr val="accent2">
               <a:lumOff val="16690"/>
@@ -2553,7 +2645,7 @@
         <a:buFontTx/>
         <a:buNone/>
         <a:tabLst/>
-        <a:defRPr b="0" baseline="0" cap="none" i="0" spc="0" strike="noStrike" sz="4500" u="none">
+        <a:defRPr sz="4500" b="0" i="0" u="none" strike="noStrike" cap="none" spc="0" baseline="0">
           <a:solidFill>
             <a:schemeClr val="accent2">
               <a:lumOff val="16690"/>
@@ -2581,7 +2673,7 @@
         <a:buFontTx/>
         <a:buNone/>
         <a:tabLst/>
-        <a:defRPr b="0" baseline="0" cap="none" i="0" spc="0" strike="noStrike" sz="4500" u="none">
+        <a:defRPr sz="4500" b="0" i="0" u="none" strike="noStrike" cap="none" spc="0" baseline="0">
           <a:solidFill>
             <a:schemeClr val="accent2">
               <a:lumOff val="16690"/>
@@ -2609,7 +2701,7 @@
         <a:buFontTx/>
         <a:buNone/>
         <a:tabLst/>
-        <a:defRPr b="0" baseline="0" cap="none" i="0" spc="0" strike="noStrike" sz="4500" u="none">
+        <a:defRPr sz="4500" b="0" i="0" u="none" strike="noStrike" cap="none" spc="0" baseline="0">
           <a:solidFill>
             <a:schemeClr val="accent2">
               <a:lumOff val="16690"/>
@@ -2643,7 +2735,7 @@
         <a:buFontTx/>
         <a:buChar char="◼"/>
         <a:tabLst/>
-        <a:defRPr b="0" baseline="0" cap="none" i="0" spc="0" strike="noStrike" sz="3200" u="none">
+        <a:defRPr sz="3200" b="0" i="0" u="none" strike="noStrike" cap="none" spc="0" baseline="0">
           <a:solidFill>
             <a:srgbClr val="000000"/>
           </a:solidFill>
@@ -2673,7 +2765,7 @@
         <a:buFontTx/>
         <a:buChar char="▪"/>
         <a:tabLst/>
-        <a:defRPr b="0" baseline="0" cap="none" i="0" spc="0" strike="noStrike" sz="3200" u="none">
+        <a:defRPr sz="3200" b="0" i="0" u="none" strike="noStrike" cap="none" spc="0" baseline="0">
           <a:solidFill>
             <a:srgbClr val="000000"/>
           </a:solidFill>
@@ -2703,7 +2795,7 @@
         <a:buFontTx/>
         <a:buChar char="▪"/>
         <a:tabLst/>
-        <a:defRPr b="0" baseline="0" cap="none" i="0" spc="0" strike="noStrike" sz="3200" u="none">
+        <a:defRPr sz="3200" b="0" i="0" u="none" strike="noStrike" cap="none" spc="0" baseline="0">
           <a:solidFill>
             <a:srgbClr val="000000"/>
           </a:solidFill>
@@ -2733,7 +2825,7 @@
         <a:buFontTx/>
         <a:buChar char="▪"/>
         <a:tabLst/>
-        <a:defRPr b="0" baseline="0" cap="none" i="0" spc="0" strike="noStrike" sz="3200" u="none">
+        <a:defRPr sz="3200" b="0" i="0" u="none" strike="noStrike" cap="none" spc="0" baseline="0">
           <a:solidFill>
             <a:srgbClr val="000000"/>
           </a:solidFill>
@@ -2763,7 +2855,7 @@
         <a:buFontTx/>
         <a:buChar char="­"/>
         <a:tabLst/>
-        <a:defRPr b="0" baseline="0" cap="none" i="0" spc="0" strike="noStrike" sz="3200" u="none">
+        <a:defRPr sz="3200" b="0" i="0" u="none" strike="noStrike" cap="none" spc="0" baseline="0">
           <a:solidFill>
             <a:srgbClr val="000000"/>
           </a:solidFill>
@@ -2793,7 +2885,7 @@
         <a:buFontTx/>
         <a:buChar char="●"/>
         <a:tabLst/>
-        <a:defRPr b="0" baseline="0" cap="none" i="0" spc="0" strike="noStrike" sz="3200" u="none">
+        <a:defRPr sz="3200" b="0" i="0" u="none" strike="noStrike" cap="none" spc="0" baseline="0">
           <a:solidFill>
             <a:srgbClr val="000000"/>
           </a:solidFill>
@@ -2823,7 +2915,7 @@
         <a:buFontTx/>
         <a:buChar char="●"/>
         <a:tabLst/>
-        <a:defRPr b="0" baseline="0" cap="none" i="0" spc="0" strike="noStrike" sz="3200" u="none">
+        <a:defRPr sz="3200" b="0" i="0" u="none" strike="noStrike" cap="none" spc="0" baseline="0">
           <a:solidFill>
             <a:srgbClr val="000000"/>
           </a:solidFill>
@@ -2853,7 +2945,7 @@
         <a:buFontTx/>
         <a:buChar char="●"/>
         <a:tabLst/>
-        <a:defRPr b="0" baseline="0" cap="none" i="0" spc="0" strike="noStrike" sz="3200" u="none">
+        <a:defRPr sz="3200" b="0" i="0" u="none" strike="noStrike" cap="none" spc="0" baseline="0">
           <a:solidFill>
             <a:srgbClr val="000000"/>
           </a:solidFill>
@@ -2883,7 +2975,7 @@
         <a:buFontTx/>
         <a:buChar char="●"/>
         <a:tabLst/>
-        <a:defRPr b="0" baseline="0" cap="none" i="0" spc="0" strike="noStrike" sz="3200" u="none">
+        <a:defRPr sz="3200" b="0" i="0" u="none" strike="noStrike" cap="none" spc="0" baseline="0">
           <a:solidFill>
             <a:srgbClr val="000000"/>
           </a:solidFill>
@@ -2911,7 +3003,7 @@
         <a:buFontTx/>
         <a:buNone/>
         <a:tabLst/>
-        <a:defRPr b="0" baseline="0" cap="none" i="0" spc="0" strike="noStrike" sz="1200" u="none">
+        <a:defRPr sz="1200" b="0" i="0" u="none" strike="noStrike" cap="none" spc="0" baseline="0">
           <a:solidFill>
             <a:schemeClr val="tx1"/>
           </a:solidFill>
@@ -2937,7 +3029,7 @@
         <a:buFontTx/>
         <a:buNone/>
         <a:tabLst/>
-        <a:defRPr b="0" baseline="0" cap="none" i="0" spc="0" strike="noStrike" sz="1200" u="none">
+        <a:defRPr sz="1200" b="0" i="0" u="none" strike="noStrike" cap="none" spc="0" baseline="0">
           <a:solidFill>
             <a:schemeClr val="tx1"/>
           </a:solidFill>
@@ -2963,7 +3055,7 @@
         <a:buFontTx/>
         <a:buNone/>
         <a:tabLst/>
-        <a:defRPr b="0" baseline="0" cap="none" i="0" spc="0" strike="noStrike" sz="1200" u="none">
+        <a:defRPr sz="1200" b="0" i="0" u="none" strike="noStrike" cap="none" spc="0" baseline="0">
           <a:solidFill>
             <a:schemeClr val="tx1"/>
           </a:solidFill>
@@ -2989,7 +3081,7 @@
         <a:buFontTx/>
         <a:buNone/>
         <a:tabLst/>
-        <a:defRPr b="0" baseline="0" cap="none" i="0" spc="0" strike="noStrike" sz="1200" u="none">
+        <a:defRPr sz="1200" b="0" i="0" u="none" strike="noStrike" cap="none" spc="0" baseline="0">
           <a:solidFill>
             <a:schemeClr val="tx1"/>
           </a:solidFill>
@@ -3015,7 +3107,7 @@
         <a:buFontTx/>
         <a:buNone/>
         <a:tabLst/>
-        <a:defRPr b="0" baseline="0" cap="none" i="0" spc="0" strike="noStrike" sz="1200" u="none">
+        <a:defRPr sz="1200" b="0" i="0" u="none" strike="noStrike" cap="none" spc="0" baseline="0">
           <a:solidFill>
             <a:schemeClr val="tx1"/>
           </a:solidFill>
@@ -3041,7 +3133,7 @@
         <a:buFontTx/>
         <a:buNone/>
         <a:tabLst/>
-        <a:defRPr b="0" baseline="0" cap="none" i="0" spc="0" strike="noStrike" sz="1200" u="none">
+        <a:defRPr sz="1200" b="0" i="0" u="none" strike="noStrike" cap="none" spc="0" baseline="0">
           <a:solidFill>
             <a:schemeClr val="tx1"/>
           </a:solidFill>
@@ -3067,7 +3159,7 @@
         <a:buFontTx/>
         <a:buNone/>
         <a:tabLst/>
-        <a:defRPr b="0" baseline="0" cap="none" i="0" spc="0" strike="noStrike" sz="1200" u="none">
+        <a:defRPr sz="1200" b="0" i="0" u="none" strike="noStrike" cap="none" spc="0" baseline="0">
           <a:solidFill>
             <a:schemeClr val="tx1"/>
           </a:solidFill>
@@ -3093,7 +3185,7 @@
         <a:buFontTx/>
         <a:buNone/>
         <a:tabLst/>
-        <a:defRPr b="0" baseline="0" cap="none" i="0" spc="0" strike="noStrike" sz="1200" u="none">
+        <a:defRPr sz="1200" b="0" i="0" u="none" strike="noStrike" cap="none" spc="0" baseline="0">
           <a:solidFill>
             <a:schemeClr val="tx1"/>
           </a:solidFill>
@@ -3119,7 +3211,7 @@
         <a:buFontTx/>
         <a:buNone/>
         <a:tabLst/>
-        <a:defRPr b="0" baseline="0" cap="none" i="0" spc="0" strike="noStrike" sz="1200" u="none">
+        <a:defRPr sz="1200" b="0" i="0" u="none" strike="noStrike" cap="none" spc="0" baseline="0">
           <a:solidFill>
             <a:schemeClr val="tx1"/>
           </a:solidFill>
@@ -3136,7 +3228,7 @@
 </file>
 
 <file path=ppt/slides/slide1.xml><?xml version="1.0" encoding="utf-8"?>
-<p:sld xmlns:a="http://schemas.openxmlformats.org/drawingml/2006/main" xmlns:r="http://schemas.openxmlformats.org/officeDocument/2006/relationships" xmlns:p="http://schemas.openxmlformats.org/presentationml/2006/main" xmlns:m="http://schemas.openxmlformats.org/officeDocument/2006/math" xmlns:a14="http://schemas.microsoft.com/office/drawing/2010/main" showMasterSp="1" showMasterPhAnim="1">
+<p:sld xmlns:a="http://schemas.openxmlformats.org/drawingml/2006/main" xmlns:r="http://schemas.openxmlformats.org/officeDocument/2006/relationships" xmlns:p="http://schemas.openxmlformats.org/presentationml/2006/main">
   <p:cSld>
     <p:spTree>
       <p:nvGrpSpPr>
@@ -3155,7 +3247,9 @@
       <p:sp>
         <p:nvSpPr>
           <p:cNvPr id="104" name="Sottotitolo 5"/>
-          <p:cNvSpPr txBox="1"/>
+          <p:cNvSpPr txBox="1">
+            <a:spLocks noGrp="1"/>
+          </p:cNvSpPr>
           <p:nvPr>
             <p:ph type="subTitle" sz="quarter" idx="1"/>
           </p:nvPr>
@@ -3182,7 +3276,6 @@
             </a:lvl1pPr>
           </a:lstStyle>
           <a:p>
-            <a:pPr/>
             <a:r>
               <a:t>Can we predict , within 10 years, whether or not a person sees the risk to get coronary heart disease?</a:t>
             </a:r>
@@ -3208,7 +3301,7 @@
           </a:ln>
           <a:extLst>
             <a:ext uri="{C572A759-6A51-4108-AA02-DFA0A04FC94B}">
-              <ma14:wrappingTextBoxFlag xmlns:ma14="http://schemas.microsoft.com/office/mac/drawingml/2011/main" val="1"/>
+              <ma14:wrappingTextBoxFlag xmlns:ma14="http://schemas.microsoft.com/office/mac/drawingml/2011/main" xmlns:a14="http://schemas.microsoft.com/office/drawing/2010/main" xmlns:m="http://schemas.openxmlformats.org/officeDocument/2006/math" xmlns="" val="1"/>
             </a:ext>
           </a:extLst>
         </p:spPr>
@@ -3264,7 +3357,7 @@
           </a:ln>
           <a:extLst>
             <a:ext uri="{C572A759-6A51-4108-AA02-DFA0A04FC94B}">
-              <ma14:wrappingTextBoxFlag xmlns:ma14="http://schemas.microsoft.com/office/mac/drawingml/2011/main" val="1"/>
+              <ma14:wrappingTextBoxFlag xmlns:ma14="http://schemas.microsoft.com/office/mac/drawingml/2011/main" xmlns:a14="http://schemas.microsoft.com/office/drawing/2010/main" xmlns:m="http://schemas.openxmlformats.org/officeDocument/2006/math" xmlns="" val="1"/>
             </a:ext>
           </a:extLst>
         </p:spPr>
@@ -3274,7 +3367,7 @@
           </a:bodyPr>
           <a:lstStyle>
             <a:lvl1pPr algn="ctr">
-              <a:defRPr i="1" sz="2800">
+              <a:defRPr sz="2800" i="1">
                 <a:solidFill>
                   <a:srgbClr val="FFFFFF"/>
                 </a:solidFill>
@@ -3286,7 +3379,6 @@
             </a:lvl1pPr>
           </a:lstStyle>
           <a:p>
-            <a:pPr/>
             <a:r>
               <a:t>FINAL PROJECT</a:t>
             </a:r>
@@ -3298,12 +3390,12 @@
   <p:clrMapOvr>
     <a:masterClrMapping/>
   </p:clrMapOvr>
-  <p:transition xmlns:p14="http://schemas.microsoft.com/office/powerpoint/2010/main" spd="med" advClick="1"/>
+  <p:transition spd="med"/>
 </p:sld>
 </file>
 
 <file path=ppt/slides/slide10.xml><?xml version="1.0" encoding="utf-8"?>
-<p:sld xmlns:a="http://schemas.openxmlformats.org/drawingml/2006/main" xmlns:r="http://schemas.openxmlformats.org/officeDocument/2006/relationships" xmlns:p="http://schemas.openxmlformats.org/presentationml/2006/main" xmlns:m="http://schemas.openxmlformats.org/officeDocument/2006/math" xmlns:a14="http://schemas.microsoft.com/office/drawing/2010/main" showMasterSp="1" showMasterPhAnim="1">
+<p:sld xmlns:a="http://schemas.openxmlformats.org/drawingml/2006/main" xmlns:r="http://schemas.openxmlformats.org/officeDocument/2006/relationships" xmlns:p="http://schemas.openxmlformats.org/presentationml/2006/main">
   <p:cSld>
     <p:spTree>
       <p:nvGrpSpPr>
@@ -3322,7 +3414,9 @@
       <p:sp>
         <p:nvSpPr>
           <p:cNvPr id="145" name="Titolo 9"/>
-          <p:cNvSpPr txBox="1"/>
+          <p:cNvSpPr txBox="1">
+            <a:spLocks noGrp="1"/>
+          </p:cNvSpPr>
           <p:nvPr>
             <p:ph type="title"/>
           </p:nvPr>
@@ -3341,7 +3435,7 @@
           <a:lstStyle/>
           <a:p>
             <a:pPr>
-              <a:defRPr b="1" sz="4000">
+              <a:defRPr sz="4000" b="1">
                 <a:solidFill>
                   <a:srgbClr val="FFFFFF"/>
                 </a:solidFill>
@@ -3380,7 +3474,7 @@
           </a:ln>
           <a:extLst>
             <a:ext uri="{C572A759-6A51-4108-AA02-DFA0A04FC94B}">
-              <ma14:wrappingTextBoxFlag xmlns:ma14="http://schemas.microsoft.com/office/mac/drawingml/2011/main" val="1"/>
+              <ma14:wrappingTextBoxFlag xmlns:ma14="http://schemas.microsoft.com/office/mac/drawingml/2011/main" xmlns:a14="http://schemas.microsoft.com/office/drawing/2010/main" xmlns:m="http://schemas.openxmlformats.org/officeDocument/2006/math" xmlns="" val="1"/>
             </a:ext>
           </a:extLst>
         </p:spPr>
@@ -3399,7 +3493,6 @@
             </a:lvl1pPr>
           </a:lstStyle>
           <a:p>
-            <a:pPr/>
             <a:r>
               <a:t>Confusion Matrix</a:t>
             </a:r>
@@ -3415,9 +3508,7 @@
           <p:nvPr/>
         </p:nvPicPr>
         <p:blipFill>
-          <a:blip r:embed="rId2">
-            <a:extLst/>
-          </a:blip>
+          <a:blip r:embed="rId2"/>
           <a:stretch>
             <a:fillRect/>
           </a:stretch>
@@ -3454,7 +3545,7 @@
           </a:ln>
           <a:extLst>
             <a:ext uri="{C572A759-6A51-4108-AA02-DFA0A04FC94B}">
-              <ma14:wrappingTextBoxFlag xmlns:ma14="http://schemas.microsoft.com/office/mac/drawingml/2011/main" val="1"/>
+              <ma14:wrappingTextBoxFlag xmlns:ma14="http://schemas.microsoft.com/office/mac/drawingml/2011/main" xmlns:a14="http://schemas.microsoft.com/office/drawing/2010/main" xmlns:m="http://schemas.openxmlformats.org/officeDocument/2006/math" xmlns="" val="1"/>
             </a:ext>
           </a:extLst>
         </p:spPr>
@@ -3475,19 +3566,7 @@
               </a:defRPr>
             </a:pPr>
             <a:r>
-              <a:t>  69 </a:t>
-            </a:r>
-            <a:r>
-              <a:t>true</a:t>
-            </a:r>
-            <a:r>
-              <a:t> True Positive predictions (that is, the prediction says that a patient RUNS the risk, and he </a:t>
-            </a:r>
-            <a:r>
-              <a:t>really</a:t>
-            </a:r>
-            <a:r>
-              <a:t> runs the risk!)</a:t>
+              <a:t>  69 true True Positive predictions (that is, the prediction says that a patient RUNS the risk, and he really runs the risk!)</a:t>
             </a:r>
           </a:p>
           <a:p>
@@ -3499,6 +3578,7 @@
                 <a:sym typeface="Corbel"/>
               </a:defRPr>
             </a:pPr>
+            <a:endParaRPr/>
           </a:p>
           <a:p>
             <a:pPr>
@@ -3512,19 +3592,7 @@
               </a:defRPr>
             </a:pPr>
             <a:r>
-              <a:t>  83 </a:t>
-            </a:r>
-            <a:r>
-              <a:t>true</a:t>
-            </a:r>
-            <a:r>
-              <a:t> True Negative predictions (that is, the prediction says that a patient DOESN'T run the risk, and he </a:t>
-            </a:r>
-            <a:r>
-              <a:t>really</a:t>
-            </a:r>
-            <a:r>
-              <a:t> DOESN'T run the risk!)</a:t>
+              <a:t>  83 true True Negative predictions (that is, the prediction says that a patient DOESN'T run the risk, and he really DOESN'T run the risk!)</a:t>
             </a:r>
           </a:p>
           <a:p>
@@ -3536,6 +3604,7 @@
                 <a:sym typeface="Corbel"/>
               </a:defRPr>
             </a:pPr>
+            <a:endParaRPr/>
           </a:p>
           <a:p>
             <a:pPr>
@@ -3549,19 +3618,7 @@
               </a:defRPr>
             </a:pPr>
             <a:r>
-              <a:t>  39 </a:t>
-            </a:r>
-            <a:r>
-              <a:t>false</a:t>
-            </a:r>
-            <a:r>
-              <a:t> False Positive predictions (that is, the prediction says that a patient RUNS the risk, but he </a:t>
-            </a:r>
-            <a:r>
-              <a:t>doesn't</a:t>
-            </a:r>
-            <a:r>
-              <a:t> really run the risk!)</a:t>
+              <a:t>  39 false False Positive predictions (that is, the prediction says that a patient RUNS the risk, but he doesn't really run the risk!)</a:t>
             </a:r>
           </a:p>
           <a:p>
@@ -3573,6 +3630,7 @@
                 <a:sym typeface="Corbel"/>
               </a:defRPr>
             </a:pPr>
+            <a:endParaRPr/>
           </a:p>
           <a:p>
             <a:pPr>
@@ -3586,19 +3644,7 @@
               </a:defRPr>
             </a:pPr>
             <a:r>
-              <a:t>  38 </a:t>
-            </a:r>
-            <a:r>
-              <a:t>false</a:t>
-            </a:r>
-            <a:r>
-              <a:t> False Negative predictions (that is, the prediction says that a patient DOESN'T run the risk, but he </a:t>
-            </a:r>
-            <a:r>
-              <a:t>really</a:t>
-            </a:r>
-            <a:r>
-              <a:t> run the risk!)</a:t>
+              <a:t>  38 false False Negative predictions (that is, the prediction says that a patient DOESN'T run the risk, but he really run the risk!)</a:t>
             </a:r>
           </a:p>
         </p:txBody>
@@ -3608,12 +3654,12 @@
   <p:clrMapOvr>
     <a:masterClrMapping/>
   </p:clrMapOvr>
-  <p:transition xmlns:p14="http://schemas.microsoft.com/office/powerpoint/2010/main" spd="med" advClick="1"/>
+  <p:transition spd="med"/>
 </p:sld>
 </file>
 
 <file path=ppt/slides/slide11.xml><?xml version="1.0" encoding="utf-8"?>
-<p:sld xmlns:a="http://schemas.openxmlformats.org/drawingml/2006/main" xmlns:r="http://schemas.openxmlformats.org/officeDocument/2006/relationships" xmlns:p="http://schemas.openxmlformats.org/presentationml/2006/main" xmlns:m="http://schemas.openxmlformats.org/officeDocument/2006/math" xmlns:a14="http://schemas.microsoft.com/office/drawing/2010/main" showMasterSp="1" showMasterPhAnim="1">
+<p:sld xmlns:a="http://schemas.openxmlformats.org/drawingml/2006/main" xmlns:r="http://schemas.openxmlformats.org/officeDocument/2006/relationships" xmlns:p="http://schemas.openxmlformats.org/presentationml/2006/main">
   <p:cSld>
     <p:spTree>
       <p:nvGrpSpPr>
@@ -3632,7 +3678,9 @@
       <p:sp>
         <p:nvSpPr>
           <p:cNvPr id="150" name="Titolo 9"/>
-          <p:cNvSpPr txBox="1"/>
+          <p:cNvSpPr txBox="1">
+            <a:spLocks noGrp="1"/>
+          </p:cNvSpPr>
           <p:nvPr>
             <p:ph type="title"/>
           </p:nvPr>
@@ -3651,7 +3699,7 @@
           <a:lstStyle/>
           <a:p>
             <a:pPr>
-              <a:defRPr b="1" sz="4000">
+              <a:defRPr sz="4000" b="1">
                 <a:solidFill>
                   <a:srgbClr val="FFFFFF"/>
                 </a:solidFill>
@@ -3690,7 +3738,7 @@
           </a:ln>
           <a:extLst>
             <a:ext uri="{C572A759-6A51-4108-AA02-DFA0A04FC94B}">
-              <ma14:wrappingTextBoxFlag xmlns:ma14="http://schemas.microsoft.com/office/mac/drawingml/2011/main" val="1"/>
+              <ma14:wrappingTextBoxFlag xmlns:ma14="http://schemas.microsoft.com/office/mac/drawingml/2011/main" xmlns:a14="http://schemas.microsoft.com/office/drawing/2010/main" xmlns:m="http://schemas.openxmlformats.org/officeDocument/2006/math" xmlns="" val="1"/>
             </a:ext>
           </a:extLst>
         </p:spPr>
@@ -3709,7 +3757,6 @@
             </a:lvl1pPr>
           </a:lstStyle>
           <a:p>
-            <a:pPr/>
             <a:r>
               <a:t>Recall</a:t>
             </a:r>
@@ -3738,7 +3785,7 @@
           </a:ln>
           <a:extLst>
             <a:ext uri="{C572A759-6A51-4108-AA02-DFA0A04FC94B}">
-              <ma14:wrappingTextBoxFlag xmlns:ma14="http://schemas.microsoft.com/office/mac/drawingml/2011/main" val="1"/>
+              <ma14:wrappingTextBoxFlag xmlns:ma14="http://schemas.microsoft.com/office/mac/drawingml/2011/main" xmlns:a14="http://schemas.microsoft.com/office/drawing/2010/main" xmlns:m="http://schemas.openxmlformats.org/officeDocument/2006/math" xmlns="" val="1"/>
             </a:ext>
           </a:extLst>
         </p:spPr>
@@ -3773,7 +3820,7 @@
               <a:t> is:   </a:t>
             </a:r>
             <a:r>
-              <a:rPr i="1" sz="2000">
+              <a:rPr sz="2000" i="1">
                 <a:solidFill>
                   <a:srgbClr val="0070C0"/>
                 </a:solidFill>
@@ -3802,7 +3849,7 @@
           </a:ln>
           <a:extLst>
             <a:ext uri="{C572A759-6A51-4108-AA02-DFA0A04FC94B}">
-              <ma14:wrappingTextBoxFlag xmlns:ma14="http://schemas.microsoft.com/office/mac/drawingml/2011/main" val="1"/>
+              <ma14:wrappingTextBoxFlag xmlns:ma14="http://schemas.microsoft.com/office/mac/drawingml/2011/main" xmlns:a14="http://schemas.microsoft.com/office/drawing/2010/main" xmlns:m="http://schemas.openxmlformats.org/officeDocument/2006/math" xmlns="" val="1"/>
             </a:ext>
           </a:extLst>
         </p:spPr>
@@ -3821,7 +3868,6 @@
             </a:lvl1pPr>
           </a:lstStyle>
           <a:p>
-            <a:pPr/>
             <a:r>
               <a:t>Precision</a:t>
             </a:r>
@@ -3850,7 +3896,7 @@
           </a:ln>
           <a:extLst>
             <a:ext uri="{C572A759-6A51-4108-AA02-DFA0A04FC94B}">
-              <ma14:wrappingTextBoxFlag xmlns:ma14="http://schemas.microsoft.com/office/mac/drawingml/2011/main" val="1"/>
+              <ma14:wrappingTextBoxFlag xmlns:ma14="http://schemas.microsoft.com/office/mac/drawingml/2011/main" xmlns:a14="http://schemas.microsoft.com/office/drawing/2010/main" xmlns:m="http://schemas.openxmlformats.org/officeDocument/2006/math" xmlns="" val="1"/>
             </a:ext>
           </a:extLst>
         </p:spPr>
@@ -3872,7 +3918,7 @@
               <a:t>The ratio of positive instances that are correctly detected by the classifier (true positive rate), represented by the Recall, is:   </a:t>
             </a:r>
             <a:r>
-              <a:rPr i="1" sz="2000">
+              <a:rPr sz="2000" i="1">
                 <a:solidFill>
                   <a:srgbClr val="0070C0"/>
                 </a:solidFill>
@@ -3901,7 +3947,7 @@
           </a:ln>
           <a:extLst>
             <a:ext uri="{C572A759-6A51-4108-AA02-DFA0A04FC94B}">
-              <ma14:wrappingTextBoxFlag xmlns:ma14="http://schemas.microsoft.com/office/mac/drawingml/2011/main" val="1"/>
+              <ma14:wrappingTextBoxFlag xmlns:ma14="http://schemas.microsoft.com/office/mac/drawingml/2011/main" xmlns:a14="http://schemas.microsoft.com/office/drawing/2010/main" xmlns:m="http://schemas.openxmlformats.org/officeDocument/2006/math" xmlns="" val="1"/>
             </a:ext>
           </a:extLst>
         </p:spPr>
@@ -3920,7 +3966,6 @@
             </a:lvl1pPr>
           </a:lstStyle>
           <a:p>
-            <a:pPr/>
             <a:r>
               <a:t>F1-score</a:t>
             </a:r>
@@ -3946,7 +3991,7 @@
           </a:ln>
           <a:extLst>
             <a:ext uri="{C572A759-6A51-4108-AA02-DFA0A04FC94B}">
-              <ma14:wrappingTextBoxFlag xmlns:ma14="http://schemas.microsoft.com/office/mac/drawingml/2011/main" val="1"/>
+              <ma14:wrappingTextBoxFlag xmlns:ma14="http://schemas.microsoft.com/office/mac/drawingml/2011/main" xmlns:a14="http://schemas.microsoft.com/office/drawing/2010/main" xmlns:m="http://schemas.openxmlformats.org/officeDocument/2006/math" xmlns="" val="1"/>
             </a:ext>
           </a:extLst>
         </p:spPr>
@@ -3965,22 +4010,10 @@
               </a:defRPr>
             </a:pPr>
             <a:r>
-              <a:t>The F1-score, represented by the </a:t>
-            </a:r>
-            <a:r>
-              <a:t>harmonic</a:t>
-            </a:r>
-            <a:r>
-              <a:t> mean of precision and recall which,  </a:t>
-            </a:r>
-            <a:r>
-              <a:t>differently from </a:t>
-            </a:r>
-            <a:r>
-              <a:t>the regular mean (that gives equal weight to all values),  gives more weight  to low values - favoring classifiers that have similar precision and recall  - is:   </a:t>
-            </a:r>
-            <a:r>
-              <a:rPr i="1" sz="2000">
+              <a:t>The F1-score, represented by the harmonic mean of precision and recall which,  differently from the regular mean (that gives equal weight to all values),  gives more weight  to low values - favoring classifiers that have similar precision and recall  - is:   </a:t>
+            </a:r>
+            <a:r>
+              <a:rPr sz="2000" i="1">
                 <a:solidFill>
                   <a:srgbClr val="0070C0"/>
                 </a:solidFill>
@@ -3995,12 +4028,12 @@
   <p:clrMapOvr>
     <a:masterClrMapping/>
   </p:clrMapOvr>
-  <p:transition xmlns:p14="http://schemas.microsoft.com/office/powerpoint/2010/main" spd="med" advClick="1"/>
+  <p:transition spd="med"/>
 </p:sld>
 </file>
 
 <file path=ppt/slides/slide12.xml><?xml version="1.0" encoding="utf-8"?>
-<p:sld xmlns:a="http://schemas.openxmlformats.org/drawingml/2006/main" xmlns:r="http://schemas.openxmlformats.org/officeDocument/2006/relationships" xmlns:p="http://schemas.openxmlformats.org/presentationml/2006/main" xmlns:m="http://schemas.openxmlformats.org/officeDocument/2006/math" xmlns:a14="http://schemas.microsoft.com/office/drawing/2010/main" showMasterSp="1" showMasterPhAnim="1">
+<p:sld xmlns:a="http://schemas.openxmlformats.org/drawingml/2006/main" xmlns:r="http://schemas.openxmlformats.org/officeDocument/2006/relationships" xmlns:p="http://schemas.openxmlformats.org/presentationml/2006/main">
   <p:cSld>
     <p:spTree>
       <p:nvGrpSpPr>
@@ -4019,7 +4052,9 @@
       <p:sp>
         <p:nvSpPr>
           <p:cNvPr id="158" name="Titolo 9"/>
-          <p:cNvSpPr txBox="1"/>
+          <p:cNvSpPr txBox="1">
+            <a:spLocks noGrp="1"/>
+          </p:cNvSpPr>
           <p:nvPr>
             <p:ph type="title"/>
           </p:nvPr>
@@ -4038,7 +4073,7 @@
           <a:lstStyle/>
           <a:p>
             <a:pPr>
-              <a:defRPr b="1" sz="4000">
+              <a:defRPr sz="4000" b="1">
                 <a:solidFill>
                   <a:srgbClr val="FFFFFF"/>
                 </a:solidFill>
@@ -4077,7 +4112,7 @@
           </a:ln>
           <a:extLst>
             <a:ext uri="{C572A759-6A51-4108-AA02-DFA0A04FC94B}">
-              <ma14:wrappingTextBoxFlag xmlns:ma14="http://schemas.microsoft.com/office/mac/drawingml/2011/main" val="1"/>
+              <ma14:wrappingTextBoxFlag xmlns:ma14="http://schemas.microsoft.com/office/mac/drawingml/2011/main" xmlns:a14="http://schemas.microsoft.com/office/drawing/2010/main" xmlns:m="http://schemas.openxmlformats.org/officeDocument/2006/math" xmlns="" val="1"/>
             </a:ext>
           </a:extLst>
         </p:spPr>
@@ -4096,7 +4131,6 @@
             </a:lvl1pPr>
           </a:lstStyle>
           <a:p>
-            <a:pPr/>
             <a:r>
               <a:t> Receiver Operating Characteristic (ROC) and Area Under the ROC Curve (AUC)</a:t>
             </a:r>
@@ -4112,9 +4146,7 @@
           <p:nvPr/>
         </p:nvPicPr>
         <p:blipFill>
-          <a:blip r:embed="rId2">
-            <a:extLst/>
-          </a:blip>
+          <a:blip r:embed="rId2"/>
           <a:stretch>
             <a:fillRect/>
           </a:stretch>
@@ -4154,7 +4186,7 @@
           </a:ln>
           <a:extLst>
             <a:ext uri="{C572A759-6A51-4108-AA02-DFA0A04FC94B}">
-              <ma14:wrappingTextBoxFlag xmlns:ma14="http://schemas.microsoft.com/office/mac/drawingml/2011/main" val="1"/>
+              <ma14:wrappingTextBoxFlag xmlns:ma14="http://schemas.microsoft.com/office/mac/drawingml/2011/main" xmlns:a14="http://schemas.microsoft.com/office/drawing/2010/main" xmlns:m="http://schemas.openxmlformats.org/officeDocument/2006/math" xmlns="" val="1"/>
             </a:ext>
           </a:extLst>
         </p:spPr>
@@ -4183,7 +4215,7 @@
               <a:t>) is:</a:t>
             </a:r>
             <a:r>
-              <a:rPr i="1" sz="2000">
+              <a:rPr sz="2000" i="1">
                 <a:solidFill>
                   <a:srgbClr val="0070C0"/>
                 </a:solidFill>
@@ -4191,7 +4223,7 @@
               <a:t> 0.7194</a:t>
             </a:r>
             <a:r>
-              <a:rPr i="1" sz="1200">
+              <a:rPr sz="1200" i="1">
                 <a:solidFill>
                   <a:srgbClr val="0070C0"/>
                 </a:solidFill>
@@ -4220,7 +4252,7 @@
           </a:ln>
           <a:extLst>
             <a:ext uri="{C572A759-6A51-4108-AA02-DFA0A04FC94B}">
-              <ma14:wrappingTextBoxFlag xmlns:ma14="http://schemas.microsoft.com/office/mac/drawingml/2011/main" val="1"/>
+              <ma14:wrappingTextBoxFlag xmlns:ma14="http://schemas.microsoft.com/office/mac/drawingml/2011/main" xmlns:a14="http://schemas.microsoft.com/office/drawing/2010/main" xmlns:m="http://schemas.openxmlformats.org/officeDocument/2006/math" xmlns="" val="1"/>
             </a:ext>
           </a:extLst>
         </p:spPr>
@@ -4239,7 +4271,6 @@
             </a:lvl1pPr>
           </a:lstStyle>
           <a:p>
-            <a:pPr/>
             <a:r>
               <a:t>Accuracy</a:t>
             </a:r>
@@ -4268,7 +4299,7 @@
           </a:ln>
           <a:extLst>
             <a:ext uri="{C572A759-6A51-4108-AA02-DFA0A04FC94B}">
-              <ma14:wrappingTextBoxFlag xmlns:ma14="http://schemas.microsoft.com/office/mac/drawingml/2011/main" val="1"/>
+              <ma14:wrappingTextBoxFlag xmlns:ma14="http://schemas.microsoft.com/office/mac/drawingml/2011/main" xmlns:a14="http://schemas.microsoft.com/office/drawing/2010/main" xmlns:m="http://schemas.openxmlformats.org/officeDocument/2006/math" xmlns="" val="1"/>
             </a:ext>
           </a:extLst>
         </p:spPr>
@@ -4290,7 +4321,7 @@
               <a:t>The overall predicted accuracy of the model is: </a:t>
             </a:r>
             <a:r>
-              <a:rPr i="1" sz="2000">
+              <a:rPr sz="2000" i="1">
                 <a:solidFill>
                   <a:srgbClr val="0070C0"/>
                 </a:solidFill>
@@ -4309,12 +4340,12 @@
   <p:clrMapOvr>
     <a:masterClrMapping/>
   </p:clrMapOvr>
-  <p:transition xmlns:p14="http://schemas.microsoft.com/office/powerpoint/2010/main" spd="med" advClick="1"/>
+  <p:transition spd="med"/>
 </p:sld>
 </file>
 
 <file path=ppt/slides/slide13.xml><?xml version="1.0" encoding="utf-8"?>
-<p:sld xmlns:a="http://schemas.openxmlformats.org/drawingml/2006/main" xmlns:r="http://schemas.openxmlformats.org/officeDocument/2006/relationships" xmlns:p="http://schemas.openxmlformats.org/presentationml/2006/main" xmlns:m="http://schemas.openxmlformats.org/officeDocument/2006/math" xmlns:a14="http://schemas.microsoft.com/office/drawing/2010/main" showMasterSp="1" showMasterPhAnim="1">
+<p:sld xmlns:a="http://schemas.openxmlformats.org/drawingml/2006/main" xmlns:r="http://schemas.openxmlformats.org/officeDocument/2006/relationships" xmlns:p="http://schemas.openxmlformats.org/presentationml/2006/main">
   <p:cSld>
     <p:spTree>
       <p:nvGrpSpPr>
@@ -4349,13 +4380,13 @@
           </a:ln>
           <a:extLst>
             <a:ext uri="{C572A759-6A51-4108-AA02-DFA0A04FC94B}">
-              <ma14:wrappingTextBoxFlag xmlns:ma14="http://schemas.microsoft.com/office/mac/drawingml/2011/main" val="1"/>
+              <ma14:wrappingTextBoxFlag xmlns:ma14="http://schemas.microsoft.com/office/mac/drawingml/2011/main" xmlns:a14="http://schemas.microsoft.com/office/drawing/2010/main" xmlns:m="http://schemas.openxmlformats.org/officeDocument/2006/math" xmlns="" val="1"/>
             </a:ext>
           </a:extLst>
         </p:spPr>
         <p:txBody>
           <a:bodyPr lIns="45718" tIns="45718" rIns="45718" bIns="45718">
-            <a:normAutofit fontScale="100000" lnSpcReduction="0"/>
+            <a:normAutofit/>
           </a:bodyPr>
           <a:lstStyle/>
           <a:p>
@@ -4374,6 +4405,7 @@
                 <a:sym typeface="Corbel"/>
               </a:defRPr>
             </a:pPr>
+            <a:endParaRPr/>
           </a:p>
           <a:p>
             <a:pPr marL="187558" indent="-132282" algn="just" defTabSz="425195">
@@ -4404,6 +4436,7 @@
                 <a:sym typeface="Corbel"/>
               </a:defRPr>
             </a:pPr>
+            <a:endParaRPr/>
           </a:p>
           <a:p>
             <a:pPr marL="187558" indent="-132282" algn="just" defTabSz="425195">
@@ -4422,20 +4455,14 @@
               </a:defRPr>
             </a:pPr>
             <a:r>
-              <a:t> 64 T</a:t>
-            </a:r>
-            <a:r>
-              <a:t>rue</a:t>
+              <a:t> 64 True</a:t>
             </a:r>
             <a:r>
               <a:rPr b="1"/>
               <a:t> </a:t>
             </a:r>
             <a:r>
-              <a:t>Positive</a:t>
-            </a:r>
-            <a:r>
-              <a:t> Predictions</a:t>
+              <a:t>Positive Predictions</a:t>
             </a:r>
           </a:p>
           <a:p>
@@ -4447,6 +4474,7 @@
                 <a:sym typeface="Corbel"/>
               </a:defRPr>
             </a:pPr>
+            <a:endParaRPr/>
           </a:p>
           <a:p>
             <a:pPr marL="187558" indent="-132282" algn="just" defTabSz="425195">
@@ -4465,20 +4493,14 @@
               </a:defRPr>
             </a:pPr>
             <a:r>
-              <a:t> 79 T</a:t>
-            </a:r>
-            <a:r>
-              <a:t>rue</a:t>
+              <a:t> 79 True</a:t>
             </a:r>
             <a:r>
               <a:rPr b="1"/>
               <a:t> </a:t>
             </a:r>
             <a:r>
-              <a:t>Negative</a:t>
-            </a:r>
-            <a:r>
-              <a:t> Predictions</a:t>
+              <a:t>Negative Predictions</a:t>
             </a:r>
           </a:p>
           <a:p>
@@ -4490,6 +4512,7 @@
                 <a:sym typeface="Corbel"/>
               </a:defRPr>
             </a:pPr>
+            <a:endParaRPr/>
           </a:p>
           <a:p>
             <a:pPr marL="187558" indent="-132282" algn="just" defTabSz="425195">
@@ -4508,20 +4531,14 @@
               </a:defRPr>
             </a:pPr>
             <a:r>
-              <a:t> 43 </a:t>
-            </a:r>
-            <a:r>
-              <a:t>False</a:t>
+              <a:t> 43 False</a:t>
             </a:r>
             <a:r>
               <a:rPr b="1"/>
               <a:t> </a:t>
             </a:r>
             <a:r>
-              <a:t>Positive </a:t>
-            </a:r>
-            <a:r>
-              <a:t>Predictions</a:t>
+              <a:t>Positive Predictions</a:t>
             </a:r>
           </a:p>
           <a:p>
@@ -4533,6 +4550,7 @@
                 <a:sym typeface="Corbel"/>
               </a:defRPr>
             </a:pPr>
+            <a:endParaRPr/>
           </a:p>
           <a:p>
             <a:pPr marL="187558" indent="-132282" algn="just" defTabSz="425195">
@@ -4551,20 +4569,14 @@
               </a:defRPr>
             </a:pPr>
             <a:r>
-              <a:t> 43 </a:t>
-            </a:r>
-            <a:r>
-              <a:t>False</a:t>
+              <a:t> 43 False</a:t>
             </a:r>
             <a:r>
               <a:rPr b="1"/>
               <a:t> </a:t>
             </a:r>
             <a:r>
-              <a:t>Negative</a:t>
-            </a:r>
-            <a:r>
-              <a:t> Predictions</a:t>
+              <a:t>Negative Predictions</a:t>
             </a:r>
           </a:p>
           <a:p>
@@ -4583,6 +4595,7 @@
                 <a:sym typeface="Corbel"/>
               </a:defRPr>
             </a:pPr>
+            <a:endParaRPr/>
           </a:p>
           <a:p>
             <a:pPr marL="187558" indent="-132282" algn="just" defTabSz="425195">
@@ -4600,6 +4613,7 @@
                 <a:sym typeface="Corbel"/>
               </a:defRPr>
             </a:pPr>
+            <a:endParaRPr/>
           </a:p>
           <a:p>
             <a:pPr marL="187558" indent="-132282" algn="just" defTabSz="425195">
@@ -4617,6 +4631,7 @@
                 <a:sym typeface="Corbel"/>
               </a:defRPr>
             </a:pPr>
+            <a:endParaRPr/>
           </a:p>
           <a:p>
             <a:pPr marL="187558" indent="-132282" algn="just" defTabSz="425195">
@@ -4634,6 +4649,7 @@
                 <a:sym typeface="Corbel"/>
               </a:defRPr>
             </a:pPr>
+            <a:endParaRPr/>
           </a:p>
           <a:p>
             <a:pPr marL="187558" indent="-132282" algn="just" defTabSz="425195">
@@ -4651,6 +4667,7 @@
                 <a:sym typeface="Corbel"/>
               </a:defRPr>
             </a:pPr>
+            <a:endParaRPr/>
           </a:p>
           <a:p>
             <a:pPr algn="just" defTabSz="425195">
@@ -4661,6 +4678,7 @@
                 <a:sym typeface="Corbel"/>
               </a:defRPr>
             </a:pPr>
+            <a:endParaRPr/>
           </a:p>
           <a:p>
             <a:pPr algn="just" defTabSz="425195">
@@ -4671,6 +4689,7 @@
                 <a:sym typeface="Corbel"/>
               </a:defRPr>
             </a:pPr>
+            <a:endParaRPr/>
           </a:p>
           <a:p>
             <a:pPr algn="just" defTabSz="425195">
@@ -4681,6 +4700,7 @@
                 <a:sym typeface="Corbel"/>
               </a:defRPr>
             </a:pPr>
+            <a:endParaRPr/>
           </a:p>
           <a:p>
             <a:pPr algn="just" defTabSz="425195">
@@ -4691,6 +4711,7 @@
                 <a:sym typeface="Corbel"/>
               </a:defRPr>
             </a:pPr>
+            <a:endParaRPr/>
           </a:p>
           <a:p>
             <a:pPr defTabSz="212597">
@@ -4700,6 +4721,7 @@
                 </a:solidFill>
               </a:defRPr>
             </a:pPr>
+            <a:endParaRPr/>
           </a:p>
           <a:p>
             <a:pPr defTabSz="212597">
@@ -4709,6 +4731,7 @@
                 </a:solidFill>
               </a:defRPr>
             </a:pPr>
+            <a:endParaRPr/>
           </a:p>
         </p:txBody>
       </p:sp>
@@ -4731,7 +4754,7 @@
           </a:ln>
           <a:extLst>
             <a:ext uri="{C572A759-6A51-4108-AA02-DFA0A04FC94B}">
-              <ma14:wrappingTextBoxFlag xmlns:ma14="http://schemas.microsoft.com/office/mac/drawingml/2011/main" val="1"/>
+              <ma14:wrappingTextBoxFlag xmlns:ma14="http://schemas.microsoft.com/office/mac/drawingml/2011/main" xmlns:a14="http://schemas.microsoft.com/office/drawing/2010/main" xmlns:m="http://schemas.openxmlformats.org/officeDocument/2006/math" xmlns="" val="1"/>
             </a:ext>
           </a:extLst>
         </p:spPr>
@@ -4750,7 +4773,6 @@
             </a:lvl1pPr>
           </a:lstStyle>
           <a:p>
-            <a:pPr/>
             <a:r>
               <a:t>Confusion Matrix</a:t>
             </a:r>
@@ -4776,18 +4798,18 @@
           </a:ln>
           <a:extLst>
             <a:ext uri="{C572A759-6A51-4108-AA02-DFA0A04FC94B}">
-              <ma14:wrappingTextBoxFlag xmlns:ma14="http://schemas.microsoft.com/office/mac/drawingml/2011/main" val="1"/>
+              <ma14:wrappingTextBoxFlag xmlns:ma14="http://schemas.microsoft.com/office/mac/drawingml/2011/main" xmlns:a14="http://schemas.microsoft.com/office/drawing/2010/main" xmlns:m="http://schemas.openxmlformats.org/officeDocument/2006/math" xmlns="" val="1"/>
             </a:ext>
           </a:extLst>
         </p:spPr>
         <p:txBody>
           <a:bodyPr lIns="45718" tIns="45718" rIns="45718" bIns="45718" anchor="ctr">
-            <a:normAutofit fontScale="100000" lnSpcReduction="0"/>
+            <a:normAutofit/>
           </a:bodyPr>
           <a:lstStyle/>
           <a:p>
             <a:pPr>
-              <a:defRPr b="1" sz="4000">
+              <a:defRPr sz="4000" b="1">
                 <a:solidFill>
                   <a:srgbClr val="FFFFFF"/>
                 </a:solidFill>
@@ -4816,10 +4838,8 @@
           <p:nvPr/>
         </p:nvPicPr>
         <p:blipFill>
-          <a:blip r:embed="rId2">
-            <a:extLst/>
-          </a:blip>
-          <a:srcRect l="0" t="2312" r="0" b="2312"/>
+          <a:blip r:embed="rId2"/>
+          <a:srcRect t="2312" b="2312"/>
           <a:stretch>
             <a:fillRect/>
           </a:stretch>
@@ -4842,12 +4862,12 @@
   <p:clrMapOvr>
     <a:masterClrMapping/>
   </p:clrMapOvr>
-  <p:transition xmlns:p14="http://schemas.microsoft.com/office/powerpoint/2010/main" spd="med" advClick="1"/>
+  <p:transition spd="med"/>
 </p:sld>
 </file>
 
 <file path=ppt/slides/slide14.xml><?xml version="1.0" encoding="utf-8"?>
-<p:sld xmlns:a="http://schemas.openxmlformats.org/drawingml/2006/main" xmlns:r="http://schemas.openxmlformats.org/officeDocument/2006/relationships" xmlns:p="http://schemas.openxmlformats.org/presentationml/2006/main" xmlns:m="http://schemas.openxmlformats.org/officeDocument/2006/math" xmlns:a14="http://schemas.microsoft.com/office/drawing/2010/main" showMasterSp="1" showMasterPhAnim="1">
+<p:sld xmlns:a="http://schemas.openxmlformats.org/drawingml/2006/main" xmlns:r="http://schemas.openxmlformats.org/officeDocument/2006/relationships" xmlns:p="http://schemas.openxmlformats.org/presentationml/2006/main">
   <p:cSld>
     <p:spTree>
       <p:nvGrpSpPr>
@@ -4882,7 +4902,7 @@
           </a:ln>
           <a:extLst>
             <a:ext uri="{C572A759-6A51-4108-AA02-DFA0A04FC94B}">
-              <ma14:wrappingTextBoxFlag xmlns:ma14="http://schemas.microsoft.com/office/mac/drawingml/2011/main" val="1"/>
+              <ma14:wrappingTextBoxFlag xmlns:ma14="http://schemas.microsoft.com/office/mac/drawingml/2011/main" xmlns:a14="http://schemas.microsoft.com/office/drawing/2010/main" xmlns:m="http://schemas.openxmlformats.org/officeDocument/2006/math" xmlns="" val="1"/>
             </a:ext>
           </a:extLst>
         </p:spPr>
@@ -4901,7 +4921,6 @@
             </a:lvl1pPr>
           </a:lstStyle>
           <a:p>
-            <a:pPr/>
             <a:r>
               <a:t>Recall</a:t>
             </a:r>
@@ -4930,7 +4949,7 @@
           </a:ln>
           <a:extLst>
             <a:ext uri="{C572A759-6A51-4108-AA02-DFA0A04FC94B}">
-              <ma14:wrappingTextBoxFlag xmlns:ma14="http://schemas.microsoft.com/office/mac/drawingml/2011/main" val="1"/>
+              <ma14:wrappingTextBoxFlag xmlns:ma14="http://schemas.microsoft.com/office/mac/drawingml/2011/main" xmlns:a14="http://schemas.microsoft.com/office/drawing/2010/main" xmlns:m="http://schemas.openxmlformats.org/officeDocument/2006/math" xmlns="" val="1"/>
             </a:ext>
           </a:extLst>
         </p:spPr>
@@ -4965,7 +4984,7 @@
               <a:t> is:   </a:t>
             </a:r>
             <a:r>
-              <a:rPr i="1" sz="2000">
+              <a:rPr sz="2000" i="1">
                 <a:solidFill>
                   <a:srgbClr val="0070C0"/>
                 </a:solidFill>
@@ -4994,7 +5013,7 @@
           </a:ln>
           <a:extLst>
             <a:ext uri="{C572A759-6A51-4108-AA02-DFA0A04FC94B}">
-              <ma14:wrappingTextBoxFlag xmlns:ma14="http://schemas.microsoft.com/office/mac/drawingml/2011/main" val="1"/>
+              <ma14:wrappingTextBoxFlag xmlns:ma14="http://schemas.microsoft.com/office/mac/drawingml/2011/main" xmlns:a14="http://schemas.microsoft.com/office/drawing/2010/main" xmlns:m="http://schemas.openxmlformats.org/officeDocument/2006/math" xmlns="" val="1"/>
             </a:ext>
           </a:extLst>
         </p:spPr>
@@ -5013,7 +5032,6 @@
             </a:lvl1pPr>
           </a:lstStyle>
           <a:p>
-            <a:pPr/>
             <a:r>
               <a:t>Precision</a:t>
             </a:r>
@@ -5042,7 +5060,7 @@
           </a:ln>
           <a:extLst>
             <a:ext uri="{C572A759-6A51-4108-AA02-DFA0A04FC94B}">
-              <ma14:wrappingTextBoxFlag xmlns:ma14="http://schemas.microsoft.com/office/mac/drawingml/2011/main" val="1"/>
+              <ma14:wrappingTextBoxFlag xmlns:ma14="http://schemas.microsoft.com/office/mac/drawingml/2011/main" xmlns:a14="http://schemas.microsoft.com/office/drawing/2010/main" xmlns:m="http://schemas.openxmlformats.org/officeDocument/2006/math" xmlns="" val="1"/>
             </a:ext>
           </a:extLst>
         </p:spPr>
@@ -5064,7 +5082,7 @@
               <a:t>The ratio of positive instances that are correctly detected by the classifier (true positive rate), represented by the Recall, is:   </a:t>
             </a:r>
             <a:r>
-              <a:rPr i="1" sz="2000">
+              <a:rPr sz="2000" i="1">
                 <a:solidFill>
                   <a:srgbClr val="0070C0"/>
                 </a:solidFill>
@@ -5093,7 +5111,7 @@
           </a:ln>
           <a:extLst>
             <a:ext uri="{C572A759-6A51-4108-AA02-DFA0A04FC94B}">
-              <ma14:wrappingTextBoxFlag xmlns:ma14="http://schemas.microsoft.com/office/mac/drawingml/2011/main" val="1"/>
+              <ma14:wrappingTextBoxFlag xmlns:ma14="http://schemas.microsoft.com/office/mac/drawingml/2011/main" xmlns:a14="http://schemas.microsoft.com/office/drawing/2010/main" xmlns:m="http://schemas.openxmlformats.org/officeDocument/2006/math" xmlns="" val="1"/>
             </a:ext>
           </a:extLst>
         </p:spPr>
@@ -5112,7 +5130,6 @@
             </a:lvl1pPr>
           </a:lstStyle>
           <a:p>
-            <a:pPr/>
             <a:r>
               <a:t>F1-score</a:t>
             </a:r>
@@ -5138,7 +5155,7 @@
           </a:ln>
           <a:extLst>
             <a:ext uri="{C572A759-6A51-4108-AA02-DFA0A04FC94B}">
-              <ma14:wrappingTextBoxFlag xmlns:ma14="http://schemas.microsoft.com/office/mac/drawingml/2011/main" val="1"/>
+              <ma14:wrappingTextBoxFlag xmlns:ma14="http://schemas.microsoft.com/office/mac/drawingml/2011/main" xmlns:a14="http://schemas.microsoft.com/office/drawing/2010/main" xmlns:m="http://schemas.openxmlformats.org/officeDocument/2006/math" xmlns="" val="1"/>
             </a:ext>
           </a:extLst>
         </p:spPr>
@@ -5157,22 +5174,10 @@
               </a:defRPr>
             </a:pPr>
             <a:r>
-              <a:t>The F1-score, represented by the </a:t>
-            </a:r>
-            <a:r>
-              <a:t>harmonic</a:t>
-            </a:r>
-            <a:r>
-              <a:t> mean of precision and recall which,  </a:t>
-            </a:r>
-            <a:r>
-              <a:t>differently from </a:t>
-            </a:r>
-            <a:r>
-              <a:t>the regular mean (that gives equal weight to all values),  gives more weight  to low values - favoring classifiers that have similar precision and recall  - is:   </a:t>
-            </a:r>
-            <a:r>
-              <a:rPr i="1" sz="2000">
+              <a:t>The F1-score, represented by the harmonic mean of precision and recall which,  differently from the regular mean (that gives equal weight to all values),  gives more weight  to low values - favoring classifiers that have similar precision and recall  - is:   </a:t>
+            </a:r>
+            <a:r>
+              <a:rPr sz="2000" i="1">
                 <a:solidFill>
                   <a:srgbClr val="0070C0"/>
                 </a:solidFill>
@@ -5180,12 +5185,17 @@
               <a:t>59.81%</a:t>
             </a:r>
             <a:br>
-              <a:rPr i="1" sz="2000">
+              <a:rPr sz="2000" i="1">
                 <a:solidFill>
                   <a:srgbClr val="0070C0"/>
                 </a:solidFill>
               </a:rPr>
             </a:br>
+            <a:endParaRPr sz="2000" i="1">
+              <a:solidFill>
+                <a:srgbClr val="0070C0"/>
+              </a:solidFill>
+            </a:endParaRPr>
           </a:p>
         </p:txBody>
       </p:sp>
@@ -5208,18 +5218,18 @@
           </a:ln>
           <a:extLst>
             <a:ext uri="{C572A759-6A51-4108-AA02-DFA0A04FC94B}">
-              <ma14:wrappingTextBoxFlag xmlns:ma14="http://schemas.microsoft.com/office/mac/drawingml/2011/main" val="1"/>
+              <ma14:wrappingTextBoxFlag xmlns:ma14="http://schemas.microsoft.com/office/mac/drawingml/2011/main" xmlns:a14="http://schemas.microsoft.com/office/drawing/2010/main" xmlns:m="http://schemas.openxmlformats.org/officeDocument/2006/math" xmlns="" val="1"/>
             </a:ext>
           </a:extLst>
         </p:spPr>
         <p:txBody>
           <a:bodyPr lIns="45718" tIns="45718" rIns="45718" bIns="45718" anchor="ctr">
-            <a:normAutofit fontScale="100000" lnSpcReduction="0"/>
+            <a:normAutofit/>
           </a:bodyPr>
           <a:lstStyle/>
           <a:p>
             <a:pPr>
-              <a:defRPr b="1" sz="4000">
+              <a:defRPr sz="4000" b="1">
                 <a:solidFill>
                   <a:srgbClr val="FFFFFF"/>
                 </a:solidFill>
@@ -5258,7 +5268,7 @@
           </a:ln>
           <a:extLst>
             <a:ext uri="{C572A759-6A51-4108-AA02-DFA0A04FC94B}">
-              <ma14:wrappingTextBoxFlag xmlns:ma14="http://schemas.microsoft.com/office/mac/drawingml/2011/main" val="1"/>
+              <ma14:wrappingTextBoxFlag xmlns:ma14="http://schemas.microsoft.com/office/mac/drawingml/2011/main" xmlns:a14="http://schemas.microsoft.com/office/drawing/2010/main" xmlns:m="http://schemas.openxmlformats.org/officeDocument/2006/math" xmlns="" val="1"/>
             </a:ext>
           </a:extLst>
         </p:spPr>
@@ -5277,7 +5287,6 @@
             </a:lvl1pPr>
           </a:lstStyle>
           <a:p>
-            <a:pPr/>
             <a:r>
               <a:t>Accuracy</a:t>
             </a:r>
@@ -5306,7 +5315,7 @@
           </a:ln>
           <a:extLst>
             <a:ext uri="{C572A759-6A51-4108-AA02-DFA0A04FC94B}">
-              <ma14:wrappingTextBoxFlag xmlns:ma14="http://schemas.microsoft.com/office/mac/drawingml/2011/main" val="1"/>
+              <ma14:wrappingTextBoxFlag xmlns:ma14="http://schemas.microsoft.com/office/mac/drawingml/2011/main" xmlns:a14="http://schemas.microsoft.com/office/drawing/2010/main" xmlns:m="http://schemas.openxmlformats.org/officeDocument/2006/math" xmlns="" val="1"/>
             </a:ext>
           </a:extLst>
         </p:spPr>
@@ -5328,7 +5337,7 @@
               <a:t>The overall predicted accuracy of the model is: </a:t>
             </a:r>
             <a:r>
-              <a:rPr i="1" sz="2000">
+              <a:rPr sz="2000" i="1">
                 <a:solidFill>
                   <a:srgbClr val="0070C0"/>
                 </a:solidFill>
@@ -5347,12 +5356,12 @@
   <p:clrMapOvr>
     <a:masterClrMapping/>
   </p:clrMapOvr>
-  <p:transition xmlns:p14="http://schemas.microsoft.com/office/powerpoint/2010/main" spd="med" advClick="1"/>
+  <p:transition spd="med"/>
 </p:sld>
 </file>
 
 <file path=ppt/slides/slide15.xml><?xml version="1.0" encoding="utf-8"?>
-<p:sld xmlns:a="http://schemas.openxmlformats.org/drawingml/2006/main" xmlns:r="http://schemas.openxmlformats.org/officeDocument/2006/relationships" xmlns:p="http://schemas.openxmlformats.org/presentationml/2006/main" xmlns:m="http://schemas.openxmlformats.org/officeDocument/2006/math" xmlns:a14="http://schemas.microsoft.com/office/drawing/2010/main" showMasterSp="1" showMasterPhAnim="1">
+<p:sld xmlns:a="http://schemas.openxmlformats.org/drawingml/2006/main" xmlns:r="http://schemas.openxmlformats.org/officeDocument/2006/relationships" xmlns:p="http://schemas.openxmlformats.org/presentationml/2006/main">
   <p:cSld>
     <p:spTree>
       <p:nvGrpSpPr>
@@ -5377,10 +5386,8 @@
           <p:nvPr/>
         </p:nvPicPr>
         <p:blipFill>
-          <a:blip r:embed="rId2">
-            <a:extLst/>
-          </a:blip>
-          <a:srcRect l="0" t="897" r="0" b="896"/>
+          <a:blip r:embed="rId2"/>
+          <a:srcRect t="897" b="896"/>
           <a:stretch>
             <a:fillRect/>
           </a:stretch>
@@ -5407,10 +5414,8 @@
           <p:nvPr/>
         </p:nvPicPr>
         <p:blipFill>
-          <a:blip r:embed="rId3">
-            <a:extLst/>
-          </a:blip>
-          <a:srcRect l="997" t="0" r="997" b="0"/>
+          <a:blip r:embed="rId3"/>
+          <a:srcRect l="997" r="997"/>
           <a:stretch>
             <a:fillRect/>
           </a:stretch>
@@ -5447,18 +5452,18 @@
           </a:ln>
           <a:extLst>
             <a:ext uri="{C572A759-6A51-4108-AA02-DFA0A04FC94B}">
-              <ma14:wrappingTextBoxFlag xmlns:ma14="http://schemas.microsoft.com/office/mac/drawingml/2011/main" val="1"/>
+              <ma14:wrappingTextBoxFlag xmlns:ma14="http://schemas.microsoft.com/office/mac/drawingml/2011/main" xmlns:a14="http://schemas.microsoft.com/office/drawing/2010/main" xmlns:m="http://schemas.openxmlformats.org/officeDocument/2006/math" xmlns="" val="1"/>
             </a:ext>
           </a:extLst>
         </p:spPr>
         <p:txBody>
           <a:bodyPr lIns="45718" tIns="45718" rIns="45718" bIns="45718" anchor="ctr">
-            <a:normAutofit fontScale="100000" lnSpcReduction="0"/>
+            <a:normAutofit/>
           </a:bodyPr>
           <a:lstStyle/>
           <a:p>
             <a:pPr>
-              <a:defRPr b="1" sz="4000">
+              <a:defRPr sz="4000" b="1">
                 <a:solidFill>
                   <a:srgbClr val="FFFFFF"/>
                 </a:solidFill>
@@ -5497,7 +5502,7 @@
           </a:ln>
           <a:extLst>
             <a:ext uri="{C572A759-6A51-4108-AA02-DFA0A04FC94B}">
-              <ma14:wrappingTextBoxFlag xmlns:ma14="http://schemas.microsoft.com/office/mac/drawingml/2011/main" val="1"/>
+              <ma14:wrappingTextBoxFlag xmlns:ma14="http://schemas.microsoft.com/office/mac/drawingml/2011/main" xmlns:a14="http://schemas.microsoft.com/office/drawing/2010/main" xmlns:m="http://schemas.openxmlformats.org/officeDocument/2006/math" xmlns="" val="1"/>
             </a:ext>
           </a:extLst>
         </p:spPr>
@@ -5516,7 +5521,6 @@
             </a:lvl1pPr>
           </a:lstStyle>
           <a:p>
-            <a:pPr/>
             <a:r>
               <a:t>Why Precision,Recall and F1 equal?</a:t>
             </a:r>
@@ -5542,7 +5546,7 @@
           </a:ln>
           <a:extLst>
             <a:ext uri="{C572A759-6A51-4108-AA02-DFA0A04FC94B}">
-              <ma14:wrappingTextBoxFlag xmlns:ma14="http://schemas.microsoft.com/office/mac/drawingml/2011/main" val="1"/>
+              <ma14:wrappingTextBoxFlag xmlns:ma14="http://schemas.microsoft.com/office/mac/drawingml/2011/main" xmlns:a14="http://schemas.microsoft.com/office/drawing/2010/main" xmlns:m="http://schemas.openxmlformats.org/officeDocument/2006/math" xmlns="" val="1"/>
             </a:ext>
           </a:extLst>
         </p:spPr>
@@ -5561,7 +5565,6 @@
             </a:lvl1pPr>
           </a:lstStyle>
           <a:p>
-            <a:pPr/>
             <a:r>
               <a:t>Analyses F1 Score and Accuracy respect Number of Neighbour</a:t>
             </a:r>
@@ -5577,9 +5580,7 @@
           <p:nvPr/>
         </p:nvPicPr>
         <p:blipFill>
-          <a:blip r:embed="rId4">
-            <a:extLst/>
-          </a:blip>
+          <a:blip r:embed="rId4"/>
           <a:stretch>
             <a:fillRect/>
           </a:stretch>
@@ -5602,12 +5603,12 @@
   <p:clrMapOvr>
     <a:masterClrMapping/>
   </p:clrMapOvr>
-  <p:transition xmlns:p14="http://schemas.microsoft.com/office/powerpoint/2010/main" spd="med" advClick="1"/>
+  <p:transition spd="med"/>
 </p:sld>
 </file>
 
 <file path=ppt/slides/slide16.xml><?xml version="1.0" encoding="utf-8"?>
-<p:sld xmlns:a="http://schemas.openxmlformats.org/drawingml/2006/main" xmlns:r="http://schemas.openxmlformats.org/officeDocument/2006/relationships" xmlns:p="http://schemas.openxmlformats.org/presentationml/2006/main" xmlns:m="http://schemas.openxmlformats.org/officeDocument/2006/math" xmlns:a14="http://schemas.microsoft.com/office/drawing/2010/main" showMasterSp="1" showMasterPhAnim="1">
+<p:sld xmlns:a="http://schemas.openxmlformats.org/drawingml/2006/main" xmlns:r="http://schemas.openxmlformats.org/officeDocument/2006/relationships" xmlns:p="http://schemas.openxmlformats.org/presentationml/2006/main">
   <p:cSld>
     <p:spTree>
       <p:nvGrpSpPr>
@@ -5632,9 +5633,7 @@
           <p:nvPr/>
         </p:nvPicPr>
         <p:blipFill>
-          <a:blip r:embed="rId2">
-            <a:extLst/>
-          </a:blip>
+          <a:blip r:embed="rId2"/>
           <a:stretch>
             <a:fillRect/>
           </a:stretch>
@@ -5671,7 +5670,7 @@
           </a:ln>
           <a:extLst>
             <a:ext uri="{C572A759-6A51-4108-AA02-DFA0A04FC94B}">
-              <ma14:wrappingTextBoxFlag xmlns:ma14="http://schemas.microsoft.com/office/mac/drawingml/2011/main" val="1"/>
+              <ma14:wrappingTextBoxFlag xmlns:ma14="http://schemas.microsoft.com/office/mac/drawingml/2011/main" xmlns:a14="http://schemas.microsoft.com/office/drawing/2010/main" xmlns:m="http://schemas.openxmlformats.org/officeDocument/2006/math" xmlns="" val="1"/>
             </a:ext>
           </a:extLst>
         </p:spPr>
@@ -5690,7 +5689,6 @@
             </a:lvl1pPr>
           </a:lstStyle>
           <a:p>
-            <a:pPr/>
             <a:r>
               <a:t> Receiver Operating Characteristic (ROC) and Area Under the ROC Curve (AUC)</a:t>
             </a:r>
@@ -5719,7 +5717,7 @@
           </a:ln>
           <a:extLst>
             <a:ext uri="{C572A759-6A51-4108-AA02-DFA0A04FC94B}">
-              <ma14:wrappingTextBoxFlag xmlns:ma14="http://schemas.microsoft.com/office/mac/drawingml/2011/main" val="1"/>
+              <ma14:wrappingTextBoxFlag xmlns:ma14="http://schemas.microsoft.com/office/mac/drawingml/2011/main" xmlns:a14="http://schemas.microsoft.com/office/drawing/2010/main" xmlns:m="http://schemas.openxmlformats.org/officeDocument/2006/math" xmlns="" val="1"/>
             </a:ext>
           </a:extLst>
         </p:spPr>
@@ -5748,7 +5746,7 @@
               <a:t>) is:</a:t>
             </a:r>
             <a:r>
-              <a:rPr i="1" sz="2000">
+              <a:rPr sz="2000" i="1">
                 <a:solidFill>
                   <a:srgbClr val="0070C0"/>
                 </a:solidFill>
@@ -5756,7 +5754,7 @@
               <a:t> 0.6514</a:t>
             </a:r>
             <a:r>
-              <a:rPr i="1" sz="1200">
+              <a:rPr sz="1200" i="1">
                 <a:solidFill>
                   <a:srgbClr val="0070C0"/>
                 </a:solidFill>
@@ -5785,7 +5783,7 @@
           </a:ln>
           <a:extLst>
             <a:ext uri="{C572A759-6A51-4108-AA02-DFA0A04FC94B}">
-              <ma14:wrappingTextBoxFlag xmlns:ma14="http://schemas.microsoft.com/office/mac/drawingml/2011/main" val="1"/>
+              <ma14:wrappingTextBoxFlag xmlns:ma14="http://schemas.microsoft.com/office/mac/drawingml/2011/main" xmlns:a14="http://schemas.microsoft.com/office/drawing/2010/main" xmlns:m="http://schemas.openxmlformats.org/officeDocument/2006/math" xmlns="" val="1"/>
             </a:ext>
           </a:extLst>
         </p:spPr>
@@ -5804,7 +5802,6 @@
             </a:lvl1pPr>
           </a:lstStyle>
           <a:p>
-            <a:pPr/>
             <a:r>
               <a:t>Accuracy</a:t>
             </a:r>
@@ -5833,7 +5830,7 @@
           </a:ln>
           <a:extLst>
             <a:ext uri="{C572A759-6A51-4108-AA02-DFA0A04FC94B}">
-              <ma14:wrappingTextBoxFlag xmlns:ma14="http://schemas.microsoft.com/office/mac/drawingml/2011/main" val="1"/>
+              <ma14:wrappingTextBoxFlag xmlns:ma14="http://schemas.microsoft.com/office/mac/drawingml/2011/main" xmlns:a14="http://schemas.microsoft.com/office/drawing/2010/main" xmlns:m="http://schemas.openxmlformats.org/officeDocument/2006/math" xmlns="" val="1"/>
             </a:ext>
           </a:extLst>
         </p:spPr>
@@ -5855,7 +5852,7 @@
               <a:t>The overall predicted accuracy of the model is: </a:t>
             </a:r>
             <a:r>
-              <a:rPr i="1" sz="2000">
+              <a:rPr sz="2000" i="1">
                 <a:solidFill>
                   <a:srgbClr val="0070C0"/>
                 </a:solidFill>
@@ -5888,18 +5885,18 @@
           </a:ln>
           <a:extLst>
             <a:ext uri="{C572A759-6A51-4108-AA02-DFA0A04FC94B}">
-              <ma14:wrappingTextBoxFlag xmlns:ma14="http://schemas.microsoft.com/office/mac/drawingml/2011/main" val="1"/>
+              <ma14:wrappingTextBoxFlag xmlns:ma14="http://schemas.microsoft.com/office/mac/drawingml/2011/main" xmlns:a14="http://schemas.microsoft.com/office/drawing/2010/main" xmlns:m="http://schemas.openxmlformats.org/officeDocument/2006/math" xmlns="" val="1"/>
             </a:ext>
           </a:extLst>
         </p:spPr>
         <p:txBody>
           <a:bodyPr lIns="45718" tIns="45718" rIns="45718" bIns="45718" anchor="ctr">
-            <a:normAutofit fontScale="100000" lnSpcReduction="0"/>
+            <a:normAutofit/>
           </a:bodyPr>
           <a:lstStyle/>
           <a:p>
             <a:pPr>
-              <a:defRPr b="1" sz="4000">
+              <a:defRPr sz="4000" b="1">
                 <a:solidFill>
                   <a:srgbClr val="FFFFFF"/>
                 </a:solidFill>
@@ -5924,12 +5921,12 @@
   <p:clrMapOvr>
     <a:masterClrMapping/>
   </p:clrMapOvr>
-  <p:transition xmlns:p14="http://schemas.microsoft.com/office/powerpoint/2010/main" spd="med" advClick="1"/>
+  <p:transition spd="med"/>
 </p:sld>
 </file>
 
 <file path=ppt/slides/slide17.xml><?xml version="1.0" encoding="utf-8"?>
-<p:sld xmlns:a="http://schemas.openxmlformats.org/drawingml/2006/main" xmlns:r="http://schemas.openxmlformats.org/officeDocument/2006/relationships" xmlns:p="http://schemas.openxmlformats.org/presentationml/2006/main" xmlns:m="http://schemas.openxmlformats.org/officeDocument/2006/math" xmlns:a14="http://schemas.microsoft.com/office/drawing/2010/main" showMasterSp="1" showMasterPhAnim="1">
+<p:sld xmlns:a="http://schemas.openxmlformats.org/drawingml/2006/main" xmlns:r="http://schemas.openxmlformats.org/officeDocument/2006/relationships" xmlns:p="http://schemas.openxmlformats.org/presentationml/2006/main">
   <p:cSld>
     <p:spTree>
       <p:nvGrpSpPr>
@@ -5954,10 +5951,8 @@
           <p:nvPr/>
         </p:nvPicPr>
         <p:blipFill>
-          <a:blip r:embed="rId2">
-            <a:extLst/>
-          </a:blip>
-          <a:srcRect l="0" t="420" r="0" b="420"/>
+          <a:blip r:embed="rId2"/>
+          <a:srcRect t="420" b="420"/>
           <a:stretch>
             <a:fillRect/>
           </a:stretch>
@@ -5994,13 +5989,13 @@
           </a:ln>
           <a:extLst>
             <a:ext uri="{C572A759-6A51-4108-AA02-DFA0A04FC94B}">
-              <ma14:wrappingTextBoxFlag xmlns:ma14="http://schemas.microsoft.com/office/mac/drawingml/2011/main" val="1"/>
+              <ma14:wrappingTextBoxFlag xmlns:ma14="http://schemas.microsoft.com/office/mac/drawingml/2011/main" xmlns:a14="http://schemas.microsoft.com/office/drawing/2010/main" xmlns:m="http://schemas.openxmlformats.org/officeDocument/2006/math" xmlns="" val="1"/>
             </a:ext>
           </a:extLst>
         </p:spPr>
         <p:txBody>
           <a:bodyPr lIns="45718" tIns="45718" rIns="45718" bIns="45718">
-            <a:normAutofit fontScale="100000" lnSpcReduction="0"/>
+            <a:normAutofit/>
           </a:bodyPr>
           <a:lstStyle/>
           <a:p>
@@ -6019,6 +6014,7 @@
                 <a:sym typeface="Corbel"/>
               </a:defRPr>
             </a:pPr>
+            <a:endParaRPr/>
           </a:p>
           <a:p>
             <a:pPr marL="187558" indent="-132282" algn="just" defTabSz="425195">
@@ -6049,6 +6045,7 @@
                 <a:sym typeface="Corbel"/>
               </a:defRPr>
             </a:pPr>
+            <a:endParaRPr/>
           </a:p>
           <a:p>
             <a:pPr marL="187558" indent="-132282" algn="just" defTabSz="425195">
@@ -6067,20 +6064,14 @@
               </a:defRPr>
             </a:pPr>
             <a:r>
-              <a:t> 70 T</a:t>
-            </a:r>
-            <a:r>
-              <a:t>rue</a:t>
+              <a:t> 70 True</a:t>
             </a:r>
             <a:r>
               <a:rPr b="1"/>
               <a:t> </a:t>
             </a:r>
             <a:r>
-              <a:t>Positive</a:t>
-            </a:r>
-            <a:r>
-              <a:t> Predictions</a:t>
+              <a:t>Positive Predictions</a:t>
             </a:r>
           </a:p>
           <a:p>
@@ -6092,6 +6083,7 @@
                 <a:sym typeface="Corbel"/>
               </a:defRPr>
             </a:pPr>
+            <a:endParaRPr/>
           </a:p>
           <a:p>
             <a:pPr marL="187558" indent="-132282" algn="just" defTabSz="425195">
@@ -6110,20 +6102,14 @@
               </a:defRPr>
             </a:pPr>
             <a:r>
-              <a:t> 81 T</a:t>
-            </a:r>
-            <a:r>
-              <a:t>rue</a:t>
+              <a:t> 81 True</a:t>
             </a:r>
             <a:r>
               <a:rPr b="1"/>
               <a:t> </a:t>
             </a:r>
             <a:r>
-              <a:t>Negative</a:t>
-            </a:r>
-            <a:r>
-              <a:t> Predictions</a:t>
+              <a:t>Negative Predictions</a:t>
             </a:r>
           </a:p>
           <a:p>
@@ -6135,6 +6121,7 @@
                 <a:sym typeface="Corbel"/>
               </a:defRPr>
             </a:pPr>
+            <a:endParaRPr/>
           </a:p>
           <a:p>
             <a:pPr marL="187558" indent="-132282" algn="just" defTabSz="425195">
@@ -6153,20 +6140,14 @@
               </a:defRPr>
             </a:pPr>
             <a:r>
-              <a:t> 41 </a:t>
-            </a:r>
-            <a:r>
-              <a:t>False</a:t>
+              <a:t> 41 False</a:t>
             </a:r>
             <a:r>
               <a:rPr b="1"/>
               <a:t> </a:t>
             </a:r>
             <a:r>
-              <a:t>Positive </a:t>
-            </a:r>
-            <a:r>
-              <a:t>Predictions</a:t>
+              <a:t>Positive Predictions</a:t>
             </a:r>
           </a:p>
           <a:p>
@@ -6178,6 +6159,7 @@
                 <a:sym typeface="Corbel"/>
               </a:defRPr>
             </a:pPr>
+            <a:endParaRPr/>
           </a:p>
           <a:p>
             <a:pPr marL="187558" indent="-132282" algn="just" defTabSz="425195">
@@ -6196,20 +6178,14 @@
               </a:defRPr>
             </a:pPr>
             <a:r>
-              <a:t> 37 </a:t>
-            </a:r>
-            <a:r>
-              <a:t>False</a:t>
+              <a:t> 37 False</a:t>
             </a:r>
             <a:r>
               <a:rPr b="1"/>
               <a:t> </a:t>
             </a:r>
             <a:r>
-              <a:t>Negative</a:t>
-            </a:r>
-            <a:r>
-              <a:t> Predictions</a:t>
+              <a:t>Negative Predictions</a:t>
             </a:r>
           </a:p>
           <a:p>
@@ -6228,6 +6204,7 @@
                 <a:sym typeface="Corbel"/>
               </a:defRPr>
             </a:pPr>
+            <a:endParaRPr/>
           </a:p>
           <a:p>
             <a:pPr marL="187558" indent="-132282" algn="just" defTabSz="425195">
@@ -6245,6 +6222,7 @@
                 <a:sym typeface="Corbel"/>
               </a:defRPr>
             </a:pPr>
+            <a:endParaRPr/>
           </a:p>
           <a:p>
             <a:pPr marL="187558" indent="-132282" algn="just" defTabSz="425195">
@@ -6262,6 +6240,7 @@
                 <a:sym typeface="Corbel"/>
               </a:defRPr>
             </a:pPr>
+            <a:endParaRPr/>
           </a:p>
           <a:p>
             <a:pPr marL="187558" indent="-132282" algn="just" defTabSz="425195">
@@ -6279,6 +6258,7 @@
                 <a:sym typeface="Corbel"/>
               </a:defRPr>
             </a:pPr>
+            <a:endParaRPr/>
           </a:p>
           <a:p>
             <a:pPr marL="187558" indent="-132282" algn="just" defTabSz="425195">
@@ -6296,6 +6276,7 @@
                 <a:sym typeface="Corbel"/>
               </a:defRPr>
             </a:pPr>
+            <a:endParaRPr/>
           </a:p>
           <a:p>
             <a:pPr algn="just" defTabSz="425195">
@@ -6306,6 +6287,7 @@
                 <a:sym typeface="Corbel"/>
               </a:defRPr>
             </a:pPr>
+            <a:endParaRPr/>
           </a:p>
           <a:p>
             <a:pPr algn="just" defTabSz="425195">
@@ -6316,6 +6298,7 @@
                 <a:sym typeface="Corbel"/>
               </a:defRPr>
             </a:pPr>
+            <a:endParaRPr/>
           </a:p>
           <a:p>
             <a:pPr algn="just" defTabSz="425195">
@@ -6326,6 +6309,7 @@
                 <a:sym typeface="Corbel"/>
               </a:defRPr>
             </a:pPr>
+            <a:endParaRPr/>
           </a:p>
           <a:p>
             <a:pPr algn="just" defTabSz="425195">
@@ -6336,6 +6320,7 @@
                 <a:sym typeface="Corbel"/>
               </a:defRPr>
             </a:pPr>
+            <a:endParaRPr/>
           </a:p>
           <a:p>
             <a:pPr defTabSz="212597">
@@ -6345,6 +6330,7 @@
                 </a:solidFill>
               </a:defRPr>
             </a:pPr>
+            <a:endParaRPr/>
           </a:p>
           <a:p>
             <a:pPr defTabSz="212597">
@@ -6354,6 +6340,7 @@
                 </a:solidFill>
               </a:defRPr>
             </a:pPr>
+            <a:endParaRPr/>
           </a:p>
         </p:txBody>
       </p:sp>
@@ -6376,18 +6363,18 @@
           </a:ln>
           <a:extLst>
             <a:ext uri="{C572A759-6A51-4108-AA02-DFA0A04FC94B}">
-              <ma14:wrappingTextBoxFlag xmlns:ma14="http://schemas.microsoft.com/office/mac/drawingml/2011/main" val="1"/>
+              <ma14:wrappingTextBoxFlag xmlns:ma14="http://schemas.microsoft.com/office/mac/drawingml/2011/main" xmlns:a14="http://schemas.microsoft.com/office/drawing/2010/main" xmlns:m="http://schemas.openxmlformats.org/officeDocument/2006/math" xmlns="" val="1"/>
             </a:ext>
           </a:extLst>
         </p:spPr>
         <p:txBody>
           <a:bodyPr lIns="45718" tIns="45718" rIns="45718" bIns="45718" anchor="ctr">
-            <a:normAutofit fontScale="100000" lnSpcReduction="0"/>
+            <a:normAutofit/>
           </a:bodyPr>
           <a:lstStyle/>
           <a:p>
             <a:pPr>
-              <a:defRPr b="1" sz="4000">
+              <a:defRPr sz="4000" b="1">
                 <a:solidFill>
                   <a:srgbClr val="FFFFFF"/>
                 </a:solidFill>
@@ -6398,11 +6385,12 @@
               </a:defRPr>
             </a:pPr>
             <a:r>
+              <a:rPr dirty="0"/>
               <a:t>Prediction with </a:t>
             </a:r>
             <a:r>
-              <a:rPr i="1"/>
-              <a:t>Supported Vector Machine</a:t>
+              <a:rPr i="1" dirty="0"/>
+              <a:t>Support Vector Machine</a:t>
             </a:r>
           </a:p>
         </p:txBody>
@@ -6426,7 +6414,7 @@
           </a:ln>
           <a:extLst>
             <a:ext uri="{C572A759-6A51-4108-AA02-DFA0A04FC94B}">
-              <ma14:wrappingTextBoxFlag xmlns:ma14="http://schemas.microsoft.com/office/mac/drawingml/2011/main" val="1"/>
+              <ma14:wrappingTextBoxFlag xmlns:ma14="http://schemas.microsoft.com/office/mac/drawingml/2011/main" xmlns:a14="http://schemas.microsoft.com/office/drawing/2010/main" xmlns:m="http://schemas.openxmlformats.org/officeDocument/2006/math" xmlns="" val="1"/>
             </a:ext>
           </a:extLst>
         </p:spPr>
@@ -6445,7 +6433,6 @@
             </a:lvl1pPr>
           </a:lstStyle>
           <a:p>
-            <a:pPr/>
             <a:r>
               <a:t>Confusion Matrix</a:t>
             </a:r>
@@ -6457,12 +6444,12 @@
   <p:clrMapOvr>
     <a:masterClrMapping/>
   </p:clrMapOvr>
-  <p:transition xmlns:p14="http://schemas.microsoft.com/office/powerpoint/2010/main" spd="med" advClick="1"/>
+  <p:transition spd="med"/>
 </p:sld>
 </file>
 
 <file path=ppt/slides/slide18.xml><?xml version="1.0" encoding="utf-8"?>
-<p:sld xmlns:a="http://schemas.openxmlformats.org/drawingml/2006/main" xmlns:r="http://schemas.openxmlformats.org/officeDocument/2006/relationships" xmlns:p="http://schemas.openxmlformats.org/presentationml/2006/main" xmlns:m="http://schemas.openxmlformats.org/officeDocument/2006/math" xmlns:a14="http://schemas.microsoft.com/office/drawing/2010/main" showMasterSp="1" showMasterPhAnim="1">
+<p:sld xmlns:a="http://schemas.openxmlformats.org/drawingml/2006/main" xmlns:r="http://schemas.openxmlformats.org/officeDocument/2006/relationships" xmlns:p="http://schemas.openxmlformats.org/presentationml/2006/main">
   <p:cSld>
     <p:spTree>
       <p:nvGrpSpPr>
@@ -6497,7 +6484,7 @@
           </a:ln>
           <a:extLst>
             <a:ext uri="{C572A759-6A51-4108-AA02-DFA0A04FC94B}">
-              <ma14:wrappingTextBoxFlag xmlns:ma14="http://schemas.microsoft.com/office/mac/drawingml/2011/main" val="1"/>
+              <ma14:wrappingTextBoxFlag xmlns:ma14="http://schemas.microsoft.com/office/mac/drawingml/2011/main" xmlns:a14="http://schemas.microsoft.com/office/drawing/2010/main" xmlns:m="http://schemas.openxmlformats.org/officeDocument/2006/math" xmlns="" val="1"/>
             </a:ext>
           </a:extLst>
         </p:spPr>
@@ -6516,7 +6503,6 @@
             </a:lvl1pPr>
           </a:lstStyle>
           <a:p>
-            <a:pPr/>
             <a:r>
               <a:t>Recall</a:t>
             </a:r>
@@ -6545,7 +6531,7 @@
           </a:ln>
           <a:extLst>
             <a:ext uri="{C572A759-6A51-4108-AA02-DFA0A04FC94B}">
-              <ma14:wrappingTextBoxFlag xmlns:ma14="http://schemas.microsoft.com/office/mac/drawingml/2011/main" val="1"/>
+              <ma14:wrappingTextBoxFlag xmlns:ma14="http://schemas.microsoft.com/office/mac/drawingml/2011/main" xmlns:a14="http://schemas.microsoft.com/office/drawing/2010/main" xmlns:m="http://schemas.openxmlformats.org/officeDocument/2006/math" xmlns="" val="1"/>
             </a:ext>
           </a:extLst>
         </p:spPr>
@@ -6580,7 +6566,7 @@
               <a:t> is:   </a:t>
             </a:r>
             <a:r>
-              <a:rPr i="1" sz="2000">
+              <a:rPr sz="2000" i="1">
                 <a:solidFill>
                   <a:srgbClr val="0070C0"/>
                 </a:solidFill>
@@ -6609,7 +6595,7 @@
           </a:ln>
           <a:extLst>
             <a:ext uri="{C572A759-6A51-4108-AA02-DFA0A04FC94B}">
-              <ma14:wrappingTextBoxFlag xmlns:ma14="http://schemas.microsoft.com/office/mac/drawingml/2011/main" val="1"/>
+              <ma14:wrappingTextBoxFlag xmlns:ma14="http://schemas.microsoft.com/office/mac/drawingml/2011/main" xmlns:a14="http://schemas.microsoft.com/office/drawing/2010/main" xmlns:m="http://schemas.openxmlformats.org/officeDocument/2006/math" xmlns="" val="1"/>
             </a:ext>
           </a:extLst>
         </p:spPr>
@@ -6628,7 +6614,6 @@
             </a:lvl1pPr>
           </a:lstStyle>
           <a:p>
-            <a:pPr/>
             <a:r>
               <a:t>Precision</a:t>
             </a:r>
@@ -6657,7 +6642,7 @@
           </a:ln>
           <a:extLst>
             <a:ext uri="{C572A759-6A51-4108-AA02-DFA0A04FC94B}">
-              <ma14:wrappingTextBoxFlag xmlns:ma14="http://schemas.microsoft.com/office/mac/drawingml/2011/main" val="1"/>
+              <ma14:wrappingTextBoxFlag xmlns:ma14="http://schemas.microsoft.com/office/mac/drawingml/2011/main" xmlns:a14="http://schemas.microsoft.com/office/drawing/2010/main" xmlns:m="http://schemas.openxmlformats.org/officeDocument/2006/math" xmlns="" val="1"/>
             </a:ext>
           </a:extLst>
         </p:spPr>
@@ -6679,7 +6664,7 @@
               <a:t>The ratio of positive instances that are correctly detected by the classifier (true positive rate), represented by the Recall, is:   </a:t>
             </a:r>
             <a:r>
-              <a:rPr i="1" sz="2000">
+              <a:rPr sz="2000" i="1">
                 <a:solidFill>
                   <a:srgbClr val="0070C0"/>
                 </a:solidFill>
@@ -6708,7 +6693,7 @@
           </a:ln>
           <a:extLst>
             <a:ext uri="{C572A759-6A51-4108-AA02-DFA0A04FC94B}">
-              <ma14:wrappingTextBoxFlag xmlns:ma14="http://schemas.microsoft.com/office/mac/drawingml/2011/main" val="1"/>
+              <ma14:wrappingTextBoxFlag xmlns:ma14="http://schemas.microsoft.com/office/mac/drawingml/2011/main" xmlns:a14="http://schemas.microsoft.com/office/drawing/2010/main" xmlns:m="http://schemas.openxmlformats.org/officeDocument/2006/math" xmlns="" val="1"/>
             </a:ext>
           </a:extLst>
         </p:spPr>
@@ -6727,7 +6712,6 @@
             </a:lvl1pPr>
           </a:lstStyle>
           <a:p>
-            <a:pPr/>
             <a:r>
               <a:t>F1-score</a:t>
             </a:r>
@@ -6753,7 +6737,7 @@
           </a:ln>
           <a:extLst>
             <a:ext uri="{C572A759-6A51-4108-AA02-DFA0A04FC94B}">
-              <ma14:wrappingTextBoxFlag xmlns:ma14="http://schemas.microsoft.com/office/mac/drawingml/2011/main" val="1"/>
+              <ma14:wrappingTextBoxFlag xmlns:ma14="http://schemas.microsoft.com/office/mac/drawingml/2011/main" xmlns:a14="http://schemas.microsoft.com/office/drawing/2010/main" xmlns:m="http://schemas.openxmlformats.org/officeDocument/2006/math" xmlns="" val="1"/>
             </a:ext>
           </a:extLst>
         </p:spPr>
@@ -6772,22 +6756,11 @@
               </a:defRPr>
             </a:pPr>
             <a:r>
-              <a:t>The F1-score, represented by the </a:t>
-            </a:r>
-            <a:r>
-              <a:t>harmonic</a:t>
-            </a:r>
-            <a:r>
-              <a:t> mean of precision and recall which,  </a:t>
-            </a:r>
-            <a:r>
-              <a:t>differently from </a:t>
-            </a:r>
-            <a:r>
-              <a:t>the regular mean (that gives equal weight to all values),  gives more weight  to low values - favoring classifiers that have similar precision and recall  - is:   </a:t>
-            </a:r>
-            <a:r>
-              <a:rPr i="1" sz="2000">
+              <a:rPr dirty="0"/>
+              <a:t>The F1-score, represented by the harmonic mean of precision and recall which,  differently from the regular mean (that gives equal weight to all values),  gives more weight  to low values - favoring classifiers that have similar precision and recall  - is:   </a:t>
+            </a:r>
+            <a:r>
+              <a:rPr sz="2000" i="1" dirty="0">
                 <a:solidFill>
                   <a:srgbClr val="0070C0"/>
                 </a:solidFill>
@@ -6816,18 +6789,18 @@
           </a:ln>
           <a:extLst>
             <a:ext uri="{C572A759-6A51-4108-AA02-DFA0A04FC94B}">
-              <ma14:wrappingTextBoxFlag xmlns:ma14="http://schemas.microsoft.com/office/mac/drawingml/2011/main" val="1"/>
+              <ma14:wrappingTextBoxFlag xmlns:ma14="http://schemas.microsoft.com/office/mac/drawingml/2011/main" xmlns:a14="http://schemas.microsoft.com/office/drawing/2010/main" xmlns:m="http://schemas.openxmlformats.org/officeDocument/2006/math" xmlns="" val="1"/>
             </a:ext>
           </a:extLst>
         </p:spPr>
         <p:txBody>
           <a:bodyPr lIns="45718" tIns="45718" rIns="45718" bIns="45718" anchor="ctr">
-            <a:normAutofit fontScale="100000" lnSpcReduction="0"/>
+            <a:normAutofit/>
           </a:bodyPr>
           <a:lstStyle/>
           <a:p>
             <a:pPr>
-              <a:defRPr b="1" sz="4000">
+              <a:defRPr sz="4000" b="1">
                 <a:solidFill>
                   <a:srgbClr val="FFFFFF"/>
                 </a:solidFill>
@@ -6838,11 +6811,12 @@
               </a:defRPr>
             </a:pPr>
             <a:r>
+              <a:rPr dirty="0"/>
               <a:t>Prediction with </a:t>
             </a:r>
             <a:r>
-              <a:rPr i="1"/>
-              <a:t> Supported Vector Machine</a:t>
+              <a:rPr i="1" dirty="0"/>
+              <a:t>Support Vector Machine</a:t>
             </a:r>
           </a:p>
         </p:txBody>
@@ -6852,12 +6826,12 @@
   <p:clrMapOvr>
     <a:masterClrMapping/>
   </p:clrMapOvr>
-  <p:transition xmlns:p14="http://schemas.microsoft.com/office/powerpoint/2010/main" spd="med" advClick="1"/>
+  <p:transition spd="med"/>
 </p:sld>
 </file>
 
 <file path=ppt/slides/slide19.xml><?xml version="1.0" encoding="utf-8"?>
-<p:sld xmlns:a="http://schemas.openxmlformats.org/drawingml/2006/main" xmlns:r="http://schemas.openxmlformats.org/officeDocument/2006/relationships" xmlns:p="http://schemas.openxmlformats.org/presentationml/2006/main" xmlns:m="http://schemas.openxmlformats.org/officeDocument/2006/math" xmlns:a14="http://schemas.microsoft.com/office/drawing/2010/main" showMasterSp="1" showMasterPhAnim="1">
+<p:sld xmlns:a="http://schemas.openxmlformats.org/drawingml/2006/main" xmlns:r="http://schemas.openxmlformats.org/officeDocument/2006/relationships" xmlns:p="http://schemas.openxmlformats.org/presentationml/2006/main">
   <p:cSld>
     <p:spTree>
       <p:nvGrpSpPr>
@@ -6882,10 +6856,8 @@
           <p:nvPr/>
         </p:nvPicPr>
         <p:blipFill>
-          <a:blip r:embed="rId2">
-            <a:extLst/>
-          </a:blip>
-          <a:srcRect l="0" t="173" r="0" b="172"/>
+          <a:blip r:embed="rId2"/>
+          <a:srcRect t="173" b="172"/>
           <a:stretch>
             <a:fillRect/>
           </a:stretch>
@@ -6922,18 +6894,18 @@
           </a:ln>
           <a:extLst>
             <a:ext uri="{C572A759-6A51-4108-AA02-DFA0A04FC94B}">
-              <ma14:wrappingTextBoxFlag xmlns:ma14="http://schemas.microsoft.com/office/mac/drawingml/2011/main" val="1"/>
+              <ma14:wrappingTextBoxFlag xmlns:ma14="http://schemas.microsoft.com/office/mac/drawingml/2011/main" xmlns:a14="http://schemas.microsoft.com/office/drawing/2010/main" xmlns:m="http://schemas.openxmlformats.org/officeDocument/2006/math" xmlns="" val="1"/>
             </a:ext>
           </a:extLst>
         </p:spPr>
         <p:txBody>
           <a:bodyPr lIns="45718" tIns="45718" rIns="45718" bIns="45718" anchor="ctr">
-            <a:normAutofit fontScale="100000" lnSpcReduction="0"/>
+            <a:normAutofit/>
           </a:bodyPr>
           <a:lstStyle/>
           <a:p>
             <a:pPr>
-              <a:defRPr b="1" sz="4000">
+              <a:defRPr sz="4000" b="1">
                 <a:solidFill>
                   <a:srgbClr val="FFFFFF"/>
                 </a:solidFill>
@@ -6944,11 +6916,12 @@
               </a:defRPr>
             </a:pPr>
             <a:r>
+              <a:rPr dirty="0"/>
               <a:t>Prediction with </a:t>
             </a:r>
             <a:r>
-              <a:rPr i="1"/>
-              <a:t>Supported Vector Machine</a:t>
+              <a:rPr i="1" dirty="0"/>
+              <a:t>Support Vector Machine</a:t>
             </a:r>
           </a:p>
         </p:txBody>
@@ -6972,7 +6945,7 @@
           </a:ln>
           <a:extLst>
             <a:ext uri="{C572A759-6A51-4108-AA02-DFA0A04FC94B}">
-              <ma14:wrappingTextBoxFlag xmlns:ma14="http://schemas.microsoft.com/office/mac/drawingml/2011/main" val="1"/>
+              <ma14:wrappingTextBoxFlag xmlns:ma14="http://schemas.microsoft.com/office/mac/drawingml/2011/main" xmlns:a14="http://schemas.microsoft.com/office/drawing/2010/main" xmlns:m="http://schemas.openxmlformats.org/officeDocument/2006/math" xmlns="" val="1"/>
             </a:ext>
           </a:extLst>
         </p:spPr>
@@ -6991,7 +6964,6 @@
             </a:lvl1pPr>
           </a:lstStyle>
           <a:p>
-            <a:pPr/>
             <a:r>
               <a:t> Receiver Operating Characteristic (ROC) and Area Under the ROC Curve (AUC)</a:t>
             </a:r>
@@ -7020,7 +6992,7 @@
           </a:ln>
           <a:extLst>
             <a:ext uri="{C572A759-6A51-4108-AA02-DFA0A04FC94B}">
-              <ma14:wrappingTextBoxFlag xmlns:ma14="http://schemas.microsoft.com/office/mac/drawingml/2011/main" val="1"/>
+              <ma14:wrappingTextBoxFlag xmlns:ma14="http://schemas.microsoft.com/office/mac/drawingml/2011/main" xmlns:a14="http://schemas.microsoft.com/office/drawing/2010/main" xmlns:m="http://schemas.openxmlformats.org/officeDocument/2006/math" xmlns="" val="1"/>
             </a:ext>
           </a:extLst>
         </p:spPr>
@@ -7049,7 +7021,7 @@
               <a:t>) is:</a:t>
             </a:r>
             <a:r>
-              <a:rPr i="1" sz="2000">
+              <a:rPr sz="2000" i="1">
                 <a:solidFill>
                   <a:srgbClr val="0070C0"/>
                 </a:solidFill>
@@ -7057,7 +7029,7 @@
               <a:t> 0.7164</a:t>
             </a:r>
             <a:r>
-              <a:rPr i="1" sz="1200">
+              <a:rPr sz="1200" i="1">
                 <a:solidFill>
                   <a:srgbClr val="0070C0"/>
                 </a:solidFill>
@@ -7086,7 +7058,7 @@
           </a:ln>
           <a:extLst>
             <a:ext uri="{C572A759-6A51-4108-AA02-DFA0A04FC94B}">
-              <ma14:wrappingTextBoxFlag xmlns:ma14="http://schemas.microsoft.com/office/mac/drawingml/2011/main" val="1"/>
+              <ma14:wrappingTextBoxFlag xmlns:ma14="http://schemas.microsoft.com/office/mac/drawingml/2011/main" xmlns:a14="http://schemas.microsoft.com/office/drawing/2010/main" xmlns:m="http://schemas.openxmlformats.org/officeDocument/2006/math" xmlns="" val="1"/>
             </a:ext>
           </a:extLst>
         </p:spPr>
@@ -7105,7 +7077,6 @@
             </a:lvl1pPr>
           </a:lstStyle>
           <a:p>
-            <a:pPr/>
             <a:r>
               <a:t>Accuracy</a:t>
             </a:r>
@@ -7134,7 +7105,7 @@
           </a:ln>
           <a:extLst>
             <a:ext uri="{C572A759-6A51-4108-AA02-DFA0A04FC94B}">
-              <ma14:wrappingTextBoxFlag xmlns:ma14="http://schemas.microsoft.com/office/mac/drawingml/2011/main" val="1"/>
+              <ma14:wrappingTextBoxFlag xmlns:ma14="http://schemas.microsoft.com/office/mac/drawingml/2011/main" xmlns:a14="http://schemas.microsoft.com/office/drawing/2010/main" xmlns:m="http://schemas.openxmlformats.org/officeDocument/2006/math" xmlns="" val="1"/>
             </a:ext>
           </a:extLst>
         </p:spPr>
@@ -7156,7 +7127,7 @@
               <a:t>The overall predicted accuracy of the model is: </a:t>
             </a:r>
             <a:r>
-              <a:rPr i="1" sz="2000">
+              <a:rPr sz="2000" i="1">
                 <a:solidFill>
                   <a:srgbClr val="0070C0"/>
                 </a:solidFill>
@@ -7175,12 +7146,12 @@
   <p:clrMapOvr>
     <a:masterClrMapping/>
   </p:clrMapOvr>
-  <p:transition xmlns:p14="http://schemas.microsoft.com/office/powerpoint/2010/main" spd="med" advClick="1"/>
+  <p:transition spd="med"/>
 </p:sld>
 </file>
 
 <file path=ppt/slides/slide2.xml><?xml version="1.0" encoding="utf-8"?>
-<p:sld xmlns:a="http://schemas.openxmlformats.org/drawingml/2006/main" xmlns:r="http://schemas.openxmlformats.org/officeDocument/2006/relationships" xmlns:p="http://schemas.openxmlformats.org/presentationml/2006/main" xmlns:m="http://schemas.openxmlformats.org/officeDocument/2006/math" xmlns:a14="http://schemas.microsoft.com/office/drawing/2010/main" showMasterSp="1" showMasterPhAnim="1">
+<p:sld xmlns:a="http://schemas.openxmlformats.org/drawingml/2006/main" xmlns:r="http://schemas.openxmlformats.org/officeDocument/2006/relationships" xmlns:p="http://schemas.openxmlformats.org/presentationml/2006/main">
   <p:cSld>
     <p:spTree>
       <p:nvGrpSpPr>
@@ -7199,7 +7170,9 @@
       <p:sp>
         <p:nvSpPr>
           <p:cNvPr id="108" name="Titolo 9"/>
-          <p:cNvSpPr txBox="1"/>
+          <p:cNvSpPr txBox="1">
+            <a:spLocks noGrp="1"/>
+          </p:cNvSpPr>
           <p:nvPr>
             <p:ph type="title"/>
           </p:nvPr>
@@ -7217,7 +7190,7 @@
           <a:bodyPr/>
           <a:lstStyle>
             <a:lvl1pPr algn="r">
-              <a:defRPr b="1" sz="4000">
+              <a:defRPr sz="4000" b="1">
                 <a:solidFill>
                   <a:srgbClr val="FFFFFF"/>
                 </a:solidFill>
@@ -7229,7 +7202,6 @@
             </a:lvl1pPr>
           </a:lstStyle>
           <a:p>
-            <a:pPr/>
             <a:r>
               <a:t>Introduction</a:t>
             </a:r>
@@ -7239,7 +7211,9 @@
       <p:sp>
         <p:nvSpPr>
           <p:cNvPr id="109" name="Segnaposto contenuto 10"/>
-          <p:cNvSpPr txBox="1"/>
+          <p:cNvSpPr txBox="1">
+            <a:spLocks noGrp="1"/>
+          </p:cNvSpPr>
           <p:nvPr>
             <p:ph type="body" idx="1"/>
           </p:nvPr>
@@ -7302,12 +7276,12 @@
   <p:clrMapOvr>
     <a:masterClrMapping/>
   </p:clrMapOvr>
-  <p:transition xmlns:p14="http://schemas.microsoft.com/office/powerpoint/2010/main" spd="med" advClick="1"/>
+  <p:transition spd="med"/>
 </p:sld>
 </file>
 
 <file path=ppt/slides/slide20.xml><?xml version="1.0" encoding="utf-8"?>
-<p:sld xmlns:a="http://schemas.openxmlformats.org/drawingml/2006/main" xmlns:r="http://schemas.openxmlformats.org/officeDocument/2006/relationships" xmlns:p="http://schemas.openxmlformats.org/presentationml/2006/main" xmlns:m="http://schemas.openxmlformats.org/officeDocument/2006/math" xmlns:a14="http://schemas.microsoft.com/office/drawing/2010/main" showMasterSp="1" showMasterPhAnim="1">
+<p:sld xmlns:a="http://schemas.openxmlformats.org/drawingml/2006/main" xmlns:r="http://schemas.openxmlformats.org/officeDocument/2006/relationships" xmlns:p="http://schemas.openxmlformats.org/presentationml/2006/main">
   <p:cSld>
     <p:spTree>
       <p:nvGrpSpPr>
@@ -7332,10 +7306,8 @@
           <p:nvPr/>
         </p:nvPicPr>
         <p:blipFill>
-          <a:blip r:embed="rId2">
-            <a:extLst/>
-          </a:blip>
-          <a:srcRect l="0" t="1758" r="0" b="1759"/>
+          <a:blip r:embed="rId2"/>
+          <a:srcRect t="1758" b="1759"/>
           <a:stretch>
             <a:fillRect/>
           </a:stretch>
@@ -7372,18 +7344,18 @@
           </a:ln>
           <a:extLst>
             <a:ext uri="{C572A759-6A51-4108-AA02-DFA0A04FC94B}">
-              <ma14:wrappingTextBoxFlag xmlns:ma14="http://schemas.microsoft.com/office/mac/drawingml/2011/main" val="1"/>
+              <ma14:wrappingTextBoxFlag xmlns:ma14="http://schemas.microsoft.com/office/mac/drawingml/2011/main" xmlns:a14="http://schemas.microsoft.com/office/drawing/2010/main" xmlns:m="http://schemas.openxmlformats.org/officeDocument/2006/math" xmlns="" val="1"/>
             </a:ext>
           </a:extLst>
         </p:spPr>
         <p:txBody>
           <a:bodyPr lIns="45718" tIns="45718" rIns="45718" bIns="45718" anchor="ctr">
-            <a:normAutofit fontScale="100000" lnSpcReduction="0"/>
+            <a:normAutofit/>
           </a:bodyPr>
           <a:lstStyle/>
           <a:p>
             <a:pPr>
-              <a:defRPr b="1" sz="4000">
+              <a:defRPr sz="4000" b="1">
                 <a:solidFill>
                   <a:srgbClr val="FFFFFF"/>
                 </a:solidFill>
@@ -7422,13 +7394,13 @@
           </a:ln>
           <a:extLst>
             <a:ext uri="{C572A759-6A51-4108-AA02-DFA0A04FC94B}">
-              <ma14:wrappingTextBoxFlag xmlns:ma14="http://schemas.microsoft.com/office/mac/drawingml/2011/main" val="1"/>
+              <ma14:wrappingTextBoxFlag xmlns:ma14="http://schemas.microsoft.com/office/mac/drawingml/2011/main" xmlns:a14="http://schemas.microsoft.com/office/drawing/2010/main" xmlns:m="http://schemas.openxmlformats.org/officeDocument/2006/math" xmlns="" val="1"/>
             </a:ext>
           </a:extLst>
         </p:spPr>
         <p:txBody>
           <a:bodyPr lIns="45718" tIns="45718" rIns="45718" bIns="45718">
-            <a:normAutofit fontScale="100000" lnSpcReduction="0"/>
+            <a:normAutofit/>
           </a:bodyPr>
           <a:lstStyle/>
           <a:p>
@@ -7447,6 +7419,7 @@
                 <a:sym typeface="Corbel"/>
               </a:defRPr>
             </a:pPr>
+            <a:endParaRPr/>
           </a:p>
           <a:p>
             <a:pPr marL="187558" indent="-132282" algn="just" defTabSz="425195">
@@ -7477,6 +7450,7 @@
                 <a:sym typeface="Corbel"/>
               </a:defRPr>
             </a:pPr>
+            <a:endParaRPr/>
           </a:p>
           <a:p>
             <a:pPr marL="187558" indent="-132282" algn="just" defTabSz="425195">
@@ -7495,20 +7469,14 @@
               </a:defRPr>
             </a:pPr>
             <a:r>
-              <a:t> 74 T</a:t>
-            </a:r>
-            <a:r>
-              <a:t>rue</a:t>
+              <a:t> 74 True</a:t>
             </a:r>
             <a:r>
               <a:rPr b="1"/>
               <a:t> </a:t>
             </a:r>
             <a:r>
-              <a:t>Positive</a:t>
-            </a:r>
-            <a:r>
-              <a:t> Predictions</a:t>
+              <a:t>Positive Predictions</a:t>
             </a:r>
           </a:p>
           <a:p>
@@ -7520,6 +7488,7 @@
                 <a:sym typeface="Corbel"/>
               </a:defRPr>
             </a:pPr>
+            <a:endParaRPr/>
           </a:p>
           <a:p>
             <a:pPr marL="187558" indent="-132282" algn="just" defTabSz="425195">
@@ -7538,20 +7507,14 @@
               </a:defRPr>
             </a:pPr>
             <a:r>
-              <a:t> 67 T</a:t>
-            </a:r>
-            <a:r>
-              <a:t>rue</a:t>
+              <a:t> 67 True</a:t>
             </a:r>
             <a:r>
               <a:rPr b="1"/>
               <a:t> </a:t>
             </a:r>
             <a:r>
-              <a:t>Negative</a:t>
-            </a:r>
-            <a:r>
-              <a:t> Predictions</a:t>
+              <a:t>Negative Predictions</a:t>
             </a:r>
           </a:p>
           <a:p>
@@ -7563,6 +7526,7 @@
                 <a:sym typeface="Corbel"/>
               </a:defRPr>
             </a:pPr>
+            <a:endParaRPr/>
           </a:p>
           <a:p>
             <a:pPr marL="187558" indent="-132282" algn="just" defTabSz="425195">
@@ -7581,20 +7545,14 @@
               </a:defRPr>
             </a:pPr>
             <a:r>
-              <a:t> 48 </a:t>
-            </a:r>
-            <a:r>
-              <a:t>False</a:t>
+              <a:t> 48 False</a:t>
             </a:r>
             <a:r>
               <a:rPr b="1"/>
               <a:t> </a:t>
             </a:r>
             <a:r>
-              <a:t>Positive </a:t>
-            </a:r>
-            <a:r>
-              <a:t>Predictions</a:t>
+              <a:t>Positive Predictions</a:t>
             </a:r>
           </a:p>
           <a:p>
@@ -7606,6 +7564,7 @@
                 <a:sym typeface="Corbel"/>
               </a:defRPr>
             </a:pPr>
+            <a:endParaRPr/>
           </a:p>
           <a:p>
             <a:pPr marL="187558" indent="-132282" algn="just" defTabSz="425195">
@@ -7624,20 +7583,14 @@
               </a:defRPr>
             </a:pPr>
             <a:r>
-              <a:t> 40 </a:t>
-            </a:r>
-            <a:r>
-              <a:t>False</a:t>
+              <a:t> 40 False</a:t>
             </a:r>
             <a:r>
               <a:rPr b="1"/>
               <a:t> </a:t>
             </a:r>
             <a:r>
-              <a:t>Negative</a:t>
-            </a:r>
-            <a:r>
-              <a:t> Predictions</a:t>
+              <a:t>Negative Predictions</a:t>
             </a:r>
           </a:p>
           <a:p>
@@ -7656,6 +7609,7 @@
                 <a:sym typeface="Corbel"/>
               </a:defRPr>
             </a:pPr>
+            <a:endParaRPr/>
           </a:p>
           <a:p>
             <a:pPr marL="187558" indent="-132282" algn="just" defTabSz="425195">
@@ -7673,6 +7627,7 @@
                 <a:sym typeface="Corbel"/>
               </a:defRPr>
             </a:pPr>
+            <a:endParaRPr/>
           </a:p>
           <a:p>
             <a:pPr marL="187558" indent="-132282" algn="just" defTabSz="425195">
@@ -7690,6 +7645,7 @@
                 <a:sym typeface="Corbel"/>
               </a:defRPr>
             </a:pPr>
+            <a:endParaRPr/>
           </a:p>
           <a:p>
             <a:pPr marL="187558" indent="-132282" algn="just" defTabSz="425195">
@@ -7707,6 +7663,7 @@
                 <a:sym typeface="Corbel"/>
               </a:defRPr>
             </a:pPr>
+            <a:endParaRPr/>
           </a:p>
           <a:p>
             <a:pPr marL="187558" indent="-132282" algn="just" defTabSz="425195">
@@ -7724,6 +7681,7 @@
                 <a:sym typeface="Corbel"/>
               </a:defRPr>
             </a:pPr>
+            <a:endParaRPr/>
           </a:p>
           <a:p>
             <a:pPr algn="just" defTabSz="425195">
@@ -7734,6 +7692,7 @@
                 <a:sym typeface="Corbel"/>
               </a:defRPr>
             </a:pPr>
+            <a:endParaRPr/>
           </a:p>
           <a:p>
             <a:pPr algn="just" defTabSz="425195">
@@ -7744,6 +7703,7 @@
                 <a:sym typeface="Corbel"/>
               </a:defRPr>
             </a:pPr>
+            <a:endParaRPr/>
           </a:p>
           <a:p>
             <a:pPr algn="just" defTabSz="425195">
@@ -7754,6 +7714,7 @@
                 <a:sym typeface="Corbel"/>
               </a:defRPr>
             </a:pPr>
+            <a:endParaRPr/>
           </a:p>
           <a:p>
             <a:pPr algn="just" defTabSz="425195">
@@ -7764,6 +7725,7 @@
                 <a:sym typeface="Corbel"/>
               </a:defRPr>
             </a:pPr>
+            <a:endParaRPr/>
           </a:p>
           <a:p>
             <a:pPr defTabSz="212597">
@@ -7773,6 +7735,7 @@
                 </a:solidFill>
               </a:defRPr>
             </a:pPr>
+            <a:endParaRPr/>
           </a:p>
           <a:p>
             <a:pPr defTabSz="212597">
@@ -7782,6 +7745,7 @@
                 </a:solidFill>
               </a:defRPr>
             </a:pPr>
+            <a:endParaRPr/>
           </a:p>
         </p:txBody>
       </p:sp>
@@ -7790,12 +7754,12 @@
   <p:clrMapOvr>
     <a:masterClrMapping/>
   </p:clrMapOvr>
-  <p:transition xmlns:p14="http://schemas.microsoft.com/office/powerpoint/2010/main" spd="med" advClick="1"/>
+  <p:transition spd="med"/>
 </p:sld>
 </file>
 
 <file path=ppt/slides/slide21.xml><?xml version="1.0" encoding="utf-8"?>
-<p:sld xmlns:a="http://schemas.openxmlformats.org/drawingml/2006/main" xmlns:r="http://schemas.openxmlformats.org/officeDocument/2006/relationships" xmlns:p="http://schemas.openxmlformats.org/presentationml/2006/main" xmlns:m="http://schemas.openxmlformats.org/officeDocument/2006/math" xmlns:a14="http://schemas.microsoft.com/office/drawing/2010/main" showMasterSp="1" showMasterPhAnim="1">
+<p:sld xmlns:a="http://schemas.openxmlformats.org/drawingml/2006/main" xmlns:r="http://schemas.openxmlformats.org/officeDocument/2006/relationships" xmlns:p="http://schemas.openxmlformats.org/presentationml/2006/main">
   <p:cSld>
     <p:spTree>
       <p:nvGrpSpPr>
@@ -7830,7 +7794,7 @@
           </a:ln>
           <a:extLst>
             <a:ext uri="{C572A759-6A51-4108-AA02-DFA0A04FC94B}">
-              <ma14:wrappingTextBoxFlag xmlns:ma14="http://schemas.microsoft.com/office/mac/drawingml/2011/main" val="1"/>
+              <ma14:wrappingTextBoxFlag xmlns:ma14="http://schemas.microsoft.com/office/mac/drawingml/2011/main" xmlns:a14="http://schemas.microsoft.com/office/drawing/2010/main" xmlns:m="http://schemas.openxmlformats.org/officeDocument/2006/math" xmlns="" val="1"/>
             </a:ext>
           </a:extLst>
         </p:spPr>
@@ -7849,7 +7813,6 @@
             </a:lvl1pPr>
           </a:lstStyle>
           <a:p>
-            <a:pPr/>
             <a:r>
               <a:t>Recall</a:t>
             </a:r>
@@ -7878,7 +7841,7 @@
           </a:ln>
           <a:extLst>
             <a:ext uri="{C572A759-6A51-4108-AA02-DFA0A04FC94B}">
-              <ma14:wrappingTextBoxFlag xmlns:ma14="http://schemas.microsoft.com/office/mac/drawingml/2011/main" val="1"/>
+              <ma14:wrappingTextBoxFlag xmlns:ma14="http://schemas.microsoft.com/office/mac/drawingml/2011/main" xmlns:a14="http://schemas.microsoft.com/office/drawing/2010/main" xmlns:m="http://schemas.openxmlformats.org/officeDocument/2006/math" xmlns="" val="1"/>
             </a:ext>
           </a:extLst>
         </p:spPr>
@@ -7913,7 +7876,7 @@
               <a:t> is:   </a:t>
             </a:r>
             <a:r>
-              <a:rPr i="1" sz="2000">
+              <a:rPr sz="2000" i="1">
                 <a:solidFill>
                   <a:srgbClr val="0070C0"/>
                 </a:solidFill>
@@ -7942,7 +7905,7 @@
           </a:ln>
           <a:extLst>
             <a:ext uri="{C572A759-6A51-4108-AA02-DFA0A04FC94B}">
-              <ma14:wrappingTextBoxFlag xmlns:ma14="http://schemas.microsoft.com/office/mac/drawingml/2011/main" val="1"/>
+              <ma14:wrappingTextBoxFlag xmlns:ma14="http://schemas.microsoft.com/office/mac/drawingml/2011/main" xmlns:a14="http://schemas.microsoft.com/office/drawing/2010/main" xmlns:m="http://schemas.openxmlformats.org/officeDocument/2006/math" xmlns="" val="1"/>
             </a:ext>
           </a:extLst>
         </p:spPr>
@@ -7961,7 +7924,6 @@
             </a:lvl1pPr>
           </a:lstStyle>
           <a:p>
-            <a:pPr/>
             <a:r>
               <a:t>Precision</a:t>
             </a:r>
@@ -7990,7 +7952,7 @@
           </a:ln>
           <a:extLst>
             <a:ext uri="{C572A759-6A51-4108-AA02-DFA0A04FC94B}">
-              <ma14:wrappingTextBoxFlag xmlns:ma14="http://schemas.microsoft.com/office/mac/drawingml/2011/main" val="1"/>
+              <ma14:wrappingTextBoxFlag xmlns:ma14="http://schemas.microsoft.com/office/mac/drawingml/2011/main" xmlns:a14="http://schemas.microsoft.com/office/drawing/2010/main" xmlns:m="http://schemas.openxmlformats.org/officeDocument/2006/math" xmlns="" val="1"/>
             </a:ext>
           </a:extLst>
         </p:spPr>
@@ -8012,7 +7974,7 @@
               <a:t>The ratio of positive instances that are correctly detected by the classifier (true positive rate), represented by the Recall, is:   </a:t>
             </a:r>
             <a:r>
-              <a:rPr i="1" sz="2000">
+              <a:rPr sz="2000" i="1">
                 <a:solidFill>
                   <a:srgbClr val="0070C0"/>
                 </a:solidFill>
@@ -8041,7 +8003,7 @@
           </a:ln>
           <a:extLst>
             <a:ext uri="{C572A759-6A51-4108-AA02-DFA0A04FC94B}">
-              <ma14:wrappingTextBoxFlag xmlns:ma14="http://schemas.microsoft.com/office/mac/drawingml/2011/main" val="1"/>
+              <ma14:wrappingTextBoxFlag xmlns:ma14="http://schemas.microsoft.com/office/mac/drawingml/2011/main" xmlns:a14="http://schemas.microsoft.com/office/drawing/2010/main" xmlns:m="http://schemas.openxmlformats.org/officeDocument/2006/math" xmlns="" val="1"/>
             </a:ext>
           </a:extLst>
         </p:spPr>
@@ -8060,7 +8022,6 @@
             </a:lvl1pPr>
           </a:lstStyle>
           <a:p>
-            <a:pPr/>
             <a:r>
               <a:t>F1-score</a:t>
             </a:r>
@@ -8086,7 +8047,7 @@
           </a:ln>
           <a:extLst>
             <a:ext uri="{C572A759-6A51-4108-AA02-DFA0A04FC94B}">
-              <ma14:wrappingTextBoxFlag xmlns:ma14="http://schemas.microsoft.com/office/mac/drawingml/2011/main" val="1"/>
+              <ma14:wrappingTextBoxFlag xmlns:ma14="http://schemas.microsoft.com/office/mac/drawingml/2011/main" xmlns:a14="http://schemas.microsoft.com/office/drawing/2010/main" xmlns:m="http://schemas.openxmlformats.org/officeDocument/2006/math" xmlns="" val="1"/>
             </a:ext>
           </a:extLst>
         </p:spPr>
@@ -8105,22 +8066,10 @@
               </a:defRPr>
             </a:pPr>
             <a:r>
-              <a:t>The F1-score, represented by the </a:t>
-            </a:r>
-            <a:r>
-              <a:t>harmonic</a:t>
-            </a:r>
-            <a:r>
-              <a:t> mean of precision and recall which,  </a:t>
-            </a:r>
-            <a:r>
-              <a:t>differently from </a:t>
-            </a:r>
-            <a:r>
-              <a:t>the regular mean (that gives equal weight to all values),  gives more weight  to low values - favoring classifiers that have similar precision and recall  - is:   </a:t>
-            </a:r>
-            <a:r>
-              <a:rPr i="1" sz="2000">
+              <a:t>The F1-score, represented by the harmonic mean of precision and recall which,  differently from the regular mean (that gives equal weight to all values),  gives more weight  to low values - favoring classifiers that have similar precision and recall  - is:   </a:t>
+            </a:r>
+            <a:r>
+              <a:rPr sz="2000" i="1">
                 <a:solidFill>
                   <a:srgbClr val="0070C0"/>
                 </a:solidFill>
@@ -8149,18 +8098,18 @@
           </a:ln>
           <a:extLst>
             <a:ext uri="{C572A759-6A51-4108-AA02-DFA0A04FC94B}">
-              <ma14:wrappingTextBoxFlag xmlns:ma14="http://schemas.microsoft.com/office/mac/drawingml/2011/main" val="1"/>
+              <ma14:wrappingTextBoxFlag xmlns:ma14="http://schemas.microsoft.com/office/mac/drawingml/2011/main" xmlns:a14="http://schemas.microsoft.com/office/drawing/2010/main" xmlns:m="http://schemas.openxmlformats.org/officeDocument/2006/math" xmlns="" val="1"/>
             </a:ext>
           </a:extLst>
         </p:spPr>
         <p:txBody>
           <a:bodyPr lIns="45718" tIns="45718" rIns="45718" bIns="45718" anchor="ctr">
-            <a:normAutofit fontScale="100000" lnSpcReduction="0"/>
+            <a:normAutofit/>
           </a:bodyPr>
           <a:lstStyle/>
           <a:p>
             <a:pPr>
-              <a:defRPr b="1" sz="4000">
+              <a:defRPr sz="4000" b="1">
                 <a:solidFill>
                   <a:srgbClr val="FFFFFF"/>
                 </a:solidFill>
@@ -8185,12 +8134,12 @@
   <p:clrMapOvr>
     <a:masterClrMapping/>
   </p:clrMapOvr>
-  <p:transition xmlns:p14="http://schemas.microsoft.com/office/powerpoint/2010/main" spd="med" advClick="1"/>
+  <p:transition spd="med"/>
 </p:sld>
 </file>
 
 <file path=ppt/slides/slide22.xml><?xml version="1.0" encoding="utf-8"?>
-<p:sld xmlns:a="http://schemas.openxmlformats.org/drawingml/2006/main" xmlns:r="http://schemas.openxmlformats.org/officeDocument/2006/relationships" xmlns:p="http://schemas.openxmlformats.org/presentationml/2006/main" xmlns:m="http://schemas.openxmlformats.org/officeDocument/2006/math" xmlns:a14="http://schemas.microsoft.com/office/drawing/2010/main" showMasterSp="1" showMasterPhAnim="1">
+<p:sld xmlns:a="http://schemas.openxmlformats.org/drawingml/2006/main" xmlns:r="http://schemas.openxmlformats.org/officeDocument/2006/relationships" xmlns:p="http://schemas.openxmlformats.org/presentationml/2006/main">
   <p:cSld>
     <p:spTree>
       <p:nvGrpSpPr>
@@ -8225,18 +8174,18 @@
           </a:ln>
           <a:extLst>
             <a:ext uri="{C572A759-6A51-4108-AA02-DFA0A04FC94B}">
-              <ma14:wrappingTextBoxFlag xmlns:ma14="http://schemas.microsoft.com/office/mac/drawingml/2011/main" val="1"/>
+              <ma14:wrappingTextBoxFlag xmlns:ma14="http://schemas.microsoft.com/office/mac/drawingml/2011/main" xmlns:a14="http://schemas.microsoft.com/office/drawing/2010/main" xmlns:m="http://schemas.openxmlformats.org/officeDocument/2006/math" xmlns="" val="1"/>
             </a:ext>
           </a:extLst>
         </p:spPr>
         <p:txBody>
           <a:bodyPr lIns="45718" tIns="45718" rIns="45718" bIns="45718" anchor="ctr">
-            <a:normAutofit fontScale="100000" lnSpcReduction="0"/>
+            <a:normAutofit/>
           </a:bodyPr>
           <a:lstStyle/>
           <a:p>
             <a:pPr>
-              <a:defRPr b="1" sz="4000">
+              <a:defRPr sz="4000" b="1">
                 <a:solidFill>
                   <a:srgbClr val="FFFFFF"/>
                 </a:solidFill>
@@ -8275,7 +8224,7 @@
           </a:ln>
           <a:extLst>
             <a:ext uri="{C572A759-6A51-4108-AA02-DFA0A04FC94B}">
-              <ma14:wrappingTextBoxFlag xmlns:ma14="http://schemas.microsoft.com/office/mac/drawingml/2011/main" val="1"/>
+              <ma14:wrappingTextBoxFlag xmlns:ma14="http://schemas.microsoft.com/office/mac/drawingml/2011/main" xmlns:a14="http://schemas.microsoft.com/office/drawing/2010/main" xmlns:m="http://schemas.openxmlformats.org/officeDocument/2006/math" xmlns="" val="1"/>
             </a:ext>
           </a:extLst>
         </p:spPr>
@@ -8294,7 +8243,6 @@
             </a:lvl1pPr>
           </a:lstStyle>
           <a:p>
-            <a:pPr/>
             <a:r>
               <a:t> Receiver Operating Characteristic (ROC) and Area Under the ROC Curve (AUC)</a:t>
             </a:r>
@@ -8323,7 +8271,7 @@
           </a:ln>
           <a:extLst>
             <a:ext uri="{C572A759-6A51-4108-AA02-DFA0A04FC94B}">
-              <ma14:wrappingTextBoxFlag xmlns:ma14="http://schemas.microsoft.com/office/mac/drawingml/2011/main" val="1"/>
+              <ma14:wrappingTextBoxFlag xmlns:ma14="http://schemas.microsoft.com/office/mac/drawingml/2011/main" xmlns:a14="http://schemas.microsoft.com/office/drawing/2010/main" xmlns:m="http://schemas.openxmlformats.org/officeDocument/2006/math" xmlns="" val="1"/>
             </a:ext>
           </a:extLst>
         </p:spPr>
@@ -8342,17 +8290,19 @@
               </a:defRPr>
             </a:pPr>
             <a:r>
+              <a:rPr dirty="0"/>
               <a:t>The Area Under the ROC curve (</a:t>
             </a:r>
             <a:r>
-              <a:rPr sz="2000"/>
+              <a:rPr sz="2000" dirty="0"/>
               <a:t>AUC</a:t>
             </a:r>
             <a:r>
+              <a:rPr dirty="0"/>
               <a:t>) is:</a:t>
             </a:r>
             <a:r>
-              <a:rPr i="1" sz="2000">
+              <a:rPr sz="2000" i="1" dirty="0">
                 <a:solidFill>
                   <a:srgbClr val="0070C0"/>
                 </a:solidFill>
@@ -8381,7 +8331,7 @@
           </a:ln>
           <a:extLst>
             <a:ext uri="{C572A759-6A51-4108-AA02-DFA0A04FC94B}">
-              <ma14:wrappingTextBoxFlag xmlns:ma14="http://schemas.microsoft.com/office/mac/drawingml/2011/main" val="1"/>
+              <ma14:wrappingTextBoxFlag xmlns:ma14="http://schemas.microsoft.com/office/mac/drawingml/2011/main" xmlns:a14="http://schemas.microsoft.com/office/drawing/2010/main" xmlns:m="http://schemas.openxmlformats.org/officeDocument/2006/math" xmlns="" val="1"/>
             </a:ext>
           </a:extLst>
         </p:spPr>
@@ -8400,7 +8350,6 @@
             </a:lvl1pPr>
           </a:lstStyle>
           <a:p>
-            <a:pPr/>
             <a:r>
               <a:t>Accuracy</a:t>
             </a:r>
@@ -8429,7 +8378,7 @@
           </a:ln>
           <a:extLst>
             <a:ext uri="{C572A759-6A51-4108-AA02-DFA0A04FC94B}">
-              <ma14:wrappingTextBoxFlag xmlns:ma14="http://schemas.microsoft.com/office/mac/drawingml/2011/main" val="1"/>
+              <ma14:wrappingTextBoxFlag xmlns:ma14="http://schemas.microsoft.com/office/mac/drawingml/2011/main" xmlns:a14="http://schemas.microsoft.com/office/drawing/2010/main" xmlns:m="http://schemas.openxmlformats.org/officeDocument/2006/math" xmlns="" val="1"/>
             </a:ext>
           </a:extLst>
         </p:spPr>
@@ -8448,10 +8397,11 @@
               </a:defRPr>
             </a:pPr>
             <a:r>
+              <a:rPr dirty="0"/>
               <a:t>The overall predicted accuracy of the model is: </a:t>
             </a:r>
             <a:r>
-              <a:rPr i="1" sz="2000">
+              <a:rPr sz="2000" i="1" dirty="0">
                 <a:solidFill>
                   <a:srgbClr val="0070C0"/>
                 </a:solidFill>
@@ -8459,7 +8409,7 @@
               <a:t>61.57%</a:t>
             </a:r>
             <a:r>
-              <a:rPr sz="1100"/>
+              <a:rPr sz="1100" dirty="0"/>
               <a:t> </a:t>
             </a:r>
           </a:p>
@@ -8474,9 +8424,7 @@
           <p:nvPr/>
         </p:nvPicPr>
         <p:blipFill>
-          <a:blip r:embed="rId2">
-            <a:extLst/>
-          </a:blip>
+          <a:blip r:embed="rId2"/>
           <a:stretch>
             <a:fillRect/>
           </a:stretch>
@@ -8499,12 +8447,12 @@
   <p:clrMapOvr>
     <a:masterClrMapping/>
   </p:clrMapOvr>
-  <p:transition xmlns:p14="http://schemas.microsoft.com/office/powerpoint/2010/main" spd="med" advClick="1"/>
+  <p:transition spd="med"/>
 </p:sld>
 </file>
 
 <file path=ppt/slides/slide23.xml><?xml version="1.0" encoding="utf-8"?>
-<p:sld xmlns:a="http://schemas.openxmlformats.org/drawingml/2006/main" xmlns:r="http://schemas.openxmlformats.org/officeDocument/2006/relationships" xmlns:p="http://schemas.openxmlformats.org/presentationml/2006/main" xmlns:m="http://schemas.openxmlformats.org/officeDocument/2006/math" xmlns:a14="http://schemas.microsoft.com/office/drawing/2010/main" showMasterSp="1" showMasterPhAnim="1">
+<p:sld xmlns:a="http://schemas.openxmlformats.org/drawingml/2006/main" xmlns:r="http://schemas.openxmlformats.org/officeDocument/2006/relationships" xmlns:p="http://schemas.openxmlformats.org/presentationml/2006/main">
   <p:cSld>
     <p:spTree>
       <p:nvGrpSpPr>
@@ -8539,18 +8487,18 @@
           </a:ln>
           <a:extLst>
             <a:ext uri="{C572A759-6A51-4108-AA02-DFA0A04FC94B}">
-              <ma14:wrappingTextBoxFlag xmlns:ma14="http://schemas.microsoft.com/office/mac/drawingml/2011/main" val="1"/>
+              <ma14:wrappingTextBoxFlag xmlns:ma14="http://schemas.microsoft.com/office/mac/drawingml/2011/main" xmlns:a14="http://schemas.microsoft.com/office/drawing/2010/main" xmlns:m="http://schemas.openxmlformats.org/officeDocument/2006/math" xmlns="" val="1"/>
             </a:ext>
           </a:extLst>
         </p:spPr>
         <p:txBody>
           <a:bodyPr lIns="45718" tIns="45718" rIns="45718" bIns="45718" anchor="ctr">
-            <a:normAutofit fontScale="100000" lnSpcReduction="0"/>
+            <a:normAutofit/>
           </a:bodyPr>
           <a:lstStyle/>
           <a:p>
             <a:pPr>
-              <a:defRPr b="1" sz="4000">
+              <a:defRPr sz="4000" b="1">
                 <a:solidFill>
                   <a:srgbClr val="FFFFFF"/>
                 </a:solidFill>
@@ -8589,7 +8537,7 @@
           </a:ln>
           <a:extLst>
             <a:ext uri="{C572A759-6A51-4108-AA02-DFA0A04FC94B}">
-              <ma14:wrappingTextBoxFlag xmlns:ma14="http://schemas.microsoft.com/office/mac/drawingml/2011/main" val="1"/>
+              <ma14:wrappingTextBoxFlag xmlns:ma14="http://schemas.microsoft.com/office/mac/drawingml/2011/main" xmlns:a14="http://schemas.microsoft.com/office/drawing/2010/main" xmlns:m="http://schemas.openxmlformats.org/officeDocument/2006/math" xmlns="" val="1"/>
             </a:ext>
           </a:extLst>
         </p:spPr>
@@ -8608,7 +8556,6 @@
             </a:lvl1pPr>
           </a:lstStyle>
           <a:p>
-            <a:pPr/>
             <a:r>
               <a:t>Loss curve (Loss value for Number of iterations)</a:t>
             </a:r>
@@ -8624,9 +8571,7 @@
           <p:nvPr/>
         </p:nvPicPr>
         <p:blipFill>
-          <a:blip r:embed="rId2">
-            <a:extLst/>
-          </a:blip>
+          <a:blip r:embed="rId2"/>
           <a:stretch>
             <a:fillRect/>
           </a:stretch>
@@ -8649,12 +8594,12 @@
   <p:clrMapOvr>
     <a:masterClrMapping/>
   </p:clrMapOvr>
-  <p:transition xmlns:p14="http://schemas.microsoft.com/office/powerpoint/2010/main" spd="med" advClick="1"/>
+  <p:transition spd="med"/>
 </p:sld>
 </file>
 
-<file path=ppt/slides/slide3.xml><?xml version="1.0" encoding="utf-8"?>
-<p:sld xmlns:a="http://schemas.openxmlformats.org/drawingml/2006/main" xmlns:r="http://schemas.openxmlformats.org/officeDocument/2006/relationships" xmlns:p="http://schemas.openxmlformats.org/presentationml/2006/main" xmlns:m="http://schemas.openxmlformats.org/officeDocument/2006/math" xmlns:a14="http://schemas.microsoft.com/office/drawing/2010/main" showMasterSp="1" showMasterPhAnim="1">
+<file path=ppt/slides/slide24.xml><?xml version="1.0" encoding="utf-8"?>
+<p:sld xmlns:a="http://schemas.openxmlformats.org/drawingml/2006/main" xmlns:r="http://schemas.openxmlformats.org/officeDocument/2006/relationships" xmlns:p="http://schemas.openxmlformats.org/presentationml/2006/main">
   <p:cSld>
     <p:spTree>
       <p:nvGrpSpPr>
@@ -8672,240 +8617,223 @@
       </p:grpSpPr>
       <p:sp>
         <p:nvSpPr>
-          <p:cNvPr id="111" name="Titolo 9"/>
-          <p:cNvSpPr txBox="1"/>
+          <p:cNvPr id="2" name="Title 1">
+            <a:extLst>
+              <a:ext uri="{FF2B5EF4-FFF2-40B4-BE49-F238E27FC236}">
+                <a16:creationId xmlns:a16="http://schemas.microsoft.com/office/drawing/2014/main" id="{8E32B997-C19E-4453-A7E5-A4B6BBA5408F}"/>
+              </a:ext>
+            </a:extLst>
+          </p:cNvPr>
+          <p:cNvSpPr>
+            <a:spLocks noGrp="1"/>
+          </p:cNvSpPr>
           <p:nvPr>
             <p:ph type="title"/>
           </p:nvPr>
         </p:nvSpPr>
-        <p:spPr>
-          <a:xfrm>
-            <a:off x="2643172" y="-500091"/>
-            <a:ext cx="6329381" cy="2428894"/>
-          </a:xfrm>
-          <a:prstGeom prst="rect">
-            <a:avLst/>
-          </a:prstGeom>
-        </p:spPr>
+        <p:spPr/>
         <p:txBody>
           <a:bodyPr/>
-          <a:lstStyle>
-            <a:lvl1pPr algn="r">
-              <a:defRPr b="1" sz="4000">
-                <a:solidFill>
-                  <a:srgbClr val="FFFFFF"/>
-                </a:solidFill>
-                <a:latin typeface="Bahnschrift Condensed"/>
-                <a:ea typeface="Bahnschrift Condensed"/>
-                <a:cs typeface="Bahnschrift Condensed"/>
-                <a:sym typeface="Bahnschrift Condensed"/>
-              </a:defRPr>
-            </a:lvl1pPr>
-          </a:lstStyle>
-          <a:p>
-            <a:pPr/>
-            <a:r>
-              <a:t>Summary</a:t>
-            </a:r>
-          </a:p>
-        </p:txBody>
-      </p:sp>
-      <p:sp>
-        <p:nvSpPr>
-          <p:cNvPr id="112" name="Rettangolo 4"/>
+          <a:lstStyle/>
+          <a:p>
+            <a:r>
+              <a:rPr lang="en-US" dirty="0"/>
+              <a:t>Prediction with Decision Trees</a:t>
+            </a:r>
+          </a:p>
+        </p:txBody>
+      </p:sp>
+      <p:pic>
+        <p:nvPicPr>
+          <p:cNvPr id="10" name="Picture Placeholder 9" descr="Confusion Matrix">
+            <a:extLst>
+              <a:ext uri="{FF2B5EF4-FFF2-40B4-BE49-F238E27FC236}">
+                <a16:creationId xmlns:a16="http://schemas.microsoft.com/office/drawing/2014/main" id="{C1AC2C7C-8B42-4330-AA18-F58170EAFE94}"/>
+              </a:ext>
+            </a:extLst>
+          </p:cNvPr>
+          <p:cNvPicPr>
+            <a:picLocks noGrp="1" noChangeAspect="1"/>
+          </p:cNvPicPr>
+          <p:nvPr>
+            <p:ph type="pic" idx="13"/>
+          </p:nvPr>
+        </p:nvPicPr>
+        <p:blipFill rotWithShape="1">
+          <a:blip r:embed="rId2">
+            <a:extLst>
+              <a:ext uri="{28A0092B-C50C-407E-A947-70E740481C1C}">
+                <a14:useLocalDpi xmlns:a14="http://schemas.microsoft.com/office/drawing/2010/main" val="0"/>
+              </a:ext>
+            </a:extLst>
+          </a:blip>
+          <a:srcRect l="17313" r="17313"/>
+          <a:stretch/>
+        </p:blipFill>
+        <p:spPr/>
+      </p:pic>
+      <p:sp>
+        <p:nvSpPr>
+          <p:cNvPr id="3" name="Text Placeholder 2">
+            <a:extLst>
+              <a:ext uri="{FF2B5EF4-FFF2-40B4-BE49-F238E27FC236}">
+                <a16:creationId xmlns:a16="http://schemas.microsoft.com/office/drawing/2014/main" id="{5F196799-CFEB-4A50-BCB6-D49CE16F78A2}"/>
+              </a:ext>
+            </a:extLst>
+          </p:cNvPr>
+          <p:cNvSpPr>
+            <a:spLocks noGrp="1"/>
+          </p:cNvSpPr>
+          <p:nvPr>
+            <p:ph type="body" sz="quarter" idx="1"/>
+          </p:nvPr>
+        </p:nvSpPr>
+        <p:spPr/>
+        <p:txBody>
+          <a:bodyPr>
+            <a:normAutofit/>
+          </a:bodyPr>
+          <a:lstStyle/>
+          <a:p>
+            <a:pPr marL="118872" indent="0">
+              <a:buNone/>
+            </a:pPr>
+            <a:r>
+              <a:rPr lang="en-US" dirty="0"/>
+              <a:t>The average confusion matrix for the best depth decision tree (depth 5) are as follows:</a:t>
+            </a:r>
+          </a:p>
+          <a:p>
+            <a:pPr marL="285750" indent="-285750">
+              <a:buFont typeface="Arial" panose="020B0604020202020204" pitchFamily="34" charset="0"/>
+              <a:buChar char="•"/>
+            </a:pPr>
+            <a:r>
+              <a:rPr lang="en-US" dirty="0"/>
+              <a:t>75 were correctly classified positive</a:t>
+            </a:r>
+          </a:p>
+          <a:p>
+            <a:pPr marL="285750" indent="-285750">
+              <a:buFont typeface="Arial" panose="020B0604020202020204" pitchFamily="34" charset="0"/>
+              <a:buChar char="•"/>
+            </a:pPr>
+            <a:r>
+              <a:rPr lang="en-US" dirty="0"/>
+              <a:t>75 were correctly classified negative</a:t>
+            </a:r>
+          </a:p>
+          <a:p>
+            <a:pPr marL="285750" indent="-285750">
+              <a:buFont typeface="Arial" panose="020B0604020202020204" pitchFamily="34" charset="0"/>
+              <a:buChar char="•"/>
+            </a:pPr>
+            <a:r>
+              <a:rPr lang="en-US" dirty="0"/>
+              <a:t>An average of 47 were incorrectly classified as positive</a:t>
+            </a:r>
+          </a:p>
+          <a:p>
+            <a:pPr marL="285750" indent="-285750">
+              <a:buFont typeface="Arial" panose="020B0604020202020204" pitchFamily="34" charset="0"/>
+              <a:buChar char="•"/>
+            </a:pPr>
+            <a:r>
+              <a:rPr lang="en-US" dirty="0"/>
+              <a:t>An average of 32 were incorrectly classified as negative</a:t>
+            </a:r>
+          </a:p>
+        </p:txBody>
+      </p:sp>
+      <p:sp>
+        <p:nvSpPr>
+          <p:cNvPr id="13" name="TextBox 12">
+            <a:extLst>
+              <a:ext uri="{FF2B5EF4-FFF2-40B4-BE49-F238E27FC236}">
+                <a16:creationId xmlns:a16="http://schemas.microsoft.com/office/drawing/2014/main" id="{2C075A86-2F35-4321-9810-BA383840A61C}"/>
+              </a:ext>
+            </a:extLst>
+          </p:cNvPr>
           <p:cNvSpPr txBox="1"/>
           <p:nvPr/>
         </p:nvSpPr>
         <p:spPr>
           <a:xfrm>
-            <a:off x="331439" y="1857363"/>
-            <a:ext cx="8598280" cy="4409439"/>
-          </a:xfrm>
-          <a:prstGeom prst="rect">
-            <a:avLst/>
-          </a:prstGeom>
-          <a:ln w="12700">
+            <a:off x="3006969" y="459988"/>
+            <a:ext cx="5972439" cy="369328"/>
+          </a:xfrm>
+          <a:prstGeom prst="rect">
+            <a:avLst/>
+          </a:prstGeom>
+          <a:noFill/>
+          <a:ln w="12700" cap="flat">
+            <a:noFill/>
             <a:miter lim="400000"/>
           </a:ln>
-          <a:extLst>
-            <a:ext uri="{C572A759-6A51-4108-AA02-DFA0A04FC94B}">
-              <ma14:wrappingTextBoxFlag xmlns:ma14="http://schemas.microsoft.com/office/mac/drawingml/2011/main" val="1"/>
-            </a:ext>
-          </a:extLst>
-        </p:spPr>
-        <p:txBody>
-          <a:bodyPr lIns="45718" tIns="45718" rIns="45718" bIns="45718">
+          <a:effectLst/>
+          <a:sp3d/>
+        </p:spPr>
+        <p:style>
+          <a:lnRef idx="0">
+            <a:scrgbClr r="0" g="0" b="0"/>
+          </a:lnRef>
+          <a:fillRef idx="0">
+            <a:scrgbClr r="0" g="0" b="0"/>
+          </a:fillRef>
+          <a:effectRef idx="0">
+            <a:scrgbClr r="0" g="0" b="0"/>
+          </a:effectRef>
+          <a:fontRef idx="none"/>
+        </p:style>
+        <p:txBody>
+          <a:bodyPr rot="0" spcFirstLastPara="1" vertOverflow="overflow" horzOverflow="overflow" vert="horz" wrap="square" lIns="45718" tIns="45718" rIns="45718" bIns="45718" numCol="1" spcCol="38100" rtlCol="0" anchor="t">
             <a:spAutoFit/>
           </a:bodyPr>
           <a:lstStyle/>
           <a:p>
-            <a:pPr>
-              <a:defRPr sz="3000">
-                <a:latin typeface="+mj-lt"/>
-                <a:ea typeface="+mj-ea"/>
-                <a:cs typeface="+mj-cs"/>
-                <a:sym typeface="Corbel"/>
-              </a:defRPr>
-            </a:pPr>
-            <a:r>
-              <a:t>1. Initialization </a:t>
-            </a:r>
-            <a:r>
-              <a:t>and Presentation of</a:t>
-            </a:r>
-            <a:r>
-              <a:t> </a:t>
-            </a:r>
-            <a:r>
-              <a:t>the</a:t>
-            </a:r>
-            <a:r>
-              <a:t> dataset</a:t>
-            </a:r>
-          </a:p>
-          <a:p>
-            <a:pPr>
-              <a:defRPr sz="3000">
-                <a:latin typeface="+mj-lt"/>
-                <a:ea typeface="+mj-ea"/>
-                <a:cs typeface="+mj-cs"/>
-                <a:sym typeface="Corbel"/>
-              </a:defRPr>
-            </a:pPr>
-            <a:r>
-              <a:t>2. Data Exploration</a:t>
-            </a:r>
-          </a:p>
-          <a:p>
-            <a:pPr>
-              <a:defRPr sz="3000">
-                <a:latin typeface="+mj-lt"/>
-                <a:ea typeface="+mj-ea"/>
-                <a:cs typeface="+mj-cs"/>
-                <a:sym typeface="Corbel"/>
-              </a:defRPr>
-            </a:pPr>
-            <a:r>
-              <a:t>3. </a:t>
-            </a:r>
-            <a:r>
-              <a:t>Modify and work on the dataset</a:t>
-            </a:r>
-          </a:p>
-          <a:p>
-            <a:pPr>
-              <a:defRPr sz="3000">
-                <a:latin typeface="+mj-lt"/>
-                <a:ea typeface="+mj-ea"/>
-                <a:cs typeface="+mj-cs"/>
-                <a:sym typeface="Corbel"/>
-              </a:defRPr>
-            </a:pPr>
-            <a:r>
-              <a:t>4. </a:t>
-            </a:r>
-            <a:r>
-              <a:t>Prediction with </a:t>
-            </a:r>
-            <a:r>
-              <a:rPr i="1"/>
-              <a:t>Logistic Regression</a:t>
-            </a:r>
-            <a:endParaRPr i="1"/>
-          </a:p>
-          <a:p>
-            <a:pPr>
-              <a:defRPr i="1" sz="3000">
-                <a:latin typeface="+mj-lt"/>
-                <a:ea typeface="+mj-ea"/>
-                <a:cs typeface="+mj-cs"/>
-                <a:sym typeface="Corbel"/>
-              </a:defRPr>
-            </a:pPr>
-            <a:r>
-              <a:t>5. </a:t>
-            </a:r>
-            <a:r>
-              <a:rPr i="0"/>
-              <a:t>Prediction with</a:t>
-            </a:r>
-            <a:r>
-              <a:t> K-Nearest Neighbour</a:t>
-            </a:r>
-          </a:p>
-          <a:p>
-            <a:pPr>
-              <a:defRPr i="1" sz="3000">
-                <a:latin typeface="+mj-lt"/>
-                <a:ea typeface="+mj-ea"/>
-                <a:cs typeface="+mj-cs"/>
-                <a:sym typeface="Corbel"/>
-              </a:defRPr>
-            </a:pPr>
-            <a:r>
-              <a:t>6. </a:t>
-            </a:r>
-            <a:r>
-              <a:rPr i="0"/>
-              <a:t>Prediction with</a:t>
-            </a:r>
-            <a:r>
-              <a:t>  Supported Vector Machine</a:t>
-            </a:r>
-          </a:p>
-          <a:p>
-            <a:pPr>
-              <a:defRPr i="1" sz="3000">
-                <a:latin typeface="+mj-lt"/>
-                <a:ea typeface="+mj-ea"/>
-                <a:cs typeface="+mj-cs"/>
-                <a:sym typeface="Corbel"/>
-              </a:defRPr>
-            </a:pPr>
-            <a:r>
-              <a:t>7. </a:t>
-            </a:r>
-            <a:r>
-              <a:rPr i="0"/>
-              <a:t>Prediction with</a:t>
-            </a:r>
-            <a:r>
-              <a:t>  Neural Networks</a:t>
-            </a:r>
-          </a:p>
-          <a:p>
-            <a:pPr>
-              <a:defRPr i="1" sz="3000">
-                <a:latin typeface="+mj-lt"/>
-                <a:ea typeface="+mj-ea"/>
-                <a:cs typeface="+mj-cs"/>
-                <a:sym typeface="Corbel"/>
-              </a:defRPr>
-            </a:pPr>
-          </a:p>
-          <a:p>
-            <a:pPr>
-              <a:defRPr i="1" sz="3000">
-                <a:latin typeface="+mj-lt"/>
-                <a:ea typeface="+mj-ea"/>
-                <a:cs typeface="+mj-cs"/>
-                <a:sym typeface="Corbel"/>
-              </a:defRPr>
-            </a:pPr>
+            <a:pPr marL="0" marR="0" indent="0" algn="l" defTabSz="914400" rtl="0" fontAlgn="auto" latinLnBrk="0" hangingPunct="0">
+              <a:lnSpc>
+                <a:spcPct val="100000"/>
+              </a:lnSpc>
+              <a:spcBef>
+                <a:spcPts val="0"/>
+              </a:spcBef>
+              <a:spcAft>
+                <a:spcPts val="0"/>
+              </a:spcAft>
+              <a:buClrTx/>
+              <a:buSzTx/>
+              <a:buFontTx/>
+              <a:buNone/>
+              <a:tabLst/>
+            </a:pPr>
+            <a:r>
+              <a:rPr lang="en-US" dirty="0">
+                <a:solidFill>
+                  <a:schemeClr val="bg1"/>
+                </a:solidFill>
+              </a:rPr>
+              <a:t>Confusion Matrix</a:t>
+            </a:r>
           </a:p>
         </p:txBody>
       </p:sp>
     </p:spTree>
+    <p:extLst>
+      <p:ext uri="{BB962C8B-B14F-4D97-AF65-F5344CB8AC3E}">
+        <p14:creationId xmlns:p14="http://schemas.microsoft.com/office/powerpoint/2010/main" val="236911895"/>
+      </p:ext>
+    </p:extLst>
   </p:cSld>
   <p:clrMapOvr>
     <a:masterClrMapping/>
   </p:clrMapOvr>
-  <p:transition xmlns:p14="http://schemas.microsoft.com/office/powerpoint/2010/main" spd="med" advClick="1"/>
+  <p:transition spd="med"/>
 </p:sld>
 </file>
 
-<file path=ppt/slides/slide4.xml><?xml version="1.0" encoding="utf-8"?>
-<p:sld xmlns:a="http://schemas.openxmlformats.org/drawingml/2006/main" xmlns:r="http://schemas.openxmlformats.org/officeDocument/2006/relationships" xmlns:p="http://schemas.openxmlformats.org/presentationml/2006/main" xmlns:m="http://schemas.openxmlformats.org/officeDocument/2006/math" xmlns:a14="http://schemas.microsoft.com/office/drawing/2010/main" showMasterSp="1" showMasterPhAnim="1">
+<file path=ppt/slides/slide25.xml><?xml version="1.0" encoding="utf-8"?>
+<p:sld xmlns:a="http://schemas.openxmlformats.org/drawingml/2006/main" xmlns:r="http://schemas.openxmlformats.org/officeDocument/2006/relationships" xmlns:p="http://schemas.openxmlformats.org/presentationml/2006/main">
   <p:cSld>
     <p:spTree>
       <p:nvGrpSpPr>
@@ -8923,168 +8851,162 @@
       </p:grpSpPr>
       <p:sp>
         <p:nvSpPr>
-          <p:cNvPr id="114" name="Titolo 9"/>
-          <p:cNvSpPr txBox="1"/>
+          <p:cNvPr id="2" name="Title 1">
+            <a:extLst>
+              <a:ext uri="{FF2B5EF4-FFF2-40B4-BE49-F238E27FC236}">
+                <a16:creationId xmlns:a16="http://schemas.microsoft.com/office/drawing/2014/main" id="{8E32B997-C19E-4453-A7E5-A4B6BBA5408F}"/>
+              </a:ext>
+            </a:extLst>
+          </p:cNvPr>
+          <p:cNvSpPr>
+            <a:spLocks noGrp="1"/>
+          </p:cNvSpPr>
           <p:nvPr>
             <p:ph type="title"/>
           </p:nvPr>
         </p:nvSpPr>
-        <p:spPr>
-          <a:xfrm>
-            <a:off x="1357290" y="-428654"/>
-            <a:ext cx="7686700" cy="2428895"/>
-          </a:xfrm>
-          <a:prstGeom prst="rect">
-            <a:avLst/>
-          </a:prstGeom>
-        </p:spPr>
+        <p:spPr/>
         <p:txBody>
           <a:bodyPr/>
           <a:lstStyle/>
           <a:p>
-            <a:pPr algn="r">
-              <a:defRPr b="1" sz="3600">
-                <a:solidFill>
-                  <a:srgbClr val="FFFFFF"/>
-                </a:solidFill>
-                <a:latin typeface="Bahnschrift Condensed"/>
-                <a:ea typeface="Bahnschrift Condensed"/>
-                <a:cs typeface="Bahnschrift Condensed"/>
-                <a:sym typeface="Bahnschrift Condensed"/>
-              </a:defRPr>
-            </a:pPr>
-            <a:r>
-              <a:t>Initialization </a:t>
-            </a:r>
-            <a:r>
-              <a:rPr sz="2400"/>
-              <a:t>and</a:t>
-            </a:r>
-            <a:r>
-              <a:t> </a:t>
-            </a:r>
-            <a:br/>
-            <a:r>
-              <a:t>Presentation of the dataset</a:t>
-            </a:r>
-          </a:p>
-        </p:txBody>
-      </p:sp>
-      <p:sp>
-        <p:nvSpPr>
-          <p:cNvPr id="115" name="Segnaposto contenuto 10"/>
-          <p:cNvSpPr txBox="1"/>
+            <a:r>
+              <a:rPr lang="en-US" dirty="0"/>
+              <a:t>Prediction with Decision Trees</a:t>
+            </a:r>
+          </a:p>
+        </p:txBody>
+      </p:sp>
+      <p:sp>
+        <p:nvSpPr>
+          <p:cNvPr id="7" name="Text Placeholder 6">
+            <a:extLst>
+              <a:ext uri="{FF2B5EF4-FFF2-40B4-BE49-F238E27FC236}">
+                <a16:creationId xmlns:a16="http://schemas.microsoft.com/office/drawing/2014/main" id="{37F61E50-AFB5-46C6-9611-08A857F942A3}"/>
+              </a:ext>
+            </a:extLst>
+          </p:cNvPr>
+          <p:cNvSpPr>
+            <a:spLocks noGrp="1"/>
+          </p:cNvSpPr>
           <p:nvPr>
             <p:ph type="body" idx="1"/>
           </p:nvPr>
         </p:nvSpPr>
-        <p:spPr>
-          <a:xfrm>
-            <a:off x="214282" y="2000238"/>
-            <a:ext cx="8229601" cy="4625613"/>
-          </a:xfrm>
-          <a:prstGeom prst="rect">
-            <a:avLst/>
-          </a:prstGeom>
-        </p:spPr>
-        <p:txBody>
-          <a:bodyPr/>
+        <p:spPr/>
+        <p:txBody>
+          <a:bodyPr>
+            <a:normAutofit fontScale="70000" lnSpcReduction="20000"/>
+          </a:bodyPr>
           <a:lstStyle/>
           <a:p>
-            <a:pPr marL="640080" indent="-960120">
-              <a:buSzTx/>
+            <a:pPr marL="118872" indent="0">
               <a:buNone/>
-              <a:defRPr sz="2600"/>
-            </a:pPr>
-            <a:r>
-              <a:t>The dataset consist of an ongoing cardiovascular study on residents of the town of Framingham, Massachusetts.</a:t>
-            </a:r>
-          </a:p>
-          <a:p>
-            <a:pPr marL="640080" indent="-960120">
-              <a:buSzTx/>
+            </a:pPr>
+            <a:r>
+              <a:rPr lang="en-US" b="1" dirty="0"/>
+              <a:t>Precision:</a:t>
+            </a:r>
+          </a:p>
+          <a:p>
+            <a:pPr marL="118872" indent="0">
               <a:buNone/>
-              <a:defRPr sz="2600"/>
-            </a:pPr>
-            <a:r>
-              <a:t>We have a dataset consisting of 3749 rows and 16 columns.</a:t>
-            </a:r>
-          </a:p>
-          <a:p>
-            <a:pPr marL="640080" indent="-960120">
-              <a:buSzTx/>
+            </a:pPr>
+            <a:r>
+              <a:rPr lang="en-US" dirty="0"/>
+              <a:t>The percentage of the accuracy of our positive predictions, represented by the Precision, is:  </a:t>
+            </a:r>
+            <a:r>
+              <a:rPr lang="en-US" sz="3200" i="1" dirty="0">
+                <a:solidFill>
+                  <a:srgbClr val="0070C0"/>
+                </a:solidFill>
+              </a:rPr>
+              <a:t>60.98%</a:t>
+            </a:r>
+          </a:p>
+          <a:p>
+            <a:pPr marL="118872" indent="0">
               <a:buNone/>
-              <a:defRPr sz="2600"/>
-            </a:pPr>
-          </a:p>
-          <a:p>
-            <a:pPr marL="640080" indent="-960120">
-              <a:buSzTx/>
+            </a:pPr>
+            <a:endParaRPr lang="en-US" dirty="0"/>
+          </a:p>
+          <a:p>
+            <a:pPr marL="118872" indent="0">
               <a:buNone/>
-              <a:defRPr sz="2600"/>
-            </a:pPr>
-            <a:r>
-              <a:t>The shown attributes are divided in:</a:t>
-            </a:r>
-          </a:p>
-          <a:p>
-            <a:pPr marL="0">
-              <a:buChar char="-"/>
-              <a:defRPr sz="2600"/>
-            </a:pPr>
-            <a:r>
-              <a:t>Demographic  attributes</a:t>
-            </a:r>
-          </a:p>
-          <a:p>
-            <a:pPr marL="0">
-              <a:buChar char="-"/>
-              <a:defRPr sz="2600"/>
-            </a:pPr>
-            <a:r>
-              <a:t>Behavioral  attributes</a:t>
-            </a:r>
-          </a:p>
-          <a:p>
-            <a:pPr marL="0">
-              <a:buChar char="-"/>
-              <a:defRPr sz="2600"/>
-            </a:pPr>
-            <a:r>
-              <a:t>Medical attributes (history) </a:t>
-            </a:r>
-          </a:p>
-          <a:p>
-            <a:pPr marL="0">
-              <a:buChar char="-"/>
-              <a:defRPr sz="2600"/>
-            </a:pPr>
-            <a:r>
-              <a:t>Medical attributes (current)</a:t>
-            </a:r>
-          </a:p>
-          <a:p>
-            <a:pPr marL="0">
-              <a:buChar char="-"/>
-              <a:defRPr sz="2600"/>
-            </a:pPr>
-            <a:r>
-              <a:t>Predict variable (desired target)</a:t>
+            </a:pPr>
+            <a:r>
+              <a:rPr lang="en-US" b="1" dirty="0"/>
+              <a:t>Recall: </a:t>
+            </a:r>
+          </a:p>
+          <a:p>
+            <a:pPr marL="118872" indent="0">
+              <a:buNone/>
+            </a:pPr>
+            <a:r>
+              <a:rPr lang="en-US" dirty="0"/>
+              <a:t>The ratio of positive instances that are correctly detected by the classifier (true positive rate), represented by the Recall, is:  </a:t>
+            </a:r>
+            <a:r>
+              <a:rPr lang="en-US" sz="3200" i="1" dirty="0">
+                <a:solidFill>
+                  <a:srgbClr val="0070C0"/>
+                </a:solidFill>
+              </a:rPr>
+              <a:t>70.09%</a:t>
+            </a:r>
+          </a:p>
+          <a:p>
+            <a:pPr marL="118872" indent="0">
+              <a:buNone/>
+            </a:pPr>
+            <a:endParaRPr lang="en-US" dirty="0"/>
+          </a:p>
+          <a:p>
+            <a:pPr marL="118872" indent="0">
+              <a:buNone/>
+            </a:pPr>
+            <a:r>
+              <a:rPr lang="en-US" b="1" dirty="0"/>
+              <a:t>F1-Score: </a:t>
+            </a:r>
+          </a:p>
+          <a:p>
+            <a:pPr marL="118872" indent="0">
+              <a:buNone/>
+            </a:pPr>
+            <a:r>
+              <a:rPr lang="en-US" dirty="0"/>
+              <a:t>The F1-score, represented by the harmonic mean of precision and recall which,  differently from the regular mean (that gives equal weight to all values),  gives more weight  to low values - favoring classifiers that have similar precision and recall  - is:   </a:t>
+            </a:r>
+            <a:r>
+              <a:rPr lang="en-US" sz="3600" i="1" dirty="0">
+                <a:solidFill>
+                  <a:srgbClr val="0070C0"/>
+                </a:solidFill>
+              </a:rPr>
+              <a:t>65.22%</a:t>
             </a:r>
           </a:p>
         </p:txBody>
       </p:sp>
     </p:spTree>
+    <p:extLst>
+      <p:ext uri="{BB962C8B-B14F-4D97-AF65-F5344CB8AC3E}">
+        <p14:creationId xmlns:p14="http://schemas.microsoft.com/office/powerpoint/2010/main" val="997132251"/>
+      </p:ext>
+    </p:extLst>
   </p:cSld>
   <p:clrMapOvr>
     <a:masterClrMapping/>
   </p:clrMapOvr>
-  <p:transition xmlns:p14="http://schemas.microsoft.com/office/powerpoint/2010/main" spd="med" advClick="1"/>
+  <p:transition spd="med"/>
 </p:sld>
 </file>
 
-<file path=ppt/slides/slide5.xml><?xml version="1.0" encoding="utf-8"?>
-<p:sld xmlns:a="http://schemas.openxmlformats.org/drawingml/2006/main" xmlns:r="http://schemas.openxmlformats.org/officeDocument/2006/relationships" xmlns:p="http://schemas.openxmlformats.org/presentationml/2006/main" xmlns:m="http://schemas.openxmlformats.org/officeDocument/2006/math" xmlns:a14="http://schemas.microsoft.com/office/drawing/2010/main" showMasterSp="1" showMasterPhAnim="1">
+<file path=ppt/slides/slide26.xml><?xml version="1.0" encoding="utf-8"?>
+<p:sld xmlns:a="http://schemas.openxmlformats.org/drawingml/2006/main" xmlns:r="http://schemas.openxmlformats.org/officeDocument/2006/relationships" xmlns:p="http://schemas.openxmlformats.org/presentationml/2006/main">
   <p:cSld>
     <p:spTree>
       <p:nvGrpSpPr>
@@ -9102,64 +9024,220 @@
       </p:grpSpPr>
       <p:sp>
         <p:nvSpPr>
-          <p:cNvPr id="117" name="Titolo 9"/>
-          <p:cNvSpPr txBox="1"/>
+          <p:cNvPr id="2" name="Title 1">
+            <a:extLst>
+              <a:ext uri="{FF2B5EF4-FFF2-40B4-BE49-F238E27FC236}">
+                <a16:creationId xmlns:a16="http://schemas.microsoft.com/office/drawing/2014/main" id="{8E32B997-C19E-4453-A7E5-A4B6BBA5408F}"/>
+              </a:ext>
+            </a:extLst>
+          </p:cNvPr>
+          <p:cNvSpPr>
+            <a:spLocks noGrp="1"/>
+          </p:cNvSpPr>
           <p:nvPr>
             <p:ph type="title"/>
           </p:nvPr>
         </p:nvSpPr>
-        <p:spPr>
-          <a:xfrm>
-            <a:off x="1357290" y="-428654"/>
-            <a:ext cx="7686700" cy="2428895"/>
-          </a:xfrm>
-          <a:prstGeom prst="rect">
-            <a:avLst/>
-          </a:prstGeom>
-        </p:spPr>
+        <p:spPr/>
         <p:txBody>
           <a:bodyPr/>
           <a:lstStyle/>
           <a:p>
-            <a:pPr algn="r">
-              <a:defRPr b="1" sz="3600">
+            <a:r>
+              <a:rPr lang="en-US" dirty="0"/>
+              <a:t>Prediction with Decision Trees</a:t>
+            </a:r>
+          </a:p>
+        </p:txBody>
+      </p:sp>
+      <p:sp>
+        <p:nvSpPr>
+          <p:cNvPr id="3" name="Text Placeholder 2">
+            <a:extLst>
+              <a:ext uri="{FF2B5EF4-FFF2-40B4-BE49-F238E27FC236}">
+                <a16:creationId xmlns:a16="http://schemas.microsoft.com/office/drawing/2014/main" id="{5F196799-CFEB-4A50-BCB6-D49CE16F78A2}"/>
+              </a:ext>
+            </a:extLst>
+          </p:cNvPr>
+          <p:cNvSpPr>
+            <a:spLocks noGrp="1"/>
+          </p:cNvSpPr>
+          <p:nvPr>
+            <p:ph type="body" sz="quarter" idx="1"/>
+          </p:nvPr>
+        </p:nvSpPr>
+        <p:spPr/>
+        <p:txBody>
+          <a:bodyPr>
+            <a:normAutofit/>
+          </a:bodyPr>
+          <a:lstStyle/>
+          <a:p>
+            <a:pPr marL="118872" indent="0">
+              <a:buNone/>
+            </a:pPr>
+            <a:r>
+              <a:rPr lang="en-US" dirty="0"/>
+              <a:t>The curve to the right represents the ROC of our model.</a:t>
+            </a:r>
+          </a:p>
+          <a:p>
+            <a:pPr marL="118872" indent="0">
+              <a:buNone/>
+            </a:pPr>
+            <a:r>
+              <a:rPr lang="en-US" dirty="0"/>
+              <a:t>The Area Under Curve is: </a:t>
+            </a:r>
+            <a:r>
+              <a:rPr lang="it-IT" sz="1400" i="1" dirty="0">
                 <a:solidFill>
-                  <a:srgbClr val="FFFFFF"/>
+                  <a:srgbClr val="0070C0"/>
                 </a:solidFill>
-                <a:latin typeface="Bahnschrift Condensed"/>
-                <a:ea typeface="Bahnschrift Condensed"/>
-                <a:cs typeface="Bahnschrift Condensed"/>
-                <a:sym typeface="Bahnschrift Condensed"/>
-              </a:defRPr>
-            </a:pPr>
-            <a:r>
-              <a:t>Initialization </a:t>
-            </a:r>
-            <a:r>
-              <a:rPr sz="2400"/>
-              <a:t>and</a:t>
-            </a:r>
-            <a:r>
+              </a:rPr>
+              <a:t>0.689</a:t>
+            </a:r>
+            <a:endParaRPr lang="it-IT" i="1" dirty="0">
+              <a:solidFill>
+                <a:srgbClr val="0070C0"/>
+              </a:solidFill>
+            </a:endParaRPr>
+          </a:p>
+          <a:p>
+            <a:pPr marL="118872" indent="0">
+              <a:buNone/>
+            </a:pPr>
+            <a:endParaRPr lang="it-IT" sz="1400" i="1" dirty="0">
+              <a:solidFill>
+                <a:srgbClr val="0070C0"/>
+              </a:solidFill>
+            </a:endParaRPr>
+          </a:p>
+          <a:p>
+            <a:pPr marL="118872"/>
+            <a:r>
+              <a:rPr lang="en-US" b="1" dirty="0"/>
+              <a:t>Accuracy: </a:t>
+            </a:r>
+          </a:p>
+          <a:p>
+            <a:pPr marL="118872"/>
+            <a:r>
+              <a:rPr lang="en-US" dirty="0"/>
+              <a:t>he overall predicted accuracy of the model is: </a:t>
+            </a:r>
+            <a:r>
+              <a:rPr lang="it-IT" sz="1400" i="1" dirty="0">
+                <a:solidFill>
+                  <a:srgbClr val="0070C0"/>
+                </a:solidFill>
+              </a:rPr>
+              <a:t>65.07%</a:t>
+            </a:r>
+            <a:r>
+              <a:rPr lang="it-IT" sz="900" dirty="0"/>
               <a:t> </a:t>
             </a:r>
-            <a:br/>
-            <a:r>
-              <a:t>Presentation of the dataset</a:t>
+            <a:endParaRPr lang="en-US" dirty="0"/>
+          </a:p>
+        </p:txBody>
+      </p:sp>
+      <p:sp>
+        <p:nvSpPr>
+          <p:cNvPr id="13" name="TextBox 12">
+            <a:extLst>
+              <a:ext uri="{FF2B5EF4-FFF2-40B4-BE49-F238E27FC236}">
+                <a16:creationId xmlns:a16="http://schemas.microsoft.com/office/drawing/2014/main" id="{2C075A86-2F35-4321-9810-BA383840A61C}"/>
+              </a:ext>
+            </a:extLst>
+          </p:cNvPr>
+          <p:cNvSpPr txBox="1"/>
+          <p:nvPr/>
+        </p:nvSpPr>
+        <p:spPr>
+          <a:xfrm>
+            <a:off x="3006969" y="459988"/>
+            <a:ext cx="5972439" cy="369328"/>
+          </a:xfrm>
+          <a:prstGeom prst="rect">
+            <a:avLst/>
+          </a:prstGeom>
+          <a:noFill/>
+          <a:ln w="12700" cap="flat">
+            <a:noFill/>
+            <a:miter lim="400000"/>
+          </a:ln>
+          <a:effectLst/>
+          <a:sp3d/>
+        </p:spPr>
+        <p:style>
+          <a:lnRef idx="0">
+            <a:scrgbClr r="0" g="0" b="0"/>
+          </a:lnRef>
+          <a:fillRef idx="0">
+            <a:scrgbClr r="0" g="0" b="0"/>
+          </a:fillRef>
+          <a:effectRef idx="0">
+            <a:scrgbClr r="0" g="0" b="0"/>
+          </a:effectRef>
+          <a:fontRef idx="none"/>
+        </p:style>
+        <p:txBody>
+          <a:bodyPr rot="0" spcFirstLastPara="1" vertOverflow="overflow" horzOverflow="overflow" vert="horz" wrap="square" lIns="45718" tIns="45718" rIns="45718" bIns="45718" numCol="1" spcCol="38100" rtlCol="0" anchor="t">
+            <a:spAutoFit/>
+          </a:bodyPr>
+          <a:lstStyle/>
+          <a:p>
+            <a:pPr marL="0" marR="0" indent="0" algn="l" defTabSz="914400" rtl="0" fontAlgn="auto" latinLnBrk="0" hangingPunct="0">
+              <a:lnSpc>
+                <a:spcPct val="100000"/>
+              </a:lnSpc>
+              <a:spcBef>
+                <a:spcPts val="0"/>
+              </a:spcBef>
+              <a:spcAft>
+                <a:spcPts val="0"/>
+              </a:spcAft>
+              <a:buClrTx/>
+              <a:buSzTx/>
+              <a:buFontTx/>
+              <a:buNone/>
+              <a:tabLst/>
+            </a:pPr>
+            <a:r>
+              <a:rPr lang="en-US" dirty="0">
+                <a:solidFill>
+                  <a:schemeClr val="bg1"/>
+                </a:solidFill>
+              </a:rPr>
+              <a:t>ROC, AUC and Accuracy</a:t>
             </a:r>
           </a:p>
         </p:txBody>
       </p:sp>
       <p:pic>
         <p:nvPicPr>
-          <p:cNvPr id="118" name="Picture 3" descr="Picture 3"/>
+          <p:cNvPr id="12" name="Picture Placeholder 11" descr="Chart, line chart&#10;&#10;Description automatically generated">
+            <a:extLst>
+              <a:ext uri="{FF2B5EF4-FFF2-40B4-BE49-F238E27FC236}">
+                <a16:creationId xmlns:a16="http://schemas.microsoft.com/office/drawing/2014/main" id="{04311FC6-F61A-437C-9C96-E7ED158B5AD8}"/>
+              </a:ext>
+            </a:extLst>
+          </p:cNvPr>
           <p:cNvPicPr>
-            <a:picLocks noChangeAspect="1"/>
+            <a:picLocks noGrp="1" noChangeAspect="1"/>
           </p:cNvPicPr>
-          <p:nvPr/>
+          <p:nvPr>
+            <p:ph type="pic" idx="13"/>
+          </p:nvPr>
         </p:nvPicPr>
         <p:blipFill>
           <a:blip r:embed="rId2">
-            <a:extLst/>
+            <a:extLst>
+              <a:ext uri="{28A0092B-C50C-407E-A947-70E740481C1C}">
+                <a14:useLocalDpi xmlns:a14="http://schemas.microsoft.com/office/drawing/2010/main" val="0"/>
+              </a:ext>
+            </a:extLst>
           </a:blip>
           <a:stretch>
             <a:fillRect/>
@@ -9167,28 +9245,27 @@
         </p:blipFill>
         <p:spPr>
           <a:xfrm>
-            <a:off x="1071537" y="1697654"/>
-            <a:ext cx="7143802" cy="5160346"/>
-          </a:xfrm>
-          <a:prstGeom prst="rect">
-            <a:avLst/>
-          </a:prstGeom>
-          <a:ln w="12700">
-            <a:miter lim="400000"/>
-          </a:ln>
+            <a:off x="3249363" y="2185000"/>
+            <a:ext cx="5487650" cy="3658433"/>
+          </a:xfrm>
         </p:spPr>
       </p:pic>
     </p:spTree>
+    <p:extLst>
+      <p:ext uri="{BB962C8B-B14F-4D97-AF65-F5344CB8AC3E}">
+        <p14:creationId xmlns:p14="http://schemas.microsoft.com/office/powerpoint/2010/main" val="1664417462"/>
+      </p:ext>
+    </p:extLst>
   </p:cSld>
   <p:clrMapOvr>
     <a:masterClrMapping/>
   </p:clrMapOvr>
-  <p:transition xmlns:p14="http://schemas.microsoft.com/office/powerpoint/2010/main" spd="med" advClick="1"/>
+  <p:transition spd="med"/>
 </p:sld>
 </file>
 
-<file path=ppt/slides/slide6.xml><?xml version="1.0" encoding="utf-8"?>
-<p:sld xmlns:a="http://schemas.openxmlformats.org/drawingml/2006/main" xmlns:r="http://schemas.openxmlformats.org/officeDocument/2006/relationships" xmlns:p="http://schemas.openxmlformats.org/presentationml/2006/main" xmlns:m="http://schemas.openxmlformats.org/officeDocument/2006/math" xmlns:a14="http://schemas.microsoft.com/office/drawing/2010/main" showMasterSp="1" showMasterPhAnim="1">
+<file path=ppt/slides/slide27.xml><?xml version="1.0" encoding="utf-8"?>
+<p:sld xmlns:a="http://schemas.openxmlformats.org/drawingml/2006/main" xmlns:r="http://schemas.openxmlformats.org/officeDocument/2006/relationships" xmlns:p="http://schemas.openxmlformats.org/presentationml/2006/main">
   <p:cSld>
     <p:spTree>
       <p:nvGrpSpPr>
@@ -9206,56 +9283,69 @@
       </p:grpSpPr>
       <p:sp>
         <p:nvSpPr>
-          <p:cNvPr id="120" name="Titolo 9"/>
-          <p:cNvSpPr txBox="1"/>
+          <p:cNvPr id="5" name="Title 4">
+            <a:extLst>
+              <a:ext uri="{FF2B5EF4-FFF2-40B4-BE49-F238E27FC236}">
+                <a16:creationId xmlns:a16="http://schemas.microsoft.com/office/drawing/2014/main" id="{A0F25B45-A0FB-4A0F-8E9E-16E44AE666D6}"/>
+              </a:ext>
+            </a:extLst>
+          </p:cNvPr>
+          <p:cNvSpPr>
+            <a:spLocks noGrp="1"/>
+          </p:cNvSpPr>
           <p:nvPr>
             <p:ph type="title"/>
           </p:nvPr>
         </p:nvSpPr>
-        <p:spPr>
-          <a:xfrm>
-            <a:off x="1357290" y="-428654"/>
-            <a:ext cx="7686700" cy="2428895"/>
-          </a:xfrm>
-          <a:prstGeom prst="rect">
-            <a:avLst/>
-          </a:prstGeom>
-        </p:spPr>
+        <p:spPr/>
         <p:txBody>
           <a:bodyPr/>
           <a:lstStyle/>
           <a:p>
-            <a:pPr algn="r">
-              <a:defRPr b="1" sz="3600">
-                <a:solidFill>
-                  <a:srgbClr val="FFFFFF"/>
-                </a:solidFill>
-                <a:latin typeface="Bahnschrift Condensed"/>
-                <a:ea typeface="Bahnschrift Condensed"/>
-                <a:cs typeface="Bahnschrift Condensed"/>
-                <a:sym typeface="Bahnschrift Condensed"/>
-              </a:defRPr>
-            </a:pPr>
-            <a:r>
-              <a:t>Initialization </a:t>
-            </a:r>
-            <a:r>
-              <a:rPr sz="2400"/>
-              <a:t>and</a:t>
-            </a:r>
-            <a:r>
-              <a:t> </a:t>
-            </a:r>
-            <a:br/>
-            <a:r>
-              <a:t>Presentation of the dataset</a:t>
-            </a:r>
+            <a:r>
+              <a:rPr lang="en-US" dirty="0"/>
+              <a:t>The Decision Tree</a:t>
+            </a:r>
+          </a:p>
+        </p:txBody>
+      </p:sp>
+      <p:sp>
+        <p:nvSpPr>
+          <p:cNvPr id="6" name="Text Placeholder 5">
+            <a:extLst>
+              <a:ext uri="{FF2B5EF4-FFF2-40B4-BE49-F238E27FC236}">
+                <a16:creationId xmlns:a16="http://schemas.microsoft.com/office/drawing/2014/main" id="{6F49841F-2C6F-4103-848B-B8E176B2CBB3}"/>
+              </a:ext>
+            </a:extLst>
+          </p:cNvPr>
+          <p:cNvSpPr>
+            <a:spLocks noGrp="1"/>
+          </p:cNvSpPr>
+          <p:nvPr>
+            <p:ph type="body" idx="1"/>
+          </p:nvPr>
+        </p:nvSpPr>
+        <p:spPr/>
+        <p:txBody>
+          <a:bodyPr/>
+          <a:lstStyle/>
+          <a:p>
+            <a:pPr marL="118872" indent="0">
+              <a:buNone/>
+            </a:pPr>
+            <a:endParaRPr lang="en-US" dirty="0"/>
           </a:p>
         </p:txBody>
       </p:sp>
       <p:pic>
         <p:nvPicPr>
-          <p:cNvPr id="121" name="Picture 2" descr="Picture 2"/>
+          <p:cNvPr id="12" name="Picture 11" descr="Decision Tree Classifier">
+            <a:extLst>
+              <a:ext uri="{FF2B5EF4-FFF2-40B4-BE49-F238E27FC236}">
+                <a16:creationId xmlns:a16="http://schemas.microsoft.com/office/drawing/2014/main" id="{E3461543-EC35-41D4-832C-D9F00B731790}"/>
+              </a:ext>
+            </a:extLst>
+          </p:cNvPr>
           <p:cNvPicPr>
             <a:picLocks noChangeAspect="1"/>
           </p:cNvPicPr>
@@ -9263,7 +9353,11 @@
         </p:nvPicPr>
         <p:blipFill>
           <a:blip r:embed="rId2">
-            <a:extLst/>
+            <a:extLst>
+              <a:ext uri="{28A0092B-C50C-407E-A947-70E740481C1C}">
+                <a14:useLocalDpi xmlns:a14="http://schemas.microsoft.com/office/drawing/2010/main" val="0"/>
+              </a:ext>
+            </a:extLst>
           </a:blip>
           <a:stretch>
             <a:fillRect/>
@@ -9271,57 +9365,30 @@
         </p:blipFill>
         <p:spPr>
           <a:xfrm>
-            <a:off x="357157" y="1574051"/>
-            <a:ext cx="3929092" cy="5283949"/>
-          </a:xfrm>
-          <a:prstGeom prst="rect">
-            <a:avLst/>
-          </a:prstGeom>
-          <a:ln w="12700">
-            <a:miter lim="400000"/>
-          </a:ln>
-        </p:spPr>
-      </p:pic>
-      <p:pic>
-        <p:nvPicPr>
-          <p:cNvPr id="122" name="Picture 3" descr="Picture 3"/>
-          <p:cNvPicPr>
-            <a:picLocks noChangeAspect="1"/>
-          </p:cNvPicPr>
-          <p:nvPr/>
-        </p:nvPicPr>
-        <p:blipFill>
-          <a:blip r:embed="rId3">
-            <a:extLst/>
-          </a:blip>
-          <a:stretch>
-            <a:fillRect/>
-          </a:stretch>
-        </p:blipFill>
-        <p:spPr>
-          <a:xfrm>
-            <a:off x="4357654" y="3571876"/>
-            <a:ext cx="4786346" cy="1090767"/>
-          </a:xfrm>
-          <a:prstGeom prst="rect">
-            <a:avLst/>
-          </a:prstGeom>
-          <a:ln w="12700">
-            <a:miter lim="400000"/>
-          </a:ln>
+            <a:off x="457200" y="1775191"/>
+            <a:ext cx="8229600" cy="4626917"/>
+          </a:xfrm>
+          <a:prstGeom prst="rect">
+            <a:avLst/>
+          </a:prstGeom>
         </p:spPr>
       </p:pic>
     </p:spTree>
+    <p:extLst>
+      <p:ext uri="{BB962C8B-B14F-4D97-AF65-F5344CB8AC3E}">
+        <p14:creationId xmlns:p14="http://schemas.microsoft.com/office/powerpoint/2010/main" val="3156274926"/>
+      </p:ext>
+    </p:extLst>
   </p:cSld>
   <p:clrMapOvr>
     <a:masterClrMapping/>
   </p:clrMapOvr>
-  <p:transition xmlns:p14="http://schemas.microsoft.com/office/powerpoint/2010/main" spd="med" advClick="1"/>
+  <p:transition spd="med"/>
 </p:sld>
 </file>
 
-<file path=ppt/slides/slide7.xml><?xml version="1.0" encoding="utf-8"?>
-<p:sld xmlns:a="http://schemas.openxmlformats.org/drawingml/2006/main" xmlns:r="http://schemas.openxmlformats.org/officeDocument/2006/relationships" xmlns:p="http://schemas.openxmlformats.org/presentationml/2006/main" xmlns:m="http://schemas.openxmlformats.org/officeDocument/2006/math" xmlns:a14="http://schemas.microsoft.com/office/drawing/2010/main" showMasterSp="1" showMasterPhAnim="1">
+<file path=ppt/slides/slide28.xml><?xml version="1.0" encoding="utf-8"?>
+<p:sld xmlns:a="http://schemas.openxmlformats.org/drawingml/2006/main" xmlns:r="http://schemas.openxmlformats.org/officeDocument/2006/relationships" xmlns:p="http://schemas.openxmlformats.org/presentationml/2006/main">
   <p:cSld>
     <p:spTree>
       <p:nvGrpSpPr>
@@ -9339,353 +9406,233 @@
       </p:grpSpPr>
       <p:sp>
         <p:nvSpPr>
-          <p:cNvPr id="124" name="Titolo 9"/>
-          <p:cNvSpPr txBox="1"/>
+          <p:cNvPr id="2" name="Title 1">
+            <a:extLst>
+              <a:ext uri="{FF2B5EF4-FFF2-40B4-BE49-F238E27FC236}">
+                <a16:creationId xmlns:a16="http://schemas.microsoft.com/office/drawing/2014/main" id="{8E32B997-C19E-4453-A7E5-A4B6BBA5408F}"/>
+              </a:ext>
+            </a:extLst>
+          </p:cNvPr>
+          <p:cNvSpPr>
+            <a:spLocks noGrp="1"/>
+          </p:cNvSpPr>
           <p:nvPr>
             <p:ph type="title"/>
           </p:nvPr>
         </p:nvSpPr>
-        <p:spPr>
-          <a:xfrm>
-            <a:off x="1357290" y="-428654"/>
-            <a:ext cx="7686700" cy="2428895"/>
-          </a:xfrm>
-          <a:prstGeom prst="rect">
-            <a:avLst/>
-          </a:prstGeom>
-        </p:spPr>
+        <p:spPr/>
         <p:txBody>
           <a:bodyPr/>
-          <a:lstStyle>
-            <a:lvl1pPr algn="r">
-              <a:defRPr b="1" sz="4000">
-                <a:solidFill>
-                  <a:srgbClr val="FFFFFF"/>
-                </a:solidFill>
-                <a:latin typeface="Bahnschrift Condensed"/>
-                <a:ea typeface="Bahnschrift Condensed"/>
-                <a:cs typeface="Bahnschrift Condensed"/>
-                <a:sym typeface="Bahnschrift Condensed"/>
-              </a:defRPr>
-            </a:lvl1pPr>
-          </a:lstStyle>
-          <a:p>
-            <a:pPr/>
-            <a:r>
-              <a:t>Data Exploration</a:t>
-            </a:r>
-          </a:p>
-        </p:txBody>
-      </p:sp>
-      <p:sp>
-        <p:nvSpPr>
-          <p:cNvPr id="125" name="CasellaDiTesto 5"/>
+          <a:lstStyle/>
+          <a:p>
+            <a:r>
+              <a:rPr lang="en-US" dirty="0"/>
+              <a:t>Prediction with </a:t>
+            </a:r>
+            <a:r>
+              <a:rPr lang="en-US" dirty="0" err="1"/>
+              <a:t>Randon</a:t>
+            </a:r>
+            <a:r>
+              <a:rPr lang="en-US" dirty="0"/>
+              <a:t> Forest Classifiers</a:t>
+            </a:r>
+          </a:p>
+        </p:txBody>
+      </p:sp>
+      <p:sp>
+        <p:nvSpPr>
+          <p:cNvPr id="3" name="Text Placeholder 2">
+            <a:extLst>
+              <a:ext uri="{FF2B5EF4-FFF2-40B4-BE49-F238E27FC236}">
+                <a16:creationId xmlns:a16="http://schemas.microsoft.com/office/drawing/2014/main" id="{5F196799-CFEB-4A50-BCB6-D49CE16F78A2}"/>
+              </a:ext>
+            </a:extLst>
+          </p:cNvPr>
+          <p:cNvSpPr>
+            <a:spLocks noGrp="1"/>
+          </p:cNvSpPr>
+          <p:nvPr>
+            <p:ph type="body" sz="quarter" idx="1"/>
+          </p:nvPr>
+        </p:nvSpPr>
+        <p:spPr/>
+        <p:txBody>
+          <a:bodyPr>
+            <a:normAutofit/>
+          </a:bodyPr>
+          <a:lstStyle/>
+          <a:p>
+            <a:pPr marL="118872" indent="0">
+              <a:buNone/>
+            </a:pPr>
+            <a:r>
+              <a:rPr lang="en-US" dirty="0"/>
+              <a:t>The average confusion matrix for the trained  Classifier has values</a:t>
+            </a:r>
+          </a:p>
+          <a:p>
+            <a:pPr marL="285750" indent="-285750">
+              <a:buFont typeface="Arial" panose="020B0604020202020204" pitchFamily="34" charset="0"/>
+              <a:buChar char="•"/>
+            </a:pPr>
+            <a:r>
+              <a:rPr lang="en-US" dirty="0"/>
+              <a:t>75 were correctly classified positive</a:t>
+            </a:r>
+          </a:p>
+          <a:p>
+            <a:pPr marL="285750" indent="-285750">
+              <a:buFont typeface="Arial" panose="020B0604020202020204" pitchFamily="34" charset="0"/>
+              <a:buChar char="•"/>
+            </a:pPr>
+            <a:r>
+              <a:rPr lang="en-US" dirty="0"/>
+              <a:t>74 were correctly classified negative</a:t>
+            </a:r>
+          </a:p>
+          <a:p>
+            <a:pPr marL="285750" indent="-285750">
+              <a:buFont typeface="Arial" panose="020B0604020202020204" pitchFamily="34" charset="0"/>
+              <a:buChar char="•"/>
+            </a:pPr>
+            <a:r>
+              <a:rPr lang="en-US" dirty="0"/>
+              <a:t>48 were incorrectly classified as positive</a:t>
+            </a:r>
+          </a:p>
+          <a:p>
+            <a:pPr marL="285750" indent="-285750">
+              <a:buFont typeface="Arial" panose="020B0604020202020204" pitchFamily="34" charset="0"/>
+              <a:buChar char="•"/>
+            </a:pPr>
+            <a:r>
+              <a:rPr lang="en-US" dirty="0"/>
+              <a:t>32 were incorrectly classified as negative</a:t>
+            </a:r>
+          </a:p>
+        </p:txBody>
+      </p:sp>
+      <p:sp>
+        <p:nvSpPr>
+          <p:cNvPr id="13" name="TextBox 12">
+            <a:extLst>
+              <a:ext uri="{FF2B5EF4-FFF2-40B4-BE49-F238E27FC236}">
+                <a16:creationId xmlns:a16="http://schemas.microsoft.com/office/drawing/2014/main" id="{2C075A86-2F35-4321-9810-BA383840A61C}"/>
+              </a:ext>
+            </a:extLst>
+          </p:cNvPr>
           <p:cNvSpPr txBox="1"/>
           <p:nvPr/>
         </p:nvSpPr>
         <p:spPr>
           <a:xfrm>
-            <a:off x="-1" y="2643182"/>
-            <a:ext cx="5143538" cy="809444"/>
-          </a:xfrm>
-          <a:prstGeom prst="rect">
-            <a:avLst/>
-          </a:prstGeom>
-          <a:ln w="12700">
+            <a:off x="3006969" y="459988"/>
+            <a:ext cx="5972439" cy="369328"/>
+          </a:xfrm>
+          <a:prstGeom prst="rect">
+            <a:avLst/>
+          </a:prstGeom>
+          <a:noFill/>
+          <a:ln w="12700" cap="flat">
+            <a:noFill/>
             <a:miter lim="400000"/>
           </a:ln>
-          <a:extLst>
-            <a:ext uri="{C572A759-6A51-4108-AA02-DFA0A04FC94B}">
-              <ma14:wrappingTextBoxFlag xmlns:ma14="http://schemas.microsoft.com/office/mac/drawingml/2011/main" val="1"/>
-            </a:ext>
-          </a:extLst>
-        </p:spPr>
-        <p:txBody>
-          <a:bodyPr lIns="45718" tIns="45718" rIns="45718" bIns="45718">
+          <a:effectLst/>
+          <a:sp3d/>
+        </p:spPr>
+        <p:style>
+          <a:lnRef idx="0">
+            <a:scrgbClr r="0" g="0" b="0"/>
+          </a:lnRef>
+          <a:fillRef idx="0">
+            <a:scrgbClr r="0" g="0" b="0"/>
+          </a:fillRef>
+          <a:effectRef idx="0">
+            <a:scrgbClr r="0" g="0" b="0"/>
+          </a:effectRef>
+          <a:fontRef idx="none"/>
+        </p:style>
+        <p:txBody>
+          <a:bodyPr rot="0" spcFirstLastPara="1" vertOverflow="overflow" horzOverflow="overflow" vert="horz" wrap="square" lIns="45718" tIns="45718" rIns="45718" bIns="45718" numCol="1" spcCol="38100" rtlCol="0" anchor="t">
             <a:spAutoFit/>
           </a:bodyPr>
           <a:lstStyle/>
           <a:p>
-            <a:pPr>
-              <a:defRPr b="1" sz="1600">
-                <a:latin typeface="Helvetica Neue"/>
-                <a:ea typeface="Helvetica Neue"/>
-                <a:cs typeface="Helvetica Neue"/>
-                <a:sym typeface="Helvetica Neue"/>
-              </a:defRPr>
-            </a:pPr>
-            <a:r>
-              <a:t>1</a:t>
-            </a:r>
-            <a:r>
-              <a:rPr baseline="30000"/>
-              <a:t>st</a:t>
-            </a:r>
-            <a:r>
-              <a:t> example: SMOKERS vs NON-smokers</a:t>
-            </a:r>
-            <a:endParaRPr>
-              <a:latin typeface="+mj-lt"/>
-              <a:ea typeface="+mj-ea"/>
-              <a:cs typeface="+mj-cs"/>
-              <a:sym typeface="Corbel"/>
-            </a:endParaRPr>
-          </a:p>
-          <a:p>
-            <a:pPr>
-              <a:defRPr b="1" sz="1600">
-                <a:latin typeface="Helvetica Neue"/>
-                <a:ea typeface="Helvetica Neue"/>
-                <a:cs typeface="Helvetica Neue"/>
-                <a:sym typeface="Helvetica Neue"/>
-              </a:defRPr>
-            </a:pPr>
+            <a:pPr marL="0" marR="0" indent="0" algn="l" defTabSz="914400" rtl="0" fontAlgn="auto" latinLnBrk="0" hangingPunct="0">
+              <a:lnSpc>
+                <a:spcPct val="100000"/>
+              </a:lnSpc>
+              <a:spcBef>
+                <a:spcPts val="0"/>
+              </a:spcBef>
+              <a:spcAft>
+                <a:spcPts val="0"/>
+              </a:spcAft>
+              <a:buClrTx/>
+              <a:buSzTx/>
+              <a:buFontTx/>
+              <a:buNone/>
+              <a:tabLst/>
+            </a:pPr>
+            <a:r>
+              <a:rPr lang="en-US" dirty="0">
+                <a:solidFill>
+                  <a:schemeClr val="bg1"/>
+                </a:solidFill>
+              </a:rPr>
+              <a:t>Confusion Matrix</a:t>
+            </a:r>
           </a:p>
         </p:txBody>
       </p:sp>
       <p:pic>
         <p:nvPicPr>
-          <p:cNvPr id="126" name="Picture 2" descr="Picture 2"/>
+          <p:cNvPr id="8" name="Picture Placeholder 7" descr="Chart, treemap chart&#10;&#10;Description automatically generated">
+            <a:extLst>
+              <a:ext uri="{FF2B5EF4-FFF2-40B4-BE49-F238E27FC236}">
+                <a16:creationId xmlns:a16="http://schemas.microsoft.com/office/drawing/2014/main" id="{4F05EAF0-3704-482A-8307-6F726299F675}"/>
+              </a:ext>
+            </a:extLst>
+          </p:cNvPr>
           <p:cNvPicPr>
-            <a:picLocks noChangeAspect="1"/>
+            <a:picLocks noGrp="1" noChangeAspect="1"/>
           </p:cNvPicPr>
-          <p:nvPr/>
+          <p:nvPr>
+            <p:ph type="pic" idx="13"/>
+          </p:nvPr>
         </p:nvPicPr>
         <p:blipFill>
           <a:blip r:embed="rId2">
-            <a:extLst/>
+            <a:extLst>
+              <a:ext uri="{28A0092B-C50C-407E-A947-70E740481C1C}">
+                <a14:useLocalDpi xmlns:a14="http://schemas.microsoft.com/office/drawing/2010/main" val="0"/>
+              </a:ext>
+            </a:extLst>
           </a:blip>
+          <a:srcRect l="17313" r="17313"/>
           <a:stretch>
             <a:fillRect/>
           </a:stretch>
         </p:blipFill>
-        <p:spPr>
-          <a:xfrm>
-            <a:off x="714348" y="3071809"/>
-            <a:ext cx="5610226" cy="590551"/>
-          </a:xfrm>
-          <a:prstGeom prst="rect">
-            <a:avLst/>
-          </a:prstGeom>
-          <a:ln w="12700">
-            <a:miter lim="400000"/>
-          </a:ln>
-        </p:spPr>
-      </p:pic>
-      <p:sp>
-        <p:nvSpPr>
-          <p:cNvPr id="127" name="Rettangolo 8"/>
-          <p:cNvSpPr txBox="1"/>
-          <p:nvPr/>
-        </p:nvSpPr>
-        <p:spPr>
-          <a:xfrm>
-            <a:off x="45720" y="4000503"/>
-            <a:ext cx="6552277" cy="326847"/>
-          </a:xfrm>
-          <a:prstGeom prst="rect">
-            <a:avLst/>
-          </a:prstGeom>
-          <a:ln w="12700">
-            <a:miter lim="400000"/>
-          </a:ln>
-          <a:extLst>
-            <a:ext uri="{C572A759-6A51-4108-AA02-DFA0A04FC94B}">
-              <ma14:wrappingTextBoxFlag xmlns:ma14="http://schemas.microsoft.com/office/mac/drawingml/2011/main" val="1"/>
-            </a:ext>
-          </a:extLst>
-        </p:spPr>
-        <p:txBody>
-          <a:bodyPr lIns="45719" rIns="45719">
-            <a:spAutoFit/>
-          </a:bodyPr>
-          <a:lstStyle/>
-          <a:p>
-            <a:pPr>
-              <a:defRPr b="1" sz="1600">
-                <a:latin typeface="Helvetica Neue"/>
-                <a:ea typeface="Helvetica Neue"/>
-                <a:cs typeface="Helvetica Neue"/>
-                <a:sym typeface="Helvetica Neue"/>
-              </a:defRPr>
-            </a:pPr>
-            <a:r>
-              <a:t>2</a:t>
-            </a:r>
-            <a:r>
-              <a:rPr baseline="30000"/>
-              <a:t>nd</a:t>
-            </a:r>
-            <a:r>
-              <a:t> example: patients WITH diabetes vs withOUT diabetes</a:t>
-            </a:r>
-          </a:p>
-        </p:txBody>
-      </p:sp>
-      <p:sp>
-        <p:nvSpPr>
-          <p:cNvPr id="128" name="CasellaDiTesto 9"/>
-          <p:cNvSpPr txBox="1"/>
-          <p:nvPr/>
-        </p:nvSpPr>
-        <p:spPr>
-          <a:xfrm>
-            <a:off x="0" y="1500174"/>
-            <a:ext cx="9144000" cy="542949"/>
-          </a:xfrm>
-          <a:prstGeom prst="rect">
-            <a:avLst/>
-          </a:prstGeom>
-          <a:ln w="12700">
-            <a:miter lim="400000"/>
-          </a:ln>
-          <a:extLst>
-            <a:ext uri="{C572A759-6A51-4108-AA02-DFA0A04FC94B}">
-              <ma14:wrappingTextBoxFlag xmlns:ma14="http://schemas.microsoft.com/office/mac/drawingml/2011/main" val="1"/>
-            </a:ext>
-          </a:extLst>
-        </p:spPr>
-        <p:txBody>
-          <a:bodyPr lIns="45718" tIns="45718" rIns="45718" bIns="45718">
-            <a:spAutoFit/>
-          </a:bodyPr>
-          <a:lstStyle>
-            <a:lvl1pPr>
-              <a:defRPr sz="1600">
-                <a:latin typeface="Helvetica Neue"/>
-                <a:ea typeface="Helvetica Neue"/>
-                <a:cs typeface="Helvetica Neue"/>
-                <a:sym typeface="Helvetica Neue"/>
-              </a:defRPr>
-            </a:lvl1pPr>
-          </a:lstStyle>
-          <a:p>
-            <a:pPr/>
-            <a:r>
-              <a:t> We can quite demonstrate that , for some of the variables, our dataset is enough balanced... but for other variables the dataset is NOT balanced</a:t>
-            </a:r>
-          </a:p>
-        </p:txBody>
-      </p:sp>
-      <p:pic>
-        <p:nvPicPr>
-          <p:cNvPr id="129" name="Picture 3" descr="Picture 3"/>
-          <p:cNvPicPr>
-            <a:picLocks noChangeAspect="1"/>
-          </p:cNvPicPr>
-          <p:nvPr/>
-        </p:nvPicPr>
-        <p:blipFill>
-          <a:blip r:embed="rId3">
-            <a:extLst/>
-          </a:blip>
-          <a:stretch>
-            <a:fillRect/>
-          </a:stretch>
-        </p:blipFill>
-        <p:spPr>
-          <a:xfrm>
-            <a:off x="714348" y="4429131"/>
-            <a:ext cx="4972051" cy="466726"/>
-          </a:xfrm>
-          <a:prstGeom prst="rect">
-            <a:avLst/>
-          </a:prstGeom>
-          <a:ln w="12700">
-            <a:miter lim="400000"/>
-          </a:ln>
-        </p:spPr>
-      </p:pic>
-      <p:sp>
-        <p:nvSpPr>
-          <p:cNvPr id="130" name="Rettangolo 11"/>
-          <p:cNvSpPr txBox="1"/>
-          <p:nvPr/>
-        </p:nvSpPr>
-        <p:spPr>
-          <a:xfrm>
-            <a:off x="45720" y="5286388"/>
-            <a:ext cx="9552674" cy="326846"/>
-          </a:xfrm>
-          <a:prstGeom prst="rect">
-            <a:avLst/>
-          </a:prstGeom>
-          <a:ln w="12700">
-            <a:miter lim="400000"/>
-          </a:ln>
-          <a:extLst>
-            <a:ext uri="{C572A759-6A51-4108-AA02-DFA0A04FC94B}">
-              <ma14:wrappingTextBoxFlag xmlns:ma14="http://schemas.microsoft.com/office/mac/drawingml/2011/main" val="1"/>
-            </a:ext>
-          </a:extLst>
-        </p:spPr>
-        <p:txBody>
-          <a:bodyPr lIns="45719" rIns="45719">
-            <a:spAutoFit/>
-          </a:bodyPr>
-          <a:lstStyle/>
-          <a:p>
-            <a:pPr>
-              <a:defRPr b="1" sz="1600">
-                <a:latin typeface="Helvetica Neue"/>
-                <a:ea typeface="Helvetica Neue"/>
-                <a:cs typeface="Helvetica Neue"/>
-                <a:sym typeface="Helvetica Neue"/>
-              </a:defRPr>
-            </a:pPr>
-            <a:r>
-              <a:t>3</a:t>
-            </a:r>
-            <a:r>
-              <a:rPr baseline="30000"/>
-              <a:t>rd</a:t>
-            </a:r>
-            <a:r>
-              <a:t> example: patients WITH or withOUT risk of coronary heart disease CHD within 10 years</a:t>
-            </a:r>
-          </a:p>
-        </p:txBody>
-      </p:sp>
-      <p:pic>
-        <p:nvPicPr>
-          <p:cNvPr id="131" name="Picture 4" descr="Picture 4"/>
-          <p:cNvPicPr>
-            <a:picLocks noChangeAspect="1"/>
-          </p:cNvPicPr>
-          <p:nvPr/>
-        </p:nvPicPr>
-        <p:blipFill>
-          <a:blip r:embed="rId4">
-            <a:extLst/>
-          </a:blip>
-          <a:stretch>
-            <a:fillRect/>
-          </a:stretch>
-        </p:blipFill>
-        <p:spPr>
-          <a:xfrm>
-            <a:off x="214282" y="5715015"/>
-            <a:ext cx="8929718" cy="579752"/>
-          </a:xfrm>
-          <a:prstGeom prst="rect">
-            <a:avLst/>
-          </a:prstGeom>
-          <a:ln w="12700">
-            <a:miter lim="400000"/>
-          </a:ln>
-        </p:spPr>
+        <p:spPr/>
       </p:pic>
     </p:spTree>
+    <p:extLst>
+      <p:ext uri="{BB962C8B-B14F-4D97-AF65-F5344CB8AC3E}">
+        <p14:creationId xmlns:p14="http://schemas.microsoft.com/office/powerpoint/2010/main" val="1338795070"/>
+      </p:ext>
+    </p:extLst>
   </p:cSld>
   <p:clrMapOvr>
     <a:masterClrMapping/>
   </p:clrMapOvr>
-  <p:transition xmlns:p14="http://schemas.microsoft.com/office/powerpoint/2010/main" spd="med" advClick="1"/>
+  <p:transition spd="med"/>
 </p:sld>
 </file>
 
-<file path=ppt/slides/slide8.xml><?xml version="1.0" encoding="utf-8"?>
-<p:sld xmlns:a="http://schemas.openxmlformats.org/drawingml/2006/main" xmlns:r="http://schemas.openxmlformats.org/officeDocument/2006/relationships" xmlns:p="http://schemas.openxmlformats.org/presentationml/2006/main" xmlns:m="http://schemas.openxmlformats.org/officeDocument/2006/math" xmlns:a14="http://schemas.microsoft.com/office/drawing/2010/main" showMasterSp="1" showMasterPhAnim="1">
+<file path=ppt/slides/slide29.xml><?xml version="1.0" encoding="utf-8"?>
+<p:sld xmlns:a="http://schemas.openxmlformats.org/drawingml/2006/main" xmlns:r="http://schemas.openxmlformats.org/officeDocument/2006/relationships" xmlns:p="http://schemas.openxmlformats.org/presentationml/2006/main">
   <p:cSld>
     <p:spTree>
       <p:nvGrpSpPr>
@@ -9703,134 +9650,162 @@
       </p:grpSpPr>
       <p:sp>
         <p:nvSpPr>
-          <p:cNvPr id="133" name="Titolo 9"/>
-          <p:cNvSpPr txBox="1"/>
+          <p:cNvPr id="2" name="Title 1">
+            <a:extLst>
+              <a:ext uri="{FF2B5EF4-FFF2-40B4-BE49-F238E27FC236}">
+                <a16:creationId xmlns:a16="http://schemas.microsoft.com/office/drawing/2014/main" id="{8E32B997-C19E-4453-A7E5-A4B6BBA5408F}"/>
+              </a:ext>
+            </a:extLst>
+          </p:cNvPr>
+          <p:cNvSpPr>
+            <a:spLocks noGrp="1"/>
+          </p:cNvSpPr>
           <p:nvPr>
             <p:ph type="title"/>
           </p:nvPr>
         </p:nvSpPr>
-        <p:spPr>
-          <a:xfrm>
-            <a:off x="1357290" y="-428654"/>
-            <a:ext cx="7686700" cy="2428895"/>
-          </a:xfrm>
-          <a:prstGeom prst="rect">
-            <a:avLst/>
-          </a:prstGeom>
-        </p:spPr>
+        <p:spPr/>
         <p:txBody>
           <a:bodyPr/>
-          <a:lstStyle>
-            <a:lvl1pPr algn="r">
-              <a:defRPr b="1" sz="4000">
-                <a:solidFill>
-                  <a:srgbClr val="FFFFFF"/>
-                </a:solidFill>
-                <a:latin typeface="Bahnschrift Condensed"/>
-                <a:ea typeface="Bahnschrift Condensed"/>
-                <a:cs typeface="Bahnschrift Condensed"/>
-                <a:sym typeface="Bahnschrift Condensed"/>
-              </a:defRPr>
-            </a:lvl1pPr>
-          </a:lstStyle>
-          <a:p>
-            <a:pPr/>
-            <a:r>
-              <a:t>Data Exploration</a:t>
-            </a:r>
-          </a:p>
-        </p:txBody>
-      </p:sp>
-      <p:sp>
-        <p:nvSpPr>
-          <p:cNvPr id="134" name="Rettangolo 4"/>
-          <p:cNvSpPr txBox="1"/>
-          <p:nvPr/>
-        </p:nvSpPr>
-        <p:spPr>
-          <a:xfrm>
-            <a:off x="331439" y="1928802"/>
-            <a:ext cx="7909601" cy="326846"/>
-          </a:xfrm>
-          <a:prstGeom prst="rect">
-            <a:avLst/>
-          </a:prstGeom>
-          <a:ln w="12700">
-            <a:miter lim="400000"/>
-          </a:ln>
-          <a:extLst>
-            <a:ext uri="{C572A759-6A51-4108-AA02-DFA0A04FC94B}">
-              <ma14:wrappingTextBoxFlag xmlns:ma14="http://schemas.microsoft.com/office/mac/drawingml/2011/main" val="1"/>
-            </a:ext>
-          </a:extLst>
-        </p:spPr>
-        <p:txBody>
-          <a:bodyPr lIns="45719" rIns="45719">
-            <a:spAutoFit/>
+          <a:lstStyle/>
+          <a:p>
+            <a:r>
+              <a:rPr lang="en-US" dirty="0"/>
+              <a:t>Prediction with Decision Trees</a:t>
+            </a:r>
+          </a:p>
+        </p:txBody>
+      </p:sp>
+      <p:sp>
+        <p:nvSpPr>
+          <p:cNvPr id="7" name="Text Placeholder 6">
+            <a:extLst>
+              <a:ext uri="{FF2B5EF4-FFF2-40B4-BE49-F238E27FC236}">
+                <a16:creationId xmlns:a16="http://schemas.microsoft.com/office/drawing/2014/main" id="{37F61E50-AFB5-46C6-9611-08A857F942A3}"/>
+              </a:ext>
+            </a:extLst>
+          </p:cNvPr>
+          <p:cNvSpPr>
+            <a:spLocks noGrp="1"/>
+          </p:cNvSpPr>
+          <p:nvPr>
+            <p:ph type="body" idx="1"/>
+          </p:nvPr>
+        </p:nvSpPr>
+        <p:spPr/>
+        <p:txBody>
+          <a:bodyPr>
+            <a:normAutofit fontScale="70000" lnSpcReduction="20000"/>
           </a:bodyPr>
           <a:lstStyle/>
           <a:p>
-            <a:pPr>
-              <a:defRPr b="1" sz="1600">
-                <a:latin typeface="Helvetica Neue"/>
-                <a:ea typeface="Helvetica Neue"/>
-                <a:cs typeface="Helvetica Neue"/>
-                <a:sym typeface="Helvetica Neue"/>
-              </a:defRPr>
-            </a:pPr>
-            <a:r>
-              <a:t>4</a:t>
-            </a:r>
-            <a:r>
-              <a:rPr baseline="30000"/>
-              <a:t>th</a:t>
-            </a:r>
-            <a:r>
-              <a:t> example: frequency of a previous Stroke differentiated for Sex</a:t>
-            </a:r>
-          </a:p>
-        </p:txBody>
-      </p:sp>
-      <p:pic>
-        <p:nvPicPr>
-          <p:cNvPr id="135" name="Picture 2" descr="Picture 2"/>
-          <p:cNvPicPr>
-            <a:picLocks noChangeAspect="1"/>
-          </p:cNvPicPr>
-          <p:nvPr/>
-        </p:nvPicPr>
-        <p:blipFill>
-          <a:blip r:embed="rId2">
-            <a:extLst/>
-          </a:blip>
-          <a:stretch>
-            <a:fillRect/>
-          </a:stretch>
-        </p:blipFill>
-        <p:spPr>
-          <a:xfrm>
-            <a:off x="1142975" y="2500305"/>
-            <a:ext cx="6078560" cy="3857654"/>
-          </a:xfrm>
-          <a:prstGeom prst="rect">
-            <a:avLst/>
-          </a:prstGeom>
-          <a:ln w="12700">
-            <a:miter lim="400000"/>
-          </a:ln>
-        </p:spPr>
-      </p:pic>
+            <a:pPr marL="118872" indent="0">
+              <a:buNone/>
+            </a:pPr>
+            <a:r>
+              <a:rPr lang="en-US" b="1" dirty="0"/>
+              <a:t>Precision:</a:t>
+            </a:r>
+          </a:p>
+          <a:p>
+            <a:pPr marL="118872" indent="0">
+              <a:buNone/>
+            </a:pPr>
+            <a:r>
+              <a:rPr lang="en-US" dirty="0"/>
+              <a:t>The percentage of the accuracy of our positive predictions, represented by the Precision, is:  </a:t>
+            </a:r>
+            <a:r>
+              <a:rPr lang="en-US" sz="3200" i="1" dirty="0">
+                <a:solidFill>
+                  <a:srgbClr val="0070C0"/>
+                </a:solidFill>
+              </a:rPr>
+              <a:t>60.98%</a:t>
+            </a:r>
+          </a:p>
+          <a:p>
+            <a:pPr marL="118872" indent="0">
+              <a:buNone/>
+            </a:pPr>
+            <a:endParaRPr lang="en-US" dirty="0"/>
+          </a:p>
+          <a:p>
+            <a:pPr marL="118872" indent="0">
+              <a:buNone/>
+            </a:pPr>
+            <a:r>
+              <a:rPr lang="en-US" b="1" dirty="0"/>
+              <a:t>Recall: </a:t>
+            </a:r>
+          </a:p>
+          <a:p>
+            <a:pPr marL="118872" indent="0">
+              <a:buNone/>
+            </a:pPr>
+            <a:r>
+              <a:rPr lang="en-US" dirty="0"/>
+              <a:t>The ratio of positive instances that are correctly detected by the classifier (true positive rate), represented by the Recall, is:  </a:t>
+            </a:r>
+            <a:r>
+              <a:rPr lang="en-US" sz="3200" i="1" dirty="0">
+                <a:solidFill>
+                  <a:srgbClr val="0070C0"/>
+                </a:solidFill>
+              </a:rPr>
+              <a:t>70.09%</a:t>
+            </a:r>
+          </a:p>
+          <a:p>
+            <a:pPr marL="118872" indent="0">
+              <a:buNone/>
+            </a:pPr>
+            <a:endParaRPr lang="en-US" dirty="0"/>
+          </a:p>
+          <a:p>
+            <a:pPr marL="118872" indent="0">
+              <a:buNone/>
+            </a:pPr>
+            <a:r>
+              <a:rPr lang="en-US" b="1" dirty="0"/>
+              <a:t>F1-Score: </a:t>
+            </a:r>
+          </a:p>
+          <a:p>
+            <a:pPr marL="118872" indent="0">
+              <a:buNone/>
+            </a:pPr>
+            <a:r>
+              <a:rPr lang="en-US" dirty="0"/>
+              <a:t>The F1-score, represented by the harmonic mean of precision and recall which,  differently from the regular mean (that gives equal weight to all values),  gives more weight  to low values - favoring classifiers that have similar precision and recall  - is:   </a:t>
+            </a:r>
+            <a:r>
+              <a:rPr lang="en-US" sz="3600" i="1" dirty="0">
+                <a:solidFill>
+                  <a:srgbClr val="0070C0"/>
+                </a:solidFill>
+              </a:rPr>
+              <a:t>65.22%</a:t>
+            </a:r>
+          </a:p>
+        </p:txBody>
+      </p:sp>
     </p:spTree>
+    <p:extLst>
+      <p:ext uri="{BB962C8B-B14F-4D97-AF65-F5344CB8AC3E}">
+        <p14:creationId xmlns:p14="http://schemas.microsoft.com/office/powerpoint/2010/main" val="3695666466"/>
+      </p:ext>
+    </p:extLst>
   </p:cSld>
   <p:clrMapOvr>
     <a:masterClrMapping/>
   </p:clrMapOvr>
-  <p:transition xmlns:p14="http://schemas.microsoft.com/office/powerpoint/2010/main" spd="med" advClick="1"/>
+  <p:transition spd="med"/>
 </p:sld>
 </file>
 
-<file path=ppt/slides/slide9.xml><?xml version="1.0" encoding="utf-8"?>
-<p:sld xmlns:a="http://schemas.openxmlformats.org/drawingml/2006/main" xmlns:r="http://schemas.openxmlformats.org/officeDocument/2006/relationships" xmlns:p="http://schemas.openxmlformats.org/presentationml/2006/main" xmlns:m="http://schemas.openxmlformats.org/officeDocument/2006/math" xmlns:a14="http://schemas.microsoft.com/office/drawing/2010/main" showMasterSp="1" showMasterPhAnim="1">
+<file path=ppt/slides/slide3.xml><?xml version="1.0" encoding="utf-8"?>
+<p:sld xmlns:a="http://schemas.openxmlformats.org/drawingml/2006/main" xmlns:r="http://schemas.openxmlformats.org/officeDocument/2006/relationships" xmlns:p="http://schemas.openxmlformats.org/presentationml/2006/main">
   <p:cSld>
     <p:spTree>
       <p:nvGrpSpPr>
@@ -9848,16 +9823,18 @@
       </p:grpSpPr>
       <p:sp>
         <p:nvSpPr>
-          <p:cNvPr id="137" name="Titolo 9"/>
-          <p:cNvSpPr txBox="1"/>
+          <p:cNvPr id="111" name="Titolo 9"/>
+          <p:cNvSpPr txBox="1">
+            <a:spLocks noGrp="1"/>
+          </p:cNvSpPr>
           <p:nvPr>
             <p:ph type="title"/>
           </p:nvPr>
         </p:nvSpPr>
         <p:spPr>
           <a:xfrm>
-            <a:off x="1285852" y="0"/>
-            <a:ext cx="7686700" cy="2428894"/>
+            <a:off x="2643172" y="-500091"/>
+            <a:ext cx="6329381" cy="2428894"/>
           </a:xfrm>
           <a:prstGeom prst="rect">
             <a:avLst/>
@@ -9865,10 +9842,9 @@
         </p:spPr>
         <p:txBody>
           <a:bodyPr/>
-          <a:lstStyle/>
-          <a:p>
-            <a:pPr algn="r">
-              <a:defRPr b="1" sz="3600">
+          <a:lstStyle>
+            <a:lvl1pPr algn="r">
+              <a:defRPr sz="4000" b="1">
                 <a:solidFill>
                   <a:srgbClr val="FFFFFF"/>
                 </a:solidFill>
@@ -9877,24 +9853,25 @@
                 <a:cs typeface="Bahnschrift Condensed"/>
                 <a:sym typeface="Bahnschrift Condensed"/>
               </a:defRPr>
-            </a:pPr>
-            <a:r>
-              <a:t>Modify and work on the dataset</a:t>
-            </a:r>
-            <a:br/>
-          </a:p>
-        </p:txBody>
-      </p:sp>
-      <p:sp>
-        <p:nvSpPr>
-          <p:cNvPr id="138" name="CasellaDiTesto 4"/>
+            </a:lvl1pPr>
+          </a:lstStyle>
+          <a:p>
+            <a:r>
+              <a:t>Summary</a:t>
+            </a:r>
+          </a:p>
+        </p:txBody>
+      </p:sp>
+      <p:sp>
+        <p:nvSpPr>
+          <p:cNvPr id="112" name="Rettangolo 4"/>
           <p:cNvSpPr txBox="1"/>
           <p:nvPr/>
         </p:nvSpPr>
         <p:spPr>
           <a:xfrm>
-            <a:off x="142844" y="1714487"/>
-            <a:ext cx="1989225" cy="568145"/>
+            <a:off x="331439" y="1857363"/>
+            <a:ext cx="8598280" cy="4247313"/>
           </a:xfrm>
           <a:prstGeom prst="rect">
             <a:avLst/>
@@ -9904,7 +9881,1607 @@
           </a:ln>
           <a:extLst>
             <a:ext uri="{C572A759-6A51-4108-AA02-DFA0A04FC94B}">
-              <ma14:wrappingTextBoxFlag xmlns:ma14="http://schemas.microsoft.com/office/mac/drawingml/2011/main" val="1"/>
+              <ma14:wrappingTextBoxFlag xmlns:ma14="http://schemas.microsoft.com/office/mac/drawingml/2011/main" xmlns:a14="http://schemas.microsoft.com/office/drawing/2010/main" xmlns:m="http://schemas.openxmlformats.org/officeDocument/2006/math" xmlns="" val="1"/>
+            </a:ext>
+          </a:extLst>
+        </p:spPr>
+        <p:txBody>
+          <a:bodyPr lIns="45718" tIns="45718" rIns="45718" bIns="45718">
+            <a:spAutoFit/>
+          </a:bodyPr>
+          <a:lstStyle/>
+          <a:p>
+            <a:pPr>
+              <a:defRPr sz="3000">
+                <a:latin typeface="+mj-lt"/>
+                <a:ea typeface="+mj-ea"/>
+                <a:cs typeface="+mj-cs"/>
+                <a:sym typeface="Corbel"/>
+              </a:defRPr>
+            </a:pPr>
+            <a:r>
+              <a:rPr dirty="0"/>
+              <a:t>1. Initialization and Presentation of the dataset</a:t>
+            </a:r>
+          </a:p>
+          <a:p>
+            <a:pPr>
+              <a:defRPr sz="3000">
+                <a:latin typeface="+mj-lt"/>
+                <a:ea typeface="+mj-ea"/>
+                <a:cs typeface="+mj-cs"/>
+                <a:sym typeface="Corbel"/>
+              </a:defRPr>
+            </a:pPr>
+            <a:r>
+              <a:rPr dirty="0"/>
+              <a:t>2. Data Exploration</a:t>
+            </a:r>
+          </a:p>
+          <a:p>
+            <a:pPr>
+              <a:defRPr sz="3000">
+                <a:latin typeface="+mj-lt"/>
+                <a:ea typeface="+mj-ea"/>
+                <a:cs typeface="+mj-cs"/>
+                <a:sym typeface="Corbel"/>
+              </a:defRPr>
+            </a:pPr>
+            <a:r>
+              <a:rPr dirty="0"/>
+              <a:t>3. Modify and work on the dataset</a:t>
+            </a:r>
+          </a:p>
+          <a:p>
+            <a:pPr>
+              <a:defRPr sz="3000">
+                <a:latin typeface="+mj-lt"/>
+                <a:ea typeface="+mj-ea"/>
+                <a:cs typeface="+mj-cs"/>
+                <a:sym typeface="Corbel"/>
+              </a:defRPr>
+            </a:pPr>
+            <a:r>
+              <a:rPr dirty="0"/>
+              <a:t>4. Prediction with </a:t>
+            </a:r>
+            <a:r>
+              <a:rPr i="1" dirty="0"/>
+              <a:t>Logistic Regression</a:t>
+            </a:r>
+          </a:p>
+          <a:p>
+            <a:pPr>
+              <a:defRPr sz="3000" i="1">
+                <a:latin typeface="+mj-lt"/>
+                <a:ea typeface="+mj-ea"/>
+                <a:cs typeface="+mj-cs"/>
+                <a:sym typeface="Corbel"/>
+              </a:defRPr>
+            </a:pPr>
+            <a:r>
+              <a:rPr dirty="0"/>
+              <a:t>5. </a:t>
+            </a:r>
+            <a:r>
+              <a:rPr i="0" dirty="0"/>
+              <a:t>Prediction with</a:t>
+            </a:r>
+            <a:r>
+              <a:rPr dirty="0"/>
+              <a:t> K-Nearest Neighbor</a:t>
+            </a:r>
+            <a:r>
+              <a:rPr lang="en-US" dirty="0"/>
+              <a:t>s</a:t>
+            </a:r>
+            <a:endParaRPr dirty="0"/>
+          </a:p>
+          <a:p>
+            <a:pPr>
+              <a:defRPr sz="3000" i="1">
+                <a:latin typeface="+mj-lt"/>
+                <a:ea typeface="+mj-ea"/>
+                <a:cs typeface="+mj-cs"/>
+                <a:sym typeface="Corbel"/>
+              </a:defRPr>
+            </a:pPr>
+            <a:r>
+              <a:rPr dirty="0"/>
+              <a:t>6. </a:t>
+            </a:r>
+            <a:r>
+              <a:rPr i="0" dirty="0"/>
+              <a:t>Prediction with</a:t>
+            </a:r>
+            <a:r>
+              <a:rPr dirty="0"/>
+              <a:t> Suppor</a:t>
+            </a:r>
+            <a:r>
+              <a:rPr lang="en-US" dirty="0"/>
+              <a:t>t</a:t>
+            </a:r>
+            <a:r>
+              <a:rPr dirty="0"/>
+              <a:t> Vector Machine</a:t>
+            </a:r>
+          </a:p>
+          <a:p>
+            <a:pPr>
+              <a:defRPr sz="3000" i="1">
+                <a:latin typeface="+mj-lt"/>
+                <a:ea typeface="+mj-ea"/>
+                <a:cs typeface="+mj-cs"/>
+                <a:sym typeface="Corbel"/>
+              </a:defRPr>
+            </a:pPr>
+            <a:r>
+              <a:rPr dirty="0"/>
+              <a:t>7. </a:t>
+            </a:r>
+            <a:r>
+              <a:rPr i="0" dirty="0"/>
+              <a:t>Prediction with</a:t>
+            </a:r>
+            <a:r>
+              <a:rPr dirty="0"/>
+              <a:t>  Neural Networks</a:t>
+            </a:r>
+            <a:endParaRPr lang="en-US" dirty="0"/>
+          </a:p>
+          <a:p>
+            <a:pPr>
+              <a:defRPr sz="3000" i="1">
+                <a:latin typeface="+mj-lt"/>
+                <a:ea typeface="+mj-ea"/>
+                <a:cs typeface="+mj-cs"/>
+                <a:sym typeface="Corbel"/>
+              </a:defRPr>
+            </a:pPr>
+            <a:r>
+              <a:rPr lang="en-GB" dirty="0"/>
+              <a:t>8. Prediction with Decision Trees</a:t>
+            </a:r>
+          </a:p>
+          <a:p>
+            <a:pPr>
+              <a:defRPr sz="3000" i="1">
+                <a:latin typeface="+mj-lt"/>
+                <a:ea typeface="+mj-ea"/>
+                <a:cs typeface="+mj-cs"/>
+                <a:sym typeface="Corbel"/>
+              </a:defRPr>
+            </a:pPr>
+            <a:r>
+              <a:rPr lang="en-GB" dirty="0"/>
+              <a:t>9. Prediction with Random Forests</a:t>
+            </a:r>
+            <a:endParaRPr dirty="0"/>
+          </a:p>
+        </p:txBody>
+      </p:sp>
+    </p:spTree>
+  </p:cSld>
+  <p:clrMapOvr>
+    <a:masterClrMapping/>
+  </p:clrMapOvr>
+  <p:transition spd="med"/>
+</p:sld>
+</file>
+
+<file path=ppt/slides/slide30.xml><?xml version="1.0" encoding="utf-8"?>
+<p:sld xmlns:a="http://schemas.openxmlformats.org/drawingml/2006/main" xmlns:r="http://schemas.openxmlformats.org/officeDocument/2006/relationships" xmlns:p="http://schemas.openxmlformats.org/presentationml/2006/main">
+  <p:cSld>
+    <p:spTree>
+      <p:nvGrpSpPr>
+        <p:cNvPr id="1" name=""/>
+        <p:cNvGrpSpPr/>
+        <p:nvPr/>
+      </p:nvGrpSpPr>
+      <p:grpSpPr>
+        <a:xfrm>
+          <a:off x="0" y="0"/>
+          <a:ext cx="0" cy="0"/>
+          <a:chOff x="0" y="0"/>
+          <a:chExt cx="0" cy="0"/>
+        </a:xfrm>
+      </p:grpSpPr>
+      <p:sp>
+        <p:nvSpPr>
+          <p:cNvPr id="2" name="Title 1">
+            <a:extLst>
+              <a:ext uri="{FF2B5EF4-FFF2-40B4-BE49-F238E27FC236}">
+                <a16:creationId xmlns:a16="http://schemas.microsoft.com/office/drawing/2014/main" id="{8E32B997-C19E-4453-A7E5-A4B6BBA5408F}"/>
+              </a:ext>
+            </a:extLst>
+          </p:cNvPr>
+          <p:cNvSpPr>
+            <a:spLocks noGrp="1"/>
+          </p:cNvSpPr>
+          <p:nvPr>
+            <p:ph type="title"/>
+          </p:nvPr>
+        </p:nvSpPr>
+        <p:spPr/>
+        <p:txBody>
+          <a:bodyPr/>
+          <a:lstStyle/>
+          <a:p>
+            <a:r>
+              <a:rPr lang="en-US" dirty="0"/>
+              <a:t>Prediction with Decision Trees</a:t>
+            </a:r>
+          </a:p>
+        </p:txBody>
+      </p:sp>
+      <p:sp>
+        <p:nvSpPr>
+          <p:cNvPr id="3" name="Text Placeholder 2">
+            <a:extLst>
+              <a:ext uri="{FF2B5EF4-FFF2-40B4-BE49-F238E27FC236}">
+                <a16:creationId xmlns:a16="http://schemas.microsoft.com/office/drawing/2014/main" id="{5F196799-CFEB-4A50-BCB6-D49CE16F78A2}"/>
+              </a:ext>
+            </a:extLst>
+          </p:cNvPr>
+          <p:cNvSpPr>
+            <a:spLocks noGrp="1"/>
+          </p:cNvSpPr>
+          <p:nvPr>
+            <p:ph type="body" sz="quarter" idx="1"/>
+          </p:nvPr>
+        </p:nvSpPr>
+        <p:spPr/>
+        <p:txBody>
+          <a:bodyPr>
+            <a:normAutofit/>
+          </a:bodyPr>
+          <a:lstStyle/>
+          <a:p>
+            <a:pPr marL="118872" indent="0">
+              <a:buNone/>
+            </a:pPr>
+            <a:r>
+              <a:rPr lang="en-US" dirty="0"/>
+              <a:t>The curve to the right represents the ROC of our model.</a:t>
+            </a:r>
+          </a:p>
+          <a:p>
+            <a:pPr marL="118872" indent="0">
+              <a:buNone/>
+            </a:pPr>
+            <a:r>
+              <a:rPr lang="en-US" dirty="0"/>
+              <a:t>The Area Under Curve is: </a:t>
+            </a:r>
+            <a:r>
+              <a:rPr lang="it-IT" sz="1400" i="1" dirty="0">
+                <a:solidFill>
+                  <a:srgbClr val="0070C0"/>
+                </a:solidFill>
+              </a:rPr>
+              <a:t>0.6844</a:t>
+            </a:r>
+            <a:endParaRPr lang="it-IT" i="1" dirty="0">
+              <a:solidFill>
+                <a:srgbClr val="0070C0"/>
+              </a:solidFill>
+            </a:endParaRPr>
+          </a:p>
+          <a:p>
+            <a:pPr marL="118872" indent="0">
+              <a:buNone/>
+            </a:pPr>
+            <a:endParaRPr lang="it-IT" sz="1400" i="1" dirty="0">
+              <a:solidFill>
+                <a:srgbClr val="0070C0"/>
+              </a:solidFill>
+            </a:endParaRPr>
+          </a:p>
+          <a:p>
+            <a:pPr marL="118872"/>
+            <a:r>
+              <a:rPr lang="en-US" b="1" dirty="0"/>
+              <a:t>Accuracy: </a:t>
+            </a:r>
+          </a:p>
+          <a:p>
+            <a:pPr marL="118872"/>
+            <a:r>
+              <a:rPr lang="en-US" dirty="0"/>
+              <a:t>The overall predicted accuracy of the model is: </a:t>
+            </a:r>
+            <a:r>
+              <a:rPr lang="it-IT" i="1" dirty="0">
+                <a:solidFill>
+                  <a:srgbClr val="0070C0"/>
+                </a:solidFill>
+              </a:rPr>
+              <a:t>64.19</a:t>
+            </a:r>
+            <a:r>
+              <a:rPr lang="it-IT" sz="1400" i="1" dirty="0">
+                <a:solidFill>
+                  <a:srgbClr val="0070C0"/>
+                </a:solidFill>
+              </a:rPr>
+              <a:t>%</a:t>
+            </a:r>
+            <a:r>
+              <a:rPr lang="it-IT" sz="900" dirty="0"/>
+              <a:t> </a:t>
+            </a:r>
+            <a:endParaRPr lang="en-US" dirty="0"/>
+          </a:p>
+        </p:txBody>
+      </p:sp>
+      <p:sp>
+        <p:nvSpPr>
+          <p:cNvPr id="13" name="TextBox 12">
+            <a:extLst>
+              <a:ext uri="{FF2B5EF4-FFF2-40B4-BE49-F238E27FC236}">
+                <a16:creationId xmlns:a16="http://schemas.microsoft.com/office/drawing/2014/main" id="{2C075A86-2F35-4321-9810-BA383840A61C}"/>
+              </a:ext>
+            </a:extLst>
+          </p:cNvPr>
+          <p:cNvSpPr txBox="1"/>
+          <p:nvPr/>
+        </p:nvSpPr>
+        <p:spPr>
+          <a:xfrm>
+            <a:off x="3006969" y="459988"/>
+            <a:ext cx="5972439" cy="369328"/>
+          </a:xfrm>
+          <a:prstGeom prst="rect">
+            <a:avLst/>
+          </a:prstGeom>
+          <a:noFill/>
+          <a:ln w="12700" cap="flat">
+            <a:noFill/>
+            <a:miter lim="400000"/>
+          </a:ln>
+          <a:effectLst/>
+          <a:sp3d/>
+        </p:spPr>
+        <p:style>
+          <a:lnRef idx="0">
+            <a:scrgbClr r="0" g="0" b="0"/>
+          </a:lnRef>
+          <a:fillRef idx="0">
+            <a:scrgbClr r="0" g="0" b="0"/>
+          </a:fillRef>
+          <a:effectRef idx="0">
+            <a:scrgbClr r="0" g="0" b="0"/>
+          </a:effectRef>
+          <a:fontRef idx="none"/>
+        </p:style>
+        <p:txBody>
+          <a:bodyPr rot="0" spcFirstLastPara="1" vertOverflow="overflow" horzOverflow="overflow" vert="horz" wrap="square" lIns="45718" tIns="45718" rIns="45718" bIns="45718" numCol="1" spcCol="38100" rtlCol="0" anchor="t">
+            <a:spAutoFit/>
+          </a:bodyPr>
+          <a:lstStyle/>
+          <a:p>
+            <a:pPr marL="0" marR="0" indent="0" algn="l" defTabSz="914400" rtl="0" fontAlgn="auto" latinLnBrk="0" hangingPunct="0">
+              <a:lnSpc>
+                <a:spcPct val="100000"/>
+              </a:lnSpc>
+              <a:spcBef>
+                <a:spcPts val="0"/>
+              </a:spcBef>
+              <a:spcAft>
+                <a:spcPts val="0"/>
+              </a:spcAft>
+              <a:buClrTx/>
+              <a:buSzTx/>
+              <a:buFontTx/>
+              <a:buNone/>
+              <a:tabLst/>
+            </a:pPr>
+            <a:r>
+              <a:rPr lang="en-US" dirty="0">
+                <a:solidFill>
+                  <a:schemeClr val="bg1"/>
+                </a:solidFill>
+              </a:rPr>
+              <a:t>ROC, AUC and Accuracy</a:t>
+            </a:r>
+          </a:p>
+        </p:txBody>
+      </p:sp>
+      <p:pic>
+        <p:nvPicPr>
+          <p:cNvPr id="12" name="Picture Placeholder 11" descr="Chart, line chart&#10;&#10;Description automatically generated">
+            <a:extLst>
+              <a:ext uri="{FF2B5EF4-FFF2-40B4-BE49-F238E27FC236}">
+                <a16:creationId xmlns:a16="http://schemas.microsoft.com/office/drawing/2014/main" id="{E0A4ED35-7BDC-4C90-B4B4-AA06823F67AA}"/>
+              </a:ext>
+            </a:extLst>
+          </p:cNvPr>
+          <p:cNvPicPr>
+            <a:picLocks noGrp="1" noChangeAspect="1"/>
+          </p:cNvPicPr>
+          <p:nvPr>
+            <p:ph type="pic" idx="13"/>
+          </p:nvPr>
+        </p:nvPicPr>
+        <p:blipFill>
+          <a:blip r:embed="rId2">
+            <a:extLst>
+              <a:ext uri="{28A0092B-C50C-407E-A947-70E740481C1C}">
+                <a14:useLocalDpi xmlns:a14="http://schemas.microsoft.com/office/drawing/2010/main" val="0"/>
+              </a:ext>
+            </a:extLst>
+          </a:blip>
+          <a:stretch>
+            <a:fillRect/>
+          </a:stretch>
+        </p:blipFill>
+        <p:spPr>
+          <a:xfrm>
+            <a:off x="3249363" y="2185000"/>
+            <a:ext cx="5487650" cy="3658433"/>
+          </a:xfrm>
+        </p:spPr>
+      </p:pic>
+    </p:spTree>
+    <p:extLst>
+      <p:ext uri="{BB962C8B-B14F-4D97-AF65-F5344CB8AC3E}">
+        <p14:creationId xmlns:p14="http://schemas.microsoft.com/office/powerpoint/2010/main" val="1627137263"/>
+      </p:ext>
+    </p:extLst>
+  </p:cSld>
+  <p:clrMapOvr>
+    <a:masterClrMapping/>
+  </p:clrMapOvr>
+  <p:transition spd="med"/>
+</p:sld>
+</file>
+
+<file path=ppt/slides/slide31.xml><?xml version="1.0" encoding="utf-8"?>
+<p:sld xmlns:a="http://schemas.openxmlformats.org/drawingml/2006/main" xmlns:r="http://schemas.openxmlformats.org/officeDocument/2006/relationships" xmlns:p="http://schemas.openxmlformats.org/presentationml/2006/main">
+  <p:cSld>
+    <p:spTree>
+      <p:nvGrpSpPr>
+        <p:cNvPr id="1" name=""/>
+        <p:cNvGrpSpPr/>
+        <p:nvPr/>
+      </p:nvGrpSpPr>
+      <p:grpSpPr>
+        <a:xfrm>
+          <a:off x="0" y="0"/>
+          <a:ext cx="0" cy="0"/>
+          <a:chOff x="0" y="0"/>
+          <a:chExt cx="0" cy="0"/>
+        </a:xfrm>
+      </p:grpSpPr>
+      <p:sp>
+        <p:nvSpPr>
+          <p:cNvPr id="5" name="Title 4">
+            <a:extLst>
+              <a:ext uri="{FF2B5EF4-FFF2-40B4-BE49-F238E27FC236}">
+                <a16:creationId xmlns:a16="http://schemas.microsoft.com/office/drawing/2014/main" id="{D221E7F8-CC80-4F26-A3B0-6485BFA02730}"/>
+              </a:ext>
+            </a:extLst>
+          </p:cNvPr>
+          <p:cNvSpPr>
+            <a:spLocks noGrp="1"/>
+          </p:cNvSpPr>
+          <p:nvPr>
+            <p:ph type="title"/>
+          </p:nvPr>
+        </p:nvSpPr>
+        <p:spPr/>
+        <p:txBody>
+          <a:bodyPr/>
+          <a:lstStyle/>
+          <a:p>
+            <a:r>
+              <a:rPr lang="en-US" dirty="0"/>
+              <a:t>Model ROC Comparison</a:t>
+            </a:r>
+          </a:p>
+        </p:txBody>
+      </p:sp>
+      <p:sp>
+        <p:nvSpPr>
+          <p:cNvPr id="6" name="Text Placeholder 5">
+            <a:extLst>
+              <a:ext uri="{FF2B5EF4-FFF2-40B4-BE49-F238E27FC236}">
+                <a16:creationId xmlns:a16="http://schemas.microsoft.com/office/drawing/2014/main" id="{0DCA5818-3D2B-416B-92EB-2FE37C23B378}"/>
+              </a:ext>
+            </a:extLst>
+          </p:cNvPr>
+          <p:cNvSpPr>
+            <a:spLocks noGrp="1"/>
+          </p:cNvSpPr>
+          <p:nvPr>
+            <p:ph type="body" idx="1"/>
+          </p:nvPr>
+        </p:nvSpPr>
+        <p:spPr/>
+        <p:txBody>
+          <a:bodyPr/>
+          <a:lstStyle/>
+          <a:p>
+            <a:pPr marL="118872" indent="0">
+              <a:buNone/>
+            </a:pPr>
+            <a:endParaRPr lang="en-US" dirty="0"/>
+          </a:p>
+        </p:txBody>
+      </p:sp>
+      <p:pic>
+        <p:nvPicPr>
+          <p:cNvPr id="8" name="Picture 7" descr="Chart, line chart, scatter chart&#10;&#10;Description automatically generated">
+            <a:extLst>
+              <a:ext uri="{FF2B5EF4-FFF2-40B4-BE49-F238E27FC236}">
+                <a16:creationId xmlns:a16="http://schemas.microsoft.com/office/drawing/2014/main" id="{01A14D16-A7D2-4CDE-B063-C3B98474AA66}"/>
+              </a:ext>
+            </a:extLst>
+          </p:cNvPr>
+          <p:cNvPicPr>
+            <a:picLocks noChangeAspect="1"/>
+          </p:cNvPicPr>
+          <p:nvPr/>
+        </p:nvPicPr>
+        <p:blipFill>
+          <a:blip r:embed="rId2">
+            <a:extLst>
+              <a:ext uri="{28A0092B-C50C-407E-A947-70E740481C1C}">
+                <a14:useLocalDpi xmlns:a14="http://schemas.microsoft.com/office/drawing/2010/main" val="0"/>
+              </a:ext>
+            </a:extLst>
+          </a:blip>
+          <a:stretch>
+            <a:fillRect/>
+          </a:stretch>
+        </p:blipFill>
+        <p:spPr>
+          <a:xfrm>
+            <a:off x="0" y="1517486"/>
+            <a:ext cx="9144000" cy="5141019"/>
+          </a:xfrm>
+          <a:prstGeom prst="rect">
+            <a:avLst/>
+          </a:prstGeom>
+        </p:spPr>
+      </p:pic>
+    </p:spTree>
+    <p:extLst>
+      <p:ext uri="{BB962C8B-B14F-4D97-AF65-F5344CB8AC3E}">
+        <p14:creationId xmlns:p14="http://schemas.microsoft.com/office/powerpoint/2010/main" val="3782364246"/>
+      </p:ext>
+    </p:extLst>
+  </p:cSld>
+  <p:clrMapOvr>
+    <a:masterClrMapping/>
+  </p:clrMapOvr>
+  <p:transition spd="med"/>
+</p:sld>
+</file>
+
+<file path=ppt/slides/slide4.xml><?xml version="1.0" encoding="utf-8"?>
+<p:sld xmlns:a="http://schemas.openxmlformats.org/drawingml/2006/main" xmlns:r="http://schemas.openxmlformats.org/officeDocument/2006/relationships" xmlns:p="http://schemas.openxmlformats.org/presentationml/2006/main">
+  <p:cSld>
+    <p:spTree>
+      <p:nvGrpSpPr>
+        <p:cNvPr id="1" name=""/>
+        <p:cNvGrpSpPr/>
+        <p:nvPr/>
+      </p:nvGrpSpPr>
+      <p:grpSpPr>
+        <a:xfrm>
+          <a:off x="0" y="0"/>
+          <a:ext cx="0" cy="0"/>
+          <a:chOff x="0" y="0"/>
+          <a:chExt cx="0" cy="0"/>
+        </a:xfrm>
+      </p:grpSpPr>
+      <p:sp>
+        <p:nvSpPr>
+          <p:cNvPr id="114" name="Titolo 9"/>
+          <p:cNvSpPr txBox="1">
+            <a:spLocks noGrp="1"/>
+          </p:cNvSpPr>
+          <p:nvPr>
+            <p:ph type="title"/>
+          </p:nvPr>
+        </p:nvSpPr>
+        <p:spPr>
+          <a:xfrm>
+            <a:off x="1357290" y="-428654"/>
+            <a:ext cx="7686700" cy="2428895"/>
+          </a:xfrm>
+          <a:prstGeom prst="rect">
+            <a:avLst/>
+          </a:prstGeom>
+        </p:spPr>
+        <p:txBody>
+          <a:bodyPr/>
+          <a:lstStyle/>
+          <a:p>
+            <a:pPr algn="r">
+              <a:defRPr sz="3600" b="1">
+                <a:solidFill>
+                  <a:srgbClr val="FFFFFF"/>
+                </a:solidFill>
+                <a:latin typeface="Bahnschrift Condensed"/>
+                <a:ea typeface="Bahnschrift Condensed"/>
+                <a:cs typeface="Bahnschrift Condensed"/>
+                <a:sym typeface="Bahnschrift Condensed"/>
+              </a:defRPr>
+            </a:pPr>
+            <a:r>
+              <a:t>Initialization </a:t>
+            </a:r>
+            <a:r>
+              <a:rPr sz="2400"/>
+              <a:t>and</a:t>
+            </a:r>
+            <a:r>
+              <a:t> </a:t>
+            </a:r>
+            <a:br/>
+            <a:r>
+              <a:t>Presentation of the dataset</a:t>
+            </a:r>
+          </a:p>
+        </p:txBody>
+      </p:sp>
+      <p:sp>
+        <p:nvSpPr>
+          <p:cNvPr id="115" name="Segnaposto contenuto 10"/>
+          <p:cNvSpPr txBox="1">
+            <a:spLocks noGrp="1"/>
+          </p:cNvSpPr>
+          <p:nvPr>
+            <p:ph type="body" idx="1"/>
+          </p:nvPr>
+        </p:nvSpPr>
+        <p:spPr>
+          <a:xfrm>
+            <a:off x="214282" y="2000238"/>
+            <a:ext cx="8229601" cy="4625613"/>
+          </a:xfrm>
+          <a:prstGeom prst="rect">
+            <a:avLst/>
+          </a:prstGeom>
+        </p:spPr>
+        <p:txBody>
+          <a:bodyPr/>
+          <a:lstStyle/>
+          <a:p>
+            <a:pPr marL="640080" indent="-960120">
+              <a:buSzTx/>
+              <a:buNone/>
+              <a:defRPr sz="2600"/>
+            </a:pPr>
+            <a:r>
+              <a:rPr dirty="0"/>
+              <a:t>The dataset consist of an ongoing cardiovascular study on</a:t>
+            </a:r>
+            <a:r>
+              <a:rPr lang="en-US" dirty="0"/>
+              <a:t> </a:t>
+            </a:r>
+            <a:r>
+              <a:rPr dirty="0"/>
+              <a:t>residents of the town of Framingham, Massachusetts.</a:t>
+            </a:r>
+          </a:p>
+          <a:p>
+            <a:pPr marL="640080" indent="-960120">
+              <a:buSzTx/>
+              <a:buNone/>
+              <a:defRPr sz="2600"/>
+            </a:pPr>
+            <a:r>
+              <a:rPr dirty="0"/>
+              <a:t>We have a dataset consisting of 3749 rows and 16 columns.</a:t>
+            </a:r>
+          </a:p>
+          <a:p>
+            <a:pPr marL="640080" indent="-960120">
+              <a:buSzTx/>
+              <a:buNone/>
+              <a:defRPr sz="2600"/>
+            </a:pPr>
+            <a:endParaRPr dirty="0"/>
+          </a:p>
+          <a:p>
+            <a:pPr marL="640080" indent="-960120">
+              <a:buSzTx/>
+              <a:buNone/>
+              <a:defRPr sz="2600"/>
+            </a:pPr>
+            <a:r>
+              <a:rPr dirty="0"/>
+              <a:t>The shown attributes are divided in:</a:t>
+            </a:r>
+          </a:p>
+          <a:p>
+            <a:pPr marL="0">
+              <a:buChar char="-"/>
+              <a:defRPr sz="2600"/>
+            </a:pPr>
+            <a:r>
+              <a:rPr dirty="0"/>
+              <a:t>Demographic attributes</a:t>
+            </a:r>
+          </a:p>
+          <a:p>
+            <a:pPr marL="0">
+              <a:buChar char="-"/>
+              <a:defRPr sz="2600"/>
+            </a:pPr>
+            <a:r>
+              <a:rPr dirty="0"/>
+              <a:t>Behavioral attributes</a:t>
+            </a:r>
+          </a:p>
+          <a:p>
+            <a:pPr marL="0">
+              <a:buChar char="-"/>
+              <a:defRPr sz="2600"/>
+            </a:pPr>
+            <a:r>
+              <a:rPr dirty="0"/>
+              <a:t>Medical attributes (history) </a:t>
+            </a:r>
+          </a:p>
+          <a:p>
+            <a:pPr marL="0">
+              <a:buChar char="-"/>
+              <a:defRPr sz="2600"/>
+            </a:pPr>
+            <a:r>
+              <a:rPr dirty="0"/>
+              <a:t>Medical attributes (current)</a:t>
+            </a:r>
+          </a:p>
+          <a:p>
+            <a:pPr marL="0">
+              <a:buChar char="-"/>
+              <a:defRPr sz="2600"/>
+            </a:pPr>
+            <a:r>
+              <a:rPr dirty="0"/>
+              <a:t>Predict variable (desired target)</a:t>
+            </a:r>
+          </a:p>
+        </p:txBody>
+      </p:sp>
+    </p:spTree>
+  </p:cSld>
+  <p:clrMapOvr>
+    <a:masterClrMapping/>
+  </p:clrMapOvr>
+  <p:transition spd="med"/>
+</p:sld>
+</file>
+
+<file path=ppt/slides/slide5.xml><?xml version="1.0" encoding="utf-8"?>
+<p:sld xmlns:a="http://schemas.openxmlformats.org/drawingml/2006/main" xmlns:r="http://schemas.openxmlformats.org/officeDocument/2006/relationships" xmlns:p="http://schemas.openxmlformats.org/presentationml/2006/main">
+  <p:cSld>
+    <p:spTree>
+      <p:nvGrpSpPr>
+        <p:cNvPr id="1" name=""/>
+        <p:cNvGrpSpPr/>
+        <p:nvPr/>
+      </p:nvGrpSpPr>
+      <p:grpSpPr>
+        <a:xfrm>
+          <a:off x="0" y="0"/>
+          <a:ext cx="0" cy="0"/>
+          <a:chOff x="0" y="0"/>
+          <a:chExt cx="0" cy="0"/>
+        </a:xfrm>
+      </p:grpSpPr>
+      <p:sp>
+        <p:nvSpPr>
+          <p:cNvPr id="117" name="Titolo 9"/>
+          <p:cNvSpPr txBox="1">
+            <a:spLocks noGrp="1"/>
+          </p:cNvSpPr>
+          <p:nvPr>
+            <p:ph type="title"/>
+          </p:nvPr>
+        </p:nvSpPr>
+        <p:spPr>
+          <a:xfrm>
+            <a:off x="1357290" y="-428654"/>
+            <a:ext cx="7686700" cy="2428895"/>
+          </a:xfrm>
+          <a:prstGeom prst="rect">
+            <a:avLst/>
+          </a:prstGeom>
+        </p:spPr>
+        <p:txBody>
+          <a:bodyPr/>
+          <a:lstStyle/>
+          <a:p>
+            <a:pPr algn="r">
+              <a:defRPr sz="3600" b="1">
+                <a:solidFill>
+                  <a:srgbClr val="FFFFFF"/>
+                </a:solidFill>
+                <a:latin typeface="Bahnschrift Condensed"/>
+                <a:ea typeface="Bahnschrift Condensed"/>
+                <a:cs typeface="Bahnschrift Condensed"/>
+                <a:sym typeface="Bahnschrift Condensed"/>
+              </a:defRPr>
+            </a:pPr>
+            <a:r>
+              <a:t>Initialization </a:t>
+            </a:r>
+            <a:r>
+              <a:rPr sz="2400"/>
+              <a:t>and</a:t>
+            </a:r>
+            <a:r>
+              <a:t> </a:t>
+            </a:r>
+            <a:br/>
+            <a:r>
+              <a:t>Presentation of the dataset</a:t>
+            </a:r>
+          </a:p>
+        </p:txBody>
+      </p:sp>
+      <p:pic>
+        <p:nvPicPr>
+          <p:cNvPr id="118" name="Picture 3" descr="Picture 3"/>
+          <p:cNvPicPr>
+            <a:picLocks noChangeAspect="1"/>
+          </p:cNvPicPr>
+          <p:nvPr/>
+        </p:nvPicPr>
+        <p:blipFill>
+          <a:blip r:embed="rId2"/>
+          <a:stretch>
+            <a:fillRect/>
+          </a:stretch>
+        </p:blipFill>
+        <p:spPr>
+          <a:xfrm>
+            <a:off x="1071537" y="1697654"/>
+            <a:ext cx="7143802" cy="5160346"/>
+          </a:xfrm>
+          <a:prstGeom prst="rect">
+            <a:avLst/>
+          </a:prstGeom>
+          <a:ln w="12700">
+            <a:miter lim="400000"/>
+          </a:ln>
+        </p:spPr>
+      </p:pic>
+    </p:spTree>
+  </p:cSld>
+  <p:clrMapOvr>
+    <a:masterClrMapping/>
+  </p:clrMapOvr>
+  <p:transition spd="med"/>
+</p:sld>
+</file>
+
+<file path=ppt/slides/slide6.xml><?xml version="1.0" encoding="utf-8"?>
+<p:sld xmlns:a="http://schemas.openxmlformats.org/drawingml/2006/main" xmlns:r="http://schemas.openxmlformats.org/officeDocument/2006/relationships" xmlns:p="http://schemas.openxmlformats.org/presentationml/2006/main">
+  <p:cSld>
+    <p:spTree>
+      <p:nvGrpSpPr>
+        <p:cNvPr id="1" name=""/>
+        <p:cNvGrpSpPr/>
+        <p:nvPr/>
+      </p:nvGrpSpPr>
+      <p:grpSpPr>
+        <a:xfrm>
+          <a:off x="0" y="0"/>
+          <a:ext cx="0" cy="0"/>
+          <a:chOff x="0" y="0"/>
+          <a:chExt cx="0" cy="0"/>
+        </a:xfrm>
+      </p:grpSpPr>
+      <p:sp>
+        <p:nvSpPr>
+          <p:cNvPr id="120" name="Titolo 9"/>
+          <p:cNvSpPr txBox="1">
+            <a:spLocks noGrp="1"/>
+          </p:cNvSpPr>
+          <p:nvPr>
+            <p:ph type="title"/>
+          </p:nvPr>
+        </p:nvSpPr>
+        <p:spPr>
+          <a:xfrm>
+            <a:off x="1357290" y="-428654"/>
+            <a:ext cx="7686700" cy="2428895"/>
+          </a:xfrm>
+          <a:prstGeom prst="rect">
+            <a:avLst/>
+          </a:prstGeom>
+        </p:spPr>
+        <p:txBody>
+          <a:bodyPr/>
+          <a:lstStyle/>
+          <a:p>
+            <a:pPr algn="r">
+              <a:defRPr sz="3600" b="1">
+                <a:solidFill>
+                  <a:srgbClr val="FFFFFF"/>
+                </a:solidFill>
+                <a:latin typeface="Bahnschrift Condensed"/>
+                <a:ea typeface="Bahnschrift Condensed"/>
+                <a:cs typeface="Bahnschrift Condensed"/>
+                <a:sym typeface="Bahnschrift Condensed"/>
+              </a:defRPr>
+            </a:pPr>
+            <a:r>
+              <a:t>Initialization </a:t>
+            </a:r>
+            <a:r>
+              <a:rPr sz="2400"/>
+              <a:t>and</a:t>
+            </a:r>
+            <a:r>
+              <a:t> </a:t>
+            </a:r>
+            <a:br/>
+            <a:r>
+              <a:t>Presentation of the dataset</a:t>
+            </a:r>
+          </a:p>
+        </p:txBody>
+      </p:sp>
+      <p:pic>
+        <p:nvPicPr>
+          <p:cNvPr id="121" name="Picture 2" descr="Picture 2"/>
+          <p:cNvPicPr>
+            <a:picLocks noChangeAspect="1"/>
+          </p:cNvPicPr>
+          <p:nvPr/>
+        </p:nvPicPr>
+        <p:blipFill>
+          <a:blip r:embed="rId2"/>
+          <a:stretch>
+            <a:fillRect/>
+          </a:stretch>
+        </p:blipFill>
+        <p:spPr>
+          <a:xfrm>
+            <a:off x="357157" y="1574051"/>
+            <a:ext cx="3929092" cy="5283949"/>
+          </a:xfrm>
+          <a:prstGeom prst="rect">
+            <a:avLst/>
+          </a:prstGeom>
+          <a:ln w="12700">
+            <a:miter lim="400000"/>
+          </a:ln>
+        </p:spPr>
+      </p:pic>
+      <p:pic>
+        <p:nvPicPr>
+          <p:cNvPr id="122" name="Picture 3" descr="Picture 3"/>
+          <p:cNvPicPr>
+            <a:picLocks noChangeAspect="1"/>
+          </p:cNvPicPr>
+          <p:nvPr/>
+        </p:nvPicPr>
+        <p:blipFill>
+          <a:blip r:embed="rId3"/>
+          <a:stretch>
+            <a:fillRect/>
+          </a:stretch>
+        </p:blipFill>
+        <p:spPr>
+          <a:xfrm>
+            <a:off x="4357654" y="3571876"/>
+            <a:ext cx="4786346" cy="1090767"/>
+          </a:xfrm>
+          <a:prstGeom prst="rect">
+            <a:avLst/>
+          </a:prstGeom>
+          <a:ln w="12700">
+            <a:miter lim="400000"/>
+          </a:ln>
+        </p:spPr>
+      </p:pic>
+    </p:spTree>
+  </p:cSld>
+  <p:clrMapOvr>
+    <a:masterClrMapping/>
+  </p:clrMapOvr>
+  <p:transition spd="med"/>
+</p:sld>
+</file>
+
+<file path=ppt/slides/slide7.xml><?xml version="1.0" encoding="utf-8"?>
+<p:sld xmlns:a="http://schemas.openxmlformats.org/drawingml/2006/main" xmlns:r="http://schemas.openxmlformats.org/officeDocument/2006/relationships" xmlns:p="http://schemas.openxmlformats.org/presentationml/2006/main">
+  <p:cSld>
+    <p:spTree>
+      <p:nvGrpSpPr>
+        <p:cNvPr id="1" name=""/>
+        <p:cNvGrpSpPr/>
+        <p:nvPr/>
+      </p:nvGrpSpPr>
+      <p:grpSpPr>
+        <a:xfrm>
+          <a:off x="0" y="0"/>
+          <a:ext cx="0" cy="0"/>
+          <a:chOff x="0" y="0"/>
+          <a:chExt cx="0" cy="0"/>
+        </a:xfrm>
+      </p:grpSpPr>
+      <p:sp>
+        <p:nvSpPr>
+          <p:cNvPr id="124" name="Titolo 9"/>
+          <p:cNvSpPr txBox="1">
+            <a:spLocks noGrp="1"/>
+          </p:cNvSpPr>
+          <p:nvPr>
+            <p:ph type="title"/>
+          </p:nvPr>
+        </p:nvSpPr>
+        <p:spPr>
+          <a:xfrm>
+            <a:off x="1357290" y="-428654"/>
+            <a:ext cx="7686700" cy="2428895"/>
+          </a:xfrm>
+          <a:prstGeom prst="rect">
+            <a:avLst/>
+          </a:prstGeom>
+        </p:spPr>
+        <p:txBody>
+          <a:bodyPr/>
+          <a:lstStyle>
+            <a:lvl1pPr algn="r">
+              <a:defRPr sz="4000" b="1">
+                <a:solidFill>
+                  <a:srgbClr val="FFFFFF"/>
+                </a:solidFill>
+                <a:latin typeface="Bahnschrift Condensed"/>
+                <a:ea typeface="Bahnschrift Condensed"/>
+                <a:cs typeface="Bahnschrift Condensed"/>
+                <a:sym typeface="Bahnschrift Condensed"/>
+              </a:defRPr>
+            </a:lvl1pPr>
+          </a:lstStyle>
+          <a:p>
+            <a:r>
+              <a:t>Data Exploration</a:t>
+            </a:r>
+          </a:p>
+        </p:txBody>
+      </p:sp>
+      <p:sp>
+        <p:nvSpPr>
+          <p:cNvPr id="125" name="CasellaDiTesto 5"/>
+          <p:cNvSpPr txBox="1"/>
+          <p:nvPr/>
+        </p:nvSpPr>
+        <p:spPr>
+          <a:xfrm>
+            <a:off x="-1" y="2643182"/>
+            <a:ext cx="5143538" cy="809444"/>
+          </a:xfrm>
+          <a:prstGeom prst="rect">
+            <a:avLst/>
+          </a:prstGeom>
+          <a:ln w="12700">
+            <a:miter lim="400000"/>
+          </a:ln>
+          <a:extLst>
+            <a:ext uri="{C572A759-6A51-4108-AA02-DFA0A04FC94B}">
+              <ma14:wrappingTextBoxFlag xmlns:ma14="http://schemas.microsoft.com/office/mac/drawingml/2011/main" xmlns:a14="http://schemas.microsoft.com/office/drawing/2010/main" xmlns:m="http://schemas.openxmlformats.org/officeDocument/2006/math" xmlns="" val="1"/>
+            </a:ext>
+          </a:extLst>
+        </p:spPr>
+        <p:txBody>
+          <a:bodyPr lIns="45718" tIns="45718" rIns="45718" bIns="45718">
+            <a:spAutoFit/>
+          </a:bodyPr>
+          <a:lstStyle/>
+          <a:p>
+            <a:pPr>
+              <a:defRPr sz="1600" b="1">
+                <a:latin typeface="Helvetica Neue"/>
+                <a:ea typeface="Helvetica Neue"/>
+                <a:cs typeface="Helvetica Neue"/>
+                <a:sym typeface="Helvetica Neue"/>
+              </a:defRPr>
+            </a:pPr>
+            <a:r>
+              <a:t>1</a:t>
+            </a:r>
+            <a:r>
+              <a:rPr baseline="30000"/>
+              <a:t>st</a:t>
+            </a:r>
+            <a:r>
+              <a:t> example: SMOKERS vs NON-smokers</a:t>
+            </a:r>
+            <a:endParaRPr>
+              <a:latin typeface="+mj-lt"/>
+              <a:ea typeface="+mj-ea"/>
+              <a:cs typeface="+mj-cs"/>
+              <a:sym typeface="Corbel"/>
+            </a:endParaRPr>
+          </a:p>
+          <a:p>
+            <a:pPr>
+              <a:defRPr sz="1600" b="1">
+                <a:latin typeface="Helvetica Neue"/>
+                <a:ea typeface="Helvetica Neue"/>
+                <a:cs typeface="Helvetica Neue"/>
+                <a:sym typeface="Helvetica Neue"/>
+              </a:defRPr>
+            </a:pPr>
+            <a:endParaRPr>
+              <a:latin typeface="+mj-lt"/>
+              <a:ea typeface="+mj-ea"/>
+              <a:cs typeface="+mj-cs"/>
+              <a:sym typeface="Corbel"/>
+            </a:endParaRPr>
+          </a:p>
+        </p:txBody>
+      </p:sp>
+      <p:pic>
+        <p:nvPicPr>
+          <p:cNvPr id="126" name="Picture 2" descr="Picture 2"/>
+          <p:cNvPicPr>
+            <a:picLocks noChangeAspect="1"/>
+          </p:cNvPicPr>
+          <p:nvPr/>
+        </p:nvPicPr>
+        <p:blipFill>
+          <a:blip r:embed="rId2"/>
+          <a:stretch>
+            <a:fillRect/>
+          </a:stretch>
+        </p:blipFill>
+        <p:spPr>
+          <a:xfrm>
+            <a:off x="714348" y="3071809"/>
+            <a:ext cx="5610226" cy="590551"/>
+          </a:xfrm>
+          <a:prstGeom prst="rect">
+            <a:avLst/>
+          </a:prstGeom>
+          <a:ln w="12700">
+            <a:miter lim="400000"/>
+          </a:ln>
+        </p:spPr>
+      </p:pic>
+      <p:sp>
+        <p:nvSpPr>
+          <p:cNvPr id="127" name="Rettangolo 8"/>
+          <p:cNvSpPr txBox="1"/>
+          <p:nvPr/>
+        </p:nvSpPr>
+        <p:spPr>
+          <a:xfrm>
+            <a:off x="45720" y="4000503"/>
+            <a:ext cx="6552277" cy="326847"/>
+          </a:xfrm>
+          <a:prstGeom prst="rect">
+            <a:avLst/>
+          </a:prstGeom>
+          <a:ln w="12700">
+            <a:miter lim="400000"/>
+          </a:ln>
+          <a:extLst>
+            <a:ext uri="{C572A759-6A51-4108-AA02-DFA0A04FC94B}">
+              <ma14:wrappingTextBoxFlag xmlns:ma14="http://schemas.microsoft.com/office/mac/drawingml/2011/main" xmlns:a14="http://schemas.microsoft.com/office/drawing/2010/main" xmlns:m="http://schemas.openxmlformats.org/officeDocument/2006/math" xmlns="" val="1"/>
+            </a:ext>
+          </a:extLst>
+        </p:spPr>
+        <p:txBody>
+          <a:bodyPr lIns="45719" rIns="45719">
+            <a:spAutoFit/>
+          </a:bodyPr>
+          <a:lstStyle/>
+          <a:p>
+            <a:pPr>
+              <a:defRPr sz="1600" b="1">
+                <a:latin typeface="Helvetica Neue"/>
+                <a:ea typeface="Helvetica Neue"/>
+                <a:cs typeface="Helvetica Neue"/>
+                <a:sym typeface="Helvetica Neue"/>
+              </a:defRPr>
+            </a:pPr>
+            <a:r>
+              <a:t>2</a:t>
+            </a:r>
+            <a:r>
+              <a:rPr baseline="30000"/>
+              <a:t>nd</a:t>
+            </a:r>
+            <a:r>
+              <a:t> example: patients WITH diabetes vs withOUT diabetes</a:t>
+            </a:r>
+          </a:p>
+        </p:txBody>
+      </p:sp>
+      <p:sp>
+        <p:nvSpPr>
+          <p:cNvPr id="128" name="CasellaDiTesto 9"/>
+          <p:cNvSpPr txBox="1"/>
+          <p:nvPr/>
+        </p:nvSpPr>
+        <p:spPr>
+          <a:xfrm>
+            <a:off x="0" y="1500174"/>
+            <a:ext cx="9144000" cy="542949"/>
+          </a:xfrm>
+          <a:prstGeom prst="rect">
+            <a:avLst/>
+          </a:prstGeom>
+          <a:ln w="12700">
+            <a:miter lim="400000"/>
+          </a:ln>
+          <a:extLst>
+            <a:ext uri="{C572A759-6A51-4108-AA02-DFA0A04FC94B}">
+              <ma14:wrappingTextBoxFlag xmlns:ma14="http://schemas.microsoft.com/office/mac/drawingml/2011/main" xmlns:a14="http://schemas.microsoft.com/office/drawing/2010/main" xmlns:m="http://schemas.openxmlformats.org/officeDocument/2006/math" xmlns="" val="1"/>
+            </a:ext>
+          </a:extLst>
+        </p:spPr>
+        <p:txBody>
+          <a:bodyPr lIns="45718" tIns="45718" rIns="45718" bIns="45718">
+            <a:spAutoFit/>
+          </a:bodyPr>
+          <a:lstStyle>
+            <a:lvl1pPr>
+              <a:defRPr sz="1600">
+                <a:latin typeface="Helvetica Neue"/>
+                <a:ea typeface="Helvetica Neue"/>
+                <a:cs typeface="Helvetica Neue"/>
+                <a:sym typeface="Helvetica Neue"/>
+              </a:defRPr>
+            </a:lvl1pPr>
+          </a:lstStyle>
+          <a:p>
+            <a:r>
+              <a:t> We can quite demonstrate that , for some of the variables, our dataset is enough balanced... but for other variables the dataset is NOT balanced</a:t>
+            </a:r>
+          </a:p>
+        </p:txBody>
+      </p:sp>
+      <p:pic>
+        <p:nvPicPr>
+          <p:cNvPr id="129" name="Picture 3" descr="Picture 3"/>
+          <p:cNvPicPr>
+            <a:picLocks noChangeAspect="1"/>
+          </p:cNvPicPr>
+          <p:nvPr/>
+        </p:nvPicPr>
+        <p:blipFill>
+          <a:blip r:embed="rId3"/>
+          <a:stretch>
+            <a:fillRect/>
+          </a:stretch>
+        </p:blipFill>
+        <p:spPr>
+          <a:xfrm>
+            <a:off x="714348" y="4429131"/>
+            <a:ext cx="4972051" cy="466726"/>
+          </a:xfrm>
+          <a:prstGeom prst="rect">
+            <a:avLst/>
+          </a:prstGeom>
+          <a:ln w="12700">
+            <a:miter lim="400000"/>
+          </a:ln>
+        </p:spPr>
+      </p:pic>
+      <p:sp>
+        <p:nvSpPr>
+          <p:cNvPr id="130" name="Rettangolo 11"/>
+          <p:cNvSpPr txBox="1"/>
+          <p:nvPr/>
+        </p:nvSpPr>
+        <p:spPr>
+          <a:xfrm>
+            <a:off x="45720" y="5286388"/>
+            <a:ext cx="9552674" cy="326846"/>
+          </a:xfrm>
+          <a:prstGeom prst="rect">
+            <a:avLst/>
+          </a:prstGeom>
+          <a:ln w="12700">
+            <a:miter lim="400000"/>
+          </a:ln>
+          <a:extLst>
+            <a:ext uri="{C572A759-6A51-4108-AA02-DFA0A04FC94B}">
+              <ma14:wrappingTextBoxFlag xmlns:ma14="http://schemas.microsoft.com/office/mac/drawingml/2011/main" xmlns:a14="http://schemas.microsoft.com/office/drawing/2010/main" xmlns:m="http://schemas.openxmlformats.org/officeDocument/2006/math" xmlns="" val="1"/>
+            </a:ext>
+          </a:extLst>
+        </p:spPr>
+        <p:txBody>
+          <a:bodyPr lIns="45719" rIns="45719">
+            <a:spAutoFit/>
+          </a:bodyPr>
+          <a:lstStyle/>
+          <a:p>
+            <a:pPr>
+              <a:defRPr sz="1600" b="1">
+                <a:latin typeface="Helvetica Neue"/>
+                <a:ea typeface="Helvetica Neue"/>
+                <a:cs typeface="Helvetica Neue"/>
+                <a:sym typeface="Helvetica Neue"/>
+              </a:defRPr>
+            </a:pPr>
+            <a:r>
+              <a:t>3</a:t>
+            </a:r>
+            <a:r>
+              <a:rPr baseline="30000"/>
+              <a:t>rd</a:t>
+            </a:r>
+            <a:r>
+              <a:t> example: patients WITH or withOUT risk of coronary heart disease CHD within 10 years</a:t>
+            </a:r>
+          </a:p>
+        </p:txBody>
+      </p:sp>
+      <p:pic>
+        <p:nvPicPr>
+          <p:cNvPr id="131" name="Picture 4" descr="Picture 4"/>
+          <p:cNvPicPr>
+            <a:picLocks noChangeAspect="1"/>
+          </p:cNvPicPr>
+          <p:nvPr/>
+        </p:nvPicPr>
+        <p:blipFill>
+          <a:blip r:embed="rId4"/>
+          <a:stretch>
+            <a:fillRect/>
+          </a:stretch>
+        </p:blipFill>
+        <p:spPr>
+          <a:xfrm>
+            <a:off x="214282" y="5715015"/>
+            <a:ext cx="8929718" cy="579752"/>
+          </a:xfrm>
+          <a:prstGeom prst="rect">
+            <a:avLst/>
+          </a:prstGeom>
+          <a:ln w="12700">
+            <a:miter lim="400000"/>
+          </a:ln>
+        </p:spPr>
+      </p:pic>
+    </p:spTree>
+  </p:cSld>
+  <p:clrMapOvr>
+    <a:masterClrMapping/>
+  </p:clrMapOvr>
+  <p:transition spd="med"/>
+</p:sld>
+</file>
+
+<file path=ppt/slides/slide8.xml><?xml version="1.0" encoding="utf-8"?>
+<p:sld xmlns:a="http://schemas.openxmlformats.org/drawingml/2006/main" xmlns:r="http://schemas.openxmlformats.org/officeDocument/2006/relationships" xmlns:p="http://schemas.openxmlformats.org/presentationml/2006/main">
+  <p:cSld>
+    <p:spTree>
+      <p:nvGrpSpPr>
+        <p:cNvPr id="1" name=""/>
+        <p:cNvGrpSpPr/>
+        <p:nvPr/>
+      </p:nvGrpSpPr>
+      <p:grpSpPr>
+        <a:xfrm>
+          <a:off x="0" y="0"/>
+          <a:ext cx="0" cy="0"/>
+          <a:chOff x="0" y="0"/>
+          <a:chExt cx="0" cy="0"/>
+        </a:xfrm>
+      </p:grpSpPr>
+      <p:sp>
+        <p:nvSpPr>
+          <p:cNvPr id="133" name="Titolo 9"/>
+          <p:cNvSpPr txBox="1">
+            <a:spLocks noGrp="1"/>
+          </p:cNvSpPr>
+          <p:nvPr>
+            <p:ph type="title"/>
+          </p:nvPr>
+        </p:nvSpPr>
+        <p:spPr>
+          <a:xfrm>
+            <a:off x="1357290" y="-428654"/>
+            <a:ext cx="7686700" cy="2428895"/>
+          </a:xfrm>
+          <a:prstGeom prst="rect">
+            <a:avLst/>
+          </a:prstGeom>
+        </p:spPr>
+        <p:txBody>
+          <a:bodyPr/>
+          <a:lstStyle>
+            <a:lvl1pPr algn="r">
+              <a:defRPr sz="4000" b="1">
+                <a:solidFill>
+                  <a:srgbClr val="FFFFFF"/>
+                </a:solidFill>
+                <a:latin typeface="Bahnschrift Condensed"/>
+                <a:ea typeface="Bahnschrift Condensed"/>
+                <a:cs typeface="Bahnschrift Condensed"/>
+                <a:sym typeface="Bahnschrift Condensed"/>
+              </a:defRPr>
+            </a:lvl1pPr>
+          </a:lstStyle>
+          <a:p>
+            <a:r>
+              <a:t>Data Exploration</a:t>
+            </a:r>
+          </a:p>
+        </p:txBody>
+      </p:sp>
+      <p:sp>
+        <p:nvSpPr>
+          <p:cNvPr id="134" name="Rettangolo 4"/>
+          <p:cNvSpPr txBox="1"/>
+          <p:nvPr/>
+        </p:nvSpPr>
+        <p:spPr>
+          <a:xfrm>
+            <a:off x="331439" y="1928802"/>
+            <a:ext cx="7909601" cy="326846"/>
+          </a:xfrm>
+          <a:prstGeom prst="rect">
+            <a:avLst/>
+          </a:prstGeom>
+          <a:ln w="12700">
+            <a:miter lim="400000"/>
+          </a:ln>
+          <a:extLst>
+            <a:ext uri="{C572A759-6A51-4108-AA02-DFA0A04FC94B}">
+              <ma14:wrappingTextBoxFlag xmlns:ma14="http://schemas.microsoft.com/office/mac/drawingml/2011/main" xmlns:a14="http://schemas.microsoft.com/office/drawing/2010/main" xmlns:m="http://schemas.openxmlformats.org/officeDocument/2006/math" xmlns="" val="1"/>
+            </a:ext>
+          </a:extLst>
+        </p:spPr>
+        <p:txBody>
+          <a:bodyPr lIns="45719" rIns="45719">
+            <a:spAutoFit/>
+          </a:bodyPr>
+          <a:lstStyle/>
+          <a:p>
+            <a:pPr>
+              <a:defRPr sz="1600" b="1">
+                <a:latin typeface="Helvetica Neue"/>
+                <a:ea typeface="Helvetica Neue"/>
+                <a:cs typeface="Helvetica Neue"/>
+                <a:sym typeface="Helvetica Neue"/>
+              </a:defRPr>
+            </a:pPr>
+            <a:r>
+              <a:t>4</a:t>
+            </a:r>
+            <a:r>
+              <a:rPr baseline="30000"/>
+              <a:t>th</a:t>
+            </a:r>
+            <a:r>
+              <a:t> example: frequency of a previous Stroke differentiated for Sex</a:t>
+            </a:r>
+          </a:p>
+        </p:txBody>
+      </p:sp>
+      <p:pic>
+        <p:nvPicPr>
+          <p:cNvPr id="135" name="Picture 2" descr="Picture 2"/>
+          <p:cNvPicPr>
+            <a:picLocks noChangeAspect="1"/>
+          </p:cNvPicPr>
+          <p:nvPr/>
+        </p:nvPicPr>
+        <p:blipFill>
+          <a:blip r:embed="rId2"/>
+          <a:stretch>
+            <a:fillRect/>
+          </a:stretch>
+        </p:blipFill>
+        <p:spPr>
+          <a:xfrm>
+            <a:off x="1142975" y="2500305"/>
+            <a:ext cx="6078560" cy="3857654"/>
+          </a:xfrm>
+          <a:prstGeom prst="rect">
+            <a:avLst/>
+          </a:prstGeom>
+          <a:ln w="12700">
+            <a:miter lim="400000"/>
+          </a:ln>
+        </p:spPr>
+      </p:pic>
+    </p:spTree>
+  </p:cSld>
+  <p:clrMapOvr>
+    <a:masterClrMapping/>
+  </p:clrMapOvr>
+  <p:transition spd="med"/>
+</p:sld>
+</file>
+
+<file path=ppt/slides/slide9.xml><?xml version="1.0" encoding="utf-8"?>
+<p:sld xmlns:a="http://schemas.openxmlformats.org/drawingml/2006/main" xmlns:r="http://schemas.openxmlformats.org/officeDocument/2006/relationships" xmlns:p="http://schemas.openxmlformats.org/presentationml/2006/main">
+  <p:cSld>
+    <p:spTree>
+      <p:nvGrpSpPr>
+        <p:cNvPr id="1" name=""/>
+        <p:cNvGrpSpPr/>
+        <p:nvPr/>
+      </p:nvGrpSpPr>
+      <p:grpSpPr>
+        <a:xfrm>
+          <a:off x="0" y="0"/>
+          <a:ext cx="0" cy="0"/>
+          <a:chOff x="0" y="0"/>
+          <a:chExt cx="0" cy="0"/>
+        </a:xfrm>
+      </p:grpSpPr>
+      <p:sp>
+        <p:nvSpPr>
+          <p:cNvPr id="137" name="Titolo 9"/>
+          <p:cNvSpPr txBox="1">
+            <a:spLocks noGrp="1"/>
+          </p:cNvSpPr>
+          <p:nvPr>
+            <p:ph type="title"/>
+          </p:nvPr>
+        </p:nvSpPr>
+        <p:spPr>
+          <a:xfrm>
+            <a:off x="1285852" y="0"/>
+            <a:ext cx="7686700" cy="2428894"/>
+          </a:xfrm>
+          <a:prstGeom prst="rect">
+            <a:avLst/>
+          </a:prstGeom>
+        </p:spPr>
+        <p:txBody>
+          <a:bodyPr/>
+          <a:lstStyle/>
+          <a:p>
+            <a:pPr algn="r">
+              <a:defRPr sz="3600" b="1">
+                <a:solidFill>
+                  <a:srgbClr val="FFFFFF"/>
+                </a:solidFill>
+                <a:latin typeface="Bahnschrift Condensed"/>
+                <a:ea typeface="Bahnschrift Condensed"/>
+                <a:cs typeface="Bahnschrift Condensed"/>
+                <a:sym typeface="Bahnschrift Condensed"/>
+              </a:defRPr>
+            </a:pPr>
+            <a:r>
+              <a:t>Modify and work on the dataset</a:t>
+            </a:r>
+            <a:br/>
+            <a:endParaRPr/>
+          </a:p>
+        </p:txBody>
+      </p:sp>
+      <p:sp>
+        <p:nvSpPr>
+          <p:cNvPr id="138" name="CasellaDiTesto 4"/>
+          <p:cNvSpPr txBox="1"/>
+          <p:nvPr/>
+        </p:nvSpPr>
+        <p:spPr>
+          <a:xfrm>
+            <a:off x="142844" y="1714487"/>
+            <a:ext cx="1989225" cy="568145"/>
+          </a:xfrm>
+          <a:prstGeom prst="rect">
+            <a:avLst/>
+          </a:prstGeom>
+          <a:ln w="12700">
+            <a:miter lim="400000"/>
+          </a:ln>
+          <a:extLst>
+            <a:ext uri="{C572A759-6A51-4108-AA02-DFA0A04FC94B}">
+              <ma14:wrappingTextBoxFlag xmlns:ma14="http://schemas.microsoft.com/office/mac/drawingml/2011/main" xmlns:a14="http://schemas.microsoft.com/office/drawing/2010/main" xmlns:m="http://schemas.openxmlformats.org/officeDocument/2006/math" xmlns="" val="1"/>
             </a:ext>
           </a:extLst>
         </p:spPr>
@@ -9914,7 +11491,7 @@
           </a:bodyPr>
           <a:lstStyle>
             <a:lvl1pPr>
-              <a:defRPr b="1" sz="1600">
+              <a:defRPr sz="1600" b="1">
                 <a:latin typeface="Helvetica Neue"/>
                 <a:ea typeface="Helvetica Neue"/>
                 <a:cs typeface="Helvetica Neue"/>
@@ -9923,7 +11500,6 @@
             </a:lvl1pPr>
           </a:lstStyle>
           <a:p>
-            <a:pPr/>
             <a:r>
               <a:t>Solve the inequality</a:t>
             </a:r>
@@ -9949,7 +11525,7 @@
           </a:ln>
           <a:extLst>
             <a:ext uri="{C572A759-6A51-4108-AA02-DFA0A04FC94B}">
-              <ma14:wrappingTextBoxFlag xmlns:ma14="http://schemas.microsoft.com/office/mac/drawingml/2011/main" val="1"/>
+              <ma14:wrappingTextBoxFlag xmlns:ma14="http://schemas.microsoft.com/office/mac/drawingml/2011/main" xmlns:a14="http://schemas.microsoft.com/office/drawing/2010/main" xmlns:m="http://schemas.openxmlformats.org/officeDocument/2006/math" xmlns="" val="1"/>
             </a:ext>
           </a:extLst>
         </p:spPr>
@@ -9989,9 +11565,7 @@
           <p:nvPr/>
         </p:nvPicPr>
         <p:blipFill>
-          <a:blip r:embed="rId2">
-            <a:extLst/>
-          </a:blip>
+          <a:blip r:embed="rId2"/>
           <a:stretch>
             <a:fillRect/>
           </a:stretch>
@@ -10028,7 +11602,7 @@
           </a:ln>
           <a:extLst>
             <a:ext uri="{C572A759-6A51-4108-AA02-DFA0A04FC94B}">
-              <ma14:wrappingTextBoxFlag xmlns:ma14="http://schemas.microsoft.com/office/mac/drawingml/2011/main" val="1"/>
+              <ma14:wrappingTextBoxFlag xmlns:ma14="http://schemas.microsoft.com/office/mac/drawingml/2011/main" xmlns:a14="http://schemas.microsoft.com/office/drawing/2010/main" xmlns:m="http://schemas.openxmlformats.org/officeDocument/2006/math" xmlns="" val="1"/>
             </a:ext>
           </a:extLst>
         </p:spPr>
@@ -10038,7 +11612,7 @@
           </a:bodyPr>
           <a:lstStyle>
             <a:lvl1pPr>
-              <a:defRPr b="1" sz="1600">
+              <a:defRPr sz="1600" b="1">
                 <a:latin typeface="Helvetica Neue"/>
                 <a:ea typeface="Helvetica Neue"/>
                 <a:cs typeface="Helvetica Neue"/>
@@ -10047,7 +11621,6 @@
             </a:lvl1pPr>
           </a:lstStyle>
           <a:p>
-            <a:pPr/>
             <a:r>
               <a:t>Normalization in range (0,1)</a:t>
             </a:r>
@@ -10063,9 +11636,7 @@
           <p:nvPr/>
         </p:nvPicPr>
         <p:blipFill>
-          <a:blip r:embed="rId3">
-            <a:extLst/>
-          </a:blip>
+          <a:blip r:embed="rId3"/>
           <a:stretch>
             <a:fillRect/>
           </a:stretch>
@@ -10102,7 +11673,7 @@
           </a:ln>
           <a:extLst>
             <a:ext uri="{C572A759-6A51-4108-AA02-DFA0A04FC94B}">
-              <ma14:wrappingTextBoxFlag xmlns:ma14="http://schemas.microsoft.com/office/mac/drawingml/2011/main" val="1"/>
+              <ma14:wrappingTextBoxFlag xmlns:ma14="http://schemas.microsoft.com/office/mac/drawingml/2011/main" xmlns:a14="http://schemas.microsoft.com/office/drawing/2010/main" xmlns:m="http://schemas.openxmlformats.org/officeDocument/2006/math" xmlns="" val="1"/>
             </a:ext>
           </a:extLst>
         </p:spPr>
@@ -10138,12 +11709,12 @@
   <p:clrMapOvr>
     <a:masterClrMapping/>
   </p:clrMapOvr>
-  <p:transition xmlns:p14="http://schemas.microsoft.com/office/powerpoint/2010/main" spd="med" advClick="1"/>
+  <p:transition spd="med"/>
 </p:sld>
 </file>
 
 <file path=ppt/theme/theme1.xml><?xml version="1.0" encoding="utf-8"?>
-<a:theme xmlns:a="http://schemas.openxmlformats.org/drawingml/2006/main" xmlns:r="http://schemas.openxmlformats.org/officeDocument/2006/relationships" name="Modulo">
+<a:theme xmlns:a="http://schemas.openxmlformats.org/drawingml/2006/main" name="Modulo">
   <a:themeElements>
     <a:clrScheme name="Modulo">
       <a:dk1>
@@ -10269,7 +11840,7 @@
       <a:effectStyleLst>
         <a:effectStyle>
           <a:effectLst>
-            <a:outerShdw sx="100000" sy="100000" kx="0" ky="0" algn="b" rotWithShape="0" blurRad="38100" dist="25400" dir="5400000">
+            <a:outerShdw blurRad="38100" dist="25400" dir="5400000" rotWithShape="0">
               <a:srgbClr val="000000">
                 <a:alpha val="38000"/>
               </a:srgbClr>
@@ -10278,7 +11849,7 @@
         </a:effectStyle>
         <a:effectStyle>
           <a:effectLst>
-            <a:outerShdw sx="100000" sy="100000" kx="0" ky="0" algn="b" rotWithShape="0" blurRad="38100" dist="25400" dir="5400000">
+            <a:outerShdw blurRad="38100" dist="25400" dir="5400000" rotWithShape="0">
               <a:srgbClr val="000000">
                 <a:alpha val="38000"/>
               </a:srgbClr>
@@ -10287,7 +11858,7 @@
         </a:effectStyle>
         <a:effectStyle>
           <a:effectLst>
-            <a:outerShdw sx="100000" sy="100000" kx="0" ky="0" algn="b" rotWithShape="0" blurRad="38100" dist="25400" dir="5400000">
+            <a:outerShdw blurRad="38100" dist="25400" dir="5400000" rotWithShape="0">
               <a:srgbClr val="000000">
                 <a:alpha val="38000"/>
               </a:srgbClr>
@@ -10361,7 +11932,7 @@
           <a:round/>
         </a:ln>
         <a:effectLst>
-          <a:outerShdw sx="100000" sy="100000" kx="0" ky="0" algn="b" rotWithShape="0" blurRad="38100" dist="25400" dir="5400000">
+          <a:outerShdw blurRad="38100" dist="25400" dir="5400000" rotWithShape="0">
             <a:srgbClr val="000000">
               <a:alpha val="38000"/>
             </a:srgbClr>
@@ -10369,7 +11940,7 @@
         </a:effectLst>
         <a:sp3d/>
       </a:spPr>
-      <a:bodyPr rot="0" spcFirstLastPara="1" vertOverflow="overflow" horzOverflow="overflow" vert="horz" wrap="square" lIns="45718" tIns="45718" rIns="45718" bIns="45718" numCol="1" spcCol="38100" rtlCol="0" anchor="ctr" upright="0">
+      <a:bodyPr rot="0" spcFirstLastPara="1" vertOverflow="overflow" horzOverflow="overflow" vert="horz" wrap="square" lIns="45718" tIns="45718" rIns="45718" bIns="45718" numCol="1" spcCol="38100" rtlCol="0" anchor="ctr">
         <a:spAutoFit/>
       </a:bodyPr>
       <a:lstStyle>
@@ -10388,7 +11959,7 @@
           <a:buFontTx/>
           <a:buNone/>
           <a:tabLst/>
-          <a:defRPr b="0" baseline="0" cap="none" i="0" spc="0" strike="noStrike" sz="1800" u="none" kumimoji="0" normalizeH="0">
+          <a:defRPr kumimoji="0" sz="1800" b="0" i="0" u="none" strike="noStrike" cap="none" spc="0" normalizeH="0" baseline="0">
             <a:ln>
               <a:noFill/>
             </a:ln>
@@ -10418,7 +11989,7 @@
           <a:buFontTx/>
           <a:buNone/>
           <a:tabLst/>
-          <a:defRPr b="0" baseline="0" cap="none" i="0" spc="0" strike="noStrike" sz="1800" u="none" kumimoji="0" normalizeH="0">
+          <a:defRPr kumimoji="0" sz="1800" b="0" i="0" u="none" strike="noStrike" cap="none" spc="0" normalizeH="0" baseline="0">
             <a:ln>
               <a:noFill/>
             </a:ln>
@@ -10444,7 +12015,7 @@
           <a:buFontTx/>
           <a:buNone/>
           <a:tabLst/>
-          <a:defRPr b="0" baseline="0" cap="none" i="0" spc="0" strike="noStrike" sz="1800" u="none" kumimoji="0" normalizeH="0">
+          <a:defRPr kumimoji="0" sz="1800" b="0" i="0" u="none" strike="noStrike" cap="none" spc="0" normalizeH="0" baseline="0">
             <a:ln>
               <a:noFill/>
             </a:ln>
@@ -10470,7 +12041,7 @@
           <a:buFontTx/>
           <a:buNone/>
           <a:tabLst/>
-          <a:defRPr b="0" baseline="0" cap="none" i="0" spc="0" strike="noStrike" sz="1800" u="none" kumimoji="0" normalizeH="0">
+          <a:defRPr kumimoji="0" sz="1800" b="0" i="0" u="none" strike="noStrike" cap="none" spc="0" normalizeH="0" baseline="0">
             <a:ln>
               <a:noFill/>
             </a:ln>
@@ -10496,7 +12067,7 @@
           <a:buFontTx/>
           <a:buNone/>
           <a:tabLst/>
-          <a:defRPr b="0" baseline="0" cap="none" i="0" spc="0" strike="noStrike" sz="1800" u="none" kumimoji="0" normalizeH="0">
+          <a:defRPr kumimoji="0" sz="1800" b="0" i="0" u="none" strike="noStrike" cap="none" spc="0" normalizeH="0" baseline="0">
             <a:ln>
               <a:noFill/>
             </a:ln>
@@ -10522,7 +12093,7 @@
           <a:buFontTx/>
           <a:buNone/>
           <a:tabLst/>
-          <a:defRPr b="0" baseline="0" cap="none" i="0" spc="0" strike="noStrike" sz="1800" u="none" kumimoji="0" normalizeH="0">
+          <a:defRPr kumimoji="0" sz="1800" b="0" i="0" u="none" strike="noStrike" cap="none" spc="0" normalizeH="0" baseline="0">
             <a:ln>
               <a:noFill/>
             </a:ln>
@@ -10548,7 +12119,7 @@
           <a:buFontTx/>
           <a:buNone/>
           <a:tabLst/>
-          <a:defRPr b="0" baseline="0" cap="none" i="0" spc="0" strike="noStrike" sz="1800" u="none" kumimoji="0" normalizeH="0">
+          <a:defRPr kumimoji="0" sz="1800" b="0" i="0" u="none" strike="noStrike" cap="none" spc="0" normalizeH="0" baseline="0">
             <a:ln>
               <a:noFill/>
             </a:ln>
@@ -10574,7 +12145,7 @@
           <a:buFontTx/>
           <a:buNone/>
           <a:tabLst/>
-          <a:defRPr b="0" baseline="0" cap="none" i="0" spc="0" strike="noStrike" sz="1800" u="none" kumimoji="0" normalizeH="0">
+          <a:defRPr kumimoji="0" sz="1800" b="0" i="0" u="none" strike="noStrike" cap="none" spc="0" normalizeH="0" baseline="0">
             <a:ln>
               <a:noFill/>
             </a:ln>
@@ -10600,7 +12171,7 @@
           <a:buFontTx/>
           <a:buNone/>
           <a:tabLst/>
-          <a:defRPr b="0" baseline="0" cap="none" i="0" spc="0" strike="noStrike" sz="1800" u="none" kumimoji="0" normalizeH="0">
+          <a:defRPr kumimoji="0" sz="1800" b="0" i="0" u="none" strike="noStrike" cap="none" spc="0" normalizeH="0" baseline="0">
             <a:ln>
               <a:noFill/>
             </a:ln>
@@ -10626,7 +12197,7 @@
           <a:buFontTx/>
           <a:buNone/>
           <a:tabLst/>
-          <a:defRPr b="0" baseline="0" cap="none" i="0" spc="0" strike="noStrike" sz="1800" u="none" kumimoji="0" normalizeH="0">
+          <a:defRPr kumimoji="0" sz="1800" b="0" i="0" u="none" strike="noStrike" cap="none" spc="0" normalizeH="0" baseline="0">
             <a:ln>
               <a:noFill/>
             </a:ln>
@@ -10639,9 +12210,15 @@
         </a:lvl9pPr>
       </a:lstStyle>
       <a:style>
-        <a:lnRef idx="0"/>
-        <a:fillRef idx="0"/>
-        <a:effectRef idx="0"/>
+        <a:lnRef idx="0">
+          <a:scrgbClr r="0" g="0" b="0"/>
+        </a:lnRef>
+        <a:fillRef idx="0">
+          <a:scrgbClr r="0" g="0" b="0"/>
+        </a:fillRef>
+        <a:effectRef idx="0">
+          <a:scrgbClr r="0" g="0" b="0"/>
+        </a:effectRef>
         <a:fontRef idx="none"/>
       </a:style>
     </a:spDef>
@@ -10656,7 +12233,7 @@
           <a:round/>
         </a:ln>
         <a:effectLst>
-          <a:outerShdw sx="100000" sy="100000" kx="0" ky="0" algn="b" rotWithShape="0" blurRad="38100" dist="25400" dir="5400000">
+          <a:outerShdw blurRad="38100" dist="25400" dir="5400000" rotWithShape="0">
             <a:srgbClr val="000000">
               <a:alpha val="38000"/>
             </a:srgbClr>
@@ -10664,7 +12241,7 @@
         </a:effectLst>
         <a:sp3d/>
       </a:spPr>
-      <a:bodyPr rot="0" spcFirstLastPara="1" vertOverflow="overflow" horzOverflow="overflow" vert="horz" wrap="square" lIns="91439" tIns="45719" rIns="91439" bIns="45719" numCol="1" spcCol="38100" rtlCol="0" anchor="t" upright="0">
+      <a:bodyPr rot="0" spcFirstLastPara="1" vertOverflow="overflow" horzOverflow="overflow" vert="horz" wrap="square" lIns="91439" tIns="45719" rIns="91439" bIns="45719" numCol="1" spcCol="38100" rtlCol="0" anchor="t">
         <a:noAutofit/>
       </a:bodyPr>
       <a:lstStyle>
@@ -10683,7 +12260,7 @@
           <a:buFontTx/>
           <a:buNone/>
           <a:tabLst/>
-          <a:defRPr b="0" baseline="0" cap="none" i="0" spc="0" strike="noStrike" sz="1800" u="none" kumimoji="0" normalizeH="0">
+          <a:defRPr kumimoji="0" sz="1800" b="0" i="0" u="none" strike="noStrike" cap="none" spc="0" normalizeH="0" baseline="0">
             <a:ln>
               <a:noFill/>
             </a:ln>
@@ -10709,7 +12286,7 @@
           <a:buFontTx/>
           <a:buNone/>
           <a:tabLst/>
-          <a:defRPr b="0" baseline="0" cap="none" i="0" spc="0" strike="noStrike" sz="1800" u="none" kumimoji="0" normalizeH="0">
+          <a:defRPr kumimoji="0" sz="1800" b="0" i="0" u="none" strike="noStrike" cap="none" spc="0" normalizeH="0" baseline="0">
             <a:ln>
               <a:noFill/>
             </a:ln>
@@ -10735,7 +12312,7 @@
           <a:buFontTx/>
           <a:buNone/>
           <a:tabLst/>
-          <a:defRPr b="0" baseline="0" cap="none" i="0" spc="0" strike="noStrike" sz="1800" u="none" kumimoji="0" normalizeH="0">
+          <a:defRPr kumimoji="0" sz="1800" b="0" i="0" u="none" strike="noStrike" cap="none" spc="0" normalizeH="0" baseline="0">
             <a:ln>
               <a:noFill/>
             </a:ln>
@@ -10761,7 +12338,7 @@
           <a:buFontTx/>
           <a:buNone/>
           <a:tabLst/>
-          <a:defRPr b="0" baseline="0" cap="none" i="0" spc="0" strike="noStrike" sz="1800" u="none" kumimoji="0" normalizeH="0">
+          <a:defRPr kumimoji="0" sz="1800" b="0" i="0" u="none" strike="noStrike" cap="none" spc="0" normalizeH="0" baseline="0">
             <a:ln>
               <a:noFill/>
             </a:ln>
@@ -10787,7 +12364,7 @@
           <a:buFontTx/>
           <a:buNone/>
           <a:tabLst/>
-          <a:defRPr b="0" baseline="0" cap="none" i="0" spc="0" strike="noStrike" sz="1800" u="none" kumimoji="0" normalizeH="0">
+          <a:defRPr kumimoji="0" sz="1800" b="0" i="0" u="none" strike="noStrike" cap="none" spc="0" normalizeH="0" baseline="0">
             <a:ln>
               <a:noFill/>
             </a:ln>
@@ -10813,7 +12390,7 @@
           <a:buFontTx/>
           <a:buNone/>
           <a:tabLst/>
-          <a:defRPr b="0" baseline="0" cap="none" i="0" spc="0" strike="noStrike" sz="1800" u="none" kumimoji="0" normalizeH="0">
+          <a:defRPr kumimoji="0" sz="1800" b="0" i="0" u="none" strike="noStrike" cap="none" spc="0" normalizeH="0" baseline="0">
             <a:ln>
               <a:noFill/>
             </a:ln>
@@ -10839,7 +12416,7 @@
           <a:buFontTx/>
           <a:buNone/>
           <a:tabLst/>
-          <a:defRPr b="0" baseline="0" cap="none" i="0" spc="0" strike="noStrike" sz="1800" u="none" kumimoji="0" normalizeH="0">
+          <a:defRPr kumimoji="0" sz="1800" b="0" i="0" u="none" strike="noStrike" cap="none" spc="0" normalizeH="0" baseline="0">
             <a:ln>
               <a:noFill/>
             </a:ln>
@@ -10865,7 +12442,7 @@
           <a:buFontTx/>
           <a:buNone/>
           <a:tabLst/>
-          <a:defRPr b="0" baseline="0" cap="none" i="0" spc="0" strike="noStrike" sz="1800" u="none" kumimoji="0" normalizeH="0">
+          <a:defRPr kumimoji="0" sz="1800" b="0" i="0" u="none" strike="noStrike" cap="none" spc="0" normalizeH="0" baseline="0">
             <a:ln>
               <a:noFill/>
             </a:ln>
@@ -10891,7 +12468,7 @@
           <a:buFontTx/>
           <a:buNone/>
           <a:tabLst/>
-          <a:defRPr b="0" baseline="0" cap="none" i="0" spc="0" strike="noStrike" sz="1800" u="none" kumimoji="0" normalizeH="0">
+          <a:defRPr kumimoji="0" sz="1800" b="0" i="0" u="none" strike="noStrike" cap="none" spc="0" normalizeH="0" baseline="0">
             <a:ln>
               <a:noFill/>
             </a:ln>
@@ -10917,7 +12494,7 @@
           <a:buFontTx/>
           <a:buNone/>
           <a:tabLst/>
-          <a:defRPr b="0" baseline="0" cap="none" i="0" spc="0" strike="noStrike" sz="1800" u="none" kumimoji="0" normalizeH="0">
+          <a:defRPr kumimoji="0" sz="1800" b="0" i="0" u="none" strike="noStrike" cap="none" spc="0" normalizeH="0" baseline="0">
             <a:ln>
               <a:noFill/>
             </a:ln>
@@ -10930,9 +12507,15 @@
         </a:lvl9pPr>
       </a:lstStyle>
       <a:style>
-        <a:lnRef idx="0"/>
-        <a:fillRef idx="0"/>
-        <a:effectRef idx="0"/>
+        <a:lnRef idx="0">
+          <a:scrgbClr r="0" g="0" b="0"/>
+        </a:lnRef>
+        <a:fillRef idx="0">
+          <a:scrgbClr r="0" g="0" b="0"/>
+        </a:fillRef>
+        <a:effectRef idx="0">
+          <a:scrgbClr r="0" g="0" b="0"/>
+        </a:effectRef>
         <a:fontRef idx="none"/>
       </a:style>
     </a:lnDef>
@@ -10946,7 +12529,7 @@
         <a:effectLst/>
         <a:sp3d/>
       </a:spPr>
-      <a:bodyPr rot="0" spcFirstLastPara="1" vertOverflow="overflow" horzOverflow="overflow" vert="horz" wrap="square" lIns="45718" tIns="45718" rIns="45718" bIns="45718" numCol="1" spcCol="38100" rtlCol="0" anchor="t" upright="0">
+      <a:bodyPr rot="0" spcFirstLastPara="1" vertOverflow="overflow" horzOverflow="overflow" vert="horz" wrap="square" lIns="45718" tIns="45718" rIns="45718" bIns="45718" numCol="1" spcCol="38100" rtlCol="0" anchor="t">
         <a:spAutoFit/>
       </a:bodyPr>
       <a:lstStyle>
@@ -10965,7 +12548,7 @@
           <a:buFontTx/>
           <a:buNone/>
           <a:tabLst/>
-          <a:defRPr b="0" baseline="0" cap="none" i="0" spc="0" strike="noStrike" sz="1800" u="none" kumimoji="0" normalizeH="0">
+          <a:defRPr kumimoji="0" sz="1800" b="0" i="0" u="none" strike="noStrike" cap="none" spc="0" normalizeH="0" baseline="0">
             <a:ln>
               <a:noFill/>
             </a:ln>
@@ -10995,7 +12578,7 @@
           <a:buFontTx/>
           <a:buNone/>
           <a:tabLst/>
-          <a:defRPr b="0" baseline="0" cap="none" i="0" spc="0" strike="noStrike" sz="1800" u="none" kumimoji="0" normalizeH="0">
+          <a:defRPr kumimoji="0" sz="1800" b="0" i="0" u="none" strike="noStrike" cap="none" spc="0" normalizeH="0" baseline="0">
             <a:ln>
               <a:noFill/>
             </a:ln>
@@ -11021,7 +12604,7 @@
           <a:buFontTx/>
           <a:buNone/>
           <a:tabLst/>
-          <a:defRPr b="0" baseline="0" cap="none" i="0" spc="0" strike="noStrike" sz="1800" u="none" kumimoji="0" normalizeH="0">
+          <a:defRPr kumimoji="0" sz="1800" b="0" i="0" u="none" strike="noStrike" cap="none" spc="0" normalizeH="0" baseline="0">
             <a:ln>
               <a:noFill/>
             </a:ln>
@@ -11047,7 +12630,7 @@
           <a:buFontTx/>
           <a:buNone/>
           <a:tabLst/>
-          <a:defRPr b="0" baseline="0" cap="none" i="0" spc="0" strike="noStrike" sz="1800" u="none" kumimoji="0" normalizeH="0">
+          <a:defRPr kumimoji="0" sz="1800" b="0" i="0" u="none" strike="noStrike" cap="none" spc="0" normalizeH="0" baseline="0">
             <a:ln>
               <a:noFill/>
             </a:ln>
@@ -11073,7 +12656,7 @@
           <a:buFontTx/>
           <a:buNone/>
           <a:tabLst/>
-          <a:defRPr b="0" baseline="0" cap="none" i="0" spc="0" strike="noStrike" sz="1800" u="none" kumimoji="0" normalizeH="0">
+          <a:defRPr kumimoji="0" sz="1800" b="0" i="0" u="none" strike="noStrike" cap="none" spc="0" normalizeH="0" baseline="0">
             <a:ln>
               <a:noFill/>
             </a:ln>
@@ -11099,7 +12682,7 @@
           <a:buFontTx/>
           <a:buNone/>
           <a:tabLst/>
-          <a:defRPr b="0" baseline="0" cap="none" i="0" spc="0" strike="noStrike" sz="1800" u="none" kumimoji="0" normalizeH="0">
+          <a:defRPr kumimoji="0" sz="1800" b="0" i="0" u="none" strike="noStrike" cap="none" spc="0" normalizeH="0" baseline="0">
             <a:ln>
               <a:noFill/>
             </a:ln>
@@ -11125,7 +12708,7 @@
           <a:buFontTx/>
           <a:buNone/>
           <a:tabLst/>
-          <a:defRPr b="0" baseline="0" cap="none" i="0" spc="0" strike="noStrike" sz="1800" u="none" kumimoji="0" normalizeH="0">
+          <a:defRPr kumimoji="0" sz="1800" b="0" i="0" u="none" strike="noStrike" cap="none" spc="0" normalizeH="0" baseline="0">
             <a:ln>
               <a:noFill/>
             </a:ln>
@@ -11151,7 +12734,7 @@
           <a:buFontTx/>
           <a:buNone/>
           <a:tabLst/>
-          <a:defRPr b="0" baseline="0" cap="none" i="0" spc="0" strike="noStrike" sz="1800" u="none" kumimoji="0" normalizeH="0">
+          <a:defRPr kumimoji="0" sz="1800" b="0" i="0" u="none" strike="noStrike" cap="none" spc="0" normalizeH="0" baseline="0">
             <a:ln>
               <a:noFill/>
             </a:ln>
@@ -11177,7 +12760,7 @@
           <a:buFontTx/>
           <a:buNone/>
           <a:tabLst/>
-          <a:defRPr b="0" baseline="0" cap="none" i="0" spc="0" strike="noStrike" sz="1800" u="none" kumimoji="0" normalizeH="0">
+          <a:defRPr kumimoji="0" sz="1800" b="0" i="0" u="none" strike="noStrike" cap="none" spc="0" normalizeH="0" baseline="0">
             <a:ln>
               <a:noFill/>
             </a:ln>
@@ -11203,7 +12786,7 @@
           <a:buFontTx/>
           <a:buNone/>
           <a:tabLst/>
-          <a:defRPr b="0" baseline="0" cap="none" i="0" spc="0" strike="noStrike" sz="1800" u="none" kumimoji="0" normalizeH="0">
+          <a:defRPr kumimoji="0" sz="1800" b="0" i="0" u="none" strike="noStrike" cap="none" spc="0" normalizeH="0" baseline="0">
             <a:ln>
               <a:noFill/>
             </a:ln>
@@ -11216,18 +12799,25 @@
         </a:lvl9pPr>
       </a:lstStyle>
       <a:style>
-        <a:lnRef idx="0"/>
-        <a:fillRef idx="0"/>
-        <a:effectRef idx="0"/>
+        <a:lnRef idx="0">
+          <a:scrgbClr r="0" g="0" b="0"/>
+        </a:lnRef>
+        <a:fillRef idx="0">
+          <a:scrgbClr r="0" g="0" b="0"/>
+        </a:fillRef>
+        <a:effectRef idx="0">
+          <a:scrgbClr r="0" g="0" b="0"/>
+        </a:effectRef>
         <a:fontRef idx="none"/>
       </a:style>
     </a:txDef>
   </a:objectDefaults>
+  <a:extraClrSchemeLst/>
 </a:theme>
 </file>
 
 <file path=ppt/theme/theme2.xml><?xml version="1.0" encoding="utf-8"?>
-<a:theme xmlns:a="http://schemas.openxmlformats.org/drawingml/2006/main" xmlns:r="http://schemas.openxmlformats.org/officeDocument/2006/relationships" name="Modulo">
+<a:theme xmlns:a="http://schemas.openxmlformats.org/drawingml/2006/main" name="Modulo">
   <a:themeElements>
     <a:clrScheme name="Modulo">
       <a:dk1>
@@ -11353,7 +12943,7 @@
       <a:effectStyleLst>
         <a:effectStyle>
           <a:effectLst>
-            <a:outerShdw sx="100000" sy="100000" kx="0" ky="0" algn="b" rotWithShape="0" blurRad="38100" dist="25400" dir="5400000">
+            <a:outerShdw blurRad="38100" dist="25400" dir="5400000" rotWithShape="0">
               <a:srgbClr val="000000">
                 <a:alpha val="38000"/>
               </a:srgbClr>
@@ -11362,7 +12952,7 @@
         </a:effectStyle>
         <a:effectStyle>
           <a:effectLst>
-            <a:outerShdw sx="100000" sy="100000" kx="0" ky="0" algn="b" rotWithShape="0" blurRad="38100" dist="25400" dir="5400000">
+            <a:outerShdw blurRad="38100" dist="25400" dir="5400000" rotWithShape="0">
               <a:srgbClr val="000000">
                 <a:alpha val="38000"/>
               </a:srgbClr>
@@ -11371,7 +12961,7 @@
         </a:effectStyle>
         <a:effectStyle>
           <a:effectLst>
-            <a:outerShdw sx="100000" sy="100000" kx="0" ky="0" algn="b" rotWithShape="0" blurRad="38100" dist="25400" dir="5400000">
+            <a:outerShdw blurRad="38100" dist="25400" dir="5400000" rotWithShape="0">
               <a:srgbClr val="000000">
                 <a:alpha val="38000"/>
               </a:srgbClr>
@@ -11445,7 +13035,7 @@
           <a:round/>
         </a:ln>
         <a:effectLst>
-          <a:outerShdw sx="100000" sy="100000" kx="0" ky="0" algn="b" rotWithShape="0" blurRad="38100" dist="25400" dir="5400000">
+          <a:outerShdw blurRad="38100" dist="25400" dir="5400000" rotWithShape="0">
             <a:srgbClr val="000000">
               <a:alpha val="38000"/>
             </a:srgbClr>
@@ -11453,7 +13043,7 @@
         </a:effectLst>
         <a:sp3d/>
       </a:spPr>
-      <a:bodyPr rot="0" spcFirstLastPara="1" vertOverflow="overflow" horzOverflow="overflow" vert="horz" wrap="square" lIns="45718" tIns="45718" rIns="45718" bIns="45718" numCol="1" spcCol="38100" rtlCol="0" anchor="ctr" upright="0">
+      <a:bodyPr rot="0" spcFirstLastPara="1" vertOverflow="overflow" horzOverflow="overflow" vert="horz" wrap="square" lIns="45718" tIns="45718" rIns="45718" bIns="45718" numCol="1" spcCol="38100" rtlCol="0" anchor="ctr">
         <a:spAutoFit/>
       </a:bodyPr>
       <a:lstStyle>
@@ -11472,7 +13062,7 @@
           <a:buFontTx/>
           <a:buNone/>
           <a:tabLst/>
-          <a:defRPr b="0" baseline="0" cap="none" i="0" spc="0" strike="noStrike" sz="1800" u="none" kumimoji="0" normalizeH="0">
+          <a:defRPr kumimoji="0" sz="1800" b="0" i="0" u="none" strike="noStrike" cap="none" spc="0" normalizeH="0" baseline="0">
             <a:ln>
               <a:noFill/>
             </a:ln>
@@ -11502,7 +13092,7 @@
           <a:buFontTx/>
           <a:buNone/>
           <a:tabLst/>
-          <a:defRPr b="0" baseline="0" cap="none" i="0" spc="0" strike="noStrike" sz="1800" u="none" kumimoji="0" normalizeH="0">
+          <a:defRPr kumimoji="0" sz="1800" b="0" i="0" u="none" strike="noStrike" cap="none" spc="0" normalizeH="0" baseline="0">
             <a:ln>
               <a:noFill/>
             </a:ln>
@@ -11528,7 +13118,7 @@
           <a:buFontTx/>
           <a:buNone/>
           <a:tabLst/>
-          <a:defRPr b="0" baseline="0" cap="none" i="0" spc="0" strike="noStrike" sz="1800" u="none" kumimoji="0" normalizeH="0">
+          <a:defRPr kumimoji="0" sz="1800" b="0" i="0" u="none" strike="noStrike" cap="none" spc="0" normalizeH="0" baseline="0">
             <a:ln>
               <a:noFill/>
             </a:ln>
@@ -11554,7 +13144,7 @@
           <a:buFontTx/>
           <a:buNone/>
           <a:tabLst/>
-          <a:defRPr b="0" baseline="0" cap="none" i="0" spc="0" strike="noStrike" sz="1800" u="none" kumimoji="0" normalizeH="0">
+          <a:defRPr kumimoji="0" sz="1800" b="0" i="0" u="none" strike="noStrike" cap="none" spc="0" normalizeH="0" baseline="0">
             <a:ln>
               <a:noFill/>
             </a:ln>
@@ -11580,7 +13170,7 @@
           <a:buFontTx/>
           <a:buNone/>
           <a:tabLst/>
-          <a:defRPr b="0" baseline="0" cap="none" i="0" spc="0" strike="noStrike" sz="1800" u="none" kumimoji="0" normalizeH="0">
+          <a:defRPr kumimoji="0" sz="1800" b="0" i="0" u="none" strike="noStrike" cap="none" spc="0" normalizeH="0" baseline="0">
             <a:ln>
               <a:noFill/>
             </a:ln>
@@ -11606,7 +13196,7 @@
           <a:buFontTx/>
           <a:buNone/>
           <a:tabLst/>
-          <a:defRPr b="0" baseline="0" cap="none" i="0" spc="0" strike="noStrike" sz="1800" u="none" kumimoji="0" normalizeH="0">
+          <a:defRPr kumimoji="0" sz="1800" b="0" i="0" u="none" strike="noStrike" cap="none" spc="0" normalizeH="0" baseline="0">
             <a:ln>
               <a:noFill/>
             </a:ln>
@@ -11632,7 +13222,7 @@
           <a:buFontTx/>
           <a:buNone/>
           <a:tabLst/>
-          <a:defRPr b="0" baseline="0" cap="none" i="0" spc="0" strike="noStrike" sz="1800" u="none" kumimoji="0" normalizeH="0">
+          <a:defRPr kumimoji="0" sz="1800" b="0" i="0" u="none" strike="noStrike" cap="none" spc="0" normalizeH="0" baseline="0">
             <a:ln>
               <a:noFill/>
             </a:ln>
@@ -11658,7 +13248,7 @@
           <a:buFontTx/>
           <a:buNone/>
           <a:tabLst/>
-          <a:defRPr b="0" baseline="0" cap="none" i="0" spc="0" strike="noStrike" sz="1800" u="none" kumimoji="0" normalizeH="0">
+          <a:defRPr kumimoji="0" sz="1800" b="0" i="0" u="none" strike="noStrike" cap="none" spc="0" normalizeH="0" baseline="0">
             <a:ln>
               <a:noFill/>
             </a:ln>
@@ -11684,7 +13274,7 @@
           <a:buFontTx/>
           <a:buNone/>
           <a:tabLst/>
-          <a:defRPr b="0" baseline="0" cap="none" i="0" spc="0" strike="noStrike" sz="1800" u="none" kumimoji="0" normalizeH="0">
+          <a:defRPr kumimoji="0" sz="1800" b="0" i="0" u="none" strike="noStrike" cap="none" spc="0" normalizeH="0" baseline="0">
             <a:ln>
               <a:noFill/>
             </a:ln>
@@ -11710,7 +13300,7 @@
           <a:buFontTx/>
           <a:buNone/>
           <a:tabLst/>
-          <a:defRPr b="0" baseline="0" cap="none" i="0" spc="0" strike="noStrike" sz="1800" u="none" kumimoji="0" normalizeH="0">
+          <a:defRPr kumimoji="0" sz="1800" b="0" i="0" u="none" strike="noStrike" cap="none" spc="0" normalizeH="0" baseline="0">
             <a:ln>
               <a:noFill/>
             </a:ln>
@@ -11723,9 +13313,15 @@
         </a:lvl9pPr>
       </a:lstStyle>
       <a:style>
-        <a:lnRef idx="0"/>
-        <a:fillRef idx="0"/>
-        <a:effectRef idx="0"/>
+        <a:lnRef idx="0">
+          <a:scrgbClr r="0" g="0" b="0"/>
+        </a:lnRef>
+        <a:fillRef idx="0">
+          <a:scrgbClr r="0" g="0" b="0"/>
+        </a:fillRef>
+        <a:effectRef idx="0">
+          <a:scrgbClr r="0" g="0" b="0"/>
+        </a:effectRef>
         <a:fontRef idx="none"/>
       </a:style>
     </a:spDef>
@@ -11740,7 +13336,7 @@
           <a:round/>
         </a:ln>
         <a:effectLst>
-          <a:outerShdw sx="100000" sy="100000" kx="0" ky="0" algn="b" rotWithShape="0" blurRad="38100" dist="25400" dir="5400000">
+          <a:outerShdw blurRad="38100" dist="25400" dir="5400000" rotWithShape="0">
             <a:srgbClr val="000000">
               <a:alpha val="38000"/>
             </a:srgbClr>
@@ -11748,7 +13344,7 @@
         </a:effectLst>
         <a:sp3d/>
       </a:spPr>
-      <a:bodyPr rot="0" spcFirstLastPara="1" vertOverflow="overflow" horzOverflow="overflow" vert="horz" wrap="square" lIns="91439" tIns="45719" rIns="91439" bIns="45719" numCol="1" spcCol="38100" rtlCol="0" anchor="t" upright="0">
+      <a:bodyPr rot="0" spcFirstLastPara="1" vertOverflow="overflow" horzOverflow="overflow" vert="horz" wrap="square" lIns="91439" tIns="45719" rIns="91439" bIns="45719" numCol="1" spcCol="38100" rtlCol="0" anchor="t">
         <a:noAutofit/>
       </a:bodyPr>
       <a:lstStyle>
@@ -11767,7 +13363,7 @@
           <a:buFontTx/>
           <a:buNone/>
           <a:tabLst/>
-          <a:defRPr b="0" baseline="0" cap="none" i="0" spc="0" strike="noStrike" sz="1800" u="none" kumimoji="0" normalizeH="0">
+          <a:defRPr kumimoji="0" sz="1800" b="0" i="0" u="none" strike="noStrike" cap="none" spc="0" normalizeH="0" baseline="0">
             <a:ln>
               <a:noFill/>
             </a:ln>
@@ -11793,7 +13389,7 @@
           <a:buFontTx/>
           <a:buNone/>
           <a:tabLst/>
-          <a:defRPr b="0" baseline="0" cap="none" i="0" spc="0" strike="noStrike" sz="1800" u="none" kumimoji="0" normalizeH="0">
+          <a:defRPr kumimoji="0" sz="1800" b="0" i="0" u="none" strike="noStrike" cap="none" spc="0" normalizeH="0" baseline="0">
             <a:ln>
               <a:noFill/>
             </a:ln>
@@ -11819,7 +13415,7 @@
           <a:buFontTx/>
           <a:buNone/>
           <a:tabLst/>
-          <a:defRPr b="0" baseline="0" cap="none" i="0" spc="0" strike="noStrike" sz="1800" u="none" kumimoji="0" normalizeH="0">
+          <a:defRPr kumimoji="0" sz="1800" b="0" i="0" u="none" strike="noStrike" cap="none" spc="0" normalizeH="0" baseline="0">
             <a:ln>
               <a:noFill/>
             </a:ln>
@@ -11845,7 +13441,7 @@
           <a:buFontTx/>
           <a:buNone/>
           <a:tabLst/>
-          <a:defRPr b="0" baseline="0" cap="none" i="0" spc="0" strike="noStrike" sz="1800" u="none" kumimoji="0" normalizeH="0">
+          <a:defRPr kumimoji="0" sz="1800" b="0" i="0" u="none" strike="noStrike" cap="none" spc="0" normalizeH="0" baseline="0">
             <a:ln>
               <a:noFill/>
             </a:ln>
@@ -11871,7 +13467,7 @@
           <a:buFontTx/>
           <a:buNone/>
           <a:tabLst/>
-          <a:defRPr b="0" baseline="0" cap="none" i="0" spc="0" strike="noStrike" sz="1800" u="none" kumimoji="0" normalizeH="0">
+          <a:defRPr kumimoji="0" sz="1800" b="0" i="0" u="none" strike="noStrike" cap="none" spc="0" normalizeH="0" baseline="0">
             <a:ln>
               <a:noFill/>
             </a:ln>
@@ -11897,7 +13493,7 @@
           <a:buFontTx/>
           <a:buNone/>
           <a:tabLst/>
-          <a:defRPr b="0" baseline="0" cap="none" i="0" spc="0" strike="noStrike" sz="1800" u="none" kumimoji="0" normalizeH="0">
+          <a:defRPr kumimoji="0" sz="1800" b="0" i="0" u="none" strike="noStrike" cap="none" spc="0" normalizeH="0" baseline="0">
             <a:ln>
               <a:noFill/>
             </a:ln>
@@ -11923,7 +13519,7 @@
           <a:buFontTx/>
           <a:buNone/>
           <a:tabLst/>
-          <a:defRPr b="0" baseline="0" cap="none" i="0" spc="0" strike="noStrike" sz="1800" u="none" kumimoji="0" normalizeH="0">
+          <a:defRPr kumimoji="0" sz="1800" b="0" i="0" u="none" strike="noStrike" cap="none" spc="0" normalizeH="0" baseline="0">
             <a:ln>
               <a:noFill/>
             </a:ln>
@@ -11949,7 +13545,7 @@
           <a:buFontTx/>
           <a:buNone/>
           <a:tabLst/>
-          <a:defRPr b="0" baseline="0" cap="none" i="0" spc="0" strike="noStrike" sz="1800" u="none" kumimoji="0" normalizeH="0">
+          <a:defRPr kumimoji="0" sz="1800" b="0" i="0" u="none" strike="noStrike" cap="none" spc="0" normalizeH="0" baseline="0">
             <a:ln>
               <a:noFill/>
             </a:ln>
@@ -11975,7 +13571,7 @@
           <a:buFontTx/>
           <a:buNone/>
           <a:tabLst/>
-          <a:defRPr b="0" baseline="0" cap="none" i="0" spc="0" strike="noStrike" sz="1800" u="none" kumimoji="0" normalizeH="0">
+          <a:defRPr kumimoji="0" sz="1800" b="0" i="0" u="none" strike="noStrike" cap="none" spc="0" normalizeH="0" baseline="0">
             <a:ln>
               <a:noFill/>
             </a:ln>
@@ -12001,7 +13597,7 @@
           <a:buFontTx/>
           <a:buNone/>
           <a:tabLst/>
-          <a:defRPr b="0" baseline="0" cap="none" i="0" spc="0" strike="noStrike" sz="1800" u="none" kumimoji="0" normalizeH="0">
+          <a:defRPr kumimoji="0" sz="1800" b="0" i="0" u="none" strike="noStrike" cap="none" spc="0" normalizeH="0" baseline="0">
             <a:ln>
               <a:noFill/>
             </a:ln>
@@ -12014,9 +13610,15 @@
         </a:lvl9pPr>
       </a:lstStyle>
       <a:style>
-        <a:lnRef idx="0"/>
-        <a:fillRef idx="0"/>
-        <a:effectRef idx="0"/>
+        <a:lnRef idx="0">
+          <a:scrgbClr r="0" g="0" b="0"/>
+        </a:lnRef>
+        <a:fillRef idx="0">
+          <a:scrgbClr r="0" g="0" b="0"/>
+        </a:fillRef>
+        <a:effectRef idx="0">
+          <a:scrgbClr r="0" g="0" b="0"/>
+        </a:effectRef>
         <a:fontRef idx="none"/>
       </a:style>
     </a:lnDef>
@@ -12030,7 +13632,7 @@
         <a:effectLst/>
         <a:sp3d/>
       </a:spPr>
-      <a:bodyPr rot="0" spcFirstLastPara="1" vertOverflow="overflow" horzOverflow="overflow" vert="horz" wrap="square" lIns="45718" tIns="45718" rIns="45718" bIns="45718" numCol="1" spcCol="38100" rtlCol="0" anchor="t" upright="0">
+      <a:bodyPr rot="0" spcFirstLastPara="1" vertOverflow="overflow" horzOverflow="overflow" vert="horz" wrap="square" lIns="45718" tIns="45718" rIns="45718" bIns="45718" numCol="1" spcCol="38100" rtlCol="0" anchor="t">
         <a:spAutoFit/>
       </a:bodyPr>
       <a:lstStyle>
@@ -12049,7 +13651,7 @@
           <a:buFontTx/>
           <a:buNone/>
           <a:tabLst/>
-          <a:defRPr b="0" baseline="0" cap="none" i="0" spc="0" strike="noStrike" sz="1800" u="none" kumimoji="0" normalizeH="0">
+          <a:defRPr kumimoji="0" sz="1800" b="0" i="0" u="none" strike="noStrike" cap="none" spc="0" normalizeH="0" baseline="0">
             <a:ln>
               <a:noFill/>
             </a:ln>
@@ -12079,7 +13681,7 @@
           <a:buFontTx/>
           <a:buNone/>
           <a:tabLst/>
-          <a:defRPr b="0" baseline="0" cap="none" i="0" spc="0" strike="noStrike" sz="1800" u="none" kumimoji="0" normalizeH="0">
+          <a:defRPr kumimoji="0" sz="1800" b="0" i="0" u="none" strike="noStrike" cap="none" spc="0" normalizeH="0" baseline="0">
             <a:ln>
               <a:noFill/>
             </a:ln>
@@ -12105,7 +13707,7 @@
           <a:buFontTx/>
           <a:buNone/>
           <a:tabLst/>
-          <a:defRPr b="0" baseline="0" cap="none" i="0" spc="0" strike="noStrike" sz="1800" u="none" kumimoji="0" normalizeH="0">
+          <a:defRPr kumimoji="0" sz="1800" b="0" i="0" u="none" strike="noStrike" cap="none" spc="0" normalizeH="0" baseline="0">
             <a:ln>
               <a:noFill/>
             </a:ln>
@@ -12131,7 +13733,7 @@
           <a:buFontTx/>
           <a:buNone/>
           <a:tabLst/>
-          <a:defRPr b="0" baseline="0" cap="none" i="0" spc="0" strike="noStrike" sz="1800" u="none" kumimoji="0" normalizeH="0">
+          <a:defRPr kumimoji="0" sz="1800" b="0" i="0" u="none" strike="noStrike" cap="none" spc="0" normalizeH="0" baseline="0">
             <a:ln>
               <a:noFill/>
             </a:ln>
@@ -12157,7 +13759,7 @@
           <a:buFontTx/>
           <a:buNone/>
           <a:tabLst/>
-          <a:defRPr b="0" baseline="0" cap="none" i="0" spc="0" strike="noStrike" sz="1800" u="none" kumimoji="0" normalizeH="0">
+          <a:defRPr kumimoji="0" sz="1800" b="0" i="0" u="none" strike="noStrike" cap="none" spc="0" normalizeH="0" baseline="0">
             <a:ln>
               <a:noFill/>
             </a:ln>
@@ -12183,7 +13785,7 @@
           <a:buFontTx/>
           <a:buNone/>
           <a:tabLst/>
-          <a:defRPr b="0" baseline="0" cap="none" i="0" spc="0" strike="noStrike" sz="1800" u="none" kumimoji="0" normalizeH="0">
+          <a:defRPr kumimoji="0" sz="1800" b="0" i="0" u="none" strike="noStrike" cap="none" spc="0" normalizeH="0" baseline="0">
             <a:ln>
               <a:noFill/>
             </a:ln>
@@ -12209,7 +13811,7 @@
           <a:buFontTx/>
           <a:buNone/>
           <a:tabLst/>
-          <a:defRPr b="0" baseline="0" cap="none" i="0" spc="0" strike="noStrike" sz="1800" u="none" kumimoji="0" normalizeH="0">
+          <a:defRPr kumimoji="0" sz="1800" b="0" i="0" u="none" strike="noStrike" cap="none" spc="0" normalizeH="0" baseline="0">
             <a:ln>
               <a:noFill/>
             </a:ln>
@@ -12235,7 +13837,7 @@
           <a:buFontTx/>
           <a:buNone/>
           <a:tabLst/>
-          <a:defRPr b="0" baseline="0" cap="none" i="0" spc="0" strike="noStrike" sz="1800" u="none" kumimoji="0" normalizeH="0">
+          <a:defRPr kumimoji="0" sz="1800" b="0" i="0" u="none" strike="noStrike" cap="none" spc="0" normalizeH="0" baseline="0">
             <a:ln>
               <a:noFill/>
             </a:ln>
@@ -12261,7 +13863,7 @@
           <a:buFontTx/>
           <a:buNone/>
           <a:tabLst/>
-          <a:defRPr b="0" baseline="0" cap="none" i="0" spc="0" strike="noStrike" sz="1800" u="none" kumimoji="0" normalizeH="0">
+          <a:defRPr kumimoji="0" sz="1800" b="0" i="0" u="none" strike="noStrike" cap="none" spc="0" normalizeH="0" baseline="0">
             <a:ln>
               <a:noFill/>
             </a:ln>
@@ -12287,7 +13889,7 @@
           <a:buFontTx/>
           <a:buNone/>
           <a:tabLst/>
-          <a:defRPr b="0" baseline="0" cap="none" i="0" spc="0" strike="noStrike" sz="1800" u="none" kumimoji="0" normalizeH="0">
+          <a:defRPr kumimoji="0" sz="1800" b="0" i="0" u="none" strike="noStrike" cap="none" spc="0" normalizeH="0" baseline="0">
             <a:ln>
               <a:noFill/>
             </a:ln>
@@ -12300,12 +13902,19 @@
         </a:lvl9pPr>
       </a:lstStyle>
       <a:style>
-        <a:lnRef idx="0"/>
-        <a:fillRef idx="0"/>
-        <a:effectRef idx="0"/>
+        <a:lnRef idx="0">
+          <a:scrgbClr r="0" g="0" b="0"/>
+        </a:lnRef>
+        <a:fillRef idx="0">
+          <a:scrgbClr r="0" g="0" b="0"/>
+        </a:fillRef>
+        <a:effectRef idx="0">
+          <a:scrgbClr r="0" g="0" b="0"/>
+        </a:effectRef>
         <a:fontRef idx="none"/>
       </a:style>
     </a:txDef>
   </a:objectDefaults>
+  <a:extraClrSchemeLst/>
 </a:theme>
 </file>
--- a/Prova.pptx
+++ b/Prova.pptx
@@ -1,46 +1,46 @@
 
 <file path=ppt/presentation.xml><?xml version="1.0" encoding="utf-8"?>
-<p:presentation xmlns:a="http://schemas.openxmlformats.org/drawingml/2006/main" xmlns:r="http://schemas.openxmlformats.org/officeDocument/2006/relationships" xmlns:p="http://schemas.openxmlformats.org/presentationml/2006/main" xmlns:m="http://schemas.openxmlformats.org/officeDocument/2006/math" xmlns:a14="http://schemas.microsoft.com/office/drawing/2010/main">
+<p:presentation xmlns:a="http://schemas.openxmlformats.org/drawingml/2006/main" xmlns:r="http://schemas.openxmlformats.org/officeDocument/2006/relationships" xmlns:p="http://schemas.openxmlformats.org/presentationml/2006/main">
   <p:sldMasterIdLst>
-    <p:sldMasterId id="2147483648" r:id="rId5"/>
+    <p:sldMasterId id="2147483648" r:id="rId1"/>
   </p:sldMasterIdLst>
   <p:notesMasterIdLst>
-    <p:notesMasterId r:id="rId7"/>
+    <p:notesMasterId r:id="rId33"/>
   </p:notesMasterIdLst>
   <p:sldIdLst>
-    <p:sldId id="256" r:id="rId8"/>
-    <p:sldId id="257" r:id="rId9"/>
-    <p:sldId id="258" r:id="rId10"/>
-    <p:sldId id="259" r:id="rId11"/>
-    <p:sldId id="260" r:id="rId12"/>
-    <p:sldId id="261" r:id="rId13"/>
-    <p:sldId id="262" r:id="rId14"/>
-    <p:sldId id="263" r:id="rId15"/>
-    <p:sldId id="264" r:id="rId16"/>
-    <p:sldId id="265" r:id="rId17"/>
-    <p:sldId id="266" r:id="rId18"/>
-    <p:sldId id="267" r:id="rId19"/>
-    <p:sldId id="268" r:id="rId20"/>
-    <p:sldId id="269" r:id="rId21"/>
-    <p:sldId id="270" r:id="rId22"/>
-    <p:sldId id="271" r:id="rId23"/>
-    <p:sldId id="272" r:id="rId24"/>
-    <p:sldId id="273" r:id="rId25"/>
-    <p:sldId id="274" r:id="rId26"/>
-    <p:sldId id="275" r:id="rId27"/>
-    <p:sldId id="276" r:id="rId28"/>
-    <p:sldId id="277" r:id="rId29"/>
-    <p:sldId id="278" r:id="rId30"/>
-    <p:sldId id="279" r:id="rId31"/>
-    <p:sldId id="280" r:id="rId32"/>
-    <p:sldId id="281" r:id="rId33"/>
-    <p:sldId id="282" r:id="rId34"/>
-    <p:sldId id="283" r:id="rId35"/>
-    <p:sldId id="284" r:id="rId36"/>
-    <p:sldId id="285" r:id="rId37"/>
-    <p:sldId id="286" r:id="rId38"/>
+    <p:sldId id="256" r:id="rId2"/>
+    <p:sldId id="257" r:id="rId3"/>
+    <p:sldId id="258" r:id="rId4"/>
+    <p:sldId id="259" r:id="rId5"/>
+    <p:sldId id="260" r:id="rId6"/>
+    <p:sldId id="261" r:id="rId7"/>
+    <p:sldId id="262" r:id="rId8"/>
+    <p:sldId id="263" r:id="rId9"/>
+    <p:sldId id="264" r:id="rId10"/>
+    <p:sldId id="265" r:id="rId11"/>
+    <p:sldId id="266" r:id="rId12"/>
+    <p:sldId id="267" r:id="rId13"/>
+    <p:sldId id="268" r:id="rId14"/>
+    <p:sldId id="269" r:id="rId15"/>
+    <p:sldId id="270" r:id="rId16"/>
+    <p:sldId id="271" r:id="rId17"/>
+    <p:sldId id="272" r:id="rId18"/>
+    <p:sldId id="273" r:id="rId19"/>
+    <p:sldId id="274" r:id="rId20"/>
+    <p:sldId id="275" r:id="rId21"/>
+    <p:sldId id="276" r:id="rId22"/>
+    <p:sldId id="277" r:id="rId23"/>
+    <p:sldId id="278" r:id="rId24"/>
+    <p:sldId id="279" r:id="rId25"/>
+    <p:sldId id="280" r:id="rId26"/>
+    <p:sldId id="281" r:id="rId27"/>
+    <p:sldId id="282" r:id="rId28"/>
+    <p:sldId id="283" r:id="rId29"/>
+    <p:sldId id="284" r:id="rId30"/>
+    <p:sldId id="285" r:id="rId31"/>
+    <p:sldId id="286" r:id="rId32"/>
   </p:sldIdLst>
-  <p:sldSz cx="9144000" cy="6858000"/>
+  <p:sldSz cx="9144000" cy="6858000" type="screen4x3"/>
   <p:notesSz cx="6858000" cy="9144000"/>
   <p:defaultTextStyle>
     <a:defPPr marL="0" marR="0" indent="0" algn="l" defTabSz="914400" rtl="0" fontAlgn="auto" latinLnBrk="1" hangingPunct="0">
@@ -58,7 +58,7 @@
       <a:buFontTx/>
       <a:buNone/>
       <a:tabLst/>
-      <a:defRPr b="0" baseline="0" cap="none" i="0" spc="0" strike="noStrike" sz="1800" u="none" kumimoji="0" normalizeH="0">
+      <a:defRPr kumimoji="0" sz="1800" b="0" i="0" u="none" strike="noStrike" cap="none" spc="0" normalizeH="0" baseline="0">
         <a:ln>
           <a:noFill/>
         </a:ln>
@@ -84,7 +84,7 @@
       <a:buFontTx/>
       <a:buNone/>
       <a:tabLst/>
-      <a:defRPr b="0" baseline="0" cap="none" i="0" spc="0" strike="noStrike" sz="1800" u="none" kumimoji="0" normalizeH="0">
+      <a:defRPr kumimoji="0" sz="1800" b="0" i="0" u="none" strike="noStrike" cap="none" spc="0" normalizeH="0" baseline="0">
         <a:ln>
           <a:noFill/>
         </a:ln>
@@ -114,7 +114,7 @@
       <a:buFontTx/>
       <a:buNone/>
       <a:tabLst/>
-      <a:defRPr b="0" baseline="0" cap="none" i="0" spc="0" strike="noStrike" sz="1800" u="none" kumimoji="0" normalizeH="0">
+      <a:defRPr kumimoji="0" sz="1800" b="0" i="0" u="none" strike="noStrike" cap="none" spc="0" normalizeH="0" baseline="0">
         <a:ln>
           <a:noFill/>
         </a:ln>
@@ -144,7 +144,7 @@
       <a:buFontTx/>
       <a:buNone/>
       <a:tabLst/>
-      <a:defRPr b="0" baseline="0" cap="none" i="0" spc="0" strike="noStrike" sz="1800" u="none" kumimoji="0" normalizeH="0">
+      <a:defRPr kumimoji="0" sz="1800" b="0" i="0" u="none" strike="noStrike" cap="none" spc="0" normalizeH="0" baseline="0">
         <a:ln>
           <a:noFill/>
         </a:ln>
@@ -174,7 +174,7 @@
       <a:buFontTx/>
       <a:buNone/>
       <a:tabLst/>
-      <a:defRPr b="0" baseline="0" cap="none" i="0" spc="0" strike="noStrike" sz="1800" u="none" kumimoji="0" normalizeH="0">
+      <a:defRPr kumimoji="0" sz="1800" b="0" i="0" u="none" strike="noStrike" cap="none" spc="0" normalizeH="0" baseline="0">
         <a:ln>
           <a:noFill/>
         </a:ln>
@@ -204,7 +204,7 @@
       <a:buFontTx/>
       <a:buNone/>
       <a:tabLst/>
-      <a:defRPr b="0" baseline="0" cap="none" i="0" spc="0" strike="noStrike" sz="1800" u="none" kumimoji="0" normalizeH="0">
+      <a:defRPr kumimoji="0" sz="1800" b="0" i="0" u="none" strike="noStrike" cap="none" spc="0" normalizeH="0" baseline="0">
         <a:ln>
           <a:noFill/>
         </a:ln>
@@ -234,7 +234,7 @@
       <a:buFontTx/>
       <a:buNone/>
       <a:tabLst/>
-      <a:defRPr b="0" baseline="0" cap="none" i="0" spc="0" strike="noStrike" sz="1800" u="none" kumimoji="0" normalizeH="0">
+      <a:defRPr kumimoji="0" sz="1800" b="0" i="0" u="none" strike="noStrike" cap="none" spc="0" normalizeH="0" baseline="0">
         <a:ln>
           <a:noFill/>
         </a:ln>
@@ -264,7 +264,7 @@
       <a:buFontTx/>
       <a:buNone/>
       <a:tabLst/>
-      <a:defRPr b="0" baseline="0" cap="none" i="0" spc="0" strike="noStrike" sz="1800" u="none" kumimoji="0" normalizeH="0">
+      <a:defRPr kumimoji="0" sz="1800" b="0" i="0" u="none" strike="noStrike" cap="none" spc="0" normalizeH="0" baseline="0">
         <a:ln>
           <a:noFill/>
         </a:ln>
@@ -294,7 +294,7 @@
       <a:buFontTx/>
       <a:buNone/>
       <a:tabLst/>
-      <a:defRPr b="0" baseline="0" cap="none" i="0" spc="0" strike="noStrike" sz="1800" u="none" kumimoji="0" normalizeH="0">
+      <a:defRPr kumimoji="0" sz="1800" b="0" i="0" u="none" strike="noStrike" cap="none" spc="0" normalizeH="0" baseline="0">
         <a:ln>
           <a:noFill/>
         </a:ln>
@@ -324,7 +324,7 @@
       <a:buFontTx/>
       <a:buNone/>
       <a:tabLst/>
-      <a:defRPr b="0" baseline="0" cap="none" i="0" spc="0" strike="noStrike" sz="1800" u="none" kumimoji="0" normalizeH="0">
+      <a:defRPr kumimoji="0" sz="1800" b="0" i="0" u="none" strike="noStrike" cap="none" spc="0" normalizeH="0" baseline="0">
         <a:ln>
           <a:noFill/>
         </a:ln>
@@ -343,13 +343,14 @@
 </p:presentation>
 </file>
 
-<file path=ppt/commentAuthors.xml><?xml version="1.0" encoding="utf-8"?>
-<p:cmAuthorLst xmlns:a="http://schemas.openxmlformats.org/drawingml/2006/main" xmlns:r="http://schemas.openxmlformats.org/officeDocument/2006/relationships" xmlns:p="http://schemas.openxmlformats.org/presentationml/2006/main" xmlns:m="http://schemas.openxmlformats.org/officeDocument/2006/math" xmlns:a14="http://schemas.microsoft.com/office/drawing/2010/main"/>
-</file>
-
 <file path=ppt/notesMasters/notesMaster1.xml><?xml version="1.0" encoding="utf-8"?>
-<p:notesMaster xmlns:a="http://schemas.openxmlformats.org/drawingml/2006/main" xmlns:r="http://schemas.openxmlformats.org/officeDocument/2006/relationships" xmlns:p="http://schemas.openxmlformats.org/presentationml/2006/main" xmlns:m="http://schemas.openxmlformats.org/officeDocument/2006/math" xmlns:a14="http://schemas.microsoft.com/office/drawing/2010/main">
+<p:notesMaster xmlns:a="http://schemas.openxmlformats.org/drawingml/2006/main" xmlns:r="http://schemas.openxmlformats.org/officeDocument/2006/relationships" xmlns:p="http://schemas.openxmlformats.org/presentationml/2006/main">
   <p:cSld>
+    <p:bg>
+      <p:bgRef idx="1001">
+        <a:schemeClr val="bg1"/>
+      </p:bgRef>
+    </p:bg>
     <p:spTree>
       <p:nvGrpSpPr>
         <p:cNvPr id="1" name=""/>
@@ -367,7 +368,9 @@
       <p:sp>
         <p:nvSpPr>
           <p:cNvPr id="101" name="Shape 101"/>
-          <p:cNvSpPr/>
+          <p:cNvSpPr>
+            <a:spLocks noGrp="1" noRot="1" noChangeAspect="1"/>
+          </p:cNvSpPr>
           <p:nvPr>
             <p:ph type="sldImg"/>
           </p:nvPr>
@@ -385,14 +388,16 @@
           <a:bodyPr/>
           <a:lstStyle/>
           <a:p>
-            <a:pPr/>
+            <a:endParaRPr/>
           </a:p>
         </p:txBody>
       </p:sp>
       <p:sp>
         <p:nvSpPr>
           <p:cNvPr id="102" name="Shape 102"/>
-          <p:cNvSpPr/>
+          <p:cNvSpPr>
+            <a:spLocks noGrp="1"/>
+          </p:cNvSpPr>
           <p:nvPr>
             <p:ph type="body" sz="quarter" idx="1"/>
           </p:nvPr>
@@ -410,7 +415,7 @@
           <a:bodyPr/>
           <a:lstStyle/>
           <a:p>
-            <a:pPr/>
+            <a:endParaRPr/>
           </a:p>
         </p:txBody>
       </p:sp>
@@ -495,7 +500,7 @@
 </file>
 
 <file path=ppt/slideLayouts/slideLayout1.xml><?xml version="1.0" encoding="utf-8"?>
-<p:sldLayout xmlns:a="http://schemas.openxmlformats.org/drawingml/2006/main" xmlns:r="http://schemas.openxmlformats.org/officeDocument/2006/relationships" xmlns:p="http://schemas.openxmlformats.org/presentationml/2006/main" xmlns:m="http://schemas.openxmlformats.org/officeDocument/2006/math" xmlns:a14="http://schemas.microsoft.com/office/drawing/2010/main" type="title" showMasterSp="0" showMasterPhAnim="1">
+<p:sldLayout xmlns:a="http://schemas.openxmlformats.org/drawingml/2006/main" xmlns:r="http://schemas.openxmlformats.org/officeDocument/2006/relationships" xmlns:p="http://schemas.openxmlformats.org/presentationml/2006/main" showMasterSp="0" type="title">
   <p:cSld name="Diapositiva titolo">
     <p:spTree>
       <p:nvGrpSpPr>
@@ -547,13 +552,16 @@
                 <a:sym typeface="Corbel"/>
               </a:defRPr>
             </a:pPr>
+            <a:endParaRPr/>
           </a:p>
         </p:txBody>
       </p:sp>
       <p:sp>
         <p:nvSpPr>
           <p:cNvPr id="14" name="Titolo Testo"/>
-          <p:cNvSpPr txBox="1"/>
+          <p:cNvSpPr txBox="1">
+            <a:spLocks noGrp="1"/>
+          </p:cNvSpPr>
           <p:nvPr>
             <p:ph type="title"/>
           </p:nvPr>
@@ -575,7 +583,6 @@
             </a:lvl1pPr>
           </a:lstStyle>
           <a:p>
-            <a:pPr/>
             <a:r>
               <a:t>Titolo Testo</a:t>
             </a:r>
@@ -585,7 +592,9 @@
       <p:sp>
         <p:nvSpPr>
           <p:cNvPr id="15" name="Corpo livello uno…"/>
-          <p:cNvSpPr txBox="1"/>
+          <p:cNvSpPr txBox="1">
+            <a:spLocks noGrp="1"/>
+          </p:cNvSpPr>
           <p:nvPr>
             <p:ph type="body" sz="quarter" idx="1"/>
           </p:nvPr>
@@ -654,7 +663,6 @@
             </a:lvl5pPr>
           </a:lstStyle>
           <a:p>
-            <a:pPr/>
             <a:r>
               <a:t>Corpo livello uno</a:t>
             </a:r>
@@ -706,7 +714,7 @@
             <a:miter lim="400000"/>
           </a:ln>
           <a:effectLst>
-            <a:outerShdw sx="100000" sy="100000" kx="0" ky="0" algn="b" rotWithShape="0" blurRad="38100" dist="10160" dir="5400000">
+            <a:outerShdw blurRad="38100" dist="10160" dir="5400000" rotWithShape="0">
               <a:srgbClr val="000000">
                 <a:alpha val="60000"/>
               </a:srgbClr>
@@ -728,13 +736,16 @@
                 <a:sym typeface="Corbel"/>
               </a:defRPr>
             </a:pPr>
+            <a:endParaRPr/>
           </a:p>
         </p:txBody>
       </p:sp>
       <p:sp>
         <p:nvSpPr>
           <p:cNvPr id="17" name="Numero diapositiva"/>
-          <p:cNvSpPr txBox="1"/>
+          <p:cNvSpPr txBox="1">
+            <a:spLocks noGrp="1"/>
+          </p:cNvSpPr>
           <p:nvPr>
             <p:ph type="sldNum" sz="quarter" idx="2"/>
           </p:nvPr>
@@ -748,8 +759,12 @@
           <a:bodyPr/>
           <a:lstStyle/>
           <a:p>
-            <a:pPr/>
-            <a:fld id="{86CB4B4D-7CA3-9044-876B-883B54F8677D}" type="slidenum"/>
+            <a:fld id="{86CB4B4D-7CA3-9044-876B-883B54F8677D}" type="slidenum">
+              <a:rPr/>
+              <a:pPr/>
+              <a:t>‹N›</a:t>
+            </a:fld>
+            <a:endParaRPr/>
           </a:p>
         </p:txBody>
       </p:sp>
@@ -758,12 +773,12 @@
   <p:clrMapOvr>
     <a:masterClrMapping/>
   </p:clrMapOvr>
-  <p:transition xmlns:p14="http://schemas.microsoft.com/office/powerpoint/2010/main" spd="med" advClick="1"/>
+  <p:transition spd="med"/>
 </p:sldLayout>
 </file>
 
 <file path=ppt/slideLayouts/slideLayout2.xml><?xml version="1.0" encoding="utf-8"?>
-<p:sldLayout xmlns:a="http://schemas.openxmlformats.org/drawingml/2006/main" xmlns:r="http://schemas.openxmlformats.org/officeDocument/2006/relationships" xmlns:p="http://schemas.openxmlformats.org/presentationml/2006/main" xmlns:m="http://schemas.openxmlformats.org/officeDocument/2006/math" xmlns:a14="http://schemas.microsoft.com/office/drawing/2010/main" type="tx" showMasterSp="1" showMasterPhAnim="1">
+<p:sldLayout xmlns:a="http://schemas.openxmlformats.org/drawingml/2006/main" xmlns:r="http://schemas.openxmlformats.org/officeDocument/2006/relationships" xmlns:p="http://schemas.openxmlformats.org/presentationml/2006/main" type="tx">
   <p:cSld name="Titolo e contenuto">
     <p:spTree>
       <p:nvGrpSpPr>
@@ -782,7 +797,9 @@
       <p:sp>
         <p:nvSpPr>
           <p:cNvPr id="24" name="Titolo Testo"/>
-          <p:cNvSpPr txBox="1"/>
+          <p:cNvSpPr txBox="1">
+            <a:spLocks noGrp="1"/>
+          </p:cNvSpPr>
           <p:nvPr>
             <p:ph type="title"/>
           </p:nvPr>
@@ -796,7 +813,6 @@
           <a:bodyPr/>
           <a:lstStyle/>
           <a:p>
-            <a:pPr/>
             <a:r>
               <a:t>Titolo Testo</a:t>
             </a:r>
@@ -806,7 +822,9 @@
       <p:sp>
         <p:nvSpPr>
           <p:cNvPr id="25" name="Corpo livello uno…"/>
-          <p:cNvSpPr txBox="1"/>
+          <p:cNvSpPr txBox="1">
+            <a:spLocks noGrp="1"/>
+          </p:cNvSpPr>
           <p:nvPr>
             <p:ph type="body" idx="1"/>
           </p:nvPr>
@@ -820,7 +838,6 @@
           <a:bodyPr/>
           <a:lstStyle/>
           <a:p>
-            <a:pPr/>
             <a:r>
               <a:t>Corpo livello uno</a:t>
             </a:r>
@@ -854,7 +871,9 @@
       <p:sp>
         <p:nvSpPr>
           <p:cNvPr id="26" name="Numero diapositiva"/>
-          <p:cNvSpPr txBox="1"/>
+          <p:cNvSpPr txBox="1">
+            <a:spLocks noGrp="1"/>
+          </p:cNvSpPr>
           <p:nvPr>
             <p:ph type="sldNum" sz="quarter" idx="2"/>
           </p:nvPr>
@@ -868,8 +887,12 @@
           <a:bodyPr/>
           <a:lstStyle/>
           <a:p>
-            <a:pPr/>
-            <a:fld id="{86CB4B4D-7CA3-9044-876B-883B54F8677D}" type="slidenum"/>
+            <a:fld id="{86CB4B4D-7CA3-9044-876B-883B54F8677D}" type="slidenum">
+              <a:rPr/>
+              <a:pPr/>
+              <a:t>‹N›</a:t>
+            </a:fld>
+            <a:endParaRPr/>
           </a:p>
         </p:txBody>
       </p:sp>
@@ -878,12 +901,12 @@
   <p:clrMapOvr>
     <a:masterClrMapping/>
   </p:clrMapOvr>
-  <p:transition xmlns:p14="http://schemas.microsoft.com/office/powerpoint/2010/main" spd="med" advClick="1"/>
+  <p:transition spd="med"/>
 </p:sldLayout>
 </file>
 
 <file path=ppt/slideLayouts/slideLayout3.xml><?xml version="1.0" encoding="utf-8"?>
-<p:sldLayout xmlns:a="http://schemas.openxmlformats.org/drawingml/2006/main" xmlns:r="http://schemas.openxmlformats.org/officeDocument/2006/relationships" xmlns:p="http://schemas.openxmlformats.org/presentationml/2006/main" xmlns:m="http://schemas.openxmlformats.org/officeDocument/2006/math" xmlns:a14="http://schemas.microsoft.com/office/drawing/2010/main" type="tx" showMasterSp="0" showMasterPhAnim="1">
+<p:sldLayout xmlns:a="http://schemas.openxmlformats.org/drawingml/2006/main" xmlns:r="http://schemas.openxmlformats.org/officeDocument/2006/relationships" xmlns:p="http://schemas.openxmlformats.org/presentationml/2006/main" showMasterSp="0" type="tx">
   <p:cSld name="Intestazione sezione">
     <p:spTree>
       <p:nvGrpSpPr>
@@ -935,6 +958,7 @@
                 <a:sym typeface="Corbel"/>
               </a:defRPr>
             </a:pPr>
+            <a:endParaRPr/>
           </a:p>
         </p:txBody>
       </p:sp>
@@ -959,7 +983,7 @@
             <a:miter lim="400000"/>
           </a:ln>
           <a:effectLst>
-            <a:outerShdw sx="100000" sy="100000" kx="0" ky="0" algn="b" rotWithShape="0" blurRad="38100" dist="10160" dir="5400000">
+            <a:outerShdw blurRad="38100" dist="10160" dir="5400000" rotWithShape="0">
               <a:srgbClr val="000000">
                 <a:alpha val="60000"/>
               </a:srgbClr>
@@ -981,13 +1005,16 @@
                 <a:sym typeface="Corbel"/>
               </a:defRPr>
             </a:pPr>
+            <a:endParaRPr/>
           </a:p>
         </p:txBody>
       </p:sp>
       <p:sp>
         <p:nvSpPr>
           <p:cNvPr id="35" name="Titolo Testo"/>
-          <p:cNvSpPr txBox="1"/>
+          <p:cNvSpPr txBox="1">
+            <a:spLocks noGrp="1"/>
+          </p:cNvSpPr>
           <p:nvPr>
             <p:ph type="title"/>
           </p:nvPr>
@@ -1009,7 +1036,6 @@
             </a:lvl1pPr>
           </a:lstStyle>
           <a:p>
-            <a:pPr/>
             <a:r>
               <a:t>Titolo Testo</a:t>
             </a:r>
@@ -1019,7 +1045,9 @@
       <p:sp>
         <p:nvSpPr>
           <p:cNvPr id="36" name="Corpo livello uno…"/>
-          <p:cNvSpPr txBox="1"/>
+          <p:cNvSpPr txBox="1">
+            <a:spLocks noGrp="1"/>
+          </p:cNvSpPr>
           <p:nvPr>
             <p:ph type="body" sz="quarter" idx="1"/>
           </p:nvPr>
@@ -1088,7 +1116,6 @@
             </a:lvl5pPr>
           </a:lstStyle>
           <a:p>
-            <a:pPr/>
             <a:r>
               <a:t>Corpo livello uno</a:t>
             </a:r>
@@ -1122,7 +1149,9 @@
       <p:sp>
         <p:nvSpPr>
           <p:cNvPr id="37" name="Numero diapositiva"/>
-          <p:cNvSpPr txBox="1"/>
+          <p:cNvSpPr txBox="1">
+            <a:spLocks noGrp="1"/>
+          </p:cNvSpPr>
           <p:nvPr>
             <p:ph type="sldNum" sz="quarter" idx="2"/>
           </p:nvPr>
@@ -1136,8 +1165,12 @@
           <a:bodyPr/>
           <a:lstStyle/>
           <a:p>
-            <a:pPr/>
-            <a:fld id="{86CB4B4D-7CA3-9044-876B-883B54F8677D}" type="slidenum"/>
+            <a:fld id="{86CB4B4D-7CA3-9044-876B-883B54F8677D}" type="slidenum">
+              <a:rPr/>
+              <a:pPr/>
+              <a:t>‹N›</a:t>
+            </a:fld>
+            <a:endParaRPr/>
           </a:p>
         </p:txBody>
       </p:sp>
@@ -1146,12 +1179,12 @@
   <p:clrMapOvr>
     <a:masterClrMapping/>
   </p:clrMapOvr>
-  <p:transition xmlns:p14="http://schemas.microsoft.com/office/powerpoint/2010/main" spd="med" advClick="1"/>
+  <p:transition spd="med"/>
 </p:sldLayout>
 </file>
 
 <file path=ppt/slideLayouts/slideLayout4.xml><?xml version="1.0" encoding="utf-8"?>
-<p:sldLayout xmlns:a="http://schemas.openxmlformats.org/drawingml/2006/main" xmlns:r="http://schemas.openxmlformats.org/officeDocument/2006/relationships" xmlns:p="http://schemas.openxmlformats.org/presentationml/2006/main" xmlns:m="http://schemas.openxmlformats.org/officeDocument/2006/math" xmlns:a14="http://schemas.microsoft.com/office/drawing/2010/main" type="tx" showMasterSp="1" showMasterPhAnim="1">
+<p:sldLayout xmlns:a="http://schemas.openxmlformats.org/drawingml/2006/main" xmlns:r="http://schemas.openxmlformats.org/officeDocument/2006/relationships" xmlns:p="http://schemas.openxmlformats.org/presentationml/2006/main" type="tx">
   <p:cSld name="Due contenuti">
     <p:spTree>
       <p:nvGrpSpPr>
@@ -1170,7 +1203,9 @@
       <p:sp>
         <p:nvSpPr>
           <p:cNvPr id="44" name="Titolo Testo"/>
-          <p:cNvSpPr txBox="1"/>
+          <p:cNvSpPr txBox="1">
+            <a:spLocks noGrp="1"/>
+          </p:cNvSpPr>
           <p:nvPr>
             <p:ph type="title"/>
           </p:nvPr>
@@ -1188,7 +1223,6 @@
           <a:bodyPr/>
           <a:lstStyle/>
           <a:p>
-            <a:pPr/>
             <a:r>
               <a:t>Titolo Testo</a:t>
             </a:r>
@@ -1198,7 +1232,9 @@
       <p:sp>
         <p:nvSpPr>
           <p:cNvPr id="45" name="Corpo livello uno…"/>
-          <p:cNvSpPr txBox="1"/>
+          <p:cNvSpPr txBox="1">
+            <a:spLocks noGrp="1"/>
+          </p:cNvSpPr>
           <p:nvPr>
             <p:ph type="body" sz="half" idx="1"/>
           </p:nvPr>
@@ -1232,7 +1268,6 @@
             </a:lvl5pPr>
           </a:lstStyle>
           <a:p>
-            <a:pPr/>
             <a:r>
               <a:t>Corpo livello uno</a:t>
             </a:r>
@@ -1266,7 +1301,9 @@
       <p:sp>
         <p:nvSpPr>
           <p:cNvPr id="46" name="Numero diapositiva"/>
-          <p:cNvSpPr txBox="1"/>
+          <p:cNvSpPr txBox="1">
+            <a:spLocks noGrp="1"/>
+          </p:cNvSpPr>
           <p:nvPr>
             <p:ph type="sldNum" sz="quarter" idx="2"/>
           </p:nvPr>
@@ -1280,8 +1317,12 @@
           <a:bodyPr/>
           <a:lstStyle/>
           <a:p>
-            <a:pPr/>
-            <a:fld id="{86CB4B4D-7CA3-9044-876B-883B54F8677D}" type="slidenum"/>
+            <a:fld id="{86CB4B4D-7CA3-9044-876B-883B54F8677D}" type="slidenum">
+              <a:rPr/>
+              <a:pPr/>
+              <a:t>‹N›</a:t>
+            </a:fld>
+            <a:endParaRPr/>
           </a:p>
         </p:txBody>
       </p:sp>
@@ -1290,12 +1331,12 @@
   <p:clrMapOvr>
     <a:masterClrMapping/>
   </p:clrMapOvr>
-  <p:transition xmlns:p14="http://schemas.microsoft.com/office/powerpoint/2010/main" spd="med" advClick="1"/>
+  <p:transition spd="med"/>
 </p:sldLayout>
 </file>
 
 <file path=ppt/slideLayouts/slideLayout5.xml><?xml version="1.0" encoding="utf-8"?>
-<p:sldLayout xmlns:a="http://schemas.openxmlformats.org/drawingml/2006/main" xmlns:r="http://schemas.openxmlformats.org/officeDocument/2006/relationships" xmlns:p="http://schemas.openxmlformats.org/presentationml/2006/main" xmlns:m="http://schemas.openxmlformats.org/officeDocument/2006/math" xmlns:a14="http://schemas.microsoft.com/office/drawing/2010/main" type="tx" showMasterSp="1" showMasterPhAnim="1">
+<p:sldLayout xmlns:a="http://schemas.openxmlformats.org/drawingml/2006/main" xmlns:r="http://schemas.openxmlformats.org/officeDocument/2006/relationships" xmlns:p="http://schemas.openxmlformats.org/presentationml/2006/main" type="tx">
   <p:cSld name="Confronto">
     <p:spTree>
       <p:nvGrpSpPr>
@@ -1314,7 +1355,9 @@
       <p:sp>
         <p:nvSpPr>
           <p:cNvPr id="53" name="Titolo Testo"/>
-          <p:cNvSpPr txBox="1"/>
+          <p:cNvSpPr txBox="1">
+            <a:spLocks noGrp="1"/>
+          </p:cNvSpPr>
           <p:nvPr>
             <p:ph type="title"/>
           </p:nvPr>
@@ -1332,7 +1375,6 @@
           <a:bodyPr/>
           <a:lstStyle/>
           <a:p>
-            <a:pPr/>
             <a:r>
               <a:t>Titolo Testo</a:t>
             </a:r>
@@ -1342,7 +1384,9 @@
       <p:sp>
         <p:nvSpPr>
           <p:cNvPr id="54" name="Corpo livello uno…"/>
-          <p:cNvSpPr txBox="1"/>
+          <p:cNvSpPr txBox="1">
+            <a:spLocks noGrp="1"/>
+          </p:cNvSpPr>
           <p:nvPr>
             <p:ph type="body" sz="quarter" idx="1"/>
           </p:nvPr>
@@ -1363,35 +1407,34 @@
               <a:buClrTx/>
               <a:buSzTx/>
               <a:buNone/>
-              <a:defRPr cap="all" sz="2300"/>
+              <a:defRPr sz="2300" cap="all"/>
             </a:lvl1pPr>
             <a:lvl2pPr marL="0" indent="0">
               <a:buClrTx/>
               <a:buSzTx/>
               <a:buNone/>
-              <a:defRPr cap="all" sz="2300"/>
+              <a:defRPr sz="2300" cap="all"/>
             </a:lvl2pPr>
             <a:lvl3pPr marL="0" indent="0">
               <a:buClrTx/>
               <a:buSzTx/>
               <a:buNone/>
-              <a:defRPr cap="all" sz="2300"/>
+              <a:defRPr sz="2300" cap="all"/>
             </a:lvl3pPr>
             <a:lvl4pPr marL="0" indent="0">
               <a:buClrTx/>
               <a:buSzTx/>
               <a:buNone/>
-              <a:defRPr cap="all" sz="2300"/>
+              <a:defRPr sz="2300" cap="all"/>
             </a:lvl4pPr>
             <a:lvl5pPr marL="0" indent="0">
               <a:buClrTx/>
               <a:buSzTx/>
               <a:buNone/>
-              <a:defRPr cap="all" sz="2300"/>
+              <a:defRPr sz="2300" cap="all"/>
             </a:lvl5pPr>
           </a:lstStyle>
           <a:p>
-            <a:pPr/>
             <a:r>
               <a:t>Corpo livello uno</a:t>
             </a:r>
@@ -1425,7 +1468,9 @@
       <p:sp>
         <p:nvSpPr>
           <p:cNvPr id="55" name="Segnaposto testo 4"/>
-          <p:cNvSpPr/>
+          <p:cNvSpPr>
+            <a:spLocks noGrp="1"/>
+          </p:cNvSpPr>
           <p:nvPr>
             <p:ph type="body" sz="quarter" idx="13"/>
           </p:nvPr>
@@ -1443,14 +1488,16 @@
           <a:bodyPr anchor="ctr"/>
           <a:lstStyle/>
           <a:p>
-            <a:pPr/>
+            <a:endParaRPr/>
           </a:p>
         </p:txBody>
       </p:sp>
       <p:sp>
         <p:nvSpPr>
           <p:cNvPr id="56" name="Numero diapositiva"/>
-          <p:cNvSpPr txBox="1"/>
+          <p:cNvSpPr txBox="1">
+            <a:spLocks noGrp="1"/>
+          </p:cNvSpPr>
           <p:nvPr>
             <p:ph type="sldNum" sz="quarter" idx="2"/>
           </p:nvPr>
@@ -1464,8 +1511,12 @@
           <a:bodyPr/>
           <a:lstStyle/>
           <a:p>
-            <a:pPr/>
-            <a:fld id="{86CB4B4D-7CA3-9044-876B-883B54F8677D}" type="slidenum"/>
+            <a:fld id="{86CB4B4D-7CA3-9044-876B-883B54F8677D}" type="slidenum">
+              <a:rPr/>
+              <a:pPr/>
+              <a:t>‹N›</a:t>
+            </a:fld>
+            <a:endParaRPr/>
           </a:p>
         </p:txBody>
       </p:sp>
@@ -1474,12 +1525,12 @@
   <p:clrMapOvr>
     <a:masterClrMapping/>
   </p:clrMapOvr>
-  <p:transition xmlns:p14="http://schemas.microsoft.com/office/powerpoint/2010/main" spd="med" advClick="1"/>
+  <p:transition spd="med"/>
 </p:sldLayout>
 </file>
 
 <file path=ppt/slideLayouts/slideLayout6.xml><?xml version="1.0" encoding="utf-8"?>
-<p:sldLayout xmlns:a="http://schemas.openxmlformats.org/drawingml/2006/main" xmlns:r="http://schemas.openxmlformats.org/officeDocument/2006/relationships" xmlns:p="http://schemas.openxmlformats.org/presentationml/2006/main" xmlns:m="http://schemas.openxmlformats.org/officeDocument/2006/math" xmlns:a14="http://schemas.microsoft.com/office/drawing/2010/main" type="tx" showMasterSp="1" showMasterPhAnim="1">
+<p:sldLayout xmlns:a="http://schemas.openxmlformats.org/drawingml/2006/main" xmlns:r="http://schemas.openxmlformats.org/officeDocument/2006/relationships" xmlns:p="http://schemas.openxmlformats.org/presentationml/2006/main" type="tx">
   <p:cSld name="Solo titolo">
     <p:spTree>
       <p:nvGrpSpPr>
@@ -1498,7 +1549,9 @@
       <p:sp>
         <p:nvSpPr>
           <p:cNvPr id="63" name="Titolo Testo"/>
-          <p:cNvSpPr txBox="1"/>
+          <p:cNvSpPr txBox="1">
+            <a:spLocks noGrp="1"/>
+          </p:cNvSpPr>
           <p:nvPr>
             <p:ph type="title"/>
           </p:nvPr>
@@ -1516,7 +1569,6 @@
           <a:bodyPr/>
           <a:lstStyle/>
           <a:p>
-            <a:pPr/>
             <a:r>
               <a:t>Titolo Testo</a:t>
             </a:r>
@@ -1526,7 +1578,9 @@
       <p:sp>
         <p:nvSpPr>
           <p:cNvPr id="64" name="Numero diapositiva"/>
-          <p:cNvSpPr txBox="1"/>
+          <p:cNvSpPr txBox="1">
+            <a:spLocks noGrp="1"/>
+          </p:cNvSpPr>
           <p:nvPr>
             <p:ph type="sldNum" sz="quarter" idx="2"/>
           </p:nvPr>
@@ -1540,8 +1594,12 @@
           <a:bodyPr/>
           <a:lstStyle/>
           <a:p>
-            <a:pPr/>
-            <a:fld id="{86CB4B4D-7CA3-9044-876B-883B54F8677D}" type="slidenum"/>
+            <a:fld id="{86CB4B4D-7CA3-9044-876B-883B54F8677D}" type="slidenum">
+              <a:rPr/>
+              <a:pPr/>
+              <a:t>‹N›</a:t>
+            </a:fld>
+            <a:endParaRPr/>
           </a:p>
         </p:txBody>
       </p:sp>
@@ -1550,12 +1608,12 @@
   <p:clrMapOvr>
     <a:masterClrMapping/>
   </p:clrMapOvr>
-  <p:transition xmlns:p14="http://schemas.microsoft.com/office/powerpoint/2010/main" spd="med" advClick="1"/>
+  <p:transition spd="med"/>
 </p:sldLayout>
 </file>
 
 <file path=ppt/slideLayouts/slideLayout7.xml><?xml version="1.0" encoding="utf-8"?>
-<p:sldLayout xmlns:a="http://schemas.openxmlformats.org/drawingml/2006/main" xmlns:r="http://schemas.openxmlformats.org/officeDocument/2006/relationships" xmlns:p="http://schemas.openxmlformats.org/presentationml/2006/main" xmlns:m="http://schemas.openxmlformats.org/officeDocument/2006/math" xmlns:a14="http://schemas.microsoft.com/office/drawing/2010/main" type="tx" showMasterSp="0" showMasterPhAnim="1">
+<p:sldLayout xmlns:a="http://schemas.openxmlformats.org/drawingml/2006/main" xmlns:r="http://schemas.openxmlformats.org/officeDocument/2006/relationships" xmlns:p="http://schemas.openxmlformats.org/presentationml/2006/main" showMasterSp="0" type="tx">
   <p:cSld name="Vuota">
     <p:spTree>
       <p:nvGrpSpPr>
@@ -1574,7 +1632,9 @@
       <p:sp>
         <p:nvSpPr>
           <p:cNvPr id="71" name="Numero diapositiva"/>
-          <p:cNvSpPr txBox="1"/>
+          <p:cNvSpPr txBox="1">
+            <a:spLocks noGrp="1"/>
+          </p:cNvSpPr>
           <p:nvPr>
             <p:ph type="sldNum" sz="quarter" idx="2"/>
           </p:nvPr>
@@ -1588,8 +1648,12 @@
           <a:bodyPr/>
           <a:lstStyle/>
           <a:p>
-            <a:pPr/>
-            <a:fld id="{86CB4B4D-7CA3-9044-876B-883B54F8677D}" type="slidenum"/>
+            <a:fld id="{86CB4B4D-7CA3-9044-876B-883B54F8677D}" type="slidenum">
+              <a:rPr/>
+              <a:pPr/>
+              <a:t>‹N›</a:t>
+            </a:fld>
+            <a:endParaRPr/>
           </a:p>
         </p:txBody>
       </p:sp>
@@ -1598,12 +1662,12 @@
   <p:clrMapOvr>
     <a:masterClrMapping/>
   </p:clrMapOvr>
-  <p:transition xmlns:p14="http://schemas.microsoft.com/office/powerpoint/2010/main" spd="med" advClick="1"/>
+  <p:transition spd="med"/>
 </p:sldLayout>
 </file>
 
 <file path=ppt/slideLayouts/slideLayout8.xml><?xml version="1.0" encoding="utf-8"?>
-<p:sldLayout xmlns:a="http://schemas.openxmlformats.org/drawingml/2006/main" xmlns:r="http://schemas.openxmlformats.org/officeDocument/2006/relationships" xmlns:p="http://schemas.openxmlformats.org/presentationml/2006/main" xmlns:m="http://schemas.openxmlformats.org/officeDocument/2006/math" xmlns:a14="http://schemas.microsoft.com/office/drawing/2010/main" type="tx" showMasterSp="1" showMasterPhAnim="1">
+<p:sldLayout xmlns:a="http://schemas.openxmlformats.org/drawingml/2006/main" xmlns:r="http://schemas.openxmlformats.org/officeDocument/2006/relationships" xmlns:p="http://schemas.openxmlformats.org/presentationml/2006/main" type="tx">
   <p:cSld name="Contenuto con didascalia">
     <p:spTree>
       <p:nvGrpSpPr>
@@ -1622,7 +1686,9 @@
       <p:sp>
         <p:nvSpPr>
           <p:cNvPr id="78" name="Titolo Testo"/>
-          <p:cNvSpPr txBox="1"/>
+          <p:cNvSpPr txBox="1">
+            <a:spLocks noGrp="1"/>
+          </p:cNvSpPr>
           <p:nvPr>
             <p:ph type="title"/>
           </p:nvPr>
@@ -1644,7 +1710,6 @@
             </a:lvl1pPr>
           </a:lstStyle>
           <a:p>
-            <a:pPr/>
             <a:r>
               <a:t>Titolo Testo</a:t>
             </a:r>
@@ -1654,7 +1719,9 @@
       <p:sp>
         <p:nvSpPr>
           <p:cNvPr id="79" name="Corpo livello uno…"/>
-          <p:cNvSpPr txBox="1"/>
+          <p:cNvSpPr txBox="1">
+            <a:spLocks noGrp="1"/>
+          </p:cNvSpPr>
           <p:nvPr>
             <p:ph type="body" idx="1"/>
           </p:nvPr>
@@ -1672,7 +1739,6 @@
           <a:bodyPr/>
           <a:lstStyle/>
           <a:p>
-            <a:pPr/>
             <a:r>
               <a:t>Corpo livello uno</a:t>
             </a:r>
@@ -1706,7 +1772,9 @@
       <p:sp>
         <p:nvSpPr>
           <p:cNvPr id="80" name="Segnaposto testo 3"/>
-          <p:cNvSpPr/>
+          <p:cNvSpPr>
+            <a:spLocks noGrp="1"/>
+          </p:cNvSpPr>
           <p:nvPr>
             <p:ph type="body" sz="quarter" idx="13"/>
           </p:nvPr>
@@ -1724,7 +1792,7 @@
           <a:bodyPr/>
           <a:lstStyle/>
           <a:p>
-            <a:pPr/>
+            <a:endParaRPr/>
           </a:p>
         </p:txBody>
       </p:sp>
@@ -1764,6 +1832,7 @@
                 <a:sym typeface="Corbel"/>
               </a:defRPr>
             </a:pPr>
+            <a:endParaRPr/>
           </a:p>
         </p:txBody>
       </p:sp>
@@ -1803,13 +1872,16 @@
                 <a:sym typeface="Corbel"/>
               </a:defRPr>
             </a:pPr>
+            <a:endParaRPr/>
           </a:p>
         </p:txBody>
       </p:sp>
       <p:sp>
         <p:nvSpPr>
           <p:cNvPr id="83" name="Numero diapositiva"/>
-          <p:cNvSpPr txBox="1"/>
+          <p:cNvSpPr txBox="1">
+            <a:spLocks noGrp="1"/>
+          </p:cNvSpPr>
           <p:nvPr>
             <p:ph type="sldNum" sz="quarter" idx="2"/>
           </p:nvPr>
@@ -1823,8 +1895,12 @@
           <a:bodyPr/>
           <a:lstStyle/>
           <a:p>
-            <a:pPr/>
-            <a:fld id="{86CB4B4D-7CA3-9044-876B-883B54F8677D}" type="slidenum"/>
+            <a:fld id="{86CB4B4D-7CA3-9044-876B-883B54F8677D}" type="slidenum">
+              <a:rPr/>
+              <a:pPr/>
+              <a:t>‹N›</a:t>
+            </a:fld>
+            <a:endParaRPr/>
           </a:p>
         </p:txBody>
       </p:sp>
@@ -1833,12 +1909,12 @@
   <p:clrMapOvr>
     <a:masterClrMapping/>
   </p:clrMapOvr>
-  <p:transition xmlns:p14="http://schemas.microsoft.com/office/powerpoint/2010/main" spd="med" advClick="1"/>
+  <p:transition spd="med"/>
 </p:sldLayout>
 </file>
 
 <file path=ppt/slideLayouts/slideLayout9.xml><?xml version="1.0" encoding="utf-8"?>
-<p:sldLayout xmlns:a="http://schemas.openxmlformats.org/drawingml/2006/main" xmlns:r="http://schemas.openxmlformats.org/officeDocument/2006/relationships" xmlns:p="http://schemas.openxmlformats.org/presentationml/2006/main" xmlns:m="http://schemas.openxmlformats.org/officeDocument/2006/math" xmlns:a14="http://schemas.microsoft.com/office/drawing/2010/main" type="tx" showMasterSp="1" showMasterPhAnim="1">
+<p:sldLayout xmlns:a="http://schemas.openxmlformats.org/drawingml/2006/main" xmlns:r="http://schemas.openxmlformats.org/officeDocument/2006/relationships" xmlns:p="http://schemas.openxmlformats.org/presentationml/2006/main" type="tx">
   <p:cSld name="Immagine con didascalia">
     <p:spTree>
       <p:nvGrpSpPr>
@@ -1857,7 +1933,9 @@
       <p:sp>
         <p:nvSpPr>
           <p:cNvPr id="90" name="Titolo Testo"/>
-          <p:cNvSpPr txBox="1"/>
+          <p:cNvSpPr txBox="1">
+            <a:spLocks noGrp="1"/>
+          </p:cNvSpPr>
           <p:nvPr>
             <p:ph type="title"/>
           </p:nvPr>
@@ -1879,7 +1957,6 @@
             </a:lvl1pPr>
           </a:lstStyle>
           <a:p>
-            <a:pPr/>
             <a:r>
               <a:t>Titolo Testo</a:t>
             </a:r>
@@ -1889,7 +1966,9 @@
       <p:sp>
         <p:nvSpPr>
           <p:cNvPr id="91" name="Segnaposto immagine 2"/>
-          <p:cNvSpPr/>
+          <p:cNvSpPr>
+            <a:spLocks noGrp="1"/>
+          </p:cNvSpPr>
           <p:nvPr>
             <p:ph type="pic" idx="13"/>
           </p:nvPr>
@@ -1909,14 +1988,16 @@
           </a:bodyPr>
           <a:lstStyle/>
           <a:p>
-            <a:pPr/>
+            <a:endParaRPr/>
           </a:p>
         </p:txBody>
       </p:sp>
       <p:sp>
         <p:nvSpPr>
           <p:cNvPr id="92" name="Corpo livello uno…"/>
-          <p:cNvSpPr txBox="1"/>
+          <p:cNvSpPr txBox="1">
+            <a:spLocks noGrp="1"/>
+          </p:cNvSpPr>
           <p:nvPr>
             <p:ph type="body" sz="quarter" idx="1"/>
           </p:nvPr>
@@ -1965,7 +2046,6 @@
             </a:lvl5pPr>
           </a:lstStyle>
           <a:p>
-            <a:pPr/>
             <a:r>
               <a:t>Corpo livello uno</a:t>
             </a:r>
@@ -2032,6 +2112,7 @@
                 <a:sym typeface="Corbel"/>
               </a:defRPr>
             </a:pPr>
+            <a:endParaRPr/>
           </a:p>
         </p:txBody>
       </p:sp>
@@ -2071,13 +2152,16 @@
                 <a:sym typeface="Corbel"/>
               </a:defRPr>
             </a:pPr>
+            <a:endParaRPr/>
           </a:p>
         </p:txBody>
       </p:sp>
       <p:sp>
         <p:nvSpPr>
           <p:cNvPr id="95" name="Numero diapositiva"/>
-          <p:cNvSpPr txBox="1"/>
+          <p:cNvSpPr txBox="1">
+            <a:spLocks noGrp="1"/>
+          </p:cNvSpPr>
           <p:nvPr>
             <p:ph type="sldNum" sz="quarter" idx="2"/>
           </p:nvPr>
@@ -2095,8 +2179,12 @@
           <a:bodyPr/>
           <a:lstStyle/>
           <a:p>
-            <a:pPr/>
-            <a:fld id="{86CB4B4D-7CA3-9044-876B-883B54F8677D}" type="slidenum"/>
+            <a:fld id="{86CB4B4D-7CA3-9044-876B-883B54F8677D}" type="slidenum">
+              <a:rPr/>
+              <a:pPr/>
+              <a:t>‹N›</a:t>
+            </a:fld>
+            <a:endParaRPr/>
           </a:p>
         </p:txBody>
       </p:sp>
@@ -2105,18 +2193,19 @@
   <p:clrMapOvr>
     <a:masterClrMapping/>
   </p:clrMapOvr>
-  <p:transition xmlns:p14="http://schemas.microsoft.com/office/powerpoint/2010/main" spd="med" advClick="1"/>
+  <p:transition spd="med"/>
 </p:sldLayout>
 </file>
 
 <file path=ppt/slideMasters/slideMaster1.xml><?xml version="1.0" encoding="utf-8"?>
-<p:sldMaster xmlns:a="http://schemas.openxmlformats.org/drawingml/2006/main" xmlns:r="http://schemas.openxmlformats.org/officeDocument/2006/relationships" xmlns:p="http://schemas.openxmlformats.org/presentationml/2006/main" xmlns:m="http://schemas.openxmlformats.org/officeDocument/2006/math" xmlns:a14="http://schemas.microsoft.com/office/drawing/2010/main">
+<p:sldMaster xmlns:a="http://schemas.openxmlformats.org/drawingml/2006/main" xmlns:r="http://schemas.openxmlformats.org/officeDocument/2006/relationships" xmlns:p="http://schemas.openxmlformats.org/presentationml/2006/main">
   <p:cSld>
     <p:bg>
       <p:bgPr>
         <a:solidFill>
           <a:srgbClr val="FFFFFF"/>
         </a:solidFill>
+        <a:effectLst/>
       </p:bgPr>
     </p:bg>
     <p:spTree>
@@ -2154,7 +2243,7 @@
             <a:miter lim="400000"/>
           </a:ln>
           <a:effectLst>
-            <a:outerShdw sx="100000" sy="100000" kx="0" ky="0" algn="b" rotWithShape="0" blurRad="38100" dist="10160" dir="5400000">
+            <a:outerShdw blurRad="38100" dist="10160" dir="5400000" rotWithShape="0">
               <a:srgbClr val="000000">
                 <a:alpha val="60000"/>
               </a:srgbClr>
@@ -2176,6 +2265,7 @@
                 <a:sym typeface="Corbel"/>
               </a:defRPr>
             </a:pPr>
+            <a:endParaRPr/>
           </a:p>
         </p:txBody>
       </p:sp>
@@ -2215,13 +2305,16 @@
                 <a:sym typeface="Corbel"/>
               </a:defRPr>
             </a:pPr>
+            <a:endParaRPr/>
           </a:p>
         </p:txBody>
       </p:sp>
       <p:sp>
         <p:nvSpPr>
           <p:cNvPr id="4" name="Titolo Testo"/>
-          <p:cNvSpPr txBox="1"/>
+          <p:cNvSpPr txBox="1">
+            <a:spLocks noGrp="1"/>
+          </p:cNvSpPr>
           <p:nvPr>
             <p:ph type="title"/>
           </p:nvPr>
@@ -2239,17 +2332,16 @@
           </a:ln>
           <a:extLst>
             <a:ext uri="{C572A759-6A51-4108-AA02-DFA0A04FC94B}">
-              <ma14:wrappingTextBoxFlag xmlns:ma14="http://schemas.microsoft.com/office/mac/drawingml/2011/main" val="1"/>
+              <ma14:wrappingTextBoxFlag xmlns:ma14="http://schemas.microsoft.com/office/mac/drawingml/2011/main" xmlns:a14="http://schemas.microsoft.com/office/drawing/2010/main" xmlns:m="http://schemas.openxmlformats.org/officeDocument/2006/math" xmlns="" val="1"/>
             </a:ext>
           </a:extLst>
         </p:spPr>
         <p:txBody>
           <a:bodyPr lIns="45718" tIns="45718" rIns="45718" bIns="45718" anchor="ctr">
-            <a:normAutofit fontScale="100000" lnSpcReduction="0"/>
+            <a:normAutofit/>
           </a:bodyPr>
           <a:lstStyle/>
           <a:p>
-            <a:pPr/>
             <a:r>
               <a:t>Titolo Testo</a:t>
             </a:r>
@@ -2259,7 +2351,9 @@
       <p:sp>
         <p:nvSpPr>
           <p:cNvPr id="5" name="Corpo livello uno…"/>
-          <p:cNvSpPr txBox="1"/>
+          <p:cNvSpPr txBox="1">
+            <a:spLocks noGrp="1"/>
+          </p:cNvSpPr>
           <p:nvPr>
             <p:ph type="body" idx="1"/>
           </p:nvPr>
@@ -2277,17 +2371,16 @@
           </a:ln>
           <a:extLst>
             <a:ext uri="{C572A759-6A51-4108-AA02-DFA0A04FC94B}">
-              <ma14:wrappingTextBoxFlag xmlns:ma14="http://schemas.microsoft.com/office/mac/drawingml/2011/main" val="1"/>
+              <ma14:wrappingTextBoxFlag xmlns:ma14="http://schemas.microsoft.com/office/mac/drawingml/2011/main" xmlns:a14="http://schemas.microsoft.com/office/drawing/2010/main" xmlns:m="http://schemas.openxmlformats.org/officeDocument/2006/math" xmlns="" val="1"/>
             </a:ext>
           </a:extLst>
         </p:spPr>
         <p:txBody>
           <a:bodyPr lIns="45718" tIns="45718" rIns="45718" bIns="45718">
-            <a:normAutofit fontScale="100000" lnSpcReduction="0"/>
+            <a:normAutofit/>
           </a:bodyPr>
           <a:lstStyle/>
           <a:p>
-            <a:pPr/>
             <a:r>
               <a:t>Corpo livello uno</a:t>
             </a:r>
@@ -2321,7 +2414,9 @@
       <p:sp>
         <p:nvSpPr>
           <p:cNvPr id="6" name="Numero diapositiva"/>
-          <p:cNvSpPr txBox="1"/>
+          <p:cNvSpPr txBox="1">
+            <a:spLocks noGrp="1"/>
+          </p:cNvSpPr>
           <p:nvPr>
             <p:ph type="sldNum" sz="quarter" idx="2"/>
           </p:nvPr>
@@ -2356,8 +2451,12 @@
             </a:lvl1pPr>
           </a:lstStyle>
           <a:p>
-            <a:pPr/>
-            <a:fld id="{86CB4B4D-7CA3-9044-876B-883B54F8677D}" type="slidenum"/>
+            <a:fld id="{86CB4B4D-7CA3-9044-876B-883B54F8677D}" type="slidenum">
+              <a:rPr/>
+              <a:pPr/>
+              <a:t>‹N›</a:t>
+            </a:fld>
+            <a:endParaRPr/>
           </a:p>
         </p:txBody>
       </p:sp>
@@ -2365,17 +2464,17 @@
   </p:cSld>
   <p:clrMap bg1="lt1" tx1="dk1" bg2="lt2" tx2="dk2" accent1="accent1" accent2="accent2" accent3="accent3" accent4="accent4" accent5="accent5" accent6="accent6" hlink="hlink" folHlink="folHlink"/>
   <p:sldLayoutIdLst>
-    <p:sldLayoutId id="2147483649" r:id="rId2"/>
-    <p:sldLayoutId id="2147483650" r:id="rId3"/>
-    <p:sldLayoutId id="2147483651" r:id="rId4"/>
-    <p:sldLayoutId id="2147483652" r:id="rId5"/>
-    <p:sldLayoutId id="2147483653" r:id="rId6"/>
-    <p:sldLayoutId id="2147483654" r:id="rId7"/>
-    <p:sldLayoutId id="2147483655" r:id="rId8"/>
-    <p:sldLayoutId id="2147483656" r:id="rId9"/>
-    <p:sldLayoutId id="2147483657" r:id="rId10"/>
+    <p:sldLayoutId id="2147483649" r:id="rId1"/>
+    <p:sldLayoutId id="2147483650" r:id="rId2"/>
+    <p:sldLayoutId id="2147483651" r:id="rId3"/>
+    <p:sldLayoutId id="2147483652" r:id="rId4"/>
+    <p:sldLayoutId id="2147483653" r:id="rId5"/>
+    <p:sldLayoutId id="2147483654" r:id="rId6"/>
+    <p:sldLayoutId id="2147483655" r:id="rId7"/>
+    <p:sldLayoutId id="2147483656" r:id="rId8"/>
+    <p:sldLayoutId id="2147483657" r:id="rId9"/>
   </p:sldLayoutIdLst>
-  <p:transition xmlns:p14="http://schemas.microsoft.com/office/powerpoint/2010/main" spd="med" advClick="1"/>
+  <p:transition spd="med"/>
   <p:txStyles>
     <p:titleStyle>
       <a:lvl1pPr marL="0" marR="0" indent="0" algn="l" defTabSz="914400" rtl="0" latinLnBrk="0">
@@ -2393,7 +2492,7 @@
         <a:buFontTx/>
         <a:buNone/>
         <a:tabLst/>
-        <a:defRPr b="0" baseline="0" cap="none" i="0" spc="0" strike="noStrike" sz="4500" u="none">
+        <a:defRPr sz="4500" b="0" i="0" u="none" strike="noStrike" cap="none" spc="0" baseline="0">
           <a:solidFill>
             <a:schemeClr val="accent2">
               <a:lumOff val="16690"/>
@@ -2421,7 +2520,7 @@
         <a:buFontTx/>
         <a:buNone/>
         <a:tabLst/>
-        <a:defRPr b="0" baseline="0" cap="none" i="0" spc="0" strike="noStrike" sz="4500" u="none">
+        <a:defRPr sz="4500" b="0" i="0" u="none" strike="noStrike" cap="none" spc="0" baseline="0">
           <a:solidFill>
             <a:schemeClr val="accent2">
               <a:lumOff val="16690"/>
@@ -2449,7 +2548,7 @@
         <a:buFontTx/>
         <a:buNone/>
         <a:tabLst/>
-        <a:defRPr b="0" baseline="0" cap="none" i="0" spc="0" strike="noStrike" sz="4500" u="none">
+        <a:defRPr sz="4500" b="0" i="0" u="none" strike="noStrike" cap="none" spc="0" baseline="0">
           <a:solidFill>
             <a:schemeClr val="accent2">
               <a:lumOff val="16690"/>
@@ -2477,7 +2576,7 @@
         <a:buFontTx/>
         <a:buNone/>
         <a:tabLst/>
-        <a:defRPr b="0" baseline="0" cap="none" i="0" spc="0" strike="noStrike" sz="4500" u="none">
+        <a:defRPr sz="4500" b="0" i="0" u="none" strike="noStrike" cap="none" spc="0" baseline="0">
           <a:solidFill>
             <a:schemeClr val="accent2">
               <a:lumOff val="16690"/>
@@ -2505,7 +2604,7 @@
         <a:buFontTx/>
         <a:buNone/>
         <a:tabLst/>
-        <a:defRPr b="0" baseline="0" cap="none" i="0" spc="0" strike="noStrike" sz="4500" u="none">
+        <a:defRPr sz="4500" b="0" i="0" u="none" strike="noStrike" cap="none" spc="0" baseline="0">
           <a:solidFill>
             <a:schemeClr val="accent2">
               <a:lumOff val="16690"/>
@@ -2533,7 +2632,7 @@
         <a:buFontTx/>
         <a:buNone/>
         <a:tabLst/>
-        <a:defRPr b="0" baseline="0" cap="none" i="0" spc="0" strike="noStrike" sz="4500" u="none">
+        <a:defRPr sz="4500" b="0" i="0" u="none" strike="noStrike" cap="none" spc="0" baseline="0">
           <a:solidFill>
             <a:schemeClr val="accent2">
               <a:lumOff val="16690"/>
@@ -2561,7 +2660,7 @@
         <a:buFontTx/>
         <a:buNone/>
         <a:tabLst/>
-        <a:defRPr b="0" baseline="0" cap="none" i="0" spc="0" strike="noStrike" sz="4500" u="none">
+        <a:defRPr sz="4500" b="0" i="0" u="none" strike="noStrike" cap="none" spc="0" baseline="0">
           <a:solidFill>
             <a:schemeClr val="accent2">
               <a:lumOff val="16690"/>
@@ -2589,7 +2688,7 @@
         <a:buFontTx/>
         <a:buNone/>
         <a:tabLst/>
-        <a:defRPr b="0" baseline="0" cap="none" i="0" spc="0" strike="noStrike" sz="4500" u="none">
+        <a:defRPr sz="4500" b="0" i="0" u="none" strike="noStrike" cap="none" spc="0" baseline="0">
           <a:solidFill>
             <a:schemeClr val="accent2">
               <a:lumOff val="16690"/>
@@ -2617,7 +2716,7 @@
         <a:buFontTx/>
         <a:buNone/>
         <a:tabLst/>
-        <a:defRPr b="0" baseline="0" cap="none" i="0" spc="0" strike="noStrike" sz="4500" u="none">
+        <a:defRPr sz="4500" b="0" i="0" u="none" strike="noStrike" cap="none" spc="0" baseline="0">
           <a:solidFill>
             <a:schemeClr val="accent2">
               <a:lumOff val="16690"/>
@@ -2651,7 +2750,7 @@
         <a:buFontTx/>
         <a:buChar char="◼"/>
         <a:tabLst/>
-        <a:defRPr b="0" baseline="0" cap="none" i="0" spc="0" strike="noStrike" sz="3200" u="none">
+        <a:defRPr sz="3200" b="0" i="0" u="none" strike="noStrike" cap="none" spc="0" baseline="0">
           <a:solidFill>
             <a:srgbClr val="000000"/>
           </a:solidFill>
@@ -2681,7 +2780,7 @@
         <a:buFontTx/>
         <a:buChar char="▪"/>
         <a:tabLst/>
-        <a:defRPr b="0" baseline="0" cap="none" i="0" spc="0" strike="noStrike" sz="3200" u="none">
+        <a:defRPr sz="3200" b="0" i="0" u="none" strike="noStrike" cap="none" spc="0" baseline="0">
           <a:solidFill>
             <a:srgbClr val="000000"/>
           </a:solidFill>
@@ -2711,7 +2810,7 @@
         <a:buFontTx/>
         <a:buChar char="▪"/>
         <a:tabLst/>
-        <a:defRPr b="0" baseline="0" cap="none" i="0" spc="0" strike="noStrike" sz="3200" u="none">
+        <a:defRPr sz="3200" b="0" i="0" u="none" strike="noStrike" cap="none" spc="0" baseline="0">
           <a:solidFill>
             <a:srgbClr val="000000"/>
           </a:solidFill>
@@ -2741,7 +2840,7 @@
         <a:buFontTx/>
         <a:buChar char="▪"/>
         <a:tabLst/>
-        <a:defRPr b="0" baseline="0" cap="none" i="0" spc="0" strike="noStrike" sz="3200" u="none">
+        <a:defRPr sz="3200" b="0" i="0" u="none" strike="noStrike" cap="none" spc="0" baseline="0">
           <a:solidFill>
             <a:srgbClr val="000000"/>
           </a:solidFill>
@@ -2771,7 +2870,7 @@
         <a:buFontTx/>
         <a:buChar char="­"/>
         <a:tabLst/>
-        <a:defRPr b="0" baseline="0" cap="none" i="0" spc="0" strike="noStrike" sz="3200" u="none">
+        <a:defRPr sz="3200" b="0" i="0" u="none" strike="noStrike" cap="none" spc="0" baseline="0">
           <a:solidFill>
             <a:srgbClr val="000000"/>
           </a:solidFill>
@@ -2801,7 +2900,7 @@
         <a:buFontTx/>
         <a:buChar char="●"/>
         <a:tabLst/>
-        <a:defRPr b="0" baseline="0" cap="none" i="0" spc="0" strike="noStrike" sz="3200" u="none">
+        <a:defRPr sz="3200" b="0" i="0" u="none" strike="noStrike" cap="none" spc="0" baseline="0">
           <a:solidFill>
             <a:srgbClr val="000000"/>
           </a:solidFill>
@@ -2831,7 +2930,7 @@
         <a:buFontTx/>
         <a:buChar char="●"/>
         <a:tabLst/>
-        <a:defRPr b="0" baseline="0" cap="none" i="0" spc="0" strike="noStrike" sz="3200" u="none">
+        <a:defRPr sz="3200" b="0" i="0" u="none" strike="noStrike" cap="none" spc="0" baseline="0">
           <a:solidFill>
             <a:srgbClr val="000000"/>
           </a:solidFill>
@@ -2861,7 +2960,7 @@
         <a:buFontTx/>
         <a:buChar char="●"/>
         <a:tabLst/>
-        <a:defRPr b="0" baseline="0" cap="none" i="0" spc="0" strike="noStrike" sz="3200" u="none">
+        <a:defRPr sz="3200" b="0" i="0" u="none" strike="noStrike" cap="none" spc="0" baseline="0">
           <a:solidFill>
             <a:srgbClr val="000000"/>
           </a:solidFill>
@@ -2891,7 +2990,7 @@
         <a:buFontTx/>
         <a:buChar char="●"/>
         <a:tabLst/>
-        <a:defRPr b="0" baseline="0" cap="none" i="0" spc="0" strike="noStrike" sz="3200" u="none">
+        <a:defRPr sz="3200" b="0" i="0" u="none" strike="noStrike" cap="none" spc="0" baseline="0">
           <a:solidFill>
             <a:srgbClr val="000000"/>
           </a:solidFill>
@@ -2919,7 +3018,7 @@
         <a:buFontTx/>
         <a:buNone/>
         <a:tabLst/>
-        <a:defRPr b="0" baseline="0" cap="none" i="0" spc="0" strike="noStrike" sz="1200" u="none">
+        <a:defRPr sz="1200" b="0" i="0" u="none" strike="noStrike" cap="none" spc="0" baseline="0">
           <a:solidFill>
             <a:schemeClr val="tx1"/>
           </a:solidFill>
@@ -2945,7 +3044,7 @@
         <a:buFontTx/>
         <a:buNone/>
         <a:tabLst/>
-        <a:defRPr b="0" baseline="0" cap="none" i="0" spc="0" strike="noStrike" sz="1200" u="none">
+        <a:defRPr sz="1200" b="0" i="0" u="none" strike="noStrike" cap="none" spc="0" baseline="0">
           <a:solidFill>
             <a:schemeClr val="tx1"/>
           </a:solidFill>
@@ -2971,7 +3070,7 @@
         <a:buFontTx/>
         <a:buNone/>
         <a:tabLst/>
-        <a:defRPr b="0" baseline="0" cap="none" i="0" spc="0" strike="noStrike" sz="1200" u="none">
+        <a:defRPr sz="1200" b="0" i="0" u="none" strike="noStrike" cap="none" spc="0" baseline="0">
           <a:solidFill>
             <a:schemeClr val="tx1"/>
           </a:solidFill>
@@ -2997,7 +3096,7 @@
         <a:buFontTx/>
         <a:buNone/>
         <a:tabLst/>
-        <a:defRPr b="0" baseline="0" cap="none" i="0" spc="0" strike="noStrike" sz="1200" u="none">
+        <a:defRPr sz="1200" b="0" i="0" u="none" strike="noStrike" cap="none" spc="0" baseline="0">
           <a:solidFill>
             <a:schemeClr val="tx1"/>
           </a:solidFill>
@@ -3023,7 +3122,7 @@
         <a:buFontTx/>
         <a:buNone/>
         <a:tabLst/>
-        <a:defRPr b="0" baseline="0" cap="none" i="0" spc="0" strike="noStrike" sz="1200" u="none">
+        <a:defRPr sz="1200" b="0" i="0" u="none" strike="noStrike" cap="none" spc="0" baseline="0">
           <a:solidFill>
             <a:schemeClr val="tx1"/>
           </a:solidFill>
@@ -3049,7 +3148,7 @@
         <a:buFontTx/>
         <a:buNone/>
         <a:tabLst/>
-        <a:defRPr b="0" baseline="0" cap="none" i="0" spc="0" strike="noStrike" sz="1200" u="none">
+        <a:defRPr sz="1200" b="0" i="0" u="none" strike="noStrike" cap="none" spc="0" baseline="0">
           <a:solidFill>
             <a:schemeClr val="tx1"/>
           </a:solidFill>
@@ -3075,7 +3174,7 @@
         <a:buFontTx/>
         <a:buNone/>
         <a:tabLst/>
-        <a:defRPr b="0" baseline="0" cap="none" i="0" spc="0" strike="noStrike" sz="1200" u="none">
+        <a:defRPr sz="1200" b="0" i="0" u="none" strike="noStrike" cap="none" spc="0" baseline="0">
           <a:solidFill>
             <a:schemeClr val="tx1"/>
           </a:solidFill>
@@ -3101,7 +3200,7 @@
         <a:buFontTx/>
         <a:buNone/>
         <a:tabLst/>
-        <a:defRPr b="0" baseline="0" cap="none" i="0" spc="0" strike="noStrike" sz="1200" u="none">
+        <a:defRPr sz="1200" b="0" i="0" u="none" strike="noStrike" cap="none" spc="0" baseline="0">
           <a:solidFill>
             <a:schemeClr val="tx1"/>
           </a:solidFill>
@@ -3127,7 +3226,7 @@
         <a:buFontTx/>
         <a:buNone/>
         <a:tabLst/>
-        <a:defRPr b="0" baseline="0" cap="none" i="0" spc="0" strike="noStrike" sz="1200" u="none">
+        <a:defRPr sz="1200" b="0" i="0" u="none" strike="noStrike" cap="none" spc="0" baseline="0">
           <a:solidFill>
             <a:schemeClr val="tx1"/>
           </a:solidFill>
@@ -3144,7 +3243,7 @@
 </file>
 
 <file path=ppt/slides/slide1.xml><?xml version="1.0" encoding="utf-8"?>
-<p:sld xmlns:a="http://schemas.openxmlformats.org/drawingml/2006/main" xmlns:r="http://schemas.openxmlformats.org/officeDocument/2006/relationships" xmlns:p="http://schemas.openxmlformats.org/presentationml/2006/main" xmlns:m="http://schemas.openxmlformats.org/officeDocument/2006/math" xmlns:a14="http://schemas.microsoft.com/office/drawing/2010/main" showMasterSp="1" showMasterPhAnim="1">
+<p:sld xmlns:a="http://schemas.openxmlformats.org/drawingml/2006/main" xmlns:r="http://schemas.openxmlformats.org/officeDocument/2006/relationships" xmlns:p="http://schemas.openxmlformats.org/presentationml/2006/main">
   <p:cSld>
     <p:spTree>
       <p:nvGrpSpPr>
@@ -3163,7 +3262,9 @@
       <p:sp>
         <p:nvSpPr>
           <p:cNvPr id="104" name="Sottotitolo 5"/>
-          <p:cNvSpPr txBox="1"/>
+          <p:cNvSpPr txBox="1">
+            <a:spLocks noGrp="1"/>
+          </p:cNvSpPr>
           <p:nvPr>
             <p:ph type="subTitle" sz="quarter" idx="1"/>
           </p:nvPr>
@@ -3190,7 +3291,6 @@
             </a:lvl1pPr>
           </a:lstStyle>
           <a:p>
-            <a:pPr/>
             <a:r>
               <a:t>Can we predict , within 10 years, whether or not a person sees the risk to get coronary heart disease?</a:t>
             </a:r>
@@ -3216,7 +3316,7 @@
           </a:ln>
           <a:extLst>
             <a:ext uri="{C572A759-6A51-4108-AA02-DFA0A04FC94B}">
-              <ma14:wrappingTextBoxFlag xmlns:ma14="http://schemas.microsoft.com/office/mac/drawingml/2011/main" val="1"/>
+              <ma14:wrappingTextBoxFlag xmlns:ma14="http://schemas.microsoft.com/office/mac/drawingml/2011/main" xmlns:a14="http://schemas.microsoft.com/office/drawing/2010/main" xmlns:m="http://schemas.openxmlformats.org/officeDocument/2006/math" xmlns="" val="1"/>
             </a:ext>
           </a:extLst>
         </p:spPr>
@@ -3272,7 +3372,7 @@
           </a:ln>
           <a:extLst>
             <a:ext uri="{C572A759-6A51-4108-AA02-DFA0A04FC94B}">
-              <ma14:wrappingTextBoxFlag xmlns:ma14="http://schemas.microsoft.com/office/mac/drawingml/2011/main" val="1"/>
+              <ma14:wrappingTextBoxFlag xmlns:ma14="http://schemas.microsoft.com/office/mac/drawingml/2011/main" xmlns:a14="http://schemas.microsoft.com/office/drawing/2010/main" xmlns:m="http://schemas.openxmlformats.org/officeDocument/2006/math" xmlns="" val="1"/>
             </a:ext>
           </a:extLst>
         </p:spPr>
@@ -3282,7 +3382,7 @@
           </a:bodyPr>
           <a:lstStyle>
             <a:lvl1pPr algn="ctr">
-              <a:defRPr i="1" sz="2800">
+              <a:defRPr sz="2800" i="1">
                 <a:solidFill>
                   <a:srgbClr val="FFFFFF"/>
                 </a:solidFill>
@@ -3294,7 +3394,6 @@
             </a:lvl1pPr>
           </a:lstStyle>
           <a:p>
-            <a:pPr/>
             <a:r>
               <a:t>FINAL PROJECT</a:t>
             </a:r>
@@ -3306,12 +3405,19 @@
   <p:clrMapOvr>
     <a:masterClrMapping/>
   </p:clrMapOvr>
-  <p:transition xmlns:p14="http://schemas.microsoft.com/office/powerpoint/2010/main" spd="med" advClick="1"/>
+  <p:transition spd="med"/>
+  <p:timing>
+    <p:tnLst>
+      <p:par>
+        <p:cTn id="1" dur="indefinite" restart="never" nodeType="tmRoot"/>
+      </p:par>
+    </p:tnLst>
+  </p:timing>
 </p:sld>
 </file>
 
 <file path=ppt/slides/slide10.xml><?xml version="1.0" encoding="utf-8"?>
-<p:sld xmlns:a="http://schemas.openxmlformats.org/drawingml/2006/main" xmlns:r="http://schemas.openxmlformats.org/officeDocument/2006/relationships" xmlns:p="http://schemas.openxmlformats.org/presentationml/2006/main" xmlns:m="http://schemas.openxmlformats.org/officeDocument/2006/math" xmlns:a14="http://schemas.microsoft.com/office/drawing/2010/main" showMasterSp="1" showMasterPhAnim="1">
+<p:sld xmlns:a="http://schemas.openxmlformats.org/drawingml/2006/main" xmlns:r="http://schemas.openxmlformats.org/officeDocument/2006/relationships" xmlns:p="http://schemas.openxmlformats.org/presentationml/2006/main">
   <p:cSld>
     <p:spTree>
       <p:nvGrpSpPr>
@@ -3330,7 +3436,9 @@
       <p:sp>
         <p:nvSpPr>
           <p:cNvPr id="145" name="Titolo 9"/>
-          <p:cNvSpPr txBox="1"/>
+          <p:cNvSpPr txBox="1">
+            <a:spLocks noGrp="1"/>
+          </p:cNvSpPr>
           <p:nvPr>
             <p:ph type="title"/>
           </p:nvPr>
@@ -3349,7 +3457,7 @@
           <a:lstStyle/>
           <a:p>
             <a:pPr>
-              <a:defRPr b="1" sz="4000">
+              <a:defRPr sz="4000" b="1">
                 <a:solidFill>
                   <a:srgbClr val="FFFFFF"/>
                 </a:solidFill>
@@ -3388,7 +3496,7 @@
           </a:ln>
           <a:extLst>
             <a:ext uri="{C572A759-6A51-4108-AA02-DFA0A04FC94B}">
-              <ma14:wrappingTextBoxFlag xmlns:ma14="http://schemas.microsoft.com/office/mac/drawingml/2011/main" val="1"/>
+              <ma14:wrappingTextBoxFlag xmlns:ma14="http://schemas.microsoft.com/office/mac/drawingml/2011/main" xmlns:a14="http://schemas.microsoft.com/office/drawing/2010/main" xmlns:m="http://schemas.openxmlformats.org/officeDocument/2006/math" xmlns="" val="1"/>
             </a:ext>
           </a:extLst>
         </p:spPr>
@@ -3407,7 +3515,6 @@
             </a:lvl1pPr>
           </a:lstStyle>
           <a:p>
-            <a:pPr/>
             <a:r>
               <a:t>Confusion Matrix</a:t>
             </a:r>
@@ -3423,7 +3530,7 @@
           <p:nvPr/>
         </p:nvPicPr>
         <p:blipFill>
-          <a:blip r:embed="rId2">
+          <a:blip r:embed="rId2" cstate="print">
             <a:extLst/>
           </a:blip>
           <a:stretch>
@@ -3462,7 +3569,7 @@
           </a:ln>
           <a:extLst>
             <a:ext uri="{C572A759-6A51-4108-AA02-DFA0A04FC94B}">
-              <ma14:wrappingTextBoxFlag xmlns:ma14="http://schemas.microsoft.com/office/mac/drawingml/2011/main" val="1"/>
+              <ma14:wrappingTextBoxFlag xmlns:ma14="http://schemas.microsoft.com/office/mac/drawingml/2011/main" xmlns:a14="http://schemas.microsoft.com/office/drawing/2010/main" xmlns:m="http://schemas.openxmlformats.org/officeDocument/2006/math" xmlns="" val="1"/>
             </a:ext>
           </a:extLst>
         </p:spPr>
@@ -3495,6 +3602,7 @@
                 <a:sym typeface="Corbel"/>
               </a:defRPr>
             </a:pPr>
+            <a:endParaRPr/>
           </a:p>
           <a:p>
             <a:pPr>
@@ -3520,6 +3628,7 @@
                 <a:sym typeface="Corbel"/>
               </a:defRPr>
             </a:pPr>
+            <a:endParaRPr/>
           </a:p>
           <a:p>
             <a:pPr>
@@ -3545,6 +3654,7 @@
                 <a:sym typeface="Corbel"/>
               </a:defRPr>
             </a:pPr>
+            <a:endParaRPr/>
           </a:p>
           <a:p>
             <a:pPr>
@@ -3568,12 +3678,19 @@
   <p:clrMapOvr>
     <a:masterClrMapping/>
   </p:clrMapOvr>
-  <p:transition xmlns:p14="http://schemas.microsoft.com/office/powerpoint/2010/main" spd="med" advClick="1"/>
+  <p:transition spd="med"/>
+  <p:timing>
+    <p:tnLst>
+      <p:par>
+        <p:cTn id="1" dur="indefinite" restart="never" nodeType="tmRoot"/>
+      </p:par>
+    </p:tnLst>
+  </p:timing>
 </p:sld>
 </file>
 
 <file path=ppt/slides/slide11.xml><?xml version="1.0" encoding="utf-8"?>
-<p:sld xmlns:a="http://schemas.openxmlformats.org/drawingml/2006/main" xmlns:r="http://schemas.openxmlformats.org/officeDocument/2006/relationships" xmlns:p="http://schemas.openxmlformats.org/presentationml/2006/main" xmlns:m="http://schemas.openxmlformats.org/officeDocument/2006/math" xmlns:a14="http://schemas.microsoft.com/office/drawing/2010/main" showMasterSp="1" showMasterPhAnim="1">
+<p:sld xmlns:a="http://schemas.openxmlformats.org/drawingml/2006/main" xmlns:r="http://schemas.openxmlformats.org/officeDocument/2006/relationships" xmlns:p="http://schemas.openxmlformats.org/presentationml/2006/main">
   <p:cSld>
     <p:spTree>
       <p:nvGrpSpPr>
@@ -3592,7 +3709,9 @@
       <p:sp>
         <p:nvSpPr>
           <p:cNvPr id="150" name="Titolo 9"/>
-          <p:cNvSpPr txBox="1"/>
+          <p:cNvSpPr txBox="1">
+            <a:spLocks noGrp="1"/>
+          </p:cNvSpPr>
           <p:nvPr>
             <p:ph type="title"/>
           </p:nvPr>
@@ -3611,7 +3730,7 @@
           <a:lstStyle/>
           <a:p>
             <a:pPr>
-              <a:defRPr b="1" sz="4000">
+              <a:defRPr sz="4000" b="1">
                 <a:solidFill>
                   <a:srgbClr val="FFFFFF"/>
                 </a:solidFill>
@@ -3650,7 +3769,7 @@
           </a:ln>
           <a:extLst>
             <a:ext uri="{C572A759-6A51-4108-AA02-DFA0A04FC94B}">
-              <ma14:wrappingTextBoxFlag xmlns:ma14="http://schemas.microsoft.com/office/mac/drawingml/2011/main" val="1"/>
+              <ma14:wrappingTextBoxFlag xmlns:ma14="http://schemas.microsoft.com/office/mac/drawingml/2011/main" xmlns:a14="http://schemas.microsoft.com/office/drawing/2010/main" xmlns:m="http://schemas.openxmlformats.org/officeDocument/2006/math" xmlns="" val="1"/>
             </a:ext>
           </a:extLst>
         </p:spPr>
@@ -3669,7 +3788,6 @@
             </a:lvl1pPr>
           </a:lstStyle>
           <a:p>
-            <a:pPr/>
             <a:r>
               <a:t>Recall</a:t>
             </a:r>
@@ -3698,7 +3816,7 @@
           </a:ln>
           <a:extLst>
             <a:ext uri="{C572A759-6A51-4108-AA02-DFA0A04FC94B}">
-              <ma14:wrappingTextBoxFlag xmlns:ma14="http://schemas.microsoft.com/office/mac/drawingml/2011/main" val="1"/>
+              <ma14:wrappingTextBoxFlag xmlns:ma14="http://schemas.microsoft.com/office/mac/drawingml/2011/main" xmlns:a14="http://schemas.microsoft.com/office/drawing/2010/main" xmlns:m="http://schemas.openxmlformats.org/officeDocument/2006/math" xmlns="" val="1"/>
             </a:ext>
           </a:extLst>
         </p:spPr>
@@ -3733,7 +3851,7 @@
               <a:t> is:   </a:t>
             </a:r>
             <a:r>
-              <a:rPr i="1" sz="2000">
+              <a:rPr sz="2000" i="1">
                 <a:solidFill>
                   <a:srgbClr val="0070C0"/>
                 </a:solidFill>
@@ -3762,7 +3880,7 @@
           </a:ln>
           <a:extLst>
             <a:ext uri="{C572A759-6A51-4108-AA02-DFA0A04FC94B}">
-              <ma14:wrappingTextBoxFlag xmlns:ma14="http://schemas.microsoft.com/office/mac/drawingml/2011/main" val="1"/>
+              <ma14:wrappingTextBoxFlag xmlns:ma14="http://schemas.microsoft.com/office/mac/drawingml/2011/main" xmlns:a14="http://schemas.microsoft.com/office/drawing/2010/main" xmlns:m="http://schemas.openxmlformats.org/officeDocument/2006/math" xmlns="" val="1"/>
             </a:ext>
           </a:extLst>
         </p:spPr>
@@ -3781,7 +3899,6 @@
             </a:lvl1pPr>
           </a:lstStyle>
           <a:p>
-            <a:pPr/>
             <a:r>
               <a:t>Precision</a:t>
             </a:r>
@@ -3810,7 +3927,7 @@
           </a:ln>
           <a:extLst>
             <a:ext uri="{C572A759-6A51-4108-AA02-DFA0A04FC94B}">
-              <ma14:wrappingTextBoxFlag xmlns:ma14="http://schemas.microsoft.com/office/mac/drawingml/2011/main" val="1"/>
+              <ma14:wrappingTextBoxFlag xmlns:ma14="http://schemas.microsoft.com/office/mac/drawingml/2011/main" xmlns:a14="http://schemas.microsoft.com/office/drawing/2010/main" xmlns:m="http://schemas.openxmlformats.org/officeDocument/2006/math" xmlns="" val="1"/>
             </a:ext>
           </a:extLst>
         </p:spPr>
@@ -3832,7 +3949,7 @@
               <a:t>The ratio of positive instances that are correctly detected by the classifier (true positive rate), represented by the Recall, is:   </a:t>
             </a:r>
             <a:r>
-              <a:rPr i="1" sz="2000">
+              <a:rPr sz="2000" i="1">
                 <a:solidFill>
                   <a:srgbClr val="0070C0"/>
                 </a:solidFill>
@@ -3861,7 +3978,7 @@
           </a:ln>
           <a:extLst>
             <a:ext uri="{C572A759-6A51-4108-AA02-DFA0A04FC94B}">
-              <ma14:wrappingTextBoxFlag xmlns:ma14="http://schemas.microsoft.com/office/mac/drawingml/2011/main" val="1"/>
+              <ma14:wrappingTextBoxFlag xmlns:ma14="http://schemas.microsoft.com/office/mac/drawingml/2011/main" xmlns:a14="http://schemas.microsoft.com/office/drawing/2010/main" xmlns:m="http://schemas.openxmlformats.org/officeDocument/2006/math" xmlns="" val="1"/>
             </a:ext>
           </a:extLst>
         </p:spPr>
@@ -3880,7 +3997,6 @@
             </a:lvl1pPr>
           </a:lstStyle>
           <a:p>
-            <a:pPr/>
             <a:r>
               <a:t>F1-score</a:t>
             </a:r>
@@ -3906,7 +4022,7 @@
           </a:ln>
           <a:extLst>
             <a:ext uri="{C572A759-6A51-4108-AA02-DFA0A04FC94B}">
-              <ma14:wrappingTextBoxFlag xmlns:ma14="http://schemas.microsoft.com/office/mac/drawingml/2011/main" val="1"/>
+              <ma14:wrappingTextBoxFlag xmlns:ma14="http://schemas.microsoft.com/office/mac/drawingml/2011/main" xmlns:a14="http://schemas.microsoft.com/office/drawing/2010/main" xmlns:m="http://schemas.openxmlformats.org/officeDocument/2006/math" xmlns="" val="1"/>
             </a:ext>
           </a:extLst>
         </p:spPr>
@@ -3928,7 +4044,7 @@
               <a:t>The F1-score, represented by the harmonic mean of precision and recall which,  differently from the regular mean (that gives equal weight to all values),  gives more weight  to low values - favoring classifiers that have similar precision and recall  - is:   </a:t>
             </a:r>
             <a:r>
-              <a:rPr i="1" sz="2000">
+              <a:rPr sz="2000" i="1">
                 <a:solidFill>
                   <a:srgbClr val="0070C0"/>
                 </a:solidFill>
@@ -3943,12 +4059,19 @@
   <p:clrMapOvr>
     <a:masterClrMapping/>
   </p:clrMapOvr>
-  <p:transition xmlns:p14="http://schemas.microsoft.com/office/powerpoint/2010/main" spd="med" advClick="1"/>
+  <p:transition spd="med"/>
+  <p:timing>
+    <p:tnLst>
+      <p:par>
+        <p:cTn id="1" dur="indefinite" restart="never" nodeType="tmRoot"/>
+      </p:par>
+    </p:tnLst>
+  </p:timing>
 </p:sld>
 </file>
 
 <file path=ppt/slides/slide12.xml><?xml version="1.0" encoding="utf-8"?>
-<p:sld xmlns:a="http://schemas.openxmlformats.org/drawingml/2006/main" xmlns:r="http://schemas.openxmlformats.org/officeDocument/2006/relationships" xmlns:p="http://schemas.openxmlformats.org/presentationml/2006/main" xmlns:m="http://schemas.openxmlformats.org/officeDocument/2006/math" xmlns:a14="http://schemas.microsoft.com/office/drawing/2010/main" showMasterSp="1" showMasterPhAnim="1">
+<p:sld xmlns:a="http://schemas.openxmlformats.org/drawingml/2006/main" xmlns:r="http://schemas.openxmlformats.org/officeDocument/2006/relationships" xmlns:p="http://schemas.openxmlformats.org/presentationml/2006/main">
   <p:cSld>
     <p:spTree>
       <p:nvGrpSpPr>
@@ -3967,7 +4090,9 @@
       <p:sp>
         <p:nvSpPr>
           <p:cNvPr id="158" name="Titolo 9"/>
-          <p:cNvSpPr txBox="1"/>
+          <p:cNvSpPr txBox="1">
+            <a:spLocks noGrp="1"/>
+          </p:cNvSpPr>
           <p:nvPr>
             <p:ph type="title"/>
           </p:nvPr>
@@ -3986,7 +4111,7 @@
           <a:lstStyle/>
           <a:p>
             <a:pPr>
-              <a:defRPr b="1" sz="4000">
+              <a:defRPr sz="4000" b="1">
                 <a:solidFill>
                   <a:srgbClr val="FFFFFF"/>
                 </a:solidFill>
@@ -4025,7 +4150,7 @@
           </a:ln>
           <a:extLst>
             <a:ext uri="{C572A759-6A51-4108-AA02-DFA0A04FC94B}">
-              <ma14:wrappingTextBoxFlag xmlns:ma14="http://schemas.microsoft.com/office/mac/drawingml/2011/main" val="1"/>
+              <ma14:wrappingTextBoxFlag xmlns:ma14="http://schemas.microsoft.com/office/mac/drawingml/2011/main" xmlns:a14="http://schemas.microsoft.com/office/drawing/2010/main" xmlns:m="http://schemas.openxmlformats.org/officeDocument/2006/math" xmlns="" val="1"/>
             </a:ext>
           </a:extLst>
         </p:spPr>
@@ -4044,7 +4169,6 @@
             </a:lvl1pPr>
           </a:lstStyle>
           <a:p>
-            <a:pPr/>
             <a:r>
               <a:t> Receiver Operating Characteristic (ROC) and Area Under the ROC Curve (AUC)</a:t>
             </a:r>
@@ -4060,7 +4184,7 @@
           <p:nvPr/>
         </p:nvPicPr>
         <p:blipFill>
-          <a:blip r:embed="rId2">
+          <a:blip r:embed="rId2" cstate="print">
             <a:extLst/>
           </a:blip>
           <a:stretch>
@@ -4102,7 +4226,7 @@
           </a:ln>
           <a:extLst>
             <a:ext uri="{C572A759-6A51-4108-AA02-DFA0A04FC94B}">
-              <ma14:wrappingTextBoxFlag xmlns:ma14="http://schemas.microsoft.com/office/mac/drawingml/2011/main" val="1"/>
+              <ma14:wrappingTextBoxFlag xmlns:ma14="http://schemas.microsoft.com/office/mac/drawingml/2011/main" xmlns:a14="http://schemas.microsoft.com/office/drawing/2010/main" xmlns:m="http://schemas.openxmlformats.org/officeDocument/2006/math" xmlns="" val="1"/>
             </a:ext>
           </a:extLst>
         </p:spPr>
@@ -4131,7 +4255,7 @@
               <a:t>) is:</a:t>
             </a:r>
             <a:r>
-              <a:rPr i="1" sz="2000">
+              <a:rPr sz="2000" i="1">
                 <a:solidFill>
                   <a:srgbClr val="0070C0"/>
                 </a:solidFill>
@@ -4139,7 +4263,7 @@
               <a:t> 0.7194</a:t>
             </a:r>
             <a:r>
-              <a:rPr i="1" sz="1200">
+              <a:rPr sz="1200" i="1">
                 <a:solidFill>
                   <a:srgbClr val="0070C0"/>
                 </a:solidFill>
@@ -4168,7 +4292,7 @@
           </a:ln>
           <a:extLst>
             <a:ext uri="{C572A759-6A51-4108-AA02-DFA0A04FC94B}">
-              <ma14:wrappingTextBoxFlag xmlns:ma14="http://schemas.microsoft.com/office/mac/drawingml/2011/main" val="1"/>
+              <ma14:wrappingTextBoxFlag xmlns:ma14="http://schemas.microsoft.com/office/mac/drawingml/2011/main" xmlns:a14="http://schemas.microsoft.com/office/drawing/2010/main" xmlns:m="http://schemas.openxmlformats.org/officeDocument/2006/math" xmlns="" val="1"/>
             </a:ext>
           </a:extLst>
         </p:spPr>
@@ -4187,7 +4311,6 @@
             </a:lvl1pPr>
           </a:lstStyle>
           <a:p>
-            <a:pPr/>
             <a:r>
               <a:t>Accuracy</a:t>
             </a:r>
@@ -4216,7 +4339,7 @@
           </a:ln>
           <a:extLst>
             <a:ext uri="{C572A759-6A51-4108-AA02-DFA0A04FC94B}">
-              <ma14:wrappingTextBoxFlag xmlns:ma14="http://schemas.microsoft.com/office/mac/drawingml/2011/main" val="1"/>
+              <ma14:wrappingTextBoxFlag xmlns:ma14="http://schemas.microsoft.com/office/mac/drawingml/2011/main" xmlns:a14="http://schemas.microsoft.com/office/drawing/2010/main" xmlns:m="http://schemas.openxmlformats.org/officeDocument/2006/math" xmlns="" val="1"/>
             </a:ext>
           </a:extLst>
         </p:spPr>
@@ -4238,7 +4361,7 @@
               <a:t>The overall predicted accuracy of the model is: </a:t>
             </a:r>
             <a:r>
-              <a:rPr i="1" sz="2000">
+              <a:rPr sz="2000" i="1">
                 <a:solidFill>
                   <a:srgbClr val="0070C0"/>
                 </a:solidFill>
@@ -4257,12 +4380,19 @@
   <p:clrMapOvr>
     <a:masterClrMapping/>
   </p:clrMapOvr>
-  <p:transition xmlns:p14="http://schemas.microsoft.com/office/powerpoint/2010/main" spd="med" advClick="1"/>
+  <p:transition spd="med"/>
+  <p:timing>
+    <p:tnLst>
+      <p:par>
+        <p:cTn id="1" dur="indefinite" restart="never" nodeType="tmRoot"/>
+      </p:par>
+    </p:tnLst>
+  </p:timing>
 </p:sld>
 </file>
 
 <file path=ppt/slides/slide13.xml><?xml version="1.0" encoding="utf-8"?>
-<p:sld xmlns:a="http://schemas.openxmlformats.org/drawingml/2006/main" xmlns:r="http://schemas.openxmlformats.org/officeDocument/2006/relationships" xmlns:p="http://schemas.openxmlformats.org/presentationml/2006/main" xmlns:m="http://schemas.openxmlformats.org/officeDocument/2006/math" xmlns:a14="http://schemas.microsoft.com/office/drawing/2010/main" showMasterSp="1" showMasterPhAnim="1">
+<p:sld xmlns:a="http://schemas.openxmlformats.org/drawingml/2006/main" xmlns:r="http://schemas.openxmlformats.org/officeDocument/2006/relationships" xmlns:p="http://schemas.openxmlformats.org/presentationml/2006/main">
   <p:cSld>
     <p:spTree>
       <p:nvGrpSpPr>
@@ -4297,13 +4427,13 @@
           </a:ln>
           <a:extLst>
             <a:ext uri="{C572A759-6A51-4108-AA02-DFA0A04FC94B}">
-              <ma14:wrappingTextBoxFlag xmlns:ma14="http://schemas.microsoft.com/office/mac/drawingml/2011/main" val="1"/>
+              <ma14:wrappingTextBoxFlag xmlns:ma14="http://schemas.microsoft.com/office/mac/drawingml/2011/main" xmlns:a14="http://schemas.microsoft.com/office/drawing/2010/main" xmlns:m="http://schemas.openxmlformats.org/officeDocument/2006/math" xmlns="" val="1"/>
             </a:ext>
           </a:extLst>
         </p:spPr>
         <p:txBody>
           <a:bodyPr lIns="45718" tIns="45718" rIns="45718" bIns="45718">
-            <a:normAutofit fontScale="100000" lnSpcReduction="0"/>
+            <a:normAutofit/>
           </a:bodyPr>
           <a:lstStyle/>
           <a:p>
@@ -4322,6 +4452,7 @@
                 <a:sym typeface="Corbel"/>
               </a:defRPr>
             </a:pPr>
+            <a:endParaRPr/>
           </a:p>
           <a:p>
             <a:pPr marL="187558" indent="-132282" algn="just" defTabSz="425194">
@@ -4352,6 +4483,7 @@
                 <a:sym typeface="Corbel"/>
               </a:defRPr>
             </a:pPr>
+            <a:endParaRPr/>
           </a:p>
           <a:p>
             <a:pPr marL="187558" indent="-132282" algn="just" defTabSz="425194">
@@ -4370,13 +4502,7 @@
               </a:defRPr>
             </a:pPr>
             <a:r>
-              <a:t> 68 True</a:t>
-            </a:r>
-            <a:r>
-              <a:t> </a:t>
-            </a:r>
-            <a:r>
-              <a:t>Positive Predictions</a:t>
+              <a:t> 68 True Positive Predictions</a:t>
             </a:r>
           </a:p>
           <a:p>
@@ -4388,6 +4514,7 @@
                 <a:sym typeface="Corbel"/>
               </a:defRPr>
             </a:pPr>
+            <a:endParaRPr/>
           </a:p>
           <a:p>
             <a:pPr marL="187558" indent="-132282" algn="just" defTabSz="425194">
@@ -4406,13 +4533,7 @@
               </a:defRPr>
             </a:pPr>
             <a:r>
-              <a:t> 72 True</a:t>
-            </a:r>
-            <a:r>
-              <a:t> </a:t>
-            </a:r>
-            <a:r>
-              <a:t>Negative Predictions</a:t>
+              <a:t> 72 True Negative Predictions</a:t>
             </a:r>
           </a:p>
           <a:p>
@@ -4424,6 +4545,7 @@
                 <a:sym typeface="Corbel"/>
               </a:defRPr>
             </a:pPr>
+            <a:endParaRPr/>
           </a:p>
           <a:p>
             <a:pPr marL="187558" indent="-132282" algn="just" defTabSz="425194">
@@ -4442,13 +4564,7 @@
               </a:defRPr>
             </a:pPr>
             <a:r>
-              <a:t> 50 False</a:t>
-            </a:r>
-            <a:r>
-              <a:t> </a:t>
-            </a:r>
-            <a:r>
-              <a:t>Positive Predictions</a:t>
+              <a:t> 50 False Positive Predictions</a:t>
             </a:r>
           </a:p>
           <a:p>
@@ -4460,6 +4576,7 @@
                 <a:sym typeface="Corbel"/>
               </a:defRPr>
             </a:pPr>
+            <a:endParaRPr/>
           </a:p>
           <a:p>
             <a:pPr marL="187558" indent="-132282" algn="just" defTabSz="425194">
@@ -4478,13 +4595,7 @@
               </a:defRPr>
             </a:pPr>
             <a:r>
-              <a:t> 39 False</a:t>
-            </a:r>
-            <a:r>
-              <a:t> </a:t>
-            </a:r>
-            <a:r>
-              <a:t>Negative Predictions</a:t>
+              <a:t> 39 False Negative Predictions</a:t>
             </a:r>
           </a:p>
           <a:p>
@@ -4503,6 +4614,7 @@
                 <a:sym typeface="Corbel"/>
               </a:defRPr>
             </a:pPr>
+            <a:endParaRPr/>
           </a:p>
           <a:p>
             <a:pPr marL="187558" indent="-132282" algn="just" defTabSz="425194">
@@ -4520,6 +4632,7 @@
                 <a:sym typeface="Corbel"/>
               </a:defRPr>
             </a:pPr>
+            <a:endParaRPr/>
           </a:p>
           <a:p>
             <a:pPr marL="187558" indent="-132282" algn="just" defTabSz="425194">
@@ -4537,6 +4650,7 @@
                 <a:sym typeface="Corbel"/>
               </a:defRPr>
             </a:pPr>
+            <a:endParaRPr/>
           </a:p>
           <a:p>
             <a:pPr marL="187558" indent="-132282" algn="just" defTabSz="425194">
@@ -4554,6 +4668,7 @@
                 <a:sym typeface="Corbel"/>
               </a:defRPr>
             </a:pPr>
+            <a:endParaRPr/>
           </a:p>
           <a:p>
             <a:pPr marL="187558" indent="-132282" algn="just" defTabSz="425194">
@@ -4571,6 +4686,7 @@
                 <a:sym typeface="Corbel"/>
               </a:defRPr>
             </a:pPr>
+            <a:endParaRPr/>
           </a:p>
           <a:p>
             <a:pPr algn="just" defTabSz="425194">
@@ -4581,6 +4697,7 @@
                 <a:sym typeface="Corbel"/>
               </a:defRPr>
             </a:pPr>
+            <a:endParaRPr/>
           </a:p>
           <a:p>
             <a:pPr algn="just" defTabSz="425194">
@@ -4591,6 +4708,7 @@
                 <a:sym typeface="Corbel"/>
               </a:defRPr>
             </a:pPr>
+            <a:endParaRPr/>
           </a:p>
           <a:p>
             <a:pPr algn="just" defTabSz="425194">
@@ -4601,6 +4719,7 @@
                 <a:sym typeface="Corbel"/>
               </a:defRPr>
             </a:pPr>
+            <a:endParaRPr/>
           </a:p>
           <a:p>
             <a:pPr algn="just" defTabSz="425194">
@@ -4611,6 +4730,7 @@
                 <a:sym typeface="Corbel"/>
               </a:defRPr>
             </a:pPr>
+            <a:endParaRPr/>
           </a:p>
           <a:p>
             <a:pPr defTabSz="212597">
@@ -4620,6 +4740,7 @@
                 </a:solidFill>
               </a:defRPr>
             </a:pPr>
+            <a:endParaRPr/>
           </a:p>
         </p:txBody>
       </p:sp>
@@ -4642,7 +4763,7 @@
           </a:ln>
           <a:extLst>
             <a:ext uri="{C572A759-6A51-4108-AA02-DFA0A04FC94B}">
-              <ma14:wrappingTextBoxFlag xmlns:ma14="http://schemas.microsoft.com/office/mac/drawingml/2011/main" val="1"/>
+              <ma14:wrappingTextBoxFlag xmlns:ma14="http://schemas.microsoft.com/office/mac/drawingml/2011/main" xmlns:a14="http://schemas.microsoft.com/office/drawing/2010/main" xmlns:m="http://schemas.openxmlformats.org/officeDocument/2006/math" xmlns="" val="1"/>
             </a:ext>
           </a:extLst>
         </p:spPr>
@@ -4661,7 +4782,6 @@
             </a:lvl1pPr>
           </a:lstStyle>
           <a:p>
-            <a:pPr/>
             <a:r>
               <a:t>Confusion Matrix</a:t>
             </a:r>
@@ -4687,18 +4807,18 @@
           </a:ln>
           <a:extLst>
             <a:ext uri="{C572A759-6A51-4108-AA02-DFA0A04FC94B}">
-              <ma14:wrappingTextBoxFlag xmlns:ma14="http://schemas.microsoft.com/office/mac/drawingml/2011/main" val="1"/>
+              <ma14:wrappingTextBoxFlag xmlns:ma14="http://schemas.microsoft.com/office/mac/drawingml/2011/main" xmlns:a14="http://schemas.microsoft.com/office/drawing/2010/main" xmlns:m="http://schemas.openxmlformats.org/officeDocument/2006/math" xmlns="" val="1"/>
             </a:ext>
           </a:extLst>
         </p:spPr>
         <p:txBody>
           <a:bodyPr lIns="45718" tIns="45718" rIns="45718" bIns="45718" anchor="ctr">
-            <a:normAutofit fontScale="100000" lnSpcReduction="0"/>
+            <a:normAutofit/>
           </a:bodyPr>
           <a:lstStyle/>
           <a:p>
             <a:pPr>
-              <a:defRPr b="1" sz="4000">
+              <a:defRPr sz="4000" b="1">
                 <a:solidFill>
                   <a:srgbClr val="FFFFFF"/>
                 </a:solidFill>
@@ -4727,10 +4847,10 @@
           <p:nvPr/>
         </p:nvPicPr>
         <p:blipFill>
-          <a:blip r:embed="rId2">
+          <a:blip r:embed="rId2" cstate="print">
             <a:extLst/>
           </a:blip>
-          <a:srcRect l="0" t="2311" r="0" b="2312"/>
+          <a:srcRect t="2311" b="2312"/>
           <a:stretch>
             <a:fillRect/>
           </a:stretch>
@@ -4753,12 +4873,12 @@
   <p:clrMapOvr>
     <a:masterClrMapping/>
   </p:clrMapOvr>
-  <p:transition xmlns:p14="http://schemas.microsoft.com/office/powerpoint/2010/main" spd="med" advClick="1"/>
+  <p:transition spd="med"/>
 </p:sld>
 </file>
 
 <file path=ppt/slides/slide14.xml><?xml version="1.0" encoding="utf-8"?>
-<p:sld xmlns:a="http://schemas.openxmlformats.org/drawingml/2006/main" xmlns:r="http://schemas.openxmlformats.org/officeDocument/2006/relationships" xmlns:p="http://schemas.openxmlformats.org/presentationml/2006/main" xmlns:m="http://schemas.openxmlformats.org/officeDocument/2006/math" xmlns:a14="http://schemas.microsoft.com/office/drawing/2010/main" showMasterSp="1" showMasterPhAnim="1">
+<p:sld xmlns:a="http://schemas.openxmlformats.org/drawingml/2006/main" xmlns:r="http://schemas.openxmlformats.org/officeDocument/2006/relationships" xmlns:p="http://schemas.openxmlformats.org/presentationml/2006/main">
   <p:cSld>
     <p:spTree>
       <p:nvGrpSpPr>
@@ -4793,7 +4913,7 @@
           </a:ln>
           <a:extLst>
             <a:ext uri="{C572A759-6A51-4108-AA02-DFA0A04FC94B}">
-              <ma14:wrappingTextBoxFlag xmlns:ma14="http://schemas.microsoft.com/office/mac/drawingml/2011/main" val="1"/>
+              <ma14:wrappingTextBoxFlag xmlns:ma14="http://schemas.microsoft.com/office/mac/drawingml/2011/main" xmlns:a14="http://schemas.microsoft.com/office/drawing/2010/main" xmlns:m="http://schemas.openxmlformats.org/officeDocument/2006/math" xmlns="" val="1"/>
             </a:ext>
           </a:extLst>
         </p:spPr>
@@ -4812,7 +4932,6 @@
             </a:lvl1pPr>
           </a:lstStyle>
           <a:p>
-            <a:pPr/>
             <a:r>
               <a:t>Recall</a:t>
             </a:r>
@@ -4841,7 +4960,7 @@
           </a:ln>
           <a:extLst>
             <a:ext uri="{C572A759-6A51-4108-AA02-DFA0A04FC94B}">
-              <ma14:wrappingTextBoxFlag xmlns:ma14="http://schemas.microsoft.com/office/mac/drawingml/2011/main" val="1"/>
+              <ma14:wrappingTextBoxFlag xmlns:ma14="http://schemas.microsoft.com/office/mac/drawingml/2011/main" xmlns:a14="http://schemas.microsoft.com/office/drawing/2010/main" xmlns:m="http://schemas.openxmlformats.org/officeDocument/2006/math" xmlns="" val="1"/>
             </a:ext>
           </a:extLst>
         </p:spPr>
@@ -4876,7 +4995,7 @@
               <a:t> is:   </a:t>
             </a:r>
             <a:r>
-              <a:rPr i="1" sz="2000">
+              <a:rPr sz="2000" i="1">
                 <a:solidFill>
                   <a:srgbClr val="0070C0"/>
                 </a:solidFill>
@@ -4905,7 +5024,7 @@
           </a:ln>
           <a:extLst>
             <a:ext uri="{C572A759-6A51-4108-AA02-DFA0A04FC94B}">
-              <ma14:wrappingTextBoxFlag xmlns:ma14="http://schemas.microsoft.com/office/mac/drawingml/2011/main" val="1"/>
+              <ma14:wrappingTextBoxFlag xmlns:ma14="http://schemas.microsoft.com/office/mac/drawingml/2011/main" xmlns:a14="http://schemas.microsoft.com/office/drawing/2010/main" xmlns:m="http://schemas.openxmlformats.org/officeDocument/2006/math" xmlns="" val="1"/>
             </a:ext>
           </a:extLst>
         </p:spPr>
@@ -4924,7 +5043,6 @@
             </a:lvl1pPr>
           </a:lstStyle>
           <a:p>
-            <a:pPr/>
             <a:r>
               <a:t>Precision</a:t>
             </a:r>
@@ -4953,7 +5071,7 @@
           </a:ln>
           <a:extLst>
             <a:ext uri="{C572A759-6A51-4108-AA02-DFA0A04FC94B}">
-              <ma14:wrappingTextBoxFlag xmlns:ma14="http://schemas.microsoft.com/office/mac/drawingml/2011/main" val="1"/>
+              <ma14:wrappingTextBoxFlag xmlns:ma14="http://schemas.microsoft.com/office/mac/drawingml/2011/main" xmlns:a14="http://schemas.microsoft.com/office/drawing/2010/main" xmlns:m="http://schemas.openxmlformats.org/officeDocument/2006/math" xmlns="" val="1"/>
             </a:ext>
           </a:extLst>
         </p:spPr>
@@ -4975,7 +5093,7 @@
               <a:t>The ratio of positive instances that are correctly detected by the classifier (true positive rate), represented by the Recall, is:   </a:t>
             </a:r>
             <a:r>
-              <a:rPr i="1" sz="2000">
+              <a:rPr sz="2000" i="1">
                 <a:solidFill>
                   <a:srgbClr val="0070C0"/>
                 </a:solidFill>
@@ -5004,7 +5122,7 @@
           </a:ln>
           <a:extLst>
             <a:ext uri="{C572A759-6A51-4108-AA02-DFA0A04FC94B}">
-              <ma14:wrappingTextBoxFlag xmlns:ma14="http://schemas.microsoft.com/office/mac/drawingml/2011/main" val="1"/>
+              <ma14:wrappingTextBoxFlag xmlns:ma14="http://schemas.microsoft.com/office/mac/drawingml/2011/main" xmlns:a14="http://schemas.microsoft.com/office/drawing/2010/main" xmlns:m="http://schemas.openxmlformats.org/officeDocument/2006/math" xmlns="" val="1"/>
             </a:ext>
           </a:extLst>
         </p:spPr>
@@ -5023,7 +5141,6 @@
             </a:lvl1pPr>
           </a:lstStyle>
           <a:p>
-            <a:pPr/>
             <a:r>
               <a:t>F1-score</a:t>
             </a:r>
@@ -5049,7 +5166,7 @@
           </a:ln>
           <a:extLst>
             <a:ext uri="{C572A759-6A51-4108-AA02-DFA0A04FC94B}">
-              <ma14:wrappingTextBoxFlag xmlns:ma14="http://schemas.microsoft.com/office/mac/drawingml/2011/main" val="1"/>
+              <ma14:wrappingTextBoxFlag xmlns:ma14="http://schemas.microsoft.com/office/mac/drawingml/2011/main" xmlns:a14="http://schemas.microsoft.com/office/drawing/2010/main" xmlns:m="http://schemas.openxmlformats.org/officeDocument/2006/math" xmlns="" val="1"/>
             </a:ext>
           </a:extLst>
         </p:spPr>
@@ -5071,7 +5188,7 @@
               <a:t>The F1-score, represented by the harmonic mean of precision and recall which,  differently from the regular mean (that gives equal weight to all values),  gives more weight  to low values - favoring classifiers that have similar precision and recall  - is:   </a:t>
             </a:r>
             <a:r>
-              <a:rPr i="1" sz="2000">
+              <a:rPr sz="2000" i="1">
                 <a:solidFill>
                   <a:srgbClr val="0070C0"/>
                 </a:solidFill>
@@ -5079,12 +5196,17 @@
               <a:t>60.44%</a:t>
             </a:r>
             <a:br>
-              <a:rPr i="1" sz="2000">
+              <a:rPr sz="2000" i="1">
                 <a:solidFill>
                   <a:srgbClr val="0070C0"/>
                 </a:solidFill>
               </a:rPr>
             </a:br>
+            <a:endParaRPr sz="2000" i="1">
+              <a:solidFill>
+                <a:srgbClr val="0070C0"/>
+              </a:solidFill>
+            </a:endParaRPr>
           </a:p>
         </p:txBody>
       </p:sp>
@@ -5107,18 +5229,18 @@
           </a:ln>
           <a:extLst>
             <a:ext uri="{C572A759-6A51-4108-AA02-DFA0A04FC94B}">
-              <ma14:wrappingTextBoxFlag xmlns:ma14="http://schemas.microsoft.com/office/mac/drawingml/2011/main" val="1"/>
+              <ma14:wrappingTextBoxFlag xmlns:ma14="http://schemas.microsoft.com/office/mac/drawingml/2011/main" xmlns:a14="http://schemas.microsoft.com/office/drawing/2010/main" xmlns:m="http://schemas.openxmlformats.org/officeDocument/2006/math" xmlns="" val="1"/>
             </a:ext>
           </a:extLst>
         </p:spPr>
         <p:txBody>
           <a:bodyPr lIns="45718" tIns="45718" rIns="45718" bIns="45718" anchor="ctr">
-            <a:normAutofit fontScale="100000" lnSpcReduction="0"/>
+            <a:normAutofit/>
           </a:bodyPr>
           <a:lstStyle/>
           <a:p>
             <a:pPr>
-              <a:defRPr b="1" sz="4000">
+              <a:defRPr sz="4000" b="1">
                 <a:solidFill>
                   <a:srgbClr val="FFFFFF"/>
                 </a:solidFill>
@@ -5138,120 +5260,17 @@
           </a:p>
         </p:txBody>
       </p:sp>
-      <p:sp>
-        <p:nvSpPr>
-          <p:cNvPr id="177" name="Rettangolo 7"/>
-          <p:cNvSpPr txBox="1"/>
-          <p:nvPr/>
-        </p:nvSpPr>
-        <p:spPr>
-          <a:xfrm>
-            <a:off x="402877" y="5643579"/>
-            <a:ext cx="1128725" cy="376908"/>
-          </a:xfrm>
-          <a:prstGeom prst="rect">
-            <a:avLst/>
-          </a:prstGeom>
-          <a:ln w="12700">
-            <a:miter lim="400000"/>
-          </a:ln>
-          <a:extLst>
-            <a:ext uri="{C572A759-6A51-4108-AA02-DFA0A04FC94B}">
-              <ma14:wrappingTextBoxFlag xmlns:ma14="http://schemas.microsoft.com/office/mac/drawingml/2011/main" val="1"/>
-            </a:ext>
-          </a:extLst>
-        </p:spPr>
-        <p:txBody>
-          <a:bodyPr wrap="none" lIns="45718" tIns="45718" rIns="45718" bIns="45718">
-            <a:spAutoFit/>
-          </a:bodyPr>
-          <a:lstStyle>
-            <a:lvl1pPr>
-              <a:defRPr b="1">
-                <a:latin typeface="Helvetica Neue"/>
-                <a:ea typeface="Helvetica Neue"/>
-                <a:cs typeface="Helvetica Neue"/>
-                <a:sym typeface="Helvetica Neue"/>
-              </a:defRPr>
-            </a:lvl1pPr>
-          </a:lstStyle>
-          <a:p>
-            <a:pPr/>
-            <a:r>
-              <a:t>Accuracy</a:t>
-            </a:r>
-          </a:p>
-        </p:txBody>
-      </p:sp>
-      <p:sp>
-        <p:nvSpPr>
-          <p:cNvPr id="178" name="Rectangle 4"/>
-          <p:cNvSpPr/>
-          <p:nvPr/>
-        </p:nvSpPr>
-        <p:spPr>
-          <a:xfrm>
-            <a:off x="428594" y="6064655"/>
-            <a:ext cx="5056394" cy="292101"/>
-          </a:xfrm>
-          <a:prstGeom prst="rect">
-            <a:avLst/>
-          </a:prstGeom>
-          <a:solidFill>
-            <a:srgbClr val="FFFFFF"/>
-          </a:solidFill>
-          <a:ln w="12700">
-            <a:miter lim="400000"/>
-          </a:ln>
-          <a:extLst>
-            <a:ext uri="{C572A759-6A51-4108-AA02-DFA0A04FC94B}">
-              <ma14:wrappingTextBoxFlag xmlns:ma14="http://schemas.microsoft.com/office/mac/drawingml/2011/main" val="1"/>
-            </a:ext>
-          </a:extLst>
-        </p:spPr>
-        <p:txBody>
-          <a:bodyPr wrap="none" lIns="0" tIns="0" rIns="0" bIns="0" anchor="ctr">
-            <a:spAutoFit/>
-          </a:bodyPr>
-          <a:lstStyle/>
-          <a:p>
-            <a:pPr>
-              <a:defRPr>
-                <a:latin typeface="+mn-lt"/>
-                <a:ea typeface="+mn-ea"/>
-                <a:cs typeface="+mn-cs"/>
-                <a:sym typeface="Corbel"/>
-              </a:defRPr>
-            </a:pPr>
-            <a:r>
-              <a:t>The overall predicted accuracy of the model is: </a:t>
-            </a:r>
-            <a:r>
-              <a:rPr i="1" sz="2000">
-                <a:solidFill>
-                  <a:srgbClr val="0070C0"/>
-                </a:solidFill>
-              </a:rPr>
-              <a:t>62.45%</a:t>
-            </a:r>
-            <a:r>
-              <a:rPr sz="1100"/>
-              <a:t> </a:t>
-            </a:r>
-          </a:p>
-        </p:txBody>
-      </p:sp>
     </p:spTree>
   </p:cSld>
   <p:clrMapOvr>
     <a:masterClrMapping/>
   </p:clrMapOvr>
-  <p:transition xmlns:p14="http://schemas.microsoft.com/office/powerpoint/2010/main" spd="med" advClick="1"/>
+  <p:transition spd="med"/>
 </p:sld>
 </file>
 
 <file path=ppt/slides/slide15.xml><?xml version="1.0" encoding="utf-8"?>
-<p:sld xmlns:a="http://schemas.openxmlformats.org/drawingml/2006/main" xmlns:r="http://schemas.openxmlformats.org/officeDocument/2006/relationships" xmlns:p="http://schemas.openxmlformats.org/presentationml/2006/main" xmlns:m="http://schemas.openxmlformats.org/officeDocument/2006/math" xmlns:a14="http://schemas.microsoft.com/office/drawing/2010/main" showMasterSp="1" showMasterPhAnim="1">
+<p:sld xmlns:a="http://schemas.openxmlformats.org/drawingml/2006/main" xmlns:r="http://schemas.openxmlformats.org/officeDocument/2006/relationships" xmlns:p="http://schemas.openxmlformats.org/presentationml/2006/main">
   <p:cSld>
     <p:spTree>
       <p:nvGrpSpPr>
@@ -5276,10 +5295,10 @@
           <p:nvPr/>
         </p:nvPicPr>
         <p:blipFill>
-          <a:blip r:embed="rId2">
+          <a:blip r:embed="rId2" cstate="print">
             <a:extLst/>
           </a:blip>
-          <a:srcRect l="0" t="897" r="0" b="896"/>
+          <a:srcRect t="897" b="896"/>
           <a:stretch>
             <a:fillRect/>
           </a:stretch>
@@ -5306,10 +5325,10 @@
           <p:nvPr/>
         </p:nvPicPr>
         <p:blipFill>
-          <a:blip r:embed="rId3">
+          <a:blip r:embed="rId3" cstate="print">
             <a:extLst/>
           </a:blip>
-          <a:srcRect l="997" t="0" r="997" b="0"/>
+          <a:srcRect l="997" r="997"/>
           <a:stretch>
             <a:fillRect/>
           </a:stretch>
@@ -5346,18 +5365,18 @@
           </a:ln>
           <a:extLst>
             <a:ext uri="{C572A759-6A51-4108-AA02-DFA0A04FC94B}">
-              <ma14:wrappingTextBoxFlag xmlns:ma14="http://schemas.microsoft.com/office/mac/drawingml/2011/main" val="1"/>
+              <ma14:wrappingTextBoxFlag xmlns:ma14="http://schemas.microsoft.com/office/mac/drawingml/2011/main" xmlns:a14="http://schemas.microsoft.com/office/drawing/2010/main" xmlns:m="http://schemas.openxmlformats.org/officeDocument/2006/math" xmlns="" val="1"/>
             </a:ext>
           </a:extLst>
         </p:spPr>
         <p:txBody>
           <a:bodyPr lIns="45718" tIns="45718" rIns="45718" bIns="45718" anchor="ctr">
-            <a:normAutofit fontScale="100000" lnSpcReduction="0"/>
+            <a:normAutofit/>
           </a:bodyPr>
           <a:lstStyle/>
           <a:p>
             <a:pPr>
-              <a:defRPr b="1" sz="4000">
+              <a:defRPr sz="4000" b="1">
                 <a:solidFill>
                   <a:srgbClr val="FFFFFF"/>
                 </a:solidFill>
@@ -5396,7 +5415,7 @@
           </a:ln>
           <a:extLst>
             <a:ext uri="{C572A759-6A51-4108-AA02-DFA0A04FC94B}">
-              <ma14:wrappingTextBoxFlag xmlns:ma14="http://schemas.microsoft.com/office/mac/drawingml/2011/main" val="1"/>
+              <ma14:wrappingTextBoxFlag xmlns:ma14="http://schemas.microsoft.com/office/mac/drawingml/2011/main" xmlns:a14="http://schemas.microsoft.com/office/drawing/2010/main" xmlns:m="http://schemas.openxmlformats.org/officeDocument/2006/math" xmlns="" val="1"/>
             </a:ext>
           </a:extLst>
         </p:spPr>
@@ -5415,7 +5434,6 @@
             </a:lvl1pPr>
           </a:lstStyle>
           <a:p>
-            <a:pPr/>
             <a:r>
               <a:t>Analyses F1 Score and Accuracy respect Number of Neighbour</a:t>
             </a:r>
@@ -5427,12 +5445,12 @@
   <p:clrMapOvr>
     <a:masterClrMapping/>
   </p:clrMapOvr>
-  <p:transition xmlns:p14="http://schemas.microsoft.com/office/powerpoint/2010/main" spd="med" advClick="1"/>
+  <p:transition spd="med"/>
 </p:sld>
 </file>
 
 <file path=ppt/slides/slide16.xml><?xml version="1.0" encoding="utf-8"?>
-<p:sld xmlns:a="http://schemas.openxmlformats.org/drawingml/2006/main" xmlns:r="http://schemas.openxmlformats.org/officeDocument/2006/relationships" xmlns:p="http://schemas.openxmlformats.org/presentationml/2006/main" xmlns:m="http://schemas.openxmlformats.org/officeDocument/2006/math" xmlns:a14="http://schemas.microsoft.com/office/drawing/2010/main" showMasterSp="1" showMasterPhAnim="1">
+<p:sld xmlns:a="http://schemas.openxmlformats.org/drawingml/2006/main" xmlns:r="http://schemas.openxmlformats.org/officeDocument/2006/relationships" xmlns:p="http://schemas.openxmlformats.org/presentationml/2006/main">
   <p:cSld>
     <p:spTree>
       <p:nvGrpSpPr>
@@ -5457,7 +5475,7 @@
           <p:nvPr/>
         </p:nvPicPr>
         <p:blipFill>
-          <a:blip r:embed="rId2">
+          <a:blip r:embed="rId2" cstate="print">
             <a:extLst/>
           </a:blip>
           <a:stretch>
@@ -5496,7 +5514,7 @@
           </a:ln>
           <a:extLst>
             <a:ext uri="{C572A759-6A51-4108-AA02-DFA0A04FC94B}">
-              <ma14:wrappingTextBoxFlag xmlns:ma14="http://schemas.microsoft.com/office/mac/drawingml/2011/main" val="1"/>
+              <ma14:wrappingTextBoxFlag xmlns:ma14="http://schemas.microsoft.com/office/mac/drawingml/2011/main" xmlns:a14="http://schemas.microsoft.com/office/drawing/2010/main" xmlns:m="http://schemas.openxmlformats.org/officeDocument/2006/math" xmlns="" val="1"/>
             </a:ext>
           </a:extLst>
         </p:spPr>
@@ -5515,7 +5533,6 @@
             </a:lvl1pPr>
           </a:lstStyle>
           <a:p>
-            <a:pPr/>
             <a:r>
               <a:t> Receiver Operating Characteristic (ROC) and Area Under the ROC Curve (AUC)</a:t>
             </a:r>
@@ -5544,7 +5561,7 @@
           </a:ln>
           <a:extLst>
             <a:ext uri="{C572A759-6A51-4108-AA02-DFA0A04FC94B}">
-              <ma14:wrappingTextBoxFlag xmlns:ma14="http://schemas.microsoft.com/office/mac/drawingml/2011/main" val="1"/>
+              <ma14:wrappingTextBoxFlag xmlns:ma14="http://schemas.microsoft.com/office/mac/drawingml/2011/main" xmlns:a14="http://schemas.microsoft.com/office/drawing/2010/main" xmlns:m="http://schemas.openxmlformats.org/officeDocument/2006/math" xmlns="" val="1"/>
             </a:ext>
           </a:extLst>
         </p:spPr>
@@ -5573,7 +5590,7 @@
               <a:t>) is:</a:t>
             </a:r>
             <a:r>
-              <a:rPr i="1" sz="2000">
+              <a:rPr sz="2000" i="1">
                 <a:solidFill>
                   <a:srgbClr val="0070C0"/>
                 </a:solidFill>
@@ -5581,7 +5598,7 @@
               <a:t> 0.6384</a:t>
             </a:r>
             <a:r>
-              <a:rPr i="1" sz="1200">
+              <a:rPr sz="1200" i="1">
                 <a:solidFill>
                   <a:srgbClr val="0070C0"/>
                 </a:solidFill>
@@ -5610,7 +5627,7 @@
           </a:ln>
           <a:extLst>
             <a:ext uri="{C572A759-6A51-4108-AA02-DFA0A04FC94B}">
-              <ma14:wrappingTextBoxFlag xmlns:ma14="http://schemas.microsoft.com/office/mac/drawingml/2011/main" val="1"/>
+              <ma14:wrappingTextBoxFlag xmlns:ma14="http://schemas.microsoft.com/office/mac/drawingml/2011/main" xmlns:a14="http://schemas.microsoft.com/office/drawing/2010/main" xmlns:m="http://schemas.openxmlformats.org/officeDocument/2006/math" xmlns="" val="1"/>
             </a:ext>
           </a:extLst>
         </p:spPr>
@@ -5629,7 +5646,6 @@
             </a:lvl1pPr>
           </a:lstStyle>
           <a:p>
-            <a:pPr/>
             <a:r>
               <a:t>Accuracy</a:t>
             </a:r>
@@ -5658,7 +5674,7 @@
           </a:ln>
           <a:extLst>
             <a:ext uri="{C572A759-6A51-4108-AA02-DFA0A04FC94B}">
-              <ma14:wrappingTextBoxFlag xmlns:ma14="http://schemas.microsoft.com/office/mac/drawingml/2011/main" val="1"/>
+              <ma14:wrappingTextBoxFlag xmlns:ma14="http://schemas.microsoft.com/office/mac/drawingml/2011/main" xmlns:a14="http://schemas.microsoft.com/office/drawing/2010/main" xmlns:m="http://schemas.openxmlformats.org/officeDocument/2006/math" xmlns="" val="1"/>
             </a:ext>
           </a:extLst>
         </p:spPr>
@@ -5680,7 +5696,7 @@
               <a:t>The overall predicted accuracy of the model is: </a:t>
             </a:r>
             <a:r>
-              <a:rPr i="1" sz="2000">
+              <a:rPr sz="2000" i="1">
                 <a:solidFill>
                   <a:srgbClr val="0070C0"/>
                 </a:solidFill>
@@ -5713,18 +5729,18 @@
           </a:ln>
           <a:extLst>
             <a:ext uri="{C572A759-6A51-4108-AA02-DFA0A04FC94B}">
-              <ma14:wrappingTextBoxFlag xmlns:ma14="http://schemas.microsoft.com/office/mac/drawingml/2011/main" val="1"/>
+              <ma14:wrappingTextBoxFlag xmlns:ma14="http://schemas.microsoft.com/office/mac/drawingml/2011/main" xmlns:a14="http://schemas.microsoft.com/office/drawing/2010/main" xmlns:m="http://schemas.openxmlformats.org/officeDocument/2006/math" xmlns="" val="1"/>
             </a:ext>
           </a:extLst>
         </p:spPr>
         <p:txBody>
           <a:bodyPr lIns="45718" tIns="45718" rIns="45718" bIns="45718" anchor="ctr">
-            <a:normAutofit fontScale="100000" lnSpcReduction="0"/>
+            <a:normAutofit/>
           </a:bodyPr>
           <a:lstStyle/>
           <a:p>
             <a:pPr>
-              <a:defRPr b="1" sz="4000">
+              <a:defRPr sz="4000" b="1">
                 <a:solidFill>
                   <a:srgbClr val="FFFFFF"/>
                 </a:solidFill>
@@ -5749,12 +5765,12 @@
   <p:clrMapOvr>
     <a:masterClrMapping/>
   </p:clrMapOvr>
-  <p:transition xmlns:p14="http://schemas.microsoft.com/office/powerpoint/2010/main" spd="med" advClick="1"/>
+  <p:transition spd="med"/>
 </p:sld>
 </file>
 
 <file path=ppt/slides/slide17.xml><?xml version="1.0" encoding="utf-8"?>
-<p:sld xmlns:a="http://schemas.openxmlformats.org/drawingml/2006/main" xmlns:r="http://schemas.openxmlformats.org/officeDocument/2006/relationships" xmlns:p="http://schemas.openxmlformats.org/presentationml/2006/main" xmlns:m="http://schemas.openxmlformats.org/officeDocument/2006/math" xmlns:a14="http://schemas.microsoft.com/office/drawing/2010/main" showMasterSp="1" showMasterPhAnim="1">
+<p:sld xmlns:a="http://schemas.openxmlformats.org/drawingml/2006/main" xmlns:r="http://schemas.openxmlformats.org/officeDocument/2006/relationships" xmlns:p="http://schemas.openxmlformats.org/presentationml/2006/main">
   <p:cSld>
     <p:spTree>
       <p:nvGrpSpPr>
@@ -5779,10 +5795,10 @@
           <p:nvPr/>
         </p:nvPicPr>
         <p:blipFill>
-          <a:blip r:embed="rId2">
+          <a:blip r:embed="rId2" cstate="print">
             <a:extLst/>
           </a:blip>
-          <a:srcRect l="0" t="420" r="0" b="420"/>
+          <a:srcRect t="420" b="420"/>
           <a:stretch>
             <a:fillRect/>
           </a:stretch>
@@ -5819,13 +5835,13 @@
           </a:ln>
           <a:extLst>
             <a:ext uri="{C572A759-6A51-4108-AA02-DFA0A04FC94B}">
-              <ma14:wrappingTextBoxFlag xmlns:ma14="http://schemas.microsoft.com/office/mac/drawingml/2011/main" val="1"/>
+              <ma14:wrappingTextBoxFlag xmlns:ma14="http://schemas.microsoft.com/office/mac/drawingml/2011/main" xmlns:a14="http://schemas.microsoft.com/office/drawing/2010/main" xmlns:m="http://schemas.openxmlformats.org/officeDocument/2006/math" xmlns="" val="1"/>
             </a:ext>
           </a:extLst>
         </p:spPr>
         <p:txBody>
           <a:bodyPr lIns="45718" tIns="45718" rIns="45718" bIns="45718">
-            <a:normAutofit fontScale="100000" lnSpcReduction="0"/>
+            <a:normAutofit/>
           </a:bodyPr>
           <a:lstStyle/>
           <a:p>
@@ -5844,6 +5860,7 @@
                 <a:sym typeface="Corbel"/>
               </a:defRPr>
             </a:pPr>
+            <a:endParaRPr/>
           </a:p>
           <a:p>
             <a:pPr marL="187558" indent="-132282" algn="just" defTabSz="425194">
@@ -5874,6 +5891,7 @@
                 <a:sym typeface="Corbel"/>
               </a:defRPr>
             </a:pPr>
+            <a:endParaRPr/>
           </a:p>
           <a:p>
             <a:pPr marL="187558" indent="-132282" algn="just" defTabSz="425194">
@@ -5892,13 +5910,7 @@
               </a:defRPr>
             </a:pPr>
             <a:r>
-              <a:t> 70 True</a:t>
-            </a:r>
-            <a:r>
-              <a:t> </a:t>
-            </a:r>
-            <a:r>
-              <a:t>Positive Predictions</a:t>
+              <a:t> 70 True Positive Predictions</a:t>
             </a:r>
           </a:p>
           <a:p>
@@ -5910,6 +5922,7 @@
                 <a:sym typeface="Corbel"/>
               </a:defRPr>
             </a:pPr>
+            <a:endParaRPr/>
           </a:p>
           <a:p>
             <a:pPr marL="187558" indent="-132282" algn="just" defTabSz="425194">
@@ -5928,13 +5941,7 @@
               </a:defRPr>
             </a:pPr>
             <a:r>
-              <a:t> 81 True</a:t>
-            </a:r>
-            <a:r>
-              <a:t> </a:t>
-            </a:r>
-            <a:r>
-              <a:t>Negative Predictions</a:t>
+              <a:t> 81 True Negative Predictions</a:t>
             </a:r>
           </a:p>
           <a:p>
@@ -5946,6 +5953,7 @@
                 <a:sym typeface="Corbel"/>
               </a:defRPr>
             </a:pPr>
+            <a:endParaRPr/>
           </a:p>
           <a:p>
             <a:pPr marL="187558" indent="-132282" algn="just" defTabSz="425194">
@@ -5964,13 +5972,7 @@
               </a:defRPr>
             </a:pPr>
             <a:r>
-              <a:t> 41 False</a:t>
-            </a:r>
-            <a:r>
-              <a:t> </a:t>
-            </a:r>
-            <a:r>
-              <a:t>Positive Predictions</a:t>
+              <a:t> 41 False Positive Predictions</a:t>
             </a:r>
           </a:p>
           <a:p>
@@ -5982,6 +5984,7 @@
                 <a:sym typeface="Corbel"/>
               </a:defRPr>
             </a:pPr>
+            <a:endParaRPr/>
           </a:p>
           <a:p>
             <a:pPr marL="187558" indent="-132282" algn="just" defTabSz="425194">
@@ -6000,13 +6003,7 @@
               </a:defRPr>
             </a:pPr>
             <a:r>
-              <a:t> 37 False</a:t>
-            </a:r>
-            <a:r>
-              <a:t> </a:t>
-            </a:r>
-            <a:r>
-              <a:t>Negative Predictions</a:t>
+              <a:t> 37 False Negative Predictions</a:t>
             </a:r>
           </a:p>
           <a:p>
@@ -6025,6 +6022,7 @@
                 <a:sym typeface="Corbel"/>
               </a:defRPr>
             </a:pPr>
+            <a:endParaRPr/>
           </a:p>
           <a:p>
             <a:pPr marL="187558" indent="-132282" algn="just" defTabSz="425194">
@@ -6042,6 +6040,7 @@
                 <a:sym typeface="Corbel"/>
               </a:defRPr>
             </a:pPr>
+            <a:endParaRPr/>
           </a:p>
           <a:p>
             <a:pPr marL="187558" indent="-132282" algn="just" defTabSz="425194">
@@ -6059,6 +6058,7 @@
                 <a:sym typeface="Corbel"/>
               </a:defRPr>
             </a:pPr>
+            <a:endParaRPr/>
           </a:p>
           <a:p>
             <a:pPr marL="187558" indent="-132282" algn="just" defTabSz="425194">
@@ -6076,6 +6076,7 @@
                 <a:sym typeface="Corbel"/>
               </a:defRPr>
             </a:pPr>
+            <a:endParaRPr/>
           </a:p>
           <a:p>
             <a:pPr marL="187558" indent="-132282" algn="just" defTabSz="425194">
@@ -6093,6 +6094,7 @@
                 <a:sym typeface="Corbel"/>
               </a:defRPr>
             </a:pPr>
+            <a:endParaRPr/>
           </a:p>
           <a:p>
             <a:pPr algn="just" defTabSz="425194">
@@ -6103,6 +6105,7 @@
                 <a:sym typeface="Corbel"/>
               </a:defRPr>
             </a:pPr>
+            <a:endParaRPr/>
           </a:p>
           <a:p>
             <a:pPr algn="just" defTabSz="425194">
@@ -6113,6 +6116,7 @@
                 <a:sym typeface="Corbel"/>
               </a:defRPr>
             </a:pPr>
+            <a:endParaRPr/>
           </a:p>
           <a:p>
             <a:pPr algn="just" defTabSz="425194">
@@ -6123,6 +6127,7 @@
                 <a:sym typeface="Corbel"/>
               </a:defRPr>
             </a:pPr>
+            <a:endParaRPr/>
           </a:p>
           <a:p>
             <a:pPr algn="just" defTabSz="425194">
@@ -6133,6 +6138,7 @@
                 <a:sym typeface="Corbel"/>
               </a:defRPr>
             </a:pPr>
+            <a:endParaRPr/>
           </a:p>
           <a:p>
             <a:pPr defTabSz="212597">
@@ -6142,6 +6148,7 @@
                 </a:solidFill>
               </a:defRPr>
             </a:pPr>
+            <a:endParaRPr/>
           </a:p>
         </p:txBody>
       </p:sp>
@@ -6164,18 +6171,18 @@
           </a:ln>
           <a:extLst>
             <a:ext uri="{C572A759-6A51-4108-AA02-DFA0A04FC94B}">
-              <ma14:wrappingTextBoxFlag xmlns:ma14="http://schemas.microsoft.com/office/mac/drawingml/2011/main" val="1"/>
+              <ma14:wrappingTextBoxFlag xmlns:ma14="http://schemas.microsoft.com/office/mac/drawingml/2011/main" xmlns:a14="http://schemas.microsoft.com/office/drawing/2010/main" xmlns:m="http://schemas.openxmlformats.org/officeDocument/2006/math" xmlns="" val="1"/>
             </a:ext>
           </a:extLst>
         </p:spPr>
         <p:txBody>
           <a:bodyPr lIns="45718" tIns="45718" rIns="45718" bIns="45718" anchor="ctr">
-            <a:normAutofit fontScale="100000" lnSpcReduction="0"/>
+            <a:normAutofit/>
           </a:bodyPr>
           <a:lstStyle/>
           <a:p>
             <a:pPr>
-              <a:defRPr b="1" sz="4000">
+              <a:defRPr sz="4000" b="1">
                 <a:solidFill>
                   <a:srgbClr val="FFFFFF"/>
                 </a:solidFill>
@@ -6214,7 +6221,7 @@
           </a:ln>
           <a:extLst>
             <a:ext uri="{C572A759-6A51-4108-AA02-DFA0A04FC94B}">
-              <ma14:wrappingTextBoxFlag xmlns:ma14="http://schemas.microsoft.com/office/mac/drawingml/2011/main" val="1"/>
+              <ma14:wrappingTextBoxFlag xmlns:ma14="http://schemas.microsoft.com/office/mac/drawingml/2011/main" xmlns:a14="http://schemas.microsoft.com/office/drawing/2010/main" xmlns:m="http://schemas.openxmlformats.org/officeDocument/2006/math" xmlns="" val="1"/>
             </a:ext>
           </a:extLst>
         </p:spPr>
@@ -6233,7 +6240,6 @@
             </a:lvl1pPr>
           </a:lstStyle>
           <a:p>
-            <a:pPr/>
             <a:r>
               <a:t>Confusion Matrix</a:t>
             </a:r>
@@ -6245,12 +6251,12 @@
   <p:clrMapOvr>
     <a:masterClrMapping/>
   </p:clrMapOvr>
-  <p:transition xmlns:p14="http://schemas.microsoft.com/office/powerpoint/2010/main" spd="med" advClick="1"/>
+  <p:transition spd="med"/>
 </p:sld>
 </file>
 
 <file path=ppt/slides/slide18.xml><?xml version="1.0" encoding="utf-8"?>
-<p:sld xmlns:a="http://schemas.openxmlformats.org/drawingml/2006/main" xmlns:r="http://schemas.openxmlformats.org/officeDocument/2006/relationships" xmlns:p="http://schemas.openxmlformats.org/presentationml/2006/main" xmlns:m="http://schemas.openxmlformats.org/officeDocument/2006/math" xmlns:a14="http://schemas.microsoft.com/office/drawing/2010/main" showMasterSp="1" showMasterPhAnim="1">
+<p:sld xmlns:a="http://schemas.openxmlformats.org/drawingml/2006/main" xmlns:r="http://schemas.openxmlformats.org/officeDocument/2006/relationships" xmlns:p="http://schemas.openxmlformats.org/presentationml/2006/main">
   <p:cSld>
     <p:spTree>
       <p:nvGrpSpPr>
@@ -6285,7 +6291,7 @@
           </a:ln>
           <a:extLst>
             <a:ext uri="{C572A759-6A51-4108-AA02-DFA0A04FC94B}">
-              <ma14:wrappingTextBoxFlag xmlns:ma14="http://schemas.microsoft.com/office/mac/drawingml/2011/main" val="1"/>
+              <ma14:wrappingTextBoxFlag xmlns:ma14="http://schemas.microsoft.com/office/mac/drawingml/2011/main" xmlns:a14="http://schemas.microsoft.com/office/drawing/2010/main" xmlns:m="http://schemas.openxmlformats.org/officeDocument/2006/math" xmlns="" val="1"/>
             </a:ext>
           </a:extLst>
         </p:spPr>
@@ -6304,7 +6310,6 @@
             </a:lvl1pPr>
           </a:lstStyle>
           <a:p>
-            <a:pPr/>
             <a:r>
               <a:t>Recall</a:t>
             </a:r>
@@ -6333,7 +6338,7 @@
           </a:ln>
           <a:extLst>
             <a:ext uri="{C572A759-6A51-4108-AA02-DFA0A04FC94B}">
-              <ma14:wrappingTextBoxFlag xmlns:ma14="http://schemas.microsoft.com/office/mac/drawingml/2011/main" val="1"/>
+              <ma14:wrappingTextBoxFlag xmlns:ma14="http://schemas.microsoft.com/office/mac/drawingml/2011/main" xmlns:a14="http://schemas.microsoft.com/office/drawing/2010/main" xmlns:m="http://schemas.openxmlformats.org/officeDocument/2006/math" xmlns="" val="1"/>
             </a:ext>
           </a:extLst>
         </p:spPr>
@@ -6368,7 +6373,7 @@
               <a:t> is:   </a:t>
             </a:r>
             <a:r>
-              <a:rPr i="1" sz="2000">
+              <a:rPr sz="2000" i="1">
                 <a:solidFill>
                   <a:srgbClr val="0070C0"/>
                 </a:solidFill>
@@ -6397,7 +6402,7 @@
           </a:ln>
           <a:extLst>
             <a:ext uri="{C572A759-6A51-4108-AA02-DFA0A04FC94B}">
-              <ma14:wrappingTextBoxFlag xmlns:ma14="http://schemas.microsoft.com/office/mac/drawingml/2011/main" val="1"/>
+              <ma14:wrappingTextBoxFlag xmlns:ma14="http://schemas.microsoft.com/office/mac/drawingml/2011/main" xmlns:a14="http://schemas.microsoft.com/office/drawing/2010/main" xmlns:m="http://schemas.openxmlformats.org/officeDocument/2006/math" xmlns="" val="1"/>
             </a:ext>
           </a:extLst>
         </p:spPr>
@@ -6416,7 +6421,6 @@
             </a:lvl1pPr>
           </a:lstStyle>
           <a:p>
-            <a:pPr/>
             <a:r>
               <a:t>Precision</a:t>
             </a:r>
@@ -6445,7 +6449,7 @@
           </a:ln>
           <a:extLst>
             <a:ext uri="{C572A759-6A51-4108-AA02-DFA0A04FC94B}">
-              <ma14:wrappingTextBoxFlag xmlns:ma14="http://schemas.microsoft.com/office/mac/drawingml/2011/main" val="1"/>
+              <ma14:wrappingTextBoxFlag xmlns:ma14="http://schemas.microsoft.com/office/mac/drawingml/2011/main" xmlns:a14="http://schemas.microsoft.com/office/drawing/2010/main" xmlns:m="http://schemas.openxmlformats.org/officeDocument/2006/math" xmlns="" val="1"/>
             </a:ext>
           </a:extLst>
         </p:spPr>
@@ -6467,7 +6471,7 @@
               <a:t>The ratio of positive instances that are correctly detected by the classifier (true positive rate), represented by the Recall, is:   </a:t>
             </a:r>
             <a:r>
-              <a:rPr i="1" sz="2000">
+              <a:rPr sz="2000" i="1">
                 <a:solidFill>
                   <a:srgbClr val="0070C0"/>
                 </a:solidFill>
@@ -6496,7 +6500,7 @@
           </a:ln>
           <a:extLst>
             <a:ext uri="{C572A759-6A51-4108-AA02-DFA0A04FC94B}">
-              <ma14:wrappingTextBoxFlag xmlns:ma14="http://schemas.microsoft.com/office/mac/drawingml/2011/main" val="1"/>
+              <ma14:wrappingTextBoxFlag xmlns:ma14="http://schemas.microsoft.com/office/mac/drawingml/2011/main" xmlns:a14="http://schemas.microsoft.com/office/drawing/2010/main" xmlns:m="http://schemas.openxmlformats.org/officeDocument/2006/math" xmlns="" val="1"/>
             </a:ext>
           </a:extLst>
         </p:spPr>
@@ -6515,7 +6519,6 @@
             </a:lvl1pPr>
           </a:lstStyle>
           <a:p>
-            <a:pPr/>
             <a:r>
               <a:t>F1-score</a:t>
             </a:r>
@@ -6541,7 +6544,7 @@
           </a:ln>
           <a:extLst>
             <a:ext uri="{C572A759-6A51-4108-AA02-DFA0A04FC94B}">
-              <ma14:wrappingTextBoxFlag xmlns:ma14="http://schemas.microsoft.com/office/mac/drawingml/2011/main" val="1"/>
+              <ma14:wrappingTextBoxFlag xmlns:ma14="http://schemas.microsoft.com/office/mac/drawingml/2011/main" xmlns:a14="http://schemas.microsoft.com/office/drawing/2010/main" xmlns:m="http://schemas.openxmlformats.org/officeDocument/2006/math" xmlns="" val="1"/>
             </a:ext>
           </a:extLst>
         </p:spPr>
@@ -6563,7 +6566,7 @@
               <a:t>The F1-score, represented by the harmonic mean of precision and recall which,  differently from the regular mean (that gives equal weight to all values),  gives more weight  to low values - favoring classifiers that have similar precision and recall  - is:   </a:t>
             </a:r>
             <a:r>
-              <a:rPr i="1" sz="2000">
+              <a:rPr sz="2000" i="1">
                 <a:solidFill>
                   <a:srgbClr val="0070C0"/>
                 </a:solidFill>
@@ -6592,18 +6595,18 @@
           </a:ln>
           <a:extLst>
             <a:ext uri="{C572A759-6A51-4108-AA02-DFA0A04FC94B}">
-              <ma14:wrappingTextBoxFlag xmlns:ma14="http://schemas.microsoft.com/office/mac/drawingml/2011/main" val="1"/>
+              <ma14:wrappingTextBoxFlag xmlns:ma14="http://schemas.microsoft.com/office/mac/drawingml/2011/main" xmlns:a14="http://schemas.microsoft.com/office/drawing/2010/main" xmlns:m="http://schemas.openxmlformats.org/officeDocument/2006/math" xmlns="" val="1"/>
             </a:ext>
           </a:extLst>
         </p:spPr>
         <p:txBody>
           <a:bodyPr lIns="45718" tIns="45718" rIns="45718" bIns="45718" anchor="ctr">
-            <a:normAutofit fontScale="100000" lnSpcReduction="0"/>
+            <a:normAutofit/>
           </a:bodyPr>
           <a:lstStyle/>
           <a:p>
             <a:pPr>
-              <a:defRPr b="1" sz="4000">
+              <a:defRPr sz="4000" b="1">
                 <a:solidFill>
                   <a:srgbClr val="FFFFFF"/>
                 </a:solidFill>
@@ -6628,12 +6631,12 @@
   <p:clrMapOvr>
     <a:masterClrMapping/>
   </p:clrMapOvr>
-  <p:transition xmlns:p14="http://schemas.microsoft.com/office/powerpoint/2010/main" spd="med" advClick="1"/>
+  <p:transition spd="med"/>
 </p:sld>
 </file>
 
 <file path=ppt/slides/slide19.xml><?xml version="1.0" encoding="utf-8"?>
-<p:sld xmlns:a="http://schemas.openxmlformats.org/drawingml/2006/main" xmlns:r="http://schemas.openxmlformats.org/officeDocument/2006/relationships" xmlns:p="http://schemas.openxmlformats.org/presentationml/2006/main" xmlns:m="http://schemas.openxmlformats.org/officeDocument/2006/math" xmlns:a14="http://schemas.microsoft.com/office/drawing/2010/main" showMasterSp="1" showMasterPhAnim="1">
+<p:sld xmlns:a="http://schemas.openxmlformats.org/drawingml/2006/main" xmlns:r="http://schemas.openxmlformats.org/officeDocument/2006/relationships" xmlns:p="http://schemas.openxmlformats.org/presentationml/2006/main">
   <p:cSld>
     <p:spTree>
       <p:nvGrpSpPr>
@@ -6658,10 +6661,10 @@
           <p:nvPr/>
         </p:nvPicPr>
         <p:blipFill>
-          <a:blip r:embed="rId2">
+          <a:blip r:embed="rId2" cstate="print">
             <a:extLst/>
           </a:blip>
-          <a:srcRect l="0" t="173" r="0" b="172"/>
+          <a:srcRect t="173" b="172"/>
           <a:stretch>
             <a:fillRect/>
           </a:stretch>
@@ -6698,18 +6701,18 @@
           </a:ln>
           <a:extLst>
             <a:ext uri="{C572A759-6A51-4108-AA02-DFA0A04FC94B}">
-              <ma14:wrappingTextBoxFlag xmlns:ma14="http://schemas.microsoft.com/office/mac/drawingml/2011/main" val="1"/>
+              <ma14:wrappingTextBoxFlag xmlns:ma14="http://schemas.microsoft.com/office/mac/drawingml/2011/main" xmlns:a14="http://schemas.microsoft.com/office/drawing/2010/main" xmlns:m="http://schemas.openxmlformats.org/officeDocument/2006/math" xmlns="" val="1"/>
             </a:ext>
           </a:extLst>
         </p:spPr>
         <p:txBody>
           <a:bodyPr lIns="45718" tIns="45718" rIns="45718" bIns="45718" anchor="ctr">
-            <a:normAutofit fontScale="100000" lnSpcReduction="0"/>
+            <a:normAutofit/>
           </a:bodyPr>
           <a:lstStyle/>
           <a:p>
             <a:pPr>
-              <a:defRPr b="1" sz="4000">
+              <a:defRPr sz="4000" b="1">
                 <a:solidFill>
                   <a:srgbClr val="FFFFFF"/>
                 </a:solidFill>
@@ -6748,7 +6751,7 @@
           </a:ln>
           <a:extLst>
             <a:ext uri="{C572A759-6A51-4108-AA02-DFA0A04FC94B}">
-              <ma14:wrappingTextBoxFlag xmlns:ma14="http://schemas.microsoft.com/office/mac/drawingml/2011/main" val="1"/>
+              <ma14:wrappingTextBoxFlag xmlns:ma14="http://schemas.microsoft.com/office/mac/drawingml/2011/main" xmlns:a14="http://schemas.microsoft.com/office/drawing/2010/main" xmlns:m="http://schemas.openxmlformats.org/officeDocument/2006/math" xmlns="" val="1"/>
             </a:ext>
           </a:extLst>
         </p:spPr>
@@ -6767,7 +6770,6 @@
             </a:lvl1pPr>
           </a:lstStyle>
           <a:p>
-            <a:pPr/>
             <a:r>
               <a:t> Receiver Operating Characteristic (ROC) and Area Under the ROC Curve (AUC)</a:t>
             </a:r>
@@ -6796,7 +6798,7 @@
           </a:ln>
           <a:extLst>
             <a:ext uri="{C572A759-6A51-4108-AA02-DFA0A04FC94B}">
-              <ma14:wrappingTextBoxFlag xmlns:ma14="http://schemas.microsoft.com/office/mac/drawingml/2011/main" val="1"/>
+              <ma14:wrappingTextBoxFlag xmlns:ma14="http://schemas.microsoft.com/office/mac/drawingml/2011/main" xmlns:a14="http://schemas.microsoft.com/office/drawing/2010/main" xmlns:m="http://schemas.openxmlformats.org/officeDocument/2006/math" xmlns="" val="1"/>
             </a:ext>
           </a:extLst>
         </p:spPr>
@@ -6825,7 +6827,7 @@
               <a:t>) is:</a:t>
             </a:r>
             <a:r>
-              <a:rPr i="1" sz="2000">
+              <a:rPr sz="2000" i="1">
                 <a:solidFill>
                   <a:srgbClr val="0070C0"/>
                 </a:solidFill>
@@ -6833,7 +6835,7 @@
               <a:t> 0.7164</a:t>
             </a:r>
             <a:r>
-              <a:rPr i="1" sz="1200">
+              <a:rPr sz="1200" i="1">
                 <a:solidFill>
                   <a:srgbClr val="0070C0"/>
                 </a:solidFill>
@@ -6862,7 +6864,7 @@
           </a:ln>
           <a:extLst>
             <a:ext uri="{C572A759-6A51-4108-AA02-DFA0A04FC94B}">
-              <ma14:wrappingTextBoxFlag xmlns:ma14="http://schemas.microsoft.com/office/mac/drawingml/2011/main" val="1"/>
+              <ma14:wrappingTextBoxFlag xmlns:ma14="http://schemas.microsoft.com/office/mac/drawingml/2011/main" xmlns:a14="http://schemas.microsoft.com/office/drawing/2010/main" xmlns:m="http://schemas.openxmlformats.org/officeDocument/2006/math" xmlns="" val="1"/>
             </a:ext>
           </a:extLst>
         </p:spPr>
@@ -6881,7 +6883,6 @@
             </a:lvl1pPr>
           </a:lstStyle>
           <a:p>
-            <a:pPr/>
             <a:r>
               <a:t>Accuracy</a:t>
             </a:r>
@@ -6910,7 +6911,7 @@
           </a:ln>
           <a:extLst>
             <a:ext uri="{C572A759-6A51-4108-AA02-DFA0A04FC94B}">
-              <ma14:wrappingTextBoxFlag xmlns:ma14="http://schemas.microsoft.com/office/mac/drawingml/2011/main" val="1"/>
+              <ma14:wrappingTextBoxFlag xmlns:ma14="http://schemas.microsoft.com/office/mac/drawingml/2011/main" xmlns:a14="http://schemas.microsoft.com/office/drawing/2010/main" xmlns:m="http://schemas.openxmlformats.org/officeDocument/2006/math" xmlns="" val="1"/>
             </a:ext>
           </a:extLst>
         </p:spPr>
@@ -6932,7 +6933,7 @@
               <a:t>The overall predicted accuracy of the model is: </a:t>
             </a:r>
             <a:r>
-              <a:rPr i="1" sz="2000">
+              <a:rPr sz="2000" i="1">
                 <a:solidFill>
                   <a:srgbClr val="0070C0"/>
                 </a:solidFill>
@@ -6951,12 +6952,12 @@
   <p:clrMapOvr>
     <a:masterClrMapping/>
   </p:clrMapOvr>
-  <p:transition xmlns:p14="http://schemas.microsoft.com/office/powerpoint/2010/main" spd="med" advClick="1"/>
+  <p:transition spd="med"/>
 </p:sld>
 </file>
 
 <file path=ppt/slides/slide2.xml><?xml version="1.0" encoding="utf-8"?>
-<p:sld xmlns:a="http://schemas.openxmlformats.org/drawingml/2006/main" xmlns:r="http://schemas.openxmlformats.org/officeDocument/2006/relationships" xmlns:p="http://schemas.openxmlformats.org/presentationml/2006/main" xmlns:m="http://schemas.openxmlformats.org/officeDocument/2006/math" xmlns:a14="http://schemas.microsoft.com/office/drawing/2010/main" showMasterSp="1" showMasterPhAnim="1">
+<p:sld xmlns:a="http://schemas.openxmlformats.org/drawingml/2006/main" xmlns:r="http://schemas.openxmlformats.org/officeDocument/2006/relationships" xmlns:p="http://schemas.openxmlformats.org/presentationml/2006/main">
   <p:cSld>
     <p:spTree>
       <p:nvGrpSpPr>
@@ -6975,7 +6976,9 @@
       <p:sp>
         <p:nvSpPr>
           <p:cNvPr id="108" name="Titolo 9"/>
-          <p:cNvSpPr txBox="1"/>
+          <p:cNvSpPr txBox="1">
+            <a:spLocks noGrp="1"/>
+          </p:cNvSpPr>
           <p:nvPr>
             <p:ph type="title"/>
           </p:nvPr>
@@ -6993,7 +6996,7 @@
           <a:bodyPr/>
           <a:lstStyle>
             <a:lvl1pPr algn="r">
-              <a:defRPr b="1" sz="4000">
+              <a:defRPr sz="4000" b="1">
                 <a:solidFill>
                   <a:srgbClr val="FFFFFF"/>
                 </a:solidFill>
@@ -7005,8 +7008,8 @@
             </a:lvl1pPr>
           </a:lstStyle>
           <a:p>
-            <a:pPr/>
-            <a:r>
+            <a:r>
+              <a:rPr dirty="0"/>
               <a:t>Introduction</a:t>
             </a:r>
           </a:p>
@@ -7015,7 +7018,9 @@
       <p:sp>
         <p:nvSpPr>
           <p:cNvPr id="109" name="Segnaposto contenuto 10"/>
-          <p:cNvSpPr txBox="1"/>
+          <p:cNvSpPr txBox="1">
+            <a:spLocks noGrp="1"/>
+          </p:cNvSpPr>
           <p:nvPr>
             <p:ph type="body" idx="1"/>
           </p:nvPr>
@@ -7030,7 +7035,9 @@
           </a:prstGeom>
         </p:spPr>
         <p:txBody>
-          <a:bodyPr/>
+          <a:bodyPr>
+            <a:normAutofit fontScale="92500"/>
+          </a:bodyPr>
           <a:lstStyle/>
           <a:p>
             <a:pPr marL="0" indent="0">
@@ -7042,8 +7049,22 @@
               <a:defRPr sz="2900"/>
             </a:pPr>
             <a:r>
-              <a:t>World Health Organization has estimated 12 million deaths occur worldwide, every year due to Heart diseases; in fact, Cardiovascular diseases are the number 1 cause of death globally!</a:t>
-            </a:r>
+              <a:rPr dirty="0"/>
+              <a:t>World Health Organization has estimated 12 million deaths occur worldwide, every year due to Heart diseases; in fact, Cardiovascular diseases are the number </a:t>
+            </a:r>
+            <a:r>
+              <a:rPr b="1" dirty="0"/>
+              <a:t>1</a:t>
+            </a:r>
+            <a:r>
+              <a:rPr dirty="0"/>
+              <a:t> cause of death globally</a:t>
+            </a:r>
+            <a:r>
+              <a:rPr dirty="0" smtClean="0"/>
+              <a:t>!</a:t>
+            </a:r>
+            <a:endParaRPr lang="it-IT" dirty="0" smtClean="0"/>
           </a:p>
           <a:p>
             <a:pPr marL="0" indent="0">
@@ -7054,9 +7075,7 @@
               <a:buNone/>
               <a:defRPr sz="2900"/>
             </a:pPr>
-            <a:r>
-              <a:t>The early predictions of cardiovascular diseases can make lifestyle changes in high risk patients, and it can reduce the complications.</a:t>
-            </a:r>
+            <a:endParaRPr dirty="0"/>
           </a:p>
           <a:p>
             <a:pPr marL="0" indent="0">
@@ -7068,8 +7087,142 @@
               <a:defRPr sz="2900"/>
             </a:pPr>
             <a:r>
-              <a:t>This project intend to prove the correlation between current behaviours of a person, and his future risk of heart disease, using --models--</a:t>
-            </a:r>
+              <a:rPr dirty="0"/>
+              <a:t>The early predictions of cardiovascular diseases can make lifestyle changes in high risk patients, and it can reduce the complications.</a:t>
+            </a:r>
+          </a:p>
+          <a:p>
+            <a:pPr marL="0" indent="0">
+              <a:lnSpc>
+                <a:spcPct val="90000"/>
+              </a:lnSpc>
+              <a:buSzTx/>
+              <a:buNone/>
+              <a:defRPr sz="2900"/>
+            </a:pPr>
+            <a:r>
+              <a:rPr dirty="0"/>
+              <a:t>This project intend to prove the correlation between current </a:t>
+            </a:r>
+            <a:r>
+              <a:rPr dirty="0" err="1"/>
+              <a:t>behaviours</a:t>
+            </a:r>
+            <a:r>
+              <a:rPr dirty="0"/>
+              <a:t> of a person, and his future risk of heart disease, using </a:t>
+            </a:r>
+            <a:r>
+              <a:rPr lang="it-IT" dirty="0" err="1" smtClean="0"/>
+              <a:t>several</a:t>
+            </a:r>
+            <a:r>
+              <a:rPr lang="it-IT" dirty="0" smtClean="0"/>
+              <a:t> </a:t>
+            </a:r>
+            <a:r>
+              <a:rPr lang="it-IT" dirty="0" err="1" smtClean="0"/>
+              <a:t>model</a:t>
+            </a:r>
+            <a:r>
+              <a:rPr lang="it-IT" dirty="0" smtClean="0"/>
+              <a:t> </a:t>
+            </a:r>
+            <a:r>
+              <a:rPr lang="it-IT" dirty="0" err="1" smtClean="0"/>
+              <a:t>such</a:t>
+            </a:r>
+            <a:r>
+              <a:rPr lang="it-IT" dirty="0" smtClean="0"/>
+              <a:t> </a:t>
+            </a:r>
+            <a:r>
+              <a:rPr lang="it-IT" dirty="0" err="1" smtClean="0"/>
+              <a:t>as</a:t>
+            </a:r>
+            <a:r>
+              <a:rPr lang="it-IT" dirty="0" smtClean="0"/>
+              <a:t> </a:t>
+            </a:r>
+            <a:r>
+              <a:rPr lang="it-IT" i="1" dirty="0" err="1" smtClean="0"/>
+              <a:t>Logistic</a:t>
+            </a:r>
+            <a:r>
+              <a:rPr lang="it-IT" i="1" dirty="0" smtClean="0"/>
+              <a:t> </a:t>
+            </a:r>
+            <a:r>
+              <a:rPr lang="it-IT" i="1" dirty="0" err="1" smtClean="0"/>
+              <a:t>Regression</a:t>
+            </a:r>
+            <a:r>
+              <a:rPr lang="it-IT" i="1" dirty="0" smtClean="0"/>
+              <a:t>, </a:t>
+            </a:r>
+            <a:r>
+              <a:rPr lang="it-IT" i="1" dirty="0" err="1" smtClean="0"/>
+              <a:t>K-Nearest</a:t>
+            </a:r>
+            <a:r>
+              <a:rPr lang="it-IT" i="1" dirty="0" smtClean="0"/>
+              <a:t> </a:t>
+            </a:r>
+            <a:r>
+              <a:rPr lang="it-IT" i="1" dirty="0" err="1" smtClean="0"/>
+              <a:t>Neighbors</a:t>
+            </a:r>
+            <a:r>
+              <a:rPr lang="it-IT" i="1" dirty="0" smtClean="0"/>
+              <a:t>, </a:t>
+            </a:r>
+            <a:r>
+              <a:rPr lang="it-IT" i="1" dirty="0" err="1" smtClean="0"/>
+              <a:t>Support</a:t>
+            </a:r>
+            <a:r>
+              <a:rPr lang="it-IT" i="1" dirty="0" smtClean="0"/>
+              <a:t> </a:t>
+            </a:r>
+            <a:r>
+              <a:rPr lang="it-IT" i="1" dirty="0" err="1" smtClean="0"/>
+              <a:t>Vector</a:t>
+            </a:r>
+            <a:r>
+              <a:rPr lang="it-IT" i="1" dirty="0" smtClean="0"/>
+              <a:t> </a:t>
+            </a:r>
+            <a:r>
+              <a:rPr lang="it-IT" i="1" dirty="0" err="1" smtClean="0"/>
+              <a:t>Machine</a:t>
+            </a:r>
+            <a:r>
+              <a:rPr lang="it-IT" i="1" dirty="0" smtClean="0"/>
+              <a:t>,</a:t>
+            </a:r>
+            <a:r>
+              <a:rPr lang="it-IT" dirty="0" smtClean="0"/>
+              <a:t> </a:t>
+            </a:r>
+            <a:r>
+              <a:rPr lang="it-IT" dirty="0" err="1" smtClean="0"/>
+              <a:t>etc…</a:t>
+            </a:r>
+            <a:r>
+              <a:rPr lang="it-IT" dirty="0" smtClean="0"/>
+              <a:t>..</a:t>
+            </a:r>
+          </a:p>
+          <a:p>
+            <a:pPr marL="0" indent="0">
+              <a:lnSpc>
+                <a:spcPct val="90000"/>
+              </a:lnSpc>
+              <a:buSzTx/>
+              <a:buNone/>
+              <a:defRPr sz="2900"/>
+            </a:pPr>
+            <a:endParaRPr dirty="0"/>
           </a:p>
         </p:txBody>
       </p:sp>
@@ -7078,12 +7231,19 @@
   <p:clrMapOvr>
     <a:masterClrMapping/>
   </p:clrMapOvr>
-  <p:transition xmlns:p14="http://schemas.microsoft.com/office/powerpoint/2010/main" spd="med" advClick="1"/>
+  <p:transition spd="med"/>
+  <p:timing>
+    <p:tnLst>
+      <p:par>
+        <p:cTn id="1" dur="indefinite" restart="never" nodeType="tmRoot"/>
+      </p:par>
+    </p:tnLst>
+  </p:timing>
 </p:sld>
 </file>
 
 <file path=ppt/slides/slide20.xml><?xml version="1.0" encoding="utf-8"?>
-<p:sld xmlns:a="http://schemas.openxmlformats.org/drawingml/2006/main" xmlns:r="http://schemas.openxmlformats.org/officeDocument/2006/relationships" xmlns:p="http://schemas.openxmlformats.org/presentationml/2006/main" xmlns:m="http://schemas.openxmlformats.org/officeDocument/2006/math" xmlns:a14="http://schemas.microsoft.com/office/drawing/2010/main" showMasterSp="1" showMasterPhAnim="1">
+<p:sld xmlns:a="http://schemas.openxmlformats.org/drawingml/2006/main" xmlns:r="http://schemas.openxmlformats.org/officeDocument/2006/relationships" xmlns:p="http://schemas.openxmlformats.org/presentationml/2006/main">
   <p:cSld>
     <p:spTree>
       <p:nvGrpSpPr>
@@ -7108,10 +7268,10 @@
           <p:nvPr/>
         </p:nvPicPr>
         <p:blipFill>
-          <a:blip r:embed="rId2">
+          <a:blip r:embed="rId2" cstate="print">
             <a:extLst/>
           </a:blip>
-          <a:srcRect l="0" t="1758" r="0" b="1758"/>
+          <a:srcRect t="1758" b="1758"/>
           <a:stretch>
             <a:fillRect/>
           </a:stretch>
@@ -7148,18 +7308,18 @@
           </a:ln>
           <a:extLst>
             <a:ext uri="{C572A759-6A51-4108-AA02-DFA0A04FC94B}">
-              <ma14:wrappingTextBoxFlag xmlns:ma14="http://schemas.microsoft.com/office/mac/drawingml/2011/main" val="1"/>
+              <ma14:wrappingTextBoxFlag xmlns:ma14="http://schemas.microsoft.com/office/mac/drawingml/2011/main" xmlns:a14="http://schemas.microsoft.com/office/drawing/2010/main" xmlns:m="http://schemas.openxmlformats.org/officeDocument/2006/math" xmlns="" val="1"/>
             </a:ext>
           </a:extLst>
         </p:spPr>
         <p:txBody>
           <a:bodyPr lIns="45718" tIns="45718" rIns="45718" bIns="45718" anchor="ctr">
-            <a:normAutofit fontScale="100000" lnSpcReduction="0"/>
+            <a:normAutofit/>
           </a:bodyPr>
           <a:lstStyle/>
           <a:p>
             <a:pPr>
-              <a:defRPr b="1" sz="4000">
+              <a:defRPr sz="4000" b="1">
                 <a:solidFill>
                   <a:srgbClr val="FFFFFF"/>
                 </a:solidFill>
@@ -7198,13 +7358,13 @@
           </a:ln>
           <a:extLst>
             <a:ext uri="{C572A759-6A51-4108-AA02-DFA0A04FC94B}">
-              <ma14:wrappingTextBoxFlag xmlns:ma14="http://schemas.microsoft.com/office/mac/drawingml/2011/main" val="1"/>
+              <ma14:wrappingTextBoxFlag xmlns:ma14="http://schemas.microsoft.com/office/mac/drawingml/2011/main" xmlns:a14="http://schemas.microsoft.com/office/drawing/2010/main" xmlns:m="http://schemas.openxmlformats.org/officeDocument/2006/math" xmlns="" val="1"/>
             </a:ext>
           </a:extLst>
         </p:spPr>
         <p:txBody>
           <a:bodyPr lIns="45718" tIns="45718" rIns="45718" bIns="45718">
-            <a:normAutofit fontScale="100000" lnSpcReduction="0"/>
+            <a:normAutofit/>
           </a:bodyPr>
           <a:lstStyle/>
           <a:p>
@@ -7223,6 +7383,7 @@
                 <a:sym typeface="Corbel"/>
               </a:defRPr>
             </a:pPr>
+            <a:endParaRPr/>
           </a:p>
           <a:p>
             <a:pPr marL="187558" indent="-132282" algn="just" defTabSz="425194">
@@ -7253,6 +7414,7 @@
                 <a:sym typeface="Corbel"/>
               </a:defRPr>
             </a:pPr>
+            <a:endParaRPr/>
           </a:p>
           <a:p>
             <a:pPr marL="187558" indent="-132282" algn="just" defTabSz="425194">
@@ -7271,13 +7433,7 @@
               </a:defRPr>
             </a:pPr>
             <a:r>
-              <a:t> 74 True</a:t>
-            </a:r>
-            <a:r>
-              <a:t> </a:t>
-            </a:r>
-            <a:r>
-              <a:t>Positive Predictions</a:t>
+              <a:t> 74 True Positive Predictions</a:t>
             </a:r>
           </a:p>
           <a:p>
@@ -7289,6 +7445,7 @@
                 <a:sym typeface="Corbel"/>
               </a:defRPr>
             </a:pPr>
+            <a:endParaRPr/>
           </a:p>
           <a:p>
             <a:pPr marL="187558" indent="-132282" algn="just" defTabSz="425194">
@@ -7307,13 +7464,7 @@
               </a:defRPr>
             </a:pPr>
             <a:r>
-              <a:t> 67 True</a:t>
-            </a:r>
-            <a:r>
-              <a:t> </a:t>
-            </a:r>
-            <a:r>
-              <a:t>Negative Predictions</a:t>
+              <a:t> 67 True Negative Predictions</a:t>
             </a:r>
           </a:p>
           <a:p>
@@ -7325,6 +7476,7 @@
                 <a:sym typeface="Corbel"/>
               </a:defRPr>
             </a:pPr>
+            <a:endParaRPr/>
           </a:p>
           <a:p>
             <a:pPr marL="187558" indent="-132282" algn="just" defTabSz="425194">
@@ -7343,13 +7495,7 @@
               </a:defRPr>
             </a:pPr>
             <a:r>
-              <a:t> 48 False</a:t>
-            </a:r>
-            <a:r>
-              <a:t> </a:t>
-            </a:r>
-            <a:r>
-              <a:t>Positive Predictions</a:t>
+              <a:t> 48 False Positive Predictions</a:t>
             </a:r>
           </a:p>
           <a:p>
@@ -7361,6 +7507,7 @@
                 <a:sym typeface="Corbel"/>
               </a:defRPr>
             </a:pPr>
+            <a:endParaRPr/>
           </a:p>
           <a:p>
             <a:pPr marL="187558" indent="-132282" algn="just" defTabSz="425194">
@@ -7379,13 +7526,7 @@
               </a:defRPr>
             </a:pPr>
             <a:r>
-              <a:t> 40 False</a:t>
-            </a:r>
-            <a:r>
-              <a:t> </a:t>
-            </a:r>
-            <a:r>
-              <a:t>Negative Predictions</a:t>
+              <a:t> 40 False Negative Predictions</a:t>
             </a:r>
           </a:p>
           <a:p>
@@ -7404,6 +7545,7 @@
                 <a:sym typeface="Corbel"/>
               </a:defRPr>
             </a:pPr>
+            <a:endParaRPr/>
           </a:p>
           <a:p>
             <a:pPr marL="187558" indent="-132282" algn="just" defTabSz="425194">
@@ -7421,6 +7563,7 @@
                 <a:sym typeface="Corbel"/>
               </a:defRPr>
             </a:pPr>
+            <a:endParaRPr/>
           </a:p>
           <a:p>
             <a:pPr marL="187558" indent="-132282" algn="just" defTabSz="425194">
@@ -7438,6 +7581,7 @@
                 <a:sym typeface="Corbel"/>
               </a:defRPr>
             </a:pPr>
+            <a:endParaRPr/>
           </a:p>
           <a:p>
             <a:pPr marL="187558" indent="-132282" algn="just" defTabSz="425194">
@@ -7455,6 +7599,7 @@
                 <a:sym typeface="Corbel"/>
               </a:defRPr>
             </a:pPr>
+            <a:endParaRPr/>
           </a:p>
           <a:p>
             <a:pPr marL="187558" indent="-132282" algn="just" defTabSz="425194">
@@ -7472,6 +7617,7 @@
                 <a:sym typeface="Corbel"/>
               </a:defRPr>
             </a:pPr>
+            <a:endParaRPr/>
           </a:p>
           <a:p>
             <a:pPr algn="just" defTabSz="425194">
@@ -7482,6 +7628,7 @@
                 <a:sym typeface="Corbel"/>
               </a:defRPr>
             </a:pPr>
+            <a:endParaRPr/>
           </a:p>
           <a:p>
             <a:pPr algn="just" defTabSz="425194">
@@ -7492,6 +7639,7 @@
                 <a:sym typeface="Corbel"/>
               </a:defRPr>
             </a:pPr>
+            <a:endParaRPr/>
           </a:p>
           <a:p>
             <a:pPr algn="just" defTabSz="425194">
@@ -7502,6 +7650,7 @@
                 <a:sym typeface="Corbel"/>
               </a:defRPr>
             </a:pPr>
+            <a:endParaRPr/>
           </a:p>
           <a:p>
             <a:pPr algn="just" defTabSz="425194">
@@ -7512,6 +7661,7 @@
                 <a:sym typeface="Corbel"/>
               </a:defRPr>
             </a:pPr>
+            <a:endParaRPr/>
           </a:p>
           <a:p>
             <a:pPr defTabSz="212597">
@@ -7521,6 +7671,7 @@
                 </a:solidFill>
               </a:defRPr>
             </a:pPr>
+            <a:endParaRPr/>
           </a:p>
         </p:txBody>
       </p:sp>
@@ -7529,12 +7680,12 @@
   <p:clrMapOvr>
     <a:masterClrMapping/>
   </p:clrMapOvr>
-  <p:transition xmlns:p14="http://schemas.microsoft.com/office/powerpoint/2010/main" spd="med" advClick="1"/>
+  <p:transition spd="med"/>
 </p:sld>
 </file>
 
 <file path=ppt/slides/slide21.xml><?xml version="1.0" encoding="utf-8"?>
-<p:sld xmlns:a="http://schemas.openxmlformats.org/drawingml/2006/main" xmlns:r="http://schemas.openxmlformats.org/officeDocument/2006/relationships" xmlns:p="http://schemas.openxmlformats.org/presentationml/2006/main" xmlns:m="http://schemas.openxmlformats.org/officeDocument/2006/math" xmlns:a14="http://schemas.microsoft.com/office/drawing/2010/main" showMasterSp="1" showMasterPhAnim="1">
+<p:sld xmlns:a="http://schemas.openxmlformats.org/drawingml/2006/main" xmlns:r="http://schemas.openxmlformats.org/officeDocument/2006/relationships" xmlns:p="http://schemas.openxmlformats.org/presentationml/2006/main">
   <p:cSld>
     <p:spTree>
       <p:nvGrpSpPr>
@@ -7569,7 +7720,7 @@
           </a:ln>
           <a:extLst>
             <a:ext uri="{C572A759-6A51-4108-AA02-DFA0A04FC94B}">
-              <ma14:wrappingTextBoxFlag xmlns:ma14="http://schemas.microsoft.com/office/mac/drawingml/2011/main" val="1"/>
+              <ma14:wrappingTextBoxFlag xmlns:ma14="http://schemas.microsoft.com/office/mac/drawingml/2011/main" xmlns:a14="http://schemas.microsoft.com/office/drawing/2010/main" xmlns:m="http://schemas.openxmlformats.org/officeDocument/2006/math" xmlns="" val="1"/>
             </a:ext>
           </a:extLst>
         </p:spPr>
@@ -7588,7 +7739,6 @@
             </a:lvl1pPr>
           </a:lstStyle>
           <a:p>
-            <a:pPr/>
             <a:r>
               <a:t>Recall</a:t>
             </a:r>
@@ -7617,7 +7767,7 @@
           </a:ln>
           <a:extLst>
             <a:ext uri="{C572A759-6A51-4108-AA02-DFA0A04FC94B}">
-              <ma14:wrappingTextBoxFlag xmlns:ma14="http://schemas.microsoft.com/office/mac/drawingml/2011/main" val="1"/>
+              <ma14:wrappingTextBoxFlag xmlns:ma14="http://schemas.microsoft.com/office/mac/drawingml/2011/main" xmlns:a14="http://schemas.microsoft.com/office/drawing/2010/main" xmlns:m="http://schemas.openxmlformats.org/officeDocument/2006/math" xmlns="" val="1"/>
             </a:ext>
           </a:extLst>
         </p:spPr>
@@ -7652,7 +7802,7 @@
               <a:t> is:   </a:t>
             </a:r>
             <a:r>
-              <a:rPr i="1" sz="2000">
+              <a:rPr sz="2000" i="1">
                 <a:solidFill>
                   <a:srgbClr val="0070C0"/>
                 </a:solidFill>
@@ -7681,7 +7831,7 @@
           </a:ln>
           <a:extLst>
             <a:ext uri="{C572A759-6A51-4108-AA02-DFA0A04FC94B}">
-              <ma14:wrappingTextBoxFlag xmlns:ma14="http://schemas.microsoft.com/office/mac/drawingml/2011/main" val="1"/>
+              <ma14:wrappingTextBoxFlag xmlns:ma14="http://schemas.microsoft.com/office/mac/drawingml/2011/main" xmlns:a14="http://schemas.microsoft.com/office/drawing/2010/main" xmlns:m="http://schemas.openxmlformats.org/officeDocument/2006/math" xmlns="" val="1"/>
             </a:ext>
           </a:extLst>
         </p:spPr>
@@ -7700,7 +7850,6 @@
             </a:lvl1pPr>
           </a:lstStyle>
           <a:p>
-            <a:pPr/>
             <a:r>
               <a:t>Precision</a:t>
             </a:r>
@@ -7729,7 +7878,7 @@
           </a:ln>
           <a:extLst>
             <a:ext uri="{C572A759-6A51-4108-AA02-DFA0A04FC94B}">
-              <ma14:wrappingTextBoxFlag xmlns:ma14="http://schemas.microsoft.com/office/mac/drawingml/2011/main" val="1"/>
+              <ma14:wrappingTextBoxFlag xmlns:ma14="http://schemas.microsoft.com/office/mac/drawingml/2011/main" xmlns:a14="http://schemas.microsoft.com/office/drawing/2010/main" xmlns:m="http://schemas.openxmlformats.org/officeDocument/2006/math" xmlns="" val="1"/>
             </a:ext>
           </a:extLst>
         </p:spPr>
@@ -7751,7 +7900,7 @@
               <a:t>The ratio of positive instances that are correctly detected by the classifier (true positive rate), represented by the Recall, is:   </a:t>
             </a:r>
             <a:r>
-              <a:rPr i="1" sz="2000">
+              <a:rPr sz="2000" i="1">
                 <a:solidFill>
                   <a:srgbClr val="0070C0"/>
                 </a:solidFill>
@@ -7780,7 +7929,7 @@
           </a:ln>
           <a:extLst>
             <a:ext uri="{C572A759-6A51-4108-AA02-DFA0A04FC94B}">
-              <ma14:wrappingTextBoxFlag xmlns:ma14="http://schemas.microsoft.com/office/mac/drawingml/2011/main" val="1"/>
+              <ma14:wrappingTextBoxFlag xmlns:ma14="http://schemas.microsoft.com/office/mac/drawingml/2011/main" xmlns:a14="http://schemas.microsoft.com/office/drawing/2010/main" xmlns:m="http://schemas.openxmlformats.org/officeDocument/2006/math" xmlns="" val="1"/>
             </a:ext>
           </a:extLst>
         </p:spPr>
@@ -7799,7 +7948,6 @@
             </a:lvl1pPr>
           </a:lstStyle>
           <a:p>
-            <a:pPr/>
             <a:r>
               <a:t>F1-score</a:t>
             </a:r>
@@ -7825,7 +7973,7 @@
           </a:ln>
           <a:extLst>
             <a:ext uri="{C572A759-6A51-4108-AA02-DFA0A04FC94B}">
-              <ma14:wrappingTextBoxFlag xmlns:ma14="http://schemas.microsoft.com/office/mac/drawingml/2011/main" val="1"/>
+              <ma14:wrappingTextBoxFlag xmlns:ma14="http://schemas.microsoft.com/office/mac/drawingml/2011/main" xmlns:a14="http://schemas.microsoft.com/office/drawing/2010/main" xmlns:m="http://schemas.openxmlformats.org/officeDocument/2006/math" xmlns="" val="1"/>
             </a:ext>
           </a:extLst>
         </p:spPr>
@@ -7847,7 +7995,7 @@
               <a:t>The F1-score, represented by the harmonic mean of precision and recall which,  differently from the regular mean (that gives equal weight to all values),  gives more weight  to low values - favoring classifiers that have similar precision and recall  - is:   </a:t>
             </a:r>
             <a:r>
-              <a:rPr i="1" sz="2000">
+              <a:rPr sz="2000" i="1">
                 <a:solidFill>
                   <a:srgbClr val="0070C0"/>
                 </a:solidFill>
@@ -7876,18 +8024,18 @@
           </a:ln>
           <a:extLst>
             <a:ext uri="{C572A759-6A51-4108-AA02-DFA0A04FC94B}">
-              <ma14:wrappingTextBoxFlag xmlns:ma14="http://schemas.microsoft.com/office/mac/drawingml/2011/main" val="1"/>
+              <ma14:wrappingTextBoxFlag xmlns:ma14="http://schemas.microsoft.com/office/mac/drawingml/2011/main" xmlns:a14="http://schemas.microsoft.com/office/drawing/2010/main" xmlns:m="http://schemas.openxmlformats.org/officeDocument/2006/math" xmlns="" val="1"/>
             </a:ext>
           </a:extLst>
         </p:spPr>
         <p:txBody>
           <a:bodyPr lIns="45718" tIns="45718" rIns="45718" bIns="45718" anchor="ctr">
-            <a:normAutofit fontScale="100000" lnSpcReduction="0"/>
+            <a:normAutofit/>
           </a:bodyPr>
           <a:lstStyle/>
           <a:p>
             <a:pPr>
-              <a:defRPr b="1" sz="4000">
+              <a:defRPr sz="4000" b="1">
                 <a:solidFill>
                   <a:srgbClr val="FFFFFF"/>
                 </a:solidFill>
@@ -7912,12 +8060,12 @@
   <p:clrMapOvr>
     <a:masterClrMapping/>
   </p:clrMapOvr>
-  <p:transition xmlns:p14="http://schemas.microsoft.com/office/powerpoint/2010/main" spd="med" advClick="1"/>
+  <p:transition spd="med"/>
 </p:sld>
 </file>
 
 <file path=ppt/slides/slide22.xml><?xml version="1.0" encoding="utf-8"?>
-<p:sld xmlns:a="http://schemas.openxmlformats.org/drawingml/2006/main" xmlns:r="http://schemas.openxmlformats.org/officeDocument/2006/relationships" xmlns:p="http://schemas.openxmlformats.org/presentationml/2006/main" xmlns:m="http://schemas.openxmlformats.org/officeDocument/2006/math" xmlns:a14="http://schemas.microsoft.com/office/drawing/2010/main" showMasterSp="1" showMasterPhAnim="1">
+<p:sld xmlns:a="http://schemas.openxmlformats.org/drawingml/2006/main" xmlns:r="http://schemas.openxmlformats.org/officeDocument/2006/relationships" xmlns:p="http://schemas.openxmlformats.org/presentationml/2006/main">
   <p:cSld>
     <p:spTree>
       <p:nvGrpSpPr>
@@ -7952,18 +8100,18 @@
           </a:ln>
           <a:extLst>
             <a:ext uri="{C572A759-6A51-4108-AA02-DFA0A04FC94B}">
-              <ma14:wrappingTextBoxFlag xmlns:ma14="http://schemas.microsoft.com/office/mac/drawingml/2011/main" val="1"/>
+              <ma14:wrappingTextBoxFlag xmlns:ma14="http://schemas.microsoft.com/office/mac/drawingml/2011/main" xmlns:a14="http://schemas.microsoft.com/office/drawing/2010/main" xmlns:m="http://schemas.openxmlformats.org/officeDocument/2006/math" xmlns="" val="1"/>
             </a:ext>
           </a:extLst>
         </p:spPr>
         <p:txBody>
           <a:bodyPr lIns="45718" tIns="45718" rIns="45718" bIns="45718" anchor="ctr">
-            <a:normAutofit fontScale="100000" lnSpcReduction="0"/>
+            <a:normAutofit/>
           </a:bodyPr>
           <a:lstStyle/>
           <a:p>
             <a:pPr>
-              <a:defRPr b="1" sz="4000">
+              <a:defRPr sz="4000" b="1">
                 <a:solidFill>
                   <a:srgbClr val="FFFFFF"/>
                 </a:solidFill>
@@ -8002,7 +8150,7 @@
           </a:ln>
           <a:extLst>
             <a:ext uri="{C572A759-6A51-4108-AA02-DFA0A04FC94B}">
-              <ma14:wrappingTextBoxFlag xmlns:ma14="http://schemas.microsoft.com/office/mac/drawingml/2011/main" val="1"/>
+              <ma14:wrappingTextBoxFlag xmlns:ma14="http://schemas.microsoft.com/office/mac/drawingml/2011/main" xmlns:a14="http://schemas.microsoft.com/office/drawing/2010/main" xmlns:m="http://schemas.openxmlformats.org/officeDocument/2006/math" xmlns="" val="1"/>
             </a:ext>
           </a:extLst>
         </p:spPr>
@@ -8021,7 +8169,6 @@
             </a:lvl1pPr>
           </a:lstStyle>
           <a:p>
-            <a:pPr/>
             <a:r>
               <a:t> Receiver Operating Characteristic (ROC) and Area Under the ROC Curve (AUC)</a:t>
             </a:r>
@@ -8050,7 +8197,7 @@
           </a:ln>
           <a:extLst>
             <a:ext uri="{C572A759-6A51-4108-AA02-DFA0A04FC94B}">
-              <ma14:wrappingTextBoxFlag xmlns:ma14="http://schemas.microsoft.com/office/mac/drawingml/2011/main" val="1"/>
+              <ma14:wrappingTextBoxFlag xmlns:ma14="http://schemas.microsoft.com/office/mac/drawingml/2011/main" xmlns:a14="http://schemas.microsoft.com/office/drawing/2010/main" xmlns:m="http://schemas.openxmlformats.org/officeDocument/2006/math" xmlns="" val="1"/>
             </a:ext>
           </a:extLst>
         </p:spPr>
@@ -8079,7 +8226,7 @@
               <a:t>) is:</a:t>
             </a:r>
             <a:r>
-              <a:rPr i="1" sz="2000">
+              <a:rPr sz="2000" i="1">
                 <a:solidFill>
                   <a:srgbClr val="0070C0"/>
                 </a:solidFill>
@@ -8108,7 +8255,7 @@
           </a:ln>
           <a:extLst>
             <a:ext uri="{C572A759-6A51-4108-AA02-DFA0A04FC94B}">
-              <ma14:wrappingTextBoxFlag xmlns:ma14="http://schemas.microsoft.com/office/mac/drawingml/2011/main" val="1"/>
+              <ma14:wrappingTextBoxFlag xmlns:ma14="http://schemas.microsoft.com/office/mac/drawingml/2011/main" xmlns:a14="http://schemas.microsoft.com/office/drawing/2010/main" xmlns:m="http://schemas.openxmlformats.org/officeDocument/2006/math" xmlns="" val="1"/>
             </a:ext>
           </a:extLst>
         </p:spPr>
@@ -8127,7 +8274,6 @@
             </a:lvl1pPr>
           </a:lstStyle>
           <a:p>
-            <a:pPr/>
             <a:r>
               <a:t>Accuracy</a:t>
             </a:r>
@@ -8156,7 +8302,7 @@
           </a:ln>
           <a:extLst>
             <a:ext uri="{C572A759-6A51-4108-AA02-DFA0A04FC94B}">
-              <ma14:wrappingTextBoxFlag xmlns:ma14="http://schemas.microsoft.com/office/mac/drawingml/2011/main" val="1"/>
+              <ma14:wrappingTextBoxFlag xmlns:ma14="http://schemas.microsoft.com/office/mac/drawingml/2011/main" xmlns:a14="http://schemas.microsoft.com/office/drawing/2010/main" xmlns:m="http://schemas.openxmlformats.org/officeDocument/2006/math" xmlns="" val="1"/>
             </a:ext>
           </a:extLst>
         </p:spPr>
@@ -8178,7 +8324,7 @@
               <a:t>The overall predicted accuracy of the model is: </a:t>
             </a:r>
             <a:r>
-              <a:rPr i="1" sz="2000">
+              <a:rPr sz="2000" i="1">
                 <a:solidFill>
                   <a:srgbClr val="0070C0"/>
                 </a:solidFill>
@@ -8201,7 +8347,7 @@
           <p:nvPr/>
         </p:nvPicPr>
         <p:blipFill>
-          <a:blip r:embed="rId2">
+          <a:blip r:embed="rId2" cstate="print">
             <a:extLst/>
           </a:blip>
           <a:stretch>
@@ -8226,12 +8372,12 @@
   <p:clrMapOvr>
     <a:masterClrMapping/>
   </p:clrMapOvr>
-  <p:transition xmlns:p14="http://schemas.microsoft.com/office/powerpoint/2010/main" spd="med" advClick="1"/>
+  <p:transition spd="med"/>
 </p:sld>
 </file>
 
 <file path=ppt/slides/slide23.xml><?xml version="1.0" encoding="utf-8"?>
-<p:sld xmlns:a="http://schemas.openxmlformats.org/drawingml/2006/main" xmlns:r="http://schemas.openxmlformats.org/officeDocument/2006/relationships" xmlns:p="http://schemas.openxmlformats.org/presentationml/2006/main" xmlns:m="http://schemas.openxmlformats.org/officeDocument/2006/math" xmlns:a14="http://schemas.microsoft.com/office/drawing/2010/main" showMasterSp="1" showMasterPhAnim="1">
+<p:sld xmlns:a="http://schemas.openxmlformats.org/drawingml/2006/main" xmlns:r="http://schemas.openxmlformats.org/officeDocument/2006/relationships" xmlns:p="http://schemas.openxmlformats.org/presentationml/2006/main">
   <p:cSld>
     <p:spTree>
       <p:nvGrpSpPr>
@@ -8266,18 +8412,18 @@
           </a:ln>
           <a:extLst>
             <a:ext uri="{C572A759-6A51-4108-AA02-DFA0A04FC94B}">
-              <ma14:wrappingTextBoxFlag xmlns:ma14="http://schemas.microsoft.com/office/mac/drawingml/2011/main" val="1"/>
+              <ma14:wrappingTextBoxFlag xmlns:ma14="http://schemas.microsoft.com/office/mac/drawingml/2011/main" xmlns:a14="http://schemas.microsoft.com/office/drawing/2010/main" xmlns:m="http://schemas.openxmlformats.org/officeDocument/2006/math" xmlns="" val="1"/>
             </a:ext>
           </a:extLst>
         </p:spPr>
         <p:txBody>
           <a:bodyPr lIns="45718" tIns="45718" rIns="45718" bIns="45718" anchor="ctr">
-            <a:normAutofit fontScale="100000" lnSpcReduction="0"/>
+            <a:normAutofit/>
           </a:bodyPr>
           <a:lstStyle/>
           <a:p>
             <a:pPr>
-              <a:defRPr b="1" sz="4000">
+              <a:defRPr sz="4000" b="1">
                 <a:solidFill>
                   <a:srgbClr val="FFFFFF"/>
                 </a:solidFill>
@@ -8316,7 +8462,7 @@
           </a:ln>
           <a:extLst>
             <a:ext uri="{C572A759-6A51-4108-AA02-DFA0A04FC94B}">
-              <ma14:wrappingTextBoxFlag xmlns:ma14="http://schemas.microsoft.com/office/mac/drawingml/2011/main" val="1"/>
+              <ma14:wrappingTextBoxFlag xmlns:ma14="http://schemas.microsoft.com/office/mac/drawingml/2011/main" xmlns:a14="http://schemas.microsoft.com/office/drawing/2010/main" xmlns:m="http://schemas.openxmlformats.org/officeDocument/2006/math" xmlns="" val="1"/>
             </a:ext>
           </a:extLst>
         </p:spPr>
@@ -8335,7 +8481,6 @@
             </a:lvl1pPr>
           </a:lstStyle>
           <a:p>
-            <a:pPr/>
             <a:r>
               <a:t>Loss curve (Loss value for Number of iterations)</a:t>
             </a:r>
@@ -8351,7 +8496,7 @@
           <p:nvPr/>
         </p:nvPicPr>
         <p:blipFill>
-          <a:blip r:embed="rId2">
+          <a:blip r:embed="rId2" cstate="print">
             <a:extLst/>
           </a:blip>
           <a:stretch>
@@ -8376,12 +8521,12 @@
   <p:clrMapOvr>
     <a:masterClrMapping/>
   </p:clrMapOvr>
-  <p:transition xmlns:p14="http://schemas.microsoft.com/office/powerpoint/2010/main" spd="med" advClick="1"/>
+  <p:transition spd="med"/>
 </p:sld>
 </file>
 
 <file path=ppt/slides/slide24.xml><?xml version="1.0" encoding="utf-8"?>
-<p:sld xmlns:a="http://schemas.openxmlformats.org/drawingml/2006/main" xmlns:r="http://schemas.openxmlformats.org/officeDocument/2006/relationships" xmlns:p="http://schemas.openxmlformats.org/presentationml/2006/main" xmlns:m="http://schemas.openxmlformats.org/officeDocument/2006/math" xmlns:a14="http://schemas.microsoft.com/office/drawing/2010/main" showMasterSp="1" showMasterPhAnim="1">
+<p:sld xmlns:a="http://schemas.openxmlformats.org/drawingml/2006/main" xmlns:r="http://schemas.openxmlformats.org/officeDocument/2006/relationships" xmlns:p="http://schemas.openxmlformats.org/presentationml/2006/main">
   <p:cSld>
     <p:spTree>
       <p:nvGrpSpPr>
@@ -8400,7 +8545,9 @@
       <p:sp>
         <p:nvSpPr>
           <p:cNvPr id="235" name="Title 1"/>
-          <p:cNvSpPr txBox="1"/>
+          <p:cNvSpPr txBox="1">
+            <a:spLocks noGrp="1"/>
+          </p:cNvSpPr>
           <p:nvPr>
             <p:ph type="title"/>
           </p:nvPr>
@@ -8418,7 +8565,6 @@
           <a:bodyPr/>
           <a:lstStyle/>
           <a:p>
-            <a:pPr/>
             <a:r>
               <a:t>Prediction with Decision Trees</a:t>
             </a:r>
@@ -8429,17 +8575,17 @@
         <p:nvPicPr>
           <p:cNvPr id="236" name="Picture Placeholder 9" descr="Picture Placeholder 9"/>
           <p:cNvPicPr>
-            <a:picLocks noChangeAspect="1"/>
+            <a:picLocks noGrp="1" noChangeAspect="1"/>
           </p:cNvPicPr>
           <p:nvPr>
             <p:ph type="pic" idx="13"/>
           </p:nvPr>
         </p:nvPicPr>
         <p:blipFill>
-          <a:blip r:embed="rId2">
+          <a:blip r:embed="rId2" cstate="print">
             <a:extLst/>
           </a:blip>
-          <a:srcRect l="17313" t="0" r="17313" b="0"/>
+          <a:srcRect l="17313" r="17313"/>
           <a:stretch>
             <a:fillRect/>
           </a:stretch>
@@ -8457,7 +8603,9 @@
       <p:sp>
         <p:nvSpPr>
           <p:cNvPr id="237" name="Text Placeholder 2"/>
-          <p:cNvSpPr txBox="1"/>
+          <p:cNvSpPr txBox="1">
+            <a:spLocks noGrp="1"/>
+          </p:cNvSpPr>
           <p:nvPr>
             <p:ph type="body" sz="quarter" idx="1"/>
           </p:nvPr>
@@ -8541,7 +8689,7 @@
           </a:ln>
           <a:extLst>
             <a:ext uri="{C572A759-6A51-4108-AA02-DFA0A04FC94B}">
-              <ma14:wrappingTextBoxFlag xmlns:ma14="http://schemas.microsoft.com/office/mac/drawingml/2011/main" val="1"/>
+              <ma14:wrappingTextBoxFlag xmlns:ma14="http://schemas.microsoft.com/office/mac/drawingml/2011/main" xmlns:a14="http://schemas.microsoft.com/office/drawing/2010/main" xmlns:m="http://schemas.openxmlformats.org/officeDocument/2006/math" xmlns="" val="1"/>
             </a:ext>
           </a:extLst>
         </p:spPr>
@@ -8559,7 +8707,6 @@
             </a:lvl1pPr>
           </a:lstStyle>
           <a:p>
-            <a:pPr/>
             <a:r>
               <a:t>Confusion Matrix</a:t>
             </a:r>
@@ -8571,12 +8718,12 @@
   <p:clrMapOvr>
     <a:masterClrMapping/>
   </p:clrMapOvr>
-  <p:transition xmlns:p14="http://schemas.microsoft.com/office/powerpoint/2010/main" spd="med" advClick="1"/>
+  <p:transition spd="med"/>
 </p:sld>
 </file>
 
 <file path=ppt/slides/slide25.xml><?xml version="1.0" encoding="utf-8"?>
-<p:sld xmlns:a="http://schemas.openxmlformats.org/drawingml/2006/main" xmlns:r="http://schemas.openxmlformats.org/officeDocument/2006/relationships" xmlns:p="http://schemas.openxmlformats.org/presentationml/2006/main" xmlns:m="http://schemas.openxmlformats.org/officeDocument/2006/math" xmlns:a14="http://schemas.microsoft.com/office/drawing/2010/main" showMasterSp="1" showMasterPhAnim="1">
+<p:sld xmlns:a="http://schemas.openxmlformats.org/drawingml/2006/main" xmlns:r="http://schemas.openxmlformats.org/officeDocument/2006/relationships" xmlns:p="http://schemas.openxmlformats.org/presentationml/2006/main">
   <p:cSld>
     <p:spTree>
       <p:nvGrpSpPr>
@@ -8595,7 +8742,9 @@
       <p:sp>
         <p:nvSpPr>
           <p:cNvPr id="240" name="Title 1"/>
-          <p:cNvSpPr txBox="1"/>
+          <p:cNvSpPr txBox="1">
+            <a:spLocks noGrp="1"/>
+          </p:cNvSpPr>
           <p:nvPr>
             <p:ph type="title"/>
           </p:nvPr>
@@ -8613,7 +8762,6 @@
           <a:bodyPr/>
           <a:lstStyle/>
           <a:p>
-            <a:pPr/>
             <a:r>
               <a:t>Prediction with Decision Trees</a:t>
             </a:r>
@@ -8623,7 +8771,9 @@
       <p:sp>
         <p:nvSpPr>
           <p:cNvPr id="241" name="Text Placeholder 6"/>
-          <p:cNvSpPr txBox="1"/>
+          <p:cNvSpPr txBox="1">
+            <a:spLocks noGrp="1"/>
+          </p:cNvSpPr>
           <p:nvPr>
             <p:ph type="body" idx="1"/>
           </p:nvPr>
@@ -8683,6 +8833,7 @@
               <a:buNone/>
               <a:defRPr sz="2200"/>
             </a:pPr>
+            <a:endParaRPr/>
           </a:p>
           <a:p>
             <a:pPr marL="0" indent="118871">
@@ -8727,6 +8878,7 @@
               <a:buNone/>
               <a:defRPr sz="2200"/>
             </a:pPr>
+            <a:endParaRPr/>
           </a:p>
           <a:p>
             <a:pPr marL="0" indent="118871">
@@ -8754,7 +8906,7 @@
               <a:t>The F1-score, represented by the harmonic mean of precision and recall which,  differently from the regular mean (that gives equal weight to all values),  gives more weight  to low values - favoring classifiers that have similar precision and recall  - is:   </a:t>
             </a:r>
             <a:r>
-              <a:rPr i="1" sz="2500">
+              <a:rPr sz="2500" i="1">
                 <a:solidFill>
                   <a:srgbClr val="0070C0"/>
                 </a:solidFill>
@@ -8769,12 +8921,12 @@
   <p:clrMapOvr>
     <a:masterClrMapping/>
   </p:clrMapOvr>
-  <p:transition xmlns:p14="http://schemas.microsoft.com/office/powerpoint/2010/main" spd="med" advClick="1"/>
+  <p:transition spd="med"/>
 </p:sld>
 </file>
 
 <file path=ppt/slides/slide26.xml><?xml version="1.0" encoding="utf-8"?>
-<p:sld xmlns:a="http://schemas.openxmlformats.org/drawingml/2006/main" xmlns:r="http://schemas.openxmlformats.org/officeDocument/2006/relationships" xmlns:p="http://schemas.openxmlformats.org/presentationml/2006/main" xmlns:m="http://schemas.openxmlformats.org/officeDocument/2006/math" xmlns:a14="http://schemas.microsoft.com/office/drawing/2010/main" showMasterSp="1" showMasterPhAnim="1">
+<p:sld xmlns:a="http://schemas.openxmlformats.org/drawingml/2006/main" xmlns:r="http://schemas.openxmlformats.org/officeDocument/2006/relationships" xmlns:p="http://schemas.openxmlformats.org/presentationml/2006/main">
   <p:cSld>
     <p:spTree>
       <p:nvGrpSpPr>
@@ -8793,7 +8945,9 @@
       <p:sp>
         <p:nvSpPr>
           <p:cNvPr id="243" name="Title 1"/>
-          <p:cNvSpPr txBox="1"/>
+          <p:cNvSpPr txBox="1">
+            <a:spLocks noGrp="1"/>
+          </p:cNvSpPr>
           <p:nvPr>
             <p:ph type="title"/>
           </p:nvPr>
@@ -8811,7 +8965,6 @@
           <a:bodyPr/>
           <a:lstStyle/>
           <a:p>
-            <a:pPr/>
             <a:r>
               <a:t>Prediction with Decision Trees</a:t>
             </a:r>
@@ -8821,7 +8974,9 @@
       <p:sp>
         <p:nvSpPr>
           <p:cNvPr id="244" name="Text Placeholder 2"/>
-          <p:cNvSpPr txBox="1"/>
+          <p:cNvSpPr txBox="1">
+            <a:spLocks noGrp="1"/>
+          </p:cNvSpPr>
           <p:nvPr>
             <p:ph type="body" sz="quarter" idx="1"/>
           </p:nvPr>
@@ -8857,11 +9012,6 @@
               </a:rPr>
               <a:t>0.689</a:t>
             </a:r>
-            <a:endParaRPr i="1">
-              <a:solidFill>
-                <a:srgbClr val="0070C0"/>
-              </a:solidFill>
-            </a:endParaRPr>
           </a:p>
           <a:p>
             <a:pPr indent="118871">
@@ -8871,6 +9021,7 @@
                 </a:solidFill>
               </a:defRPr>
             </a:pPr>
+            <a:endParaRPr/>
           </a:p>
           <a:p>
             <a:pPr indent="118871"/>
@@ -8917,7 +9068,7 @@
           </a:ln>
           <a:extLst>
             <a:ext uri="{C572A759-6A51-4108-AA02-DFA0A04FC94B}">
-              <ma14:wrappingTextBoxFlag xmlns:ma14="http://schemas.microsoft.com/office/mac/drawingml/2011/main" val="1"/>
+              <ma14:wrappingTextBoxFlag xmlns:ma14="http://schemas.microsoft.com/office/mac/drawingml/2011/main" xmlns:a14="http://schemas.microsoft.com/office/drawing/2010/main" xmlns:m="http://schemas.openxmlformats.org/officeDocument/2006/math" xmlns="" val="1"/>
             </a:ext>
           </a:extLst>
         </p:spPr>
@@ -8935,7 +9086,6 @@
             </a:lvl1pPr>
           </a:lstStyle>
           <a:p>
-            <a:pPr/>
             <a:r>
               <a:t>ROC, AUC and Accuracy</a:t>
             </a:r>
@@ -8946,14 +9096,14 @@
         <p:nvPicPr>
           <p:cNvPr id="246" name="Picture Placeholder 11" descr="Picture Placeholder 11"/>
           <p:cNvPicPr>
-            <a:picLocks noChangeAspect="1"/>
+            <a:picLocks noGrp="1" noChangeAspect="1"/>
           </p:cNvPicPr>
           <p:nvPr>
             <p:ph type="pic" idx="13"/>
           </p:nvPr>
         </p:nvPicPr>
         <p:blipFill>
-          <a:blip r:embed="rId2">
+          <a:blip r:embed="rId2" cstate="print">
             <a:extLst/>
           </a:blip>
           <a:stretch>
@@ -8975,12 +9125,12 @@
   <p:clrMapOvr>
     <a:masterClrMapping/>
   </p:clrMapOvr>
-  <p:transition xmlns:p14="http://schemas.microsoft.com/office/powerpoint/2010/main" spd="med" advClick="1"/>
+  <p:transition spd="med"/>
 </p:sld>
 </file>
 
 <file path=ppt/slides/slide27.xml><?xml version="1.0" encoding="utf-8"?>
-<p:sld xmlns:a="http://schemas.openxmlformats.org/drawingml/2006/main" xmlns:r="http://schemas.openxmlformats.org/officeDocument/2006/relationships" xmlns:p="http://schemas.openxmlformats.org/presentationml/2006/main" xmlns:m="http://schemas.openxmlformats.org/officeDocument/2006/math" xmlns:a14="http://schemas.microsoft.com/office/drawing/2010/main" showMasterSp="1" showMasterPhAnim="1">
+<p:sld xmlns:a="http://schemas.openxmlformats.org/drawingml/2006/main" xmlns:r="http://schemas.openxmlformats.org/officeDocument/2006/relationships" xmlns:p="http://schemas.openxmlformats.org/presentationml/2006/main">
   <p:cSld>
     <p:spTree>
       <p:nvGrpSpPr>
@@ -8999,7 +9149,9 @@
       <p:sp>
         <p:nvSpPr>
           <p:cNvPr id="248" name="Title 4"/>
-          <p:cNvSpPr txBox="1"/>
+          <p:cNvSpPr txBox="1">
+            <a:spLocks noGrp="1"/>
+          </p:cNvSpPr>
           <p:nvPr>
             <p:ph type="title"/>
           </p:nvPr>
@@ -9017,7 +9169,6 @@
           <a:bodyPr/>
           <a:lstStyle/>
           <a:p>
-            <a:pPr/>
             <a:r>
               <a:t>The Decision Tree</a:t>
             </a:r>
@@ -9027,7 +9178,9 @@
       <p:sp>
         <p:nvSpPr>
           <p:cNvPr id="249" name="Text Placeholder 5"/>
-          <p:cNvSpPr txBox="1"/>
+          <p:cNvSpPr txBox="1">
+            <a:spLocks noGrp="1"/>
+          </p:cNvSpPr>
           <p:nvPr>
             <p:ph type="body" idx="1"/>
           </p:nvPr>
@@ -9049,6 +9202,7 @@
               <a:buSzTx/>
               <a:buNone/>
             </a:pPr>
+            <a:endParaRPr/>
           </a:p>
         </p:txBody>
       </p:sp>
@@ -9061,7 +9215,7 @@
           <p:nvPr/>
         </p:nvPicPr>
         <p:blipFill>
-          <a:blip r:embed="rId2">
+          <a:blip r:embed="rId2" cstate="print">
             <a:extLst/>
           </a:blip>
           <a:stretch>
@@ -9086,12 +9240,12 @@
   <p:clrMapOvr>
     <a:masterClrMapping/>
   </p:clrMapOvr>
-  <p:transition xmlns:p14="http://schemas.microsoft.com/office/powerpoint/2010/main" spd="med" advClick="1"/>
+  <p:transition spd="med"/>
 </p:sld>
 </file>
 
 <file path=ppt/slides/slide28.xml><?xml version="1.0" encoding="utf-8"?>
-<p:sld xmlns:a="http://schemas.openxmlformats.org/drawingml/2006/main" xmlns:r="http://schemas.openxmlformats.org/officeDocument/2006/relationships" xmlns:p="http://schemas.openxmlformats.org/presentationml/2006/main" xmlns:m="http://schemas.openxmlformats.org/officeDocument/2006/math" xmlns:a14="http://schemas.microsoft.com/office/drawing/2010/main" showMasterSp="1" showMasterPhAnim="1">
+<p:sld xmlns:a="http://schemas.openxmlformats.org/drawingml/2006/main" xmlns:r="http://schemas.openxmlformats.org/officeDocument/2006/relationships" xmlns:p="http://schemas.openxmlformats.org/presentationml/2006/main">
   <p:cSld>
     <p:spTree>
       <p:nvGrpSpPr>
@@ -9110,7 +9264,9 @@
       <p:sp>
         <p:nvSpPr>
           <p:cNvPr id="252" name="Title 1"/>
-          <p:cNvSpPr txBox="1"/>
+          <p:cNvSpPr txBox="1">
+            <a:spLocks noGrp="1"/>
+          </p:cNvSpPr>
           <p:nvPr>
             <p:ph type="title"/>
           </p:nvPr>
@@ -9128,7 +9284,6 @@
           <a:bodyPr/>
           <a:lstStyle/>
           <a:p>
-            <a:pPr/>
             <a:r>
               <a:t>Prediction with Randon Forest Classifiers</a:t>
             </a:r>
@@ -9138,7 +9293,9 @@
       <p:sp>
         <p:nvSpPr>
           <p:cNvPr id="253" name="Text Placeholder 2"/>
-          <p:cNvSpPr txBox="1"/>
+          <p:cNvSpPr txBox="1">
+            <a:spLocks noGrp="1"/>
+          </p:cNvSpPr>
           <p:nvPr>
             <p:ph type="body" sz="quarter" idx="1"/>
           </p:nvPr>
@@ -9222,7 +9379,7 @@
           </a:ln>
           <a:extLst>
             <a:ext uri="{C572A759-6A51-4108-AA02-DFA0A04FC94B}">
-              <ma14:wrappingTextBoxFlag xmlns:ma14="http://schemas.microsoft.com/office/mac/drawingml/2011/main" val="1"/>
+              <ma14:wrappingTextBoxFlag xmlns:ma14="http://schemas.microsoft.com/office/mac/drawingml/2011/main" xmlns:a14="http://schemas.microsoft.com/office/drawing/2010/main" xmlns:m="http://schemas.openxmlformats.org/officeDocument/2006/math" xmlns="" val="1"/>
             </a:ext>
           </a:extLst>
         </p:spPr>
@@ -9240,7 +9397,6 @@
             </a:lvl1pPr>
           </a:lstStyle>
           <a:p>
-            <a:pPr/>
             <a:r>
               <a:t>Confusion Matrix</a:t>
             </a:r>
@@ -9251,17 +9407,17 @@
         <p:nvPicPr>
           <p:cNvPr id="255" name="Picture Placeholder 7" descr="Picture Placeholder 7"/>
           <p:cNvPicPr>
-            <a:picLocks noChangeAspect="1"/>
+            <a:picLocks noGrp="1" noChangeAspect="1"/>
           </p:cNvPicPr>
           <p:nvPr>
             <p:ph type="pic" idx="13"/>
           </p:nvPr>
         </p:nvPicPr>
         <p:blipFill>
-          <a:blip r:embed="rId2">
+          <a:blip r:embed="rId2" cstate="print">
             <a:extLst/>
           </a:blip>
-          <a:srcRect l="17313" t="0" r="17313" b="0"/>
+          <a:srcRect l="17313" r="17313"/>
           <a:stretch>
             <a:fillRect/>
           </a:stretch>
@@ -9281,12 +9437,12 @@
   <p:clrMapOvr>
     <a:masterClrMapping/>
   </p:clrMapOvr>
-  <p:transition xmlns:p14="http://schemas.microsoft.com/office/powerpoint/2010/main" spd="med" advClick="1"/>
+  <p:transition spd="med"/>
 </p:sld>
 </file>
 
 <file path=ppt/slides/slide29.xml><?xml version="1.0" encoding="utf-8"?>
-<p:sld xmlns:a="http://schemas.openxmlformats.org/drawingml/2006/main" xmlns:r="http://schemas.openxmlformats.org/officeDocument/2006/relationships" xmlns:p="http://schemas.openxmlformats.org/presentationml/2006/main" xmlns:m="http://schemas.openxmlformats.org/officeDocument/2006/math" xmlns:a14="http://schemas.microsoft.com/office/drawing/2010/main" showMasterSp="1" showMasterPhAnim="1">
+<p:sld xmlns:a="http://schemas.openxmlformats.org/drawingml/2006/main" xmlns:r="http://schemas.openxmlformats.org/officeDocument/2006/relationships" xmlns:p="http://schemas.openxmlformats.org/presentationml/2006/main">
   <p:cSld>
     <p:spTree>
       <p:nvGrpSpPr>
@@ -9305,7 +9461,9 @@
       <p:sp>
         <p:nvSpPr>
           <p:cNvPr id="257" name="Title 1"/>
-          <p:cNvSpPr txBox="1"/>
+          <p:cNvSpPr txBox="1">
+            <a:spLocks noGrp="1"/>
+          </p:cNvSpPr>
           <p:nvPr>
             <p:ph type="title"/>
           </p:nvPr>
@@ -9323,7 +9481,6 @@
           <a:bodyPr/>
           <a:lstStyle/>
           <a:p>
-            <a:pPr/>
             <a:r>
               <a:t>Prediction with Decision Trees</a:t>
             </a:r>
@@ -9333,7 +9490,9 @@
       <p:sp>
         <p:nvSpPr>
           <p:cNvPr id="258" name="Text Placeholder 6"/>
-          <p:cNvSpPr txBox="1"/>
+          <p:cNvSpPr txBox="1">
+            <a:spLocks noGrp="1"/>
+          </p:cNvSpPr>
           <p:nvPr>
             <p:ph type="body" idx="1"/>
           </p:nvPr>
@@ -9393,6 +9552,7 @@
               <a:buNone/>
               <a:defRPr sz="2200"/>
             </a:pPr>
+            <a:endParaRPr/>
           </a:p>
           <a:p>
             <a:pPr marL="0" indent="118871">
@@ -9437,6 +9597,7 @@
               <a:buNone/>
               <a:defRPr sz="2200"/>
             </a:pPr>
+            <a:endParaRPr/>
           </a:p>
           <a:p>
             <a:pPr marL="0" indent="118871">
@@ -9464,7 +9625,7 @@
               <a:t>The F1-score, represented by the harmonic mean of precision and recall which,  differently from the regular mean (that gives equal weight to all values),  gives more weight  to low values - favoring classifiers that have similar precision and recall  - is:   </a:t>
             </a:r>
             <a:r>
-              <a:rPr i="1" sz="2500">
+              <a:rPr sz="2500" i="1">
                 <a:solidFill>
                   <a:srgbClr val="0070C0"/>
                 </a:solidFill>
@@ -9479,12 +9640,12 @@
   <p:clrMapOvr>
     <a:masterClrMapping/>
   </p:clrMapOvr>
-  <p:transition xmlns:p14="http://schemas.microsoft.com/office/powerpoint/2010/main" spd="med" advClick="1"/>
+  <p:transition spd="med"/>
 </p:sld>
 </file>
 
 <file path=ppt/slides/slide3.xml><?xml version="1.0" encoding="utf-8"?>
-<p:sld xmlns:a="http://schemas.openxmlformats.org/drawingml/2006/main" xmlns:r="http://schemas.openxmlformats.org/officeDocument/2006/relationships" xmlns:p="http://schemas.openxmlformats.org/presentationml/2006/main" xmlns:m="http://schemas.openxmlformats.org/officeDocument/2006/math" xmlns:a14="http://schemas.microsoft.com/office/drawing/2010/main" showMasterSp="1" showMasterPhAnim="1">
+<p:sld xmlns:a="http://schemas.openxmlformats.org/drawingml/2006/main" xmlns:r="http://schemas.openxmlformats.org/officeDocument/2006/relationships" xmlns:p="http://schemas.openxmlformats.org/presentationml/2006/main">
   <p:cSld>
     <p:spTree>
       <p:nvGrpSpPr>
@@ -9503,7 +9664,9 @@
       <p:sp>
         <p:nvSpPr>
           <p:cNvPr id="111" name="Titolo 9"/>
-          <p:cNvSpPr txBox="1"/>
+          <p:cNvSpPr txBox="1">
+            <a:spLocks noGrp="1"/>
+          </p:cNvSpPr>
           <p:nvPr>
             <p:ph type="title"/>
           </p:nvPr>
@@ -9521,7 +9684,7 @@
           <a:bodyPr/>
           <a:lstStyle>
             <a:lvl1pPr algn="r">
-              <a:defRPr b="1" sz="4000">
+              <a:defRPr sz="4000" b="1">
                 <a:solidFill>
                   <a:srgbClr val="FFFFFF"/>
                 </a:solidFill>
@@ -9533,7 +9696,6 @@
             </a:lvl1pPr>
           </a:lstStyle>
           <a:p>
-            <a:pPr/>
             <a:r>
               <a:t>Summary</a:t>
             </a:r>
@@ -9559,7 +9721,7 @@
           </a:ln>
           <a:extLst>
             <a:ext uri="{C572A759-6A51-4108-AA02-DFA0A04FC94B}">
-              <ma14:wrappingTextBoxFlag xmlns:ma14="http://schemas.microsoft.com/office/mac/drawingml/2011/main" val="1"/>
+              <ma14:wrappingTextBoxFlag xmlns:ma14="http://schemas.microsoft.com/office/mac/drawingml/2011/main" xmlns:a14="http://schemas.microsoft.com/office/drawing/2010/main" xmlns:m="http://schemas.openxmlformats.org/officeDocument/2006/math" xmlns="" val="1"/>
             </a:ext>
           </a:extLst>
         </p:spPr>
@@ -9578,6 +9740,7 @@
               </a:defRPr>
             </a:pPr>
             <a:r>
+              <a:rPr dirty="0"/>
               <a:t>1. Initialization and Presentation of the dataset</a:t>
             </a:r>
           </a:p>
@@ -9591,6 +9754,7 @@
               </a:defRPr>
             </a:pPr>
             <a:r>
+              <a:rPr dirty="0"/>
               <a:t>2. Data Exploration</a:t>
             </a:r>
           </a:p>
@@ -9604,6 +9768,7 @@
               </a:defRPr>
             </a:pPr>
             <a:r>
+              <a:rPr dirty="0"/>
               <a:t>3. Modify and work on the dataset</a:t>
             </a:r>
           </a:p>
@@ -9617,16 +9782,17 @@
               </a:defRPr>
             </a:pPr>
             <a:r>
+              <a:rPr dirty="0"/>
               <a:t>4. Prediction with </a:t>
             </a:r>
             <a:r>
-              <a:rPr i="1"/>
+              <a:rPr i="1" dirty="0"/>
               <a:t>Logistic Regression</a:t>
             </a:r>
           </a:p>
           <a:p>
             <a:pPr>
-              <a:defRPr i="1" sz="3000">
+              <a:defRPr sz="3000" i="1">
                 <a:latin typeface="+mn-lt"/>
                 <a:ea typeface="+mn-ea"/>
                 <a:cs typeface="+mn-cs"/>
@@ -9634,22 +9800,21 @@
               </a:defRPr>
             </a:pPr>
             <a:r>
+              <a:rPr dirty="0"/>
               <a:t>5. </a:t>
             </a:r>
             <a:r>
-              <a:rPr i="0"/>
+              <a:rPr i="0" dirty="0"/>
               <a:t>Prediction with</a:t>
             </a:r>
             <a:r>
-              <a:t> K-Nearest Neighbor</a:t>
-            </a:r>
-            <a:r>
-              <a:t>s</a:t>
+              <a:rPr dirty="0"/>
+              <a:t> K-Nearest Neighbors</a:t>
             </a:r>
           </a:p>
           <a:p>
             <a:pPr>
-              <a:defRPr i="1" sz="3000">
+              <a:defRPr sz="3000" i="1">
                 <a:latin typeface="+mn-lt"/>
                 <a:ea typeface="+mn-ea"/>
                 <a:cs typeface="+mn-cs"/>
@@ -9657,25 +9822,21 @@
               </a:defRPr>
             </a:pPr>
             <a:r>
+              <a:rPr dirty="0"/>
               <a:t>6. </a:t>
             </a:r>
             <a:r>
-              <a:rPr i="0"/>
+              <a:rPr i="0" dirty="0"/>
               <a:t>Prediction with</a:t>
             </a:r>
             <a:r>
-              <a:t> Suppor</a:t>
-            </a:r>
-            <a:r>
-              <a:t>t</a:t>
-            </a:r>
-            <a:r>
-              <a:t> Vector Machine</a:t>
+              <a:rPr dirty="0"/>
+              <a:t> Support Vector Machine</a:t>
             </a:r>
           </a:p>
           <a:p>
             <a:pPr>
-              <a:defRPr i="1" sz="3000">
+              <a:defRPr sz="3000" i="1">
                 <a:latin typeface="+mn-lt"/>
                 <a:ea typeface="+mn-ea"/>
                 <a:cs typeface="+mn-cs"/>
@@ -9683,19 +9844,21 @@
               </a:defRPr>
             </a:pPr>
             <a:r>
+              <a:rPr dirty="0"/>
               <a:t>7. </a:t>
             </a:r>
             <a:r>
-              <a:rPr i="0"/>
+              <a:rPr i="0" dirty="0"/>
               <a:t>Prediction with</a:t>
             </a:r>
             <a:r>
+              <a:rPr dirty="0"/>
               <a:t>  Neural Networks</a:t>
             </a:r>
           </a:p>
           <a:p>
             <a:pPr>
-              <a:defRPr i="1" sz="3000">
+              <a:defRPr sz="3000" i="1">
                 <a:latin typeface="+mn-lt"/>
                 <a:ea typeface="+mn-ea"/>
                 <a:cs typeface="+mn-cs"/>
@@ -9703,12 +9866,13 @@
               </a:defRPr>
             </a:pPr>
             <a:r>
+              <a:rPr dirty="0"/>
               <a:t>8. Prediction with Decision Trees</a:t>
             </a:r>
           </a:p>
           <a:p>
             <a:pPr>
-              <a:defRPr i="1" sz="3000">
+              <a:defRPr sz="3000" i="1">
                 <a:latin typeface="+mn-lt"/>
                 <a:ea typeface="+mn-ea"/>
                 <a:cs typeface="+mn-cs"/>
@@ -9716,6 +9880,7 @@
               </a:defRPr>
             </a:pPr>
             <a:r>
+              <a:rPr dirty="0"/>
               <a:t>9. Prediction with Random Forests</a:t>
             </a:r>
           </a:p>
@@ -9726,12 +9891,19 @@
   <p:clrMapOvr>
     <a:masterClrMapping/>
   </p:clrMapOvr>
-  <p:transition xmlns:p14="http://schemas.microsoft.com/office/powerpoint/2010/main" spd="med" advClick="1"/>
+  <p:transition spd="med"/>
+  <p:timing>
+    <p:tnLst>
+      <p:par>
+        <p:cTn id="1" dur="indefinite" restart="never" nodeType="tmRoot"/>
+      </p:par>
+    </p:tnLst>
+  </p:timing>
 </p:sld>
 </file>
 
 <file path=ppt/slides/slide30.xml><?xml version="1.0" encoding="utf-8"?>
-<p:sld xmlns:a="http://schemas.openxmlformats.org/drawingml/2006/main" xmlns:r="http://schemas.openxmlformats.org/officeDocument/2006/relationships" xmlns:p="http://schemas.openxmlformats.org/presentationml/2006/main" xmlns:m="http://schemas.openxmlformats.org/officeDocument/2006/math" xmlns:a14="http://schemas.microsoft.com/office/drawing/2010/main" showMasterSp="1" showMasterPhAnim="1">
+<p:sld xmlns:a="http://schemas.openxmlformats.org/drawingml/2006/main" xmlns:r="http://schemas.openxmlformats.org/officeDocument/2006/relationships" xmlns:p="http://schemas.openxmlformats.org/presentationml/2006/main">
   <p:cSld>
     <p:spTree>
       <p:nvGrpSpPr>
@@ -9750,7 +9922,9 @@
       <p:sp>
         <p:nvSpPr>
           <p:cNvPr id="260" name="Title 1"/>
-          <p:cNvSpPr txBox="1"/>
+          <p:cNvSpPr txBox="1">
+            <a:spLocks noGrp="1"/>
+          </p:cNvSpPr>
           <p:nvPr>
             <p:ph type="title"/>
           </p:nvPr>
@@ -9768,7 +9942,6 @@
           <a:bodyPr/>
           <a:lstStyle/>
           <a:p>
-            <a:pPr/>
             <a:r>
               <a:t>Prediction with Decision Trees</a:t>
             </a:r>
@@ -9778,7 +9951,9 @@
       <p:sp>
         <p:nvSpPr>
           <p:cNvPr id="261" name="Text Placeholder 2"/>
-          <p:cNvSpPr txBox="1"/>
+          <p:cNvSpPr txBox="1">
+            <a:spLocks noGrp="1"/>
+          </p:cNvSpPr>
           <p:nvPr>
             <p:ph type="body" sz="quarter" idx="1"/>
           </p:nvPr>
@@ -9814,11 +9989,6 @@
               </a:rPr>
               <a:t>0.6844</a:t>
             </a:r>
-            <a:endParaRPr i="1">
-              <a:solidFill>
-                <a:srgbClr val="0070C0"/>
-              </a:solidFill>
-            </a:endParaRPr>
           </a:p>
           <a:p>
             <a:pPr indent="118871">
@@ -9828,6 +9998,7 @@
                 </a:solidFill>
               </a:defRPr>
             </a:pPr>
+            <a:endParaRPr/>
           </a:p>
           <a:p>
             <a:pPr indent="118871"/>
@@ -9874,7 +10045,7 @@
           </a:ln>
           <a:extLst>
             <a:ext uri="{C572A759-6A51-4108-AA02-DFA0A04FC94B}">
-              <ma14:wrappingTextBoxFlag xmlns:ma14="http://schemas.microsoft.com/office/mac/drawingml/2011/main" val="1"/>
+              <ma14:wrappingTextBoxFlag xmlns:ma14="http://schemas.microsoft.com/office/mac/drawingml/2011/main" xmlns:a14="http://schemas.microsoft.com/office/drawing/2010/main" xmlns:m="http://schemas.openxmlformats.org/officeDocument/2006/math" xmlns="" val="1"/>
             </a:ext>
           </a:extLst>
         </p:spPr>
@@ -9892,7 +10063,6 @@
             </a:lvl1pPr>
           </a:lstStyle>
           <a:p>
-            <a:pPr/>
             <a:r>
               <a:t>ROC, AUC and Accuracy</a:t>
             </a:r>
@@ -9903,14 +10073,14 @@
         <p:nvPicPr>
           <p:cNvPr id="263" name="Picture Placeholder 11" descr="Picture Placeholder 11"/>
           <p:cNvPicPr>
-            <a:picLocks noChangeAspect="1"/>
+            <a:picLocks noGrp="1" noChangeAspect="1"/>
           </p:cNvPicPr>
           <p:nvPr>
             <p:ph type="pic" idx="13"/>
           </p:nvPr>
         </p:nvPicPr>
         <p:blipFill>
-          <a:blip r:embed="rId2">
+          <a:blip r:embed="rId2" cstate="print">
             <a:extLst/>
           </a:blip>
           <a:stretch>
@@ -9932,12 +10102,12 @@
   <p:clrMapOvr>
     <a:masterClrMapping/>
   </p:clrMapOvr>
-  <p:transition xmlns:p14="http://schemas.microsoft.com/office/powerpoint/2010/main" spd="med" advClick="1"/>
+  <p:transition spd="med"/>
 </p:sld>
 </file>
 
 <file path=ppt/slides/slide31.xml><?xml version="1.0" encoding="utf-8"?>
-<p:sld xmlns:a="http://schemas.openxmlformats.org/drawingml/2006/main" xmlns:r="http://schemas.openxmlformats.org/officeDocument/2006/relationships" xmlns:p="http://schemas.openxmlformats.org/presentationml/2006/main" xmlns:m="http://schemas.openxmlformats.org/officeDocument/2006/math" xmlns:a14="http://schemas.microsoft.com/office/drawing/2010/main" showMasterSp="1" showMasterPhAnim="1">
+<p:sld xmlns:a="http://schemas.openxmlformats.org/drawingml/2006/main" xmlns:r="http://schemas.openxmlformats.org/officeDocument/2006/relationships" xmlns:p="http://schemas.openxmlformats.org/presentationml/2006/main">
   <p:cSld>
     <p:spTree>
       <p:nvGrpSpPr>
@@ -9956,7 +10126,9 @@
       <p:sp>
         <p:nvSpPr>
           <p:cNvPr id="265" name="Title 4"/>
-          <p:cNvSpPr txBox="1"/>
+          <p:cNvSpPr txBox="1">
+            <a:spLocks noGrp="1"/>
+          </p:cNvSpPr>
           <p:nvPr>
             <p:ph type="title"/>
           </p:nvPr>
@@ -9974,7 +10146,6 @@
           <a:bodyPr/>
           <a:lstStyle/>
           <a:p>
-            <a:pPr/>
             <a:r>
               <a:t>Model ROC Comparison</a:t>
             </a:r>
@@ -9984,7 +10155,9 @@
       <p:sp>
         <p:nvSpPr>
           <p:cNvPr id="266" name="Text Placeholder 5"/>
-          <p:cNvSpPr txBox="1"/>
+          <p:cNvSpPr txBox="1">
+            <a:spLocks noGrp="1"/>
+          </p:cNvSpPr>
           <p:nvPr>
             <p:ph type="body" idx="1"/>
           </p:nvPr>
@@ -10006,6 +10179,7 @@
               <a:buSzTx/>
               <a:buNone/>
             </a:pPr>
+            <a:endParaRPr/>
           </a:p>
         </p:txBody>
       </p:sp>
@@ -10018,7 +10192,7 @@
           <p:nvPr/>
         </p:nvPicPr>
         <p:blipFill>
-          <a:blip r:embed="rId2">
+          <a:blip r:embed="rId2" cstate="print">
             <a:extLst/>
           </a:blip>
           <a:stretch>
@@ -10043,12 +10217,12 @@
   <p:clrMapOvr>
     <a:masterClrMapping/>
   </p:clrMapOvr>
-  <p:transition xmlns:p14="http://schemas.microsoft.com/office/powerpoint/2010/main" spd="med" advClick="1"/>
+  <p:transition spd="med"/>
 </p:sld>
 </file>
 
 <file path=ppt/slides/slide4.xml><?xml version="1.0" encoding="utf-8"?>
-<p:sld xmlns:a="http://schemas.openxmlformats.org/drawingml/2006/main" xmlns:r="http://schemas.openxmlformats.org/officeDocument/2006/relationships" xmlns:p="http://schemas.openxmlformats.org/presentationml/2006/main" xmlns:m="http://schemas.openxmlformats.org/officeDocument/2006/math" xmlns:a14="http://schemas.microsoft.com/office/drawing/2010/main" showMasterSp="1" showMasterPhAnim="1">
+<p:sld xmlns:a="http://schemas.openxmlformats.org/drawingml/2006/main" xmlns:r="http://schemas.openxmlformats.org/officeDocument/2006/relationships" xmlns:p="http://schemas.openxmlformats.org/presentationml/2006/main">
   <p:cSld>
     <p:spTree>
       <p:nvGrpSpPr>
@@ -10067,7 +10241,9 @@
       <p:sp>
         <p:nvSpPr>
           <p:cNvPr id="114" name="Titolo 9"/>
-          <p:cNvSpPr txBox="1"/>
+          <p:cNvSpPr txBox="1">
+            <a:spLocks noGrp="1"/>
+          </p:cNvSpPr>
           <p:nvPr>
             <p:ph type="title"/>
           </p:nvPr>
@@ -10086,7 +10262,7 @@
           <a:lstStyle/>
           <a:p>
             <a:pPr algn="r">
-              <a:defRPr b="1" sz="3600">
+              <a:defRPr sz="3600" b="1">
                 <a:solidFill>
                   <a:srgbClr val="FFFFFF"/>
                 </a:solidFill>
@@ -10116,7 +10292,9 @@
       <p:sp>
         <p:nvSpPr>
           <p:cNvPr id="115" name="Segnaposto contenuto 10"/>
-          <p:cNvSpPr txBox="1"/>
+          <p:cNvSpPr txBox="1">
+            <a:spLocks noGrp="1"/>
+          </p:cNvSpPr>
           <p:nvPr>
             <p:ph type="body" idx="1"/>
           </p:nvPr>
@@ -10140,13 +10318,7 @@
               <a:defRPr sz="2600"/>
             </a:pPr>
             <a:r>
-              <a:t>The dataset consist of an ongoing cardiovascular study on</a:t>
-            </a:r>
-            <a:r>
-              <a:t> </a:t>
-            </a:r>
-            <a:r>
-              <a:t>residents of the town of Framingham, Massachusetts.</a:t>
+              <a:t>The dataset consist of an ongoing cardiovascular study on residents of the town of Framingham, Massachusetts.</a:t>
             </a:r>
           </a:p>
           <a:p>
@@ -10165,6 +10337,7 @@
               <a:buNone/>
               <a:defRPr sz="2600"/>
             </a:pPr>
+            <a:endParaRPr/>
           </a:p>
           <a:p>
             <a:pPr marL="960119" indent="-1280159">
@@ -10228,12 +10401,19 @@
   <p:clrMapOvr>
     <a:masterClrMapping/>
   </p:clrMapOvr>
-  <p:transition xmlns:p14="http://schemas.microsoft.com/office/powerpoint/2010/main" spd="med" advClick="1"/>
+  <p:transition spd="med"/>
+  <p:timing>
+    <p:tnLst>
+      <p:par>
+        <p:cTn id="1" dur="indefinite" restart="never" nodeType="tmRoot"/>
+      </p:par>
+    </p:tnLst>
+  </p:timing>
 </p:sld>
 </file>
 
 <file path=ppt/slides/slide5.xml><?xml version="1.0" encoding="utf-8"?>
-<p:sld xmlns:a="http://schemas.openxmlformats.org/drawingml/2006/main" xmlns:r="http://schemas.openxmlformats.org/officeDocument/2006/relationships" xmlns:p="http://schemas.openxmlformats.org/presentationml/2006/main" xmlns:m="http://schemas.openxmlformats.org/officeDocument/2006/math" xmlns:a14="http://schemas.microsoft.com/office/drawing/2010/main" showMasterSp="1" showMasterPhAnim="1">
+<p:sld xmlns:a="http://schemas.openxmlformats.org/drawingml/2006/main" xmlns:r="http://schemas.openxmlformats.org/officeDocument/2006/relationships" xmlns:p="http://schemas.openxmlformats.org/presentationml/2006/main">
   <p:cSld>
     <p:spTree>
       <p:nvGrpSpPr>
@@ -10252,7 +10432,9 @@
       <p:sp>
         <p:nvSpPr>
           <p:cNvPr id="117" name="Titolo 9"/>
-          <p:cNvSpPr txBox="1"/>
+          <p:cNvSpPr txBox="1">
+            <a:spLocks noGrp="1"/>
+          </p:cNvSpPr>
           <p:nvPr>
             <p:ph type="title"/>
           </p:nvPr>
@@ -10271,7 +10453,7 @@
           <a:lstStyle/>
           <a:p>
             <a:pPr algn="r">
-              <a:defRPr b="1" sz="3600">
+              <a:defRPr sz="3600" b="1">
                 <a:solidFill>
                   <a:srgbClr val="FFFFFF"/>
                 </a:solidFill>
@@ -10307,7 +10489,7 @@
           <p:nvPr/>
         </p:nvPicPr>
         <p:blipFill>
-          <a:blip r:embed="rId2">
+          <a:blip r:embed="rId2" cstate="print">
             <a:extLst/>
           </a:blip>
           <a:stretch>
@@ -10332,12 +10514,19 @@
   <p:clrMapOvr>
     <a:masterClrMapping/>
   </p:clrMapOvr>
-  <p:transition xmlns:p14="http://schemas.microsoft.com/office/powerpoint/2010/main" spd="med" advClick="1"/>
+  <p:transition spd="med"/>
+  <p:timing>
+    <p:tnLst>
+      <p:par>
+        <p:cTn id="1" dur="indefinite" restart="never" nodeType="tmRoot"/>
+      </p:par>
+    </p:tnLst>
+  </p:timing>
 </p:sld>
 </file>
 
 <file path=ppt/slides/slide6.xml><?xml version="1.0" encoding="utf-8"?>
-<p:sld xmlns:a="http://schemas.openxmlformats.org/drawingml/2006/main" xmlns:r="http://schemas.openxmlformats.org/officeDocument/2006/relationships" xmlns:p="http://schemas.openxmlformats.org/presentationml/2006/main" xmlns:m="http://schemas.openxmlformats.org/officeDocument/2006/math" xmlns:a14="http://schemas.microsoft.com/office/drawing/2010/main" showMasterSp="1" showMasterPhAnim="1">
+<p:sld xmlns:a="http://schemas.openxmlformats.org/drawingml/2006/main" xmlns:r="http://schemas.openxmlformats.org/officeDocument/2006/relationships" xmlns:p="http://schemas.openxmlformats.org/presentationml/2006/main">
   <p:cSld>
     <p:spTree>
       <p:nvGrpSpPr>
@@ -10356,7 +10545,9 @@
       <p:sp>
         <p:nvSpPr>
           <p:cNvPr id="120" name="Titolo 9"/>
-          <p:cNvSpPr txBox="1"/>
+          <p:cNvSpPr txBox="1">
+            <a:spLocks noGrp="1"/>
+          </p:cNvSpPr>
           <p:nvPr>
             <p:ph type="title"/>
           </p:nvPr>
@@ -10375,7 +10566,7 @@
           <a:lstStyle/>
           <a:p>
             <a:pPr algn="r">
-              <a:defRPr b="1" sz="3600">
+              <a:defRPr sz="3600" b="1">
                 <a:solidFill>
                   <a:srgbClr val="FFFFFF"/>
                 </a:solidFill>
@@ -10411,7 +10602,7 @@
           <p:nvPr/>
         </p:nvPicPr>
         <p:blipFill>
-          <a:blip r:embed="rId2">
+          <a:blip r:embed="rId2" cstate="print">
             <a:extLst/>
           </a:blip>
           <a:stretch>
@@ -10440,7 +10631,7 @@
           <p:nvPr/>
         </p:nvPicPr>
         <p:blipFill>
-          <a:blip r:embed="rId3">
+          <a:blip r:embed="rId3" cstate="print">
             <a:extLst/>
           </a:blip>
           <a:stretch>
@@ -10465,12 +10656,19 @@
   <p:clrMapOvr>
     <a:masterClrMapping/>
   </p:clrMapOvr>
-  <p:transition xmlns:p14="http://schemas.microsoft.com/office/powerpoint/2010/main" spd="med" advClick="1"/>
+  <p:transition spd="med"/>
+  <p:timing>
+    <p:tnLst>
+      <p:par>
+        <p:cTn id="1" dur="indefinite" restart="never" nodeType="tmRoot"/>
+      </p:par>
+    </p:tnLst>
+  </p:timing>
 </p:sld>
 </file>
 
 <file path=ppt/slides/slide7.xml><?xml version="1.0" encoding="utf-8"?>
-<p:sld xmlns:a="http://schemas.openxmlformats.org/drawingml/2006/main" xmlns:r="http://schemas.openxmlformats.org/officeDocument/2006/relationships" xmlns:p="http://schemas.openxmlformats.org/presentationml/2006/main" xmlns:m="http://schemas.openxmlformats.org/officeDocument/2006/math" xmlns:a14="http://schemas.microsoft.com/office/drawing/2010/main" showMasterSp="1" showMasterPhAnim="1">
+<p:sld xmlns:a="http://schemas.openxmlformats.org/drawingml/2006/main" xmlns:r="http://schemas.openxmlformats.org/officeDocument/2006/relationships" xmlns:p="http://schemas.openxmlformats.org/presentationml/2006/main">
   <p:cSld>
     <p:spTree>
       <p:nvGrpSpPr>
@@ -10489,7 +10687,9 @@
       <p:sp>
         <p:nvSpPr>
           <p:cNvPr id="124" name="Titolo 9"/>
-          <p:cNvSpPr txBox="1"/>
+          <p:cNvSpPr txBox="1">
+            <a:spLocks noGrp="1"/>
+          </p:cNvSpPr>
           <p:nvPr>
             <p:ph type="title"/>
           </p:nvPr>
@@ -10507,7 +10707,7 @@
           <a:bodyPr/>
           <a:lstStyle>
             <a:lvl1pPr algn="r">
-              <a:defRPr b="1" sz="4000">
+              <a:defRPr sz="4000" b="1">
                 <a:solidFill>
                   <a:srgbClr val="FFFFFF"/>
                 </a:solidFill>
@@ -10519,7 +10719,6 @@
             </a:lvl1pPr>
           </a:lstStyle>
           <a:p>
-            <a:pPr/>
             <a:r>
               <a:t>Data Exploration</a:t>
             </a:r>
@@ -10545,7 +10744,7 @@
           </a:ln>
           <a:extLst>
             <a:ext uri="{C572A759-6A51-4108-AA02-DFA0A04FC94B}">
-              <ma14:wrappingTextBoxFlag xmlns:ma14="http://schemas.microsoft.com/office/mac/drawingml/2011/main" val="1"/>
+              <ma14:wrappingTextBoxFlag xmlns:ma14="http://schemas.microsoft.com/office/mac/drawingml/2011/main" xmlns:a14="http://schemas.microsoft.com/office/drawing/2010/main" xmlns:m="http://schemas.openxmlformats.org/officeDocument/2006/math" xmlns="" val="1"/>
             </a:ext>
           </a:extLst>
         </p:spPr>
@@ -10556,7 +10755,7 @@
           <a:lstStyle/>
           <a:p>
             <a:pPr>
-              <a:defRPr b="1" sz="1600">
+              <a:defRPr sz="1600" b="1">
                 <a:latin typeface="Helvetica Neue"/>
                 <a:ea typeface="Helvetica Neue"/>
                 <a:cs typeface="Helvetica Neue"/>
@@ -10591,7 +10790,7 @@
           <p:nvPr/>
         </p:nvPicPr>
         <p:blipFill>
-          <a:blip r:embed="rId2">
+          <a:blip r:embed="rId2" cstate="print">
             <a:extLst/>
           </a:blip>
           <a:stretch>
@@ -10630,7 +10829,7 @@
           </a:ln>
           <a:extLst>
             <a:ext uri="{C572A759-6A51-4108-AA02-DFA0A04FC94B}">
-              <ma14:wrappingTextBoxFlag xmlns:ma14="http://schemas.microsoft.com/office/mac/drawingml/2011/main" val="1"/>
+              <ma14:wrappingTextBoxFlag xmlns:ma14="http://schemas.microsoft.com/office/mac/drawingml/2011/main" xmlns:a14="http://schemas.microsoft.com/office/drawing/2010/main" xmlns:m="http://schemas.openxmlformats.org/officeDocument/2006/math" xmlns="" val="1"/>
             </a:ext>
           </a:extLst>
         </p:spPr>
@@ -10641,7 +10840,7 @@
           <a:lstStyle/>
           <a:p>
             <a:pPr>
-              <a:defRPr b="1" sz="1600">
+              <a:defRPr sz="1600" b="1">
                 <a:latin typeface="Helvetica Neue"/>
                 <a:ea typeface="Helvetica Neue"/>
                 <a:cs typeface="Helvetica Neue"/>
@@ -10680,7 +10879,7 @@
           </a:ln>
           <a:extLst>
             <a:ext uri="{C572A759-6A51-4108-AA02-DFA0A04FC94B}">
-              <ma14:wrappingTextBoxFlag xmlns:ma14="http://schemas.microsoft.com/office/mac/drawingml/2011/main" val="1"/>
+              <ma14:wrappingTextBoxFlag xmlns:ma14="http://schemas.microsoft.com/office/mac/drawingml/2011/main" xmlns:a14="http://schemas.microsoft.com/office/drawing/2010/main" xmlns:m="http://schemas.openxmlformats.org/officeDocument/2006/math" xmlns="" val="1"/>
             </a:ext>
           </a:extLst>
         </p:spPr>
@@ -10699,7 +10898,6 @@
             </a:lvl1pPr>
           </a:lstStyle>
           <a:p>
-            <a:pPr/>
             <a:r>
               <a:t> We can quite demonstrate that , for some of the variables, our dataset is enough balanced... but for other variables the dataset is NOT balanced</a:t>
             </a:r>
@@ -10715,7 +10913,7 @@
           <p:nvPr/>
         </p:nvPicPr>
         <p:blipFill>
-          <a:blip r:embed="rId3">
+          <a:blip r:embed="rId3" cstate="print">
             <a:extLst/>
           </a:blip>
           <a:stretch>
@@ -10754,7 +10952,7 @@
           </a:ln>
           <a:extLst>
             <a:ext uri="{C572A759-6A51-4108-AA02-DFA0A04FC94B}">
-              <ma14:wrappingTextBoxFlag xmlns:ma14="http://schemas.microsoft.com/office/mac/drawingml/2011/main" val="1"/>
+              <ma14:wrappingTextBoxFlag xmlns:ma14="http://schemas.microsoft.com/office/mac/drawingml/2011/main" xmlns:a14="http://schemas.microsoft.com/office/drawing/2010/main" xmlns:m="http://schemas.openxmlformats.org/officeDocument/2006/math" xmlns="" val="1"/>
             </a:ext>
           </a:extLst>
         </p:spPr>
@@ -10765,7 +10963,7 @@
           <a:lstStyle/>
           <a:p>
             <a:pPr>
-              <a:defRPr b="1" sz="1600">
+              <a:defRPr sz="1600" b="1">
                 <a:latin typeface="Helvetica Neue"/>
                 <a:ea typeface="Helvetica Neue"/>
                 <a:cs typeface="Helvetica Neue"/>
@@ -10794,7 +10992,7 @@
           <p:nvPr/>
         </p:nvPicPr>
         <p:blipFill>
-          <a:blip r:embed="rId4">
+          <a:blip r:embed="rId4" cstate="print">
             <a:extLst/>
           </a:blip>
           <a:stretch>
@@ -10819,12 +11017,19 @@
   <p:clrMapOvr>
     <a:masterClrMapping/>
   </p:clrMapOvr>
-  <p:transition xmlns:p14="http://schemas.microsoft.com/office/powerpoint/2010/main" spd="med" advClick="1"/>
+  <p:transition spd="med"/>
+  <p:timing>
+    <p:tnLst>
+      <p:par>
+        <p:cTn id="1" dur="indefinite" restart="never" nodeType="tmRoot"/>
+      </p:par>
+    </p:tnLst>
+  </p:timing>
 </p:sld>
 </file>
 
 <file path=ppt/slides/slide8.xml><?xml version="1.0" encoding="utf-8"?>
-<p:sld xmlns:a="http://schemas.openxmlformats.org/drawingml/2006/main" xmlns:r="http://schemas.openxmlformats.org/officeDocument/2006/relationships" xmlns:p="http://schemas.openxmlformats.org/presentationml/2006/main" xmlns:m="http://schemas.openxmlformats.org/officeDocument/2006/math" xmlns:a14="http://schemas.microsoft.com/office/drawing/2010/main" showMasterSp="1" showMasterPhAnim="1">
+<p:sld xmlns:a="http://schemas.openxmlformats.org/drawingml/2006/main" xmlns:r="http://schemas.openxmlformats.org/officeDocument/2006/relationships" xmlns:p="http://schemas.openxmlformats.org/presentationml/2006/main">
   <p:cSld>
     <p:spTree>
       <p:nvGrpSpPr>
@@ -10843,7 +11048,9 @@
       <p:sp>
         <p:nvSpPr>
           <p:cNvPr id="133" name="Titolo 9"/>
-          <p:cNvSpPr txBox="1"/>
+          <p:cNvSpPr txBox="1">
+            <a:spLocks noGrp="1"/>
+          </p:cNvSpPr>
           <p:nvPr>
             <p:ph type="title"/>
           </p:nvPr>
@@ -10861,7 +11068,7 @@
           <a:bodyPr/>
           <a:lstStyle>
             <a:lvl1pPr algn="r">
-              <a:defRPr b="1" sz="4000">
+              <a:defRPr sz="4000" b="1">
                 <a:solidFill>
                   <a:srgbClr val="FFFFFF"/>
                 </a:solidFill>
@@ -10873,7 +11080,6 @@
             </a:lvl1pPr>
           </a:lstStyle>
           <a:p>
-            <a:pPr/>
             <a:r>
               <a:t>Data Exploration</a:t>
             </a:r>
@@ -10899,7 +11105,7 @@
           </a:ln>
           <a:extLst>
             <a:ext uri="{C572A759-6A51-4108-AA02-DFA0A04FC94B}">
-              <ma14:wrappingTextBoxFlag xmlns:ma14="http://schemas.microsoft.com/office/mac/drawingml/2011/main" val="1"/>
+              <ma14:wrappingTextBoxFlag xmlns:ma14="http://schemas.microsoft.com/office/mac/drawingml/2011/main" xmlns:a14="http://schemas.microsoft.com/office/drawing/2010/main" xmlns:m="http://schemas.openxmlformats.org/officeDocument/2006/math" xmlns="" val="1"/>
             </a:ext>
           </a:extLst>
         </p:spPr>
@@ -10910,7 +11116,7 @@
           <a:lstStyle/>
           <a:p>
             <a:pPr>
-              <a:defRPr b="1" sz="1600">
+              <a:defRPr sz="1600" b="1">
                 <a:latin typeface="Helvetica Neue"/>
                 <a:ea typeface="Helvetica Neue"/>
                 <a:cs typeface="Helvetica Neue"/>
@@ -10939,7 +11145,7 @@
           <p:nvPr/>
         </p:nvPicPr>
         <p:blipFill>
-          <a:blip r:embed="rId2">
+          <a:blip r:embed="rId2" cstate="print">
             <a:extLst/>
           </a:blip>
           <a:stretch>
@@ -10964,12 +11170,19 @@
   <p:clrMapOvr>
     <a:masterClrMapping/>
   </p:clrMapOvr>
-  <p:transition xmlns:p14="http://schemas.microsoft.com/office/powerpoint/2010/main" spd="med" advClick="1"/>
+  <p:transition spd="med"/>
+  <p:timing>
+    <p:tnLst>
+      <p:par>
+        <p:cTn id="1" dur="indefinite" restart="never" nodeType="tmRoot"/>
+      </p:par>
+    </p:tnLst>
+  </p:timing>
 </p:sld>
 </file>
 
 <file path=ppt/slides/slide9.xml><?xml version="1.0" encoding="utf-8"?>
-<p:sld xmlns:a="http://schemas.openxmlformats.org/drawingml/2006/main" xmlns:r="http://schemas.openxmlformats.org/officeDocument/2006/relationships" xmlns:p="http://schemas.openxmlformats.org/presentationml/2006/main" xmlns:m="http://schemas.openxmlformats.org/officeDocument/2006/math" xmlns:a14="http://schemas.microsoft.com/office/drawing/2010/main" showMasterSp="1" showMasterPhAnim="1">
+<p:sld xmlns:a="http://schemas.openxmlformats.org/drawingml/2006/main" xmlns:r="http://schemas.openxmlformats.org/officeDocument/2006/relationships" xmlns:p="http://schemas.openxmlformats.org/presentationml/2006/main">
   <p:cSld>
     <p:spTree>
       <p:nvGrpSpPr>
@@ -10988,7 +11201,9 @@
       <p:sp>
         <p:nvSpPr>
           <p:cNvPr id="137" name="Titolo 9"/>
-          <p:cNvSpPr txBox="1"/>
+          <p:cNvSpPr txBox="1">
+            <a:spLocks noGrp="1"/>
+          </p:cNvSpPr>
           <p:nvPr>
             <p:ph type="title"/>
           </p:nvPr>
@@ -11007,7 +11222,7 @@
           <a:lstStyle/>
           <a:p>
             <a:pPr algn="r">
-              <a:defRPr b="1" sz="3600">
+              <a:defRPr sz="3600" b="1">
                 <a:solidFill>
                   <a:srgbClr val="FFFFFF"/>
                 </a:solidFill>
@@ -11021,6 +11236,7 @@
               <a:t>Modify and work on the dataset</a:t>
             </a:r>
             <a:br/>
+            <a:endParaRPr/>
           </a:p>
         </p:txBody>
       </p:sp>
@@ -11043,7 +11259,7 @@
           </a:ln>
           <a:extLst>
             <a:ext uri="{C572A759-6A51-4108-AA02-DFA0A04FC94B}">
-              <ma14:wrappingTextBoxFlag xmlns:ma14="http://schemas.microsoft.com/office/mac/drawingml/2011/main" val="1"/>
+              <ma14:wrappingTextBoxFlag xmlns:ma14="http://schemas.microsoft.com/office/mac/drawingml/2011/main" xmlns:a14="http://schemas.microsoft.com/office/drawing/2010/main" xmlns:m="http://schemas.openxmlformats.org/officeDocument/2006/math" xmlns="" val="1"/>
             </a:ext>
           </a:extLst>
         </p:spPr>
@@ -11053,7 +11269,7 @@
           </a:bodyPr>
           <a:lstStyle>
             <a:lvl1pPr>
-              <a:defRPr b="1" sz="1600">
+              <a:defRPr sz="1600" b="1">
                 <a:latin typeface="Helvetica Neue"/>
                 <a:ea typeface="Helvetica Neue"/>
                 <a:cs typeface="Helvetica Neue"/>
@@ -11062,7 +11278,6 @@
             </a:lvl1pPr>
           </a:lstStyle>
           <a:p>
-            <a:pPr/>
             <a:r>
               <a:t>Solve the inequality</a:t>
             </a:r>
@@ -11078,7 +11293,7 @@
         <p:spPr>
           <a:xfrm>
             <a:off x="142843" y="2071677"/>
-            <a:ext cx="9001157" cy="784248"/>
+            <a:ext cx="9001157" cy="830993"/>
           </a:xfrm>
           <a:prstGeom prst="rect">
             <a:avLst/>
@@ -11088,7 +11303,7 @@
           </a:ln>
           <a:extLst>
             <a:ext uri="{C572A759-6A51-4108-AA02-DFA0A04FC94B}">
-              <ma14:wrappingTextBoxFlag xmlns:ma14="http://schemas.microsoft.com/office/mac/drawingml/2011/main" val="1"/>
+              <ma14:wrappingTextBoxFlag xmlns:ma14="http://schemas.microsoft.com/office/mac/drawingml/2011/main" xmlns:a14="http://schemas.microsoft.com/office/drawing/2010/main" xmlns:m="http://schemas.openxmlformats.org/officeDocument/2006/math" xmlns="" val="1"/>
             </a:ext>
           </a:extLst>
         </p:spPr>
@@ -11107,14 +11322,52 @@
               </a:defRPr>
             </a:pPr>
             <a:r>
+              <a:rPr dirty="0"/>
               <a:t>In order to have </a:t>
             </a:r>
             <a:r>
-              <a:rPr b="1"/>
+              <a:rPr b="1" dirty="0"/>
               <a:t>equality</a:t>
             </a:r>
             <a:r>
-              <a:t> between 0 and 1 belonging to the 'TenYearCHD' column, we delete some row representing patients whose risk is =0 (that is, pationt witOUT risk of coronary heart disease CHD within 10 years), obtaining:</a:t>
+              <a:rPr dirty="0"/>
+              <a:t> between 0 and 1 belonging to the '</a:t>
+            </a:r>
+            <a:r>
+              <a:rPr dirty="0" err="1"/>
+              <a:t>TenYearCHD</a:t>
+            </a:r>
+            <a:r>
+              <a:rPr dirty="0"/>
+              <a:t>' column, we delete some row representing patients whose risk is =0 (that is, </a:t>
+            </a:r>
+            <a:r>
+              <a:rPr dirty="0" err="1" smtClean="0"/>
+              <a:t>pati</a:t>
+            </a:r>
+            <a:r>
+              <a:rPr lang="it-IT" dirty="0" smtClean="0"/>
+              <a:t>e</a:t>
+            </a:r>
+            <a:r>
+              <a:rPr dirty="0" err="1" smtClean="0"/>
+              <a:t>nt</a:t>
+            </a:r>
+            <a:r>
+              <a:rPr lang="it-IT" dirty="0" smtClean="0"/>
+              <a:t>s</a:t>
+            </a:r>
+            <a:r>
+              <a:rPr dirty="0" smtClean="0"/>
+              <a:t> </a:t>
+            </a:r>
+            <a:r>
+              <a:rPr dirty="0" err="1"/>
+              <a:t>witOUT</a:t>
+            </a:r>
+            <a:r>
+              <a:rPr dirty="0"/>
+              <a:t> risk of coronary heart disease CHD within 10 years), obtaining:</a:t>
             </a:r>
           </a:p>
         </p:txBody>
@@ -11128,7 +11381,7 @@
           <p:nvPr/>
         </p:nvPicPr>
         <p:blipFill>
-          <a:blip r:embed="rId2">
+          <a:blip r:embed="rId2" cstate="print">
             <a:extLst/>
           </a:blip>
           <a:stretch>
@@ -11167,7 +11420,7 @@
           </a:ln>
           <a:extLst>
             <a:ext uri="{C572A759-6A51-4108-AA02-DFA0A04FC94B}">
-              <ma14:wrappingTextBoxFlag xmlns:ma14="http://schemas.microsoft.com/office/mac/drawingml/2011/main" val="1"/>
+              <ma14:wrappingTextBoxFlag xmlns:ma14="http://schemas.microsoft.com/office/mac/drawingml/2011/main" xmlns:a14="http://schemas.microsoft.com/office/drawing/2010/main" xmlns:m="http://schemas.openxmlformats.org/officeDocument/2006/math" xmlns="" val="1"/>
             </a:ext>
           </a:extLst>
         </p:spPr>
@@ -11177,7 +11430,7 @@
           </a:bodyPr>
           <a:lstStyle>
             <a:lvl1pPr>
-              <a:defRPr b="1" sz="1600">
+              <a:defRPr sz="1600" b="1">
                 <a:latin typeface="Helvetica Neue"/>
                 <a:ea typeface="Helvetica Neue"/>
                 <a:cs typeface="Helvetica Neue"/>
@@ -11186,7 +11439,6 @@
             </a:lvl1pPr>
           </a:lstStyle>
           <a:p>
-            <a:pPr/>
             <a:r>
               <a:t>Normalization in range (0,1)</a:t>
             </a:r>
@@ -11202,7 +11454,7 @@
           <p:nvPr/>
         </p:nvPicPr>
         <p:blipFill>
-          <a:blip r:embed="rId3">
+          <a:blip r:embed="rId3" cstate="print">
             <a:extLst/>
           </a:blip>
           <a:stretch>
@@ -11241,7 +11493,7 @@
           </a:ln>
           <a:extLst>
             <a:ext uri="{C572A759-6A51-4108-AA02-DFA0A04FC94B}">
-              <ma14:wrappingTextBoxFlag xmlns:ma14="http://schemas.microsoft.com/office/mac/drawingml/2011/main" val="1"/>
+              <ma14:wrappingTextBoxFlag xmlns:ma14="http://schemas.microsoft.com/office/mac/drawingml/2011/main" xmlns:a14="http://schemas.microsoft.com/office/drawing/2010/main" xmlns:m="http://schemas.openxmlformats.org/officeDocument/2006/math" xmlns="" val="1"/>
             </a:ext>
           </a:extLst>
         </p:spPr>
@@ -11277,12 +11529,19 @@
   <p:clrMapOvr>
     <a:masterClrMapping/>
   </p:clrMapOvr>
-  <p:transition xmlns:p14="http://schemas.microsoft.com/office/powerpoint/2010/main" spd="med" advClick="1"/>
+  <p:transition spd="med"/>
+  <p:timing>
+    <p:tnLst>
+      <p:par>
+        <p:cTn id="1" dur="indefinite" restart="never" nodeType="tmRoot"/>
+      </p:par>
+    </p:tnLst>
+  </p:timing>
 </p:sld>
 </file>
 
 <file path=ppt/theme/theme1.xml><?xml version="1.0" encoding="utf-8"?>
-<a:theme xmlns:a="http://schemas.openxmlformats.org/drawingml/2006/main" xmlns:r="http://schemas.openxmlformats.org/officeDocument/2006/relationships" name="Modulo">
+<a:theme xmlns:a="http://schemas.openxmlformats.org/drawingml/2006/main" name="Modulo">
   <a:themeElements>
     <a:clrScheme name="Modulo">
       <a:dk1>
@@ -11408,7 +11667,7 @@
       <a:effectStyleLst>
         <a:effectStyle>
           <a:effectLst>
-            <a:outerShdw sx="100000" sy="100000" kx="0" ky="0" algn="b" rotWithShape="0" blurRad="38100" dist="25400" dir="5400000">
+            <a:outerShdw blurRad="38100" dist="25400" dir="5400000" rotWithShape="0">
               <a:srgbClr val="000000">
                 <a:alpha val="38000"/>
               </a:srgbClr>
@@ -11417,7 +11676,7 @@
         </a:effectStyle>
         <a:effectStyle>
           <a:effectLst>
-            <a:outerShdw sx="100000" sy="100000" kx="0" ky="0" algn="b" rotWithShape="0" blurRad="38100" dist="25400" dir="5400000">
+            <a:outerShdw blurRad="38100" dist="25400" dir="5400000" rotWithShape="0">
               <a:srgbClr val="000000">
                 <a:alpha val="38000"/>
               </a:srgbClr>
@@ -11426,7 +11685,7 @@
         </a:effectStyle>
         <a:effectStyle>
           <a:effectLst>
-            <a:outerShdw sx="100000" sy="100000" kx="0" ky="0" algn="b" rotWithShape="0" blurRad="38100" dist="25400" dir="5400000">
+            <a:outerShdw blurRad="38100" dist="25400" dir="5400000" rotWithShape="0">
               <a:srgbClr val="000000">
                 <a:alpha val="38000"/>
               </a:srgbClr>
@@ -11500,7 +11759,7 @@
           <a:round/>
         </a:ln>
         <a:effectLst>
-          <a:outerShdw sx="100000" sy="100000" kx="0" ky="0" algn="b" rotWithShape="0" blurRad="38100" dist="25400" dir="5400000">
+          <a:outerShdw blurRad="38100" dist="25400" dir="5400000" rotWithShape="0">
             <a:srgbClr val="000000">
               <a:alpha val="38000"/>
             </a:srgbClr>
@@ -11508,7 +11767,7 @@
         </a:effectLst>
         <a:sp3d/>
       </a:spPr>
-      <a:bodyPr rot="0" spcFirstLastPara="1" vertOverflow="overflow" horzOverflow="overflow" vert="horz" wrap="square" lIns="45718" tIns="45718" rIns="45718" bIns="45718" numCol="1" spcCol="38100" rtlCol="0" anchor="ctr" upright="0">
+      <a:bodyPr rot="0" spcFirstLastPara="1" vertOverflow="overflow" horzOverflow="overflow" vert="horz" wrap="square" lIns="45718" tIns="45718" rIns="45718" bIns="45718" numCol="1" spcCol="38100" rtlCol="0" anchor="ctr">
         <a:spAutoFit/>
       </a:bodyPr>
       <a:lstStyle>
@@ -11527,7 +11786,7 @@
           <a:buFontTx/>
           <a:buNone/>
           <a:tabLst/>
-          <a:defRPr b="0" baseline="0" cap="none" i="0" spc="0" strike="noStrike" sz="1800" u="none" kumimoji="0" normalizeH="0">
+          <a:defRPr kumimoji="0" sz="1800" b="0" i="0" u="none" strike="noStrike" cap="none" spc="0" normalizeH="0" baseline="0">
             <a:ln>
               <a:noFill/>
             </a:ln>
@@ -11557,7 +11816,7 @@
           <a:buFontTx/>
           <a:buNone/>
           <a:tabLst/>
-          <a:defRPr b="0" baseline="0" cap="none" i="0" spc="0" strike="noStrike" sz="1800" u="none" kumimoji="0" normalizeH="0">
+          <a:defRPr kumimoji="0" sz="1800" b="0" i="0" u="none" strike="noStrike" cap="none" spc="0" normalizeH="0" baseline="0">
             <a:ln>
               <a:noFill/>
             </a:ln>
@@ -11583,7 +11842,7 @@
           <a:buFontTx/>
           <a:buNone/>
           <a:tabLst/>
-          <a:defRPr b="0" baseline="0" cap="none" i="0" spc="0" strike="noStrike" sz="1800" u="none" kumimoji="0" normalizeH="0">
+          <a:defRPr kumimoji="0" sz="1800" b="0" i="0" u="none" strike="noStrike" cap="none" spc="0" normalizeH="0" baseline="0">
             <a:ln>
               <a:noFill/>
             </a:ln>
@@ -11609,7 +11868,7 @@
           <a:buFontTx/>
           <a:buNone/>
           <a:tabLst/>
-          <a:defRPr b="0" baseline="0" cap="none" i="0" spc="0" strike="noStrike" sz="1800" u="none" kumimoji="0" normalizeH="0">
+          <a:defRPr kumimoji="0" sz="1800" b="0" i="0" u="none" strike="noStrike" cap="none" spc="0" normalizeH="0" baseline="0">
             <a:ln>
               <a:noFill/>
             </a:ln>
@@ -11635,7 +11894,7 @@
           <a:buFontTx/>
           <a:buNone/>
           <a:tabLst/>
-          <a:defRPr b="0" baseline="0" cap="none" i="0" spc="0" strike="noStrike" sz="1800" u="none" kumimoji="0" normalizeH="0">
+          <a:defRPr kumimoji="0" sz="1800" b="0" i="0" u="none" strike="noStrike" cap="none" spc="0" normalizeH="0" baseline="0">
             <a:ln>
               <a:noFill/>
             </a:ln>
@@ -11661,7 +11920,7 @@
           <a:buFontTx/>
           <a:buNone/>
           <a:tabLst/>
-          <a:defRPr b="0" baseline="0" cap="none" i="0" spc="0" strike="noStrike" sz="1800" u="none" kumimoji="0" normalizeH="0">
+          <a:defRPr kumimoji="0" sz="1800" b="0" i="0" u="none" strike="noStrike" cap="none" spc="0" normalizeH="0" baseline="0">
             <a:ln>
               <a:noFill/>
             </a:ln>
@@ -11687,7 +11946,7 @@
           <a:buFontTx/>
           <a:buNone/>
           <a:tabLst/>
-          <a:defRPr b="0" baseline="0" cap="none" i="0" spc="0" strike="noStrike" sz="1800" u="none" kumimoji="0" normalizeH="0">
+          <a:defRPr kumimoji="0" sz="1800" b="0" i="0" u="none" strike="noStrike" cap="none" spc="0" normalizeH="0" baseline="0">
             <a:ln>
               <a:noFill/>
             </a:ln>
@@ -11713,7 +11972,7 @@
           <a:buFontTx/>
           <a:buNone/>
           <a:tabLst/>
-          <a:defRPr b="0" baseline="0" cap="none" i="0" spc="0" strike="noStrike" sz="1800" u="none" kumimoji="0" normalizeH="0">
+          <a:defRPr kumimoji="0" sz="1800" b="0" i="0" u="none" strike="noStrike" cap="none" spc="0" normalizeH="0" baseline="0">
             <a:ln>
               <a:noFill/>
             </a:ln>
@@ -11739,7 +11998,7 @@
           <a:buFontTx/>
           <a:buNone/>
           <a:tabLst/>
-          <a:defRPr b="0" baseline="0" cap="none" i="0" spc="0" strike="noStrike" sz="1800" u="none" kumimoji="0" normalizeH="0">
+          <a:defRPr kumimoji="0" sz="1800" b="0" i="0" u="none" strike="noStrike" cap="none" spc="0" normalizeH="0" baseline="0">
             <a:ln>
               <a:noFill/>
             </a:ln>
@@ -11765,7 +12024,7 @@
           <a:buFontTx/>
           <a:buNone/>
           <a:tabLst/>
-          <a:defRPr b="0" baseline="0" cap="none" i="0" spc="0" strike="noStrike" sz="1800" u="none" kumimoji="0" normalizeH="0">
+          <a:defRPr kumimoji="0" sz="1800" b="0" i="0" u="none" strike="noStrike" cap="none" spc="0" normalizeH="0" baseline="0">
             <a:ln>
               <a:noFill/>
             </a:ln>
@@ -11778,9 +12037,15 @@
         </a:lvl9pPr>
       </a:lstStyle>
       <a:style>
-        <a:lnRef idx="0"/>
-        <a:fillRef idx="0"/>
-        <a:effectRef idx="0"/>
+        <a:lnRef idx="0">
+          <a:scrgbClr r="0" g="0" b="0"/>
+        </a:lnRef>
+        <a:fillRef idx="0">
+          <a:scrgbClr r="0" g="0" b="0"/>
+        </a:fillRef>
+        <a:effectRef idx="0">
+          <a:scrgbClr r="0" g="0" b="0"/>
+        </a:effectRef>
         <a:fontRef idx="none"/>
       </a:style>
     </a:spDef>
@@ -11795,7 +12060,7 @@
           <a:round/>
         </a:ln>
         <a:effectLst>
-          <a:outerShdw sx="100000" sy="100000" kx="0" ky="0" algn="b" rotWithShape="0" blurRad="38100" dist="25400" dir="5400000">
+          <a:outerShdw blurRad="38100" dist="25400" dir="5400000" rotWithShape="0">
             <a:srgbClr val="000000">
               <a:alpha val="38000"/>
             </a:srgbClr>
@@ -11803,7 +12068,7 @@
         </a:effectLst>
         <a:sp3d/>
       </a:spPr>
-      <a:bodyPr rot="0" spcFirstLastPara="1" vertOverflow="overflow" horzOverflow="overflow" vert="horz" wrap="square" lIns="91439" tIns="45719" rIns="91439" bIns="45719" numCol="1" spcCol="38100" rtlCol="0" anchor="t" upright="0">
+      <a:bodyPr rot="0" spcFirstLastPara="1" vertOverflow="overflow" horzOverflow="overflow" vert="horz" wrap="square" lIns="91439" tIns="45719" rIns="91439" bIns="45719" numCol="1" spcCol="38100" rtlCol="0" anchor="t">
         <a:noAutofit/>
       </a:bodyPr>
       <a:lstStyle>
@@ -11822,7 +12087,7 @@
           <a:buFontTx/>
           <a:buNone/>
           <a:tabLst/>
-          <a:defRPr b="0" baseline="0" cap="none" i="0" spc="0" strike="noStrike" sz="1800" u="none" kumimoji="0" normalizeH="0">
+          <a:defRPr kumimoji="0" sz="1800" b="0" i="0" u="none" strike="noStrike" cap="none" spc="0" normalizeH="0" baseline="0">
             <a:ln>
               <a:noFill/>
             </a:ln>
@@ -11848,7 +12113,7 @@
           <a:buFontTx/>
           <a:buNone/>
           <a:tabLst/>
-          <a:defRPr b="0" baseline="0" cap="none" i="0" spc="0" strike="noStrike" sz="1800" u="none" kumimoji="0" normalizeH="0">
+          <a:defRPr kumimoji="0" sz="1800" b="0" i="0" u="none" strike="noStrike" cap="none" spc="0" normalizeH="0" baseline="0">
             <a:ln>
               <a:noFill/>
             </a:ln>
@@ -11874,7 +12139,7 @@
           <a:buFontTx/>
           <a:buNone/>
           <a:tabLst/>
-          <a:defRPr b="0" baseline="0" cap="none" i="0" spc="0" strike="noStrike" sz="1800" u="none" kumimoji="0" normalizeH="0">
+          <a:defRPr kumimoji="0" sz="1800" b="0" i="0" u="none" strike="noStrike" cap="none" spc="0" normalizeH="0" baseline="0">
             <a:ln>
               <a:noFill/>
             </a:ln>
@@ -11900,7 +12165,7 @@
           <a:buFontTx/>
           <a:buNone/>
           <a:tabLst/>
-          <a:defRPr b="0" baseline="0" cap="none" i="0" spc="0" strike="noStrike" sz="1800" u="none" kumimoji="0" normalizeH="0">
+          <a:defRPr kumimoji="0" sz="1800" b="0" i="0" u="none" strike="noStrike" cap="none" spc="0" normalizeH="0" baseline="0">
             <a:ln>
               <a:noFill/>
             </a:ln>
@@ -11926,7 +12191,7 @@
           <a:buFontTx/>
           <a:buNone/>
           <a:tabLst/>
-          <a:defRPr b="0" baseline="0" cap="none" i="0" spc="0" strike="noStrike" sz="1800" u="none" kumimoji="0" normalizeH="0">
+          <a:defRPr kumimoji="0" sz="1800" b="0" i="0" u="none" strike="noStrike" cap="none" spc="0" normalizeH="0" baseline="0">
             <a:ln>
               <a:noFill/>
             </a:ln>
@@ -11952,7 +12217,7 @@
           <a:buFontTx/>
           <a:buNone/>
           <a:tabLst/>
-          <a:defRPr b="0" baseline="0" cap="none" i="0" spc="0" strike="noStrike" sz="1800" u="none" kumimoji="0" normalizeH="0">
+          <a:defRPr kumimoji="0" sz="1800" b="0" i="0" u="none" strike="noStrike" cap="none" spc="0" normalizeH="0" baseline="0">
             <a:ln>
               <a:noFill/>
             </a:ln>
@@ -11978,7 +12243,7 @@
           <a:buFontTx/>
           <a:buNone/>
           <a:tabLst/>
-          <a:defRPr b="0" baseline="0" cap="none" i="0" spc="0" strike="noStrike" sz="1800" u="none" kumimoji="0" normalizeH="0">
+          <a:defRPr kumimoji="0" sz="1800" b="0" i="0" u="none" strike="noStrike" cap="none" spc="0" normalizeH="0" baseline="0">
             <a:ln>
               <a:noFill/>
             </a:ln>
@@ -12004,7 +12269,7 @@
           <a:buFontTx/>
           <a:buNone/>
           <a:tabLst/>
-          <a:defRPr b="0" baseline="0" cap="none" i="0" spc="0" strike="noStrike" sz="1800" u="none" kumimoji="0" normalizeH="0">
+          <a:defRPr kumimoji="0" sz="1800" b="0" i="0" u="none" strike="noStrike" cap="none" spc="0" normalizeH="0" baseline="0">
             <a:ln>
               <a:noFill/>
             </a:ln>
@@ -12030,7 +12295,7 @@
           <a:buFontTx/>
           <a:buNone/>
           <a:tabLst/>
-          <a:defRPr b="0" baseline="0" cap="none" i="0" spc="0" strike="noStrike" sz="1800" u="none" kumimoji="0" normalizeH="0">
+          <a:defRPr kumimoji="0" sz="1800" b="0" i="0" u="none" strike="noStrike" cap="none" spc="0" normalizeH="0" baseline="0">
             <a:ln>
               <a:noFill/>
             </a:ln>
@@ -12056,7 +12321,7 @@
           <a:buFontTx/>
           <a:buNone/>
           <a:tabLst/>
-          <a:defRPr b="0" baseline="0" cap="none" i="0" spc="0" strike="noStrike" sz="1800" u="none" kumimoji="0" normalizeH="0">
+          <a:defRPr kumimoji="0" sz="1800" b="0" i="0" u="none" strike="noStrike" cap="none" spc="0" normalizeH="0" baseline="0">
             <a:ln>
               <a:noFill/>
             </a:ln>
@@ -12069,9 +12334,15 @@
         </a:lvl9pPr>
       </a:lstStyle>
       <a:style>
-        <a:lnRef idx="0"/>
-        <a:fillRef idx="0"/>
-        <a:effectRef idx="0"/>
+        <a:lnRef idx="0">
+          <a:scrgbClr r="0" g="0" b="0"/>
+        </a:lnRef>
+        <a:fillRef idx="0">
+          <a:scrgbClr r="0" g="0" b="0"/>
+        </a:fillRef>
+        <a:effectRef idx="0">
+          <a:scrgbClr r="0" g="0" b="0"/>
+        </a:effectRef>
         <a:fontRef idx="none"/>
       </a:style>
     </a:lnDef>
@@ -12085,7 +12356,7 @@
         <a:effectLst/>
         <a:sp3d/>
       </a:spPr>
-      <a:bodyPr rot="0" spcFirstLastPara="1" vertOverflow="overflow" horzOverflow="overflow" vert="horz" wrap="square" lIns="45718" tIns="45718" rIns="45718" bIns="45718" numCol="1" spcCol="38100" rtlCol="0" anchor="t" upright="0">
+      <a:bodyPr rot="0" spcFirstLastPara="1" vertOverflow="overflow" horzOverflow="overflow" vert="horz" wrap="square" lIns="45718" tIns="45718" rIns="45718" bIns="45718" numCol="1" spcCol="38100" rtlCol="0" anchor="t">
         <a:spAutoFit/>
       </a:bodyPr>
       <a:lstStyle>
@@ -12104,7 +12375,7 @@
           <a:buFontTx/>
           <a:buNone/>
           <a:tabLst/>
-          <a:defRPr b="0" baseline="0" cap="none" i="0" spc="0" strike="noStrike" sz="1800" u="none" kumimoji="0" normalizeH="0">
+          <a:defRPr kumimoji="0" sz="1800" b="0" i="0" u="none" strike="noStrike" cap="none" spc="0" normalizeH="0" baseline="0">
             <a:ln>
               <a:noFill/>
             </a:ln>
@@ -12134,7 +12405,7 @@
           <a:buFontTx/>
           <a:buNone/>
           <a:tabLst/>
-          <a:defRPr b="0" baseline="0" cap="none" i="0" spc="0" strike="noStrike" sz="1800" u="none" kumimoji="0" normalizeH="0">
+          <a:defRPr kumimoji="0" sz="1800" b="0" i="0" u="none" strike="noStrike" cap="none" spc="0" normalizeH="0" baseline="0">
             <a:ln>
               <a:noFill/>
             </a:ln>
@@ -12160,7 +12431,7 @@
           <a:buFontTx/>
           <a:buNone/>
           <a:tabLst/>
-          <a:defRPr b="0" baseline="0" cap="none" i="0" spc="0" strike="noStrike" sz="1800" u="none" kumimoji="0" normalizeH="0">
+          <a:defRPr kumimoji="0" sz="1800" b="0" i="0" u="none" strike="noStrike" cap="none" spc="0" normalizeH="0" baseline="0">
             <a:ln>
               <a:noFill/>
             </a:ln>
@@ -12186,7 +12457,7 @@
           <a:buFontTx/>
           <a:buNone/>
           <a:tabLst/>
-          <a:defRPr b="0" baseline="0" cap="none" i="0" spc="0" strike="noStrike" sz="1800" u="none" kumimoji="0" normalizeH="0">
+          <a:defRPr kumimoji="0" sz="1800" b="0" i="0" u="none" strike="noStrike" cap="none" spc="0" normalizeH="0" baseline="0">
             <a:ln>
               <a:noFill/>
             </a:ln>
@@ -12212,7 +12483,7 @@
           <a:buFontTx/>
           <a:buNone/>
           <a:tabLst/>
-          <a:defRPr b="0" baseline="0" cap="none" i="0" spc="0" strike="noStrike" sz="1800" u="none" kumimoji="0" normalizeH="0">
+          <a:defRPr kumimoji="0" sz="1800" b="0" i="0" u="none" strike="noStrike" cap="none" spc="0" normalizeH="0" baseline="0">
             <a:ln>
               <a:noFill/>
             </a:ln>
@@ -12238,7 +12509,7 @@
           <a:buFontTx/>
           <a:buNone/>
           <a:tabLst/>
-          <a:defRPr b="0" baseline="0" cap="none" i="0" spc="0" strike="noStrike" sz="1800" u="none" kumimoji="0" normalizeH="0">
+          <a:defRPr kumimoji="0" sz="1800" b="0" i="0" u="none" strike="noStrike" cap="none" spc="0" normalizeH="0" baseline="0">
             <a:ln>
               <a:noFill/>
             </a:ln>
@@ -12264,7 +12535,7 @@
           <a:buFontTx/>
           <a:buNone/>
           <a:tabLst/>
-          <a:defRPr b="0" baseline="0" cap="none" i="0" spc="0" strike="noStrike" sz="1800" u="none" kumimoji="0" normalizeH="0">
+          <a:defRPr kumimoji="0" sz="1800" b="0" i="0" u="none" strike="noStrike" cap="none" spc="0" normalizeH="0" baseline="0">
             <a:ln>
               <a:noFill/>
             </a:ln>
@@ -12290,7 +12561,7 @@
           <a:buFontTx/>
           <a:buNone/>
           <a:tabLst/>
-          <a:defRPr b="0" baseline="0" cap="none" i="0" spc="0" strike="noStrike" sz="1800" u="none" kumimoji="0" normalizeH="0">
+          <a:defRPr kumimoji="0" sz="1800" b="0" i="0" u="none" strike="noStrike" cap="none" spc="0" normalizeH="0" baseline="0">
             <a:ln>
               <a:noFill/>
             </a:ln>
@@ -12316,7 +12587,7 @@
           <a:buFontTx/>
           <a:buNone/>
           <a:tabLst/>
-          <a:defRPr b="0" baseline="0" cap="none" i="0" spc="0" strike="noStrike" sz="1800" u="none" kumimoji="0" normalizeH="0">
+          <a:defRPr kumimoji="0" sz="1800" b="0" i="0" u="none" strike="noStrike" cap="none" spc="0" normalizeH="0" baseline="0">
             <a:ln>
               <a:noFill/>
             </a:ln>
@@ -12342,7 +12613,7 @@
           <a:buFontTx/>
           <a:buNone/>
           <a:tabLst/>
-          <a:defRPr b="0" baseline="0" cap="none" i="0" spc="0" strike="noStrike" sz="1800" u="none" kumimoji="0" normalizeH="0">
+          <a:defRPr kumimoji="0" sz="1800" b="0" i="0" u="none" strike="noStrike" cap="none" spc="0" normalizeH="0" baseline="0">
             <a:ln>
               <a:noFill/>
             </a:ln>
@@ -12355,18 +12626,25 @@
         </a:lvl9pPr>
       </a:lstStyle>
       <a:style>
-        <a:lnRef idx="0"/>
-        <a:fillRef idx="0"/>
-        <a:effectRef idx="0"/>
+        <a:lnRef idx="0">
+          <a:scrgbClr r="0" g="0" b="0"/>
+        </a:lnRef>
+        <a:fillRef idx="0">
+          <a:scrgbClr r="0" g="0" b="0"/>
+        </a:fillRef>
+        <a:effectRef idx="0">
+          <a:scrgbClr r="0" g="0" b="0"/>
+        </a:effectRef>
         <a:fontRef idx="none"/>
       </a:style>
     </a:txDef>
   </a:objectDefaults>
+  <a:extraClrSchemeLst/>
 </a:theme>
 </file>
 
 <file path=ppt/theme/theme2.xml><?xml version="1.0" encoding="utf-8"?>
-<a:theme xmlns:a="http://schemas.openxmlformats.org/drawingml/2006/main" xmlns:r="http://schemas.openxmlformats.org/officeDocument/2006/relationships" name="Modulo">
+<a:theme xmlns:a="http://schemas.openxmlformats.org/drawingml/2006/main" name="Modulo">
   <a:themeElements>
     <a:clrScheme name="Modulo">
       <a:dk1>
@@ -12492,7 +12770,7 @@
       <a:effectStyleLst>
         <a:effectStyle>
           <a:effectLst>
-            <a:outerShdw sx="100000" sy="100000" kx="0" ky="0" algn="b" rotWithShape="0" blurRad="38100" dist="25400" dir="5400000">
+            <a:outerShdw blurRad="38100" dist="25400" dir="5400000" rotWithShape="0">
               <a:srgbClr val="000000">
                 <a:alpha val="38000"/>
               </a:srgbClr>
@@ -12501,7 +12779,7 @@
         </a:effectStyle>
         <a:effectStyle>
           <a:effectLst>
-            <a:outerShdw sx="100000" sy="100000" kx="0" ky="0" algn="b" rotWithShape="0" blurRad="38100" dist="25400" dir="5400000">
+            <a:outerShdw blurRad="38100" dist="25400" dir="5400000" rotWithShape="0">
               <a:srgbClr val="000000">
                 <a:alpha val="38000"/>
               </a:srgbClr>
@@ -12510,7 +12788,7 @@
         </a:effectStyle>
         <a:effectStyle>
           <a:effectLst>
-            <a:outerShdw sx="100000" sy="100000" kx="0" ky="0" algn="b" rotWithShape="0" blurRad="38100" dist="25400" dir="5400000">
+            <a:outerShdw blurRad="38100" dist="25400" dir="5400000" rotWithShape="0">
               <a:srgbClr val="000000">
                 <a:alpha val="38000"/>
               </a:srgbClr>
@@ -12584,7 +12862,7 @@
           <a:round/>
         </a:ln>
         <a:effectLst>
-          <a:outerShdw sx="100000" sy="100000" kx="0" ky="0" algn="b" rotWithShape="0" blurRad="38100" dist="25400" dir="5400000">
+          <a:outerShdw blurRad="38100" dist="25400" dir="5400000" rotWithShape="0">
             <a:srgbClr val="000000">
               <a:alpha val="38000"/>
             </a:srgbClr>
@@ -12592,7 +12870,7 @@
         </a:effectLst>
         <a:sp3d/>
       </a:spPr>
-      <a:bodyPr rot="0" spcFirstLastPara="1" vertOverflow="overflow" horzOverflow="overflow" vert="horz" wrap="square" lIns="45718" tIns="45718" rIns="45718" bIns="45718" numCol="1" spcCol="38100" rtlCol="0" anchor="ctr" upright="0">
+      <a:bodyPr rot="0" spcFirstLastPara="1" vertOverflow="overflow" horzOverflow="overflow" vert="horz" wrap="square" lIns="45718" tIns="45718" rIns="45718" bIns="45718" numCol="1" spcCol="38100" rtlCol="0" anchor="ctr">
         <a:spAutoFit/>
       </a:bodyPr>
       <a:lstStyle>
@@ -12611,7 +12889,7 @@
           <a:buFontTx/>
           <a:buNone/>
           <a:tabLst/>
-          <a:defRPr b="0" baseline="0" cap="none" i="0" spc="0" strike="noStrike" sz="1800" u="none" kumimoji="0" normalizeH="0">
+          <a:defRPr kumimoji="0" sz="1800" b="0" i="0" u="none" strike="noStrike" cap="none" spc="0" normalizeH="0" baseline="0">
             <a:ln>
               <a:noFill/>
             </a:ln>
@@ -12641,7 +12919,7 @@
           <a:buFontTx/>
           <a:buNone/>
           <a:tabLst/>
-          <a:defRPr b="0" baseline="0" cap="none" i="0" spc="0" strike="noStrike" sz="1800" u="none" kumimoji="0" normalizeH="0">
+          <a:defRPr kumimoji="0" sz="1800" b="0" i="0" u="none" strike="noStrike" cap="none" spc="0" normalizeH="0" baseline="0">
             <a:ln>
               <a:noFill/>
             </a:ln>
@@ -12667,7 +12945,7 @@
           <a:buFontTx/>
           <a:buNone/>
           <a:tabLst/>
-          <a:defRPr b="0" baseline="0" cap="none" i="0" spc="0" strike="noStrike" sz="1800" u="none" kumimoji="0" normalizeH="0">
+          <a:defRPr kumimoji="0" sz="1800" b="0" i="0" u="none" strike="noStrike" cap="none" spc="0" normalizeH="0" baseline="0">
             <a:ln>
               <a:noFill/>
             </a:ln>
@@ -12693,7 +12971,7 @@
           <a:buFontTx/>
           <a:buNone/>
           <a:tabLst/>
-          <a:defRPr b="0" baseline="0" cap="none" i="0" spc="0" strike="noStrike" sz="1800" u="none" kumimoji="0" normalizeH="0">
+          <a:defRPr kumimoji="0" sz="1800" b="0" i="0" u="none" strike="noStrike" cap="none" spc="0" normalizeH="0" baseline="0">
             <a:ln>
               <a:noFill/>
             </a:ln>
@@ -12719,7 +12997,7 @@
           <a:buFontTx/>
           <a:buNone/>
           <a:tabLst/>
-          <a:defRPr b="0" baseline="0" cap="none" i="0" spc="0" strike="noStrike" sz="1800" u="none" kumimoji="0" normalizeH="0">
+          <a:defRPr kumimoji="0" sz="1800" b="0" i="0" u="none" strike="noStrike" cap="none" spc="0" normalizeH="0" baseline="0">
             <a:ln>
               <a:noFill/>
             </a:ln>
@@ -12745,7 +13023,7 @@
           <a:buFontTx/>
           <a:buNone/>
           <a:tabLst/>
-          <a:defRPr b="0" baseline="0" cap="none" i="0" spc="0" strike="noStrike" sz="1800" u="none" kumimoji="0" normalizeH="0">
+          <a:defRPr kumimoji="0" sz="1800" b="0" i="0" u="none" strike="noStrike" cap="none" spc="0" normalizeH="0" baseline="0">
             <a:ln>
               <a:noFill/>
             </a:ln>
@@ -12771,7 +13049,7 @@
           <a:buFontTx/>
           <a:buNone/>
           <a:tabLst/>
-          <a:defRPr b="0" baseline="0" cap="none" i="0" spc="0" strike="noStrike" sz="1800" u="none" kumimoji="0" normalizeH="0">
+          <a:defRPr kumimoji="0" sz="1800" b="0" i="0" u="none" strike="noStrike" cap="none" spc="0" normalizeH="0" baseline="0">
             <a:ln>
               <a:noFill/>
             </a:ln>
@@ -12797,7 +13075,7 @@
           <a:buFontTx/>
           <a:buNone/>
           <a:tabLst/>
-          <a:defRPr b="0" baseline="0" cap="none" i="0" spc="0" strike="noStrike" sz="1800" u="none" kumimoji="0" normalizeH="0">
+          <a:defRPr kumimoji="0" sz="1800" b="0" i="0" u="none" strike="noStrike" cap="none" spc="0" normalizeH="0" baseline="0">
             <a:ln>
               <a:noFill/>
             </a:ln>
@@ -12823,7 +13101,7 @@
           <a:buFontTx/>
           <a:buNone/>
           <a:tabLst/>
-          <a:defRPr b="0" baseline="0" cap="none" i="0" spc="0" strike="noStrike" sz="1800" u="none" kumimoji="0" normalizeH="0">
+          <a:defRPr kumimoji="0" sz="1800" b="0" i="0" u="none" strike="noStrike" cap="none" spc="0" normalizeH="0" baseline="0">
             <a:ln>
               <a:noFill/>
             </a:ln>
@@ -12849,7 +13127,7 @@
           <a:buFontTx/>
           <a:buNone/>
           <a:tabLst/>
-          <a:defRPr b="0" baseline="0" cap="none" i="0" spc="0" strike="noStrike" sz="1800" u="none" kumimoji="0" normalizeH="0">
+          <a:defRPr kumimoji="0" sz="1800" b="0" i="0" u="none" strike="noStrike" cap="none" spc="0" normalizeH="0" baseline="0">
             <a:ln>
               <a:noFill/>
             </a:ln>
@@ -12862,9 +13140,15 @@
         </a:lvl9pPr>
       </a:lstStyle>
       <a:style>
-        <a:lnRef idx="0"/>
-        <a:fillRef idx="0"/>
-        <a:effectRef idx="0"/>
+        <a:lnRef idx="0">
+          <a:scrgbClr r="0" g="0" b="0"/>
+        </a:lnRef>
+        <a:fillRef idx="0">
+          <a:scrgbClr r="0" g="0" b="0"/>
+        </a:fillRef>
+        <a:effectRef idx="0">
+          <a:scrgbClr r="0" g="0" b="0"/>
+        </a:effectRef>
         <a:fontRef idx="none"/>
       </a:style>
     </a:spDef>
@@ -12879,7 +13163,7 @@
           <a:round/>
         </a:ln>
         <a:effectLst>
-          <a:outerShdw sx="100000" sy="100000" kx="0" ky="0" algn="b" rotWithShape="0" blurRad="38100" dist="25400" dir="5400000">
+          <a:outerShdw blurRad="38100" dist="25400" dir="5400000" rotWithShape="0">
             <a:srgbClr val="000000">
               <a:alpha val="38000"/>
             </a:srgbClr>
@@ -12887,7 +13171,7 @@
         </a:effectLst>
         <a:sp3d/>
       </a:spPr>
-      <a:bodyPr rot="0" spcFirstLastPara="1" vertOverflow="overflow" horzOverflow="overflow" vert="horz" wrap="square" lIns="91439" tIns="45719" rIns="91439" bIns="45719" numCol="1" spcCol="38100" rtlCol="0" anchor="t" upright="0">
+      <a:bodyPr rot="0" spcFirstLastPara="1" vertOverflow="overflow" horzOverflow="overflow" vert="horz" wrap="square" lIns="91439" tIns="45719" rIns="91439" bIns="45719" numCol="1" spcCol="38100" rtlCol="0" anchor="t">
         <a:noAutofit/>
       </a:bodyPr>
       <a:lstStyle>
@@ -12906,7 +13190,7 @@
           <a:buFontTx/>
           <a:buNone/>
           <a:tabLst/>
-          <a:defRPr b="0" baseline="0" cap="none" i="0" spc="0" strike="noStrike" sz="1800" u="none" kumimoji="0" normalizeH="0">
+          <a:defRPr kumimoji="0" sz="1800" b="0" i="0" u="none" strike="noStrike" cap="none" spc="0" normalizeH="0" baseline="0">
             <a:ln>
               <a:noFill/>
             </a:ln>
@@ -12932,7 +13216,7 @@
           <a:buFontTx/>
           <a:buNone/>
           <a:tabLst/>
-          <a:defRPr b="0" baseline="0" cap="none" i="0" spc="0" strike="noStrike" sz="1800" u="none" kumimoji="0" normalizeH="0">
+          <a:defRPr kumimoji="0" sz="1800" b="0" i="0" u="none" strike="noStrike" cap="none" spc="0" normalizeH="0" baseline="0">
             <a:ln>
               <a:noFill/>
             </a:ln>
@@ -12958,7 +13242,7 @@
           <a:buFontTx/>
           <a:buNone/>
           <a:tabLst/>
-          <a:defRPr b="0" baseline="0" cap="none" i="0" spc="0" strike="noStrike" sz="1800" u="none" kumimoji="0" normalizeH="0">
+          <a:defRPr kumimoji="0" sz="1800" b="0" i="0" u="none" strike="noStrike" cap="none" spc="0" normalizeH="0" baseline="0">
             <a:ln>
               <a:noFill/>
             </a:ln>
@@ -12984,7 +13268,7 @@
           <a:buFontTx/>
           <a:buNone/>
           <a:tabLst/>
-          <a:defRPr b="0" baseline="0" cap="none" i="0" spc="0" strike="noStrike" sz="1800" u="none" kumimoji="0" normalizeH="0">
+          <a:defRPr kumimoji="0" sz="1800" b="0" i="0" u="none" strike="noStrike" cap="none" spc="0" normalizeH="0" baseline="0">
             <a:ln>
               <a:noFill/>
             </a:ln>
@@ -13010,7 +13294,7 @@
           <a:buFontTx/>
           <a:buNone/>
           <a:tabLst/>
-          <a:defRPr b="0" baseline="0" cap="none" i="0" spc="0" strike="noStrike" sz="1800" u="none" kumimoji="0" normalizeH="0">
+          <a:defRPr kumimoji="0" sz="1800" b="0" i="0" u="none" strike="noStrike" cap="none" spc="0" normalizeH="0" baseline="0">
             <a:ln>
               <a:noFill/>
             </a:ln>
@@ -13036,7 +13320,7 @@
           <a:buFontTx/>
           <a:buNone/>
           <a:tabLst/>
-          <a:defRPr b="0" baseline="0" cap="none" i="0" spc="0" strike="noStrike" sz="1800" u="none" kumimoji="0" normalizeH="0">
+          <a:defRPr kumimoji="0" sz="1800" b="0" i="0" u="none" strike="noStrike" cap="none" spc="0" normalizeH="0" baseline="0">
             <a:ln>
               <a:noFill/>
             </a:ln>
@@ -13062,7 +13346,7 @@
           <a:buFontTx/>
           <a:buNone/>
           <a:tabLst/>
-          <a:defRPr b="0" baseline="0" cap="none" i="0" spc="0" strike="noStrike" sz="1800" u="none" kumimoji="0" normalizeH="0">
+          <a:defRPr kumimoji="0" sz="1800" b="0" i="0" u="none" strike="noStrike" cap="none" spc="0" normalizeH="0" baseline="0">
             <a:ln>
               <a:noFill/>
             </a:ln>
@@ -13088,7 +13372,7 @@
           <a:buFontTx/>
           <a:buNone/>
           <a:tabLst/>
-          <a:defRPr b="0" baseline="0" cap="none" i="0" spc="0" strike="noStrike" sz="1800" u="none" kumimoji="0" normalizeH="0">
+          <a:defRPr kumimoji="0" sz="1800" b="0" i="0" u="none" strike="noStrike" cap="none" spc="0" normalizeH="0" baseline="0">
             <a:ln>
               <a:noFill/>
             </a:ln>
@@ -13114,7 +13398,7 @@
           <a:buFontTx/>
           <a:buNone/>
           <a:tabLst/>
-          <a:defRPr b="0" baseline="0" cap="none" i="0" spc="0" strike="noStrike" sz="1800" u="none" kumimoji="0" normalizeH="0">
+          <a:defRPr kumimoji="0" sz="1800" b="0" i="0" u="none" strike="noStrike" cap="none" spc="0" normalizeH="0" baseline="0">
             <a:ln>
               <a:noFill/>
             </a:ln>
@@ -13140,7 +13424,7 @@
           <a:buFontTx/>
           <a:buNone/>
           <a:tabLst/>
-          <a:defRPr b="0" baseline="0" cap="none" i="0" spc="0" strike="noStrike" sz="1800" u="none" kumimoji="0" normalizeH="0">
+          <a:defRPr kumimoji="0" sz="1800" b="0" i="0" u="none" strike="noStrike" cap="none" spc="0" normalizeH="0" baseline="0">
             <a:ln>
               <a:noFill/>
             </a:ln>
@@ -13153,9 +13437,15 @@
         </a:lvl9pPr>
       </a:lstStyle>
       <a:style>
-        <a:lnRef idx="0"/>
-        <a:fillRef idx="0"/>
-        <a:effectRef idx="0"/>
+        <a:lnRef idx="0">
+          <a:scrgbClr r="0" g="0" b="0"/>
+        </a:lnRef>
+        <a:fillRef idx="0">
+          <a:scrgbClr r="0" g="0" b="0"/>
+        </a:fillRef>
+        <a:effectRef idx="0">
+          <a:scrgbClr r="0" g="0" b="0"/>
+        </a:effectRef>
         <a:fontRef idx="none"/>
       </a:style>
     </a:lnDef>
@@ -13169,7 +13459,7 @@
         <a:effectLst/>
         <a:sp3d/>
       </a:spPr>
-      <a:bodyPr rot="0" spcFirstLastPara="1" vertOverflow="overflow" horzOverflow="overflow" vert="horz" wrap="square" lIns="45718" tIns="45718" rIns="45718" bIns="45718" numCol="1" spcCol="38100" rtlCol="0" anchor="t" upright="0">
+      <a:bodyPr rot="0" spcFirstLastPara="1" vertOverflow="overflow" horzOverflow="overflow" vert="horz" wrap="square" lIns="45718" tIns="45718" rIns="45718" bIns="45718" numCol="1" spcCol="38100" rtlCol="0" anchor="t">
         <a:spAutoFit/>
       </a:bodyPr>
       <a:lstStyle>
@@ -13188,7 +13478,7 @@
           <a:buFontTx/>
           <a:buNone/>
           <a:tabLst/>
-          <a:defRPr b="0" baseline="0" cap="none" i="0" spc="0" strike="noStrike" sz="1800" u="none" kumimoji="0" normalizeH="0">
+          <a:defRPr kumimoji="0" sz="1800" b="0" i="0" u="none" strike="noStrike" cap="none" spc="0" normalizeH="0" baseline="0">
             <a:ln>
               <a:noFill/>
             </a:ln>
@@ -13218,7 +13508,7 @@
           <a:buFontTx/>
           <a:buNone/>
           <a:tabLst/>
-          <a:defRPr b="0" baseline="0" cap="none" i="0" spc="0" strike="noStrike" sz="1800" u="none" kumimoji="0" normalizeH="0">
+          <a:defRPr kumimoji="0" sz="1800" b="0" i="0" u="none" strike="noStrike" cap="none" spc="0" normalizeH="0" baseline="0">
             <a:ln>
               <a:noFill/>
             </a:ln>
@@ -13244,7 +13534,7 @@
           <a:buFontTx/>
           <a:buNone/>
           <a:tabLst/>
-          <a:defRPr b="0" baseline="0" cap="none" i="0" spc="0" strike="noStrike" sz="1800" u="none" kumimoji="0" normalizeH="0">
+          <a:defRPr kumimoji="0" sz="1800" b="0" i="0" u="none" strike="noStrike" cap="none" spc="0" normalizeH="0" baseline="0">
             <a:ln>
               <a:noFill/>
             </a:ln>
@@ -13270,7 +13560,7 @@
           <a:buFontTx/>
           <a:buNone/>
           <a:tabLst/>
-          <a:defRPr b="0" baseline="0" cap="none" i="0" spc="0" strike="noStrike" sz="1800" u="none" kumimoji="0" normalizeH="0">
+          <a:defRPr kumimoji="0" sz="1800" b="0" i="0" u="none" strike="noStrike" cap="none" spc="0" normalizeH="0" baseline="0">
             <a:ln>
               <a:noFill/>
             </a:ln>
@@ -13296,7 +13586,7 @@
           <a:buFontTx/>
           <a:buNone/>
           <a:tabLst/>
-          <a:defRPr b="0" baseline="0" cap="none" i="0" spc="0" strike="noStrike" sz="1800" u="none" kumimoji="0" normalizeH="0">
+          <a:defRPr kumimoji="0" sz="1800" b="0" i="0" u="none" strike="noStrike" cap="none" spc="0" normalizeH="0" baseline="0">
             <a:ln>
               <a:noFill/>
             </a:ln>
@@ -13322,7 +13612,7 @@
           <a:buFontTx/>
           <a:buNone/>
           <a:tabLst/>
-          <a:defRPr b="0" baseline="0" cap="none" i="0" spc="0" strike="noStrike" sz="1800" u="none" kumimoji="0" normalizeH="0">
+          <a:defRPr kumimoji="0" sz="1800" b="0" i="0" u="none" strike="noStrike" cap="none" spc="0" normalizeH="0" baseline="0">
             <a:ln>
               <a:noFill/>
             </a:ln>
@@ -13348,7 +13638,7 @@
           <a:buFontTx/>
           <a:buNone/>
           <a:tabLst/>
-          <a:defRPr b="0" baseline="0" cap="none" i="0" spc="0" strike="noStrike" sz="1800" u="none" kumimoji="0" normalizeH="0">
+          <a:defRPr kumimoji="0" sz="1800" b="0" i="0" u="none" strike="noStrike" cap="none" spc="0" normalizeH="0" baseline="0">
             <a:ln>
               <a:noFill/>
             </a:ln>
@@ -13374,7 +13664,7 @@
           <a:buFontTx/>
           <a:buNone/>
           <a:tabLst/>
-          <a:defRPr b="0" baseline="0" cap="none" i="0" spc="0" strike="noStrike" sz="1800" u="none" kumimoji="0" normalizeH="0">
+          <a:defRPr kumimoji="0" sz="1800" b="0" i="0" u="none" strike="noStrike" cap="none" spc="0" normalizeH="0" baseline="0">
             <a:ln>
               <a:noFill/>
             </a:ln>
@@ -13400,7 +13690,7 @@
           <a:buFontTx/>
           <a:buNone/>
           <a:tabLst/>
-          <a:defRPr b="0" baseline="0" cap="none" i="0" spc="0" strike="noStrike" sz="1800" u="none" kumimoji="0" normalizeH="0">
+          <a:defRPr kumimoji="0" sz="1800" b="0" i="0" u="none" strike="noStrike" cap="none" spc="0" normalizeH="0" baseline="0">
             <a:ln>
               <a:noFill/>
             </a:ln>
@@ -13426,7 +13716,7 @@
           <a:buFontTx/>
           <a:buNone/>
           <a:tabLst/>
-          <a:defRPr b="0" baseline="0" cap="none" i="0" spc="0" strike="noStrike" sz="1800" u="none" kumimoji="0" normalizeH="0">
+          <a:defRPr kumimoji="0" sz="1800" b="0" i="0" u="none" strike="noStrike" cap="none" spc="0" normalizeH="0" baseline="0">
             <a:ln>
               <a:noFill/>
             </a:ln>
@@ -13439,12 +13729,19 @@
         </a:lvl9pPr>
       </a:lstStyle>
       <a:style>
-        <a:lnRef idx="0"/>
-        <a:fillRef idx="0"/>
-        <a:effectRef idx="0"/>
+        <a:lnRef idx="0">
+          <a:scrgbClr r="0" g="0" b="0"/>
+        </a:lnRef>
+        <a:fillRef idx="0">
+          <a:scrgbClr r="0" g="0" b="0"/>
+        </a:fillRef>
+        <a:effectRef idx="0">
+          <a:scrgbClr r="0" g="0" b="0"/>
+        </a:effectRef>
         <a:fontRef idx="none"/>
       </a:style>
     </a:txDef>
   </a:objectDefaults>
+  <a:extraClrSchemeLst/>
 </a:theme>
 </file>
--- a/Prova.pptx
+++ b/Prova.pptx
@@ -2332,7 +2332,7 @@
           </a:ln>
           <a:extLst>
             <a:ext uri="{C572A759-6A51-4108-AA02-DFA0A04FC94B}">
-              <ma14:wrappingTextBoxFlag xmlns:ma14="http://schemas.microsoft.com/office/mac/drawingml/2011/main" xmlns:a14="http://schemas.microsoft.com/office/drawing/2010/main" xmlns:m="http://schemas.openxmlformats.org/officeDocument/2006/math" xmlns="" val="1"/>
+              <ma14:wrappingTextBoxFlag xmlns="" xmlns:m="http://schemas.openxmlformats.org/officeDocument/2006/math" xmlns:a14="http://schemas.microsoft.com/office/drawing/2010/main" xmlns:ma14="http://schemas.microsoft.com/office/mac/drawingml/2011/main" val="1"/>
             </a:ext>
           </a:extLst>
         </p:spPr>
@@ -2371,7 +2371,7 @@
           </a:ln>
           <a:extLst>
             <a:ext uri="{C572A759-6A51-4108-AA02-DFA0A04FC94B}">
-              <ma14:wrappingTextBoxFlag xmlns:ma14="http://schemas.microsoft.com/office/mac/drawingml/2011/main" xmlns:a14="http://schemas.microsoft.com/office/drawing/2010/main" xmlns:m="http://schemas.openxmlformats.org/officeDocument/2006/math" xmlns="" val="1"/>
+              <ma14:wrappingTextBoxFlag xmlns="" xmlns:m="http://schemas.openxmlformats.org/officeDocument/2006/math" xmlns:a14="http://schemas.microsoft.com/office/drawing/2010/main" xmlns:ma14="http://schemas.microsoft.com/office/mac/drawingml/2011/main" val="1"/>
             </a:ext>
           </a:extLst>
         </p:spPr>
@@ -3316,7 +3316,7 @@
           </a:ln>
           <a:extLst>
             <a:ext uri="{C572A759-6A51-4108-AA02-DFA0A04FC94B}">
-              <ma14:wrappingTextBoxFlag xmlns:ma14="http://schemas.microsoft.com/office/mac/drawingml/2011/main" xmlns:a14="http://schemas.microsoft.com/office/drawing/2010/main" xmlns:m="http://schemas.openxmlformats.org/officeDocument/2006/math" xmlns="" val="1"/>
+              <ma14:wrappingTextBoxFlag xmlns="" xmlns:m="http://schemas.openxmlformats.org/officeDocument/2006/math" xmlns:a14="http://schemas.microsoft.com/office/drawing/2010/main" xmlns:ma14="http://schemas.microsoft.com/office/mac/drawingml/2011/main" val="1"/>
             </a:ext>
           </a:extLst>
         </p:spPr>
@@ -3372,7 +3372,7 @@
           </a:ln>
           <a:extLst>
             <a:ext uri="{C572A759-6A51-4108-AA02-DFA0A04FC94B}">
-              <ma14:wrappingTextBoxFlag xmlns:ma14="http://schemas.microsoft.com/office/mac/drawingml/2011/main" xmlns:a14="http://schemas.microsoft.com/office/drawing/2010/main" xmlns:m="http://schemas.openxmlformats.org/officeDocument/2006/math" xmlns="" val="1"/>
+              <ma14:wrappingTextBoxFlag xmlns="" xmlns:m="http://schemas.openxmlformats.org/officeDocument/2006/math" xmlns:a14="http://schemas.microsoft.com/office/drawing/2010/main" xmlns:ma14="http://schemas.microsoft.com/office/mac/drawingml/2011/main" val="1"/>
             </a:ext>
           </a:extLst>
         </p:spPr>
@@ -3496,7 +3496,7 @@
           </a:ln>
           <a:extLst>
             <a:ext uri="{C572A759-6A51-4108-AA02-DFA0A04FC94B}">
-              <ma14:wrappingTextBoxFlag xmlns:ma14="http://schemas.microsoft.com/office/mac/drawingml/2011/main" xmlns:a14="http://schemas.microsoft.com/office/drawing/2010/main" xmlns:m="http://schemas.openxmlformats.org/officeDocument/2006/math" xmlns="" val="1"/>
+              <ma14:wrappingTextBoxFlag xmlns="" xmlns:m="http://schemas.openxmlformats.org/officeDocument/2006/math" xmlns:a14="http://schemas.microsoft.com/office/drawing/2010/main" xmlns:ma14="http://schemas.microsoft.com/office/mac/drawingml/2011/main" val="1"/>
             </a:ext>
           </a:extLst>
         </p:spPr>
@@ -3569,7 +3569,7 @@
           </a:ln>
           <a:extLst>
             <a:ext uri="{C572A759-6A51-4108-AA02-DFA0A04FC94B}">
-              <ma14:wrappingTextBoxFlag xmlns:ma14="http://schemas.microsoft.com/office/mac/drawingml/2011/main" xmlns:a14="http://schemas.microsoft.com/office/drawing/2010/main" xmlns:m="http://schemas.openxmlformats.org/officeDocument/2006/math" xmlns="" val="1"/>
+              <ma14:wrappingTextBoxFlag xmlns="" xmlns:m="http://schemas.openxmlformats.org/officeDocument/2006/math" xmlns:a14="http://schemas.microsoft.com/office/drawing/2010/main" xmlns:ma14="http://schemas.microsoft.com/office/mac/drawingml/2011/main" val="1"/>
             </a:ext>
           </a:extLst>
         </p:spPr>
@@ -3769,7 +3769,7 @@
           </a:ln>
           <a:extLst>
             <a:ext uri="{C572A759-6A51-4108-AA02-DFA0A04FC94B}">
-              <ma14:wrappingTextBoxFlag xmlns:ma14="http://schemas.microsoft.com/office/mac/drawingml/2011/main" xmlns:a14="http://schemas.microsoft.com/office/drawing/2010/main" xmlns:m="http://schemas.openxmlformats.org/officeDocument/2006/math" xmlns="" val="1"/>
+              <ma14:wrappingTextBoxFlag xmlns="" xmlns:m="http://schemas.openxmlformats.org/officeDocument/2006/math" xmlns:a14="http://schemas.microsoft.com/office/drawing/2010/main" xmlns:ma14="http://schemas.microsoft.com/office/mac/drawingml/2011/main" val="1"/>
             </a:ext>
           </a:extLst>
         </p:spPr>
@@ -3816,7 +3816,7 @@
           </a:ln>
           <a:extLst>
             <a:ext uri="{C572A759-6A51-4108-AA02-DFA0A04FC94B}">
-              <ma14:wrappingTextBoxFlag xmlns:ma14="http://schemas.microsoft.com/office/mac/drawingml/2011/main" xmlns:a14="http://schemas.microsoft.com/office/drawing/2010/main" xmlns:m="http://schemas.openxmlformats.org/officeDocument/2006/math" xmlns="" val="1"/>
+              <ma14:wrappingTextBoxFlag xmlns="" xmlns:m="http://schemas.openxmlformats.org/officeDocument/2006/math" xmlns:a14="http://schemas.microsoft.com/office/drawing/2010/main" xmlns:ma14="http://schemas.microsoft.com/office/mac/drawingml/2011/main" val="1"/>
             </a:ext>
           </a:extLst>
         </p:spPr>
@@ -3880,7 +3880,7 @@
           </a:ln>
           <a:extLst>
             <a:ext uri="{C572A759-6A51-4108-AA02-DFA0A04FC94B}">
-              <ma14:wrappingTextBoxFlag xmlns:ma14="http://schemas.microsoft.com/office/mac/drawingml/2011/main" xmlns:a14="http://schemas.microsoft.com/office/drawing/2010/main" xmlns:m="http://schemas.openxmlformats.org/officeDocument/2006/math" xmlns="" val="1"/>
+              <ma14:wrappingTextBoxFlag xmlns="" xmlns:m="http://schemas.openxmlformats.org/officeDocument/2006/math" xmlns:a14="http://schemas.microsoft.com/office/drawing/2010/main" xmlns:ma14="http://schemas.microsoft.com/office/mac/drawingml/2011/main" val="1"/>
             </a:ext>
           </a:extLst>
         </p:spPr>
@@ -3927,7 +3927,7 @@
           </a:ln>
           <a:extLst>
             <a:ext uri="{C572A759-6A51-4108-AA02-DFA0A04FC94B}">
-              <ma14:wrappingTextBoxFlag xmlns:ma14="http://schemas.microsoft.com/office/mac/drawingml/2011/main" xmlns:a14="http://schemas.microsoft.com/office/drawing/2010/main" xmlns:m="http://schemas.openxmlformats.org/officeDocument/2006/math" xmlns="" val="1"/>
+              <ma14:wrappingTextBoxFlag xmlns="" xmlns:m="http://schemas.openxmlformats.org/officeDocument/2006/math" xmlns:a14="http://schemas.microsoft.com/office/drawing/2010/main" xmlns:ma14="http://schemas.microsoft.com/office/mac/drawingml/2011/main" val="1"/>
             </a:ext>
           </a:extLst>
         </p:spPr>
@@ -3978,7 +3978,7 @@
           </a:ln>
           <a:extLst>
             <a:ext uri="{C572A759-6A51-4108-AA02-DFA0A04FC94B}">
-              <ma14:wrappingTextBoxFlag xmlns:ma14="http://schemas.microsoft.com/office/mac/drawingml/2011/main" xmlns:a14="http://schemas.microsoft.com/office/drawing/2010/main" xmlns:m="http://schemas.openxmlformats.org/officeDocument/2006/math" xmlns="" val="1"/>
+              <ma14:wrappingTextBoxFlag xmlns="" xmlns:m="http://schemas.openxmlformats.org/officeDocument/2006/math" xmlns:a14="http://schemas.microsoft.com/office/drawing/2010/main" xmlns:ma14="http://schemas.microsoft.com/office/mac/drawingml/2011/main" val="1"/>
             </a:ext>
           </a:extLst>
         </p:spPr>
@@ -4022,7 +4022,7 @@
           </a:ln>
           <a:extLst>
             <a:ext uri="{C572A759-6A51-4108-AA02-DFA0A04FC94B}">
-              <ma14:wrappingTextBoxFlag xmlns:ma14="http://schemas.microsoft.com/office/mac/drawingml/2011/main" xmlns:a14="http://schemas.microsoft.com/office/drawing/2010/main" xmlns:m="http://schemas.openxmlformats.org/officeDocument/2006/math" xmlns="" val="1"/>
+              <ma14:wrappingTextBoxFlag xmlns="" xmlns:m="http://schemas.openxmlformats.org/officeDocument/2006/math" xmlns:a14="http://schemas.microsoft.com/office/drawing/2010/main" xmlns:ma14="http://schemas.microsoft.com/office/mac/drawingml/2011/main" val="1"/>
             </a:ext>
           </a:extLst>
         </p:spPr>
@@ -4150,7 +4150,7 @@
           </a:ln>
           <a:extLst>
             <a:ext uri="{C572A759-6A51-4108-AA02-DFA0A04FC94B}">
-              <ma14:wrappingTextBoxFlag xmlns:ma14="http://schemas.microsoft.com/office/mac/drawingml/2011/main" xmlns:a14="http://schemas.microsoft.com/office/drawing/2010/main" xmlns:m="http://schemas.openxmlformats.org/officeDocument/2006/math" xmlns="" val="1"/>
+              <ma14:wrappingTextBoxFlag xmlns="" xmlns:m="http://schemas.openxmlformats.org/officeDocument/2006/math" xmlns:a14="http://schemas.microsoft.com/office/drawing/2010/main" xmlns:ma14="http://schemas.microsoft.com/office/mac/drawingml/2011/main" val="1"/>
             </a:ext>
           </a:extLst>
         </p:spPr>
@@ -4226,7 +4226,7 @@
           </a:ln>
           <a:extLst>
             <a:ext uri="{C572A759-6A51-4108-AA02-DFA0A04FC94B}">
-              <ma14:wrappingTextBoxFlag xmlns:ma14="http://schemas.microsoft.com/office/mac/drawingml/2011/main" xmlns:a14="http://schemas.microsoft.com/office/drawing/2010/main" xmlns:m="http://schemas.openxmlformats.org/officeDocument/2006/math" xmlns="" val="1"/>
+              <ma14:wrappingTextBoxFlag xmlns="" xmlns:m="http://schemas.openxmlformats.org/officeDocument/2006/math" xmlns:a14="http://schemas.microsoft.com/office/drawing/2010/main" xmlns:ma14="http://schemas.microsoft.com/office/mac/drawingml/2011/main" val="1"/>
             </a:ext>
           </a:extLst>
         </p:spPr>
@@ -4292,7 +4292,7 @@
           </a:ln>
           <a:extLst>
             <a:ext uri="{C572A759-6A51-4108-AA02-DFA0A04FC94B}">
-              <ma14:wrappingTextBoxFlag xmlns:ma14="http://schemas.microsoft.com/office/mac/drawingml/2011/main" xmlns:a14="http://schemas.microsoft.com/office/drawing/2010/main" xmlns:m="http://schemas.openxmlformats.org/officeDocument/2006/math" xmlns="" val="1"/>
+              <ma14:wrappingTextBoxFlag xmlns="" xmlns:m="http://schemas.openxmlformats.org/officeDocument/2006/math" xmlns:a14="http://schemas.microsoft.com/office/drawing/2010/main" xmlns:ma14="http://schemas.microsoft.com/office/mac/drawingml/2011/main" val="1"/>
             </a:ext>
           </a:extLst>
         </p:spPr>
@@ -4339,7 +4339,7 @@
           </a:ln>
           <a:extLst>
             <a:ext uri="{C572A759-6A51-4108-AA02-DFA0A04FC94B}">
-              <ma14:wrappingTextBoxFlag xmlns:ma14="http://schemas.microsoft.com/office/mac/drawingml/2011/main" xmlns:a14="http://schemas.microsoft.com/office/drawing/2010/main" xmlns:m="http://schemas.openxmlformats.org/officeDocument/2006/math" xmlns="" val="1"/>
+              <ma14:wrappingTextBoxFlag xmlns="" xmlns:m="http://schemas.openxmlformats.org/officeDocument/2006/math" xmlns:a14="http://schemas.microsoft.com/office/drawing/2010/main" xmlns:ma14="http://schemas.microsoft.com/office/mac/drawingml/2011/main" val="1"/>
             </a:ext>
           </a:extLst>
         </p:spPr>
@@ -4427,7 +4427,7 @@
           </a:ln>
           <a:extLst>
             <a:ext uri="{C572A759-6A51-4108-AA02-DFA0A04FC94B}">
-              <ma14:wrappingTextBoxFlag xmlns:ma14="http://schemas.microsoft.com/office/mac/drawingml/2011/main" xmlns:a14="http://schemas.microsoft.com/office/drawing/2010/main" xmlns:m="http://schemas.openxmlformats.org/officeDocument/2006/math" xmlns="" val="1"/>
+              <ma14:wrappingTextBoxFlag xmlns="" xmlns:m="http://schemas.openxmlformats.org/officeDocument/2006/math" xmlns:a14="http://schemas.microsoft.com/office/drawing/2010/main" xmlns:ma14="http://schemas.microsoft.com/office/mac/drawingml/2011/main" val="1"/>
             </a:ext>
           </a:extLst>
         </p:spPr>
@@ -4763,7 +4763,7 @@
           </a:ln>
           <a:extLst>
             <a:ext uri="{C572A759-6A51-4108-AA02-DFA0A04FC94B}">
-              <ma14:wrappingTextBoxFlag xmlns:ma14="http://schemas.microsoft.com/office/mac/drawingml/2011/main" xmlns:a14="http://schemas.microsoft.com/office/drawing/2010/main" xmlns:m="http://schemas.openxmlformats.org/officeDocument/2006/math" xmlns="" val="1"/>
+              <ma14:wrappingTextBoxFlag xmlns="" xmlns:m="http://schemas.openxmlformats.org/officeDocument/2006/math" xmlns:a14="http://schemas.microsoft.com/office/drawing/2010/main" xmlns:ma14="http://schemas.microsoft.com/office/mac/drawingml/2011/main" val="1"/>
             </a:ext>
           </a:extLst>
         </p:spPr>
@@ -4807,7 +4807,7 @@
           </a:ln>
           <a:extLst>
             <a:ext uri="{C572A759-6A51-4108-AA02-DFA0A04FC94B}">
-              <ma14:wrappingTextBoxFlag xmlns:ma14="http://schemas.microsoft.com/office/mac/drawingml/2011/main" xmlns:a14="http://schemas.microsoft.com/office/drawing/2010/main" xmlns:m="http://schemas.openxmlformats.org/officeDocument/2006/math" xmlns="" val="1"/>
+              <ma14:wrappingTextBoxFlag xmlns="" xmlns:m="http://schemas.openxmlformats.org/officeDocument/2006/math" xmlns:a14="http://schemas.microsoft.com/office/drawing/2010/main" xmlns:ma14="http://schemas.microsoft.com/office/mac/drawingml/2011/main" val="1"/>
             </a:ext>
           </a:extLst>
         </p:spPr>
@@ -4874,6 +4874,13 @@
     <a:masterClrMapping/>
   </p:clrMapOvr>
   <p:transition spd="med"/>
+  <p:timing>
+    <p:tnLst>
+      <p:par>
+        <p:cTn id="1" dur="indefinite" restart="never" nodeType="tmRoot"/>
+      </p:par>
+    </p:tnLst>
+  </p:timing>
 </p:sld>
 </file>
 
@@ -4913,7 +4920,7 @@
           </a:ln>
           <a:extLst>
             <a:ext uri="{C572A759-6A51-4108-AA02-DFA0A04FC94B}">
-              <ma14:wrappingTextBoxFlag xmlns:ma14="http://schemas.microsoft.com/office/mac/drawingml/2011/main" xmlns:a14="http://schemas.microsoft.com/office/drawing/2010/main" xmlns:m="http://schemas.openxmlformats.org/officeDocument/2006/math" xmlns="" val="1"/>
+              <ma14:wrappingTextBoxFlag xmlns="" xmlns:m="http://schemas.openxmlformats.org/officeDocument/2006/math" xmlns:a14="http://schemas.microsoft.com/office/drawing/2010/main" xmlns:ma14="http://schemas.microsoft.com/office/mac/drawingml/2011/main" val="1"/>
             </a:ext>
           </a:extLst>
         </p:spPr>
@@ -4960,7 +4967,7 @@
           </a:ln>
           <a:extLst>
             <a:ext uri="{C572A759-6A51-4108-AA02-DFA0A04FC94B}">
-              <ma14:wrappingTextBoxFlag xmlns:ma14="http://schemas.microsoft.com/office/mac/drawingml/2011/main" xmlns:a14="http://schemas.microsoft.com/office/drawing/2010/main" xmlns:m="http://schemas.openxmlformats.org/officeDocument/2006/math" xmlns="" val="1"/>
+              <ma14:wrappingTextBoxFlag xmlns="" xmlns:m="http://schemas.openxmlformats.org/officeDocument/2006/math" xmlns:a14="http://schemas.microsoft.com/office/drawing/2010/main" xmlns:ma14="http://schemas.microsoft.com/office/mac/drawingml/2011/main" val="1"/>
             </a:ext>
           </a:extLst>
         </p:spPr>
@@ -5024,7 +5031,7 @@
           </a:ln>
           <a:extLst>
             <a:ext uri="{C572A759-6A51-4108-AA02-DFA0A04FC94B}">
-              <ma14:wrappingTextBoxFlag xmlns:ma14="http://schemas.microsoft.com/office/mac/drawingml/2011/main" xmlns:a14="http://schemas.microsoft.com/office/drawing/2010/main" xmlns:m="http://schemas.openxmlformats.org/officeDocument/2006/math" xmlns="" val="1"/>
+              <ma14:wrappingTextBoxFlag xmlns="" xmlns:m="http://schemas.openxmlformats.org/officeDocument/2006/math" xmlns:a14="http://schemas.microsoft.com/office/drawing/2010/main" xmlns:ma14="http://schemas.microsoft.com/office/mac/drawingml/2011/main" val="1"/>
             </a:ext>
           </a:extLst>
         </p:spPr>
@@ -5071,7 +5078,7 @@
           </a:ln>
           <a:extLst>
             <a:ext uri="{C572A759-6A51-4108-AA02-DFA0A04FC94B}">
-              <ma14:wrappingTextBoxFlag xmlns:ma14="http://schemas.microsoft.com/office/mac/drawingml/2011/main" xmlns:a14="http://schemas.microsoft.com/office/drawing/2010/main" xmlns:m="http://schemas.openxmlformats.org/officeDocument/2006/math" xmlns="" val="1"/>
+              <ma14:wrappingTextBoxFlag xmlns="" xmlns:m="http://schemas.openxmlformats.org/officeDocument/2006/math" xmlns:a14="http://schemas.microsoft.com/office/drawing/2010/main" xmlns:ma14="http://schemas.microsoft.com/office/mac/drawingml/2011/main" val="1"/>
             </a:ext>
           </a:extLst>
         </p:spPr>
@@ -5122,7 +5129,7 @@
           </a:ln>
           <a:extLst>
             <a:ext uri="{C572A759-6A51-4108-AA02-DFA0A04FC94B}">
-              <ma14:wrappingTextBoxFlag xmlns:ma14="http://schemas.microsoft.com/office/mac/drawingml/2011/main" xmlns:a14="http://schemas.microsoft.com/office/drawing/2010/main" xmlns:m="http://schemas.openxmlformats.org/officeDocument/2006/math" xmlns="" val="1"/>
+              <ma14:wrappingTextBoxFlag xmlns="" xmlns:m="http://schemas.openxmlformats.org/officeDocument/2006/math" xmlns:a14="http://schemas.microsoft.com/office/drawing/2010/main" xmlns:ma14="http://schemas.microsoft.com/office/mac/drawingml/2011/main" val="1"/>
             </a:ext>
           </a:extLst>
         </p:spPr>
@@ -5166,7 +5173,7 @@
           </a:ln>
           <a:extLst>
             <a:ext uri="{C572A759-6A51-4108-AA02-DFA0A04FC94B}">
-              <ma14:wrappingTextBoxFlag xmlns:ma14="http://schemas.microsoft.com/office/mac/drawingml/2011/main" xmlns:a14="http://schemas.microsoft.com/office/drawing/2010/main" xmlns:m="http://schemas.openxmlformats.org/officeDocument/2006/math" xmlns="" val="1"/>
+              <ma14:wrappingTextBoxFlag xmlns="" xmlns:m="http://schemas.openxmlformats.org/officeDocument/2006/math" xmlns:a14="http://schemas.microsoft.com/office/drawing/2010/main" xmlns:ma14="http://schemas.microsoft.com/office/mac/drawingml/2011/main" val="1"/>
             </a:ext>
           </a:extLst>
         </p:spPr>
@@ -5229,7 +5236,7 @@
           </a:ln>
           <a:extLst>
             <a:ext uri="{C572A759-6A51-4108-AA02-DFA0A04FC94B}">
-              <ma14:wrappingTextBoxFlag xmlns:ma14="http://schemas.microsoft.com/office/mac/drawingml/2011/main" xmlns:a14="http://schemas.microsoft.com/office/drawing/2010/main" xmlns:m="http://schemas.openxmlformats.org/officeDocument/2006/math" xmlns="" val="1"/>
+              <ma14:wrappingTextBoxFlag xmlns="" xmlns:m="http://schemas.openxmlformats.org/officeDocument/2006/math" xmlns:a14="http://schemas.microsoft.com/office/drawing/2010/main" xmlns:ma14="http://schemas.microsoft.com/office/mac/drawingml/2011/main" val="1"/>
             </a:ext>
           </a:extLst>
         </p:spPr>
@@ -5266,6 +5273,13 @@
     <a:masterClrMapping/>
   </p:clrMapOvr>
   <p:transition spd="med"/>
+  <p:timing>
+    <p:tnLst>
+      <p:par>
+        <p:cTn id="1" dur="indefinite" restart="never" nodeType="tmRoot"/>
+      </p:par>
+    </p:tnLst>
+  </p:timing>
 </p:sld>
 </file>
 
@@ -5365,7 +5379,7 @@
           </a:ln>
           <a:extLst>
             <a:ext uri="{C572A759-6A51-4108-AA02-DFA0A04FC94B}">
-              <ma14:wrappingTextBoxFlag xmlns:ma14="http://schemas.microsoft.com/office/mac/drawingml/2011/main" xmlns:a14="http://schemas.microsoft.com/office/drawing/2010/main" xmlns:m="http://schemas.openxmlformats.org/officeDocument/2006/math" xmlns="" val="1"/>
+              <ma14:wrappingTextBoxFlag xmlns="" xmlns:m="http://schemas.openxmlformats.org/officeDocument/2006/math" xmlns:a14="http://schemas.microsoft.com/office/drawing/2010/main" xmlns:ma14="http://schemas.microsoft.com/office/mac/drawingml/2011/main" val="1"/>
             </a:ext>
           </a:extLst>
         </p:spPr>
@@ -5415,7 +5429,7 @@
           </a:ln>
           <a:extLst>
             <a:ext uri="{C572A759-6A51-4108-AA02-DFA0A04FC94B}">
-              <ma14:wrappingTextBoxFlag xmlns:ma14="http://schemas.microsoft.com/office/mac/drawingml/2011/main" xmlns:a14="http://schemas.microsoft.com/office/drawing/2010/main" xmlns:m="http://schemas.openxmlformats.org/officeDocument/2006/math" xmlns="" val="1"/>
+              <ma14:wrappingTextBoxFlag xmlns="" xmlns:m="http://schemas.openxmlformats.org/officeDocument/2006/math" xmlns:a14="http://schemas.microsoft.com/office/drawing/2010/main" xmlns:ma14="http://schemas.microsoft.com/office/mac/drawingml/2011/main" val="1"/>
             </a:ext>
           </a:extLst>
         </p:spPr>
@@ -5514,7 +5528,7 @@
           </a:ln>
           <a:extLst>
             <a:ext uri="{C572A759-6A51-4108-AA02-DFA0A04FC94B}">
-              <ma14:wrappingTextBoxFlag xmlns:ma14="http://schemas.microsoft.com/office/mac/drawingml/2011/main" xmlns:a14="http://schemas.microsoft.com/office/drawing/2010/main" xmlns:m="http://schemas.openxmlformats.org/officeDocument/2006/math" xmlns="" val="1"/>
+              <ma14:wrappingTextBoxFlag xmlns="" xmlns:m="http://schemas.openxmlformats.org/officeDocument/2006/math" xmlns:a14="http://schemas.microsoft.com/office/drawing/2010/main" xmlns:ma14="http://schemas.microsoft.com/office/mac/drawingml/2011/main" val="1"/>
             </a:ext>
           </a:extLst>
         </p:spPr>
@@ -5561,7 +5575,7 @@
           </a:ln>
           <a:extLst>
             <a:ext uri="{C572A759-6A51-4108-AA02-DFA0A04FC94B}">
-              <ma14:wrappingTextBoxFlag xmlns:ma14="http://schemas.microsoft.com/office/mac/drawingml/2011/main" xmlns:a14="http://schemas.microsoft.com/office/drawing/2010/main" xmlns:m="http://schemas.openxmlformats.org/officeDocument/2006/math" xmlns="" val="1"/>
+              <ma14:wrappingTextBoxFlag xmlns="" xmlns:m="http://schemas.openxmlformats.org/officeDocument/2006/math" xmlns:a14="http://schemas.microsoft.com/office/drawing/2010/main" xmlns:ma14="http://schemas.microsoft.com/office/mac/drawingml/2011/main" val="1"/>
             </a:ext>
           </a:extLst>
         </p:spPr>
@@ -5627,7 +5641,7 @@
           </a:ln>
           <a:extLst>
             <a:ext uri="{C572A759-6A51-4108-AA02-DFA0A04FC94B}">
-              <ma14:wrappingTextBoxFlag xmlns:ma14="http://schemas.microsoft.com/office/mac/drawingml/2011/main" xmlns:a14="http://schemas.microsoft.com/office/drawing/2010/main" xmlns:m="http://schemas.openxmlformats.org/officeDocument/2006/math" xmlns="" val="1"/>
+              <ma14:wrappingTextBoxFlag xmlns="" xmlns:m="http://schemas.openxmlformats.org/officeDocument/2006/math" xmlns:a14="http://schemas.microsoft.com/office/drawing/2010/main" xmlns:ma14="http://schemas.microsoft.com/office/mac/drawingml/2011/main" val="1"/>
             </a:ext>
           </a:extLst>
         </p:spPr>
@@ -5674,7 +5688,7 @@
           </a:ln>
           <a:extLst>
             <a:ext uri="{C572A759-6A51-4108-AA02-DFA0A04FC94B}">
-              <ma14:wrappingTextBoxFlag xmlns:ma14="http://schemas.microsoft.com/office/mac/drawingml/2011/main" xmlns:a14="http://schemas.microsoft.com/office/drawing/2010/main" xmlns:m="http://schemas.openxmlformats.org/officeDocument/2006/math" xmlns="" val="1"/>
+              <ma14:wrappingTextBoxFlag xmlns="" xmlns:m="http://schemas.openxmlformats.org/officeDocument/2006/math" xmlns:a14="http://schemas.microsoft.com/office/drawing/2010/main" xmlns:ma14="http://schemas.microsoft.com/office/mac/drawingml/2011/main" val="1"/>
             </a:ext>
           </a:extLst>
         </p:spPr>
@@ -5729,7 +5743,7 @@
           </a:ln>
           <a:extLst>
             <a:ext uri="{C572A759-6A51-4108-AA02-DFA0A04FC94B}">
-              <ma14:wrappingTextBoxFlag xmlns:ma14="http://schemas.microsoft.com/office/mac/drawingml/2011/main" xmlns:a14="http://schemas.microsoft.com/office/drawing/2010/main" xmlns:m="http://schemas.openxmlformats.org/officeDocument/2006/math" xmlns="" val="1"/>
+              <ma14:wrappingTextBoxFlag xmlns="" xmlns:m="http://schemas.openxmlformats.org/officeDocument/2006/math" xmlns:a14="http://schemas.microsoft.com/office/drawing/2010/main" xmlns:ma14="http://schemas.microsoft.com/office/mac/drawingml/2011/main" val="1"/>
             </a:ext>
           </a:extLst>
         </p:spPr>
@@ -5835,7 +5849,7 @@
           </a:ln>
           <a:extLst>
             <a:ext uri="{C572A759-6A51-4108-AA02-DFA0A04FC94B}">
-              <ma14:wrappingTextBoxFlag xmlns:ma14="http://schemas.microsoft.com/office/mac/drawingml/2011/main" xmlns:a14="http://schemas.microsoft.com/office/drawing/2010/main" xmlns:m="http://schemas.openxmlformats.org/officeDocument/2006/math" xmlns="" val="1"/>
+              <ma14:wrappingTextBoxFlag xmlns="" xmlns:m="http://schemas.openxmlformats.org/officeDocument/2006/math" xmlns:a14="http://schemas.microsoft.com/office/drawing/2010/main" xmlns:ma14="http://schemas.microsoft.com/office/mac/drawingml/2011/main" val="1"/>
             </a:ext>
           </a:extLst>
         </p:spPr>
@@ -6171,7 +6185,7 @@
           </a:ln>
           <a:extLst>
             <a:ext uri="{C572A759-6A51-4108-AA02-DFA0A04FC94B}">
-              <ma14:wrappingTextBoxFlag xmlns:ma14="http://schemas.microsoft.com/office/mac/drawingml/2011/main" xmlns:a14="http://schemas.microsoft.com/office/drawing/2010/main" xmlns:m="http://schemas.openxmlformats.org/officeDocument/2006/math" xmlns="" val="1"/>
+              <ma14:wrappingTextBoxFlag xmlns="" xmlns:m="http://schemas.openxmlformats.org/officeDocument/2006/math" xmlns:a14="http://schemas.microsoft.com/office/drawing/2010/main" xmlns:ma14="http://schemas.microsoft.com/office/mac/drawingml/2011/main" val="1"/>
             </a:ext>
           </a:extLst>
         </p:spPr>
@@ -6221,7 +6235,7 @@
           </a:ln>
           <a:extLst>
             <a:ext uri="{C572A759-6A51-4108-AA02-DFA0A04FC94B}">
-              <ma14:wrappingTextBoxFlag xmlns:ma14="http://schemas.microsoft.com/office/mac/drawingml/2011/main" xmlns:a14="http://schemas.microsoft.com/office/drawing/2010/main" xmlns:m="http://schemas.openxmlformats.org/officeDocument/2006/math" xmlns="" val="1"/>
+              <ma14:wrappingTextBoxFlag xmlns="" xmlns:m="http://schemas.openxmlformats.org/officeDocument/2006/math" xmlns:a14="http://schemas.microsoft.com/office/drawing/2010/main" xmlns:ma14="http://schemas.microsoft.com/office/mac/drawingml/2011/main" val="1"/>
             </a:ext>
           </a:extLst>
         </p:spPr>
@@ -6291,7 +6305,7 @@
           </a:ln>
           <a:extLst>
             <a:ext uri="{C572A759-6A51-4108-AA02-DFA0A04FC94B}">
-              <ma14:wrappingTextBoxFlag xmlns:ma14="http://schemas.microsoft.com/office/mac/drawingml/2011/main" xmlns:a14="http://schemas.microsoft.com/office/drawing/2010/main" xmlns:m="http://schemas.openxmlformats.org/officeDocument/2006/math" xmlns="" val="1"/>
+              <ma14:wrappingTextBoxFlag xmlns="" xmlns:m="http://schemas.openxmlformats.org/officeDocument/2006/math" xmlns:a14="http://schemas.microsoft.com/office/drawing/2010/main" xmlns:ma14="http://schemas.microsoft.com/office/mac/drawingml/2011/main" val="1"/>
             </a:ext>
           </a:extLst>
         </p:spPr>
@@ -6338,7 +6352,7 @@
           </a:ln>
           <a:extLst>
             <a:ext uri="{C572A759-6A51-4108-AA02-DFA0A04FC94B}">
-              <ma14:wrappingTextBoxFlag xmlns:ma14="http://schemas.microsoft.com/office/mac/drawingml/2011/main" xmlns:a14="http://schemas.microsoft.com/office/drawing/2010/main" xmlns:m="http://schemas.openxmlformats.org/officeDocument/2006/math" xmlns="" val="1"/>
+              <ma14:wrappingTextBoxFlag xmlns="" xmlns:m="http://schemas.openxmlformats.org/officeDocument/2006/math" xmlns:a14="http://schemas.microsoft.com/office/drawing/2010/main" xmlns:ma14="http://schemas.microsoft.com/office/mac/drawingml/2011/main" val="1"/>
             </a:ext>
           </a:extLst>
         </p:spPr>
@@ -6402,7 +6416,7 @@
           </a:ln>
           <a:extLst>
             <a:ext uri="{C572A759-6A51-4108-AA02-DFA0A04FC94B}">
-              <ma14:wrappingTextBoxFlag xmlns:ma14="http://schemas.microsoft.com/office/mac/drawingml/2011/main" xmlns:a14="http://schemas.microsoft.com/office/drawing/2010/main" xmlns:m="http://schemas.openxmlformats.org/officeDocument/2006/math" xmlns="" val="1"/>
+              <ma14:wrappingTextBoxFlag xmlns="" xmlns:m="http://schemas.openxmlformats.org/officeDocument/2006/math" xmlns:a14="http://schemas.microsoft.com/office/drawing/2010/main" xmlns:ma14="http://schemas.microsoft.com/office/mac/drawingml/2011/main" val="1"/>
             </a:ext>
           </a:extLst>
         </p:spPr>
@@ -6449,7 +6463,7 @@
           </a:ln>
           <a:extLst>
             <a:ext uri="{C572A759-6A51-4108-AA02-DFA0A04FC94B}">
-              <ma14:wrappingTextBoxFlag xmlns:ma14="http://schemas.microsoft.com/office/mac/drawingml/2011/main" xmlns:a14="http://schemas.microsoft.com/office/drawing/2010/main" xmlns:m="http://schemas.openxmlformats.org/officeDocument/2006/math" xmlns="" val="1"/>
+              <ma14:wrappingTextBoxFlag xmlns="" xmlns:m="http://schemas.openxmlformats.org/officeDocument/2006/math" xmlns:a14="http://schemas.microsoft.com/office/drawing/2010/main" xmlns:ma14="http://schemas.microsoft.com/office/mac/drawingml/2011/main" val="1"/>
             </a:ext>
           </a:extLst>
         </p:spPr>
@@ -6500,7 +6514,7 @@
           </a:ln>
           <a:extLst>
             <a:ext uri="{C572A759-6A51-4108-AA02-DFA0A04FC94B}">
-              <ma14:wrappingTextBoxFlag xmlns:ma14="http://schemas.microsoft.com/office/mac/drawingml/2011/main" xmlns:a14="http://schemas.microsoft.com/office/drawing/2010/main" xmlns:m="http://schemas.openxmlformats.org/officeDocument/2006/math" xmlns="" val="1"/>
+              <ma14:wrappingTextBoxFlag xmlns="" xmlns:m="http://schemas.openxmlformats.org/officeDocument/2006/math" xmlns:a14="http://schemas.microsoft.com/office/drawing/2010/main" xmlns:ma14="http://schemas.microsoft.com/office/mac/drawingml/2011/main" val="1"/>
             </a:ext>
           </a:extLst>
         </p:spPr>
@@ -6544,7 +6558,7 @@
           </a:ln>
           <a:extLst>
             <a:ext uri="{C572A759-6A51-4108-AA02-DFA0A04FC94B}">
-              <ma14:wrappingTextBoxFlag xmlns:ma14="http://schemas.microsoft.com/office/mac/drawingml/2011/main" xmlns:a14="http://schemas.microsoft.com/office/drawing/2010/main" xmlns:m="http://schemas.openxmlformats.org/officeDocument/2006/math" xmlns="" val="1"/>
+              <ma14:wrappingTextBoxFlag xmlns="" xmlns:m="http://schemas.openxmlformats.org/officeDocument/2006/math" xmlns:a14="http://schemas.microsoft.com/office/drawing/2010/main" xmlns:ma14="http://schemas.microsoft.com/office/mac/drawingml/2011/main" val="1"/>
             </a:ext>
           </a:extLst>
         </p:spPr>
@@ -6595,7 +6609,7 @@
           </a:ln>
           <a:extLst>
             <a:ext uri="{C572A759-6A51-4108-AA02-DFA0A04FC94B}">
-              <ma14:wrappingTextBoxFlag xmlns:ma14="http://schemas.microsoft.com/office/mac/drawingml/2011/main" xmlns:a14="http://schemas.microsoft.com/office/drawing/2010/main" xmlns:m="http://schemas.openxmlformats.org/officeDocument/2006/math" xmlns="" val="1"/>
+              <ma14:wrappingTextBoxFlag xmlns="" xmlns:m="http://schemas.openxmlformats.org/officeDocument/2006/math" xmlns:a14="http://schemas.microsoft.com/office/drawing/2010/main" xmlns:ma14="http://schemas.microsoft.com/office/mac/drawingml/2011/main" val="1"/>
             </a:ext>
           </a:extLst>
         </p:spPr>
@@ -6701,7 +6715,7 @@
           </a:ln>
           <a:extLst>
             <a:ext uri="{C572A759-6A51-4108-AA02-DFA0A04FC94B}">
-              <ma14:wrappingTextBoxFlag xmlns:ma14="http://schemas.microsoft.com/office/mac/drawingml/2011/main" xmlns:a14="http://schemas.microsoft.com/office/drawing/2010/main" xmlns:m="http://schemas.openxmlformats.org/officeDocument/2006/math" xmlns="" val="1"/>
+              <ma14:wrappingTextBoxFlag xmlns="" xmlns:m="http://schemas.openxmlformats.org/officeDocument/2006/math" xmlns:a14="http://schemas.microsoft.com/office/drawing/2010/main" xmlns:ma14="http://schemas.microsoft.com/office/mac/drawingml/2011/main" val="1"/>
             </a:ext>
           </a:extLst>
         </p:spPr>
@@ -6751,7 +6765,7 @@
           </a:ln>
           <a:extLst>
             <a:ext uri="{C572A759-6A51-4108-AA02-DFA0A04FC94B}">
-              <ma14:wrappingTextBoxFlag xmlns:ma14="http://schemas.microsoft.com/office/mac/drawingml/2011/main" xmlns:a14="http://schemas.microsoft.com/office/drawing/2010/main" xmlns:m="http://schemas.openxmlformats.org/officeDocument/2006/math" xmlns="" val="1"/>
+              <ma14:wrappingTextBoxFlag xmlns="" xmlns:m="http://schemas.openxmlformats.org/officeDocument/2006/math" xmlns:a14="http://schemas.microsoft.com/office/drawing/2010/main" xmlns:ma14="http://schemas.microsoft.com/office/mac/drawingml/2011/main" val="1"/>
             </a:ext>
           </a:extLst>
         </p:spPr>
@@ -6798,7 +6812,7 @@
           </a:ln>
           <a:extLst>
             <a:ext uri="{C572A759-6A51-4108-AA02-DFA0A04FC94B}">
-              <ma14:wrappingTextBoxFlag xmlns:ma14="http://schemas.microsoft.com/office/mac/drawingml/2011/main" xmlns:a14="http://schemas.microsoft.com/office/drawing/2010/main" xmlns:m="http://schemas.openxmlformats.org/officeDocument/2006/math" xmlns="" val="1"/>
+              <ma14:wrappingTextBoxFlag xmlns="" xmlns:m="http://schemas.openxmlformats.org/officeDocument/2006/math" xmlns:a14="http://schemas.microsoft.com/office/drawing/2010/main" xmlns:ma14="http://schemas.microsoft.com/office/mac/drawingml/2011/main" val="1"/>
             </a:ext>
           </a:extLst>
         </p:spPr>
@@ -6864,7 +6878,7 @@
           </a:ln>
           <a:extLst>
             <a:ext uri="{C572A759-6A51-4108-AA02-DFA0A04FC94B}">
-              <ma14:wrappingTextBoxFlag xmlns:ma14="http://schemas.microsoft.com/office/mac/drawingml/2011/main" xmlns:a14="http://schemas.microsoft.com/office/drawing/2010/main" xmlns:m="http://schemas.openxmlformats.org/officeDocument/2006/math" xmlns="" val="1"/>
+              <ma14:wrappingTextBoxFlag xmlns="" xmlns:m="http://schemas.openxmlformats.org/officeDocument/2006/math" xmlns:a14="http://schemas.microsoft.com/office/drawing/2010/main" xmlns:ma14="http://schemas.microsoft.com/office/mac/drawingml/2011/main" val="1"/>
             </a:ext>
           </a:extLst>
         </p:spPr>
@@ -6911,7 +6925,7 @@
           </a:ln>
           <a:extLst>
             <a:ext uri="{C572A759-6A51-4108-AA02-DFA0A04FC94B}">
-              <ma14:wrappingTextBoxFlag xmlns:ma14="http://schemas.microsoft.com/office/mac/drawingml/2011/main" xmlns:a14="http://schemas.microsoft.com/office/drawing/2010/main" xmlns:m="http://schemas.openxmlformats.org/officeDocument/2006/math" xmlns="" val="1"/>
+              <ma14:wrappingTextBoxFlag xmlns="" xmlns:m="http://schemas.openxmlformats.org/officeDocument/2006/math" xmlns:a14="http://schemas.microsoft.com/office/drawing/2010/main" xmlns:ma14="http://schemas.microsoft.com/office/mac/drawingml/2011/main" val="1"/>
             </a:ext>
           </a:extLst>
         </p:spPr>
@@ -7308,7 +7322,7 @@
           </a:ln>
           <a:extLst>
             <a:ext uri="{C572A759-6A51-4108-AA02-DFA0A04FC94B}">
-              <ma14:wrappingTextBoxFlag xmlns:ma14="http://schemas.microsoft.com/office/mac/drawingml/2011/main" xmlns:a14="http://schemas.microsoft.com/office/drawing/2010/main" xmlns:m="http://schemas.openxmlformats.org/officeDocument/2006/math" xmlns="" val="1"/>
+              <ma14:wrappingTextBoxFlag xmlns="" xmlns:m="http://schemas.openxmlformats.org/officeDocument/2006/math" xmlns:a14="http://schemas.microsoft.com/office/drawing/2010/main" xmlns:ma14="http://schemas.microsoft.com/office/mac/drawingml/2011/main" val="1"/>
             </a:ext>
           </a:extLst>
         </p:spPr>
@@ -7358,7 +7372,7 @@
           </a:ln>
           <a:extLst>
             <a:ext uri="{C572A759-6A51-4108-AA02-DFA0A04FC94B}">
-              <ma14:wrappingTextBoxFlag xmlns:ma14="http://schemas.microsoft.com/office/mac/drawingml/2011/main" xmlns:a14="http://schemas.microsoft.com/office/drawing/2010/main" xmlns:m="http://schemas.openxmlformats.org/officeDocument/2006/math" xmlns="" val="1"/>
+              <ma14:wrappingTextBoxFlag xmlns="" xmlns:m="http://schemas.openxmlformats.org/officeDocument/2006/math" xmlns:a14="http://schemas.microsoft.com/office/drawing/2010/main" xmlns:ma14="http://schemas.microsoft.com/office/mac/drawingml/2011/main" val="1"/>
             </a:ext>
           </a:extLst>
         </p:spPr>
@@ -7720,7 +7734,7 @@
           </a:ln>
           <a:extLst>
             <a:ext uri="{C572A759-6A51-4108-AA02-DFA0A04FC94B}">
-              <ma14:wrappingTextBoxFlag xmlns:ma14="http://schemas.microsoft.com/office/mac/drawingml/2011/main" xmlns:a14="http://schemas.microsoft.com/office/drawing/2010/main" xmlns:m="http://schemas.openxmlformats.org/officeDocument/2006/math" xmlns="" val="1"/>
+              <ma14:wrappingTextBoxFlag xmlns="" xmlns:m="http://schemas.openxmlformats.org/officeDocument/2006/math" xmlns:a14="http://schemas.microsoft.com/office/drawing/2010/main" xmlns:ma14="http://schemas.microsoft.com/office/mac/drawingml/2011/main" val="1"/>
             </a:ext>
           </a:extLst>
         </p:spPr>
@@ -7767,7 +7781,7 @@
           </a:ln>
           <a:extLst>
             <a:ext uri="{C572A759-6A51-4108-AA02-DFA0A04FC94B}">
-              <ma14:wrappingTextBoxFlag xmlns:ma14="http://schemas.microsoft.com/office/mac/drawingml/2011/main" xmlns:a14="http://schemas.microsoft.com/office/drawing/2010/main" xmlns:m="http://schemas.openxmlformats.org/officeDocument/2006/math" xmlns="" val="1"/>
+              <ma14:wrappingTextBoxFlag xmlns="" xmlns:m="http://schemas.openxmlformats.org/officeDocument/2006/math" xmlns:a14="http://schemas.microsoft.com/office/drawing/2010/main" xmlns:ma14="http://schemas.microsoft.com/office/mac/drawingml/2011/main" val="1"/>
             </a:ext>
           </a:extLst>
         </p:spPr>
@@ -7831,7 +7845,7 @@
           </a:ln>
           <a:extLst>
             <a:ext uri="{C572A759-6A51-4108-AA02-DFA0A04FC94B}">
-              <ma14:wrappingTextBoxFlag xmlns:ma14="http://schemas.microsoft.com/office/mac/drawingml/2011/main" xmlns:a14="http://schemas.microsoft.com/office/drawing/2010/main" xmlns:m="http://schemas.openxmlformats.org/officeDocument/2006/math" xmlns="" val="1"/>
+              <ma14:wrappingTextBoxFlag xmlns="" xmlns:m="http://schemas.openxmlformats.org/officeDocument/2006/math" xmlns:a14="http://schemas.microsoft.com/office/drawing/2010/main" xmlns:ma14="http://schemas.microsoft.com/office/mac/drawingml/2011/main" val="1"/>
             </a:ext>
           </a:extLst>
         </p:spPr>
@@ -7878,7 +7892,7 @@
           </a:ln>
           <a:extLst>
             <a:ext uri="{C572A759-6A51-4108-AA02-DFA0A04FC94B}">
-              <ma14:wrappingTextBoxFlag xmlns:ma14="http://schemas.microsoft.com/office/mac/drawingml/2011/main" xmlns:a14="http://schemas.microsoft.com/office/drawing/2010/main" xmlns:m="http://schemas.openxmlformats.org/officeDocument/2006/math" xmlns="" val="1"/>
+              <ma14:wrappingTextBoxFlag xmlns="" xmlns:m="http://schemas.openxmlformats.org/officeDocument/2006/math" xmlns:a14="http://schemas.microsoft.com/office/drawing/2010/main" xmlns:ma14="http://schemas.microsoft.com/office/mac/drawingml/2011/main" val="1"/>
             </a:ext>
           </a:extLst>
         </p:spPr>
@@ -7929,7 +7943,7 @@
           </a:ln>
           <a:extLst>
             <a:ext uri="{C572A759-6A51-4108-AA02-DFA0A04FC94B}">
-              <ma14:wrappingTextBoxFlag xmlns:ma14="http://schemas.microsoft.com/office/mac/drawingml/2011/main" xmlns:a14="http://schemas.microsoft.com/office/drawing/2010/main" xmlns:m="http://schemas.openxmlformats.org/officeDocument/2006/math" xmlns="" val="1"/>
+              <ma14:wrappingTextBoxFlag xmlns="" xmlns:m="http://schemas.openxmlformats.org/officeDocument/2006/math" xmlns:a14="http://schemas.microsoft.com/office/drawing/2010/main" xmlns:ma14="http://schemas.microsoft.com/office/mac/drawingml/2011/main" val="1"/>
             </a:ext>
           </a:extLst>
         </p:spPr>
@@ -7973,7 +7987,7 @@
           </a:ln>
           <a:extLst>
             <a:ext uri="{C572A759-6A51-4108-AA02-DFA0A04FC94B}">
-              <ma14:wrappingTextBoxFlag xmlns:ma14="http://schemas.microsoft.com/office/mac/drawingml/2011/main" xmlns:a14="http://schemas.microsoft.com/office/drawing/2010/main" xmlns:m="http://schemas.openxmlformats.org/officeDocument/2006/math" xmlns="" val="1"/>
+              <ma14:wrappingTextBoxFlag xmlns="" xmlns:m="http://schemas.openxmlformats.org/officeDocument/2006/math" xmlns:a14="http://schemas.microsoft.com/office/drawing/2010/main" xmlns:ma14="http://schemas.microsoft.com/office/mac/drawingml/2011/main" val="1"/>
             </a:ext>
           </a:extLst>
         </p:spPr>
@@ -8024,7 +8038,7 @@
           </a:ln>
           <a:extLst>
             <a:ext uri="{C572A759-6A51-4108-AA02-DFA0A04FC94B}">
-              <ma14:wrappingTextBoxFlag xmlns:ma14="http://schemas.microsoft.com/office/mac/drawingml/2011/main" xmlns:a14="http://schemas.microsoft.com/office/drawing/2010/main" xmlns:m="http://schemas.openxmlformats.org/officeDocument/2006/math" xmlns="" val="1"/>
+              <ma14:wrappingTextBoxFlag xmlns="" xmlns:m="http://schemas.openxmlformats.org/officeDocument/2006/math" xmlns:a14="http://schemas.microsoft.com/office/drawing/2010/main" xmlns:ma14="http://schemas.microsoft.com/office/mac/drawingml/2011/main" val="1"/>
             </a:ext>
           </a:extLst>
         </p:spPr>
@@ -8100,7 +8114,7 @@
           </a:ln>
           <a:extLst>
             <a:ext uri="{C572A759-6A51-4108-AA02-DFA0A04FC94B}">
-              <ma14:wrappingTextBoxFlag xmlns:ma14="http://schemas.microsoft.com/office/mac/drawingml/2011/main" xmlns:a14="http://schemas.microsoft.com/office/drawing/2010/main" xmlns:m="http://schemas.openxmlformats.org/officeDocument/2006/math" xmlns="" val="1"/>
+              <ma14:wrappingTextBoxFlag xmlns="" xmlns:m="http://schemas.openxmlformats.org/officeDocument/2006/math" xmlns:a14="http://schemas.microsoft.com/office/drawing/2010/main" xmlns:ma14="http://schemas.microsoft.com/office/mac/drawingml/2011/main" val="1"/>
             </a:ext>
           </a:extLst>
         </p:spPr>
@@ -8150,7 +8164,7 @@
           </a:ln>
           <a:extLst>
             <a:ext uri="{C572A759-6A51-4108-AA02-DFA0A04FC94B}">
-              <ma14:wrappingTextBoxFlag xmlns:ma14="http://schemas.microsoft.com/office/mac/drawingml/2011/main" xmlns:a14="http://schemas.microsoft.com/office/drawing/2010/main" xmlns:m="http://schemas.openxmlformats.org/officeDocument/2006/math" xmlns="" val="1"/>
+              <ma14:wrappingTextBoxFlag xmlns="" xmlns:m="http://schemas.openxmlformats.org/officeDocument/2006/math" xmlns:a14="http://schemas.microsoft.com/office/drawing/2010/main" xmlns:ma14="http://schemas.microsoft.com/office/mac/drawingml/2011/main" val="1"/>
             </a:ext>
           </a:extLst>
         </p:spPr>
@@ -8197,7 +8211,7 @@
           </a:ln>
           <a:extLst>
             <a:ext uri="{C572A759-6A51-4108-AA02-DFA0A04FC94B}">
-              <ma14:wrappingTextBoxFlag xmlns:ma14="http://schemas.microsoft.com/office/mac/drawingml/2011/main" xmlns:a14="http://schemas.microsoft.com/office/drawing/2010/main" xmlns:m="http://schemas.openxmlformats.org/officeDocument/2006/math" xmlns="" val="1"/>
+              <ma14:wrappingTextBoxFlag xmlns="" xmlns:m="http://schemas.openxmlformats.org/officeDocument/2006/math" xmlns:a14="http://schemas.microsoft.com/office/drawing/2010/main" xmlns:ma14="http://schemas.microsoft.com/office/mac/drawingml/2011/main" val="1"/>
             </a:ext>
           </a:extLst>
         </p:spPr>
@@ -8255,7 +8269,7 @@
           </a:ln>
           <a:extLst>
             <a:ext uri="{C572A759-6A51-4108-AA02-DFA0A04FC94B}">
-              <ma14:wrappingTextBoxFlag xmlns:ma14="http://schemas.microsoft.com/office/mac/drawingml/2011/main" xmlns:a14="http://schemas.microsoft.com/office/drawing/2010/main" xmlns:m="http://schemas.openxmlformats.org/officeDocument/2006/math" xmlns="" val="1"/>
+              <ma14:wrappingTextBoxFlag xmlns="" xmlns:m="http://schemas.openxmlformats.org/officeDocument/2006/math" xmlns:a14="http://schemas.microsoft.com/office/drawing/2010/main" xmlns:ma14="http://schemas.microsoft.com/office/mac/drawingml/2011/main" val="1"/>
             </a:ext>
           </a:extLst>
         </p:spPr>
@@ -8302,7 +8316,7 @@
           </a:ln>
           <a:extLst>
             <a:ext uri="{C572A759-6A51-4108-AA02-DFA0A04FC94B}">
-              <ma14:wrappingTextBoxFlag xmlns:ma14="http://schemas.microsoft.com/office/mac/drawingml/2011/main" xmlns:a14="http://schemas.microsoft.com/office/drawing/2010/main" xmlns:m="http://schemas.openxmlformats.org/officeDocument/2006/math" xmlns="" val="1"/>
+              <ma14:wrappingTextBoxFlag xmlns="" xmlns:m="http://schemas.openxmlformats.org/officeDocument/2006/math" xmlns:a14="http://schemas.microsoft.com/office/drawing/2010/main" xmlns:ma14="http://schemas.microsoft.com/office/mac/drawingml/2011/main" val="1"/>
             </a:ext>
           </a:extLst>
         </p:spPr>
@@ -8412,7 +8426,7 @@
           </a:ln>
           <a:extLst>
             <a:ext uri="{C572A759-6A51-4108-AA02-DFA0A04FC94B}">
-              <ma14:wrappingTextBoxFlag xmlns:ma14="http://schemas.microsoft.com/office/mac/drawingml/2011/main" xmlns:a14="http://schemas.microsoft.com/office/drawing/2010/main" xmlns:m="http://schemas.openxmlformats.org/officeDocument/2006/math" xmlns="" val="1"/>
+              <ma14:wrappingTextBoxFlag xmlns="" xmlns:m="http://schemas.openxmlformats.org/officeDocument/2006/math" xmlns:a14="http://schemas.microsoft.com/office/drawing/2010/main" xmlns:ma14="http://schemas.microsoft.com/office/mac/drawingml/2011/main" val="1"/>
             </a:ext>
           </a:extLst>
         </p:spPr>
@@ -8462,7 +8476,7 @@
           </a:ln>
           <a:extLst>
             <a:ext uri="{C572A759-6A51-4108-AA02-DFA0A04FC94B}">
-              <ma14:wrappingTextBoxFlag xmlns:ma14="http://schemas.microsoft.com/office/mac/drawingml/2011/main" xmlns:a14="http://schemas.microsoft.com/office/drawing/2010/main" xmlns:m="http://schemas.openxmlformats.org/officeDocument/2006/math" xmlns="" val="1"/>
+              <ma14:wrappingTextBoxFlag xmlns="" xmlns:m="http://schemas.openxmlformats.org/officeDocument/2006/math" xmlns:a14="http://schemas.microsoft.com/office/drawing/2010/main" xmlns:ma14="http://schemas.microsoft.com/office/mac/drawingml/2011/main" val="1"/>
             </a:ext>
           </a:extLst>
         </p:spPr>
@@ -8689,7 +8703,7 @@
           </a:ln>
           <a:extLst>
             <a:ext uri="{C572A759-6A51-4108-AA02-DFA0A04FC94B}">
-              <ma14:wrappingTextBoxFlag xmlns:ma14="http://schemas.microsoft.com/office/mac/drawingml/2011/main" xmlns:a14="http://schemas.microsoft.com/office/drawing/2010/main" xmlns:m="http://schemas.openxmlformats.org/officeDocument/2006/math" xmlns="" val="1"/>
+              <ma14:wrappingTextBoxFlag xmlns="" xmlns:m="http://schemas.openxmlformats.org/officeDocument/2006/math" xmlns:a14="http://schemas.microsoft.com/office/drawing/2010/main" xmlns:ma14="http://schemas.microsoft.com/office/mac/drawingml/2011/main" val="1"/>
             </a:ext>
           </a:extLst>
         </p:spPr>
@@ -9068,7 +9082,7 @@
           </a:ln>
           <a:extLst>
             <a:ext uri="{C572A759-6A51-4108-AA02-DFA0A04FC94B}">
-              <ma14:wrappingTextBoxFlag xmlns:ma14="http://schemas.microsoft.com/office/mac/drawingml/2011/main" xmlns:a14="http://schemas.microsoft.com/office/drawing/2010/main" xmlns:m="http://schemas.openxmlformats.org/officeDocument/2006/math" xmlns="" val="1"/>
+              <ma14:wrappingTextBoxFlag xmlns="" xmlns:m="http://schemas.openxmlformats.org/officeDocument/2006/math" xmlns:a14="http://schemas.microsoft.com/office/drawing/2010/main" xmlns:ma14="http://schemas.microsoft.com/office/mac/drawingml/2011/main" val="1"/>
             </a:ext>
           </a:extLst>
         </p:spPr>
@@ -9379,7 +9393,7 @@
           </a:ln>
           <a:extLst>
             <a:ext uri="{C572A759-6A51-4108-AA02-DFA0A04FC94B}">
-              <ma14:wrappingTextBoxFlag xmlns:ma14="http://schemas.microsoft.com/office/mac/drawingml/2011/main" xmlns:a14="http://schemas.microsoft.com/office/drawing/2010/main" xmlns:m="http://schemas.openxmlformats.org/officeDocument/2006/math" xmlns="" val="1"/>
+              <ma14:wrappingTextBoxFlag xmlns="" xmlns:m="http://schemas.openxmlformats.org/officeDocument/2006/math" xmlns:a14="http://schemas.microsoft.com/office/drawing/2010/main" xmlns:ma14="http://schemas.microsoft.com/office/mac/drawingml/2011/main" val="1"/>
             </a:ext>
           </a:extLst>
         </p:spPr>
@@ -9721,7 +9735,7 @@
           </a:ln>
           <a:extLst>
             <a:ext uri="{C572A759-6A51-4108-AA02-DFA0A04FC94B}">
-              <ma14:wrappingTextBoxFlag xmlns:ma14="http://schemas.microsoft.com/office/mac/drawingml/2011/main" xmlns:a14="http://schemas.microsoft.com/office/drawing/2010/main" xmlns:m="http://schemas.openxmlformats.org/officeDocument/2006/math" xmlns="" val="1"/>
+              <ma14:wrappingTextBoxFlag xmlns="" xmlns:m="http://schemas.openxmlformats.org/officeDocument/2006/math" xmlns:a14="http://schemas.microsoft.com/office/drawing/2010/main" xmlns:ma14="http://schemas.microsoft.com/office/mac/drawingml/2011/main" val="1"/>
             </a:ext>
           </a:extLst>
         </p:spPr>
@@ -10045,7 +10059,7 @@
           </a:ln>
           <a:extLst>
             <a:ext uri="{C572A759-6A51-4108-AA02-DFA0A04FC94B}">
-              <ma14:wrappingTextBoxFlag xmlns:ma14="http://schemas.microsoft.com/office/mac/drawingml/2011/main" xmlns:a14="http://schemas.microsoft.com/office/drawing/2010/main" xmlns:m="http://schemas.openxmlformats.org/officeDocument/2006/math" xmlns="" val="1"/>
+              <ma14:wrappingTextBoxFlag xmlns="" xmlns:m="http://schemas.openxmlformats.org/officeDocument/2006/math" xmlns:a14="http://schemas.microsoft.com/office/drawing/2010/main" xmlns:ma14="http://schemas.microsoft.com/office/mac/drawingml/2011/main" val="1"/>
             </a:ext>
           </a:extLst>
         </p:spPr>
@@ -10318,7 +10332,24 @@
               <a:defRPr sz="2600"/>
             </a:pPr>
             <a:r>
-              <a:t>The dataset consist of an ongoing cardiovascular study on residents of the town of Framingham, Massachusetts.</a:t>
+              <a:rPr dirty="0"/>
+              <a:t>The dataset </a:t>
+            </a:r>
+            <a:r>
+              <a:rPr dirty="0" smtClean="0"/>
+              <a:t>consist</a:t>
+            </a:r>
+            <a:r>
+              <a:rPr lang="it-IT" smtClean="0"/>
+              <a:t>s</a:t>
+            </a:r>
+            <a:r>
+              <a:rPr smtClean="0"/>
+              <a:t> </a:t>
+            </a:r>
+            <a:r>
+              <a:rPr dirty="0"/>
+              <a:t>of an ongoing cardiovascular study on residents of the town of Framingham, Massachusetts.</a:t>
             </a:r>
           </a:p>
           <a:p>
@@ -10328,6 +10359,7 @@
               <a:defRPr sz="2600"/>
             </a:pPr>
             <a:r>
+              <a:rPr dirty="0"/>
               <a:t>We have a dataset consisting of 3749 rows and 16 columns.</a:t>
             </a:r>
           </a:p>
@@ -10337,7 +10369,7 @@
               <a:buNone/>
               <a:defRPr sz="2600"/>
             </a:pPr>
-            <a:endParaRPr/>
+            <a:endParaRPr dirty="0"/>
           </a:p>
           <a:p>
             <a:pPr marL="960119" indent="-1280159">
@@ -10346,6 +10378,7 @@
               <a:defRPr sz="2600"/>
             </a:pPr>
             <a:r>
+              <a:rPr dirty="0"/>
               <a:t>The shown attributes are divided in:</a:t>
             </a:r>
           </a:p>
@@ -10355,6 +10388,7 @@
               <a:defRPr sz="2600"/>
             </a:pPr>
             <a:r>
+              <a:rPr dirty="0"/>
               <a:t>Demographic attributes</a:t>
             </a:r>
           </a:p>
@@ -10364,6 +10398,7 @@
               <a:defRPr sz="2600"/>
             </a:pPr>
             <a:r>
+              <a:rPr dirty="0"/>
               <a:t>Behavioral attributes</a:t>
             </a:r>
           </a:p>
@@ -10373,6 +10408,7 @@
               <a:defRPr sz="2600"/>
             </a:pPr>
             <a:r>
+              <a:rPr dirty="0"/>
               <a:t>Medical attributes (history) </a:t>
             </a:r>
           </a:p>
@@ -10382,6 +10418,7 @@
               <a:defRPr sz="2600"/>
             </a:pPr>
             <a:r>
+              <a:rPr dirty="0"/>
               <a:t>Medical attributes (current)</a:t>
             </a:r>
           </a:p>
@@ -10391,6 +10428,7 @@
               <a:defRPr sz="2600"/>
             </a:pPr>
             <a:r>
+              <a:rPr dirty="0"/>
               <a:t>Predict variable (desired target)</a:t>
             </a:r>
           </a:p>
@@ -10744,7 +10782,7 @@
           </a:ln>
           <a:extLst>
             <a:ext uri="{C572A759-6A51-4108-AA02-DFA0A04FC94B}">
-              <ma14:wrappingTextBoxFlag xmlns:ma14="http://schemas.microsoft.com/office/mac/drawingml/2011/main" xmlns:a14="http://schemas.microsoft.com/office/drawing/2010/main" xmlns:m="http://schemas.openxmlformats.org/officeDocument/2006/math" xmlns="" val="1"/>
+              <ma14:wrappingTextBoxFlag xmlns="" xmlns:m="http://schemas.openxmlformats.org/officeDocument/2006/math" xmlns:a14="http://schemas.microsoft.com/office/drawing/2010/main" xmlns:ma14="http://schemas.microsoft.com/office/mac/drawingml/2011/main" val="1"/>
             </a:ext>
           </a:extLst>
         </p:spPr>
@@ -10829,7 +10867,7 @@
           </a:ln>
           <a:extLst>
             <a:ext uri="{C572A759-6A51-4108-AA02-DFA0A04FC94B}">
-              <ma14:wrappingTextBoxFlag xmlns:ma14="http://schemas.microsoft.com/office/mac/drawingml/2011/main" xmlns:a14="http://schemas.microsoft.com/office/drawing/2010/main" xmlns:m="http://schemas.openxmlformats.org/officeDocument/2006/math" xmlns="" val="1"/>
+              <ma14:wrappingTextBoxFlag xmlns="" xmlns:m="http://schemas.openxmlformats.org/officeDocument/2006/math" xmlns:a14="http://schemas.microsoft.com/office/drawing/2010/main" xmlns:ma14="http://schemas.microsoft.com/office/mac/drawingml/2011/main" val="1"/>
             </a:ext>
           </a:extLst>
         </p:spPr>
@@ -10879,7 +10917,7 @@
           </a:ln>
           <a:extLst>
             <a:ext uri="{C572A759-6A51-4108-AA02-DFA0A04FC94B}">
-              <ma14:wrappingTextBoxFlag xmlns:ma14="http://schemas.microsoft.com/office/mac/drawingml/2011/main" xmlns:a14="http://schemas.microsoft.com/office/drawing/2010/main" xmlns:m="http://schemas.openxmlformats.org/officeDocument/2006/math" xmlns="" val="1"/>
+              <ma14:wrappingTextBoxFlag xmlns="" xmlns:m="http://schemas.openxmlformats.org/officeDocument/2006/math" xmlns:a14="http://schemas.microsoft.com/office/drawing/2010/main" xmlns:ma14="http://schemas.microsoft.com/office/mac/drawingml/2011/main" val="1"/>
             </a:ext>
           </a:extLst>
         </p:spPr>
@@ -10952,7 +10990,7 @@
           </a:ln>
           <a:extLst>
             <a:ext uri="{C572A759-6A51-4108-AA02-DFA0A04FC94B}">
-              <ma14:wrappingTextBoxFlag xmlns:ma14="http://schemas.microsoft.com/office/mac/drawingml/2011/main" xmlns:a14="http://schemas.microsoft.com/office/drawing/2010/main" xmlns:m="http://schemas.openxmlformats.org/officeDocument/2006/math" xmlns="" val="1"/>
+              <ma14:wrappingTextBoxFlag xmlns="" xmlns:m="http://schemas.openxmlformats.org/officeDocument/2006/math" xmlns:a14="http://schemas.microsoft.com/office/drawing/2010/main" xmlns:ma14="http://schemas.microsoft.com/office/mac/drawingml/2011/main" val="1"/>
             </a:ext>
           </a:extLst>
         </p:spPr>
@@ -11105,7 +11143,7 @@
           </a:ln>
           <a:extLst>
             <a:ext uri="{C572A759-6A51-4108-AA02-DFA0A04FC94B}">
-              <ma14:wrappingTextBoxFlag xmlns:ma14="http://schemas.microsoft.com/office/mac/drawingml/2011/main" xmlns:a14="http://schemas.microsoft.com/office/drawing/2010/main" xmlns:m="http://schemas.openxmlformats.org/officeDocument/2006/math" xmlns="" val="1"/>
+              <ma14:wrappingTextBoxFlag xmlns="" xmlns:m="http://schemas.openxmlformats.org/officeDocument/2006/math" xmlns:a14="http://schemas.microsoft.com/office/drawing/2010/main" xmlns:ma14="http://schemas.microsoft.com/office/mac/drawingml/2011/main" val="1"/>
             </a:ext>
           </a:extLst>
         </p:spPr>
@@ -11259,7 +11297,7 @@
           </a:ln>
           <a:extLst>
             <a:ext uri="{C572A759-6A51-4108-AA02-DFA0A04FC94B}">
-              <ma14:wrappingTextBoxFlag xmlns:ma14="http://schemas.microsoft.com/office/mac/drawingml/2011/main" xmlns:a14="http://schemas.microsoft.com/office/drawing/2010/main" xmlns:m="http://schemas.openxmlformats.org/officeDocument/2006/math" xmlns="" val="1"/>
+              <ma14:wrappingTextBoxFlag xmlns="" xmlns:m="http://schemas.openxmlformats.org/officeDocument/2006/math" xmlns:a14="http://schemas.microsoft.com/office/drawing/2010/main" xmlns:ma14="http://schemas.microsoft.com/office/mac/drawingml/2011/main" val="1"/>
             </a:ext>
           </a:extLst>
         </p:spPr>
@@ -11303,7 +11341,7 @@
           </a:ln>
           <a:extLst>
             <a:ext uri="{C572A759-6A51-4108-AA02-DFA0A04FC94B}">
-              <ma14:wrappingTextBoxFlag xmlns:ma14="http://schemas.microsoft.com/office/mac/drawingml/2011/main" xmlns:a14="http://schemas.microsoft.com/office/drawing/2010/main" xmlns:m="http://schemas.openxmlformats.org/officeDocument/2006/math" xmlns="" val="1"/>
+              <ma14:wrappingTextBoxFlag xmlns="" xmlns:m="http://schemas.openxmlformats.org/officeDocument/2006/math" xmlns:a14="http://schemas.microsoft.com/office/drawing/2010/main" xmlns:ma14="http://schemas.microsoft.com/office/mac/drawingml/2011/main" val="1"/>
             </a:ext>
           </a:extLst>
         </p:spPr>
@@ -11420,7 +11458,7 @@
           </a:ln>
           <a:extLst>
             <a:ext uri="{C572A759-6A51-4108-AA02-DFA0A04FC94B}">
-              <ma14:wrappingTextBoxFlag xmlns:ma14="http://schemas.microsoft.com/office/mac/drawingml/2011/main" xmlns:a14="http://schemas.microsoft.com/office/drawing/2010/main" xmlns:m="http://schemas.openxmlformats.org/officeDocument/2006/math" xmlns="" val="1"/>
+              <ma14:wrappingTextBoxFlag xmlns="" xmlns:m="http://schemas.openxmlformats.org/officeDocument/2006/math" xmlns:a14="http://schemas.microsoft.com/office/drawing/2010/main" xmlns:ma14="http://schemas.microsoft.com/office/mac/drawingml/2011/main" val="1"/>
             </a:ext>
           </a:extLst>
         </p:spPr>
@@ -11493,7 +11531,7 @@
           </a:ln>
           <a:extLst>
             <a:ext uri="{C572A759-6A51-4108-AA02-DFA0A04FC94B}">
-              <ma14:wrappingTextBoxFlag xmlns:ma14="http://schemas.microsoft.com/office/mac/drawingml/2011/main" xmlns:a14="http://schemas.microsoft.com/office/drawing/2010/main" xmlns:m="http://schemas.openxmlformats.org/officeDocument/2006/math" xmlns="" val="1"/>
+              <ma14:wrappingTextBoxFlag xmlns="" xmlns:m="http://schemas.openxmlformats.org/officeDocument/2006/math" xmlns:a14="http://schemas.microsoft.com/office/drawing/2010/main" xmlns:ma14="http://schemas.microsoft.com/office/mac/drawingml/2011/main" val="1"/>
             </a:ext>
           </a:extLst>
         </p:spPr>

--- a/Prova.pptx
+++ b/Prova.pptx
@@ -5,7 +5,7 @@
     <p:sldMasterId id="2147483648" r:id="rId1"/>
   </p:sldMasterIdLst>
   <p:notesMasterIdLst>
-    <p:notesMasterId r:id="rId33"/>
+    <p:notesMasterId r:id="rId34"/>
   </p:notesMasterIdLst>
   <p:sldIdLst>
     <p:sldId id="256" r:id="rId2"/>
@@ -39,6 +39,7 @@
     <p:sldId id="284" r:id="rId30"/>
     <p:sldId id="285" r:id="rId31"/>
     <p:sldId id="286" r:id="rId32"/>
+    <p:sldId id="287" r:id="rId33"/>
   </p:sldIdLst>
   <p:sldSz cx="9144000" cy="6858000" type="screen4x3"/>
   <p:notesSz cx="6858000" cy="9144000"/>
@@ -340,6 +341,22 @@
       </a:defRPr>
     </a:lvl9pPr>
   </p:defaultTextStyle>
+  <p:extLst>
+    <p:ext uri="{EFAFB233-063F-42B5-8137-9DF3F51BA10A}">
+      <p15:sldGuideLst xmlns:p15="http://schemas.microsoft.com/office/powerpoint/2012/main">
+        <p15:guide id="1" orient="horz" pos="2160">
+          <p15:clr>
+            <a:srgbClr val="A4A3A4"/>
+          </p15:clr>
+        </p15:guide>
+        <p15:guide id="2" pos="2880">
+          <p15:clr>
+            <a:srgbClr val="A4A3A4"/>
+          </p15:clr>
+        </p15:guide>
+      </p15:sldGuideLst>
+    </p:ext>
+  </p:extLst>
 </p:presentation>
 </file>
 
@@ -762,7 +779,7 @@
             <a:fld id="{86CB4B4D-7CA3-9044-876B-883B54F8677D}" type="slidenum">
               <a:rPr/>
               <a:pPr/>
-              <a:t>‹N›</a:t>
+              <a:t>‹#›</a:t>
             </a:fld>
             <a:endParaRPr/>
           </a:p>
@@ -890,7 +907,7 @@
             <a:fld id="{86CB4B4D-7CA3-9044-876B-883B54F8677D}" type="slidenum">
               <a:rPr/>
               <a:pPr/>
-              <a:t>‹N›</a:t>
+              <a:t>‹#›</a:t>
             </a:fld>
             <a:endParaRPr/>
           </a:p>
@@ -1168,7 +1185,7 @@
             <a:fld id="{86CB4B4D-7CA3-9044-876B-883B54F8677D}" type="slidenum">
               <a:rPr/>
               <a:pPr/>
-              <a:t>‹N›</a:t>
+              <a:t>‹#›</a:t>
             </a:fld>
             <a:endParaRPr/>
           </a:p>
@@ -1320,7 +1337,7 @@
             <a:fld id="{86CB4B4D-7CA3-9044-876B-883B54F8677D}" type="slidenum">
               <a:rPr/>
               <a:pPr/>
-              <a:t>‹N›</a:t>
+              <a:t>‹#›</a:t>
             </a:fld>
             <a:endParaRPr/>
           </a:p>
@@ -1514,7 +1531,7 @@
             <a:fld id="{86CB4B4D-7CA3-9044-876B-883B54F8677D}" type="slidenum">
               <a:rPr/>
               <a:pPr/>
-              <a:t>‹N›</a:t>
+              <a:t>‹#›</a:t>
             </a:fld>
             <a:endParaRPr/>
           </a:p>
@@ -1597,7 +1614,7 @@
             <a:fld id="{86CB4B4D-7CA3-9044-876B-883B54F8677D}" type="slidenum">
               <a:rPr/>
               <a:pPr/>
-              <a:t>‹N›</a:t>
+              <a:t>‹#›</a:t>
             </a:fld>
             <a:endParaRPr/>
           </a:p>
@@ -1651,7 +1668,7 @@
             <a:fld id="{86CB4B4D-7CA3-9044-876B-883B54F8677D}" type="slidenum">
               <a:rPr/>
               <a:pPr/>
-              <a:t>‹N›</a:t>
+              <a:t>‹#›</a:t>
             </a:fld>
             <a:endParaRPr/>
           </a:p>
@@ -1898,7 +1915,7 @@
             <a:fld id="{86CB4B4D-7CA3-9044-876B-883B54F8677D}" type="slidenum">
               <a:rPr/>
               <a:pPr/>
-              <a:t>‹N›</a:t>
+              <a:t>‹#›</a:t>
             </a:fld>
             <a:endParaRPr/>
           </a:p>
@@ -2182,7 +2199,7 @@
             <a:fld id="{86CB4B4D-7CA3-9044-876B-883B54F8677D}" type="slidenum">
               <a:rPr/>
               <a:pPr/>
-              <a:t>‹N›</a:t>
+              <a:t>‹#›</a:t>
             </a:fld>
             <a:endParaRPr/>
           </a:p>
@@ -2332,7 +2349,7 @@
           </a:ln>
           <a:extLst>
             <a:ext uri="{C572A759-6A51-4108-AA02-DFA0A04FC94B}">
-              <ma14:wrappingTextBoxFlag xmlns="" xmlns:m="http://schemas.openxmlformats.org/officeDocument/2006/math" xmlns:a14="http://schemas.microsoft.com/office/drawing/2010/main" xmlns:ma14="http://schemas.microsoft.com/office/mac/drawingml/2011/main" val="1"/>
+              <ma14:wrappingTextBoxFlag xmlns:ma14="http://schemas.microsoft.com/office/mac/drawingml/2011/main" xmlns:a14="http://schemas.microsoft.com/office/drawing/2010/main" xmlns:m="http://schemas.openxmlformats.org/officeDocument/2006/math" xmlns="" val="1"/>
             </a:ext>
           </a:extLst>
         </p:spPr>
@@ -2371,7 +2388,7 @@
           </a:ln>
           <a:extLst>
             <a:ext uri="{C572A759-6A51-4108-AA02-DFA0A04FC94B}">
-              <ma14:wrappingTextBoxFlag xmlns="" xmlns:m="http://schemas.openxmlformats.org/officeDocument/2006/math" xmlns:a14="http://schemas.microsoft.com/office/drawing/2010/main" xmlns:ma14="http://schemas.microsoft.com/office/mac/drawingml/2011/main" val="1"/>
+              <ma14:wrappingTextBoxFlag xmlns:ma14="http://schemas.microsoft.com/office/mac/drawingml/2011/main" xmlns:a14="http://schemas.microsoft.com/office/drawing/2010/main" xmlns:m="http://schemas.openxmlformats.org/officeDocument/2006/math" xmlns="" val="1"/>
             </a:ext>
           </a:extLst>
         </p:spPr>
@@ -2454,7 +2471,7 @@
             <a:fld id="{86CB4B4D-7CA3-9044-876B-883B54F8677D}" type="slidenum">
               <a:rPr/>
               <a:pPr/>
-              <a:t>‹N›</a:t>
+              <a:t>‹#›</a:t>
             </a:fld>
             <a:endParaRPr/>
           </a:p>
@@ -3316,7 +3333,7 @@
           </a:ln>
           <a:extLst>
             <a:ext uri="{C572A759-6A51-4108-AA02-DFA0A04FC94B}">
-              <ma14:wrappingTextBoxFlag xmlns="" xmlns:m="http://schemas.openxmlformats.org/officeDocument/2006/math" xmlns:a14="http://schemas.microsoft.com/office/drawing/2010/main" xmlns:ma14="http://schemas.microsoft.com/office/mac/drawingml/2011/main" val="1"/>
+              <ma14:wrappingTextBoxFlag xmlns:ma14="http://schemas.microsoft.com/office/mac/drawingml/2011/main" xmlns:a14="http://schemas.microsoft.com/office/drawing/2010/main" xmlns:m="http://schemas.openxmlformats.org/officeDocument/2006/math" xmlns="" val="1"/>
             </a:ext>
           </a:extLst>
         </p:spPr>
@@ -3372,7 +3389,7 @@
           </a:ln>
           <a:extLst>
             <a:ext uri="{C572A759-6A51-4108-AA02-DFA0A04FC94B}">
-              <ma14:wrappingTextBoxFlag xmlns="" xmlns:m="http://schemas.openxmlformats.org/officeDocument/2006/math" xmlns:a14="http://schemas.microsoft.com/office/drawing/2010/main" xmlns:ma14="http://schemas.microsoft.com/office/mac/drawingml/2011/main" val="1"/>
+              <ma14:wrappingTextBoxFlag xmlns:ma14="http://schemas.microsoft.com/office/mac/drawingml/2011/main" xmlns:a14="http://schemas.microsoft.com/office/drawing/2010/main" xmlns:m="http://schemas.openxmlformats.org/officeDocument/2006/math" xmlns="" val="1"/>
             </a:ext>
           </a:extLst>
         </p:spPr>
@@ -3406,13 +3423,6 @@
     <a:masterClrMapping/>
   </p:clrMapOvr>
   <p:transition spd="med"/>
-  <p:timing>
-    <p:tnLst>
-      <p:par>
-        <p:cTn id="1" dur="indefinite" restart="never" nodeType="tmRoot"/>
-      </p:par>
-    </p:tnLst>
-  </p:timing>
 </p:sld>
 </file>
 
@@ -3496,7 +3506,7 @@
           </a:ln>
           <a:extLst>
             <a:ext uri="{C572A759-6A51-4108-AA02-DFA0A04FC94B}">
-              <ma14:wrappingTextBoxFlag xmlns="" xmlns:m="http://schemas.openxmlformats.org/officeDocument/2006/math" xmlns:a14="http://schemas.microsoft.com/office/drawing/2010/main" xmlns:ma14="http://schemas.microsoft.com/office/mac/drawingml/2011/main" val="1"/>
+              <ma14:wrappingTextBoxFlag xmlns:ma14="http://schemas.microsoft.com/office/mac/drawingml/2011/main" xmlns:a14="http://schemas.microsoft.com/office/drawing/2010/main" xmlns:m="http://schemas.openxmlformats.org/officeDocument/2006/math" xmlns="" val="1"/>
             </a:ext>
           </a:extLst>
         </p:spPr>
@@ -3530,9 +3540,7 @@
           <p:nvPr/>
         </p:nvPicPr>
         <p:blipFill>
-          <a:blip r:embed="rId2" cstate="print">
-            <a:extLst/>
-          </a:blip>
+          <a:blip r:embed="rId2" cstate="print"/>
           <a:stretch>
             <a:fillRect/>
           </a:stretch>
@@ -3569,7 +3577,7 @@
           </a:ln>
           <a:extLst>
             <a:ext uri="{C572A759-6A51-4108-AA02-DFA0A04FC94B}">
-              <ma14:wrappingTextBoxFlag xmlns="" xmlns:m="http://schemas.openxmlformats.org/officeDocument/2006/math" xmlns:a14="http://schemas.microsoft.com/office/drawing/2010/main" xmlns:ma14="http://schemas.microsoft.com/office/mac/drawingml/2011/main" val="1"/>
+              <ma14:wrappingTextBoxFlag xmlns:ma14="http://schemas.microsoft.com/office/mac/drawingml/2011/main" xmlns:a14="http://schemas.microsoft.com/office/drawing/2010/main" xmlns:m="http://schemas.openxmlformats.org/officeDocument/2006/math" xmlns="" val="1"/>
             </a:ext>
           </a:extLst>
         </p:spPr>
@@ -3679,13 +3687,6 @@
     <a:masterClrMapping/>
   </p:clrMapOvr>
   <p:transition spd="med"/>
-  <p:timing>
-    <p:tnLst>
-      <p:par>
-        <p:cTn id="1" dur="indefinite" restart="never" nodeType="tmRoot"/>
-      </p:par>
-    </p:tnLst>
-  </p:timing>
 </p:sld>
 </file>
 
@@ -3769,7 +3770,7 @@
           </a:ln>
           <a:extLst>
             <a:ext uri="{C572A759-6A51-4108-AA02-DFA0A04FC94B}">
-              <ma14:wrappingTextBoxFlag xmlns="" xmlns:m="http://schemas.openxmlformats.org/officeDocument/2006/math" xmlns:a14="http://schemas.microsoft.com/office/drawing/2010/main" xmlns:ma14="http://schemas.microsoft.com/office/mac/drawingml/2011/main" val="1"/>
+              <ma14:wrappingTextBoxFlag xmlns:ma14="http://schemas.microsoft.com/office/mac/drawingml/2011/main" xmlns:a14="http://schemas.microsoft.com/office/drawing/2010/main" xmlns:m="http://schemas.openxmlformats.org/officeDocument/2006/math" xmlns="" val="1"/>
             </a:ext>
           </a:extLst>
         </p:spPr>
@@ -3816,7 +3817,7 @@
           </a:ln>
           <a:extLst>
             <a:ext uri="{C572A759-6A51-4108-AA02-DFA0A04FC94B}">
-              <ma14:wrappingTextBoxFlag xmlns="" xmlns:m="http://schemas.openxmlformats.org/officeDocument/2006/math" xmlns:a14="http://schemas.microsoft.com/office/drawing/2010/main" xmlns:ma14="http://schemas.microsoft.com/office/mac/drawingml/2011/main" val="1"/>
+              <ma14:wrappingTextBoxFlag xmlns:ma14="http://schemas.microsoft.com/office/mac/drawingml/2011/main" xmlns:a14="http://schemas.microsoft.com/office/drawing/2010/main" xmlns:m="http://schemas.openxmlformats.org/officeDocument/2006/math" xmlns="" val="1"/>
             </a:ext>
           </a:extLst>
         </p:spPr>
@@ -3880,7 +3881,7 @@
           </a:ln>
           <a:extLst>
             <a:ext uri="{C572A759-6A51-4108-AA02-DFA0A04FC94B}">
-              <ma14:wrappingTextBoxFlag xmlns="" xmlns:m="http://schemas.openxmlformats.org/officeDocument/2006/math" xmlns:a14="http://schemas.microsoft.com/office/drawing/2010/main" xmlns:ma14="http://schemas.microsoft.com/office/mac/drawingml/2011/main" val="1"/>
+              <ma14:wrappingTextBoxFlag xmlns:ma14="http://schemas.microsoft.com/office/mac/drawingml/2011/main" xmlns:a14="http://schemas.microsoft.com/office/drawing/2010/main" xmlns:m="http://schemas.openxmlformats.org/officeDocument/2006/math" xmlns="" val="1"/>
             </a:ext>
           </a:extLst>
         </p:spPr>
@@ -3927,7 +3928,7 @@
           </a:ln>
           <a:extLst>
             <a:ext uri="{C572A759-6A51-4108-AA02-DFA0A04FC94B}">
-              <ma14:wrappingTextBoxFlag xmlns="" xmlns:m="http://schemas.openxmlformats.org/officeDocument/2006/math" xmlns:a14="http://schemas.microsoft.com/office/drawing/2010/main" xmlns:ma14="http://schemas.microsoft.com/office/mac/drawingml/2011/main" val="1"/>
+              <ma14:wrappingTextBoxFlag xmlns:ma14="http://schemas.microsoft.com/office/mac/drawingml/2011/main" xmlns:a14="http://schemas.microsoft.com/office/drawing/2010/main" xmlns:m="http://schemas.openxmlformats.org/officeDocument/2006/math" xmlns="" val="1"/>
             </a:ext>
           </a:extLst>
         </p:spPr>
@@ -3978,7 +3979,7 @@
           </a:ln>
           <a:extLst>
             <a:ext uri="{C572A759-6A51-4108-AA02-DFA0A04FC94B}">
-              <ma14:wrappingTextBoxFlag xmlns="" xmlns:m="http://schemas.openxmlformats.org/officeDocument/2006/math" xmlns:a14="http://schemas.microsoft.com/office/drawing/2010/main" xmlns:ma14="http://schemas.microsoft.com/office/mac/drawingml/2011/main" val="1"/>
+              <ma14:wrappingTextBoxFlag xmlns:ma14="http://schemas.microsoft.com/office/mac/drawingml/2011/main" xmlns:a14="http://schemas.microsoft.com/office/drawing/2010/main" xmlns:m="http://schemas.openxmlformats.org/officeDocument/2006/math" xmlns="" val="1"/>
             </a:ext>
           </a:extLst>
         </p:spPr>
@@ -4022,7 +4023,7 @@
           </a:ln>
           <a:extLst>
             <a:ext uri="{C572A759-6A51-4108-AA02-DFA0A04FC94B}">
-              <ma14:wrappingTextBoxFlag xmlns="" xmlns:m="http://schemas.openxmlformats.org/officeDocument/2006/math" xmlns:a14="http://schemas.microsoft.com/office/drawing/2010/main" xmlns:ma14="http://schemas.microsoft.com/office/mac/drawingml/2011/main" val="1"/>
+              <ma14:wrappingTextBoxFlag xmlns:ma14="http://schemas.microsoft.com/office/mac/drawingml/2011/main" xmlns:a14="http://schemas.microsoft.com/office/drawing/2010/main" xmlns:m="http://schemas.openxmlformats.org/officeDocument/2006/math" xmlns="" val="1"/>
             </a:ext>
           </a:extLst>
         </p:spPr>
@@ -4060,13 +4061,6 @@
     <a:masterClrMapping/>
   </p:clrMapOvr>
   <p:transition spd="med"/>
-  <p:timing>
-    <p:tnLst>
-      <p:par>
-        <p:cTn id="1" dur="indefinite" restart="never" nodeType="tmRoot"/>
-      </p:par>
-    </p:tnLst>
-  </p:timing>
 </p:sld>
 </file>
 
@@ -4150,7 +4144,7 @@
           </a:ln>
           <a:extLst>
             <a:ext uri="{C572A759-6A51-4108-AA02-DFA0A04FC94B}">
-              <ma14:wrappingTextBoxFlag xmlns="" xmlns:m="http://schemas.openxmlformats.org/officeDocument/2006/math" xmlns:a14="http://schemas.microsoft.com/office/drawing/2010/main" xmlns:ma14="http://schemas.microsoft.com/office/mac/drawingml/2011/main" val="1"/>
+              <ma14:wrappingTextBoxFlag xmlns:ma14="http://schemas.microsoft.com/office/mac/drawingml/2011/main" xmlns:a14="http://schemas.microsoft.com/office/drawing/2010/main" xmlns:m="http://schemas.openxmlformats.org/officeDocument/2006/math" xmlns="" val="1"/>
             </a:ext>
           </a:extLst>
         </p:spPr>
@@ -4184,9 +4178,7 @@
           <p:nvPr/>
         </p:nvPicPr>
         <p:blipFill>
-          <a:blip r:embed="rId2" cstate="print">
-            <a:extLst/>
-          </a:blip>
+          <a:blip r:embed="rId2" cstate="print"/>
           <a:stretch>
             <a:fillRect/>
           </a:stretch>
@@ -4226,7 +4218,7 @@
           </a:ln>
           <a:extLst>
             <a:ext uri="{C572A759-6A51-4108-AA02-DFA0A04FC94B}">
-              <ma14:wrappingTextBoxFlag xmlns="" xmlns:m="http://schemas.openxmlformats.org/officeDocument/2006/math" xmlns:a14="http://schemas.microsoft.com/office/drawing/2010/main" xmlns:ma14="http://schemas.microsoft.com/office/mac/drawingml/2011/main" val="1"/>
+              <ma14:wrappingTextBoxFlag xmlns:ma14="http://schemas.microsoft.com/office/mac/drawingml/2011/main" xmlns:a14="http://schemas.microsoft.com/office/drawing/2010/main" xmlns:m="http://schemas.openxmlformats.org/officeDocument/2006/math" xmlns="" val="1"/>
             </a:ext>
           </a:extLst>
         </p:spPr>
@@ -4292,7 +4284,7 @@
           </a:ln>
           <a:extLst>
             <a:ext uri="{C572A759-6A51-4108-AA02-DFA0A04FC94B}">
-              <ma14:wrappingTextBoxFlag xmlns="" xmlns:m="http://schemas.openxmlformats.org/officeDocument/2006/math" xmlns:a14="http://schemas.microsoft.com/office/drawing/2010/main" xmlns:ma14="http://schemas.microsoft.com/office/mac/drawingml/2011/main" val="1"/>
+              <ma14:wrappingTextBoxFlag xmlns:ma14="http://schemas.microsoft.com/office/mac/drawingml/2011/main" xmlns:a14="http://schemas.microsoft.com/office/drawing/2010/main" xmlns:m="http://schemas.openxmlformats.org/officeDocument/2006/math" xmlns="" val="1"/>
             </a:ext>
           </a:extLst>
         </p:spPr>
@@ -4339,7 +4331,7 @@
           </a:ln>
           <a:extLst>
             <a:ext uri="{C572A759-6A51-4108-AA02-DFA0A04FC94B}">
-              <ma14:wrappingTextBoxFlag xmlns="" xmlns:m="http://schemas.openxmlformats.org/officeDocument/2006/math" xmlns:a14="http://schemas.microsoft.com/office/drawing/2010/main" xmlns:ma14="http://schemas.microsoft.com/office/mac/drawingml/2011/main" val="1"/>
+              <ma14:wrappingTextBoxFlag xmlns:ma14="http://schemas.microsoft.com/office/mac/drawingml/2011/main" xmlns:a14="http://schemas.microsoft.com/office/drawing/2010/main" xmlns:m="http://schemas.openxmlformats.org/officeDocument/2006/math" xmlns="" val="1"/>
             </a:ext>
           </a:extLst>
         </p:spPr>
@@ -4381,13 +4373,6 @@
     <a:masterClrMapping/>
   </p:clrMapOvr>
   <p:transition spd="med"/>
-  <p:timing>
-    <p:tnLst>
-      <p:par>
-        <p:cTn id="1" dur="indefinite" restart="never" nodeType="tmRoot"/>
-      </p:par>
-    </p:tnLst>
-  </p:timing>
 </p:sld>
 </file>
 
@@ -4427,7 +4412,7 @@
           </a:ln>
           <a:extLst>
             <a:ext uri="{C572A759-6A51-4108-AA02-DFA0A04FC94B}">
-              <ma14:wrappingTextBoxFlag xmlns="" xmlns:m="http://schemas.openxmlformats.org/officeDocument/2006/math" xmlns:a14="http://schemas.microsoft.com/office/drawing/2010/main" xmlns:ma14="http://schemas.microsoft.com/office/mac/drawingml/2011/main" val="1"/>
+              <ma14:wrappingTextBoxFlag xmlns:ma14="http://schemas.microsoft.com/office/mac/drawingml/2011/main" xmlns:a14="http://schemas.microsoft.com/office/drawing/2010/main" xmlns:m="http://schemas.openxmlformats.org/officeDocument/2006/math" xmlns="" val="1"/>
             </a:ext>
           </a:extLst>
         </p:spPr>
@@ -4763,7 +4748,7 @@
           </a:ln>
           <a:extLst>
             <a:ext uri="{C572A759-6A51-4108-AA02-DFA0A04FC94B}">
-              <ma14:wrappingTextBoxFlag xmlns="" xmlns:m="http://schemas.openxmlformats.org/officeDocument/2006/math" xmlns:a14="http://schemas.microsoft.com/office/drawing/2010/main" xmlns:ma14="http://schemas.microsoft.com/office/mac/drawingml/2011/main" val="1"/>
+              <ma14:wrappingTextBoxFlag xmlns:ma14="http://schemas.microsoft.com/office/mac/drawingml/2011/main" xmlns:a14="http://schemas.microsoft.com/office/drawing/2010/main" xmlns:m="http://schemas.openxmlformats.org/officeDocument/2006/math" xmlns="" val="1"/>
             </a:ext>
           </a:extLst>
         </p:spPr>
@@ -4807,7 +4792,7 @@
           </a:ln>
           <a:extLst>
             <a:ext uri="{C572A759-6A51-4108-AA02-DFA0A04FC94B}">
-              <ma14:wrappingTextBoxFlag xmlns="" xmlns:m="http://schemas.openxmlformats.org/officeDocument/2006/math" xmlns:a14="http://schemas.microsoft.com/office/drawing/2010/main" xmlns:ma14="http://schemas.microsoft.com/office/mac/drawingml/2011/main" val="1"/>
+              <ma14:wrappingTextBoxFlag xmlns:ma14="http://schemas.microsoft.com/office/mac/drawingml/2011/main" xmlns:a14="http://schemas.microsoft.com/office/drawing/2010/main" xmlns:m="http://schemas.openxmlformats.org/officeDocument/2006/math" xmlns="" val="1"/>
             </a:ext>
           </a:extLst>
         </p:spPr>
@@ -4847,9 +4832,7 @@
           <p:nvPr/>
         </p:nvPicPr>
         <p:blipFill>
-          <a:blip r:embed="rId2" cstate="print">
-            <a:extLst/>
-          </a:blip>
+          <a:blip r:embed="rId2" cstate="print"/>
           <a:srcRect t="2311" b="2312"/>
           <a:stretch>
             <a:fillRect/>
@@ -4874,13 +4857,6 @@
     <a:masterClrMapping/>
   </p:clrMapOvr>
   <p:transition spd="med"/>
-  <p:timing>
-    <p:tnLst>
-      <p:par>
-        <p:cTn id="1" dur="indefinite" restart="never" nodeType="tmRoot"/>
-      </p:par>
-    </p:tnLst>
-  </p:timing>
 </p:sld>
 </file>
 
@@ -4920,7 +4896,7 @@
           </a:ln>
           <a:extLst>
             <a:ext uri="{C572A759-6A51-4108-AA02-DFA0A04FC94B}">
-              <ma14:wrappingTextBoxFlag xmlns="" xmlns:m="http://schemas.openxmlformats.org/officeDocument/2006/math" xmlns:a14="http://schemas.microsoft.com/office/drawing/2010/main" xmlns:ma14="http://schemas.microsoft.com/office/mac/drawingml/2011/main" val="1"/>
+              <ma14:wrappingTextBoxFlag xmlns:ma14="http://schemas.microsoft.com/office/mac/drawingml/2011/main" xmlns:a14="http://schemas.microsoft.com/office/drawing/2010/main" xmlns:m="http://schemas.openxmlformats.org/officeDocument/2006/math" xmlns="" val="1"/>
             </a:ext>
           </a:extLst>
         </p:spPr>
@@ -4967,7 +4943,7 @@
           </a:ln>
           <a:extLst>
             <a:ext uri="{C572A759-6A51-4108-AA02-DFA0A04FC94B}">
-              <ma14:wrappingTextBoxFlag xmlns="" xmlns:m="http://schemas.openxmlformats.org/officeDocument/2006/math" xmlns:a14="http://schemas.microsoft.com/office/drawing/2010/main" xmlns:ma14="http://schemas.microsoft.com/office/mac/drawingml/2011/main" val="1"/>
+              <ma14:wrappingTextBoxFlag xmlns:ma14="http://schemas.microsoft.com/office/mac/drawingml/2011/main" xmlns:a14="http://schemas.microsoft.com/office/drawing/2010/main" xmlns:m="http://schemas.openxmlformats.org/officeDocument/2006/math" xmlns="" val="1"/>
             </a:ext>
           </a:extLst>
         </p:spPr>
@@ -5031,7 +5007,7 @@
           </a:ln>
           <a:extLst>
             <a:ext uri="{C572A759-6A51-4108-AA02-DFA0A04FC94B}">
-              <ma14:wrappingTextBoxFlag xmlns="" xmlns:m="http://schemas.openxmlformats.org/officeDocument/2006/math" xmlns:a14="http://schemas.microsoft.com/office/drawing/2010/main" xmlns:ma14="http://schemas.microsoft.com/office/mac/drawingml/2011/main" val="1"/>
+              <ma14:wrappingTextBoxFlag xmlns:ma14="http://schemas.microsoft.com/office/mac/drawingml/2011/main" xmlns:a14="http://schemas.microsoft.com/office/drawing/2010/main" xmlns:m="http://schemas.openxmlformats.org/officeDocument/2006/math" xmlns="" val="1"/>
             </a:ext>
           </a:extLst>
         </p:spPr>
@@ -5078,7 +5054,7 @@
           </a:ln>
           <a:extLst>
             <a:ext uri="{C572A759-6A51-4108-AA02-DFA0A04FC94B}">
-              <ma14:wrappingTextBoxFlag xmlns="" xmlns:m="http://schemas.openxmlformats.org/officeDocument/2006/math" xmlns:a14="http://schemas.microsoft.com/office/drawing/2010/main" xmlns:ma14="http://schemas.microsoft.com/office/mac/drawingml/2011/main" val="1"/>
+              <ma14:wrappingTextBoxFlag xmlns:ma14="http://schemas.microsoft.com/office/mac/drawingml/2011/main" xmlns:a14="http://schemas.microsoft.com/office/drawing/2010/main" xmlns:m="http://schemas.openxmlformats.org/officeDocument/2006/math" xmlns="" val="1"/>
             </a:ext>
           </a:extLst>
         </p:spPr>
@@ -5129,7 +5105,7 @@
           </a:ln>
           <a:extLst>
             <a:ext uri="{C572A759-6A51-4108-AA02-DFA0A04FC94B}">
-              <ma14:wrappingTextBoxFlag xmlns="" xmlns:m="http://schemas.openxmlformats.org/officeDocument/2006/math" xmlns:a14="http://schemas.microsoft.com/office/drawing/2010/main" xmlns:ma14="http://schemas.microsoft.com/office/mac/drawingml/2011/main" val="1"/>
+              <ma14:wrappingTextBoxFlag xmlns:ma14="http://schemas.microsoft.com/office/mac/drawingml/2011/main" xmlns:a14="http://schemas.microsoft.com/office/drawing/2010/main" xmlns:m="http://schemas.openxmlformats.org/officeDocument/2006/math" xmlns="" val="1"/>
             </a:ext>
           </a:extLst>
         </p:spPr>
@@ -5173,7 +5149,7 @@
           </a:ln>
           <a:extLst>
             <a:ext uri="{C572A759-6A51-4108-AA02-DFA0A04FC94B}">
-              <ma14:wrappingTextBoxFlag xmlns="" xmlns:m="http://schemas.openxmlformats.org/officeDocument/2006/math" xmlns:a14="http://schemas.microsoft.com/office/drawing/2010/main" xmlns:ma14="http://schemas.microsoft.com/office/mac/drawingml/2011/main" val="1"/>
+              <ma14:wrappingTextBoxFlag xmlns:ma14="http://schemas.microsoft.com/office/mac/drawingml/2011/main" xmlns:a14="http://schemas.microsoft.com/office/drawing/2010/main" xmlns:m="http://schemas.openxmlformats.org/officeDocument/2006/math" xmlns="" val="1"/>
             </a:ext>
           </a:extLst>
         </p:spPr>
@@ -5236,7 +5212,7 @@
           </a:ln>
           <a:extLst>
             <a:ext uri="{C572A759-6A51-4108-AA02-DFA0A04FC94B}">
-              <ma14:wrappingTextBoxFlag xmlns="" xmlns:m="http://schemas.openxmlformats.org/officeDocument/2006/math" xmlns:a14="http://schemas.microsoft.com/office/drawing/2010/main" xmlns:ma14="http://schemas.microsoft.com/office/mac/drawingml/2011/main" val="1"/>
+              <ma14:wrappingTextBoxFlag xmlns:ma14="http://schemas.microsoft.com/office/mac/drawingml/2011/main" xmlns:a14="http://schemas.microsoft.com/office/drawing/2010/main" xmlns:m="http://schemas.openxmlformats.org/officeDocument/2006/math" xmlns="" val="1"/>
             </a:ext>
           </a:extLst>
         </p:spPr>
@@ -5273,13 +5249,6 @@
     <a:masterClrMapping/>
   </p:clrMapOvr>
   <p:transition spd="med"/>
-  <p:timing>
-    <p:tnLst>
-      <p:par>
-        <p:cTn id="1" dur="indefinite" restart="never" nodeType="tmRoot"/>
-      </p:par>
-    </p:tnLst>
-  </p:timing>
 </p:sld>
 </file>
 
@@ -5309,9 +5278,7 @@
           <p:nvPr/>
         </p:nvPicPr>
         <p:blipFill>
-          <a:blip r:embed="rId2" cstate="print">
-            <a:extLst/>
-          </a:blip>
+          <a:blip r:embed="rId2" cstate="print"/>
           <a:srcRect t="897" b="896"/>
           <a:stretch>
             <a:fillRect/>
@@ -5339,9 +5306,7 @@
           <p:nvPr/>
         </p:nvPicPr>
         <p:blipFill>
-          <a:blip r:embed="rId3" cstate="print">
-            <a:extLst/>
-          </a:blip>
+          <a:blip r:embed="rId3" cstate="print"/>
           <a:srcRect l="997" r="997"/>
           <a:stretch>
             <a:fillRect/>
@@ -5379,7 +5344,7 @@
           </a:ln>
           <a:extLst>
             <a:ext uri="{C572A759-6A51-4108-AA02-DFA0A04FC94B}">
-              <ma14:wrappingTextBoxFlag xmlns="" xmlns:m="http://schemas.openxmlformats.org/officeDocument/2006/math" xmlns:a14="http://schemas.microsoft.com/office/drawing/2010/main" xmlns:ma14="http://schemas.microsoft.com/office/mac/drawingml/2011/main" val="1"/>
+              <ma14:wrappingTextBoxFlag xmlns:ma14="http://schemas.microsoft.com/office/mac/drawingml/2011/main" xmlns:a14="http://schemas.microsoft.com/office/drawing/2010/main" xmlns:m="http://schemas.openxmlformats.org/officeDocument/2006/math" xmlns="" val="1"/>
             </a:ext>
           </a:extLst>
         </p:spPr>
@@ -5429,7 +5394,7 @@
           </a:ln>
           <a:extLst>
             <a:ext uri="{C572A759-6A51-4108-AA02-DFA0A04FC94B}">
-              <ma14:wrappingTextBoxFlag xmlns="" xmlns:m="http://schemas.openxmlformats.org/officeDocument/2006/math" xmlns:a14="http://schemas.microsoft.com/office/drawing/2010/main" xmlns:ma14="http://schemas.microsoft.com/office/mac/drawingml/2011/main" val="1"/>
+              <ma14:wrappingTextBoxFlag xmlns:ma14="http://schemas.microsoft.com/office/mac/drawingml/2011/main" xmlns:a14="http://schemas.microsoft.com/office/drawing/2010/main" xmlns:m="http://schemas.openxmlformats.org/officeDocument/2006/math" xmlns="" val="1"/>
             </a:ext>
           </a:extLst>
         </p:spPr>
@@ -5489,9 +5454,7 @@
           <p:nvPr/>
         </p:nvPicPr>
         <p:blipFill>
-          <a:blip r:embed="rId2" cstate="print">
-            <a:extLst/>
-          </a:blip>
+          <a:blip r:embed="rId2" cstate="print"/>
           <a:stretch>
             <a:fillRect/>
           </a:stretch>
@@ -5528,7 +5491,7 @@
           </a:ln>
           <a:extLst>
             <a:ext uri="{C572A759-6A51-4108-AA02-DFA0A04FC94B}">
-              <ma14:wrappingTextBoxFlag xmlns="" xmlns:m="http://schemas.openxmlformats.org/officeDocument/2006/math" xmlns:a14="http://schemas.microsoft.com/office/drawing/2010/main" xmlns:ma14="http://schemas.microsoft.com/office/mac/drawingml/2011/main" val="1"/>
+              <ma14:wrappingTextBoxFlag xmlns:ma14="http://schemas.microsoft.com/office/mac/drawingml/2011/main" xmlns:a14="http://schemas.microsoft.com/office/drawing/2010/main" xmlns:m="http://schemas.openxmlformats.org/officeDocument/2006/math" xmlns="" val="1"/>
             </a:ext>
           </a:extLst>
         </p:spPr>
@@ -5575,7 +5538,7 @@
           </a:ln>
           <a:extLst>
             <a:ext uri="{C572A759-6A51-4108-AA02-DFA0A04FC94B}">
-              <ma14:wrappingTextBoxFlag xmlns="" xmlns:m="http://schemas.openxmlformats.org/officeDocument/2006/math" xmlns:a14="http://schemas.microsoft.com/office/drawing/2010/main" xmlns:ma14="http://schemas.microsoft.com/office/mac/drawingml/2011/main" val="1"/>
+              <ma14:wrappingTextBoxFlag xmlns:ma14="http://schemas.microsoft.com/office/mac/drawingml/2011/main" xmlns:a14="http://schemas.microsoft.com/office/drawing/2010/main" xmlns:m="http://schemas.openxmlformats.org/officeDocument/2006/math" xmlns="" val="1"/>
             </a:ext>
           </a:extLst>
         </p:spPr>
@@ -5641,7 +5604,7 @@
           </a:ln>
           <a:extLst>
             <a:ext uri="{C572A759-6A51-4108-AA02-DFA0A04FC94B}">
-              <ma14:wrappingTextBoxFlag xmlns="" xmlns:m="http://schemas.openxmlformats.org/officeDocument/2006/math" xmlns:a14="http://schemas.microsoft.com/office/drawing/2010/main" xmlns:ma14="http://schemas.microsoft.com/office/mac/drawingml/2011/main" val="1"/>
+              <ma14:wrappingTextBoxFlag xmlns:ma14="http://schemas.microsoft.com/office/mac/drawingml/2011/main" xmlns:a14="http://schemas.microsoft.com/office/drawing/2010/main" xmlns:m="http://schemas.openxmlformats.org/officeDocument/2006/math" xmlns="" val="1"/>
             </a:ext>
           </a:extLst>
         </p:spPr>
@@ -5688,7 +5651,7 @@
           </a:ln>
           <a:extLst>
             <a:ext uri="{C572A759-6A51-4108-AA02-DFA0A04FC94B}">
-              <ma14:wrappingTextBoxFlag xmlns="" xmlns:m="http://schemas.openxmlformats.org/officeDocument/2006/math" xmlns:a14="http://schemas.microsoft.com/office/drawing/2010/main" xmlns:ma14="http://schemas.microsoft.com/office/mac/drawingml/2011/main" val="1"/>
+              <ma14:wrappingTextBoxFlag xmlns:ma14="http://schemas.microsoft.com/office/mac/drawingml/2011/main" xmlns:a14="http://schemas.microsoft.com/office/drawing/2010/main" xmlns:m="http://schemas.openxmlformats.org/officeDocument/2006/math" xmlns="" val="1"/>
             </a:ext>
           </a:extLst>
         </p:spPr>
@@ -5743,7 +5706,7 @@
           </a:ln>
           <a:extLst>
             <a:ext uri="{C572A759-6A51-4108-AA02-DFA0A04FC94B}">
-              <ma14:wrappingTextBoxFlag xmlns="" xmlns:m="http://schemas.openxmlformats.org/officeDocument/2006/math" xmlns:a14="http://schemas.microsoft.com/office/drawing/2010/main" xmlns:ma14="http://schemas.microsoft.com/office/mac/drawingml/2011/main" val="1"/>
+              <ma14:wrappingTextBoxFlag xmlns:ma14="http://schemas.microsoft.com/office/mac/drawingml/2011/main" xmlns:a14="http://schemas.microsoft.com/office/drawing/2010/main" xmlns:m="http://schemas.openxmlformats.org/officeDocument/2006/math" xmlns="" val="1"/>
             </a:ext>
           </a:extLst>
         </p:spPr>
@@ -5809,9 +5772,7 @@
           <p:nvPr/>
         </p:nvPicPr>
         <p:blipFill>
-          <a:blip r:embed="rId2" cstate="print">
-            <a:extLst/>
-          </a:blip>
+          <a:blip r:embed="rId2" cstate="print"/>
           <a:srcRect t="420" b="420"/>
           <a:stretch>
             <a:fillRect/>
@@ -5849,7 +5810,7 @@
           </a:ln>
           <a:extLst>
             <a:ext uri="{C572A759-6A51-4108-AA02-DFA0A04FC94B}">
-              <ma14:wrappingTextBoxFlag xmlns="" xmlns:m="http://schemas.openxmlformats.org/officeDocument/2006/math" xmlns:a14="http://schemas.microsoft.com/office/drawing/2010/main" xmlns:ma14="http://schemas.microsoft.com/office/mac/drawingml/2011/main" val="1"/>
+              <ma14:wrappingTextBoxFlag xmlns:ma14="http://schemas.microsoft.com/office/mac/drawingml/2011/main" xmlns:a14="http://schemas.microsoft.com/office/drawing/2010/main" xmlns:m="http://schemas.openxmlformats.org/officeDocument/2006/math" xmlns="" val="1"/>
             </a:ext>
           </a:extLst>
         </p:spPr>
@@ -6185,7 +6146,7 @@
           </a:ln>
           <a:extLst>
             <a:ext uri="{C572A759-6A51-4108-AA02-DFA0A04FC94B}">
-              <ma14:wrappingTextBoxFlag xmlns="" xmlns:m="http://schemas.openxmlformats.org/officeDocument/2006/math" xmlns:a14="http://schemas.microsoft.com/office/drawing/2010/main" xmlns:ma14="http://schemas.microsoft.com/office/mac/drawingml/2011/main" val="1"/>
+              <ma14:wrappingTextBoxFlag xmlns:ma14="http://schemas.microsoft.com/office/mac/drawingml/2011/main" xmlns:a14="http://schemas.microsoft.com/office/drawing/2010/main" xmlns:m="http://schemas.openxmlformats.org/officeDocument/2006/math" xmlns="" val="1"/>
             </a:ext>
           </a:extLst>
         </p:spPr>
@@ -6235,7 +6196,7 @@
           </a:ln>
           <a:extLst>
             <a:ext uri="{C572A759-6A51-4108-AA02-DFA0A04FC94B}">
-              <ma14:wrappingTextBoxFlag xmlns="" xmlns:m="http://schemas.openxmlformats.org/officeDocument/2006/math" xmlns:a14="http://schemas.microsoft.com/office/drawing/2010/main" xmlns:ma14="http://schemas.microsoft.com/office/mac/drawingml/2011/main" val="1"/>
+              <ma14:wrappingTextBoxFlag xmlns:ma14="http://schemas.microsoft.com/office/mac/drawingml/2011/main" xmlns:a14="http://schemas.microsoft.com/office/drawing/2010/main" xmlns:m="http://schemas.openxmlformats.org/officeDocument/2006/math" xmlns="" val="1"/>
             </a:ext>
           </a:extLst>
         </p:spPr>
@@ -6305,7 +6266,7 @@
           </a:ln>
           <a:extLst>
             <a:ext uri="{C572A759-6A51-4108-AA02-DFA0A04FC94B}">
-              <ma14:wrappingTextBoxFlag xmlns="" xmlns:m="http://schemas.openxmlformats.org/officeDocument/2006/math" xmlns:a14="http://schemas.microsoft.com/office/drawing/2010/main" xmlns:ma14="http://schemas.microsoft.com/office/mac/drawingml/2011/main" val="1"/>
+              <ma14:wrappingTextBoxFlag xmlns:ma14="http://schemas.microsoft.com/office/mac/drawingml/2011/main" xmlns:a14="http://schemas.microsoft.com/office/drawing/2010/main" xmlns:m="http://schemas.openxmlformats.org/officeDocument/2006/math" xmlns="" val="1"/>
             </a:ext>
           </a:extLst>
         </p:spPr>
@@ -6352,7 +6313,7 @@
           </a:ln>
           <a:extLst>
             <a:ext uri="{C572A759-6A51-4108-AA02-DFA0A04FC94B}">
-              <ma14:wrappingTextBoxFlag xmlns="" xmlns:m="http://schemas.openxmlformats.org/officeDocument/2006/math" xmlns:a14="http://schemas.microsoft.com/office/drawing/2010/main" xmlns:ma14="http://schemas.microsoft.com/office/mac/drawingml/2011/main" val="1"/>
+              <ma14:wrappingTextBoxFlag xmlns:ma14="http://schemas.microsoft.com/office/mac/drawingml/2011/main" xmlns:a14="http://schemas.microsoft.com/office/drawing/2010/main" xmlns:m="http://schemas.openxmlformats.org/officeDocument/2006/math" xmlns="" val="1"/>
             </a:ext>
           </a:extLst>
         </p:spPr>
@@ -6416,7 +6377,7 @@
           </a:ln>
           <a:extLst>
             <a:ext uri="{C572A759-6A51-4108-AA02-DFA0A04FC94B}">
-              <ma14:wrappingTextBoxFlag xmlns="" xmlns:m="http://schemas.openxmlformats.org/officeDocument/2006/math" xmlns:a14="http://schemas.microsoft.com/office/drawing/2010/main" xmlns:ma14="http://schemas.microsoft.com/office/mac/drawingml/2011/main" val="1"/>
+              <ma14:wrappingTextBoxFlag xmlns:ma14="http://schemas.microsoft.com/office/mac/drawingml/2011/main" xmlns:a14="http://schemas.microsoft.com/office/drawing/2010/main" xmlns:m="http://schemas.openxmlformats.org/officeDocument/2006/math" xmlns="" val="1"/>
             </a:ext>
           </a:extLst>
         </p:spPr>
@@ -6463,7 +6424,7 @@
           </a:ln>
           <a:extLst>
             <a:ext uri="{C572A759-6A51-4108-AA02-DFA0A04FC94B}">
-              <ma14:wrappingTextBoxFlag xmlns="" xmlns:m="http://schemas.openxmlformats.org/officeDocument/2006/math" xmlns:a14="http://schemas.microsoft.com/office/drawing/2010/main" xmlns:ma14="http://schemas.microsoft.com/office/mac/drawingml/2011/main" val="1"/>
+              <ma14:wrappingTextBoxFlag xmlns:ma14="http://schemas.microsoft.com/office/mac/drawingml/2011/main" xmlns:a14="http://schemas.microsoft.com/office/drawing/2010/main" xmlns:m="http://schemas.openxmlformats.org/officeDocument/2006/math" xmlns="" val="1"/>
             </a:ext>
           </a:extLst>
         </p:spPr>
@@ -6514,7 +6475,7 @@
           </a:ln>
           <a:extLst>
             <a:ext uri="{C572A759-6A51-4108-AA02-DFA0A04FC94B}">
-              <ma14:wrappingTextBoxFlag xmlns="" xmlns:m="http://schemas.openxmlformats.org/officeDocument/2006/math" xmlns:a14="http://schemas.microsoft.com/office/drawing/2010/main" xmlns:ma14="http://schemas.microsoft.com/office/mac/drawingml/2011/main" val="1"/>
+              <ma14:wrappingTextBoxFlag xmlns:ma14="http://schemas.microsoft.com/office/mac/drawingml/2011/main" xmlns:a14="http://schemas.microsoft.com/office/drawing/2010/main" xmlns:m="http://schemas.openxmlformats.org/officeDocument/2006/math" xmlns="" val="1"/>
             </a:ext>
           </a:extLst>
         </p:spPr>
@@ -6558,7 +6519,7 @@
           </a:ln>
           <a:extLst>
             <a:ext uri="{C572A759-6A51-4108-AA02-DFA0A04FC94B}">
-              <ma14:wrappingTextBoxFlag xmlns="" xmlns:m="http://schemas.openxmlformats.org/officeDocument/2006/math" xmlns:a14="http://schemas.microsoft.com/office/drawing/2010/main" xmlns:ma14="http://schemas.microsoft.com/office/mac/drawingml/2011/main" val="1"/>
+              <ma14:wrappingTextBoxFlag xmlns:ma14="http://schemas.microsoft.com/office/mac/drawingml/2011/main" xmlns:a14="http://schemas.microsoft.com/office/drawing/2010/main" xmlns:m="http://schemas.openxmlformats.org/officeDocument/2006/math" xmlns="" val="1"/>
             </a:ext>
           </a:extLst>
         </p:spPr>
@@ -6609,7 +6570,7 @@
           </a:ln>
           <a:extLst>
             <a:ext uri="{C572A759-6A51-4108-AA02-DFA0A04FC94B}">
-              <ma14:wrappingTextBoxFlag xmlns="" xmlns:m="http://schemas.openxmlformats.org/officeDocument/2006/math" xmlns:a14="http://schemas.microsoft.com/office/drawing/2010/main" xmlns:ma14="http://schemas.microsoft.com/office/mac/drawingml/2011/main" val="1"/>
+              <ma14:wrappingTextBoxFlag xmlns:ma14="http://schemas.microsoft.com/office/mac/drawingml/2011/main" xmlns:a14="http://schemas.microsoft.com/office/drawing/2010/main" xmlns:m="http://schemas.openxmlformats.org/officeDocument/2006/math" xmlns="" val="1"/>
             </a:ext>
           </a:extLst>
         </p:spPr>
@@ -6675,9 +6636,7 @@
           <p:nvPr/>
         </p:nvPicPr>
         <p:blipFill>
-          <a:blip r:embed="rId2" cstate="print">
-            <a:extLst/>
-          </a:blip>
+          <a:blip r:embed="rId2" cstate="print"/>
           <a:srcRect t="173" b="172"/>
           <a:stretch>
             <a:fillRect/>
@@ -6715,7 +6674,7 @@
           </a:ln>
           <a:extLst>
             <a:ext uri="{C572A759-6A51-4108-AA02-DFA0A04FC94B}">
-              <ma14:wrappingTextBoxFlag xmlns="" xmlns:m="http://schemas.openxmlformats.org/officeDocument/2006/math" xmlns:a14="http://schemas.microsoft.com/office/drawing/2010/main" xmlns:ma14="http://schemas.microsoft.com/office/mac/drawingml/2011/main" val="1"/>
+              <ma14:wrappingTextBoxFlag xmlns:ma14="http://schemas.microsoft.com/office/mac/drawingml/2011/main" xmlns:a14="http://schemas.microsoft.com/office/drawing/2010/main" xmlns:m="http://schemas.openxmlformats.org/officeDocument/2006/math" xmlns="" val="1"/>
             </a:ext>
           </a:extLst>
         </p:spPr>
@@ -6765,7 +6724,7 @@
           </a:ln>
           <a:extLst>
             <a:ext uri="{C572A759-6A51-4108-AA02-DFA0A04FC94B}">
-              <ma14:wrappingTextBoxFlag xmlns="" xmlns:m="http://schemas.openxmlformats.org/officeDocument/2006/math" xmlns:a14="http://schemas.microsoft.com/office/drawing/2010/main" xmlns:ma14="http://schemas.microsoft.com/office/mac/drawingml/2011/main" val="1"/>
+              <ma14:wrappingTextBoxFlag xmlns:ma14="http://schemas.microsoft.com/office/mac/drawingml/2011/main" xmlns:a14="http://schemas.microsoft.com/office/drawing/2010/main" xmlns:m="http://schemas.openxmlformats.org/officeDocument/2006/math" xmlns="" val="1"/>
             </a:ext>
           </a:extLst>
         </p:spPr>
@@ -6812,7 +6771,7 @@
           </a:ln>
           <a:extLst>
             <a:ext uri="{C572A759-6A51-4108-AA02-DFA0A04FC94B}">
-              <ma14:wrappingTextBoxFlag xmlns="" xmlns:m="http://schemas.openxmlformats.org/officeDocument/2006/math" xmlns:a14="http://schemas.microsoft.com/office/drawing/2010/main" xmlns:ma14="http://schemas.microsoft.com/office/mac/drawingml/2011/main" val="1"/>
+              <ma14:wrappingTextBoxFlag xmlns:ma14="http://schemas.microsoft.com/office/mac/drawingml/2011/main" xmlns:a14="http://schemas.microsoft.com/office/drawing/2010/main" xmlns:m="http://schemas.openxmlformats.org/officeDocument/2006/math" xmlns="" val="1"/>
             </a:ext>
           </a:extLst>
         </p:spPr>
@@ -6878,7 +6837,7 @@
           </a:ln>
           <a:extLst>
             <a:ext uri="{C572A759-6A51-4108-AA02-DFA0A04FC94B}">
-              <ma14:wrappingTextBoxFlag xmlns="" xmlns:m="http://schemas.openxmlformats.org/officeDocument/2006/math" xmlns:a14="http://schemas.microsoft.com/office/drawing/2010/main" xmlns:ma14="http://schemas.microsoft.com/office/mac/drawingml/2011/main" val="1"/>
+              <ma14:wrappingTextBoxFlag xmlns:ma14="http://schemas.microsoft.com/office/mac/drawingml/2011/main" xmlns:a14="http://schemas.microsoft.com/office/drawing/2010/main" xmlns:m="http://schemas.openxmlformats.org/officeDocument/2006/math" xmlns="" val="1"/>
             </a:ext>
           </a:extLst>
         </p:spPr>
@@ -6925,7 +6884,7 @@
           </a:ln>
           <a:extLst>
             <a:ext uri="{C572A759-6A51-4108-AA02-DFA0A04FC94B}">
-              <ma14:wrappingTextBoxFlag xmlns="" xmlns:m="http://schemas.openxmlformats.org/officeDocument/2006/math" xmlns:a14="http://schemas.microsoft.com/office/drawing/2010/main" xmlns:ma14="http://schemas.microsoft.com/office/mac/drawingml/2011/main" val="1"/>
+              <ma14:wrappingTextBoxFlag xmlns:ma14="http://schemas.microsoft.com/office/mac/drawingml/2011/main" xmlns:a14="http://schemas.microsoft.com/office/drawing/2010/main" xmlns:m="http://schemas.openxmlformats.org/officeDocument/2006/math" xmlns="" val="1"/>
             </a:ext>
           </a:extLst>
         </p:spPr>
@@ -7072,13 +7031,9 @@
             </a:r>
             <a:r>
               <a:rPr dirty="0"/>
-              <a:t> cause of death globally</a:t>
-            </a:r>
-            <a:r>
-              <a:rPr dirty="0" smtClean="0"/>
-              <a:t>!</a:t>
-            </a:r>
-            <a:endParaRPr lang="it-IT" dirty="0" smtClean="0"/>
+              <a:t> cause of death globally!</a:t>
+            </a:r>
+            <a:endParaRPr lang="it-IT" dirty="0"/>
           </a:p>
           <a:p>
             <a:pPr marL="0" indent="0">
@@ -7127,103 +7082,103 @@
               <a:t> of a person, and his future risk of heart disease, using </a:t>
             </a:r>
             <a:r>
-              <a:rPr lang="it-IT" dirty="0" err="1" smtClean="0"/>
+              <a:rPr lang="it-IT" dirty="0" err="1"/>
               <a:t>several</a:t>
             </a:r>
             <a:r>
-              <a:rPr lang="it-IT" dirty="0" smtClean="0"/>
+              <a:rPr lang="it-IT" dirty="0"/>
               <a:t> </a:t>
             </a:r>
             <a:r>
-              <a:rPr lang="it-IT" dirty="0" err="1" smtClean="0"/>
+              <a:rPr lang="it-IT" dirty="0" err="1"/>
               <a:t>model</a:t>
             </a:r>
             <a:r>
-              <a:rPr lang="it-IT" dirty="0" smtClean="0"/>
+              <a:rPr lang="it-IT" dirty="0"/>
               <a:t> </a:t>
             </a:r>
             <a:r>
-              <a:rPr lang="it-IT" dirty="0" err="1" smtClean="0"/>
+              <a:rPr lang="it-IT" dirty="0" err="1"/>
               <a:t>such</a:t>
             </a:r>
             <a:r>
-              <a:rPr lang="it-IT" dirty="0" smtClean="0"/>
+              <a:rPr lang="it-IT" dirty="0"/>
               <a:t> </a:t>
             </a:r>
             <a:r>
-              <a:rPr lang="it-IT" dirty="0" err="1" smtClean="0"/>
+              <a:rPr lang="it-IT" dirty="0" err="1"/>
               <a:t>as</a:t>
             </a:r>
             <a:r>
-              <a:rPr lang="it-IT" dirty="0" smtClean="0"/>
+              <a:rPr lang="it-IT" dirty="0"/>
               <a:t> </a:t>
             </a:r>
             <a:r>
-              <a:rPr lang="it-IT" i="1" dirty="0" err="1" smtClean="0"/>
+              <a:rPr lang="it-IT" i="1" dirty="0" err="1"/>
               <a:t>Logistic</a:t>
             </a:r>
             <a:r>
-              <a:rPr lang="it-IT" i="1" dirty="0" smtClean="0"/>
+              <a:rPr lang="it-IT" i="1" dirty="0"/>
               <a:t> </a:t>
             </a:r>
             <a:r>
-              <a:rPr lang="it-IT" i="1" dirty="0" err="1" smtClean="0"/>
+              <a:rPr lang="it-IT" i="1" dirty="0" err="1"/>
               <a:t>Regression</a:t>
             </a:r>
             <a:r>
-              <a:rPr lang="it-IT" i="1" dirty="0" smtClean="0"/>
+              <a:rPr lang="it-IT" i="1" dirty="0"/>
               <a:t>, </a:t>
             </a:r>
             <a:r>
-              <a:rPr lang="it-IT" i="1" dirty="0" err="1" smtClean="0"/>
+              <a:rPr lang="it-IT" i="1" dirty="0" err="1"/>
               <a:t>K-Nearest</a:t>
             </a:r>
             <a:r>
-              <a:rPr lang="it-IT" i="1" dirty="0" smtClean="0"/>
+              <a:rPr lang="it-IT" i="1" dirty="0"/>
               <a:t> </a:t>
             </a:r>
             <a:r>
-              <a:rPr lang="it-IT" i="1" dirty="0" err="1" smtClean="0"/>
+              <a:rPr lang="it-IT" i="1" dirty="0" err="1"/>
               <a:t>Neighbors</a:t>
             </a:r>
             <a:r>
-              <a:rPr lang="it-IT" i="1" dirty="0" smtClean="0"/>
+              <a:rPr lang="it-IT" i="1" dirty="0"/>
               <a:t>, </a:t>
             </a:r>
             <a:r>
-              <a:rPr lang="it-IT" i="1" dirty="0" err="1" smtClean="0"/>
+              <a:rPr lang="it-IT" i="1" dirty="0" err="1"/>
               <a:t>Support</a:t>
             </a:r>
             <a:r>
-              <a:rPr lang="it-IT" i="1" dirty="0" smtClean="0"/>
+              <a:rPr lang="it-IT" i="1" dirty="0"/>
               <a:t> </a:t>
             </a:r>
             <a:r>
-              <a:rPr lang="it-IT" i="1" dirty="0" err="1" smtClean="0"/>
+              <a:rPr lang="it-IT" i="1" dirty="0" err="1"/>
               <a:t>Vector</a:t>
             </a:r>
             <a:r>
-              <a:rPr lang="it-IT" i="1" dirty="0" smtClean="0"/>
+              <a:rPr lang="it-IT" i="1" dirty="0"/>
               <a:t> </a:t>
             </a:r>
             <a:r>
-              <a:rPr lang="it-IT" i="1" dirty="0" err="1" smtClean="0"/>
+              <a:rPr lang="it-IT" i="1" dirty="0" err="1"/>
               <a:t>Machine</a:t>
             </a:r>
             <a:r>
-              <a:rPr lang="it-IT" i="1" dirty="0" smtClean="0"/>
+              <a:rPr lang="it-IT" i="1" dirty="0"/>
               <a:t>,</a:t>
             </a:r>
             <a:r>
-              <a:rPr lang="it-IT" dirty="0" smtClean="0"/>
+              <a:rPr lang="it-IT" dirty="0"/>
               <a:t> </a:t>
             </a:r>
             <a:r>
-              <a:rPr lang="it-IT" dirty="0" err="1" smtClean="0"/>
+              <a:rPr lang="it-IT" dirty="0" err="1"/>
               <a:t>etc…</a:t>
             </a:r>
             <a:r>
-              <a:rPr lang="it-IT" dirty="0" smtClean="0"/>
+              <a:rPr lang="it-IT" dirty="0"/>
               <a:t>..</a:t>
             </a:r>
           </a:p>
@@ -7246,13 +7201,6 @@
     <a:masterClrMapping/>
   </p:clrMapOvr>
   <p:transition spd="med"/>
-  <p:timing>
-    <p:tnLst>
-      <p:par>
-        <p:cTn id="1" dur="indefinite" restart="never" nodeType="tmRoot"/>
-      </p:par>
-    </p:tnLst>
-  </p:timing>
 </p:sld>
 </file>
 
@@ -7282,9 +7230,7 @@
           <p:nvPr/>
         </p:nvPicPr>
         <p:blipFill>
-          <a:blip r:embed="rId2" cstate="print">
-            <a:extLst/>
-          </a:blip>
+          <a:blip r:embed="rId2" cstate="print"/>
           <a:srcRect t="1758" b="1758"/>
           <a:stretch>
             <a:fillRect/>
@@ -7322,7 +7268,7 @@
           </a:ln>
           <a:extLst>
             <a:ext uri="{C572A759-6A51-4108-AA02-DFA0A04FC94B}">
-              <ma14:wrappingTextBoxFlag xmlns="" xmlns:m="http://schemas.openxmlformats.org/officeDocument/2006/math" xmlns:a14="http://schemas.microsoft.com/office/drawing/2010/main" xmlns:ma14="http://schemas.microsoft.com/office/mac/drawingml/2011/main" val="1"/>
+              <ma14:wrappingTextBoxFlag xmlns:ma14="http://schemas.microsoft.com/office/mac/drawingml/2011/main" xmlns:a14="http://schemas.microsoft.com/office/drawing/2010/main" xmlns:m="http://schemas.openxmlformats.org/officeDocument/2006/math" xmlns="" val="1"/>
             </a:ext>
           </a:extLst>
         </p:spPr>
@@ -7372,7 +7318,7 @@
           </a:ln>
           <a:extLst>
             <a:ext uri="{C572A759-6A51-4108-AA02-DFA0A04FC94B}">
-              <ma14:wrappingTextBoxFlag xmlns="" xmlns:m="http://schemas.openxmlformats.org/officeDocument/2006/math" xmlns:a14="http://schemas.microsoft.com/office/drawing/2010/main" xmlns:ma14="http://schemas.microsoft.com/office/mac/drawingml/2011/main" val="1"/>
+              <ma14:wrappingTextBoxFlag xmlns:ma14="http://schemas.microsoft.com/office/mac/drawingml/2011/main" xmlns:a14="http://schemas.microsoft.com/office/drawing/2010/main" xmlns:m="http://schemas.openxmlformats.org/officeDocument/2006/math" xmlns="" val="1"/>
             </a:ext>
           </a:extLst>
         </p:spPr>
@@ -7734,7 +7680,7 @@
           </a:ln>
           <a:extLst>
             <a:ext uri="{C572A759-6A51-4108-AA02-DFA0A04FC94B}">
-              <ma14:wrappingTextBoxFlag xmlns="" xmlns:m="http://schemas.openxmlformats.org/officeDocument/2006/math" xmlns:a14="http://schemas.microsoft.com/office/drawing/2010/main" xmlns:ma14="http://schemas.microsoft.com/office/mac/drawingml/2011/main" val="1"/>
+              <ma14:wrappingTextBoxFlag xmlns:ma14="http://schemas.microsoft.com/office/mac/drawingml/2011/main" xmlns:a14="http://schemas.microsoft.com/office/drawing/2010/main" xmlns:m="http://schemas.openxmlformats.org/officeDocument/2006/math" xmlns="" val="1"/>
             </a:ext>
           </a:extLst>
         </p:spPr>
@@ -7781,7 +7727,7 @@
           </a:ln>
           <a:extLst>
             <a:ext uri="{C572A759-6A51-4108-AA02-DFA0A04FC94B}">
-              <ma14:wrappingTextBoxFlag xmlns="" xmlns:m="http://schemas.openxmlformats.org/officeDocument/2006/math" xmlns:a14="http://schemas.microsoft.com/office/drawing/2010/main" xmlns:ma14="http://schemas.microsoft.com/office/mac/drawingml/2011/main" val="1"/>
+              <ma14:wrappingTextBoxFlag xmlns:ma14="http://schemas.microsoft.com/office/mac/drawingml/2011/main" xmlns:a14="http://schemas.microsoft.com/office/drawing/2010/main" xmlns:m="http://schemas.openxmlformats.org/officeDocument/2006/math" xmlns="" val="1"/>
             </a:ext>
           </a:extLst>
         </p:spPr>
@@ -7845,7 +7791,7 @@
           </a:ln>
           <a:extLst>
             <a:ext uri="{C572A759-6A51-4108-AA02-DFA0A04FC94B}">
-              <ma14:wrappingTextBoxFlag xmlns="" xmlns:m="http://schemas.openxmlformats.org/officeDocument/2006/math" xmlns:a14="http://schemas.microsoft.com/office/drawing/2010/main" xmlns:ma14="http://schemas.microsoft.com/office/mac/drawingml/2011/main" val="1"/>
+              <ma14:wrappingTextBoxFlag xmlns:ma14="http://schemas.microsoft.com/office/mac/drawingml/2011/main" xmlns:a14="http://schemas.microsoft.com/office/drawing/2010/main" xmlns:m="http://schemas.openxmlformats.org/officeDocument/2006/math" xmlns="" val="1"/>
             </a:ext>
           </a:extLst>
         </p:spPr>
@@ -7892,7 +7838,7 @@
           </a:ln>
           <a:extLst>
             <a:ext uri="{C572A759-6A51-4108-AA02-DFA0A04FC94B}">
-              <ma14:wrappingTextBoxFlag xmlns="" xmlns:m="http://schemas.openxmlformats.org/officeDocument/2006/math" xmlns:a14="http://schemas.microsoft.com/office/drawing/2010/main" xmlns:ma14="http://schemas.microsoft.com/office/mac/drawingml/2011/main" val="1"/>
+              <ma14:wrappingTextBoxFlag xmlns:ma14="http://schemas.microsoft.com/office/mac/drawingml/2011/main" xmlns:a14="http://schemas.microsoft.com/office/drawing/2010/main" xmlns:m="http://schemas.openxmlformats.org/officeDocument/2006/math" xmlns="" val="1"/>
             </a:ext>
           </a:extLst>
         </p:spPr>
@@ -7943,7 +7889,7 @@
           </a:ln>
           <a:extLst>
             <a:ext uri="{C572A759-6A51-4108-AA02-DFA0A04FC94B}">
-              <ma14:wrappingTextBoxFlag xmlns="" xmlns:m="http://schemas.openxmlformats.org/officeDocument/2006/math" xmlns:a14="http://schemas.microsoft.com/office/drawing/2010/main" xmlns:ma14="http://schemas.microsoft.com/office/mac/drawingml/2011/main" val="1"/>
+              <ma14:wrappingTextBoxFlag xmlns:ma14="http://schemas.microsoft.com/office/mac/drawingml/2011/main" xmlns:a14="http://schemas.microsoft.com/office/drawing/2010/main" xmlns:m="http://schemas.openxmlformats.org/officeDocument/2006/math" xmlns="" val="1"/>
             </a:ext>
           </a:extLst>
         </p:spPr>
@@ -7987,7 +7933,7 @@
           </a:ln>
           <a:extLst>
             <a:ext uri="{C572A759-6A51-4108-AA02-DFA0A04FC94B}">
-              <ma14:wrappingTextBoxFlag xmlns="" xmlns:m="http://schemas.openxmlformats.org/officeDocument/2006/math" xmlns:a14="http://schemas.microsoft.com/office/drawing/2010/main" xmlns:ma14="http://schemas.microsoft.com/office/mac/drawingml/2011/main" val="1"/>
+              <ma14:wrappingTextBoxFlag xmlns:ma14="http://schemas.microsoft.com/office/mac/drawingml/2011/main" xmlns:a14="http://schemas.microsoft.com/office/drawing/2010/main" xmlns:m="http://schemas.openxmlformats.org/officeDocument/2006/math" xmlns="" val="1"/>
             </a:ext>
           </a:extLst>
         </p:spPr>
@@ -8038,7 +7984,7 @@
           </a:ln>
           <a:extLst>
             <a:ext uri="{C572A759-6A51-4108-AA02-DFA0A04FC94B}">
-              <ma14:wrappingTextBoxFlag xmlns="" xmlns:m="http://schemas.openxmlformats.org/officeDocument/2006/math" xmlns:a14="http://schemas.microsoft.com/office/drawing/2010/main" xmlns:ma14="http://schemas.microsoft.com/office/mac/drawingml/2011/main" val="1"/>
+              <ma14:wrappingTextBoxFlag xmlns:ma14="http://schemas.microsoft.com/office/mac/drawingml/2011/main" xmlns:a14="http://schemas.microsoft.com/office/drawing/2010/main" xmlns:m="http://schemas.openxmlformats.org/officeDocument/2006/math" xmlns="" val="1"/>
             </a:ext>
           </a:extLst>
         </p:spPr>
@@ -8114,7 +8060,7 @@
           </a:ln>
           <a:extLst>
             <a:ext uri="{C572A759-6A51-4108-AA02-DFA0A04FC94B}">
-              <ma14:wrappingTextBoxFlag xmlns="" xmlns:m="http://schemas.openxmlformats.org/officeDocument/2006/math" xmlns:a14="http://schemas.microsoft.com/office/drawing/2010/main" xmlns:ma14="http://schemas.microsoft.com/office/mac/drawingml/2011/main" val="1"/>
+              <ma14:wrappingTextBoxFlag xmlns:ma14="http://schemas.microsoft.com/office/mac/drawingml/2011/main" xmlns:a14="http://schemas.microsoft.com/office/drawing/2010/main" xmlns:m="http://schemas.openxmlformats.org/officeDocument/2006/math" xmlns="" val="1"/>
             </a:ext>
           </a:extLst>
         </p:spPr>
@@ -8164,7 +8110,7 @@
           </a:ln>
           <a:extLst>
             <a:ext uri="{C572A759-6A51-4108-AA02-DFA0A04FC94B}">
-              <ma14:wrappingTextBoxFlag xmlns="" xmlns:m="http://schemas.openxmlformats.org/officeDocument/2006/math" xmlns:a14="http://schemas.microsoft.com/office/drawing/2010/main" xmlns:ma14="http://schemas.microsoft.com/office/mac/drawingml/2011/main" val="1"/>
+              <ma14:wrappingTextBoxFlag xmlns:ma14="http://schemas.microsoft.com/office/mac/drawingml/2011/main" xmlns:a14="http://schemas.microsoft.com/office/drawing/2010/main" xmlns:m="http://schemas.openxmlformats.org/officeDocument/2006/math" xmlns="" val="1"/>
             </a:ext>
           </a:extLst>
         </p:spPr>
@@ -8211,7 +8157,7 @@
           </a:ln>
           <a:extLst>
             <a:ext uri="{C572A759-6A51-4108-AA02-DFA0A04FC94B}">
-              <ma14:wrappingTextBoxFlag xmlns="" xmlns:m="http://schemas.openxmlformats.org/officeDocument/2006/math" xmlns:a14="http://schemas.microsoft.com/office/drawing/2010/main" xmlns:ma14="http://schemas.microsoft.com/office/mac/drawingml/2011/main" val="1"/>
+              <ma14:wrappingTextBoxFlag xmlns:ma14="http://schemas.microsoft.com/office/mac/drawingml/2011/main" xmlns:a14="http://schemas.microsoft.com/office/drawing/2010/main" xmlns:m="http://schemas.openxmlformats.org/officeDocument/2006/math" xmlns="" val="1"/>
             </a:ext>
           </a:extLst>
         </p:spPr>
@@ -8269,7 +8215,7 @@
           </a:ln>
           <a:extLst>
             <a:ext uri="{C572A759-6A51-4108-AA02-DFA0A04FC94B}">
-              <ma14:wrappingTextBoxFlag xmlns="" xmlns:m="http://schemas.openxmlformats.org/officeDocument/2006/math" xmlns:a14="http://schemas.microsoft.com/office/drawing/2010/main" xmlns:ma14="http://schemas.microsoft.com/office/mac/drawingml/2011/main" val="1"/>
+              <ma14:wrappingTextBoxFlag xmlns:ma14="http://schemas.microsoft.com/office/mac/drawingml/2011/main" xmlns:a14="http://schemas.microsoft.com/office/drawing/2010/main" xmlns:m="http://schemas.openxmlformats.org/officeDocument/2006/math" xmlns="" val="1"/>
             </a:ext>
           </a:extLst>
         </p:spPr>
@@ -8316,7 +8262,7 @@
           </a:ln>
           <a:extLst>
             <a:ext uri="{C572A759-6A51-4108-AA02-DFA0A04FC94B}">
-              <ma14:wrappingTextBoxFlag xmlns="" xmlns:m="http://schemas.openxmlformats.org/officeDocument/2006/math" xmlns:a14="http://schemas.microsoft.com/office/drawing/2010/main" xmlns:ma14="http://schemas.microsoft.com/office/mac/drawingml/2011/main" val="1"/>
+              <ma14:wrappingTextBoxFlag xmlns:ma14="http://schemas.microsoft.com/office/mac/drawingml/2011/main" xmlns:a14="http://schemas.microsoft.com/office/drawing/2010/main" xmlns:m="http://schemas.openxmlformats.org/officeDocument/2006/math" xmlns="" val="1"/>
             </a:ext>
           </a:extLst>
         </p:spPr>
@@ -8361,9 +8307,7 @@
           <p:nvPr/>
         </p:nvPicPr>
         <p:blipFill>
-          <a:blip r:embed="rId2" cstate="print">
-            <a:extLst/>
-          </a:blip>
+          <a:blip r:embed="rId2" cstate="print"/>
           <a:stretch>
             <a:fillRect/>
           </a:stretch>
@@ -8426,7 +8370,7 @@
           </a:ln>
           <a:extLst>
             <a:ext uri="{C572A759-6A51-4108-AA02-DFA0A04FC94B}">
-              <ma14:wrappingTextBoxFlag xmlns="" xmlns:m="http://schemas.openxmlformats.org/officeDocument/2006/math" xmlns:a14="http://schemas.microsoft.com/office/drawing/2010/main" xmlns:ma14="http://schemas.microsoft.com/office/mac/drawingml/2011/main" val="1"/>
+              <ma14:wrappingTextBoxFlag xmlns:ma14="http://schemas.microsoft.com/office/mac/drawingml/2011/main" xmlns:a14="http://schemas.microsoft.com/office/drawing/2010/main" xmlns:m="http://schemas.openxmlformats.org/officeDocument/2006/math" xmlns="" val="1"/>
             </a:ext>
           </a:extLst>
         </p:spPr>
@@ -8476,7 +8420,7 @@
           </a:ln>
           <a:extLst>
             <a:ext uri="{C572A759-6A51-4108-AA02-DFA0A04FC94B}">
-              <ma14:wrappingTextBoxFlag xmlns="" xmlns:m="http://schemas.openxmlformats.org/officeDocument/2006/math" xmlns:a14="http://schemas.microsoft.com/office/drawing/2010/main" xmlns:ma14="http://schemas.microsoft.com/office/mac/drawingml/2011/main" val="1"/>
+              <ma14:wrappingTextBoxFlag xmlns:ma14="http://schemas.microsoft.com/office/mac/drawingml/2011/main" xmlns:a14="http://schemas.microsoft.com/office/drawing/2010/main" xmlns:m="http://schemas.openxmlformats.org/officeDocument/2006/math" xmlns="" val="1"/>
             </a:ext>
           </a:extLst>
         </p:spPr>
@@ -8510,9 +8454,7 @@
           <p:nvPr/>
         </p:nvPicPr>
         <p:blipFill>
-          <a:blip r:embed="rId2" cstate="print">
-            <a:extLst/>
-          </a:blip>
+          <a:blip r:embed="rId2" cstate="print"/>
           <a:stretch>
             <a:fillRect/>
           </a:stretch>
@@ -8596,9 +8538,7 @@
           </p:nvPr>
         </p:nvPicPr>
         <p:blipFill>
-          <a:blip r:embed="rId2" cstate="print">
-            <a:extLst/>
-          </a:blip>
+          <a:blip r:embed="rId2" cstate="print"/>
           <a:srcRect l="17313" r="17313"/>
           <a:stretch>
             <a:fillRect/>
@@ -8703,7 +8643,7 @@
           </a:ln>
           <a:extLst>
             <a:ext uri="{C572A759-6A51-4108-AA02-DFA0A04FC94B}">
-              <ma14:wrappingTextBoxFlag xmlns="" xmlns:m="http://schemas.openxmlformats.org/officeDocument/2006/math" xmlns:a14="http://schemas.microsoft.com/office/drawing/2010/main" xmlns:ma14="http://schemas.microsoft.com/office/mac/drawingml/2011/main" val="1"/>
+              <ma14:wrappingTextBoxFlag xmlns:ma14="http://schemas.microsoft.com/office/mac/drawingml/2011/main" xmlns:a14="http://schemas.microsoft.com/office/drawing/2010/main" xmlns:m="http://schemas.openxmlformats.org/officeDocument/2006/math" xmlns="" val="1"/>
             </a:ext>
           </a:extLst>
         </p:spPr>
@@ -9082,7 +9022,7 @@
           </a:ln>
           <a:extLst>
             <a:ext uri="{C572A759-6A51-4108-AA02-DFA0A04FC94B}">
-              <ma14:wrappingTextBoxFlag xmlns="" xmlns:m="http://schemas.openxmlformats.org/officeDocument/2006/math" xmlns:a14="http://schemas.microsoft.com/office/drawing/2010/main" xmlns:ma14="http://schemas.microsoft.com/office/mac/drawingml/2011/main" val="1"/>
+              <ma14:wrappingTextBoxFlag xmlns:ma14="http://schemas.microsoft.com/office/mac/drawingml/2011/main" xmlns:a14="http://schemas.microsoft.com/office/drawing/2010/main" xmlns:m="http://schemas.openxmlformats.org/officeDocument/2006/math" xmlns="" val="1"/>
             </a:ext>
           </a:extLst>
         </p:spPr>
@@ -9117,9 +9057,7 @@
           </p:nvPr>
         </p:nvPicPr>
         <p:blipFill>
-          <a:blip r:embed="rId2" cstate="print">
-            <a:extLst/>
-          </a:blip>
+          <a:blip r:embed="rId2" cstate="print"/>
           <a:stretch>
             <a:fillRect/>
           </a:stretch>
@@ -9229,9 +9167,7 @@
           <p:nvPr/>
         </p:nvPicPr>
         <p:blipFill>
-          <a:blip r:embed="rId2" cstate="print">
-            <a:extLst/>
-          </a:blip>
+          <a:blip r:embed="rId2" cstate="print"/>
           <a:stretch>
             <a:fillRect/>
           </a:stretch>
@@ -9393,7 +9329,7 @@
           </a:ln>
           <a:extLst>
             <a:ext uri="{C572A759-6A51-4108-AA02-DFA0A04FC94B}">
-              <ma14:wrappingTextBoxFlag xmlns="" xmlns:m="http://schemas.openxmlformats.org/officeDocument/2006/math" xmlns:a14="http://schemas.microsoft.com/office/drawing/2010/main" xmlns:ma14="http://schemas.microsoft.com/office/mac/drawingml/2011/main" val="1"/>
+              <ma14:wrappingTextBoxFlag xmlns:ma14="http://schemas.microsoft.com/office/mac/drawingml/2011/main" xmlns:a14="http://schemas.microsoft.com/office/drawing/2010/main" xmlns:m="http://schemas.openxmlformats.org/officeDocument/2006/math" xmlns="" val="1"/>
             </a:ext>
           </a:extLst>
         </p:spPr>
@@ -9428,9 +9364,7 @@
           </p:nvPr>
         </p:nvPicPr>
         <p:blipFill>
-          <a:blip r:embed="rId2" cstate="print">
-            <a:extLst/>
-          </a:blip>
+          <a:blip r:embed="rId2" cstate="print"/>
           <a:srcRect l="17313" r="17313"/>
           <a:stretch>
             <a:fillRect/>
@@ -9735,7 +9669,7 @@
           </a:ln>
           <a:extLst>
             <a:ext uri="{C572A759-6A51-4108-AA02-DFA0A04FC94B}">
-              <ma14:wrappingTextBoxFlag xmlns="" xmlns:m="http://schemas.openxmlformats.org/officeDocument/2006/math" xmlns:a14="http://schemas.microsoft.com/office/drawing/2010/main" xmlns:ma14="http://schemas.microsoft.com/office/mac/drawingml/2011/main" val="1"/>
+              <ma14:wrappingTextBoxFlag xmlns:ma14="http://schemas.microsoft.com/office/mac/drawingml/2011/main" xmlns:a14="http://schemas.microsoft.com/office/drawing/2010/main" xmlns:m="http://schemas.openxmlformats.org/officeDocument/2006/math" xmlns="" val="1"/>
             </a:ext>
           </a:extLst>
         </p:spPr>
@@ -9906,13 +9840,6 @@
     <a:masterClrMapping/>
   </p:clrMapOvr>
   <p:transition spd="med"/>
-  <p:timing>
-    <p:tnLst>
-      <p:par>
-        <p:cTn id="1" dur="indefinite" restart="never" nodeType="tmRoot"/>
-      </p:par>
-    </p:tnLst>
-  </p:timing>
 </p:sld>
 </file>
 
@@ -10059,7 +9986,7 @@
           </a:ln>
           <a:extLst>
             <a:ext uri="{C572A759-6A51-4108-AA02-DFA0A04FC94B}">
-              <ma14:wrappingTextBoxFlag xmlns="" xmlns:m="http://schemas.openxmlformats.org/officeDocument/2006/math" xmlns:a14="http://schemas.microsoft.com/office/drawing/2010/main" xmlns:ma14="http://schemas.microsoft.com/office/mac/drawingml/2011/main" val="1"/>
+              <ma14:wrappingTextBoxFlag xmlns:ma14="http://schemas.microsoft.com/office/mac/drawingml/2011/main" xmlns:a14="http://schemas.microsoft.com/office/drawing/2010/main" xmlns:m="http://schemas.openxmlformats.org/officeDocument/2006/math" xmlns="" val="1"/>
             </a:ext>
           </a:extLst>
         </p:spPr>
@@ -10094,9 +10021,7 @@
           </p:nvPr>
         </p:nvPicPr>
         <p:blipFill>
-          <a:blip r:embed="rId2" cstate="print">
-            <a:extLst/>
-          </a:blip>
+          <a:blip r:embed="rId2" cstate="print"/>
           <a:stretch>
             <a:fillRect/>
           </a:stretch>
@@ -10199,15 +10124,25 @@
       </p:sp>
       <p:pic>
         <p:nvPicPr>
-          <p:cNvPr id="267" name="Picture 7" descr="Picture 7"/>
+          <p:cNvPr id="3" name="Picture 2" descr="Chart, line chart&#10;&#10;Description automatically generated">
+            <a:extLst>
+              <a:ext uri="{FF2B5EF4-FFF2-40B4-BE49-F238E27FC236}">
+                <a16:creationId xmlns:a16="http://schemas.microsoft.com/office/drawing/2014/main" id="{CD6874F3-D645-4928-8CC4-3393010B682A}"/>
+              </a:ext>
+            </a:extLst>
+          </p:cNvPr>
           <p:cNvPicPr>
             <a:picLocks noChangeAspect="1"/>
           </p:cNvPicPr>
           <p:nvPr/>
         </p:nvPicPr>
         <p:blipFill>
-          <a:blip r:embed="rId2" cstate="print">
-            <a:extLst/>
+          <a:blip r:embed="rId2">
+            <a:extLst>
+              <a:ext uri="{28A0092B-C50C-407E-A947-70E740481C1C}">
+                <a14:useLocalDpi xmlns:a14="http://schemas.microsoft.com/office/drawing/2010/main" val="0"/>
+              </a:ext>
+            </a:extLst>
           </a:blip>
           <a:stretch>
             <a:fillRect/>
@@ -10215,18 +10150,205 @@
         </p:blipFill>
         <p:spPr>
           <a:xfrm>
-            <a:off x="0" y="1517485"/>
-            <a:ext cx="9144000" cy="5141021"/>
-          </a:xfrm>
-          <a:prstGeom prst="rect">
-            <a:avLst/>
-          </a:prstGeom>
-          <a:ln w="12700">
-            <a:miter lim="400000"/>
-          </a:ln>
+            <a:off x="0" y="1517486"/>
+            <a:ext cx="9144000" cy="5141019"/>
+          </a:xfrm>
+          <a:prstGeom prst="rect">
+            <a:avLst/>
+          </a:prstGeom>
         </p:spPr>
       </p:pic>
     </p:spTree>
+  </p:cSld>
+  <p:clrMapOvr>
+    <a:masterClrMapping/>
+  </p:clrMapOvr>
+  <p:transition spd="med"/>
+</p:sld>
+</file>
+
+<file path=ppt/slides/slide32.xml><?xml version="1.0" encoding="utf-8"?>
+<p:sld xmlns:a="http://schemas.openxmlformats.org/drawingml/2006/main" xmlns:r="http://schemas.openxmlformats.org/officeDocument/2006/relationships" xmlns:p="http://schemas.openxmlformats.org/presentationml/2006/main">
+  <p:cSld>
+    <p:spTree>
+      <p:nvGrpSpPr>
+        <p:cNvPr id="1" name=""/>
+        <p:cNvGrpSpPr/>
+        <p:nvPr/>
+      </p:nvGrpSpPr>
+      <p:grpSpPr>
+        <a:xfrm>
+          <a:off x="0" y="0"/>
+          <a:ext cx="0" cy="0"/>
+          <a:chOff x="0" y="0"/>
+          <a:chExt cx="0" cy="0"/>
+        </a:xfrm>
+      </p:grpSpPr>
+      <p:sp>
+        <p:nvSpPr>
+          <p:cNvPr id="6" name="Title 5">
+            <a:extLst>
+              <a:ext uri="{FF2B5EF4-FFF2-40B4-BE49-F238E27FC236}">
+                <a16:creationId xmlns:a16="http://schemas.microsoft.com/office/drawing/2014/main" id="{EF653355-0059-4A90-ABC3-1451EB5373CC}"/>
+              </a:ext>
+            </a:extLst>
+          </p:cNvPr>
+          <p:cNvSpPr>
+            <a:spLocks noGrp="1"/>
+          </p:cNvSpPr>
+          <p:nvPr>
+            <p:ph type="title"/>
+          </p:nvPr>
+        </p:nvSpPr>
+        <p:spPr/>
+        <p:txBody>
+          <a:bodyPr/>
+          <a:lstStyle/>
+          <a:p>
+            <a:r>
+              <a:rPr lang="en-US" dirty="0"/>
+              <a:t>F1 and Accuracy Comparisons</a:t>
+            </a:r>
+          </a:p>
+        </p:txBody>
+      </p:sp>
+      <p:sp>
+        <p:nvSpPr>
+          <p:cNvPr id="7" name="Text Placeholder 6">
+            <a:extLst>
+              <a:ext uri="{FF2B5EF4-FFF2-40B4-BE49-F238E27FC236}">
+                <a16:creationId xmlns:a16="http://schemas.microsoft.com/office/drawing/2014/main" id="{952C28E7-0270-4E27-A759-93485E79BB9E}"/>
+              </a:ext>
+            </a:extLst>
+          </p:cNvPr>
+          <p:cNvSpPr>
+            <a:spLocks noGrp="1"/>
+          </p:cNvSpPr>
+          <p:nvPr>
+            <p:ph type="body" sz="quarter" idx="1"/>
+          </p:nvPr>
+        </p:nvSpPr>
+        <p:spPr/>
+        <p:txBody>
+          <a:bodyPr/>
+          <a:lstStyle/>
+          <a:p>
+            <a:r>
+              <a:rPr lang="en-US" dirty="0"/>
+              <a:t>F1</a:t>
+            </a:r>
+          </a:p>
+        </p:txBody>
+      </p:sp>
+      <p:sp>
+        <p:nvSpPr>
+          <p:cNvPr id="8" name="Text Placeholder 7">
+            <a:extLst>
+              <a:ext uri="{FF2B5EF4-FFF2-40B4-BE49-F238E27FC236}">
+                <a16:creationId xmlns:a16="http://schemas.microsoft.com/office/drawing/2014/main" id="{0AF480C8-F461-45B0-B0F2-F10C89FE9866}"/>
+              </a:ext>
+            </a:extLst>
+          </p:cNvPr>
+          <p:cNvSpPr>
+            <a:spLocks noGrp="1"/>
+          </p:cNvSpPr>
+          <p:nvPr>
+            <p:ph type="body" sz="quarter" idx="13"/>
+          </p:nvPr>
+        </p:nvSpPr>
+        <p:spPr/>
+        <p:txBody>
+          <a:bodyPr/>
+          <a:lstStyle/>
+          <a:p>
+            <a:pPr marL="118872" indent="0">
+              <a:buNone/>
+            </a:pPr>
+            <a:r>
+              <a:rPr lang="en-US" dirty="0"/>
+              <a:t>Accuracy</a:t>
+            </a:r>
+          </a:p>
+        </p:txBody>
+      </p:sp>
+      <p:pic>
+        <p:nvPicPr>
+          <p:cNvPr id="10" name="Picture 9" descr="Chart, bar chart&#10;&#10;Description automatically generated">
+            <a:extLst>
+              <a:ext uri="{FF2B5EF4-FFF2-40B4-BE49-F238E27FC236}">
+                <a16:creationId xmlns:a16="http://schemas.microsoft.com/office/drawing/2014/main" id="{53E6EC72-5581-4ED7-B467-7C3FA644A99F}"/>
+              </a:ext>
+            </a:extLst>
+          </p:cNvPr>
+          <p:cNvPicPr>
+            <a:picLocks noChangeAspect="1"/>
+          </p:cNvPicPr>
+          <p:nvPr/>
+        </p:nvPicPr>
+        <p:blipFill>
+          <a:blip r:embed="rId2">
+            <a:extLst>
+              <a:ext uri="{28A0092B-C50C-407E-A947-70E740481C1C}">
+                <a14:useLocalDpi xmlns:a14="http://schemas.microsoft.com/office/drawing/2010/main" val="0"/>
+              </a:ext>
+            </a:extLst>
+          </a:blip>
+          <a:stretch>
+            <a:fillRect/>
+          </a:stretch>
+        </p:blipFill>
+        <p:spPr>
+          <a:xfrm>
+            <a:off x="0" y="2414344"/>
+            <a:ext cx="4571999" cy="4291255"/>
+          </a:xfrm>
+          <a:prstGeom prst="rect">
+            <a:avLst/>
+          </a:prstGeom>
+        </p:spPr>
+      </p:pic>
+      <p:pic>
+        <p:nvPicPr>
+          <p:cNvPr id="12" name="Picture 11" descr="Chart, bar chart&#10;&#10;Description automatically generated">
+            <a:extLst>
+              <a:ext uri="{FF2B5EF4-FFF2-40B4-BE49-F238E27FC236}">
+                <a16:creationId xmlns:a16="http://schemas.microsoft.com/office/drawing/2014/main" id="{98FB2628-9A34-4326-B1BB-2E53CF3DC701}"/>
+              </a:ext>
+            </a:extLst>
+          </p:cNvPr>
+          <p:cNvPicPr>
+            <a:picLocks noChangeAspect="1"/>
+          </p:cNvPicPr>
+          <p:nvPr/>
+        </p:nvPicPr>
+        <p:blipFill>
+          <a:blip r:embed="rId3">
+            <a:extLst>
+              <a:ext uri="{28A0092B-C50C-407E-A947-70E740481C1C}">
+                <a14:useLocalDpi xmlns:a14="http://schemas.microsoft.com/office/drawing/2010/main" val="0"/>
+              </a:ext>
+            </a:extLst>
+          </a:blip>
+          <a:stretch>
+            <a:fillRect/>
+          </a:stretch>
+        </p:blipFill>
+        <p:spPr>
+          <a:xfrm>
+            <a:off x="4379911" y="2414345"/>
+            <a:ext cx="4572001" cy="4291254"/>
+          </a:xfrm>
+          <a:prstGeom prst="rect">
+            <a:avLst/>
+          </a:prstGeom>
+        </p:spPr>
+      </p:pic>
+    </p:spTree>
+    <p:extLst>
+      <p:ext uri="{BB962C8B-B14F-4D97-AF65-F5344CB8AC3E}">
+        <p14:creationId xmlns:p14="http://schemas.microsoft.com/office/powerpoint/2010/main" val="4147429674"/>
+      </p:ext>
+    </p:extLst>
   </p:cSld>
   <p:clrMapOvr>
     <a:masterClrMapping/>
@@ -10333,18 +10455,13 @@
             </a:pPr>
             <a:r>
               <a:rPr dirty="0"/>
-              <a:t>The dataset </a:t>
-            </a:r>
-            <a:r>
-              <a:rPr dirty="0" smtClean="0"/>
-              <a:t>consist</a:t>
-            </a:r>
-            <a:r>
-              <a:rPr lang="it-IT" smtClean="0"/>
+              <a:t>The dataset consist</a:t>
+            </a:r>
+            <a:r>
+              <a:rPr lang="it-IT"/>
               <a:t>s</a:t>
             </a:r>
             <a:r>
-              <a:rPr smtClean="0"/>
               <a:t> </a:t>
             </a:r>
             <a:r>
@@ -10440,13 +10557,6 @@
     <a:masterClrMapping/>
   </p:clrMapOvr>
   <p:transition spd="med"/>
-  <p:timing>
-    <p:tnLst>
-      <p:par>
-        <p:cTn id="1" dur="indefinite" restart="never" nodeType="tmRoot"/>
-      </p:par>
-    </p:tnLst>
-  </p:timing>
 </p:sld>
 </file>
 
@@ -10527,9 +10637,7 @@
           <p:nvPr/>
         </p:nvPicPr>
         <p:blipFill>
-          <a:blip r:embed="rId2" cstate="print">
-            <a:extLst/>
-          </a:blip>
+          <a:blip r:embed="rId2" cstate="print"/>
           <a:stretch>
             <a:fillRect/>
           </a:stretch>
@@ -10553,13 +10661,6 @@
     <a:masterClrMapping/>
   </p:clrMapOvr>
   <p:transition spd="med"/>
-  <p:timing>
-    <p:tnLst>
-      <p:par>
-        <p:cTn id="1" dur="indefinite" restart="never" nodeType="tmRoot"/>
-      </p:par>
-    </p:tnLst>
-  </p:timing>
 </p:sld>
 </file>
 
@@ -10640,9 +10741,7 @@
           <p:nvPr/>
         </p:nvPicPr>
         <p:blipFill>
-          <a:blip r:embed="rId2" cstate="print">
-            <a:extLst/>
-          </a:blip>
+          <a:blip r:embed="rId2" cstate="print"/>
           <a:stretch>
             <a:fillRect/>
           </a:stretch>
@@ -10669,9 +10768,7 @@
           <p:nvPr/>
         </p:nvPicPr>
         <p:blipFill>
-          <a:blip r:embed="rId3" cstate="print">
-            <a:extLst/>
-          </a:blip>
+          <a:blip r:embed="rId3" cstate="print"/>
           <a:stretch>
             <a:fillRect/>
           </a:stretch>
@@ -10695,13 +10792,6 @@
     <a:masterClrMapping/>
   </p:clrMapOvr>
   <p:transition spd="med"/>
-  <p:timing>
-    <p:tnLst>
-      <p:par>
-        <p:cTn id="1" dur="indefinite" restart="never" nodeType="tmRoot"/>
-      </p:par>
-    </p:tnLst>
-  </p:timing>
 </p:sld>
 </file>
 
@@ -10782,7 +10872,7 @@
           </a:ln>
           <a:extLst>
             <a:ext uri="{C572A759-6A51-4108-AA02-DFA0A04FC94B}">
-              <ma14:wrappingTextBoxFlag xmlns="" xmlns:m="http://schemas.openxmlformats.org/officeDocument/2006/math" xmlns:a14="http://schemas.microsoft.com/office/drawing/2010/main" xmlns:ma14="http://schemas.microsoft.com/office/mac/drawingml/2011/main" val="1"/>
+              <ma14:wrappingTextBoxFlag xmlns:ma14="http://schemas.microsoft.com/office/mac/drawingml/2011/main" xmlns:a14="http://schemas.microsoft.com/office/drawing/2010/main" xmlns:m="http://schemas.openxmlformats.org/officeDocument/2006/math" xmlns="" val="1"/>
             </a:ext>
           </a:extLst>
         </p:spPr>
@@ -10828,9 +10918,7 @@
           <p:nvPr/>
         </p:nvPicPr>
         <p:blipFill>
-          <a:blip r:embed="rId2" cstate="print">
-            <a:extLst/>
-          </a:blip>
+          <a:blip r:embed="rId2" cstate="print"/>
           <a:stretch>
             <a:fillRect/>
           </a:stretch>
@@ -10867,7 +10955,7 @@
           </a:ln>
           <a:extLst>
             <a:ext uri="{C572A759-6A51-4108-AA02-DFA0A04FC94B}">
-              <ma14:wrappingTextBoxFlag xmlns="" xmlns:m="http://schemas.openxmlformats.org/officeDocument/2006/math" xmlns:a14="http://schemas.microsoft.com/office/drawing/2010/main" xmlns:ma14="http://schemas.microsoft.com/office/mac/drawingml/2011/main" val="1"/>
+              <ma14:wrappingTextBoxFlag xmlns:ma14="http://schemas.microsoft.com/office/mac/drawingml/2011/main" xmlns:a14="http://schemas.microsoft.com/office/drawing/2010/main" xmlns:m="http://schemas.openxmlformats.org/officeDocument/2006/math" xmlns="" val="1"/>
             </a:ext>
           </a:extLst>
         </p:spPr>
@@ -10917,7 +11005,7 @@
           </a:ln>
           <a:extLst>
             <a:ext uri="{C572A759-6A51-4108-AA02-DFA0A04FC94B}">
-              <ma14:wrappingTextBoxFlag xmlns="" xmlns:m="http://schemas.openxmlformats.org/officeDocument/2006/math" xmlns:a14="http://schemas.microsoft.com/office/drawing/2010/main" xmlns:ma14="http://schemas.microsoft.com/office/mac/drawingml/2011/main" val="1"/>
+              <ma14:wrappingTextBoxFlag xmlns:ma14="http://schemas.microsoft.com/office/mac/drawingml/2011/main" xmlns:a14="http://schemas.microsoft.com/office/drawing/2010/main" xmlns:m="http://schemas.openxmlformats.org/officeDocument/2006/math" xmlns="" val="1"/>
             </a:ext>
           </a:extLst>
         </p:spPr>
@@ -10951,9 +11039,7 @@
           <p:nvPr/>
         </p:nvPicPr>
         <p:blipFill>
-          <a:blip r:embed="rId3" cstate="print">
-            <a:extLst/>
-          </a:blip>
+          <a:blip r:embed="rId3" cstate="print"/>
           <a:stretch>
             <a:fillRect/>
           </a:stretch>
@@ -10990,7 +11076,7 @@
           </a:ln>
           <a:extLst>
             <a:ext uri="{C572A759-6A51-4108-AA02-DFA0A04FC94B}">
-              <ma14:wrappingTextBoxFlag xmlns="" xmlns:m="http://schemas.openxmlformats.org/officeDocument/2006/math" xmlns:a14="http://schemas.microsoft.com/office/drawing/2010/main" xmlns:ma14="http://schemas.microsoft.com/office/mac/drawingml/2011/main" val="1"/>
+              <ma14:wrappingTextBoxFlag xmlns:ma14="http://schemas.microsoft.com/office/mac/drawingml/2011/main" xmlns:a14="http://schemas.microsoft.com/office/drawing/2010/main" xmlns:m="http://schemas.openxmlformats.org/officeDocument/2006/math" xmlns="" val="1"/>
             </a:ext>
           </a:extLst>
         </p:spPr>
@@ -11030,9 +11116,7 @@
           <p:nvPr/>
         </p:nvPicPr>
         <p:blipFill>
-          <a:blip r:embed="rId4" cstate="print">
-            <a:extLst/>
-          </a:blip>
+          <a:blip r:embed="rId4" cstate="print"/>
           <a:stretch>
             <a:fillRect/>
           </a:stretch>
@@ -11056,13 +11140,6 @@
     <a:masterClrMapping/>
   </p:clrMapOvr>
   <p:transition spd="med"/>
-  <p:timing>
-    <p:tnLst>
-      <p:par>
-        <p:cTn id="1" dur="indefinite" restart="never" nodeType="tmRoot"/>
-      </p:par>
-    </p:tnLst>
-  </p:timing>
 </p:sld>
 </file>
 
@@ -11143,7 +11220,7 @@
           </a:ln>
           <a:extLst>
             <a:ext uri="{C572A759-6A51-4108-AA02-DFA0A04FC94B}">
-              <ma14:wrappingTextBoxFlag xmlns="" xmlns:m="http://schemas.openxmlformats.org/officeDocument/2006/math" xmlns:a14="http://schemas.microsoft.com/office/drawing/2010/main" xmlns:ma14="http://schemas.microsoft.com/office/mac/drawingml/2011/main" val="1"/>
+              <ma14:wrappingTextBoxFlag xmlns:ma14="http://schemas.microsoft.com/office/mac/drawingml/2011/main" xmlns:a14="http://schemas.microsoft.com/office/drawing/2010/main" xmlns:m="http://schemas.openxmlformats.org/officeDocument/2006/math" xmlns="" val="1"/>
             </a:ext>
           </a:extLst>
         </p:spPr>
@@ -11183,9 +11260,7 @@
           <p:nvPr/>
         </p:nvPicPr>
         <p:blipFill>
-          <a:blip r:embed="rId2" cstate="print">
-            <a:extLst/>
-          </a:blip>
+          <a:blip r:embed="rId2" cstate="print"/>
           <a:stretch>
             <a:fillRect/>
           </a:stretch>
@@ -11209,13 +11284,6 @@
     <a:masterClrMapping/>
   </p:clrMapOvr>
   <p:transition spd="med"/>
-  <p:timing>
-    <p:tnLst>
-      <p:par>
-        <p:cTn id="1" dur="indefinite" restart="never" nodeType="tmRoot"/>
-      </p:par>
-    </p:tnLst>
-  </p:timing>
 </p:sld>
 </file>
 
@@ -11297,7 +11365,7 @@
           </a:ln>
           <a:extLst>
             <a:ext uri="{C572A759-6A51-4108-AA02-DFA0A04FC94B}">
-              <ma14:wrappingTextBoxFlag xmlns="" xmlns:m="http://schemas.openxmlformats.org/officeDocument/2006/math" xmlns:a14="http://schemas.microsoft.com/office/drawing/2010/main" xmlns:ma14="http://schemas.microsoft.com/office/mac/drawingml/2011/main" val="1"/>
+              <ma14:wrappingTextBoxFlag xmlns:ma14="http://schemas.microsoft.com/office/mac/drawingml/2011/main" xmlns:a14="http://schemas.microsoft.com/office/drawing/2010/main" xmlns:m="http://schemas.openxmlformats.org/officeDocument/2006/math" xmlns="" val="1"/>
             </a:ext>
           </a:extLst>
         </p:spPr>
@@ -11341,7 +11409,7 @@
           </a:ln>
           <a:extLst>
             <a:ext uri="{C572A759-6A51-4108-AA02-DFA0A04FC94B}">
-              <ma14:wrappingTextBoxFlag xmlns="" xmlns:m="http://schemas.openxmlformats.org/officeDocument/2006/math" xmlns:a14="http://schemas.microsoft.com/office/drawing/2010/main" xmlns:ma14="http://schemas.microsoft.com/office/mac/drawingml/2011/main" val="1"/>
+              <ma14:wrappingTextBoxFlag xmlns:ma14="http://schemas.microsoft.com/office/mac/drawingml/2011/main" xmlns:a14="http://schemas.microsoft.com/office/drawing/2010/main" xmlns:m="http://schemas.openxmlformats.org/officeDocument/2006/math" xmlns="" val="1"/>
             </a:ext>
           </a:extLst>
         </p:spPr>
@@ -11380,23 +11448,23 @@
               <a:t>' column, we delete some row representing patients whose risk is =0 (that is, </a:t>
             </a:r>
             <a:r>
-              <a:rPr dirty="0" err="1" smtClean="0"/>
+              <a:rPr dirty="0" err="1"/>
               <a:t>pati</a:t>
             </a:r>
             <a:r>
-              <a:rPr lang="it-IT" dirty="0" smtClean="0"/>
+              <a:rPr lang="it-IT" dirty="0"/>
               <a:t>e</a:t>
             </a:r>
             <a:r>
-              <a:rPr dirty="0" err="1" smtClean="0"/>
+              <a:rPr dirty="0" err="1"/>
               <a:t>nt</a:t>
             </a:r>
             <a:r>
-              <a:rPr lang="it-IT" dirty="0" smtClean="0"/>
+              <a:rPr lang="it-IT" dirty="0"/>
               <a:t>s</a:t>
             </a:r>
             <a:r>
-              <a:rPr dirty="0" smtClean="0"/>
+              <a:rPr dirty="0"/>
               <a:t> </a:t>
             </a:r>
             <a:r>
@@ -11419,9 +11487,7 @@
           <p:nvPr/>
         </p:nvPicPr>
         <p:blipFill>
-          <a:blip r:embed="rId2" cstate="print">
-            <a:extLst/>
-          </a:blip>
+          <a:blip r:embed="rId2" cstate="print"/>
           <a:stretch>
             <a:fillRect/>
           </a:stretch>
@@ -11458,7 +11524,7 @@
           </a:ln>
           <a:extLst>
             <a:ext uri="{C572A759-6A51-4108-AA02-DFA0A04FC94B}">
-              <ma14:wrappingTextBoxFlag xmlns="" xmlns:m="http://schemas.openxmlformats.org/officeDocument/2006/math" xmlns:a14="http://schemas.microsoft.com/office/drawing/2010/main" xmlns:ma14="http://schemas.microsoft.com/office/mac/drawingml/2011/main" val="1"/>
+              <ma14:wrappingTextBoxFlag xmlns:ma14="http://schemas.microsoft.com/office/mac/drawingml/2011/main" xmlns:a14="http://schemas.microsoft.com/office/drawing/2010/main" xmlns:m="http://schemas.openxmlformats.org/officeDocument/2006/math" xmlns="" val="1"/>
             </a:ext>
           </a:extLst>
         </p:spPr>
@@ -11492,9 +11558,7 @@
           <p:nvPr/>
         </p:nvPicPr>
         <p:blipFill>
-          <a:blip r:embed="rId3" cstate="print">
-            <a:extLst/>
-          </a:blip>
+          <a:blip r:embed="rId3" cstate="print"/>
           <a:stretch>
             <a:fillRect/>
           </a:stretch>
@@ -11531,7 +11595,7 @@
           </a:ln>
           <a:extLst>
             <a:ext uri="{C572A759-6A51-4108-AA02-DFA0A04FC94B}">
-              <ma14:wrappingTextBoxFlag xmlns="" xmlns:m="http://schemas.openxmlformats.org/officeDocument/2006/math" xmlns:a14="http://schemas.microsoft.com/office/drawing/2010/main" xmlns:ma14="http://schemas.microsoft.com/office/mac/drawingml/2011/main" val="1"/>
+              <ma14:wrappingTextBoxFlag xmlns:ma14="http://schemas.microsoft.com/office/mac/drawingml/2011/main" xmlns:a14="http://schemas.microsoft.com/office/drawing/2010/main" xmlns:m="http://schemas.openxmlformats.org/officeDocument/2006/math" xmlns="" val="1"/>
             </a:ext>
           </a:extLst>
         </p:spPr>
@@ -11568,13 +11632,6 @@
     <a:masterClrMapping/>
   </p:clrMapOvr>
   <p:transition spd="med"/>
-  <p:timing>
-    <p:tnLst>
-      <p:par>
-        <p:cTn id="1" dur="indefinite" restart="never" nodeType="tmRoot"/>
-      </p:par>
-    </p:tnLst>
-  </p:timing>
 </p:sld>
 </file>
 

--- a/Prova.pptx
+++ b/Prova.pptx
@@ -2349,7 +2349,7 @@
           </a:ln>
           <a:extLst>
             <a:ext uri="{C572A759-6A51-4108-AA02-DFA0A04FC94B}">
-              <ma14:wrappingTextBoxFlag xmlns:ma14="http://schemas.microsoft.com/office/mac/drawingml/2011/main" xmlns:a14="http://schemas.microsoft.com/office/drawing/2010/main" xmlns:m="http://schemas.openxmlformats.org/officeDocument/2006/math" xmlns="" val="1"/>
+              <ma14:wrappingTextBoxFlag xmlns="" xmlns:m="http://schemas.openxmlformats.org/officeDocument/2006/math" xmlns:a14="http://schemas.microsoft.com/office/drawing/2010/main" xmlns:ma14="http://schemas.microsoft.com/office/mac/drawingml/2011/main" val="1"/>
             </a:ext>
           </a:extLst>
         </p:spPr>
@@ -2388,7 +2388,7 @@
           </a:ln>
           <a:extLst>
             <a:ext uri="{C572A759-6A51-4108-AA02-DFA0A04FC94B}">
-              <ma14:wrappingTextBoxFlag xmlns:ma14="http://schemas.microsoft.com/office/mac/drawingml/2011/main" xmlns:a14="http://schemas.microsoft.com/office/drawing/2010/main" xmlns:m="http://schemas.openxmlformats.org/officeDocument/2006/math" xmlns="" val="1"/>
+              <ma14:wrappingTextBoxFlag xmlns="" xmlns:m="http://schemas.openxmlformats.org/officeDocument/2006/math" xmlns:a14="http://schemas.microsoft.com/office/drawing/2010/main" xmlns:ma14="http://schemas.microsoft.com/office/mac/drawingml/2011/main" val="1"/>
             </a:ext>
           </a:extLst>
         </p:spPr>
@@ -3333,7 +3333,7 @@
           </a:ln>
           <a:extLst>
             <a:ext uri="{C572A759-6A51-4108-AA02-DFA0A04FC94B}">
-              <ma14:wrappingTextBoxFlag xmlns:ma14="http://schemas.microsoft.com/office/mac/drawingml/2011/main" xmlns:a14="http://schemas.microsoft.com/office/drawing/2010/main" xmlns:m="http://schemas.openxmlformats.org/officeDocument/2006/math" xmlns="" val="1"/>
+              <ma14:wrappingTextBoxFlag xmlns="" xmlns:m="http://schemas.openxmlformats.org/officeDocument/2006/math" xmlns:a14="http://schemas.microsoft.com/office/drawing/2010/main" xmlns:ma14="http://schemas.microsoft.com/office/mac/drawingml/2011/main" val="1"/>
             </a:ext>
           </a:extLst>
         </p:spPr>
@@ -3389,7 +3389,7 @@
           </a:ln>
           <a:extLst>
             <a:ext uri="{C572A759-6A51-4108-AA02-DFA0A04FC94B}">
-              <ma14:wrappingTextBoxFlag xmlns:ma14="http://schemas.microsoft.com/office/mac/drawingml/2011/main" xmlns:a14="http://schemas.microsoft.com/office/drawing/2010/main" xmlns:m="http://schemas.openxmlformats.org/officeDocument/2006/math" xmlns="" val="1"/>
+              <ma14:wrappingTextBoxFlag xmlns="" xmlns:m="http://schemas.openxmlformats.org/officeDocument/2006/math" xmlns:a14="http://schemas.microsoft.com/office/drawing/2010/main" xmlns:ma14="http://schemas.microsoft.com/office/mac/drawingml/2011/main" val="1"/>
             </a:ext>
           </a:extLst>
         </p:spPr>
@@ -3506,7 +3506,7 @@
           </a:ln>
           <a:extLst>
             <a:ext uri="{C572A759-6A51-4108-AA02-DFA0A04FC94B}">
-              <ma14:wrappingTextBoxFlag xmlns:ma14="http://schemas.microsoft.com/office/mac/drawingml/2011/main" xmlns:a14="http://schemas.microsoft.com/office/drawing/2010/main" xmlns:m="http://schemas.openxmlformats.org/officeDocument/2006/math" xmlns="" val="1"/>
+              <ma14:wrappingTextBoxFlag xmlns="" xmlns:m="http://schemas.openxmlformats.org/officeDocument/2006/math" xmlns:a14="http://schemas.microsoft.com/office/drawing/2010/main" xmlns:ma14="http://schemas.microsoft.com/office/mac/drawingml/2011/main" val="1"/>
             </a:ext>
           </a:extLst>
         </p:spPr>
@@ -3577,7 +3577,7 @@
           </a:ln>
           <a:extLst>
             <a:ext uri="{C572A759-6A51-4108-AA02-DFA0A04FC94B}">
-              <ma14:wrappingTextBoxFlag xmlns:ma14="http://schemas.microsoft.com/office/mac/drawingml/2011/main" xmlns:a14="http://schemas.microsoft.com/office/drawing/2010/main" xmlns:m="http://schemas.openxmlformats.org/officeDocument/2006/math" xmlns="" val="1"/>
+              <ma14:wrappingTextBoxFlag xmlns="" xmlns:m="http://schemas.openxmlformats.org/officeDocument/2006/math" xmlns:a14="http://schemas.microsoft.com/office/drawing/2010/main" xmlns:ma14="http://schemas.microsoft.com/office/mac/drawingml/2011/main" val="1"/>
             </a:ext>
           </a:extLst>
         </p:spPr>
@@ -3770,7 +3770,7 @@
           </a:ln>
           <a:extLst>
             <a:ext uri="{C572A759-6A51-4108-AA02-DFA0A04FC94B}">
-              <ma14:wrappingTextBoxFlag xmlns:ma14="http://schemas.microsoft.com/office/mac/drawingml/2011/main" xmlns:a14="http://schemas.microsoft.com/office/drawing/2010/main" xmlns:m="http://schemas.openxmlformats.org/officeDocument/2006/math" xmlns="" val="1"/>
+              <ma14:wrappingTextBoxFlag xmlns="" xmlns:m="http://schemas.openxmlformats.org/officeDocument/2006/math" xmlns:a14="http://schemas.microsoft.com/office/drawing/2010/main" xmlns:ma14="http://schemas.microsoft.com/office/mac/drawingml/2011/main" val="1"/>
             </a:ext>
           </a:extLst>
         </p:spPr>
@@ -3817,7 +3817,7 @@
           </a:ln>
           <a:extLst>
             <a:ext uri="{C572A759-6A51-4108-AA02-DFA0A04FC94B}">
-              <ma14:wrappingTextBoxFlag xmlns:ma14="http://schemas.microsoft.com/office/mac/drawingml/2011/main" xmlns:a14="http://schemas.microsoft.com/office/drawing/2010/main" xmlns:m="http://schemas.openxmlformats.org/officeDocument/2006/math" xmlns="" val="1"/>
+              <ma14:wrappingTextBoxFlag xmlns="" xmlns:m="http://schemas.openxmlformats.org/officeDocument/2006/math" xmlns:a14="http://schemas.microsoft.com/office/drawing/2010/main" xmlns:ma14="http://schemas.microsoft.com/office/mac/drawingml/2011/main" val="1"/>
             </a:ext>
           </a:extLst>
         </p:spPr>
@@ -3881,7 +3881,7 @@
           </a:ln>
           <a:extLst>
             <a:ext uri="{C572A759-6A51-4108-AA02-DFA0A04FC94B}">
-              <ma14:wrappingTextBoxFlag xmlns:ma14="http://schemas.microsoft.com/office/mac/drawingml/2011/main" xmlns:a14="http://schemas.microsoft.com/office/drawing/2010/main" xmlns:m="http://schemas.openxmlformats.org/officeDocument/2006/math" xmlns="" val="1"/>
+              <ma14:wrappingTextBoxFlag xmlns="" xmlns:m="http://schemas.openxmlformats.org/officeDocument/2006/math" xmlns:a14="http://schemas.microsoft.com/office/drawing/2010/main" xmlns:ma14="http://schemas.microsoft.com/office/mac/drawingml/2011/main" val="1"/>
             </a:ext>
           </a:extLst>
         </p:spPr>
@@ -3928,7 +3928,7 @@
           </a:ln>
           <a:extLst>
             <a:ext uri="{C572A759-6A51-4108-AA02-DFA0A04FC94B}">
-              <ma14:wrappingTextBoxFlag xmlns:ma14="http://schemas.microsoft.com/office/mac/drawingml/2011/main" xmlns:a14="http://schemas.microsoft.com/office/drawing/2010/main" xmlns:m="http://schemas.openxmlformats.org/officeDocument/2006/math" xmlns="" val="1"/>
+              <ma14:wrappingTextBoxFlag xmlns="" xmlns:m="http://schemas.openxmlformats.org/officeDocument/2006/math" xmlns:a14="http://schemas.microsoft.com/office/drawing/2010/main" xmlns:ma14="http://schemas.microsoft.com/office/mac/drawingml/2011/main" val="1"/>
             </a:ext>
           </a:extLst>
         </p:spPr>
@@ -3979,7 +3979,7 @@
           </a:ln>
           <a:extLst>
             <a:ext uri="{C572A759-6A51-4108-AA02-DFA0A04FC94B}">
-              <ma14:wrappingTextBoxFlag xmlns:ma14="http://schemas.microsoft.com/office/mac/drawingml/2011/main" xmlns:a14="http://schemas.microsoft.com/office/drawing/2010/main" xmlns:m="http://schemas.openxmlformats.org/officeDocument/2006/math" xmlns="" val="1"/>
+              <ma14:wrappingTextBoxFlag xmlns="" xmlns:m="http://schemas.openxmlformats.org/officeDocument/2006/math" xmlns:a14="http://schemas.microsoft.com/office/drawing/2010/main" xmlns:ma14="http://schemas.microsoft.com/office/mac/drawingml/2011/main" val="1"/>
             </a:ext>
           </a:extLst>
         </p:spPr>
@@ -4023,7 +4023,7 @@
           </a:ln>
           <a:extLst>
             <a:ext uri="{C572A759-6A51-4108-AA02-DFA0A04FC94B}">
-              <ma14:wrappingTextBoxFlag xmlns:ma14="http://schemas.microsoft.com/office/mac/drawingml/2011/main" xmlns:a14="http://schemas.microsoft.com/office/drawing/2010/main" xmlns:m="http://schemas.openxmlformats.org/officeDocument/2006/math" xmlns="" val="1"/>
+              <ma14:wrappingTextBoxFlag xmlns="" xmlns:m="http://schemas.openxmlformats.org/officeDocument/2006/math" xmlns:a14="http://schemas.microsoft.com/office/drawing/2010/main" xmlns:ma14="http://schemas.microsoft.com/office/mac/drawingml/2011/main" val="1"/>
             </a:ext>
           </a:extLst>
         </p:spPr>
@@ -4144,7 +4144,7 @@
           </a:ln>
           <a:extLst>
             <a:ext uri="{C572A759-6A51-4108-AA02-DFA0A04FC94B}">
-              <ma14:wrappingTextBoxFlag xmlns:ma14="http://schemas.microsoft.com/office/mac/drawingml/2011/main" xmlns:a14="http://schemas.microsoft.com/office/drawing/2010/main" xmlns:m="http://schemas.openxmlformats.org/officeDocument/2006/math" xmlns="" val="1"/>
+              <ma14:wrappingTextBoxFlag xmlns="" xmlns:m="http://schemas.openxmlformats.org/officeDocument/2006/math" xmlns:a14="http://schemas.microsoft.com/office/drawing/2010/main" xmlns:ma14="http://schemas.microsoft.com/office/mac/drawingml/2011/main" val="1"/>
             </a:ext>
           </a:extLst>
         </p:spPr>
@@ -4218,7 +4218,7 @@
           </a:ln>
           <a:extLst>
             <a:ext uri="{C572A759-6A51-4108-AA02-DFA0A04FC94B}">
-              <ma14:wrappingTextBoxFlag xmlns:ma14="http://schemas.microsoft.com/office/mac/drawingml/2011/main" xmlns:a14="http://schemas.microsoft.com/office/drawing/2010/main" xmlns:m="http://schemas.openxmlformats.org/officeDocument/2006/math" xmlns="" val="1"/>
+              <ma14:wrappingTextBoxFlag xmlns="" xmlns:m="http://schemas.openxmlformats.org/officeDocument/2006/math" xmlns:a14="http://schemas.microsoft.com/office/drawing/2010/main" xmlns:ma14="http://schemas.microsoft.com/office/mac/drawingml/2011/main" val="1"/>
             </a:ext>
           </a:extLst>
         </p:spPr>
@@ -4284,7 +4284,7 @@
           </a:ln>
           <a:extLst>
             <a:ext uri="{C572A759-6A51-4108-AA02-DFA0A04FC94B}">
-              <ma14:wrappingTextBoxFlag xmlns:ma14="http://schemas.microsoft.com/office/mac/drawingml/2011/main" xmlns:a14="http://schemas.microsoft.com/office/drawing/2010/main" xmlns:m="http://schemas.openxmlformats.org/officeDocument/2006/math" xmlns="" val="1"/>
+              <ma14:wrappingTextBoxFlag xmlns="" xmlns:m="http://schemas.openxmlformats.org/officeDocument/2006/math" xmlns:a14="http://schemas.microsoft.com/office/drawing/2010/main" xmlns:ma14="http://schemas.microsoft.com/office/mac/drawingml/2011/main" val="1"/>
             </a:ext>
           </a:extLst>
         </p:spPr>
@@ -4331,7 +4331,7 @@
           </a:ln>
           <a:extLst>
             <a:ext uri="{C572A759-6A51-4108-AA02-DFA0A04FC94B}">
-              <ma14:wrappingTextBoxFlag xmlns:ma14="http://schemas.microsoft.com/office/mac/drawingml/2011/main" xmlns:a14="http://schemas.microsoft.com/office/drawing/2010/main" xmlns:m="http://schemas.openxmlformats.org/officeDocument/2006/math" xmlns="" val="1"/>
+              <ma14:wrappingTextBoxFlag xmlns="" xmlns:m="http://schemas.openxmlformats.org/officeDocument/2006/math" xmlns:a14="http://schemas.microsoft.com/office/drawing/2010/main" xmlns:ma14="http://schemas.microsoft.com/office/mac/drawingml/2011/main" val="1"/>
             </a:ext>
           </a:extLst>
         </p:spPr>
@@ -4412,7 +4412,7 @@
           </a:ln>
           <a:extLst>
             <a:ext uri="{C572A759-6A51-4108-AA02-DFA0A04FC94B}">
-              <ma14:wrappingTextBoxFlag xmlns:ma14="http://schemas.microsoft.com/office/mac/drawingml/2011/main" xmlns:a14="http://schemas.microsoft.com/office/drawing/2010/main" xmlns:m="http://schemas.openxmlformats.org/officeDocument/2006/math" xmlns="" val="1"/>
+              <ma14:wrappingTextBoxFlag xmlns="" xmlns:m="http://schemas.openxmlformats.org/officeDocument/2006/math" xmlns:a14="http://schemas.microsoft.com/office/drawing/2010/main" xmlns:ma14="http://schemas.microsoft.com/office/mac/drawingml/2011/main" val="1"/>
             </a:ext>
           </a:extLst>
         </p:spPr>
@@ -4748,7 +4748,7 @@
           </a:ln>
           <a:extLst>
             <a:ext uri="{C572A759-6A51-4108-AA02-DFA0A04FC94B}">
-              <ma14:wrappingTextBoxFlag xmlns:ma14="http://schemas.microsoft.com/office/mac/drawingml/2011/main" xmlns:a14="http://schemas.microsoft.com/office/drawing/2010/main" xmlns:m="http://schemas.openxmlformats.org/officeDocument/2006/math" xmlns="" val="1"/>
+              <ma14:wrappingTextBoxFlag xmlns="" xmlns:m="http://schemas.openxmlformats.org/officeDocument/2006/math" xmlns:a14="http://schemas.microsoft.com/office/drawing/2010/main" xmlns:ma14="http://schemas.microsoft.com/office/mac/drawingml/2011/main" val="1"/>
             </a:ext>
           </a:extLst>
         </p:spPr>
@@ -4792,7 +4792,7 @@
           </a:ln>
           <a:extLst>
             <a:ext uri="{C572A759-6A51-4108-AA02-DFA0A04FC94B}">
-              <ma14:wrappingTextBoxFlag xmlns:ma14="http://schemas.microsoft.com/office/mac/drawingml/2011/main" xmlns:a14="http://schemas.microsoft.com/office/drawing/2010/main" xmlns:m="http://schemas.openxmlformats.org/officeDocument/2006/math" xmlns="" val="1"/>
+              <ma14:wrappingTextBoxFlag xmlns="" xmlns:m="http://schemas.openxmlformats.org/officeDocument/2006/math" xmlns:a14="http://schemas.microsoft.com/office/drawing/2010/main" xmlns:ma14="http://schemas.microsoft.com/office/mac/drawingml/2011/main" val="1"/>
             </a:ext>
           </a:extLst>
         </p:spPr>
@@ -4896,7 +4896,7 @@
           </a:ln>
           <a:extLst>
             <a:ext uri="{C572A759-6A51-4108-AA02-DFA0A04FC94B}">
-              <ma14:wrappingTextBoxFlag xmlns:ma14="http://schemas.microsoft.com/office/mac/drawingml/2011/main" xmlns:a14="http://schemas.microsoft.com/office/drawing/2010/main" xmlns:m="http://schemas.openxmlformats.org/officeDocument/2006/math" xmlns="" val="1"/>
+              <ma14:wrappingTextBoxFlag xmlns="" xmlns:m="http://schemas.openxmlformats.org/officeDocument/2006/math" xmlns:a14="http://schemas.microsoft.com/office/drawing/2010/main" xmlns:ma14="http://schemas.microsoft.com/office/mac/drawingml/2011/main" val="1"/>
             </a:ext>
           </a:extLst>
         </p:spPr>
@@ -4943,7 +4943,7 @@
           </a:ln>
           <a:extLst>
             <a:ext uri="{C572A759-6A51-4108-AA02-DFA0A04FC94B}">
-              <ma14:wrappingTextBoxFlag xmlns:ma14="http://schemas.microsoft.com/office/mac/drawingml/2011/main" xmlns:a14="http://schemas.microsoft.com/office/drawing/2010/main" xmlns:m="http://schemas.openxmlformats.org/officeDocument/2006/math" xmlns="" val="1"/>
+              <ma14:wrappingTextBoxFlag xmlns="" xmlns:m="http://schemas.openxmlformats.org/officeDocument/2006/math" xmlns:a14="http://schemas.microsoft.com/office/drawing/2010/main" xmlns:ma14="http://schemas.microsoft.com/office/mac/drawingml/2011/main" val="1"/>
             </a:ext>
           </a:extLst>
         </p:spPr>
@@ -5007,7 +5007,7 @@
           </a:ln>
           <a:extLst>
             <a:ext uri="{C572A759-6A51-4108-AA02-DFA0A04FC94B}">
-              <ma14:wrappingTextBoxFlag xmlns:ma14="http://schemas.microsoft.com/office/mac/drawingml/2011/main" xmlns:a14="http://schemas.microsoft.com/office/drawing/2010/main" xmlns:m="http://schemas.openxmlformats.org/officeDocument/2006/math" xmlns="" val="1"/>
+              <ma14:wrappingTextBoxFlag xmlns="" xmlns:m="http://schemas.openxmlformats.org/officeDocument/2006/math" xmlns:a14="http://schemas.microsoft.com/office/drawing/2010/main" xmlns:ma14="http://schemas.microsoft.com/office/mac/drawingml/2011/main" val="1"/>
             </a:ext>
           </a:extLst>
         </p:spPr>
@@ -5054,7 +5054,7 @@
           </a:ln>
           <a:extLst>
             <a:ext uri="{C572A759-6A51-4108-AA02-DFA0A04FC94B}">
-              <ma14:wrappingTextBoxFlag xmlns:ma14="http://schemas.microsoft.com/office/mac/drawingml/2011/main" xmlns:a14="http://schemas.microsoft.com/office/drawing/2010/main" xmlns:m="http://schemas.openxmlformats.org/officeDocument/2006/math" xmlns="" val="1"/>
+              <ma14:wrappingTextBoxFlag xmlns="" xmlns:m="http://schemas.openxmlformats.org/officeDocument/2006/math" xmlns:a14="http://schemas.microsoft.com/office/drawing/2010/main" xmlns:ma14="http://schemas.microsoft.com/office/mac/drawingml/2011/main" val="1"/>
             </a:ext>
           </a:extLst>
         </p:spPr>
@@ -5105,7 +5105,7 @@
           </a:ln>
           <a:extLst>
             <a:ext uri="{C572A759-6A51-4108-AA02-DFA0A04FC94B}">
-              <ma14:wrappingTextBoxFlag xmlns:ma14="http://schemas.microsoft.com/office/mac/drawingml/2011/main" xmlns:a14="http://schemas.microsoft.com/office/drawing/2010/main" xmlns:m="http://schemas.openxmlformats.org/officeDocument/2006/math" xmlns="" val="1"/>
+              <ma14:wrappingTextBoxFlag xmlns="" xmlns:m="http://schemas.openxmlformats.org/officeDocument/2006/math" xmlns:a14="http://schemas.microsoft.com/office/drawing/2010/main" xmlns:ma14="http://schemas.microsoft.com/office/mac/drawingml/2011/main" val="1"/>
             </a:ext>
           </a:extLst>
         </p:spPr>
@@ -5149,7 +5149,7 @@
           </a:ln>
           <a:extLst>
             <a:ext uri="{C572A759-6A51-4108-AA02-DFA0A04FC94B}">
-              <ma14:wrappingTextBoxFlag xmlns:ma14="http://schemas.microsoft.com/office/mac/drawingml/2011/main" xmlns:a14="http://schemas.microsoft.com/office/drawing/2010/main" xmlns:m="http://schemas.openxmlformats.org/officeDocument/2006/math" xmlns="" val="1"/>
+              <ma14:wrappingTextBoxFlag xmlns="" xmlns:m="http://schemas.openxmlformats.org/officeDocument/2006/math" xmlns:a14="http://schemas.microsoft.com/office/drawing/2010/main" xmlns:ma14="http://schemas.microsoft.com/office/mac/drawingml/2011/main" val="1"/>
             </a:ext>
           </a:extLst>
         </p:spPr>
@@ -5212,7 +5212,7 @@
           </a:ln>
           <a:extLst>
             <a:ext uri="{C572A759-6A51-4108-AA02-DFA0A04FC94B}">
-              <ma14:wrappingTextBoxFlag xmlns:ma14="http://schemas.microsoft.com/office/mac/drawingml/2011/main" xmlns:a14="http://schemas.microsoft.com/office/drawing/2010/main" xmlns:m="http://schemas.openxmlformats.org/officeDocument/2006/math" xmlns="" val="1"/>
+              <ma14:wrappingTextBoxFlag xmlns="" xmlns:m="http://schemas.openxmlformats.org/officeDocument/2006/math" xmlns:a14="http://schemas.microsoft.com/office/drawing/2010/main" xmlns:ma14="http://schemas.microsoft.com/office/mac/drawingml/2011/main" val="1"/>
             </a:ext>
           </a:extLst>
         </p:spPr>
@@ -5344,7 +5344,7 @@
           </a:ln>
           <a:extLst>
             <a:ext uri="{C572A759-6A51-4108-AA02-DFA0A04FC94B}">
-              <ma14:wrappingTextBoxFlag xmlns:ma14="http://schemas.microsoft.com/office/mac/drawingml/2011/main" xmlns:a14="http://schemas.microsoft.com/office/drawing/2010/main" xmlns:m="http://schemas.openxmlformats.org/officeDocument/2006/math" xmlns="" val="1"/>
+              <ma14:wrappingTextBoxFlag xmlns="" xmlns:m="http://schemas.openxmlformats.org/officeDocument/2006/math" xmlns:a14="http://schemas.microsoft.com/office/drawing/2010/main" xmlns:ma14="http://schemas.microsoft.com/office/mac/drawingml/2011/main" val="1"/>
             </a:ext>
           </a:extLst>
         </p:spPr>
@@ -5394,7 +5394,7 @@
           </a:ln>
           <a:extLst>
             <a:ext uri="{C572A759-6A51-4108-AA02-DFA0A04FC94B}">
-              <ma14:wrappingTextBoxFlag xmlns:ma14="http://schemas.microsoft.com/office/mac/drawingml/2011/main" xmlns:a14="http://schemas.microsoft.com/office/drawing/2010/main" xmlns:m="http://schemas.openxmlformats.org/officeDocument/2006/math" xmlns="" val="1"/>
+              <ma14:wrappingTextBoxFlag xmlns="" xmlns:m="http://schemas.openxmlformats.org/officeDocument/2006/math" xmlns:a14="http://schemas.microsoft.com/office/drawing/2010/main" xmlns:ma14="http://schemas.microsoft.com/office/mac/drawingml/2011/main" val="1"/>
             </a:ext>
           </a:extLst>
         </p:spPr>
@@ -5491,7 +5491,7 @@
           </a:ln>
           <a:extLst>
             <a:ext uri="{C572A759-6A51-4108-AA02-DFA0A04FC94B}">
-              <ma14:wrappingTextBoxFlag xmlns:ma14="http://schemas.microsoft.com/office/mac/drawingml/2011/main" xmlns:a14="http://schemas.microsoft.com/office/drawing/2010/main" xmlns:m="http://schemas.openxmlformats.org/officeDocument/2006/math" xmlns="" val="1"/>
+              <ma14:wrappingTextBoxFlag xmlns="" xmlns:m="http://schemas.openxmlformats.org/officeDocument/2006/math" xmlns:a14="http://schemas.microsoft.com/office/drawing/2010/main" xmlns:ma14="http://schemas.microsoft.com/office/mac/drawingml/2011/main" val="1"/>
             </a:ext>
           </a:extLst>
         </p:spPr>
@@ -5538,7 +5538,7 @@
           </a:ln>
           <a:extLst>
             <a:ext uri="{C572A759-6A51-4108-AA02-DFA0A04FC94B}">
-              <ma14:wrappingTextBoxFlag xmlns:ma14="http://schemas.microsoft.com/office/mac/drawingml/2011/main" xmlns:a14="http://schemas.microsoft.com/office/drawing/2010/main" xmlns:m="http://schemas.openxmlformats.org/officeDocument/2006/math" xmlns="" val="1"/>
+              <ma14:wrappingTextBoxFlag xmlns="" xmlns:m="http://schemas.openxmlformats.org/officeDocument/2006/math" xmlns:a14="http://schemas.microsoft.com/office/drawing/2010/main" xmlns:ma14="http://schemas.microsoft.com/office/mac/drawingml/2011/main" val="1"/>
             </a:ext>
           </a:extLst>
         </p:spPr>
@@ -5604,7 +5604,7 @@
           </a:ln>
           <a:extLst>
             <a:ext uri="{C572A759-6A51-4108-AA02-DFA0A04FC94B}">
-              <ma14:wrappingTextBoxFlag xmlns:ma14="http://schemas.microsoft.com/office/mac/drawingml/2011/main" xmlns:a14="http://schemas.microsoft.com/office/drawing/2010/main" xmlns:m="http://schemas.openxmlformats.org/officeDocument/2006/math" xmlns="" val="1"/>
+              <ma14:wrappingTextBoxFlag xmlns="" xmlns:m="http://schemas.openxmlformats.org/officeDocument/2006/math" xmlns:a14="http://schemas.microsoft.com/office/drawing/2010/main" xmlns:ma14="http://schemas.microsoft.com/office/mac/drawingml/2011/main" val="1"/>
             </a:ext>
           </a:extLst>
         </p:spPr>
@@ -5651,7 +5651,7 @@
           </a:ln>
           <a:extLst>
             <a:ext uri="{C572A759-6A51-4108-AA02-DFA0A04FC94B}">
-              <ma14:wrappingTextBoxFlag xmlns:ma14="http://schemas.microsoft.com/office/mac/drawingml/2011/main" xmlns:a14="http://schemas.microsoft.com/office/drawing/2010/main" xmlns:m="http://schemas.openxmlformats.org/officeDocument/2006/math" xmlns="" val="1"/>
+              <ma14:wrappingTextBoxFlag xmlns="" xmlns:m="http://schemas.openxmlformats.org/officeDocument/2006/math" xmlns:a14="http://schemas.microsoft.com/office/drawing/2010/main" xmlns:ma14="http://schemas.microsoft.com/office/mac/drawingml/2011/main" val="1"/>
             </a:ext>
           </a:extLst>
         </p:spPr>
@@ -5706,7 +5706,7 @@
           </a:ln>
           <a:extLst>
             <a:ext uri="{C572A759-6A51-4108-AA02-DFA0A04FC94B}">
-              <ma14:wrappingTextBoxFlag xmlns:ma14="http://schemas.microsoft.com/office/mac/drawingml/2011/main" xmlns:a14="http://schemas.microsoft.com/office/drawing/2010/main" xmlns:m="http://schemas.openxmlformats.org/officeDocument/2006/math" xmlns="" val="1"/>
+              <ma14:wrappingTextBoxFlag xmlns="" xmlns:m="http://schemas.openxmlformats.org/officeDocument/2006/math" xmlns:a14="http://schemas.microsoft.com/office/drawing/2010/main" xmlns:ma14="http://schemas.microsoft.com/office/mac/drawingml/2011/main" val="1"/>
             </a:ext>
           </a:extLst>
         </p:spPr>
@@ -5810,7 +5810,7 @@
           </a:ln>
           <a:extLst>
             <a:ext uri="{C572A759-6A51-4108-AA02-DFA0A04FC94B}">
-              <ma14:wrappingTextBoxFlag xmlns:ma14="http://schemas.microsoft.com/office/mac/drawingml/2011/main" xmlns:a14="http://schemas.microsoft.com/office/drawing/2010/main" xmlns:m="http://schemas.openxmlformats.org/officeDocument/2006/math" xmlns="" val="1"/>
+              <ma14:wrappingTextBoxFlag xmlns="" xmlns:m="http://schemas.openxmlformats.org/officeDocument/2006/math" xmlns:a14="http://schemas.microsoft.com/office/drawing/2010/main" xmlns:ma14="http://schemas.microsoft.com/office/mac/drawingml/2011/main" val="1"/>
             </a:ext>
           </a:extLst>
         </p:spPr>
@@ -6146,7 +6146,7 @@
           </a:ln>
           <a:extLst>
             <a:ext uri="{C572A759-6A51-4108-AA02-DFA0A04FC94B}">
-              <ma14:wrappingTextBoxFlag xmlns:ma14="http://schemas.microsoft.com/office/mac/drawingml/2011/main" xmlns:a14="http://schemas.microsoft.com/office/drawing/2010/main" xmlns:m="http://schemas.openxmlformats.org/officeDocument/2006/math" xmlns="" val="1"/>
+              <ma14:wrappingTextBoxFlag xmlns="" xmlns:m="http://schemas.openxmlformats.org/officeDocument/2006/math" xmlns:a14="http://schemas.microsoft.com/office/drawing/2010/main" xmlns:ma14="http://schemas.microsoft.com/office/mac/drawingml/2011/main" val="1"/>
             </a:ext>
           </a:extLst>
         </p:spPr>
@@ -6196,7 +6196,7 @@
           </a:ln>
           <a:extLst>
             <a:ext uri="{C572A759-6A51-4108-AA02-DFA0A04FC94B}">
-              <ma14:wrappingTextBoxFlag xmlns:ma14="http://schemas.microsoft.com/office/mac/drawingml/2011/main" xmlns:a14="http://schemas.microsoft.com/office/drawing/2010/main" xmlns:m="http://schemas.openxmlformats.org/officeDocument/2006/math" xmlns="" val="1"/>
+              <ma14:wrappingTextBoxFlag xmlns="" xmlns:m="http://schemas.openxmlformats.org/officeDocument/2006/math" xmlns:a14="http://schemas.microsoft.com/office/drawing/2010/main" xmlns:ma14="http://schemas.microsoft.com/office/mac/drawingml/2011/main" val="1"/>
             </a:ext>
           </a:extLst>
         </p:spPr>
@@ -6266,7 +6266,7 @@
           </a:ln>
           <a:extLst>
             <a:ext uri="{C572A759-6A51-4108-AA02-DFA0A04FC94B}">
-              <ma14:wrappingTextBoxFlag xmlns:ma14="http://schemas.microsoft.com/office/mac/drawingml/2011/main" xmlns:a14="http://schemas.microsoft.com/office/drawing/2010/main" xmlns:m="http://schemas.openxmlformats.org/officeDocument/2006/math" xmlns="" val="1"/>
+              <ma14:wrappingTextBoxFlag xmlns="" xmlns:m="http://schemas.openxmlformats.org/officeDocument/2006/math" xmlns:a14="http://schemas.microsoft.com/office/drawing/2010/main" xmlns:ma14="http://schemas.microsoft.com/office/mac/drawingml/2011/main" val="1"/>
             </a:ext>
           </a:extLst>
         </p:spPr>
@@ -6313,7 +6313,7 @@
           </a:ln>
           <a:extLst>
             <a:ext uri="{C572A759-6A51-4108-AA02-DFA0A04FC94B}">
-              <ma14:wrappingTextBoxFlag xmlns:ma14="http://schemas.microsoft.com/office/mac/drawingml/2011/main" xmlns:a14="http://schemas.microsoft.com/office/drawing/2010/main" xmlns:m="http://schemas.openxmlformats.org/officeDocument/2006/math" xmlns="" val="1"/>
+              <ma14:wrappingTextBoxFlag xmlns="" xmlns:m="http://schemas.openxmlformats.org/officeDocument/2006/math" xmlns:a14="http://schemas.microsoft.com/office/drawing/2010/main" xmlns:ma14="http://schemas.microsoft.com/office/mac/drawingml/2011/main" val="1"/>
             </a:ext>
           </a:extLst>
         </p:spPr>
@@ -6377,7 +6377,7 @@
           </a:ln>
           <a:extLst>
             <a:ext uri="{C572A759-6A51-4108-AA02-DFA0A04FC94B}">
-              <ma14:wrappingTextBoxFlag xmlns:ma14="http://schemas.microsoft.com/office/mac/drawingml/2011/main" xmlns:a14="http://schemas.microsoft.com/office/drawing/2010/main" xmlns:m="http://schemas.openxmlformats.org/officeDocument/2006/math" xmlns="" val="1"/>
+              <ma14:wrappingTextBoxFlag xmlns="" xmlns:m="http://schemas.openxmlformats.org/officeDocument/2006/math" xmlns:a14="http://schemas.microsoft.com/office/drawing/2010/main" xmlns:ma14="http://schemas.microsoft.com/office/mac/drawingml/2011/main" val="1"/>
             </a:ext>
           </a:extLst>
         </p:spPr>
@@ -6424,7 +6424,7 @@
           </a:ln>
           <a:extLst>
             <a:ext uri="{C572A759-6A51-4108-AA02-DFA0A04FC94B}">
-              <ma14:wrappingTextBoxFlag xmlns:ma14="http://schemas.microsoft.com/office/mac/drawingml/2011/main" xmlns:a14="http://schemas.microsoft.com/office/drawing/2010/main" xmlns:m="http://schemas.openxmlformats.org/officeDocument/2006/math" xmlns="" val="1"/>
+              <ma14:wrappingTextBoxFlag xmlns="" xmlns:m="http://schemas.openxmlformats.org/officeDocument/2006/math" xmlns:a14="http://schemas.microsoft.com/office/drawing/2010/main" xmlns:ma14="http://schemas.microsoft.com/office/mac/drawingml/2011/main" val="1"/>
             </a:ext>
           </a:extLst>
         </p:spPr>
@@ -6475,7 +6475,7 @@
           </a:ln>
           <a:extLst>
             <a:ext uri="{C572A759-6A51-4108-AA02-DFA0A04FC94B}">
-              <ma14:wrappingTextBoxFlag xmlns:ma14="http://schemas.microsoft.com/office/mac/drawingml/2011/main" xmlns:a14="http://schemas.microsoft.com/office/drawing/2010/main" xmlns:m="http://schemas.openxmlformats.org/officeDocument/2006/math" xmlns="" val="1"/>
+              <ma14:wrappingTextBoxFlag xmlns="" xmlns:m="http://schemas.openxmlformats.org/officeDocument/2006/math" xmlns:a14="http://schemas.microsoft.com/office/drawing/2010/main" xmlns:ma14="http://schemas.microsoft.com/office/mac/drawingml/2011/main" val="1"/>
             </a:ext>
           </a:extLst>
         </p:spPr>
@@ -6519,7 +6519,7 @@
           </a:ln>
           <a:extLst>
             <a:ext uri="{C572A759-6A51-4108-AA02-DFA0A04FC94B}">
-              <ma14:wrappingTextBoxFlag xmlns:ma14="http://schemas.microsoft.com/office/mac/drawingml/2011/main" xmlns:a14="http://schemas.microsoft.com/office/drawing/2010/main" xmlns:m="http://schemas.openxmlformats.org/officeDocument/2006/math" xmlns="" val="1"/>
+              <ma14:wrappingTextBoxFlag xmlns="" xmlns:m="http://schemas.openxmlformats.org/officeDocument/2006/math" xmlns:a14="http://schemas.microsoft.com/office/drawing/2010/main" xmlns:ma14="http://schemas.microsoft.com/office/mac/drawingml/2011/main" val="1"/>
             </a:ext>
           </a:extLst>
         </p:spPr>
@@ -6570,7 +6570,7 @@
           </a:ln>
           <a:extLst>
             <a:ext uri="{C572A759-6A51-4108-AA02-DFA0A04FC94B}">
-              <ma14:wrappingTextBoxFlag xmlns:ma14="http://schemas.microsoft.com/office/mac/drawingml/2011/main" xmlns:a14="http://schemas.microsoft.com/office/drawing/2010/main" xmlns:m="http://schemas.openxmlformats.org/officeDocument/2006/math" xmlns="" val="1"/>
+              <ma14:wrappingTextBoxFlag xmlns="" xmlns:m="http://schemas.openxmlformats.org/officeDocument/2006/math" xmlns:a14="http://schemas.microsoft.com/office/drawing/2010/main" xmlns:ma14="http://schemas.microsoft.com/office/mac/drawingml/2011/main" val="1"/>
             </a:ext>
           </a:extLst>
         </p:spPr>
@@ -6674,7 +6674,7 @@
           </a:ln>
           <a:extLst>
             <a:ext uri="{C572A759-6A51-4108-AA02-DFA0A04FC94B}">
-              <ma14:wrappingTextBoxFlag xmlns:ma14="http://schemas.microsoft.com/office/mac/drawingml/2011/main" xmlns:a14="http://schemas.microsoft.com/office/drawing/2010/main" xmlns:m="http://schemas.openxmlformats.org/officeDocument/2006/math" xmlns="" val="1"/>
+              <ma14:wrappingTextBoxFlag xmlns="" xmlns:m="http://schemas.openxmlformats.org/officeDocument/2006/math" xmlns:a14="http://schemas.microsoft.com/office/drawing/2010/main" xmlns:ma14="http://schemas.microsoft.com/office/mac/drawingml/2011/main" val="1"/>
             </a:ext>
           </a:extLst>
         </p:spPr>
@@ -6724,7 +6724,7 @@
           </a:ln>
           <a:extLst>
             <a:ext uri="{C572A759-6A51-4108-AA02-DFA0A04FC94B}">
-              <ma14:wrappingTextBoxFlag xmlns:ma14="http://schemas.microsoft.com/office/mac/drawingml/2011/main" xmlns:a14="http://schemas.microsoft.com/office/drawing/2010/main" xmlns:m="http://schemas.openxmlformats.org/officeDocument/2006/math" xmlns="" val="1"/>
+              <ma14:wrappingTextBoxFlag xmlns="" xmlns:m="http://schemas.openxmlformats.org/officeDocument/2006/math" xmlns:a14="http://schemas.microsoft.com/office/drawing/2010/main" xmlns:ma14="http://schemas.microsoft.com/office/mac/drawingml/2011/main" val="1"/>
             </a:ext>
           </a:extLst>
         </p:spPr>
@@ -6771,7 +6771,7 @@
           </a:ln>
           <a:extLst>
             <a:ext uri="{C572A759-6A51-4108-AA02-DFA0A04FC94B}">
-              <ma14:wrappingTextBoxFlag xmlns:ma14="http://schemas.microsoft.com/office/mac/drawingml/2011/main" xmlns:a14="http://schemas.microsoft.com/office/drawing/2010/main" xmlns:m="http://schemas.openxmlformats.org/officeDocument/2006/math" xmlns="" val="1"/>
+              <ma14:wrappingTextBoxFlag xmlns="" xmlns:m="http://schemas.openxmlformats.org/officeDocument/2006/math" xmlns:a14="http://schemas.microsoft.com/office/drawing/2010/main" xmlns:ma14="http://schemas.microsoft.com/office/mac/drawingml/2011/main" val="1"/>
             </a:ext>
           </a:extLst>
         </p:spPr>
@@ -6837,7 +6837,7 @@
           </a:ln>
           <a:extLst>
             <a:ext uri="{C572A759-6A51-4108-AA02-DFA0A04FC94B}">
-              <ma14:wrappingTextBoxFlag xmlns:ma14="http://schemas.microsoft.com/office/mac/drawingml/2011/main" xmlns:a14="http://schemas.microsoft.com/office/drawing/2010/main" xmlns:m="http://schemas.openxmlformats.org/officeDocument/2006/math" xmlns="" val="1"/>
+              <ma14:wrappingTextBoxFlag xmlns="" xmlns:m="http://schemas.openxmlformats.org/officeDocument/2006/math" xmlns:a14="http://schemas.microsoft.com/office/drawing/2010/main" xmlns:ma14="http://schemas.microsoft.com/office/mac/drawingml/2011/main" val="1"/>
             </a:ext>
           </a:extLst>
         </p:spPr>
@@ -6884,7 +6884,7 @@
           </a:ln>
           <a:extLst>
             <a:ext uri="{C572A759-6A51-4108-AA02-DFA0A04FC94B}">
-              <ma14:wrappingTextBoxFlag xmlns:ma14="http://schemas.microsoft.com/office/mac/drawingml/2011/main" xmlns:a14="http://schemas.microsoft.com/office/drawing/2010/main" xmlns:m="http://schemas.openxmlformats.org/officeDocument/2006/math" xmlns="" val="1"/>
+              <ma14:wrappingTextBoxFlag xmlns="" xmlns:m="http://schemas.openxmlformats.org/officeDocument/2006/math" xmlns:a14="http://schemas.microsoft.com/office/drawing/2010/main" xmlns:ma14="http://schemas.microsoft.com/office/mac/drawingml/2011/main" val="1"/>
             </a:ext>
           </a:extLst>
         </p:spPr>
@@ -7268,7 +7268,7 @@
           </a:ln>
           <a:extLst>
             <a:ext uri="{C572A759-6A51-4108-AA02-DFA0A04FC94B}">
-              <ma14:wrappingTextBoxFlag xmlns:ma14="http://schemas.microsoft.com/office/mac/drawingml/2011/main" xmlns:a14="http://schemas.microsoft.com/office/drawing/2010/main" xmlns:m="http://schemas.openxmlformats.org/officeDocument/2006/math" xmlns="" val="1"/>
+              <ma14:wrappingTextBoxFlag xmlns="" xmlns:m="http://schemas.openxmlformats.org/officeDocument/2006/math" xmlns:a14="http://schemas.microsoft.com/office/drawing/2010/main" xmlns:ma14="http://schemas.microsoft.com/office/mac/drawingml/2011/main" val="1"/>
             </a:ext>
           </a:extLst>
         </p:spPr>
@@ -7318,7 +7318,7 @@
           </a:ln>
           <a:extLst>
             <a:ext uri="{C572A759-6A51-4108-AA02-DFA0A04FC94B}">
-              <ma14:wrappingTextBoxFlag xmlns:ma14="http://schemas.microsoft.com/office/mac/drawingml/2011/main" xmlns:a14="http://schemas.microsoft.com/office/drawing/2010/main" xmlns:m="http://schemas.openxmlformats.org/officeDocument/2006/math" xmlns="" val="1"/>
+              <ma14:wrappingTextBoxFlag xmlns="" xmlns:m="http://schemas.openxmlformats.org/officeDocument/2006/math" xmlns:a14="http://schemas.microsoft.com/office/drawing/2010/main" xmlns:ma14="http://schemas.microsoft.com/office/mac/drawingml/2011/main" val="1"/>
             </a:ext>
           </a:extLst>
         </p:spPr>
@@ -7680,7 +7680,7 @@
           </a:ln>
           <a:extLst>
             <a:ext uri="{C572A759-6A51-4108-AA02-DFA0A04FC94B}">
-              <ma14:wrappingTextBoxFlag xmlns:ma14="http://schemas.microsoft.com/office/mac/drawingml/2011/main" xmlns:a14="http://schemas.microsoft.com/office/drawing/2010/main" xmlns:m="http://schemas.openxmlformats.org/officeDocument/2006/math" xmlns="" val="1"/>
+              <ma14:wrappingTextBoxFlag xmlns="" xmlns:m="http://schemas.openxmlformats.org/officeDocument/2006/math" xmlns:a14="http://schemas.microsoft.com/office/drawing/2010/main" xmlns:ma14="http://schemas.microsoft.com/office/mac/drawingml/2011/main" val="1"/>
             </a:ext>
           </a:extLst>
         </p:spPr>
@@ -7727,7 +7727,7 @@
           </a:ln>
           <a:extLst>
             <a:ext uri="{C572A759-6A51-4108-AA02-DFA0A04FC94B}">
-              <ma14:wrappingTextBoxFlag xmlns:ma14="http://schemas.microsoft.com/office/mac/drawingml/2011/main" xmlns:a14="http://schemas.microsoft.com/office/drawing/2010/main" xmlns:m="http://schemas.openxmlformats.org/officeDocument/2006/math" xmlns="" val="1"/>
+              <ma14:wrappingTextBoxFlag xmlns="" xmlns:m="http://schemas.openxmlformats.org/officeDocument/2006/math" xmlns:a14="http://schemas.microsoft.com/office/drawing/2010/main" xmlns:ma14="http://schemas.microsoft.com/office/mac/drawingml/2011/main" val="1"/>
             </a:ext>
           </a:extLst>
         </p:spPr>
@@ -7791,7 +7791,7 @@
           </a:ln>
           <a:extLst>
             <a:ext uri="{C572A759-6A51-4108-AA02-DFA0A04FC94B}">
-              <ma14:wrappingTextBoxFlag xmlns:ma14="http://schemas.microsoft.com/office/mac/drawingml/2011/main" xmlns:a14="http://schemas.microsoft.com/office/drawing/2010/main" xmlns:m="http://schemas.openxmlformats.org/officeDocument/2006/math" xmlns="" val="1"/>
+              <ma14:wrappingTextBoxFlag xmlns="" xmlns:m="http://schemas.openxmlformats.org/officeDocument/2006/math" xmlns:a14="http://schemas.microsoft.com/office/drawing/2010/main" xmlns:ma14="http://schemas.microsoft.com/office/mac/drawingml/2011/main" val="1"/>
             </a:ext>
           </a:extLst>
         </p:spPr>
@@ -7838,7 +7838,7 @@
           </a:ln>
           <a:extLst>
             <a:ext uri="{C572A759-6A51-4108-AA02-DFA0A04FC94B}">
-              <ma14:wrappingTextBoxFlag xmlns:ma14="http://schemas.microsoft.com/office/mac/drawingml/2011/main" xmlns:a14="http://schemas.microsoft.com/office/drawing/2010/main" xmlns:m="http://schemas.openxmlformats.org/officeDocument/2006/math" xmlns="" val="1"/>
+              <ma14:wrappingTextBoxFlag xmlns="" xmlns:m="http://schemas.openxmlformats.org/officeDocument/2006/math" xmlns:a14="http://schemas.microsoft.com/office/drawing/2010/main" xmlns:ma14="http://schemas.microsoft.com/office/mac/drawingml/2011/main" val="1"/>
             </a:ext>
           </a:extLst>
         </p:spPr>
@@ -7889,7 +7889,7 @@
           </a:ln>
           <a:extLst>
             <a:ext uri="{C572A759-6A51-4108-AA02-DFA0A04FC94B}">
-              <ma14:wrappingTextBoxFlag xmlns:ma14="http://schemas.microsoft.com/office/mac/drawingml/2011/main" xmlns:a14="http://schemas.microsoft.com/office/drawing/2010/main" xmlns:m="http://schemas.openxmlformats.org/officeDocument/2006/math" xmlns="" val="1"/>
+              <ma14:wrappingTextBoxFlag xmlns="" xmlns:m="http://schemas.openxmlformats.org/officeDocument/2006/math" xmlns:a14="http://schemas.microsoft.com/office/drawing/2010/main" xmlns:ma14="http://schemas.microsoft.com/office/mac/drawingml/2011/main" val="1"/>
             </a:ext>
           </a:extLst>
         </p:spPr>
@@ -7933,7 +7933,7 @@
           </a:ln>
           <a:extLst>
             <a:ext uri="{C572A759-6A51-4108-AA02-DFA0A04FC94B}">
-              <ma14:wrappingTextBoxFlag xmlns:ma14="http://schemas.microsoft.com/office/mac/drawingml/2011/main" xmlns:a14="http://schemas.microsoft.com/office/drawing/2010/main" xmlns:m="http://schemas.openxmlformats.org/officeDocument/2006/math" xmlns="" val="1"/>
+              <ma14:wrappingTextBoxFlag xmlns="" xmlns:m="http://schemas.openxmlformats.org/officeDocument/2006/math" xmlns:a14="http://schemas.microsoft.com/office/drawing/2010/main" xmlns:ma14="http://schemas.microsoft.com/office/mac/drawingml/2011/main" val="1"/>
             </a:ext>
           </a:extLst>
         </p:spPr>
@@ -7984,7 +7984,7 @@
           </a:ln>
           <a:extLst>
             <a:ext uri="{C572A759-6A51-4108-AA02-DFA0A04FC94B}">
-              <ma14:wrappingTextBoxFlag xmlns:ma14="http://schemas.microsoft.com/office/mac/drawingml/2011/main" xmlns:a14="http://schemas.microsoft.com/office/drawing/2010/main" xmlns:m="http://schemas.openxmlformats.org/officeDocument/2006/math" xmlns="" val="1"/>
+              <ma14:wrappingTextBoxFlag xmlns="" xmlns:m="http://schemas.openxmlformats.org/officeDocument/2006/math" xmlns:a14="http://schemas.microsoft.com/office/drawing/2010/main" xmlns:ma14="http://schemas.microsoft.com/office/mac/drawingml/2011/main" val="1"/>
             </a:ext>
           </a:extLst>
         </p:spPr>
@@ -8060,7 +8060,7 @@
           </a:ln>
           <a:extLst>
             <a:ext uri="{C572A759-6A51-4108-AA02-DFA0A04FC94B}">
-              <ma14:wrappingTextBoxFlag xmlns:ma14="http://schemas.microsoft.com/office/mac/drawingml/2011/main" xmlns:a14="http://schemas.microsoft.com/office/drawing/2010/main" xmlns:m="http://schemas.openxmlformats.org/officeDocument/2006/math" xmlns="" val="1"/>
+              <ma14:wrappingTextBoxFlag xmlns="" xmlns:m="http://schemas.openxmlformats.org/officeDocument/2006/math" xmlns:a14="http://schemas.microsoft.com/office/drawing/2010/main" xmlns:ma14="http://schemas.microsoft.com/office/mac/drawingml/2011/main" val="1"/>
             </a:ext>
           </a:extLst>
         </p:spPr>
@@ -8110,7 +8110,7 @@
           </a:ln>
           <a:extLst>
             <a:ext uri="{C572A759-6A51-4108-AA02-DFA0A04FC94B}">
-              <ma14:wrappingTextBoxFlag xmlns:ma14="http://schemas.microsoft.com/office/mac/drawingml/2011/main" xmlns:a14="http://schemas.microsoft.com/office/drawing/2010/main" xmlns:m="http://schemas.openxmlformats.org/officeDocument/2006/math" xmlns="" val="1"/>
+              <ma14:wrappingTextBoxFlag xmlns="" xmlns:m="http://schemas.openxmlformats.org/officeDocument/2006/math" xmlns:a14="http://schemas.microsoft.com/office/drawing/2010/main" xmlns:ma14="http://schemas.microsoft.com/office/mac/drawingml/2011/main" val="1"/>
             </a:ext>
           </a:extLst>
         </p:spPr>
@@ -8157,7 +8157,7 @@
           </a:ln>
           <a:extLst>
             <a:ext uri="{C572A759-6A51-4108-AA02-DFA0A04FC94B}">
-              <ma14:wrappingTextBoxFlag xmlns:ma14="http://schemas.microsoft.com/office/mac/drawingml/2011/main" xmlns:a14="http://schemas.microsoft.com/office/drawing/2010/main" xmlns:m="http://schemas.openxmlformats.org/officeDocument/2006/math" xmlns="" val="1"/>
+              <ma14:wrappingTextBoxFlag xmlns="" xmlns:m="http://schemas.openxmlformats.org/officeDocument/2006/math" xmlns:a14="http://schemas.microsoft.com/office/drawing/2010/main" xmlns:ma14="http://schemas.microsoft.com/office/mac/drawingml/2011/main" val="1"/>
             </a:ext>
           </a:extLst>
         </p:spPr>
@@ -8215,7 +8215,7 @@
           </a:ln>
           <a:extLst>
             <a:ext uri="{C572A759-6A51-4108-AA02-DFA0A04FC94B}">
-              <ma14:wrappingTextBoxFlag xmlns:ma14="http://schemas.microsoft.com/office/mac/drawingml/2011/main" xmlns:a14="http://schemas.microsoft.com/office/drawing/2010/main" xmlns:m="http://schemas.openxmlformats.org/officeDocument/2006/math" xmlns="" val="1"/>
+              <ma14:wrappingTextBoxFlag xmlns="" xmlns:m="http://schemas.openxmlformats.org/officeDocument/2006/math" xmlns:a14="http://schemas.microsoft.com/office/drawing/2010/main" xmlns:ma14="http://schemas.microsoft.com/office/mac/drawingml/2011/main" val="1"/>
             </a:ext>
           </a:extLst>
         </p:spPr>
@@ -8262,7 +8262,7 @@
           </a:ln>
           <a:extLst>
             <a:ext uri="{C572A759-6A51-4108-AA02-DFA0A04FC94B}">
-              <ma14:wrappingTextBoxFlag xmlns:ma14="http://schemas.microsoft.com/office/mac/drawingml/2011/main" xmlns:a14="http://schemas.microsoft.com/office/drawing/2010/main" xmlns:m="http://schemas.openxmlformats.org/officeDocument/2006/math" xmlns="" val="1"/>
+              <ma14:wrappingTextBoxFlag xmlns="" xmlns:m="http://schemas.openxmlformats.org/officeDocument/2006/math" xmlns:a14="http://schemas.microsoft.com/office/drawing/2010/main" xmlns:ma14="http://schemas.microsoft.com/office/mac/drawingml/2011/main" val="1"/>
             </a:ext>
           </a:extLst>
         </p:spPr>
@@ -8370,7 +8370,7 @@
           </a:ln>
           <a:extLst>
             <a:ext uri="{C572A759-6A51-4108-AA02-DFA0A04FC94B}">
-              <ma14:wrappingTextBoxFlag xmlns:ma14="http://schemas.microsoft.com/office/mac/drawingml/2011/main" xmlns:a14="http://schemas.microsoft.com/office/drawing/2010/main" xmlns:m="http://schemas.openxmlformats.org/officeDocument/2006/math" xmlns="" val="1"/>
+              <ma14:wrappingTextBoxFlag xmlns="" xmlns:m="http://schemas.openxmlformats.org/officeDocument/2006/math" xmlns:a14="http://schemas.microsoft.com/office/drawing/2010/main" xmlns:ma14="http://schemas.microsoft.com/office/mac/drawingml/2011/main" val="1"/>
             </a:ext>
           </a:extLst>
         </p:spPr>
@@ -8420,7 +8420,7 @@
           </a:ln>
           <a:extLst>
             <a:ext uri="{C572A759-6A51-4108-AA02-DFA0A04FC94B}">
-              <ma14:wrappingTextBoxFlag xmlns:ma14="http://schemas.microsoft.com/office/mac/drawingml/2011/main" xmlns:a14="http://schemas.microsoft.com/office/drawing/2010/main" xmlns:m="http://schemas.openxmlformats.org/officeDocument/2006/math" xmlns="" val="1"/>
+              <ma14:wrappingTextBoxFlag xmlns="" xmlns:m="http://schemas.openxmlformats.org/officeDocument/2006/math" xmlns:a14="http://schemas.microsoft.com/office/drawing/2010/main" xmlns:ma14="http://schemas.microsoft.com/office/mac/drawingml/2011/main" val="1"/>
             </a:ext>
           </a:extLst>
         </p:spPr>
@@ -8643,7 +8643,7 @@
           </a:ln>
           <a:extLst>
             <a:ext uri="{C572A759-6A51-4108-AA02-DFA0A04FC94B}">
-              <ma14:wrappingTextBoxFlag xmlns:ma14="http://schemas.microsoft.com/office/mac/drawingml/2011/main" xmlns:a14="http://schemas.microsoft.com/office/drawing/2010/main" xmlns:m="http://schemas.openxmlformats.org/officeDocument/2006/math" xmlns="" val="1"/>
+              <ma14:wrappingTextBoxFlag xmlns="" xmlns:m="http://schemas.openxmlformats.org/officeDocument/2006/math" xmlns:a14="http://schemas.microsoft.com/office/drawing/2010/main" xmlns:ma14="http://schemas.microsoft.com/office/mac/drawingml/2011/main" val="1"/>
             </a:ext>
           </a:extLst>
         </p:spPr>
@@ -9022,7 +9022,7 @@
           </a:ln>
           <a:extLst>
             <a:ext uri="{C572A759-6A51-4108-AA02-DFA0A04FC94B}">
-              <ma14:wrappingTextBoxFlag xmlns:ma14="http://schemas.microsoft.com/office/mac/drawingml/2011/main" xmlns:a14="http://schemas.microsoft.com/office/drawing/2010/main" xmlns:m="http://schemas.openxmlformats.org/officeDocument/2006/math" xmlns="" val="1"/>
+              <ma14:wrappingTextBoxFlag xmlns="" xmlns:m="http://schemas.openxmlformats.org/officeDocument/2006/math" xmlns:a14="http://schemas.microsoft.com/office/drawing/2010/main" xmlns:ma14="http://schemas.microsoft.com/office/mac/drawingml/2011/main" val="1"/>
             </a:ext>
           </a:extLst>
         </p:spPr>
@@ -9329,7 +9329,7 @@
           </a:ln>
           <a:extLst>
             <a:ext uri="{C572A759-6A51-4108-AA02-DFA0A04FC94B}">
-              <ma14:wrappingTextBoxFlag xmlns:ma14="http://schemas.microsoft.com/office/mac/drawingml/2011/main" xmlns:a14="http://schemas.microsoft.com/office/drawing/2010/main" xmlns:m="http://schemas.openxmlformats.org/officeDocument/2006/math" xmlns="" val="1"/>
+              <ma14:wrappingTextBoxFlag xmlns="" xmlns:m="http://schemas.openxmlformats.org/officeDocument/2006/math" xmlns:a14="http://schemas.microsoft.com/office/drawing/2010/main" xmlns:ma14="http://schemas.microsoft.com/office/mac/drawingml/2011/main" val="1"/>
             </a:ext>
           </a:extLst>
         </p:spPr>
@@ -9669,7 +9669,7 @@
           </a:ln>
           <a:extLst>
             <a:ext uri="{C572A759-6A51-4108-AA02-DFA0A04FC94B}">
-              <ma14:wrappingTextBoxFlag xmlns:ma14="http://schemas.microsoft.com/office/mac/drawingml/2011/main" xmlns:a14="http://schemas.microsoft.com/office/drawing/2010/main" xmlns:m="http://schemas.openxmlformats.org/officeDocument/2006/math" xmlns="" val="1"/>
+              <ma14:wrappingTextBoxFlag xmlns="" xmlns:m="http://schemas.openxmlformats.org/officeDocument/2006/math" xmlns:a14="http://schemas.microsoft.com/office/drawing/2010/main" xmlns:ma14="http://schemas.microsoft.com/office/mac/drawingml/2011/main" val="1"/>
             </a:ext>
           </a:extLst>
         </p:spPr>
@@ -9986,7 +9986,7 @@
           </a:ln>
           <a:extLst>
             <a:ext uri="{C572A759-6A51-4108-AA02-DFA0A04FC94B}">
-              <ma14:wrappingTextBoxFlag xmlns:ma14="http://schemas.microsoft.com/office/mac/drawingml/2011/main" xmlns:a14="http://schemas.microsoft.com/office/drawing/2010/main" xmlns:m="http://schemas.openxmlformats.org/officeDocument/2006/math" xmlns="" val="1"/>
+              <ma14:wrappingTextBoxFlag xmlns="" xmlns:m="http://schemas.openxmlformats.org/officeDocument/2006/math" xmlns:a14="http://schemas.microsoft.com/office/drawing/2010/main" xmlns:ma14="http://schemas.microsoft.com/office/mac/drawingml/2011/main" val="1"/>
             </a:ext>
           </a:extLst>
         </p:spPr>
@@ -10124,10 +10124,10 @@
       </p:sp>
       <p:pic>
         <p:nvPicPr>
-          <p:cNvPr id="3" name="Picture 2" descr="Chart, line chart&#10;&#10;Description automatically generated">
+          <p:cNvPr id="4" name="Picture 3" descr="Chart, line chart&#10;&#10;Description automatically generated">
             <a:extLst>
               <a:ext uri="{FF2B5EF4-FFF2-40B4-BE49-F238E27FC236}">
-                <a16:creationId xmlns:a16="http://schemas.microsoft.com/office/drawing/2014/main" id="{CD6874F3-D645-4928-8CC4-3393010B682A}"/>
+                <a16:creationId xmlns:a16="http://schemas.microsoft.com/office/drawing/2014/main" id="{E3426AAA-9D89-40AE-AC3D-767363107883}"/>
               </a:ext>
             </a:extLst>
           </p:cNvPr>
@@ -10225,7 +10225,7 @@
             <a:spLocks noGrp="1"/>
           </p:cNvSpPr>
           <p:nvPr>
-            <p:ph type="body" sz="quarter" idx="1"/>
+            <p:ph type="body" idx="1"/>
           </p:nvPr>
         </p:nvSpPr>
         <p:spPr/>
@@ -10233,50 +10233,19 @@
           <a:bodyPr/>
           <a:lstStyle/>
           <a:p>
-            <a:r>
-              <a:rPr lang="en-US" dirty="0"/>
-              <a:t>F1</a:t>
-            </a:r>
-          </a:p>
-        </p:txBody>
-      </p:sp>
-      <p:sp>
-        <p:nvSpPr>
-          <p:cNvPr id="8" name="Text Placeholder 7">
+            <a:pPr marL="118872" indent="0">
+              <a:buNone/>
+            </a:pPr>
+            <a:endParaRPr lang="en-US" dirty="0"/>
+          </a:p>
+        </p:txBody>
+      </p:sp>
+      <p:pic>
+        <p:nvPicPr>
+          <p:cNvPr id="11" name="Picture 10" descr="Chart, bar chart&#10;&#10;Description automatically generated">
             <a:extLst>
               <a:ext uri="{FF2B5EF4-FFF2-40B4-BE49-F238E27FC236}">
-                <a16:creationId xmlns:a16="http://schemas.microsoft.com/office/drawing/2014/main" id="{0AF480C8-F461-45B0-B0F2-F10C89FE9866}"/>
-              </a:ext>
-            </a:extLst>
-          </p:cNvPr>
-          <p:cNvSpPr>
-            <a:spLocks noGrp="1"/>
-          </p:cNvSpPr>
-          <p:nvPr>
-            <p:ph type="body" sz="quarter" idx="13"/>
-          </p:nvPr>
-        </p:nvSpPr>
-        <p:spPr/>
-        <p:txBody>
-          <a:bodyPr/>
-          <a:lstStyle/>
-          <a:p>
-            <a:pPr marL="118872" indent="0">
-              <a:buNone/>
-            </a:pPr>
-            <a:r>
-              <a:rPr lang="en-US" dirty="0"/>
-              <a:t>Accuracy</a:t>
-            </a:r>
-          </a:p>
-        </p:txBody>
-      </p:sp>
-      <p:pic>
-        <p:nvPicPr>
-          <p:cNvPr id="10" name="Picture 9" descr="Chart, bar chart&#10;&#10;Description automatically generated">
-            <a:extLst>
-              <a:ext uri="{FF2B5EF4-FFF2-40B4-BE49-F238E27FC236}">
-                <a16:creationId xmlns:a16="http://schemas.microsoft.com/office/drawing/2014/main" id="{53E6EC72-5581-4ED7-B467-7C3FA644A99F}"/>
+                <a16:creationId xmlns:a16="http://schemas.microsoft.com/office/drawing/2014/main" id="{40B52722-7D95-4AFE-8636-B60C42F511B7}"/>
               </a:ext>
             </a:extLst>
           </p:cNvPr>
@@ -10299,44 +10268,8 @@
         </p:blipFill>
         <p:spPr>
           <a:xfrm>
-            <a:off x="0" y="2414344"/>
-            <a:ext cx="4571999" cy="4291255"/>
-          </a:xfrm>
-          <a:prstGeom prst="rect">
-            <a:avLst/>
-          </a:prstGeom>
-        </p:spPr>
-      </p:pic>
-      <p:pic>
-        <p:nvPicPr>
-          <p:cNvPr id="12" name="Picture 11" descr="Chart, bar chart&#10;&#10;Description automatically generated">
-            <a:extLst>
-              <a:ext uri="{FF2B5EF4-FFF2-40B4-BE49-F238E27FC236}">
-                <a16:creationId xmlns:a16="http://schemas.microsoft.com/office/drawing/2014/main" id="{98FB2628-9A34-4326-B1BB-2E53CF3DC701}"/>
-              </a:ext>
-            </a:extLst>
-          </p:cNvPr>
-          <p:cNvPicPr>
-            <a:picLocks noChangeAspect="1"/>
-          </p:cNvPicPr>
-          <p:nvPr/>
-        </p:nvPicPr>
-        <p:blipFill>
-          <a:blip r:embed="rId3">
-            <a:extLst>
-              <a:ext uri="{28A0092B-C50C-407E-A947-70E740481C1C}">
-                <a14:useLocalDpi xmlns:a14="http://schemas.microsoft.com/office/drawing/2010/main" val="0"/>
-              </a:ext>
-            </a:extLst>
-          </a:blip>
-          <a:stretch>
-            <a:fillRect/>
-          </a:stretch>
-        </p:blipFill>
-        <p:spPr>
-          <a:xfrm>
-            <a:off x="4379911" y="2414345"/>
-            <a:ext cx="4572001" cy="4291254"/>
+            <a:off x="0" y="1517486"/>
+            <a:ext cx="9144000" cy="5141019"/>
           </a:xfrm>
           <a:prstGeom prst="rect">
             <a:avLst/>
@@ -10872,7 +10805,7 @@
           </a:ln>
           <a:extLst>
             <a:ext uri="{C572A759-6A51-4108-AA02-DFA0A04FC94B}">
-              <ma14:wrappingTextBoxFlag xmlns:ma14="http://schemas.microsoft.com/office/mac/drawingml/2011/main" xmlns:a14="http://schemas.microsoft.com/office/drawing/2010/main" xmlns:m="http://schemas.openxmlformats.org/officeDocument/2006/math" xmlns="" val="1"/>
+              <ma14:wrappingTextBoxFlag xmlns="" xmlns:m="http://schemas.openxmlformats.org/officeDocument/2006/math" xmlns:a14="http://schemas.microsoft.com/office/drawing/2010/main" xmlns:ma14="http://schemas.microsoft.com/office/mac/drawingml/2011/main" val="1"/>
             </a:ext>
           </a:extLst>
         </p:spPr>
@@ -10955,7 +10888,7 @@
           </a:ln>
           <a:extLst>
             <a:ext uri="{C572A759-6A51-4108-AA02-DFA0A04FC94B}">
-              <ma14:wrappingTextBoxFlag xmlns:ma14="http://schemas.microsoft.com/office/mac/drawingml/2011/main" xmlns:a14="http://schemas.microsoft.com/office/drawing/2010/main" xmlns:m="http://schemas.openxmlformats.org/officeDocument/2006/math" xmlns="" val="1"/>
+              <ma14:wrappingTextBoxFlag xmlns="" xmlns:m="http://schemas.openxmlformats.org/officeDocument/2006/math" xmlns:a14="http://schemas.microsoft.com/office/drawing/2010/main" xmlns:ma14="http://schemas.microsoft.com/office/mac/drawingml/2011/main" val="1"/>
             </a:ext>
           </a:extLst>
         </p:spPr>
@@ -11005,7 +10938,7 @@
           </a:ln>
           <a:extLst>
             <a:ext uri="{C572A759-6A51-4108-AA02-DFA0A04FC94B}">
-              <ma14:wrappingTextBoxFlag xmlns:ma14="http://schemas.microsoft.com/office/mac/drawingml/2011/main" xmlns:a14="http://schemas.microsoft.com/office/drawing/2010/main" xmlns:m="http://schemas.openxmlformats.org/officeDocument/2006/math" xmlns="" val="1"/>
+              <ma14:wrappingTextBoxFlag xmlns="" xmlns:m="http://schemas.openxmlformats.org/officeDocument/2006/math" xmlns:a14="http://schemas.microsoft.com/office/drawing/2010/main" xmlns:ma14="http://schemas.microsoft.com/office/mac/drawingml/2011/main" val="1"/>
             </a:ext>
           </a:extLst>
         </p:spPr>
@@ -11076,7 +11009,7 @@
           </a:ln>
           <a:extLst>
             <a:ext uri="{C572A759-6A51-4108-AA02-DFA0A04FC94B}">
-              <ma14:wrappingTextBoxFlag xmlns:ma14="http://schemas.microsoft.com/office/mac/drawingml/2011/main" xmlns:a14="http://schemas.microsoft.com/office/drawing/2010/main" xmlns:m="http://schemas.openxmlformats.org/officeDocument/2006/math" xmlns="" val="1"/>
+              <ma14:wrappingTextBoxFlag xmlns="" xmlns:m="http://schemas.openxmlformats.org/officeDocument/2006/math" xmlns:a14="http://schemas.microsoft.com/office/drawing/2010/main" xmlns:ma14="http://schemas.microsoft.com/office/mac/drawingml/2011/main" val="1"/>
             </a:ext>
           </a:extLst>
         </p:spPr>
@@ -11220,7 +11153,7 @@
           </a:ln>
           <a:extLst>
             <a:ext uri="{C572A759-6A51-4108-AA02-DFA0A04FC94B}">
-              <ma14:wrappingTextBoxFlag xmlns:ma14="http://schemas.microsoft.com/office/mac/drawingml/2011/main" xmlns:a14="http://schemas.microsoft.com/office/drawing/2010/main" xmlns:m="http://schemas.openxmlformats.org/officeDocument/2006/math" xmlns="" val="1"/>
+              <ma14:wrappingTextBoxFlag xmlns="" xmlns:m="http://schemas.openxmlformats.org/officeDocument/2006/math" xmlns:a14="http://schemas.microsoft.com/office/drawing/2010/main" xmlns:ma14="http://schemas.microsoft.com/office/mac/drawingml/2011/main" val="1"/>
             </a:ext>
           </a:extLst>
         </p:spPr>
@@ -11365,7 +11298,7 @@
           </a:ln>
           <a:extLst>
             <a:ext uri="{C572A759-6A51-4108-AA02-DFA0A04FC94B}">
-              <ma14:wrappingTextBoxFlag xmlns:ma14="http://schemas.microsoft.com/office/mac/drawingml/2011/main" xmlns:a14="http://schemas.microsoft.com/office/drawing/2010/main" xmlns:m="http://schemas.openxmlformats.org/officeDocument/2006/math" xmlns="" val="1"/>
+              <ma14:wrappingTextBoxFlag xmlns="" xmlns:m="http://schemas.openxmlformats.org/officeDocument/2006/math" xmlns:a14="http://schemas.microsoft.com/office/drawing/2010/main" xmlns:ma14="http://schemas.microsoft.com/office/mac/drawingml/2011/main" val="1"/>
             </a:ext>
           </a:extLst>
         </p:spPr>
@@ -11409,7 +11342,7 @@
           </a:ln>
           <a:extLst>
             <a:ext uri="{C572A759-6A51-4108-AA02-DFA0A04FC94B}">
-              <ma14:wrappingTextBoxFlag xmlns:ma14="http://schemas.microsoft.com/office/mac/drawingml/2011/main" xmlns:a14="http://schemas.microsoft.com/office/drawing/2010/main" xmlns:m="http://schemas.openxmlformats.org/officeDocument/2006/math" xmlns="" val="1"/>
+              <ma14:wrappingTextBoxFlag xmlns="" xmlns:m="http://schemas.openxmlformats.org/officeDocument/2006/math" xmlns:a14="http://schemas.microsoft.com/office/drawing/2010/main" xmlns:ma14="http://schemas.microsoft.com/office/mac/drawingml/2011/main" val="1"/>
             </a:ext>
           </a:extLst>
         </p:spPr>
@@ -11524,7 +11457,7 @@
           </a:ln>
           <a:extLst>
             <a:ext uri="{C572A759-6A51-4108-AA02-DFA0A04FC94B}">
-              <ma14:wrappingTextBoxFlag xmlns:ma14="http://schemas.microsoft.com/office/mac/drawingml/2011/main" xmlns:a14="http://schemas.microsoft.com/office/drawing/2010/main" xmlns:m="http://schemas.openxmlformats.org/officeDocument/2006/math" xmlns="" val="1"/>
+              <ma14:wrappingTextBoxFlag xmlns="" xmlns:m="http://schemas.openxmlformats.org/officeDocument/2006/math" xmlns:a14="http://schemas.microsoft.com/office/drawing/2010/main" xmlns:ma14="http://schemas.microsoft.com/office/mac/drawingml/2011/main" val="1"/>
             </a:ext>
           </a:extLst>
         </p:spPr>
@@ -11595,7 +11528,7 @@
           </a:ln>
           <a:extLst>
             <a:ext uri="{C572A759-6A51-4108-AA02-DFA0A04FC94B}">
-              <ma14:wrappingTextBoxFlag xmlns:ma14="http://schemas.microsoft.com/office/mac/drawingml/2011/main" xmlns:a14="http://schemas.microsoft.com/office/drawing/2010/main" xmlns:m="http://schemas.openxmlformats.org/officeDocument/2006/math" xmlns="" val="1"/>
+              <ma14:wrappingTextBoxFlag xmlns="" xmlns:m="http://schemas.openxmlformats.org/officeDocument/2006/math" xmlns:a14="http://schemas.microsoft.com/office/drawing/2010/main" xmlns:ma14="http://schemas.microsoft.com/office/mac/drawingml/2011/main" val="1"/>
             </a:ext>
           </a:extLst>
         </p:spPr>

--- a/Prova.pptx
+++ b/Prova.pptx
@@ -5,7 +5,7 @@
     <p:sldMasterId id="2147483648" r:id="rId1"/>
   </p:sldMasterIdLst>
   <p:notesMasterIdLst>
-    <p:notesMasterId r:id="rId34"/>
+    <p:notesMasterId r:id="rId37"/>
   </p:notesMasterIdLst>
   <p:sldIdLst>
     <p:sldId id="256" r:id="rId2"/>
@@ -31,15 +31,18 @@
     <p:sldId id="276" r:id="rId22"/>
     <p:sldId id="277" r:id="rId23"/>
     <p:sldId id="278" r:id="rId24"/>
-    <p:sldId id="279" r:id="rId25"/>
-    <p:sldId id="280" r:id="rId26"/>
-    <p:sldId id="281" r:id="rId27"/>
-    <p:sldId id="282" r:id="rId28"/>
-    <p:sldId id="283" r:id="rId29"/>
-    <p:sldId id="284" r:id="rId30"/>
-    <p:sldId id="285" r:id="rId31"/>
-    <p:sldId id="286" r:id="rId32"/>
-    <p:sldId id="287" r:id="rId33"/>
+    <p:sldId id="288" r:id="rId25"/>
+    <p:sldId id="282" r:id="rId26"/>
+    <p:sldId id="279" r:id="rId27"/>
+    <p:sldId id="280" r:id="rId28"/>
+    <p:sldId id="281" r:id="rId29"/>
+    <p:sldId id="283" r:id="rId30"/>
+    <p:sldId id="284" r:id="rId31"/>
+    <p:sldId id="285" r:id="rId32"/>
+    <p:sldId id="286" r:id="rId33"/>
+    <p:sldId id="287" r:id="rId34"/>
+    <p:sldId id="289" r:id="rId35"/>
+    <p:sldId id="290" r:id="rId36"/>
   </p:sldIdLst>
   <p:sldSz cx="9144000" cy="6858000" type="screen4x3"/>
   <p:notesSz cx="6858000" cy="9144000"/>
@@ -2349,7 +2352,7 @@
           </a:ln>
           <a:extLst>
             <a:ext uri="{C572A759-6A51-4108-AA02-DFA0A04FC94B}">
-              <ma14:wrappingTextBoxFlag xmlns="" xmlns:m="http://schemas.openxmlformats.org/officeDocument/2006/math" xmlns:a14="http://schemas.microsoft.com/office/drawing/2010/main" xmlns:ma14="http://schemas.microsoft.com/office/mac/drawingml/2011/main" val="1"/>
+              <ma14:wrappingTextBoxFlag xmlns:ma14="http://schemas.microsoft.com/office/mac/drawingml/2011/main" xmlns:a14="http://schemas.microsoft.com/office/drawing/2010/main" xmlns:m="http://schemas.openxmlformats.org/officeDocument/2006/math" xmlns="" val="1"/>
             </a:ext>
           </a:extLst>
         </p:spPr>
@@ -2388,7 +2391,7 @@
           </a:ln>
           <a:extLst>
             <a:ext uri="{C572A759-6A51-4108-AA02-DFA0A04FC94B}">
-              <ma14:wrappingTextBoxFlag xmlns="" xmlns:m="http://schemas.openxmlformats.org/officeDocument/2006/math" xmlns:a14="http://schemas.microsoft.com/office/drawing/2010/main" xmlns:ma14="http://schemas.microsoft.com/office/mac/drawingml/2011/main" val="1"/>
+              <ma14:wrappingTextBoxFlag xmlns:ma14="http://schemas.microsoft.com/office/mac/drawingml/2011/main" xmlns:a14="http://schemas.microsoft.com/office/drawing/2010/main" xmlns:m="http://schemas.openxmlformats.org/officeDocument/2006/math" xmlns="" val="1"/>
             </a:ext>
           </a:extLst>
         </p:spPr>
@@ -3333,7 +3336,7 @@
           </a:ln>
           <a:extLst>
             <a:ext uri="{C572A759-6A51-4108-AA02-DFA0A04FC94B}">
-              <ma14:wrappingTextBoxFlag xmlns="" xmlns:m="http://schemas.openxmlformats.org/officeDocument/2006/math" xmlns:a14="http://schemas.microsoft.com/office/drawing/2010/main" xmlns:ma14="http://schemas.microsoft.com/office/mac/drawingml/2011/main" val="1"/>
+              <ma14:wrappingTextBoxFlag xmlns:ma14="http://schemas.microsoft.com/office/mac/drawingml/2011/main" xmlns:a14="http://schemas.microsoft.com/office/drawing/2010/main" xmlns:m="http://schemas.openxmlformats.org/officeDocument/2006/math" xmlns="" val="1"/>
             </a:ext>
           </a:extLst>
         </p:spPr>
@@ -3389,7 +3392,7 @@
           </a:ln>
           <a:extLst>
             <a:ext uri="{C572A759-6A51-4108-AA02-DFA0A04FC94B}">
-              <ma14:wrappingTextBoxFlag xmlns="" xmlns:m="http://schemas.openxmlformats.org/officeDocument/2006/math" xmlns:a14="http://schemas.microsoft.com/office/drawing/2010/main" xmlns:ma14="http://schemas.microsoft.com/office/mac/drawingml/2011/main" val="1"/>
+              <ma14:wrappingTextBoxFlag xmlns:ma14="http://schemas.microsoft.com/office/mac/drawingml/2011/main" xmlns:a14="http://schemas.microsoft.com/office/drawing/2010/main" xmlns:m="http://schemas.openxmlformats.org/officeDocument/2006/math" xmlns="" val="1"/>
             </a:ext>
           </a:extLst>
         </p:spPr>
@@ -3506,7 +3509,7 @@
           </a:ln>
           <a:extLst>
             <a:ext uri="{C572A759-6A51-4108-AA02-DFA0A04FC94B}">
-              <ma14:wrappingTextBoxFlag xmlns="" xmlns:m="http://schemas.openxmlformats.org/officeDocument/2006/math" xmlns:a14="http://schemas.microsoft.com/office/drawing/2010/main" xmlns:ma14="http://schemas.microsoft.com/office/mac/drawingml/2011/main" val="1"/>
+              <ma14:wrappingTextBoxFlag xmlns:ma14="http://schemas.microsoft.com/office/mac/drawingml/2011/main" xmlns:a14="http://schemas.microsoft.com/office/drawing/2010/main" xmlns:m="http://schemas.openxmlformats.org/officeDocument/2006/math" xmlns="" val="1"/>
             </a:ext>
           </a:extLst>
         </p:spPr>
@@ -3577,7 +3580,7 @@
           </a:ln>
           <a:extLst>
             <a:ext uri="{C572A759-6A51-4108-AA02-DFA0A04FC94B}">
-              <ma14:wrappingTextBoxFlag xmlns="" xmlns:m="http://schemas.openxmlformats.org/officeDocument/2006/math" xmlns:a14="http://schemas.microsoft.com/office/drawing/2010/main" xmlns:ma14="http://schemas.microsoft.com/office/mac/drawingml/2011/main" val="1"/>
+              <ma14:wrappingTextBoxFlag xmlns:ma14="http://schemas.microsoft.com/office/mac/drawingml/2011/main" xmlns:a14="http://schemas.microsoft.com/office/drawing/2010/main" xmlns:m="http://schemas.openxmlformats.org/officeDocument/2006/math" xmlns="" val="1"/>
             </a:ext>
           </a:extLst>
         </p:spPr>
@@ -3770,7 +3773,7 @@
           </a:ln>
           <a:extLst>
             <a:ext uri="{C572A759-6A51-4108-AA02-DFA0A04FC94B}">
-              <ma14:wrappingTextBoxFlag xmlns="" xmlns:m="http://schemas.openxmlformats.org/officeDocument/2006/math" xmlns:a14="http://schemas.microsoft.com/office/drawing/2010/main" xmlns:ma14="http://schemas.microsoft.com/office/mac/drawingml/2011/main" val="1"/>
+              <ma14:wrappingTextBoxFlag xmlns:ma14="http://schemas.microsoft.com/office/mac/drawingml/2011/main" xmlns:a14="http://schemas.microsoft.com/office/drawing/2010/main" xmlns:m="http://schemas.openxmlformats.org/officeDocument/2006/math" xmlns="" val="1"/>
             </a:ext>
           </a:extLst>
         </p:spPr>
@@ -3817,7 +3820,7 @@
           </a:ln>
           <a:extLst>
             <a:ext uri="{C572A759-6A51-4108-AA02-DFA0A04FC94B}">
-              <ma14:wrappingTextBoxFlag xmlns="" xmlns:m="http://schemas.openxmlformats.org/officeDocument/2006/math" xmlns:a14="http://schemas.microsoft.com/office/drawing/2010/main" xmlns:ma14="http://schemas.microsoft.com/office/mac/drawingml/2011/main" val="1"/>
+              <ma14:wrappingTextBoxFlag xmlns:ma14="http://schemas.microsoft.com/office/mac/drawingml/2011/main" xmlns:a14="http://schemas.microsoft.com/office/drawing/2010/main" xmlns:m="http://schemas.openxmlformats.org/officeDocument/2006/math" xmlns="" val="1"/>
             </a:ext>
           </a:extLst>
         </p:spPr>
@@ -3881,7 +3884,7 @@
           </a:ln>
           <a:extLst>
             <a:ext uri="{C572A759-6A51-4108-AA02-DFA0A04FC94B}">
-              <ma14:wrappingTextBoxFlag xmlns="" xmlns:m="http://schemas.openxmlformats.org/officeDocument/2006/math" xmlns:a14="http://schemas.microsoft.com/office/drawing/2010/main" xmlns:ma14="http://schemas.microsoft.com/office/mac/drawingml/2011/main" val="1"/>
+              <ma14:wrappingTextBoxFlag xmlns:ma14="http://schemas.microsoft.com/office/mac/drawingml/2011/main" xmlns:a14="http://schemas.microsoft.com/office/drawing/2010/main" xmlns:m="http://schemas.openxmlformats.org/officeDocument/2006/math" xmlns="" val="1"/>
             </a:ext>
           </a:extLst>
         </p:spPr>
@@ -3928,7 +3931,7 @@
           </a:ln>
           <a:extLst>
             <a:ext uri="{C572A759-6A51-4108-AA02-DFA0A04FC94B}">
-              <ma14:wrappingTextBoxFlag xmlns="" xmlns:m="http://schemas.openxmlformats.org/officeDocument/2006/math" xmlns:a14="http://schemas.microsoft.com/office/drawing/2010/main" xmlns:ma14="http://schemas.microsoft.com/office/mac/drawingml/2011/main" val="1"/>
+              <ma14:wrappingTextBoxFlag xmlns:ma14="http://schemas.microsoft.com/office/mac/drawingml/2011/main" xmlns:a14="http://schemas.microsoft.com/office/drawing/2010/main" xmlns:m="http://schemas.openxmlformats.org/officeDocument/2006/math" xmlns="" val="1"/>
             </a:ext>
           </a:extLst>
         </p:spPr>
@@ -3979,7 +3982,7 @@
           </a:ln>
           <a:extLst>
             <a:ext uri="{C572A759-6A51-4108-AA02-DFA0A04FC94B}">
-              <ma14:wrappingTextBoxFlag xmlns="" xmlns:m="http://schemas.openxmlformats.org/officeDocument/2006/math" xmlns:a14="http://schemas.microsoft.com/office/drawing/2010/main" xmlns:ma14="http://schemas.microsoft.com/office/mac/drawingml/2011/main" val="1"/>
+              <ma14:wrappingTextBoxFlag xmlns:ma14="http://schemas.microsoft.com/office/mac/drawingml/2011/main" xmlns:a14="http://schemas.microsoft.com/office/drawing/2010/main" xmlns:m="http://schemas.openxmlformats.org/officeDocument/2006/math" xmlns="" val="1"/>
             </a:ext>
           </a:extLst>
         </p:spPr>
@@ -4023,7 +4026,7 @@
           </a:ln>
           <a:extLst>
             <a:ext uri="{C572A759-6A51-4108-AA02-DFA0A04FC94B}">
-              <ma14:wrappingTextBoxFlag xmlns="" xmlns:m="http://schemas.openxmlformats.org/officeDocument/2006/math" xmlns:a14="http://schemas.microsoft.com/office/drawing/2010/main" xmlns:ma14="http://schemas.microsoft.com/office/mac/drawingml/2011/main" val="1"/>
+              <ma14:wrappingTextBoxFlag xmlns:ma14="http://schemas.microsoft.com/office/mac/drawingml/2011/main" xmlns:a14="http://schemas.microsoft.com/office/drawing/2010/main" xmlns:m="http://schemas.openxmlformats.org/officeDocument/2006/math" xmlns="" val="1"/>
             </a:ext>
           </a:extLst>
         </p:spPr>
@@ -4144,7 +4147,7 @@
           </a:ln>
           <a:extLst>
             <a:ext uri="{C572A759-6A51-4108-AA02-DFA0A04FC94B}">
-              <ma14:wrappingTextBoxFlag xmlns="" xmlns:m="http://schemas.openxmlformats.org/officeDocument/2006/math" xmlns:a14="http://schemas.microsoft.com/office/drawing/2010/main" xmlns:ma14="http://schemas.microsoft.com/office/mac/drawingml/2011/main" val="1"/>
+              <ma14:wrappingTextBoxFlag xmlns:ma14="http://schemas.microsoft.com/office/mac/drawingml/2011/main" xmlns:a14="http://schemas.microsoft.com/office/drawing/2010/main" xmlns:m="http://schemas.openxmlformats.org/officeDocument/2006/math" xmlns="" val="1"/>
             </a:ext>
           </a:extLst>
         </p:spPr>
@@ -4218,7 +4221,7 @@
           </a:ln>
           <a:extLst>
             <a:ext uri="{C572A759-6A51-4108-AA02-DFA0A04FC94B}">
-              <ma14:wrappingTextBoxFlag xmlns="" xmlns:m="http://schemas.openxmlformats.org/officeDocument/2006/math" xmlns:a14="http://schemas.microsoft.com/office/drawing/2010/main" xmlns:ma14="http://schemas.microsoft.com/office/mac/drawingml/2011/main" val="1"/>
+              <ma14:wrappingTextBoxFlag xmlns:ma14="http://schemas.microsoft.com/office/mac/drawingml/2011/main" xmlns:a14="http://schemas.microsoft.com/office/drawing/2010/main" xmlns:m="http://schemas.openxmlformats.org/officeDocument/2006/math" xmlns="" val="1"/>
             </a:ext>
           </a:extLst>
         </p:spPr>
@@ -4284,7 +4287,7 @@
           </a:ln>
           <a:extLst>
             <a:ext uri="{C572A759-6A51-4108-AA02-DFA0A04FC94B}">
-              <ma14:wrappingTextBoxFlag xmlns="" xmlns:m="http://schemas.openxmlformats.org/officeDocument/2006/math" xmlns:a14="http://schemas.microsoft.com/office/drawing/2010/main" xmlns:ma14="http://schemas.microsoft.com/office/mac/drawingml/2011/main" val="1"/>
+              <ma14:wrappingTextBoxFlag xmlns:ma14="http://schemas.microsoft.com/office/mac/drawingml/2011/main" xmlns:a14="http://schemas.microsoft.com/office/drawing/2010/main" xmlns:m="http://schemas.openxmlformats.org/officeDocument/2006/math" xmlns="" val="1"/>
             </a:ext>
           </a:extLst>
         </p:spPr>
@@ -4331,7 +4334,7 @@
           </a:ln>
           <a:extLst>
             <a:ext uri="{C572A759-6A51-4108-AA02-DFA0A04FC94B}">
-              <ma14:wrappingTextBoxFlag xmlns="" xmlns:m="http://schemas.openxmlformats.org/officeDocument/2006/math" xmlns:a14="http://schemas.microsoft.com/office/drawing/2010/main" xmlns:ma14="http://schemas.microsoft.com/office/mac/drawingml/2011/main" val="1"/>
+              <ma14:wrappingTextBoxFlag xmlns:ma14="http://schemas.microsoft.com/office/mac/drawingml/2011/main" xmlns:a14="http://schemas.microsoft.com/office/drawing/2010/main" xmlns:m="http://schemas.openxmlformats.org/officeDocument/2006/math" xmlns="" val="1"/>
             </a:ext>
           </a:extLst>
         </p:spPr>
@@ -4412,7 +4415,7 @@
           </a:ln>
           <a:extLst>
             <a:ext uri="{C572A759-6A51-4108-AA02-DFA0A04FC94B}">
-              <ma14:wrappingTextBoxFlag xmlns="" xmlns:m="http://schemas.openxmlformats.org/officeDocument/2006/math" xmlns:a14="http://schemas.microsoft.com/office/drawing/2010/main" xmlns:ma14="http://schemas.microsoft.com/office/mac/drawingml/2011/main" val="1"/>
+              <ma14:wrappingTextBoxFlag xmlns:ma14="http://schemas.microsoft.com/office/mac/drawingml/2011/main" xmlns:a14="http://schemas.microsoft.com/office/drawing/2010/main" xmlns:m="http://schemas.openxmlformats.org/officeDocument/2006/math" xmlns="" val="1"/>
             </a:ext>
           </a:extLst>
         </p:spPr>
@@ -4748,7 +4751,7 @@
           </a:ln>
           <a:extLst>
             <a:ext uri="{C572A759-6A51-4108-AA02-DFA0A04FC94B}">
-              <ma14:wrappingTextBoxFlag xmlns="" xmlns:m="http://schemas.openxmlformats.org/officeDocument/2006/math" xmlns:a14="http://schemas.microsoft.com/office/drawing/2010/main" xmlns:ma14="http://schemas.microsoft.com/office/mac/drawingml/2011/main" val="1"/>
+              <ma14:wrappingTextBoxFlag xmlns:ma14="http://schemas.microsoft.com/office/mac/drawingml/2011/main" xmlns:a14="http://schemas.microsoft.com/office/drawing/2010/main" xmlns:m="http://schemas.openxmlformats.org/officeDocument/2006/math" xmlns="" val="1"/>
             </a:ext>
           </a:extLst>
         </p:spPr>
@@ -4792,7 +4795,7 @@
           </a:ln>
           <a:extLst>
             <a:ext uri="{C572A759-6A51-4108-AA02-DFA0A04FC94B}">
-              <ma14:wrappingTextBoxFlag xmlns="" xmlns:m="http://schemas.openxmlformats.org/officeDocument/2006/math" xmlns:a14="http://schemas.microsoft.com/office/drawing/2010/main" xmlns:ma14="http://schemas.microsoft.com/office/mac/drawingml/2011/main" val="1"/>
+              <ma14:wrappingTextBoxFlag xmlns:ma14="http://schemas.microsoft.com/office/mac/drawingml/2011/main" xmlns:a14="http://schemas.microsoft.com/office/drawing/2010/main" xmlns:m="http://schemas.openxmlformats.org/officeDocument/2006/math" xmlns="" val="1"/>
             </a:ext>
           </a:extLst>
         </p:spPr>
@@ -4896,7 +4899,7 @@
           </a:ln>
           <a:extLst>
             <a:ext uri="{C572A759-6A51-4108-AA02-DFA0A04FC94B}">
-              <ma14:wrappingTextBoxFlag xmlns="" xmlns:m="http://schemas.openxmlformats.org/officeDocument/2006/math" xmlns:a14="http://schemas.microsoft.com/office/drawing/2010/main" xmlns:ma14="http://schemas.microsoft.com/office/mac/drawingml/2011/main" val="1"/>
+              <ma14:wrappingTextBoxFlag xmlns:ma14="http://schemas.microsoft.com/office/mac/drawingml/2011/main" xmlns:a14="http://schemas.microsoft.com/office/drawing/2010/main" xmlns:m="http://schemas.openxmlformats.org/officeDocument/2006/math" xmlns="" val="1"/>
             </a:ext>
           </a:extLst>
         </p:spPr>
@@ -4943,7 +4946,7 @@
           </a:ln>
           <a:extLst>
             <a:ext uri="{C572A759-6A51-4108-AA02-DFA0A04FC94B}">
-              <ma14:wrappingTextBoxFlag xmlns="" xmlns:m="http://schemas.openxmlformats.org/officeDocument/2006/math" xmlns:a14="http://schemas.microsoft.com/office/drawing/2010/main" xmlns:ma14="http://schemas.microsoft.com/office/mac/drawingml/2011/main" val="1"/>
+              <ma14:wrappingTextBoxFlag xmlns:ma14="http://schemas.microsoft.com/office/mac/drawingml/2011/main" xmlns:a14="http://schemas.microsoft.com/office/drawing/2010/main" xmlns:m="http://schemas.openxmlformats.org/officeDocument/2006/math" xmlns="" val="1"/>
             </a:ext>
           </a:extLst>
         </p:spPr>
@@ -5007,7 +5010,7 @@
           </a:ln>
           <a:extLst>
             <a:ext uri="{C572A759-6A51-4108-AA02-DFA0A04FC94B}">
-              <ma14:wrappingTextBoxFlag xmlns="" xmlns:m="http://schemas.openxmlformats.org/officeDocument/2006/math" xmlns:a14="http://schemas.microsoft.com/office/drawing/2010/main" xmlns:ma14="http://schemas.microsoft.com/office/mac/drawingml/2011/main" val="1"/>
+              <ma14:wrappingTextBoxFlag xmlns:ma14="http://schemas.microsoft.com/office/mac/drawingml/2011/main" xmlns:a14="http://schemas.microsoft.com/office/drawing/2010/main" xmlns:m="http://schemas.openxmlformats.org/officeDocument/2006/math" xmlns="" val="1"/>
             </a:ext>
           </a:extLst>
         </p:spPr>
@@ -5054,7 +5057,7 @@
           </a:ln>
           <a:extLst>
             <a:ext uri="{C572A759-6A51-4108-AA02-DFA0A04FC94B}">
-              <ma14:wrappingTextBoxFlag xmlns="" xmlns:m="http://schemas.openxmlformats.org/officeDocument/2006/math" xmlns:a14="http://schemas.microsoft.com/office/drawing/2010/main" xmlns:ma14="http://schemas.microsoft.com/office/mac/drawingml/2011/main" val="1"/>
+              <ma14:wrappingTextBoxFlag xmlns:ma14="http://schemas.microsoft.com/office/mac/drawingml/2011/main" xmlns:a14="http://schemas.microsoft.com/office/drawing/2010/main" xmlns:m="http://schemas.openxmlformats.org/officeDocument/2006/math" xmlns="" val="1"/>
             </a:ext>
           </a:extLst>
         </p:spPr>
@@ -5105,7 +5108,7 @@
           </a:ln>
           <a:extLst>
             <a:ext uri="{C572A759-6A51-4108-AA02-DFA0A04FC94B}">
-              <ma14:wrappingTextBoxFlag xmlns="" xmlns:m="http://schemas.openxmlformats.org/officeDocument/2006/math" xmlns:a14="http://schemas.microsoft.com/office/drawing/2010/main" xmlns:ma14="http://schemas.microsoft.com/office/mac/drawingml/2011/main" val="1"/>
+              <ma14:wrappingTextBoxFlag xmlns:ma14="http://schemas.microsoft.com/office/mac/drawingml/2011/main" xmlns:a14="http://schemas.microsoft.com/office/drawing/2010/main" xmlns:m="http://schemas.openxmlformats.org/officeDocument/2006/math" xmlns="" val="1"/>
             </a:ext>
           </a:extLst>
         </p:spPr>
@@ -5149,7 +5152,7 @@
           </a:ln>
           <a:extLst>
             <a:ext uri="{C572A759-6A51-4108-AA02-DFA0A04FC94B}">
-              <ma14:wrappingTextBoxFlag xmlns="" xmlns:m="http://schemas.openxmlformats.org/officeDocument/2006/math" xmlns:a14="http://schemas.microsoft.com/office/drawing/2010/main" xmlns:ma14="http://schemas.microsoft.com/office/mac/drawingml/2011/main" val="1"/>
+              <ma14:wrappingTextBoxFlag xmlns:ma14="http://schemas.microsoft.com/office/mac/drawingml/2011/main" xmlns:a14="http://schemas.microsoft.com/office/drawing/2010/main" xmlns:m="http://schemas.openxmlformats.org/officeDocument/2006/math" xmlns="" val="1"/>
             </a:ext>
           </a:extLst>
         </p:spPr>
@@ -5212,7 +5215,7 @@
           </a:ln>
           <a:extLst>
             <a:ext uri="{C572A759-6A51-4108-AA02-DFA0A04FC94B}">
-              <ma14:wrappingTextBoxFlag xmlns="" xmlns:m="http://schemas.openxmlformats.org/officeDocument/2006/math" xmlns:a14="http://schemas.microsoft.com/office/drawing/2010/main" xmlns:ma14="http://schemas.microsoft.com/office/mac/drawingml/2011/main" val="1"/>
+              <ma14:wrappingTextBoxFlag xmlns:ma14="http://schemas.microsoft.com/office/mac/drawingml/2011/main" xmlns:a14="http://schemas.microsoft.com/office/drawing/2010/main" xmlns:m="http://schemas.openxmlformats.org/officeDocument/2006/math" xmlns="" val="1"/>
             </a:ext>
           </a:extLst>
         </p:spPr>
@@ -5344,7 +5347,7 @@
           </a:ln>
           <a:extLst>
             <a:ext uri="{C572A759-6A51-4108-AA02-DFA0A04FC94B}">
-              <ma14:wrappingTextBoxFlag xmlns="" xmlns:m="http://schemas.openxmlformats.org/officeDocument/2006/math" xmlns:a14="http://schemas.microsoft.com/office/drawing/2010/main" xmlns:ma14="http://schemas.microsoft.com/office/mac/drawingml/2011/main" val="1"/>
+              <ma14:wrappingTextBoxFlag xmlns:ma14="http://schemas.microsoft.com/office/mac/drawingml/2011/main" xmlns:a14="http://schemas.microsoft.com/office/drawing/2010/main" xmlns:m="http://schemas.openxmlformats.org/officeDocument/2006/math" xmlns="" val="1"/>
             </a:ext>
           </a:extLst>
         </p:spPr>
@@ -5394,7 +5397,7 @@
           </a:ln>
           <a:extLst>
             <a:ext uri="{C572A759-6A51-4108-AA02-DFA0A04FC94B}">
-              <ma14:wrappingTextBoxFlag xmlns="" xmlns:m="http://schemas.openxmlformats.org/officeDocument/2006/math" xmlns:a14="http://schemas.microsoft.com/office/drawing/2010/main" xmlns:ma14="http://schemas.microsoft.com/office/mac/drawingml/2011/main" val="1"/>
+              <ma14:wrappingTextBoxFlag xmlns:ma14="http://schemas.microsoft.com/office/mac/drawingml/2011/main" xmlns:a14="http://schemas.microsoft.com/office/drawing/2010/main" xmlns:m="http://schemas.openxmlformats.org/officeDocument/2006/math" xmlns="" val="1"/>
             </a:ext>
           </a:extLst>
         </p:spPr>
@@ -5491,7 +5494,7 @@
           </a:ln>
           <a:extLst>
             <a:ext uri="{C572A759-6A51-4108-AA02-DFA0A04FC94B}">
-              <ma14:wrappingTextBoxFlag xmlns="" xmlns:m="http://schemas.openxmlformats.org/officeDocument/2006/math" xmlns:a14="http://schemas.microsoft.com/office/drawing/2010/main" xmlns:ma14="http://schemas.microsoft.com/office/mac/drawingml/2011/main" val="1"/>
+              <ma14:wrappingTextBoxFlag xmlns:ma14="http://schemas.microsoft.com/office/mac/drawingml/2011/main" xmlns:a14="http://schemas.microsoft.com/office/drawing/2010/main" xmlns:m="http://schemas.openxmlformats.org/officeDocument/2006/math" xmlns="" val="1"/>
             </a:ext>
           </a:extLst>
         </p:spPr>
@@ -5538,7 +5541,7 @@
           </a:ln>
           <a:extLst>
             <a:ext uri="{C572A759-6A51-4108-AA02-DFA0A04FC94B}">
-              <ma14:wrappingTextBoxFlag xmlns="" xmlns:m="http://schemas.openxmlformats.org/officeDocument/2006/math" xmlns:a14="http://schemas.microsoft.com/office/drawing/2010/main" xmlns:ma14="http://schemas.microsoft.com/office/mac/drawingml/2011/main" val="1"/>
+              <ma14:wrappingTextBoxFlag xmlns:ma14="http://schemas.microsoft.com/office/mac/drawingml/2011/main" xmlns:a14="http://schemas.microsoft.com/office/drawing/2010/main" xmlns:m="http://schemas.openxmlformats.org/officeDocument/2006/math" xmlns="" val="1"/>
             </a:ext>
           </a:extLst>
         </p:spPr>
@@ -5604,7 +5607,7 @@
           </a:ln>
           <a:extLst>
             <a:ext uri="{C572A759-6A51-4108-AA02-DFA0A04FC94B}">
-              <ma14:wrappingTextBoxFlag xmlns="" xmlns:m="http://schemas.openxmlformats.org/officeDocument/2006/math" xmlns:a14="http://schemas.microsoft.com/office/drawing/2010/main" xmlns:ma14="http://schemas.microsoft.com/office/mac/drawingml/2011/main" val="1"/>
+              <ma14:wrappingTextBoxFlag xmlns:ma14="http://schemas.microsoft.com/office/mac/drawingml/2011/main" xmlns:a14="http://schemas.microsoft.com/office/drawing/2010/main" xmlns:m="http://schemas.openxmlformats.org/officeDocument/2006/math" xmlns="" val="1"/>
             </a:ext>
           </a:extLst>
         </p:spPr>
@@ -5651,7 +5654,7 @@
           </a:ln>
           <a:extLst>
             <a:ext uri="{C572A759-6A51-4108-AA02-DFA0A04FC94B}">
-              <ma14:wrappingTextBoxFlag xmlns="" xmlns:m="http://schemas.openxmlformats.org/officeDocument/2006/math" xmlns:a14="http://schemas.microsoft.com/office/drawing/2010/main" xmlns:ma14="http://schemas.microsoft.com/office/mac/drawingml/2011/main" val="1"/>
+              <ma14:wrappingTextBoxFlag xmlns:ma14="http://schemas.microsoft.com/office/mac/drawingml/2011/main" xmlns:a14="http://schemas.microsoft.com/office/drawing/2010/main" xmlns:m="http://schemas.openxmlformats.org/officeDocument/2006/math" xmlns="" val="1"/>
             </a:ext>
           </a:extLst>
         </p:spPr>
@@ -5706,7 +5709,7 @@
           </a:ln>
           <a:extLst>
             <a:ext uri="{C572A759-6A51-4108-AA02-DFA0A04FC94B}">
-              <ma14:wrappingTextBoxFlag xmlns="" xmlns:m="http://schemas.openxmlformats.org/officeDocument/2006/math" xmlns:a14="http://schemas.microsoft.com/office/drawing/2010/main" xmlns:ma14="http://schemas.microsoft.com/office/mac/drawingml/2011/main" val="1"/>
+              <ma14:wrappingTextBoxFlag xmlns:ma14="http://schemas.microsoft.com/office/mac/drawingml/2011/main" xmlns:a14="http://schemas.microsoft.com/office/drawing/2010/main" xmlns:m="http://schemas.openxmlformats.org/officeDocument/2006/math" xmlns="" val="1"/>
             </a:ext>
           </a:extLst>
         </p:spPr>
@@ -5810,7 +5813,7 @@
           </a:ln>
           <a:extLst>
             <a:ext uri="{C572A759-6A51-4108-AA02-DFA0A04FC94B}">
-              <ma14:wrappingTextBoxFlag xmlns="" xmlns:m="http://schemas.openxmlformats.org/officeDocument/2006/math" xmlns:a14="http://schemas.microsoft.com/office/drawing/2010/main" xmlns:ma14="http://schemas.microsoft.com/office/mac/drawingml/2011/main" val="1"/>
+              <ma14:wrappingTextBoxFlag xmlns:ma14="http://schemas.microsoft.com/office/mac/drawingml/2011/main" xmlns:a14="http://schemas.microsoft.com/office/drawing/2010/main" xmlns:m="http://schemas.openxmlformats.org/officeDocument/2006/math" xmlns="" val="1"/>
             </a:ext>
           </a:extLst>
         </p:spPr>
@@ -6146,7 +6149,7 @@
           </a:ln>
           <a:extLst>
             <a:ext uri="{C572A759-6A51-4108-AA02-DFA0A04FC94B}">
-              <ma14:wrappingTextBoxFlag xmlns="" xmlns:m="http://schemas.openxmlformats.org/officeDocument/2006/math" xmlns:a14="http://schemas.microsoft.com/office/drawing/2010/main" xmlns:ma14="http://schemas.microsoft.com/office/mac/drawingml/2011/main" val="1"/>
+              <ma14:wrappingTextBoxFlag xmlns:ma14="http://schemas.microsoft.com/office/mac/drawingml/2011/main" xmlns:a14="http://schemas.microsoft.com/office/drawing/2010/main" xmlns:m="http://schemas.openxmlformats.org/officeDocument/2006/math" xmlns="" val="1"/>
             </a:ext>
           </a:extLst>
         </p:spPr>
@@ -6196,7 +6199,7 @@
           </a:ln>
           <a:extLst>
             <a:ext uri="{C572A759-6A51-4108-AA02-DFA0A04FC94B}">
-              <ma14:wrappingTextBoxFlag xmlns="" xmlns:m="http://schemas.openxmlformats.org/officeDocument/2006/math" xmlns:a14="http://schemas.microsoft.com/office/drawing/2010/main" xmlns:ma14="http://schemas.microsoft.com/office/mac/drawingml/2011/main" val="1"/>
+              <ma14:wrappingTextBoxFlag xmlns:ma14="http://schemas.microsoft.com/office/mac/drawingml/2011/main" xmlns:a14="http://schemas.microsoft.com/office/drawing/2010/main" xmlns:m="http://schemas.openxmlformats.org/officeDocument/2006/math" xmlns="" val="1"/>
             </a:ext>
           </a:extLst>
         </p:spPr>
@@ -6266,7 +6269,7 @@
           </a:ln>
           <a:extLst>
             <a:ext uri="{C572A759-6A51-4108-AA02-DFA0A04FC94B}">
-              <ma14:wrappingTextBoxFlag xmlns="" xmlns:m="http://schemas.openxmlformats.org/officeDocument/2006/math" xmlns:a14="http://schemas.microsoft.com/office/drawing/2010/main" xmlns:ma14="http://schemas.microsoft.com/office/mac/drawingml/2011/main" val="1"/>
+              <ma14:wrappingTextBoxFlag xmlns:ma14="http://schemas.microsoft.com/office/mac/drawingml/2011/main" xmlns:a14="http://schemas.microsoft.com/office/drawing/2010/main" xmlns:m="http://schemas.openxmlformats.org/officeDocument/2006/math" xmlns="" val="1"/>
             </a:ext>
           </a:extLst>
         </p:spPr>
@@ -6313,7 +6316,7 @@
           </a:ln>
           <a:extLst>
             <a:ext uri="{C572A759-6A51-4108-AA02-DFA0A04FC94B}">
-              <ma14:wrappingTextBoxFlag xmlns="" xmlns:m="http://schemas.openxmlformats.org/officeDocument/2006/math" xmlns:a14="http://schemas.microsoft.com/office/drawing/2010/main" xmlns:ma14="http://schemas.microsoft.com/office/mac/drawingml/2011/main" val="1"/>
+              <ma14:wrappingTextBoxFlag xmlns:ma14="http://schemas.microsoft.com/office/mac/drawingml/2011/main" xmlns:a14="http://schemas.microsoft.com/office/drawing/2010/main" xmlns:m="http://schemas.openxmlformats.org/officeDocument/2006/math" xmlns="" val="1"/>
             </a:ext>
           </a:extLst>
         </p:spPr>
@@ -6377,7 +6380,7 @@
           </a:ln>
           <a:extLst>
             <a:ext uri="{C572A759-6A51-4108-AA02-DFA0A04FC94B}">
-              <ma14:wrappingTextBoxFlag xmlns="" xmlns:m="http://schemas.openxmlformats.org/officeDocument/2006/math" xmlns:a14="http://schemas.microsoft.com/office/drawing/2010/main" xmlns:ma14="http://schemas.microsoft.com/office/mac/drawingml/2011/main" val="1"/>
+              <ma14:wrappingTextBoxFlag xmlns:ma14="http://schemas.microsoft.com/office/mac/drawingml/2011/main" xmlns:a14="http://schemas.microsoft.com/office/drawing/2010/main" xmlns:m="http://schemas.openxmlformats.org/officeDocument/2006/math" xmlns="" val="1"/>
             </a:ext>
           </a:extLst>
         </p:spPr>
@@ -6424,7 +6427,7 @@
           </a:ln>
           <a:extLst>
             <a:ext uri="{C572A759-6A51-4108-AA02-DFA0A04FC94B}">
-              <ma14:wrappingTextBoxFlag xmlns="" xmlns:m="http://schemas.openxmlformats.org/officeDocument/2006/math" xmlns:a14="http://schemas.microsoft.com/office/drawing/2010/main" xmlns:ma14="http://schemas.microsoft.com/office/mac/drawingml/2011/main" val="1"/>
+              <ma14:wrappingTextBoxFlag xmlns:ma14="http://schemas.microsoft.com/office/mac/drawingml/2011/main" xmlns:a14="http://schemas.microsoft.com/office/drawing/2010/main" xmlns:m="http://schemas.openxmlformats.org/officeDocument/2006/math" xmlns="" val="1"/>
             </a:ext>
           </a:extLst>
         </p:spPr>
@@ -6475,7 +6478,7 @@
           </a:ln>
           <a:extLst>
             <a:ext uri="{C572A759-6A51-4108-AA02-DFA0A04FC94B}">
-              <ma14:wrappingTextBoxFlag xmlns="" xmlns:m="http://schemas.openxmlformats.org/officeDocument/2006/math" xmlns:a14="http://schemas.microsoft.com/office/drawing/2010/main" xmlns:ma14="http://schemas.microsoft.com/office/mac/drawingml/2011/main" val="1"/>
+              <ma14:wrappingTextBoxFlag xmlns:ma14="http://schemas.microsoft.com/office/mac/drawingml/2011/main" xmlns:a14="http://schemas.microsoft.com/office/drawing/2010/main" xmlns:m="http://schemas.openxmlformats.org/officeDocument/2006/math" xmlns="" val="1"/>
             </a:ext>
           </a:extLst>
         </p:spPr>
@@ -6519,7 +6522,7 @@
           </a:ln>
           <a:extLst>
             <a:ext uri="{C572A759-6A51-4108-AA02-DFA0A04FC94B}">
-              <ma14:wrappingTextBoxFlag xmlns="" xmlns:m="http://schemas.openxmlformats.org/officeDocument/2006/math" xmlns:a14="http://schemas.microsoft.com/office/drawing/2010/main" xmlns:ma14="http://schemas.microsoft.com/office/mac/drawingml/2011/main" val="1"/>
+              <ma14:wrappingTextBoxFlag xmlns:ma14="http://schemas.microsoft.com/office/mac/drawingml/2011/main" xmlns:a14="http://schemas.microsoft.com/office/drawing/2010/main" xmlns:m="http://schemas.openxmlformats.org/officeDocument/2006/math" xmlns="" val="1"/>
             </a:ext>
           </a:extLst>
         </p:spPr>
@@ -6570,7 +6573,7 @@
           </a:ln>
           <a:extLst>
             <a:ext uri="{C572A759-6A51-4108-AA02-DFA0A04FC94B}">
-              <ma14:wrappingTextBoxFlag xmlns="" xmlns:m="http://schemas.openxmlformats.org/officeDocument/2006/math" xmlns:a14="http://schemas.microsoft.com/office/drawing/2010/main" xmlns:ma14="http://schemas.microsoft.com/office/mac/drawingml/2011/main" val="1"/>
+              <ma14:wrappingTextBoxFlag xmlns:ma14="http://schemas.microsoft.com/office/mac/drawingml/2011/main" xmlns:a14="http://schemas.microsoft.com/office/drawing/2010/main" xmlns:m="http://schemas.openxmlformats.org/officeDocument/2006/math" xmlns="" val="1"/>
             </a:ext>
           </a:extLst>
         </p:spPr>
@@ -6674,7 +6677,7 @@
           </a:ln>
           <a:extLst>
             <a:ext uri="{C572A759-6A51-4108-AA02-DFA0A04FC94B}">
-              <ma14:wrappingTextBoxFlag xmlns="" xmlns:m="http://schemas.openxmlformats.org/officeDocument/2006/math" xmlns:a14="http://schemas.microsoft.com/office/drawing/2010/main" xmlns:ma14="http://schemas.microsoft.com/office/mac/drawingml/2011/main" val="1"/>
+              <ma14:wrappingTextBoxFlag xmlns:ma14="http://schemas.microsoft.com/office/mac/drawingml/2011/main" xmlns:a14="http://schemas.microsoft.com/office/drawing/2010/main" xmlns:m="http://schemas.openxmlformats.org/officeDocument/2006/math" xmlns="" val="1"/>
             </a:ext>
           </a:extLst>
         </p:spPr>
@@ -6724,7 +6727,7 @@
           </a:ln>
           <a:extLst>
             <a:ext uri="{C572A759-6A51-4108-AA02-DFA0A04FC94B}">
-              <ma14:wrappingTextBoxFlag xmlns="" xmlns:m="http://schemas.openxmlformats.org/officeDocument/2006/math" xmlns:a14="http://schemas.microsoft.com/office/drawing/2010/main" xmlns:ma14="http://schemas.microsoft.com/office/mac/drawingml/2011/main" val="1"/>
+              <ma14:wrappingTextBoxFlag xmlns:ma14="http://schemas.microsoft.com/office/mac/drawingml/2011/main" xmlns:a14="http://schemas.microsoft.com/office/drawing/2010/main" xmlns:m="http://schemas.openxmlformats.org/officeDocument/2006/math" xmlns="" val="1"/>
             </a:ext>
           </a:extLst>
         </p:spPr>
@@ -6771,7 +6774,7 @@
           </a:ln>
           <a:extLst>
             <a:ext uri="{C572A759-6A51-4108-AA02-DFA0A04FC94B}">
-              <ma14:wrappingTextBoxFlag xmlns="" xmlns:m="http://schemas.openxmlformats.org/officeDocument/2006/math" xmlns:a14="http://schemas.microsoft.com/office/drawing/2010/main" xmlns:ma14="http://schemas.microsoft.com/office/mac/drawingml/2011/main" val="1"/>
+              <ma14:wrappingTextBoxFlag xmlns:ma14="http://schemas.microsoft.com/office/mac/drawingml/2011/main" xmlns:a14="http://schemas.microsoft.com/office/drawing/2010/main" xmlns:m="http://schemas.openxmlformats.org/officeDocument/2006/math" xmlns="" val="1"/>
             </a:ext>
           </a:extLst>
         </p:spPr>
@@ -6837,7 +6840,7 @@
           </a:ln>
           <a:extLst>
             <a:ext uri="{C572A759-6A51-4108-AA02-DFA0A04FC94B}">
-              <ma14:wrappingTextBoxFlag xmlns="" xmlns:m="http://schemas.openxmlformats.org/officeDocument/2006/math" xmlns:a14="http://schemas.microsoft.com/office/drawing/2010/main" xmlns:ma14="http://schemas.microsoft.com/office/mac/drawingml/2011/main" val="1"/>
+              <ma14:wrappingTextBoxFlag xmlns:ma14="http://schemas.microsoft.com/office/mac/drawingml/2011/main" xmlns:a14="http://schemas.microsoft.com/office/drawing/2010/main" xmlns:m="http://schemas.openxmlformats.org/officeDocument/2006/math" xmlns="" val="1"/>
             </a:ext>
           </a:extLst>
         </p:spPr>
@@ -6884,7 +6887,7 @@
           </a:ln>
           <a:extLst>
             <a:ext uri="{C572A759-6A51-4108-AA02-DFA0A04FC94B}">
-              <ma14:wrappingTextBoxFlag xmlns="" xmlns:m="http://schemas.openxmlformats.org/officeDocument/2006/math" xmlns:a14="http://schemas.microsoft.com/office/drawing/2010/main" xmlns:ma14="http://schemas.microsoft.com/office/mac/drawingml/2011/main" val="1"/>
+              <ma14:wrappingTextBoxFlag xmlns:ma14="http://schemas.microsoft.com/office/mac/drawingml/2011/main" xmlns:a14="http://schemas.microsoft.com/office/drawing/2010/main" xmlns:m="http://schemas.openxmlformats.org/officeDocument/2006/math" xmlns="" val="1"/>
             </a:ext>
           </a:extLst>
         </p:spPr>
@@ -7268,7 +7271,7 @@
           </a:ln>
           <a:extLst>
             <a:ext uri="{C572A759-6A51-4108-AA02-DFA0A04FC94B}">
-              <ma14:wrappingTextBoxFlag xmlns="" xmlns:m="http://schemas.openxmlformats.org/officeDocument/2006/math" xmlns:a14="http://schemas.microsoft.com/office/drawing/2010/main" xmlns:ma14="http://schemas.microsoft.com/office/mac/drawingml/2011/main" val="1"/>
+              <ma14:wrappingTextBoxFlag xmlns:ma14="http://schemas.microsoft.com/office/mac/drawingml/2011/main" xmlns:a14="http://schemas.microsoft.com/office/drawing/2010/main" xmlns:m="http://schemas.openxmlformats.org/officeDocument/2006/math" xmlns="" val="1"/>
             </a:ext>
           </a:extLst>
         </p:spPr>
@@ -7318,7 +7321,7 @@
           </a:ln>
           <a:extLst>
             <a:ext uri="{C572A759-6A51-4108-AA02-DFA0A04FC94B}">
-              <ma14:wrappingTextBoxFlag xmlns="" xmlns:m="http://schemas.openxmlformats.org/officeDocument/2006/math" xmlns:a14="http://schemas.microsoft.com/office/drawing/2010/main" xmlns:ma14="http://schemas.microsoft.com/office/mac/drawingml/2011/main" val="1"/>
+              <ma14:wrappingTextBoxFlag xmlns:ma14="http://schemas.microsoft.com/office/mac/drawingml/2011/main" xmlns:a14="http://schemas.microsoft.com/office/drawing/2010/main" xmlns:m="http://schemas.openxmlformats.org/officeDocument/2006/math" xmlns="" val="1"/>
             </a:ext>
           </a:extLst>
         </p:spPr>
@@ -7680,7 +7683,7 @@
           </a:ln>
           <a:extLst>
             <a:ext uri="{C572A759-6A51-4108-AA02-DFA0A04FC94B}">
-              <ma14:wrappingTextBoxFlag xmlns="" xmlns:m="http://schemas.openxmlformats.org/officeDocument/2006/math" xmlns:a14="http://schemas.microsoft.com/office/drawing/2010/main" xmlns:ma14="http://schemas.microsoft.com/office/mac/drawingml/2011/main" val="1"/>
+              <ma14:wrappingTextBoxFlag xmlns:ma14="http://schemas.microsoft.com/office/mac/drawingml/2011/main" xmlns:a14="http://schemas.microsoft.com/office/drawing/2010/main" xmlns:m="http://schemas.openxmlformats.org/officeDocument/2006/math" xmlns="" val="1"/>
             </a:ext>
           </a:extLst>
         </p:spPr>
@@ -7727,7 +7730,7 @@
           </a:ln>
           <a:extLst>
             <a:ext uri="{C572A759-6A51-4108-AA02-DFA0A04FC94B}">
-              <ma14:wrappingTextBoxFlag xmlns="" xmlns:m="http://schemas.openxmlformats.org/officeDocument/2006/math" xmlns:a14="http://schemas.microsoft.com/office/drawing/2010/main" xmlns:ma14="http://schemas.microsoft.com/office/mac/drawingml/2011/main" val="1"/>
+              <ma14:wrappingTextBoxFlag xmlns:ma14="http://schemas.microsoft.com/office/mac/drawingml/2011/main" xmlns:a14="http://schemas.microsoft.com/office/drawing/2010/main" xmlns:m="http://schemas.openxmlformats.org/officeDocument/2006/math" xmlns="" val="1"/>
             </a:ext>
           </a:extLst>
         </p:spPr>
@@ -7791,7 +7794,7 @@
           </a:ln>
           <a:extLst>
             <a:ext uri="{C572A759-6A51-4108-AA02-DFA0A04FC94B}">
-              <ma14:wrappingTextBoxFlag xmlns="" xmlns:m="http://schemas.openxmlformats.org/officeDocument/2006/math" xmlns:a14="http://schemas.microsoft.com/office/drawing/2010/main" xmlns:ma14="http://schemas.microsoft.com/office/mac/drawingml/2011/main" val="1"/>
+              <ma14:wrappingTextBoxFlag xmlns:ma14="http://schemas.microsoft.com/office/mac/drawingml/2011/main" xmlns:a14="http://schemas.microsoft.com/office/drawing/2010/main" xmlns:m="http://schemas.openxmlformats.org/officeDocument/2006/math" xmlns="" val="1"/>
             </a:ext>
           </a:extLst>
         </p:spPr>
@@ -7838,7 +7841,7 @@
           </a:ln>
           <a:extLst>
             <a:ext uri="{C572A759-6A51-4108-AA02-DFA0A04FC94B}">
-              <ma14:wrappingTextBoxFlag xmlns="" xmlns:m="http://schemas.openxmlformats.org/officeDocument/2006/math" xmlns:a14="http://schemas.microsoft.com/office/drawing/2010/main" xmlns:ma14="http://schemas.microsoft.com/office/mac/drawingml/2011/main" val="1"/>
+              <ma14:wrappingTextBoxFlag xmlns:ma14="http://schemas.microsoft.com/office/mac/drawingml/2011/main" xmlns:a14="http://schemas.microsoft.com/office/drawing/2010/main" xmlns:m="http://schemas.openxmlformats.org/officeDocument/2006/math" xmlns="" val="1"/>
             </a:ext>
           </a:extLst>
         </p:spPr>
@@ -7889,7 +7892,7 @@
           </a:ln>
           <a:extLst>
             <a:ext uri="{C572A759-6A51-4108-AA02-DFA0A04FC94B}">
-              <ma14:wrappingTextBoxFlag xmlns="" xmlns:m="http://schemas.openxmlformats.org/officeDocument/2006/math" xmlns:a14="http://schemas.microsoft.com/office/drawing/2010/main" xmlns:ma14="http://schemas.microsoft.com/office/mac/drawingml/2011/main" val="1"/>
+              <ma14:wrappingTextBoxFlag xmlns:ma14="http://schemas.microsoft.com/office/mac/drawingml/2011/main" xmlns:a14="http://schemas.microsoft.com/office/drawing/2010/main" xmlns:m="http://schemas.openxmlformats.org/officeDocument/2006/math" xmlns="" val="1"/>
             </a:ext>
           </a:extLst>
         </p:spPr>
@@ -7933,7 +7936,7 @@
           </a:ln>
           <a:extLst>
             <a:ext uri="{C572A759-6A51-4108-AA02-DFA0A04FC94B}">
-              <ma14:wrappingTextBoxFlag xmlns="" xmlns:m="http://schemas.openxmlformats.org/officeDocument/2006/math" xmlns:a14="http://schemas.microsoft.com/office/drawing/2010/main" xmlns:ma14="http://schemas.microsoft.com/office/mac/drawingml/2011/main" val="1"/>
+              <ma14:wrappingTextBoxFlag xmlns:ma14="http://schemas.microsoft.com/office/mac/drawingml/2011/main" xmlns:a14="http://schemas.microsoft.com/office/drawing/2010/main" xmlns:m="http://schemas.openxmlformats.org/officeDocument/2006/math" xmlns="" val="1"/>
             </a:ext>
           </a:extLst>
         </p:spPr>
@@ -7984,7 +7987,7 @@
           </a:ln>
           <a:extLst>
             <a:ext uri="{C572A759-6A51-4108-AA02-DFA0A04FC94B}">
-              <ma14:wrappingTextBoxFlag xmlns="" xmlns:m="http://schemas.openxmlformats.org/officeDocument/2006/math" xmlns:a14="http://schemas.microsoft.com/office/drawing/2010/main" xmlns:ma14="http://schemas.microsoft.com/office/mac/drawingml/2011/main" val="1"/>
+              <ma14:wrappingTextBoxFlag xmlns:ma14="http://schemas.microsoft.com/office/mac/drawingml/2011/main" xmlns:a14="http://schemas.microsoft.com/office/drawing/2010/main" xmlns:m="http://schemas.openxmlformats.org/officeDocument/2006/math" xmlns="" val="1"/>
             </a:ext>
           </a:extLst>
         </p:spPr>
@@ -8060,7 +8063,7 @@
           </a:ln>
           <a:extLst>
             <a:ext uri="{C572A759-6A51-4108-AA02-DFA0A04FC94B}">
-              <ma14:wrappingTextBoxFlag xmlns="" xmlns:m="http://schemas.openxmlformats.org/officeDocument/2006/math" xmlns:a14="http://schemas.microsoft.com/office/drawing/2010/main" xmlns:ma14="http://schemas.microsoft.com/office/mac/drawingml/2011/main" val="1"/>
+              <ma14:wrappingTextBoxFlag xmlns:ma14="http://schemas.microsoft.com/office/mac/drawingml/2011/main" xmlns:a14="http://schemas.microsoft.com/office/drawing/2010/main" xmlns:m="http://schemas.openxmlformats.org/officeDocument/2006/math" xmlns="" val="1"/>
             </a:ext>
           </a:extLst>
         </p:spPr>
@@ -8110,7 +8113,7 @@
           </a:ln>
           <a:extLst>
             <a:ext uri="{C572A759-6A51-4108-AA02-DFA0A04FC94B}">
-              <ma14:wrappingTextBoxFlag xmlns="" xmlns:m="http://schemas.openxmlformats.org/officeDocument/2006/math" xmlns:a14="http://schemas.microsoft.com/office/drawing/2010/main" xmlns:ma14="http://schemas.microsoft.com/office/mac/drawingml/2011/main" val="1"/>
+              <ma14:wrappingTextBoxFlag xmlns:ma14="http://schemas.microsoft.com/office/mac/drawingml/2011/main" xmlns:a14="http://schemas.microsoft.com/office/drawing/2010/main" xmlns:m="http://schemas.openxmlformats.org/officeDocument/2006/math" xmlns="" val="1"/>
             </a:ext>
           </a:extLst>
         </p:spPr>
@@ -8157,7 +8160,7 @@
           </a:ln>
           <a:extLst>
             <a:ext uri="{C572A759-6A51-4108-AA02-DFA0A04FC94B}">
-              <ma14:wrappingTextBoxFlag xmlns="" xmlns:m="http://schemas.openxmlformats.org/officeDocument/2006/math" xmlns:a14="http://schemas.microsoft.com/office/drawing/2010/main" xmlns:ma14="http://schemas.microsoft.com/office/mac/drawingml/2011/main" val="1"/>
+              <ma14:wrappingTextBoxFlag xmlns:ma14="http://schemas.microsoft.com/office/mac/drawingml/2011/main" xmlns:a14="http://schemas.microsoft.com/office/drawing/2010/main" xmlns:m="http://schemas.openxmlformats.org/officeDocument/2006/math" xmlns="" val="1"/>
             </a:ext>
           </a:extLst>
         </p:spPr>
@@ -8215,7 +8218,7 @@
           </a:ln>
           <a:extLst>
             <a:ext uri="{C572A759-6A51-4108-AA02-DFA0A04FC94B}">
-              <ma14:wrappingTextBoxFlag xmlns="" xmlns:m="http://schemas.openxmlformats.org/officeDocument/2006/math" xmlns:a14="http://schemas.microsoft.com/office/drawing/2010/main" xmlns:ma14="http://schemas.microsoft.com/office/mac/drawingml/2011/main" val="1"/>
+              <ma14:wrappingTextBoxFlag xmlns:ma14="http://schemas.microsoft.com/office/mac/drawingml/2011/main" xmlns:a14="http://schemas.microsoft.com/office/drawing/2010/main" xmlns:m="http://schemas.openxmlformats.org/officeDocument/2006/math" xmlns="" val="1"/>
             </a:ext>
           </a:extLst>
         </p:spPr>
@@ -8262,7 +8265,7 @@
           </a:ln>
           <a:extLst>
             <a:ext uri="{C572A759-6A51-4108-AA02-DFA0A04FC94B}">
-              <ma14:wrappingTextBoxFlag xmlns="" xmlns:m="http://schemas.openxmlformats.org/officeDocument/2006/math" xmlns:a14="http://schemas.microsoft.com/office/drawing/2010/main" xmlns:ma14="http://schemas.microsoft.com/office/mac/drawingml/2011/main" val="1"/>
+              <ma14:wrappingTextBoxFlag xmlns:ma14="http://schemas.microsoft.com/office/mac/drawingml/2011/main" xmlns:a14="http://schemas.microsoft.com/office/drawing/2010/main" xmlns:m="http://schemas.openxmlformats.org/officeDocument/2006/math" xmlns="" val="1"/>
             </a:ext>
           </a:extLst>
         </p:spPr>
@@ -8370,7 +8373,7 @@
           </a:ln>
           <a:extLst>
             <a:ext uri="{C572A759-6A51-4108-AA02-DFA0A04FC94B}">
-              <ma14:wrappingTextBoxFlag xmlns="" xmlns:m="http://schemas.openxmlformats.org/officeDocument/2006/math" xmlns:a14="http://schemas.microsoft.com/office/drawing/2010/main" xmlns:ma14="http://schemas.microsoft.com/office/mac/drawingml/2011/main" val="1"/>
+              <ma14:wrappingTextBoxFlag xmlns:ma14="http://schemas.microsoft.com/office/mac/drawingml/2011/main" xmlns:a14="http://schemas.microsoft.com/office/drawing/2010/main" xmlns:m="http://schemas.openxmlformats.org/officeDocument/2006/math" xmlns="" val="1"/>
             </a:ext>
           </a:extLst>
         </p:spPr>
@@ -8420,7 +8423,7 @@
           </a:ln>
           <a:extLst>
             <a:ext uri="{C572A759-6A51-4108-AA02-DFA0A04FC94B}">
-              <ma14:wrappingTextBoxFlag xmlns="" xmlns:m="http://schemas.openxmlformats.org/officeDocument/2006/math" xmlns:a14="http://schemas.microsoft.com/office/drawing/2010/main" xmlns:ma14="http://schemas.microsoft.com/office/mac/drawingml/2011/main" val="1"/>
+              <ma14:wrappingTextBoxFlag xmlns:ma14="http://schemas.microsoft.com/office/mac/drawingml/2011/main" xmlns:a14="http://schemas.microsoft.com/office/drawing/2010/main" xmlns:m="http://schemas.openxmlformats.org/officeDocument/2006/math" xmlns="" val="1"/>
             </a:ext>
           </a:extLst>
         </p:spPr>
@@ -8500,174 +8503,99 @@
       </p:grpSpPr>
       <p:sp>
         <p:nvSpPr>
-          <p:cNvPr id="235" name="Title 1"/>
-          <p:cNvSpPr txBox="1">
+          <p:cNvPr id="2" name="Title 1">
+            <a:extLst>
+              <a:ext uri="{FF2B5EF4-FFF2-40B4-BE49-F238E27FC236}">
+                <a16:creationId xmlns:a16="http://schemas.microsoft.com/office/drawing/2014/main" id="{DBC5D14A-C6F2-4DB7-95B9-63F4D36CBA05}"/>
+              </a:ext>
+            </a:extLst>
+          </p:cNvPr>
+          <p:cNvSpPr>
             <a:spLocks noGrp="1"/>
           </p:cNvSpPr>
           <p:nvPr>
             <p:ph type="title"/>
           </p:nvPr>
         </p:nvSpPr>
-        <p:spPr>
-          <a:xfrm>
-            <a:off x="164591" y="155446"/>
-            <a:ext cx="2525152" cy="978413"/>
-          </a:xfrm>
-          <a:prstGeom prst="rect">
-            <a:avLst/>
-          </a:prstGeom>
-        </p:spPr>
+        <p:spPr/>
         <p:txBody>
           <a:bodyPr/>
           <a:lstStyle/>
           <a:p>
             <a:r>
-              <a:t>Prediction with Decision Trees</a:t>
-            </a:r>
+              <a:rPr lang="en-US" dirty="0"/>
+              <a:t>Depth Selection for Decision Tree</a:t>
+            </a:r>
+          </a:p>
+        </p:txBody>
+      </p:sp>
+      <p:sp>
+        <p:nvSpPr>
+          <p:cNvPr id="4" name="Text Placeholder 3">
+            <a:extLst>
+              <a:ext uri="{FF2B5EF4-FFF2-40B4-BE49-F238E27FC236}">
+                <a16:creationId xmlns:a16="http://schemas.microsoft.com/office/drawing/2014/main" id="{91BA11CC-2570-4CA2-85A0-61FA5DC37BCE}"/>
+              </a:ext>
+            </a:extLst>
+          </p:cNvPr>
+          <p:cNvSpPr>
+            <a:spLocks noGrp="1"/>
+          </p:cNvSpPr>
+          <p:nvPr>
+            <p:ph type="body" idx="1"/>
+          </p:nvPr>
+        </p:nvSpPr>
+        <p:spPr/>
+        <p:txBody>
+          <a:bodyPr/>
+          <a:lstStyle/>
+          <a:p>
+            <a:endParaRPr lang="en-US"/>
           </a:p>
         </p:txBody>
       </p:sp>
       <p:pic>
         <p:nvPicPr>
-          <p:cNvPr id="236" name="Picture Placeholder 9" descr="Picture Placeholder 9"/>
+          <p:cNvPr id="6" name="Picture 5" descr="Chart, line chart&#10;&#10;Description automatically generated">
+            <a:extLst>
+              <a:ext uri="{FF2B5EF4-FFF2-40B4-BE49-F238E27FC236}">
+                <a16:creationId xmlns:a16="http://schemas.microsoft.com/office/drawing/2014/main" id="{6547C447-D8E6-4908-A845-AA39EF404E37}"/>
+              </a:ext>
+            </a:extLst>
+          </p:cNvPr>
           <p:cNvPicPr>
-            <a:picLocks noGrp="1" noChangeAspect="1"/>
+            <a:picLocks noChangeAspect="1"/>
           </p:cNvPicPr>
-          <p:nvPr>
-            <p:ph type="pic" idx="13"/>
-          </p:nvPr>
+          <p:nvPr/>
         </p:nvPicPr>
         <p:blipFill>
-          <a:blip r:embed="rId2" cstate="print"/>
-          <a:srcRect l="17313" r="17313"/>
+          <a:blip r:embed="rId2">
+            <a:extLst>
+              <a:ext uri="{28A0092B-C50C-407E-A947-70E740481C1C}">
+                <a14:useLocalDpi xmlns:a14="http://schemas.microsoft.com/office/drawing/2010/main" val="0"/>
+              </a:ext>
+            </a:extLst>
+          </a:blip>
           <a:stretch>
             <a:fillRect/>
           </a:stretch>
         </p:blipFill>
         <p:spPr>
           <a:xfrm>
-            <a:off x="2903802" y="1484808"/>
-            <a:ext cx="6247402" cy="5373193"/>
+            <a:off x="0" y="1517486"/>
+            <a:ext cx="9144000" cy="5141019"/>
           </a:xfrm>
           <a:prstGeom prst="rect">
             <a:avLst/>
           </a:prstGeom>
         </p:spPr>
       </p:pic>
-      <p:sp>
-        <p:nvSpPr>
-          <p:cNvPr id="237" name="Text Placeholder 2"/>
-          <p:cNvSpPr txBox="1">
-            <a:spLocks noGrp="1"/>
-          </p:cNvSpPr>
-          <p:nvPr>
-            <p:ph type="body" sz="quarter" idx="1"/>
-          </p:nvPr>
-        </p:nvSpPr>
-        <p:spPr>
-          <a:xfrm>
-            <a:off x="164591" y="1728216"/>
-            <a:ext cx="2468882" cy="4572002"/>
-          </a:xfrm>
-          <a:prstGeom prst="rect">
-            <a:avLst/>
-          </a:prstGeom>
-        </p:spPr>
-        <p:txBody>
-          <a:bodyPr/>
-          <a:lstStyle/>
-          <a:p>
-            <a:pPr indent="118871"/>
-            <a:r>
-              <a:t>The average confusion matrix for the best depth decision tree (depth 5) are as follows:</a:t>
-            </a:r>
-          </a:p>
-          <a:p>
-            <a:pPr marL="285750" indent="-285750">
-              <a:buSzPct val="100000"/>
-              <a:buFont typeface="Arial"/>
-              <a:buChar char="•"/>
-            </a:pPr>
-            <a:r>
-              <a:t>75 were correctly classified positive</a:t>
-            </a:r>
-          </a:p>
-          <a:p>
-            <a:pPr marL="285750" indent="-285750">
-              <a:buSzPct val="100000"/>
-              <a:buFont typeface="Arial"/>
-              <a:buChar char="•"/>
-            </a:pPr>
-            <a:r>
-              <a:t>75 were correctly classified negative</a:t>
-            </a:r>
-          </a:p>
-          <a:p>
-            <a:pPr marL="285750" indent="-285750">
-              <a:buSzPct val="100000"/>
-              <a:buFont typeface="Arial"/>
-              <a:buChar char="•"/>
-            </a:pPr>
-            <a:r>
-              <a:t>An average of 47 were incorrectly classified as positive</a:t>
-            </a:r>
-          </a:p>
-          <a:p>
-            <a:pPr marL="285750" indent="-285750">
-              <a:buSzPct val="100000"/>
-              <a:buFont typeface="Arial"/>
-              <a:buChar char="•"/>
-            </a:pPr>
-            <a:r>
-              <a:t>An average of 32 were incorrectly classified as negative</a:t>
-            </a:r>
-          </a:p>
-        </p:txBody>
-      </p:sp>
-      <p:sp>
-        <p:nvSpPr>
-          <p:cNvPr id="238" name="TextBox 12"/>
-          <p:cNvSpPr txBox="1"/>
-          <p:nvPr/>
-        </p:nvSpPr>
-        <p:spPr>
-          <a:xfrm>
-            <a:off x="3006969" y="459988"/>
-            <a:ext cx="5972439" cy="370837"/>
-          </a:xfrm>
-          <a:prstGeom prst="rect">
-            <a:avLst/>
-          </a:prstGeom>
-          <a:ln w="12700">
-            <a:miter lim="400000"/>
-          </a:ln>
-          <a:extLst>
-            <a:ext uri="{C572A759-6A51-4108-AA02-DFA0A04FC94B}">
-              <ma14:wrappingTextBoxFlag xmlns="" xmlns:m="http://schemas.openxmlformats.org/officeDocument/2006/math" xmlns:a14="http://schemas.microsoft.com/office/drawing/2010/main" xmlns:ma14="http://schemas.microsoft.com/office/mac/drawingml/2011/main" val="1"/>
-            </a:ext>
-          </a:extLst>
-        </p:spPr>
-        <p:txBody>
-          <a:bodyPr lIns="45718" tIns="45718" rIns="45718" bIns="45718">
-            <a:spAutoFit/>
-          </a:bodyPr>
-          <a:lstStyle>
-            <a:lvl1pPr>
-              <a:defRPr>
-                <a:solidFill>
-                  <a:srgbClr val="FFFFFF"/>
-                </a:solidFill>
-              </a:defRPr>
-            </a:lvl1pPr>
-          </a:lstStyle>
-          <a:p>
-            <a:r>
-              <a:t>Confusion Matrix</a:t>
-            </a:r>
-          </a:p>
-        </p:txBody>
-      </p:sp>
     </p:spTree>
+    <p:extLst>
+      <p:ext uri="{BB962C8B-B14F-4D97-AF65-F5344CB8AC3E}">
+        <p14:creationId xmlns:p14="http://schemas.microsoft.com/office/powerpoint/2010/main" val="344719140"/>
+      </p:ext>
+    </p:extLst>
   </p:cSld>
   <p:clrMapOvr>
     <a:masterClrMapping/>
@@ -8695,7 +8623,7 @@
       </p:grpSpPr>
       <p:sp>
         <p:nvSpPr>
-          <p:cNvPr id="240" name="Title 1"/>
+          <p:cNvPr id="248" name="Title 4"/>
           <p:cNvSpPr txBox="1">
             <a:spLocks noGrp="1"/>
           </p:cNvSpPr>
@@ -8717,14 +8645,14 @@
           <a:lstStyle/>
           <a:p>
             <a:r>
-              <a:t>Prediction with Decision Trees</a:t>
-            </a:r>
-          </a:p>
-        </p:txBody>
-      </p:sp>
-      <p:sp>
-        <p:nvSpPr>
-          <p:cNvPr id="241" name="Text Placeholder 6"/>
+              <a:t>The Decision Tree</a:t>
+            </a:r>
+          </a:p>
+        </p:txBody>
+      </p:sp>
+      <p:sp>
+        <p:nvSpPr>
+          <p:cNvPr id="249" name="Text Placeholder 5"/>
           <p:cNvSpPr txBox="1">
             <a:spLocks noGrp="1"/>
           </p:cNvSpPr>
@@ -8746,130 +8674,40 @@
           <a:lstStyle/>
           <a:p>
             <a:pPr marL="0" indent="118871">
-              <a:lnSpc>
-                <a:spcPct val="80000"/>
-              </a:lnSpc>
               <a:buSzTx/>
               <a:buNone/>
-              <a:defRPr sz="2200"/>
-            </a:pPr>
-            <a:r>
-              <a:t>Precision:</a:t>
-            </a:r>
-          </a:p>
-          <a:p>
-            <a:pPr marL="0" indent="118871">
-              <a:lnSpc>
-                <a:spcPct val="80000"/>
-              </a:lnSpc>
-              <a:buSzTx/>
-              <a:buNone/>
-              <a:defRPr sz="2200"/>
-            </a:pPr>
-            <a:r>
-              <a:t>The percentage of the accuracy of our positive predictions, represented by the Precision, is:  </a:t>
-            </a:r>
-            <a:r>
-              <a:rPr i="1">
-                <a:solidFill>
-                  <a:srgbClr val="0070C0"/>
-                </a:solidFill>
-              </a:rPr>
-              <a:t>60.98%</a:t>
-            </a:r>
-          </a:p>
-          <a:p>
-            <a:pPr marL="0" indent="118871">
-              <a:lnSpc>
-                <a:spcPct val="80000"/>
-              </a:lnSpc>
-              <a:buSzTx/>
-              <a:buNone/>
-              <a:defRPr sz="2200"/>
             </a:pPr>
             <a:endParaRPr/>
           </a:p>
-          <a:p>
-            <a:pPr marL="0" indent="118871">
-              <a:lnSpc>
-                <a:spcPct val="80000"/>
-              </a:lnSpc>
-              <a:buSzTx/>
-              <a:buNone/>
-              <a:defRPr sz="2200"/>
-            </a:pPr>
-            <a:r>
-              <a:t>Recall: </a:t>
-            </a:r>
-          </a:p>
-          <a:p>
-            <a:pPr marL="0" indent="118871">
-              <a:lnSpc>
-                <a:spcPct val="80000"/>
-              </a:lnSpc>
-              <a:buSzTx/>
-              <a:buNone/>
-              <a:defRPr sz="2200"/>
-            </a:pPr>
-            <a:r>
-              <a:t>The ratio of positive instances that are correctly detected by the classifier (true positive rate), represented by the Recall, is:  </a:t>
-            </a:r>
-            <a:r>
-              <a:rPr i="1">
-                <a:solidFill>
-                  <a:srgbClr val="0070C0"/>
-                </a:solidFill>
-              </a:rPr>
-              <a:t>70.09%</a:t>
-            </a:r>
-          </a:p>
-          <a:p>
-            <a:pPr marL="0" indent="118871">
-              <a:lnSpc>
-                <a:spcPct val="80000"/>
-              </a:lnSpc>
-              <a:buSzTx/>
-              <a:buNone/>
-              <a:defRPr sz="2200"/>
-            </a:pPr>
-            <a:endParaRPr/>
-          </a:p>
-          <a:p>
-            <a:pPr marL="0" indent="118871">
-              <a:lnSpc>
-                <a:spcPct val="80000"/>
-              </a:lnSpc>
-              <a:buSzTx/>
-              <a:buNone/>
-              <a:defRPr sz="2200"/>
-            </a:pPr>
-            <a:r>
-              <a:t>F1-Score: </a:t>
-            </a:r>
-          </a:p>
-          <a:p>
-            <a:pPr marL="0" indent="118871">
-              <a:lnSpc>
-                <a:spcPct val="80000"/>
-              </a:lnSpc>
-              <a:buSzTx/>
-              <a:buNone/>
-              <a:defRPr sz="2200"/>
-            </a:pPr>
-            <a:r>
-              <a:t>The F1-score, represented by the harmonic mean of precision and recall which,  differently from the regular mean (that gives equal weight to all values),  gives more weight  to low values - favoring classifiers that have similar precision and recall  - is:   </a:t>
-            </a:r>
-            <a:r>
-              <a:rPr sz="2500" i="1">
-                <a:solidFill>
-                  <a:srgbClr val="0070C0"/>
-                </a:solidFill>
-              </a:rPr>
-              <a:t>65.22%</a:t>
-            </a:r>
-          </a:p>
-        </p:txBody>
-      </p:sp>
+        </p:txBody>
+      </p:sp>
+      <p:pic>
+        <p:nvPicPr>
+          <p:cNvPr id="250" name="Picture 11" descr="Picture 11"/>
+          <p:cNvPicPr>
+            <a:picLocks noChangeAspect="1"/>
+          </p:cNvPicPr>
+          <p:nvPr/>
+        </p:nvPicPr>
+        <p:blipFill>
+          <a:blip r:embed="rId2" cstate="print"/>
+          <a:stretch>
+            <a:fillRect/>
+          </a:stretch>
+        </p:blipFill>
+        <p:spPr>
+          <a:xfrm>
+            <a:off x="457200" y="1775191"/>
+            <a:ext cx="8229600" cy="4626918"/>
+          </a:xfrm>
+          <a:prstGeom prst="rect">
+            <a:avLst/>
+          </a:prstGeom>
+          <a:ln w="12700">
+            <a:miter lim="400000"/>
+          </a:ln>
+        </p:spPr>
+      </p:pic>
     </p:spTree>
   </p:cSld>
   <p:clrMapOvr>
@@ -8898,7 +8736,7 @@
       </p:grpSpPr>
       <p:sp>
         <p:nvSpPr>
-          <p:cNvPr id="243" name="Title 1"/>
+          <p:cNvPr id="235" name="Title 1"/>
           <p:cNvSpPr txBox="1">
             <a:spLocks noGrp="1"/>
           </p:cNvSpPr>
@@ -8925,9 +8763,36 @@
           </a:p>
         </p:txBody>
       </p:sp>
-      <p:sp>
-        <p:nvSpPr>
-          <p:cNvPr id="244" name="Text Placeholder 2"/>
+      <p:pic>
+        <p:nvPicPr>
+          <p:cNvPr id="236" name="Picture Placeholder 9" descr="Picture Placeholder 9"/>
+          <p:cNvPicPr>
+            <a:picLocks noGrp="1" noChangeAspect="1"/>
+          </p:cNvPicPr>
+          <p:nvPr>
+            <p:ph type="pic" idx="13"/>
+          </p:nvPr>
+        </p:nvPicPr>
+        <p:blipFill>
+          <a:blip r:embed="rId2" cstate="print"/>
+          <a:srcRect l="17313" r="17313"/>
+          <a:stretch>
+            <a:fillRect/>
+          </a:stretch>
+        </p:blipFill>
+        <p:spPr>
+          <a:xfrm>
+            <a:off x="2903802" y="1484808"/>
+            <a:ext cx="6247402" cy="5373193"/>
+          </a:xfrm>
+          <a:prstGeom prst="rect">
+            <a:avLst/>
+          </a:prstGeom>
+        </p:spPr>
+      </p:pic>
+      <p:sp>
+        <p:nvSpPr>
+          <p:cNvPr id="237" name="Text Placeholder 2"/>
           <p:cNvSpPr txBox="1">
             <a:spLocks noGrp="1"/>
           </p:cNvSpPr>
@@ -8950,62 +8815,54 @@
           <a:p>
             <a:pPr indent="118871"/>
             <a:r>
-              <a:t>The curve to the right represents the ROC of our model.</a:t>
-            </a:r>
-          </a:p>
-          <a:p>
-            <a:pPr indent="118871"/>
-            <a:r>
-              <a:t>The Area Under Curve is: </a:t>
-            </a:r>
-            <a:r>
-              <a:rPr i="1">
-                <a:solidFill>
-                  <a:srgbClr val="0070C0"/>
-                </a:solidFill>
-              </a:rPr>
-              <a:t>0.689</a:t>
-            </a:r>
-          </a:p>
-          <a:p>
-            <a:pPr indent="118871">
-              <a:defRPr i="1">
-                <a:solidFill>
-                  <a:srgbClr val="0070C0"/>
-                </a:solidFill>
-              </a:defRPr>
-            </a:pPr>
-            <a:endParaRPr/>
-          </a:p>
-          <a:p>
-            <a:pPr indent="118871"/>
-            <a:r>
-              <a:t>Accuracy: </a:t>
-            </a:r>
-          </a:p>
-          <a:p>
-            <a:pPr indent="118871"/>
-            <a:r>
-              <a:t>he overall predicted accuracy of the model is: </a:t>
-            </a:r>
-            <a:r>
-              <a:rPr i="1">
-                <a:solidFill>
-                  <a:srgbClr val="0070C0"/>
-                </a:solidFill>
-              </a:rPr>
-              <a:t>65.07%</a:t>
-            </a:r>
-            <a:r>
-              <a:rPr sz="900"/>
-              <a:t> </a:t>
-            </a:r>
-          </a:p>
-        </p:txBody>
-      </p:sp>
-      <p:sp>
-        <p:nvSpPr>
-          <p:cNvPr id="245" name="TextBox 12"/>
+              <a:t>The average confusion matrix for the best depth decision tree (depth 5) are as follows:</a:t>
+            </a:r>
+          </a:p>
+          <a:p>
+            <a:pPr marL="285750" indent="-285750">
+              <a:buSzPct val="100000"/>
+              <a:buFont typeface="Arial"/>
+              <a:buChar char="•"/>
+            </a:pPr>
+            <a:r>
+              <a:t>75 were correctly classified positive</a:t>
+            </a:r>
+          </a:p>
+          <a:p>
+            <a:pPr marL="285750" indent="-285750">
+              <a:buSzPct val="100000"/>
+              <a:buFont typeface="Arial"/>
+              <a:buChar char="•"/>
+            </a:pPr>
+            <a:r>
+              <a:t>75 were correctly classified negative</a:t>
+            </a:r>
+          </a:p>
+          <a:p>
+            <a:pPr marL="285750" indent="-285750">
+              <a:buSzPct val="100000"/>
+              <a:buFont typeface="Arial"/>
+              <a:buChar char="•"/>
+            </a:pPr>
+            <a:r>
+              <a:t>An average of 47 were incorrectly classified as positive</a:t>
+            </a:r>
+          </a:p>
+          <a:p>
+            <a:pPr marL="285750" indent="-285750">
+              <a:buSzPct val="100000"/>
+              <a:buFont typeface="Arial"/>
+              <a:buChar char="•"/>
+            </a:pPr>
+            <a:r>
+              <a:t>An average of 32 were incorrectly classified as negative</a:t>
+            </a:r>
+          </a:p>
+        </p:txBody>
+      </p:sp>
+      <p:sp>
+        <p:nvSpPr>
+          <p:cNvPr id="238" name="TextBox 12"/>
           <p:cNvSpPr txBox="1"/>
           <p:nvPr/>
         </p:nvSpPr>
@@ -9022,7 +8879,7 @@
           </a:ln>
           <a:extLst>
             <a:ext uri="{C572A759-6A51-4108-AA02-DFA0A04FC94B}">
-              <ma14:wrappingTextBoxFlag xmlns="" xmlns:m="http://schemas.openxmlformats.org/officeDocument/2006/math" xmlns:a14="http://schemas.microsoft.com/office/drawing/2010/main" xmlns:ma14="http://schemas.microsoft.com/office/mac/drawingml/2011/main" val="1"/>
+              <ma14:wrappingTextBoxFlag xmlns:ma14="http://schemas.microsoft.com/office/mac/drawingml/2011/main" xmlns:a14="http://schemas.microsoft.com/office/drawing/2010/main" xmlns:m="http://schemas.openxmlformats.org/officeDocument/2006/math" xmlns="" val="1"/>
             </a:ext>
           </a:extLst>
         </p:spPr>
@@ -9041,37 +8898,11 @@
           </a:lstStyle>
           <a:p>
             <a:r>
-              <a:t>ROC, AUC and Accuracy</a:t>
-            </a:r>
-          </a:p>
-        </p:txBody>
-      </p:sp>
-      <p:pic>
-        <p:nvPicPr>
-          <p:cNvPr id="246" name="Picture Placeholder 11" descr="Picture Placeholder 11"/>
-          <p:cNvPicPr>
-            <a:picLocks noGrp="1" noChangeAspect="1"/>
-          </p:cNvPicPr>
-          <p:nvPr>
-            <p:ph type="pic" idx="13"/>
-          </p:nvPr>
-        </p:nvPicPr>
-        <p:blipFill>
-          <a:blip r:embed="rId2" cstate="print"/>
-          <a:stretch>
-            <a:fillRect/>
-          </a:stretch>
-        </p:blipFill>
-        <p:spPr>
-          <a:xfrm>
-            <a:off x="3249363" y="2184999"/>
-            <a:ext cx="5487651" cy="3658434"/>
-          </a:xfrm>
-          <a:prstGeom prst="rect">
-            <a:avLst/>
-          </a:prstGeom>
-        </p:spPr>
-      </p:pic>
+              <a:t>Confusion Matrix</a:t>
+            </a:r>
+          </a:p>
+        </p:txBody>
+      </p:sp>
     </p:spTree>
   </p:cSld>
   <p:clrMapOvr>
@@ -9100,7 +8931,7 @@
       </p:grpSpPr>
       <p:sp>
         <p:nvSpPr>
-          <p:cNvPr id="248" name="Title 4"/>
+          <p:cNvPr id="240" name="Title 1"/>
           <p:cNvSpPr txBox="1">
             <a:spLocks noGrp="1"/>
           </p:cNvSpPr>
@@ -9122,14 +8953,14 @@
           <a:lstStyle/>
           <a:p>
             <a:r>
-              <a:t>The Decision Tree</a:t>
-            </a:r>
-          </a:p>
-        </p:txBody>
-      </p:sp>
-      <p:sp>
-        <p:nvSpPr>
-          <p:cNvPr id="249" name="Text Placeholder 5"/>
+              <a:t>Prediction with Decision Trees</a:t>
+            </a:r>
+          </a:p>
+        </p:txBody>
+      </p:sp>
+      <p:sp>
+        <p:nvSpPr>
+          <p:cNvPr id="241" name="Text Placeholder 6"/>
           <p:cNvSpPr txBox="1">
             <a:spLocks noGrp="1"/>
           </p:cNvSpPr>
@@ -9151,40 +8982,130 @@
           <a:lstStyle/>
           <a:p>
             <a:pPr marL="0" indent="118871">
+              <a:lnSpc>
+                <a:spcPct val="80000"/>
+              </a:lnSpc>
               <a:buSzTx/>
               <a:buNone/>
+              <a:defRPr sz="2200"/>
+            </a:pPr>
+            <a:r>
+              <a:t>Precision:</a:t>
+            </a:r>
+          </a:p>
+          <a:p>
+            <a:pPr marL="0" indent="118871">
+              <a:lnSpc>
+                <a:spcPct val="80000"/>
+              </a:lnSpc>
+              <a:buSzTx/>
+              <a:buNone/>
+              <a:defRPr sz="2200"/>
+            </a:pPr>
+            <a:r>
+              <a:t>The percentage of the accuracy of our positive predictions, represented by the Precision, is:  </a:t>
+            </a:r>
+            <a:r>
+              <a:rPr i="1">
+                <a:solidFill>
+                  <a:srgbClr val="0070C0"/>
+                </a:solidFill>
+              </a:rPr>
+              <a:t>60.98%</a:t>
+            </a:r>
+          </a:p>
+          <a:p>
+            <a:pPr marL="0" indent="118871">
+              <a:lnSpc>
+                <a:spcPct val="80000"/>
+              </a:lnSpc>
+              <a:buSzTx/>
+              <a:buNone/>
+              <a:defRPr sz="2200"/>
             </a:pPr>
             <a:endParaRPr/>
           </a:p>
-        </p:txBody>
-      </p:sp>
-      <p:pic>
-        <p:nvPicPr>
-          <p:cNvPr id="250" name="Picture 11" descr="Picture 11"/>
-          <p:cNvPicPr>
-            <a:picLocks noChangeAspect="1"/>
-          </p:cNvPicPr>
-          <p:nvPr/>
-        </p:nvPicPr>
-        <p:blipFill>
-          <a:blip r:embed="rId2" cstate="print"/>
-          <a:stretch>
-            <a:fillRect/>
-          </a:stretch>
-        </p:blipFill>
-        <p:spPr>
-          <a:xfrm>
-            <a:off x="457200" y="1775191"/>
-            <a:ext cx="8229600" cy="4626918"/>
-          </a:xfrm>
-          <a:prstGeom prst="rect">
-            <a:avLst/>
-          </a:prstGeom>
-          <a:ln w="12700">
-            <a:miter lim="400000"/>
-          </a:ln>
-        </p:spPr>
-      </p:pic>
+          <a:p>
+            <a:pPr marL="0" indent="118871">
+              <a:lnSpc>
+                <a:spcPct val="80000"/>
+              </a:lnSpc>
+              <a:buSzTx/>
+              <a:buNone/>
+              <a:defRPr sz="2200"/>
+            </a:pPr>
+            <a:r>
+              <a:t>Recall: </a:t>
+            </a:r>
+          </a:p>
+          <a:p>
+            <a:pPr marL="0" indent="118871">
+              <a:lnSpc>
+                <a:spcPct val="80000"/>
+              </a:lnSpc>
+              <a:buSzTx/>
+              <a:buNone/>
+              <a:defRPr sz="2200"/>
+            </a:pPr>
+            <a:r>
+              <a:t>The ratio of positive instances that are correctly detected by the classifier (true positive rate), represented by the Recall, is:  </a:t>
+            </a:r>
+            <a:r>
+              <a:rPr i="1">
+                <a:solidFill>
+                  <a:srgbClr val="0070C0"/>
+                </a:solidFill>
+              </a:rPr>
+              <a:t>70.09%</a:t>
+            </a:r>
+          </a:p>
+          <a:p>
+            <a:pPr marL="0" indent="118871">
+              <a:lnSpc>
+                <a:spcPct val="80000"/>
+              </a:lnSpc>
+              <a:buSzTx/>
+              <a:buNone/>
+              <a:defRPr sz="2200"/>
+            </a:pPr>
+            <a:endParaRPr/>
+          </a:p>
+          <a:p>
+            <a:pPr marL="0" indent="118871">
+              <a:lnSpc>
+                <a:spcPct val="80000"/>
+              </a:lnSpc>
+              <a:buSzTx/>
+              <a:buNone/>
+              <a:defRPr sz="2200"/>
+            </a:pPr>
+            <a:r>
+              <a:t>F1-Score: </a:t>
+            </a:r>
+          </a:p>
+          <a:p>
+            <a:pPr marL="0" indent="118871">
+              <a:lnSpc>
+                <a:spcPct val="80000"/>
+              </a:lnSpc>
+              <a:buSzTx/>
+              <a:buNone/>
+              <a:defRPr sz="2200"/>
+            </a:pPr>
+            <a:r>
+              <a:t>The F1-score, represented by the harmonic mean of precision and recall which,  differently from the regular mean (that gives equal weight to all values),  gives more weight  to low values - favoring classifiers that have similar precision and recall  - is:   </a:t>
+            </a:r>
+            <a:r>
+              <a:rPr sz="2500" i="1">
+                <a:solidFill>
+                  <a:srgbClr val="0070C0"/>
+                </a:solidFill>
+              </a:rPr>
+              <a:t>65.22%</a:t>
+            </a:r>
+          </a:p>
+        </p:txBody>
+      </p:sp>
     </p:spTree>
   </p:cSld>
   <p:clrMapOvr>
@@ -9213,7 +9134,7 @@
       </p:grpSpPr>
       <p:sp>
         <p:nvSpPr>
-          <p:cNvPr id="252" name="Title 1"/>
+          <p:cNvPr id="243" name="Title 1"/>
           <p:cNvSpPr txBox="1">
             <a:spLocks noGrp="1"/>
           </p:cNvSpPr>
@@ -9235,14 +9156,14 @@
           <a:lstStyle/>
           <a:p>
             <a:r>
-              <a:t>Prediction with Randon Forest Classifiers</a:t>
-            </a:r>
-          </a:p>
-        </p:txBody>
-      </p:sp>
-      <p:sp>
-        <p:nvSpPr>
-          <p:cNvPr id="253" name="Text Placeholder 2"/>
+              <a:t>Prediction with Decision Trees</a:t>
+            </a:r>
+          </a:p>
+        </p:txBody>
+      </p:sp>
+      <p:sp>
+        <p:nvSpPr>
+          <p:cNvPr id="244" name="Text Placeholder 2"/>
           <p:cNvSpPr txBox="1">
             <a:spLocks noGrp="1"/>
           </p:cNvSpPr>
@@ -9265,54 +9186,62 @@
           <a:p>
             <a:pPr indent="118871"/>
             <a:r>
-              <a:t>The average confusion matrix for the trained  Classifier has values</a:t>
-            </a:r>
-          </a:p>
-          <a:p>
-            <a:pPr marL="285750" indent="-285750">
-              <a:buSzPct val="100000"/>
-              <a:buFont typeface="Arial"/>
-              <a:buChar char="•"/>
-            </a:pPr>
-            <a:r>
-              <a:t>75 were correctly classified positive</a:t>
-            </a:r>
-          </a:p>
-          <a:p>
-            <a:pPr marL="285750" indent="-285750">
-              <a:buSzPct val="100000"/>
-              <a:buFont typeface="Arial"/>
-              <a:buChar char="•"/>
-            </a:pPr>
-            <a:r>
-              <a:t>74 were correctly classified negative</a:t>
-            </a:r>
-          </a:p>
-          <a:p>
-            <a:pPr marL="285750" indent="-285750">
-              <a:buSzPct val="100000"/>
-              <a:buFont typeface="Arial"/>
-              <a:buChar char="•"/>
-            </a:pPr>
-            <a:r>
-              <a:t>48 were incorrectly classified as positive</a:t>
-            </a:r>
-          </a:p>
-          <a:p>
-            <a:pPr marL="285750" indent="-285750">
-              <a:buSzPct val="100000"/>
-              <a:buFont typeface="Arial"/>
-              <a:buChar char="•"/>
-            </a:pPr>
-            <a:r>
-              <a:t>32 were incorrectly classified as negative</a:t>
-            </a:r>
-          </a:p>
-        </p:txBody>
-      </p:sp>
-      <p:sp>
-        <p:nvSpPr>
-          <p:cNvPr id="254" name="TextBox 12"/>
+              <a:t>The curve to the right represents the ROC of our model.</a:t>
+            </a:r>
+          </a:p>
+          <a:p>
+            <a:pPr indent="118871"/>
+            <a:r>
+              <a:t>The Area Under Curve is: </a:t>
+            </a:r>
+            <a:r>
+              <a:rPr i="1">
+                <a:solidFill>
+                  <a:srgbClr val="0070C0"/>
+                </a:solidFill>
+              </a:rPr>
+              <a:t>0.689</a:t>
+            </a:r>
+          </a:p>
+          <a:p>
+            <a:pPr indent="118871">
+              <a:defRPr i="1">
+                <a:solidFill>
+                  <a:srgbClr val="0070C0"/>
+                </a:solidFill>
+              </a:defRPr>
+            </a:pPr>
+            <a:endParaRPr/>
+          </a:p>
+          <a:p>
+            <a:pPr indent="118871"/>
+            <a:r>
+              <a:t>Accuracy: </a:t>
+            </a:r>
+          </a:p>
+          <a:p>
+            <a:pPr indent="118871"/>
+            <a:r>
+              <a:t>he overall predicted accuracy of the model is: </a:t>
+            </a:r>
+            <a:r>
+              <a:rPr i="1">
+                <a:solidFill>
+                  <a:srgbClr val="0070C0"/>
+                </a:solidFill>
+              </a:rPr>
+              <a:t>65.07%</a:t>
+            </a:r>
+            <a:r>
+              <a:rPr sz="900"/>
+              <a:t> </a:t>
+            </a:r>
+          </a:p>
+        </p:txBody>
+      </p:sp>
+      <p:sp>
+        <p:nvSpPr>
+          <p:cNvPr id="245" name="TextBox 12"/>
           <p:cNvSpPr txBox="1"/>
           <p:nvPr/>
         </p:nvSpPr>
@@ -9329,7 +9258,7 @@
           </a:ln>
           <a:extLst>
             <a:ext uri="{C572A759-6A51-4108-AA02-DFA0A04FC94B}">
-              <ma14:wrappingTextBoxFlag xmlns="" xmlns:m="http://schemas.openxmlformats.org/officeDocument/2006/math" xmlns:a14="http://schemas.microsoft.com/office/drawing/2010/main" xmlns:ma14="http://schemas.microsoft.com/office/mac/drawingml/2011/main" val="1"/>
+              <ma14:wrappingTextBoxFlag xmlns:ma14="http://schemas.microsoft.com/office/mac/drawingml/2011/main" xmlns:a14="http://schemas.microsoft.com/office/drawing/2010/main" xmlns:m="http://schemas.openxmlformats.org/officeDocument/2006/math" xmlns="" val="1"/>
             </a:ext>
           </a:extLst>
         </p:spPr>
@@ -9348,14 +9277,14 @@
           </a:lstStyle>
           <a:p>
             <a:r>
-              <a:t>Confusion Matrix</a:t>
+              <a:t>ROC, AUC and Accuracy</a:t>
             </a:r>
           </a:p>
         </p:txBody>
       </p:sp>
       <p:pic>
         <p:nvPicPr>
-          <p:cNvPr id="255" name="Picture Placeholder 7" descr="Picture Placeholder 7"/>
+          <p:cNvPr id="246" name="Picture Placeholder 11" descr="Picture Placeholder 11"/>
           <p:cNvPicPr>
             <a:picLocks noGrp="1" noChangeAspect="1"/>
           </p:cNvPicPr>
@@ -9365,15 +9294,14 @@
         </p:nvPicPr>
         <p:blipFill>
           <a:blip r:embed="rId2" cstate="print"/>
-          <a:srcRect l="17313" r="17313"/>
           <a:stretch>
             <a:fillRect/>
           </a:stretch>
         </p:blipFill>
         <p:spPr>
           <a:xfrm>
-            <a:off x="2903802" y="1484808"/>
-            <a:ext cx="6247402" cy="5373193"/>
+            <a:off x="3249363" y="2184999"/>
+            <a:ext cx="5487651" cy="3658434"/>
           </a:xfrm>
           <a:prstGeom prst="rect">
             <a:avLst/>
@@ -9408,7 +9336,7 @@
       </p:grpSpPr>
       <p:sp>
         <p:nvSpPr>
-          <p:cNvPr id="257" name="Title 1"/>
+          <p:cNvPr id="252" name="Title 1"/>
           <p:cNvSpPr txBox="1">
             <a:spLocks noGrp="1"/>
           </p:cNvSpPr>
@@ -9418,8 +9346,8 @@
         </p:nvSpPr>
         <p:spPr>
           <a:xfrm>
-            <a:off x="457200" y="155446"/>
-            <a:ext cx="8229600" cy="1252731"/>
+            <a:off x="164591" y="155446"/>
+            <a:ext cx="2525152" cy="978413"/>
           </a:xfrm>
           <a:prstGeom prst="rect">
             <a:avLst/>
@@ -9430,25 +9358,34 @@
           <a:lstStyle/>
           <a:p>
             <a:r>
-              <a:t>Prediction with Decision Trees</a:t>
-            </a:r>
-          </a:p>
-        </p:txBody>
-      </p:sp>
-      <p:sp>
-        <p:nvSpPr>
-          <p:cNvPr id="258" name="Text Placeholder 6"/>
+              <a:rPr dirty="0"/>
+              <a:t>Prediction with Rando</a:t>
+            </a:r>
+            <a:r>
+              <a:rPr lang="en-US" dirty="0"/>
+              <a:t>m</a:t>
+            </a:r>
+            <a:r>
+              <a:rPr dirty="0"/>
+              <a:t> Forest Classifiers</a:t>
+            </a:r>
+          </a:p>
+        </p:txBody>
+      </p:sp>
+      <p:sp>
+        <p:nvSpPr>
+          <p:cNvPr id="253" name="Text Placeholder 2"/>
           <p:cNvSpPr txBox="1">
             <a:spLocks noGrp="1"/>
           </p:cNvSpPr>
           <p:nvPr>
-            <p:ph type="body" idx="1"/>
+            <p:ph type="body" sz="quarter" idx="1"/>
           </p:nvPr>
         </p:nvSpPr>
         <p:spPr>
           <a:xfrm>
-            <a:off x="457200" y="1775191"/>
-            <a:ext cx="8229600" cy="4625611"/>
+            <a:off x="164591" y="1728216"/>
+            <a:ext cx="2468882" cy="4572002"/>
           </a:xfrm>
           <a:prstGeom prst="rect">
             <a:avLst/>
@@ -9458,131 +9395,123 @@
           <a:bodyPr/>
           <a:lstStyle/>
           <a:p>
-            <a:pPr marL="0" indent="118871">
-              <a:lnSpc>
-                <a:spcPct val="80000"/>
-              </a:lnSpc>
-              <a:buSzTx/>
-              <a:buNone/>
-              <a:defRPr sz="2200"/>
-            </a:pPr>
-            <a:r>
-              <a:t>Precision:</a:t>
-            </a:r>
-          </a:p>
-          <a:p>
-            <a:pPr marL="0" indent="118871">
-              <a:lnSpc>
-                <a:spcPct val="80000"/>
-              </a:lnSpc>
-              <a:buSzTx/>
-              <a:buNone/>
-              <a:defRPr sz="2200"/>
-            </a:pPr>
-            <a:r>
-              <a:t>The percentage of the accuracy of our positive predictions, represented by the Precision, is:  </a:t>
-            </a:r>
-            <a:r>
-              <a:rPr i="1">
+            <a:pPr indent="118871"/>
+            <a:r>
+              <a:t>The average confusion matrix for the trained  Classifier has values</a:t>
+            </a:r>
+          </a:p>
+          <a:p>
+            <a:pPr marL="285750" indent="-285750">
+              <a:buSzPct val="100000"/>
+              <a:buFont typeface="Arial"/>
+              <a:buChar char="•"/>
+            </a:pPr>
+            <a:r>
+              <a:t>75 were correctly classified positive</a:t>
+            </a:r>
+          </a:p>
+          <a:p>
+            <a:pPr marL="285750" indent="-285750">
+              <a:buSzPct val="100000"/>
+              <a:buFont typeface="Arial"/>
+              <a:buChar char="•"/>
+            </a:pPr>
+            <a:r>
+              <a:t>74 were correctly classified negative</a:t>
+            </a:r>
+          </a:p>
+          <a:p>
+            <a:pPr marL="285750" indent="-285750">
+              <a:buSzPct val="100000"/>
+              <a:buFont typeface="Arial"/>
+              <a:buChar char="•"/>
+            </a:pPr>
+            <a:r>
+              <a:t>48 were incorrectly classified as positive</a:t>
+            </a:r>
+          </a:p>
+          <a:p>
+            <a:pPr marL="285750" indent="-285750">
+              <a:buSzPct val="100000"/>
+              <a:buFont typeface="Arial"/>
+              <a:buChar char="•"/>
+            </a:pPr>
+            <a:r>
+              <a:t>32 were incorrectly classified as negative</a:t>
+            </a:r>
+          </a:p>
+        </p:txBody>
+      </p:sp>
+      <p:sp>
+        <p:nvSpPr>
+          <p:cNvPr id="254" name="TextBox 12"/>
+          <p:cNvSpPr txBox="1"/>
+          <p:nvPr/>
+        </p:nvSpPr>
+        <p:spPr>
+          <a:xfrm>
+            <a:off x="3006969" y="459988"/>
+            <a:ext cx="5972439" cy="370837"/>
+          </a:xfrm>
+          <a:prstGeom prst="rect">
+            <a:avLst/>
+          </a:prstGeom>
+          <a:ln w="12700">
+            <a:miter lim="400000"/>
+          </a:ln>
+          <a:extLst>
+            <a:ext uri="{C572A759-6A51-4108-AA02-DFA0A04FC94B}">
+              <ma14:wrappingTextBoxFlag xmlns:ma14="http://schemas.microsoft.com/office/mac/drawingml/2011/main" xmlns:a14="http://schemas.microsoft.com/office/drawing/2010/main" xmlns:m="http://schemas.openxmlformats.org/officeDocument/2006/math" xmlns="" val="1"/>
+            </a:ext>
+          </a:extLst>
+        </p:spPr>
+        <p:txBody>
+          <a:bodyPr lIns="45718" tIns="45718" rIns="45718" bIns="45718">
+            <a:spAutoFit/>
+          </a:bodyPr>
+          <a:lstStyle>
+            <a:lvl1pPr>
+              <a:defRPr>
                 <a:solidFill>
-                  <a:srgbClr val="0070C0"/>
+                  <a:srgbClr val="FFFFFF"/>
                 </a:solidFill>
-              </a:rPr>
-              <a:t>60.98%</a:t>
-            </a:r>
-          </a:p>
-          <a:p>
-            <a:pPr marL="0" indent="118871">
-              <a:lnSpc>
-                <a:spcPct val="80000"/>
-              </a:lnSpc>
-              <a:buSzTx/>
-              <a:buNone/>
-              <a:defRPr sz="2200"/>
-            </a:pPr>
-            <a:endParaRPr/>
-          </a:p>
-          <a:p>
-            <a:pPr marL="0" indent="118871">
-              <a:lnSpc>
-                <a:spcPct val="80000"/>
-              </a:lnSpc>
-              <a:buSzTx/>
-              <a:buNone/>
-              <a:defRPr sz="2200"/>
-            </a:pPr>
-            <a:r>
-              <a:t>Recall: </a:t>
-            </a:r>
-          </a:p>
-          <a:p>
-            <a:pPr marL="0" indent="118871">
-              <a:lnSpc>
-                <a:spcPct val="80000"/>
-              </a:lnSpc>
-              <a:buSzTx/>
-              <a:buNone/>
-              <a:defRPr sz="2200"/>
-            </a:pPr>
-            <a:r>
-              <a:t>The ratio of positive instances that are correctly detected by the classifier (true positive rate), represented by the Recall, is:  </a:t>
-            </a:r>
-            <a:r>
-              <a:rPr i="1">
-                <a:solidFill>
-                  <a:srgbClr val="0070C0"/>
-                </a:solidFill>
-              </a:rPr>
-              <a:t>70.09%</a:t>
-            </a:r>
-          </a:p>
-          <a:p>
-            <a:pPr marL="0" indent="118871">
-              <a:lnSpc>
-                <a:spcPct val="80000"/>
-              </a:lnSpc>
-              <a:buSzTx/>
-              <a:buNone/>
-              <a:defRPr sz="2200"/>
-            </a:pPr>
-            <a:endParaRPr/>
-          </a:p>
-          <a:p>
-            <a:pPr marL="0" indent="118871">
-              <a:lnSpc>
-                <a:spcPct val="80000"/>
-              </a:lnSpc>
-              <a:buSzTx/>
-              <a:buNone/>
-              <a:defRPr sz="2200"/>
-            </a:pPr>
-            <a:r>
-              <a:t>F1-Score: </a:t>
-            </a:r>
-          </a:p>
-          <a:p>
-            <a:pPr marL="0" indent="118871">
-              <a:lnSpc>
-                <a:spcPct val="80000"/>
-              </a:lnSpc>
-              <a:buSzTx/>
-              <a:buNone/>
-              <a:defRPr sz="2200"/>
-            </a:pPr>
-            <a:r>
-              <a:t>The F1-score, represented by the harmonic mean of precision and recall which,  differently from the regular mean (that gives equal weight to all values),  gives more weight  to low values - favoring classifiers that have similar precision and recall  - is:   </a:t>
-            </a:r>
-            <a:r>
-              <a:rPr sz="2500" i="1">
-                <a:solidFill>
-                  <a:srgbClr val="0070C0"/>
-                </a:solidFill>
-              </a:rPr>
-              <a:t>65.22%</a:t>
-            </a:r>
-          </a:p>
-        </p:txBody>
-      </p:sp>
+              </a:defRPr>
+            </a:lvl1pPr>
+          </a:lstStyle>
+          <a:p>
+            <a:r>
+              <a:t>Confusion Matrix</a:t>
+            </a:r>
+          </a:p>
+        </p:txBody>
+      </p:sp>
+      <p:pic>
+        <p:nvPicPr>
+          <p:cNvPr id="255" name="Picture Placeholder 7" descr="Picture Placeholder 7"/>
+          <p:cNvPicPr>
+            <a:picLocks noGrp="1" noChangeAspect="1"/>
+          </p:cNvPicPr>
+          <p:nvPr>
+            <p:ph type="pic" idx="13"/>
+          </p:nvPr>
+        </p:nvPicPr>
+        <p:blipFill>
+          <a:blip r:embed="rId2" cstate="print"/>
+          <a:srcRect l="17313" r="17313"/>
+          <a:stretch>
+            <a:fillRect/>
+          </a:stretch>
+        </p:blipFill>
+        <p:spPr>
+          <a:xfrm>
+            <a:off x="2903802" y="1484808"/>
+            <a:ext cx="6247402" cy="5373193"/>
+          </a:xfrm>
+          <a:prstGeom prst="rect">
+            <a:avLst/>
+          </a:prstGeom>
+        </p:spPr>
+      </p:pic>
     </p:spTree>
   </p:cSld>
   <p:clrMapOvr>
@@ -9669,7 +9598,7 @@
           </a:ln>
           <a:extLst>
             <a:ext uri="{C572A759-6A51-4108-AA02-DFA0A04FC94B}">
-              <ma14:wrappingTextBoxFlag xmlns="" xmlns:m="http://schemas.openxmlformats.org/officeDocument/2006/math" xmlns:a14="http://schemas.microsoft.com/office/drawing/2010/main" xmlns:ma14="http://schemas.microsoft.com/office/mac/drawingml/2011/main" val="1"/>
+              <ma14:wrappingTextBoxFlag xmlns:ma14="http://schemas.microsoft.com/office/mac/drawingml/2011/main" xmlns:a14="http://schemas.microsoft.com/office/drawing/2010/main" xmlns:m="http://schemas.openxmlformats.org/officeDocument/2006/math" xmlns="" val="1"/>
             </a:ext>
           </a:extLst>
         </p:spPr>
@@ -9862,7 +9791,7 @@
       </p:grpSpPr>
       <p:sp>
         <p:nvSpPr>
-          <p:cNvPr id="260" name="Title 1"/>
+          <p:cNvPr id="257" name="Title 1"/>
           <p:cNvSpPr txBox="1">
             <a:spLocks noGrp="1"/>
           </p:cNvSpPr>
@@ -9872,37 +9801,57 @@
         </p:nvSpPr>
         <p:spPr>
           <a:xfrm>
-            <a:off x="164591" y="155446"/>
-            <a:ext cx="2525152" cy="978413"/>
-          </a:xfrm>
-          <a:prstGeom prst="rect">
-            <a:avLst/>
-          </a:prstGeom>
-        </p:spPr>
-        <p:txBody>
-          <a:bodyPr/>
+            <a:off x="457200" y="155446"/>
+            <a:ext cx="8229600" cy="1252731"/>
+          </a:xfrm>
+          <a:prstGeom prst="rect">
+            <a:avLst/>
+          </a:prstGeom>
+        </p:spPr>
+        <p:txBody>
+          <a:bodyPr>
+            <a:normAutofit fontScale="90000"/>
+          </a:bodyPr>
           <a:lstStyle/>
           <a:p>
             <a:r>
-              <a:t>Prediction with Decision Trees</a:t>
-            </a:r>
-          </a:p>
-        </p:txBody>
-      </p:sp>
-      <p:sp>
-        <p:nvSpPr>
-          <p:cNvPr id="261" name="Text Placeholder 2"/>
+              <a:rPr dirty="0"/>
+              <a:t>Prediction with </a:t>
+            </a:r>
+            <a:r>
+              <a:rPr lang="it-IT" dirty="0"/>
+              <a:t>Random </a:t>
+            </a:r>
+            <a:r>
+              <a:rPr lang="it-IT" dirty="0" err="1"/>
+              <a:t>Forest</a:t>
+            </a:r>
+            <a:r>
+              <a:rPr lang="it-IT" dirty="0"/>
+              <a:t> </a:t>
+            </a:r>
+            <a:r>
+              <a:rPr lang="it-IT" dirty="0" err="1"/>
+              <a:t>Classifiers</a:t>
+            </a:r>
+            <a:endParaRPr dirty="0"/>
+          </a:p>
+        </p:txBody>
+      </p:sp>
+      <p:sp>
+        <p:nvSpPr>
+          <p:cNvPr id="258" name="Text Placeholder 6"/>
           <p:cNvSpPr txBox="1">
             <a:spLocks noGrp="1"/>
           </p:cNvSpPr>
           <p:nvPr>
-            <p:ph type="body" sz="quarter" idx="1"/>
+            <p:ph type="body" idx="1"/>
           </p:nvPr>
         </p:nvSpPr>
         <p:spPr>
           <a:xfrm>
-            <a:off x="164591" y="1728216"/>
-            <a:ext cx="2468882" cy="4572002"/>
+            <a:off x="457200" y="1775191"/>
+            <a:ext cx="8229600" cy="4625611"/>
           </a:xfrm>
           <a:prstGeom prst="rect">
             <a:avLst/>
@@ -9912,130 +9861,193 @@
           <a:bodyPr/>
           <a:lstStyle/>
           <a:p>
-            <a:pPr indent="118871"/>
-            <a:r>
-              <a:t>The curve to the right represents the ROC of our model.</a:t>
-            </a:r>
-          </a:p>
-          <a:p>
-            <a:pPr indent="118871"/>
-            <a:r>
-              <a:t>The Area Under Curve is: </a:t>
-            </a:r>
-            <a:r>
-              <a:rPr i="1">
+            <a:pPr marL="0" indent="118871">
+              <a:lnSpc>
+                <a:spcPct val="80000"/>
+              </a:lnSpc>
+              <a:buSzTx/>
+              <a:buNone/>
+              <a:defRPr sz="2200"/>
+            </a:pPr>
+            <a:r>
+              <a:rPr dirty="0"/>
+              <a:t>Precision:</a:t>
+            </a:r>
+          </a:p>
+          <a:p>
+            <a:pPr marL="0" indent="118871">
+              <a:lnSpc>
+                <a:spcPct val="80000"/>
+              </a:lnSpc>
+              <a:buSzTx/>
+              <a:buNone/>
+              <a:defRPr sz="2200"/>
+            </a:pPr>
+            <a:r>
+              <a:rPr dirty="0"/>
+              <a:t>The percentage of the accuracy of our positive predictions, represented by the Precision, is:  </a:t>
+            </a:r>
+            <a:r>
+              <a:rPr i="1" dirty="0">
                 <a:solidFill>
                   <a:srgbClr val="0070C0"/>
                 </a:solidFill>
               </a:rPr>
-              <a:t>0.6844</a:t>
-            </a:r>
-          </a:p>
-          <a:p>
-            <a:pPr indent="118871">
-              <a:defRPr i="1">
-                <a:solidFill>
-                  <a:srgbClr val="0070C0"/>
-                </a:solidFill>
-              </a:defRPr>
-            </a:pPr>
-            <a:endParaRPr/>
-          </a:p>
-          <a:p>
-            <a:pPr indent="118871"/>
-            <a:r>
-              <a:t>Accuracy: </a:t>
-            </a:r>
-          </a:p>
-          <a:p>
-            <a:pPr indent="118871"/>
-            <a:r>
-              <a:t>The overall predicted accuracy of the model is: </a:t>
-            </a:r>
-            <a:r>
-              <a:rPr i="1">
+              <a:t>60.</a:t>
+            </a:r>
+            <a:r>
+              <a:rPr lang="en-US" i="1" dirty="0">
                 <a:solidFill>
                   <a:srgbClr val="0070C0"/>
                 </a:solidFill>
               </a:rPr>
-              <a:t>64.19%</a:t>
-            </a:r>
-            <a:r>
-              <a:rPr sz="900"/>
-              <a:t> </a:t>
-            </a:r>
-          </a:p>
-        </p:txBody>
-      </p:sp>
-      <p:sp>
-        <p:nvSpPr>
-          <p:cNvPr id="262" name="TextBox 12"/>
-          <p:cNvSpPr txBox="1"/>
-          <p:nvPr/>
-        </p:nvSpPr>
-        <p:spPr>
-          <a:xfrm>
-            <a:off x="3006969" y="459988"/>
-            <a:ext cx="5972439" cy="370837"/>
-          </a:xfrm>
-          <a:prstGeom prst="rect">
-            <a:avLst/>
-          </a:prstGeom>
-          <a:ln w="12700">
-            <a:miter lim="400000"/>
-          </a:ln>
-          <a:extLst>
-            <a:ext uri="{C572A759-6A51-4108-AA02-DFA0A04FC94B}">
-              <ma14:wrappingTextBoxFlag xmlns="" xmlns:m="http://schemas.openxmlformats.org/officeDocument/2006/math" xmlns:a14="http://schemas.microsoft.com/office/drawing/2010/main" xmlns:ma14="http://schemas.microsoft.com/office/mac/drawingml/2011/main" val="1"/>
-            </a:ext>
-          </a:extLst>
-        </p:spPr>
-        <p:txBody>
-          <a:bodyPr lIns="45718" tIns="45718" rIns="45718" bIns="45718">
-            <a:spAutoFit/>
-          </a:bodyPr>
-          <a:lstStyle>
-            <a:lvl1pPr>
-              <a:defRPr>
+              <a:t>50</a:t>
+            </a:r>
+            <a:r>
+              <a:rPr i="1" dirty="0">
                 <a:solidFill>
-                  <a:srgbClr val="FFFFFF"/>
+                  <a:srgbClr val="0070C0"/>
                 </a:solidFill>
-              </a:defRPr>
-            </a:lvl1pPr>
-          </a:lstStyle>
-          <a:p>
-            <a:r>
-              <a:t>ROC, AUC and Accuracy</a:t>
-            </a:r>
-          </a:p>
-        </p:txBody>
-      </p:sp>
-      <p:pic>
-        <p:nvPicPr>
-          <p:cNvPr id="263" name="Picture Placeholder 11" descr="Picture Placeholder 11"/>
-          <p:cNvPicPr>
-            <a:picLocks noGrp="1" noChangeAspect="1"/>
-          </p:cNvPicPr>
-          <p:nvPr>
-            <p:ph type="pic" idx="13"/>
-          </p:nvPr>
-        </p:nvPicPr>
-        <p:blipFill>
-          <a:blip r:embed="rId2" cstate="print"/>
-          <a:stretch>
-            <a:fillRect/>
-          </a:stretch>
-        </p:blipFill>
-        <p:spPr>
-          <a:xfrm>
-            <a:off x="3249363" y="2184999"/>
-            <a:ext cx="5487651" cy="3658434"/>
-          </a:xfrm>
-          <a:prstGeom prst="rect">
-            <a:avLst/>
-          </a:prstGeom>
-        </p:spPr>
-      </p:pic>
+              </a:rPr>
+              <a:t>%</a:t>
+            </a:r>
+          </a:p>
+          <a:p>
+            <a:pPr marL="0" indent="118871">
+              <a:lnSpc>
+                <a:spcPct val="80000"/>
+              </a:lnSpc>
+              <a:buSzTx/>
+              <a:buNone/>
+              <a:defRPr sz="2200"/>
+            </a:pPr>
+            <a:endParaRPr dirty="0"/>
+          </a:p>
+          <a:p>
+            <a:pPr marL="0" indent="118871">
+              <a:lnSpc>
+                <a:spcPct val="80000"/>
+              </a:lnSpc>
+              <a:buSzTx/>
+              <a:buNone/>
+              <a:defRPr sz="2200"/>
+            </a:pPr>
+            <a:r>
+              <a:rPr dirty="0"/>
+              <a:t>Recall: </a:t>
+            </a:r>
+          </a:p>
+          <a:p>
+            <a:pPr marL="0" indent="118871">
+              <a:lnSpc>
+                <a:spcPct val="80000"/>
+              </a:lnSpc>
+              <a:buSzTx/>
+              <a:buNone/>
+              <a:defRPr sz="2200"/>
+            </a:pPr>
+            <a:r>
+              <a:rPr dirty="0"/>
+              <a:t>The ratio of positive instances that are correctly detected by the classifier (true positive rate), represented by the Recall, is:  </a:t>
+            </a:r>
+            <a:r>
+              <a:rPr lang="en-US" i="1" dirty="0">
+                <a:solidFill>
+                  <a:srgbClr val="0070C0"/>
+                </a:solidFill>
+              </a:rPr>
+              <a:t>67.29</a:t>
+            </a:r>
+            <a:r>
+              <a:rPr i="1" dirty="0">
+                <a:solidFill>
+                  <a:srgbClr val="0070C0"/>
+                </a:solidFill>
+              </a:rPr>
+              <a:t>%</a:t>
+            </a:r>
+          </a:p>
+          <a:p>
+            <a:pPr marL="0" indent="118871">
+              <a:lnSpc>
+                <a:spcPct val="80000"/>
+              </a:lnSpc>
+              <a:buSzTx/>
+              <a:buNone/>
+              <a:defRPr sz="2200"/>
+            </a:pPr>
+            <a:endParaRPr dirty="0"/>
+          </a:p>
+          <a:p>
+            <a:pPr marL="0" indent="118871">
+              <a:lnSpc>
+                <a:spcPct val="80000"/>
+              </a:lnSpc>
+              <a:buSzTx/>
+              <a:buNone/>
+              <a:defRPr sz="2200"/>
+            </a:pPr>
+            <a:r>
+              <a:rPr dirty="0"/>
+              <a:t>F1-Score: </a:t>
+            </a:r>
+          </a:p>
+          <a:p>
+            <a:pPr marL="0" indent="118871">
+              <a:lnSpc>
+                <a:spcPct val="80000"/>
+              </a:lnSpc>
+              <a:buSzTx/>
+              <a:buNone/>
+              <a:defRPr sz="2200"/>
+            </a:pPr>
+            <a:r>
+              <a:rPr dirty="0"/>
+              <a:t>The F1-score, represented by the harmonic mean of precision and recall which,  differently from the regular mean (that gives equal weight to all values),  gives more weight  to low values - favoring classifiers that have similar precision and recall  - is:   </a:t>
+            </a:r>
+            <a:r>
+              <a:rPr sz="2500" i="1" dirty="0">
+                <a:solidFill>
+                  <a:srgbClr val="0070C0"/>
+                </a:solidFill>
+              </a:rPr>
+              <a:t>6</a:t>
+            </a:r>
+            <a:r>
+              <a:rPr lang="en-US" sz="2500" i="1" dirty="0">
+                <a:solidFill>
+                  <a:srgbClr val="0070C0"/>
+                </a:solidFill>
+              </a:rPr>
+              <a:t>3</a:t>
+            </a:r>
+            <a:r>
+              <a:rPr sz="2500" i="1" dirty="0">
+                <a:solidFill>
+                  <a:srgbClr val="0070C0"/>
+                </a:solidFill>
+              </a:rPr>
+              <a:t>.</a:t>
+            </a:r>
+            <a:r>
+              <a:rPr lang="en-US" sz="2500" i="1" dirty="0">
+                <a:solidFill>
+                  <a:srgbClr val="0070C0"/>
+                </a:solidFill>
+              </a:rPr>
+              <a:t>72</a:t>
+            </a:r>
+            <a:r>
+              <a:rPr sz="2500" i="1" dirty="0">
+                <a:solidFill>
+                  <a:srgbClr val="0070C0"/>
+                </a:solidFill>
+              </a:rPr>
+              <a:t>%</a:t>
+            </a:r>
+          </a:p>
+        </p:txBody>
+      </p:sp>
     </p:spTree>
   </p:cSld>
   <p:clrMapOvr>
@@ -10064,7 +10076,7 @@
       </p:grpSpPr>
       <p:sp>
         <p:nvSpPr>
-          <p:cNvPr id="265" name="Title 4"/>
+          <p:cNvPr id="260" name="Title 1"/>
           <p:cNvSpPr txBox="1">
             <a:spLocks noGrp="1"/>
           </p:cNvSpPr>
@@ -10074,8 +10086,8 @@
         </p:nvSpPr>
         <p:spPr>
           <a:xfrm>
-            <a:off x="457200" y="155446"/>
-            <a:ext cx="8229600" cy="1252731"/>
+            <a:off x="164591" y="155446"/>
+            <a:ext cx="2525152" cy="978413"/>
           </a:xfrm>
           <a:prstGeom prst="rect">
             <a:avLst/>
@@ -10086,25 +10098,31 @@
           <a:lstStyle/>
           <a:p>
             <a:r>
-              <a:t>Model ROC Comparison</a:t>
-            </a:r>
-          </a:p>
-        </p:txBody>
-      </p:sp>
-      <p:sp>
-        <p:nvSpPr>
-          <p:cNvPr id="266" name="Text Placeholder 5"/>
+              <a:rPr dirty="0"/>
+              <a:t>Prediction with </a:t>
+            </a:r>
+            <a:r>
+              <a:rPr lang="en-US" dirty="0"/>
+              <a:t>Random Forest Classifiers</a:t>
+            </a:r>
+            <a:endParaRPr dirty="0"/>
+          </a:p>
+        </p:txBody>
+      </p:sp>
+      <p:sp>
+        <p:nvSpPr>
+          <p:cNvPr id="261" name="Text Placeholder 2"/>
           <p:cNvSpPr txBox="1">
             <a:spLocks noGrp="1"/>
           </p:cNvSpPr>
           <p:nvPr>
-            <p:ph type="body" idx="1"/>
+            <p:ph type="body" sz="quarter" idx="1"/>
           </p:nvPr>
         </p:nvSpPr>
         <p:spPr>
           <a:xfrm>
-            <a:off x="457200" y="1775191"/>
-            <a:ext cx="8229600" cy="4625611"/>
+            <a:off x="164591" y="1728216"/>
+            <a:ext cx="2468882" cy="4572002"/>
           </a:xfrm>
           <a:prstGeom prst="rect">
             <a:avLst/>
@@ -10114,44 +10132,144 @@
           <a:bodyPr/>
           <a:lstStyle/>
           <a:p>
-            <a:pPr marL="0" indent="118871">
-              <a:buSzTx/>
-              <a:buNone/>
-            </a:pPr>
-            <a:endParaRPr/>
+            <a:pPr indent="118871"/>
+            <a:r>
+              <a:rPr dirty="0"/>
+              <a:t>The curve to the right represents the ROC of our model.</a:t>
+            </a:r>
+          </a:p>
+          <a:p>
+            <a:pPr indent="118871"/>
+            <a:r>
+              <a:rPr dirty="0"/>
+              <a:t>The Area Under Curve is: </a:t>
+            </a:r>
+            <a:r>
+              <a:rPr i="1" dirty="0">
+                <a:solidFill>
+                  <a:srgbClr val="0070C0"/>
+                </a:solidFill>
+              </a:rPr>
+              <a:t>0.68</a:t>
+            </a:r>
+            <a:r>
+              <a:rPr lang="en-US" i="1" dirty="0">
+                <a:solidFill>
+                  <a:srgbClr val="0070C0"/>
+                </a:solidFill>
+              </a:rPr>
+              <a:t>4</a:t>
+            </a:r>
+            <a:r>
+              <a:rPr i="1" dirty="0">
+                <a:solidFill>
+                  <a:srgbClr val="0070C0"/>
+                </a:solidFill>
+              </a:rPr>
+              <a:t>4</a:t>
+            </a:r>
+          </a:p>
+          <a:p>
+            <a:pPr indent="118871">
+              <a:defRPr i="1">
+                <a:solidFill>
+                  <a:srgbClr val="0070C0"/>
+                </a:solidFill>
+              </a:defRPr>
+            </a:pPr>
+            <a:endParaRPr dirty="0"/>
+          </a:p>
+          <a:p>
+            <a:pPr indent="118871"/>
+            <a:r>
+              <a:rPr dirty="0"/>
+              <a:t>Accuracy: </a:t>
+            </a:r>
+          </a:p>
+          <a:p>
+            <a:pPr indent="118871"/>
+            <a:r>
+              <a:rPr dirty="0"/>
+              <a:t>The overall predicted accuracy of the model is: </a:t>
+            </a:r>
+            <a:r>
+              <a:rPr i="1" dirty="0">
+                <a:solidFill>
+                  <a:srgbClr val="0070C0"/>
+                </a:solidFill>
+              </a:rPr>
+              <a:t>64.19%</a:t>
+            </a:r>
+            <a:r>
+              <a:rPr sz="900" dirty="0"/>
+              <a:t> </a:t>
+            </a:r>
+          </a:p>
+        </p:txBody>
+      </p:sp>
+      <p:sp>
+        <p:nvSpPr>
+          <p:cNvPr id="262" name="TextBox 12"/>
+          <p:cNvSpPr txBox="1"/>
+          <p:nvPr/>
+        </p:nvSpPr>
+        <p:spPr>
+          <a:xfrm>
+            <a:off x="3006969" y="459988"/>
+            <a:ext cx="5972439" cy="370837"/>
+          </a:xfrm>
+          <a:prstGeom prst="rect">
+            <a:avLst/>
+          </a:prstGeom>
+          <a:ln w="12700">
+            <a:miter lim="400000"/>
+          </a:ln>
+          <a:extLst>
+            <a:ext uri="{C572A759-6A51-4108-AA02-DFA0A04FC94B}">
+              <ma14:wrappingTextBoxFlag xmlns:ma14="http://schemas.microsoft.com/office/mac/drawingml/2011/main" xmlns:a14="http://schemas.microsoft.com/office/drawing/2010/main" xmlns:m="http://schemas.openxmlformats.org/officeDocument/2006/math" xmlns="" val="1"/>
+            </a:ext>
+          </a:extLst>
+        </p:spPr>
+        <p:txBody>
+          <a:bodyPr lIns="45718" tIns="45718" rIns="45718" bIns="45718">
+            <a:spAutoFit/>
+          </a:bodyPr>
+          <a:lstStyle>
+            <a:lvl1pPr>
+              <a:defRPr>
+                <a:solidFill>
+                  <a:srgbClr val="FFFFFF"/>
+                </a:solidFill>
+              </a:defRPr>
+            </a:lvl1pPr>
+          </a:lstStyle>
+          <a:p>
+            <a:r>
+              <a:t>ROC, AUC and Accuracy</a:t>
+            </a:r>
           </a:p>
         </p:txBody>
       </p:sp>
       <p:pic>
         <p:nvPicPr>
-          <p:cNvPr id="4" name="Picture 3" descr="Chart, line chart&#10;&#10;Description automatically generated">
-            <a:extLst>
-              <a:ext uri="{FF2B5EF4-FFF2-40B4-BE49-F238E27FC236}">
-                <a16:creationId xmlns:a16="http://schemas.microsoft.com/office/drawing/2014/main" id="{E3426AAA-9D89-40AE-AC3D-767363107883}"/>
-              </a:ext>
-            </a:extLst>
-          </p:cNvPr>
+          <p:cNvPr id="263" name="Picture Placeholder 11" descr="Picture Placeholder 11"/>
           <p:cNvPicPr>
-            <a:picLocks noChangeAspect="1"/>
+            <a:picLocks noGrp="1" noChangeAspect="1"/>
           </p:cNvPicPr>
-          <p:nvPr/>
+          <p:nvPr>
+            <p:ph type="pic" idx="13"/>
+          </p:nvPr>
         </p:nvPicPr>
         <p:blipFill>
-          <a:blip r:embed="rId2">
-            <a:extLst>
-              <a:ext uri="{28A0092B-C50C-407E-A947-70E740481C1C}">
-                <a14:useLocalDpi xmlns:a14="http://schemas.microsoft.com/office/drawing/2010/main" val="0"/>
-              </a:ext>
-            </a:extLst>
-          </a:blip>
+          <a:blip r:embed="rId2" cstate="print"/>
           <a:stretch>
             <a:fillRect/>
           </a:stretch>
         </p:blipFill>
         <p:spPr>
           <a:xfrm>
-            <a:off x="0" y="1517486"/>
-            <a:ext cx="9144000" cy="5141019"/>
+            <a:off x="3249363" y="2184999"/>
+            <a:ext cx="5487651" cy="3658434"/>
           </a:xfrm>
           <a:prstGeom prst="rect">
             <a:avLst/>
@@ -10186,6 +10304,128 @@
       </p:grpSpPr>
       <p:sp>
         <p:nvSpPr>
+          <p:cNvPr id="265" name="Title 4"/>
+          <p:cNvSpPr txBox="1">
+            <a:spLocks noGrp="1"/>
+          </p:cNvSpPr>
+          <p:nvPr>
+            <p:ph type="title"/>
+          </p:nvPr>
+        </p:nvSpPr>
+        <p:spPr>
+          <a:xfrm>
+            <a:off x="457200" y="155446"/>
+            <a:ext cx="8229600" cy="1252731"/>
+          </a:xfrm>
+          <a:prstGeom prst="rect">
+            <a:avLst/>
+          </a:prstGeom>
+        </p:spPr>
+        <p:txBody>
+          <a:bodyPr/>
+          <a:lstStyle/>
+          <a:p>
+            <a:r>
+              <a:t>Model ROC Comparison</a:t>
+            </a:r>
+          </a:p>
+        </p:txBody>
+      </p:sp>
+      <p:sp>
+        <p:nvSpPr>
+          <p:cNvPr id="266" name="Text Placeholder 5"/>
+          <p:cNvSpPr txBox="1">
+            <a:spLocks noGrp="1"/>
+          </p:cNvSpPr>
+          <p:nvPr>
+            <p:ph type="body" idx="1"/>
+          </p:nvPr>
+        </p:nvSpPr>
+        <p:spPr>
+          <a:xfrm>
+            <a:off x="457200" y="1775191"/>
+            <a:ext cx="8229600" cy="4625611"/>
+          </a:xfrm>
+          <a:prstGeom prst="rect">
+            <a:avLst/>
+          </a:prstGeom>
+        </p:spPr>
+        <p:txBody>
+          <a:bodyPr/>
+          <a:lstStyle/>
+          <a:p>
+            <a:pPr marL="0" indent="118871">
+              <a:buSzTx/>
+              <a:buNone/>
+            </a:pPr>
+            <a:endParaRPr/>
+          </a:p>
+        </p:txBody>
+      </p:sp>
+      <p:pic>
+        <p:nvPicPr>
+          <p:cNvPr id="4" name="Picture 3" descr="Chart, line chart&#10;&#10;Description automatically generated">
+            <a:extLst>
+              <a:ext uri="{FF2B5EF4-FFF2-40B4-BE49-F238E27FC236}">
+                <a16:creationId xmlns:a16="http://schemas.microsoft.com/office/drawing/2014/main" id="{E3426AAA-9D89-40AE-AC3D-767363107883}"/>
+              </a:ext>
+            </a:extLst>
+          </p:cNvPr>
+          <p:cNvPicPr>
+            <a:picLocks noChangeAspect="1"/>
+          </p:cNvPicPr>
+          <p:nvPr/>
+        </p:nvPicPr>
+        <p:blipFill>
+          <a:blip r:embed="rId2">
+            <a:extLst>
+              <a:ext uri="{28A0092B-C50C-407E-A947-70E740481C1C}">
+                <a14:useLocalDpi xmlns:a14="http://schemas.microsoft.com/office/drawing/2010/main" val="0"/>
+              </a:ext>
+            </a:extLst>
+          </a:blip>
+          <a:stretch>
+            <a:fillRect/>
+          </a:stretch>
+        </p:blipFill>
+        <p:spPr>
+          <a:xfrm>
+            <a:off x="0" y="1517486"/>
+            <a:ext cx="9144000" cy="5141019"/>
+          </a:xfrm>
+          <a:prstGeom prst="rect">
+            <a:avLst/>
+          </a:prstGeom>
+        </p:spPr>
+      </p:pic>
+    </p:spTree>
+  </p:cSld>
+  <p:clrMapOvr>
+    <a:masterClrMapping/>
+  </p:clrMapOvr>
+  <p:transition spd="med"/>
+</p:sld>
+</file>
+
+<file path=ppt/slides/slide33.xml><?xml version="1.0" encoding="utf-8"?>
+<p:sld xmlns:a="http://schemas.openxmlformats.org/drawingml/2006/main" xmlns:r="http://schemas.openxmlformats.org/officeDocument/2006/relationships" xmlns:p="http://schemas.openxmlformats.org/presentationml/2006/main">
+  <p:cSld>
+    <p:spTree>
+      <p:nvGrpSpPr>
+        <p:cNvPr id="1" name=""/>
+        <p:cNvGrpSpPr/>
+        <p:nvPr/>
+      </p:nvGrpSpPr>
+      <p:grpSpPr>
+        <a:xfrm>
+          <a:off x="0" y="0"/>
+          <a:ext cx="0" cy="0"/>
+          <a:chOff x="0" y="0"/>
+          <a:chExt cx="0" cy="0"/>
+        </a:xfrm>
+      </p:grpSpPr>
+      <p:sp>
+        <p:nvSpPr>
           <p:cNvPr id="6" name="Title 5">
             <a:extLst>
               <a:ext uri="{FF2B5EF4-FFF2-40B4-BE49-F238E27FC236}">
@@ -10280,6 +10520,268 @@
     <p:extLst>
       <p:ext uri="{BB962C8B-B14F-4D97-AF65-F5344CB8AC3E}">
         <p14:creationId xmlns:p14="http://schemas.microsoft.com/office/powerpoint/2010/main" val="4147429674"/>
+      </p:ext>
+    </p:extLst>
+  </p:cSld>
+  <p:clrMapOvr>
+    <a:masterClrMapping/>
+  </p:clrMapOvr>
+  <p:transition spd="med"/>
+</p:sld>
+</file>
+
+<file path=ppt/slides/slide34.xml><?xml version="1.0" encoding="utf-8"?>
+<p:sld xmlns:a="http://schemas.openxmlformats.org/drawingml/2006/main" xmlns:r="http://schemas.openxmlformats.org/officeDocument/2006/relationships" xmlns:p="http://schemas.openxmlformats.org/presentationml/2006/main">
+  <p:cSld>
+    <p:spTree>
+      <p:nvGrpSpPr>
+        <p:cNvPr id="1" name=""/>
+        <p:cNvGrpSpPr/>
+        <p:nvPr/>
+      </p:nvGrpSpPr>
+      <p:grpSpPr>
+        <a:xfrm>
+          <a:off x="0" y="0"/>
+          <a:ext cx="0" cy="0"/>
+          <a:chOff x="0" y="0"/>
+          <a:chExt cx="0" cy="0"/>
+        </a:xfrm>
+      </p:grpSpPr>
+      <p:sp>
+        <p:nvSpPr>
+          <p:cNvPr id="7" name="Title 6">
+            <a:extLst>
+              <a:ext uri="{FF2B5EF4-FFF2-40B4-BE49-F238E27FC236}">
+                <a16:creationId xmlns:a16="http://schemas.microsoft.com/office/drawing/2014/main" id="{E9109901-70E5-4530-BF71-D879FA5A55B4}"/>
+              </a:ext>
+            </a:extLst>
+          </p:cNvPr>
+          <p:cNvSpPr>
+            <a:spLocks noGrp="1"/>
+          </p:cNvSpPr>
+          <p:nvPr>
+            <p:ph type="title"/>
+          </p:nvPr>
+        </p:nvSpPr>
+        <p:spPr/>
+        <p:txBody>
+          <a:bodyPr/>
+          <a:lstStyle/>
+          <a:p>
+            <a:r>
+              <a:rPr lang="en-US" dirty="0"/>
+              <a:t>Thank you all for your attention</a:t>
+            </a:r>
+          </a:p>
+        </p:txBody>
+      </p:sp>
+      <p:sp>
+        <p:nvSpPr>
+          <p:cNvPr id="8" name="Text Placeholder 7">
+            <a:extLst>
+              <a:ext uri="{FF2B5EF4-FFF2-40B4-BE49-F238E27FC236}">
+                <a16:creationId xmlns:a16="http://schemas.microsoft.com/office/drawing/2014/main" id="{111AA72E-DC5C-47B9-829C-D223034C0251}"/>
+              </a:ext>
+            </a:extLst>
+          </p:cNvPr>
+          <p:cNvSpPr>
+            <a:spLocks noGrp="1"/>
+          </p:cNvSpPr>
+          <p:nvPr>
+            <p:ph type="body" sz="quarter" idx="1"/>
+          </p:nvPr>
+        </p:nvSpPr>
+        <p:spPr/>
+        <p:txBody>
+          <a:bodyPr/>
+          <a:lstStyle/>
+          <a:p>
+            <a:r>
+              <a:rPr lang="en-US" dirty="0"/>
+              <a:t>Any questions are kindly welcome!</a:t>
+            </a:r>
+          </a:p>
+        </p:txBody>
+      </p:sp>
+    </p:spTree>
+    <p:extLst>
+      <p:ext uri="{BB962C8B-B14F-4D97-AF65-F5344CB8AC3E}">
+        <p14:creationId xmlns:p14="http://schemas.microsoft.com/office/powerpoint/2010/main" val="878977070"/>
+      </p:ext>
+    </p:extLst>
+  </p:cSld>
+  <p:clrMapOvr>
+    <a:masterClrMapping/>
+  </p:clrMapOvr>
+  <p:transition spd="med"/>
+</p:sld>
+</file>
+
+<file path=ppt/slides/slide35.xml><?xml version="1.0" encoding="utf-8"?>
+<p:sld xmlns:a="http://schemas.openxmlformats.org/drawingml/2006/main" xmlns:r="http://schemas.openxmlformats.org/officeDocument/2006/relationships" xmlns:p="http://schemas.openxmlformats.org/presentationml/2006/main">
+  <p:cSld>
+    <p:spTree>
+      <p:nvGrpSpPr>
+        <p:cNvPr id="1" name=""/>
+        <p:cNvGrpSpPr/>
+        <p:nvPr/>
+      </p:nvGrpSpPr>
+      <p:grpSpPr>
+        <a:xfrm>
+          <a:off x="0" y="0"/>
+          <a:ext cx="0" cy="0"/>
+          <a:chOff x="0" y="0"/>
+          <a:chExt cx="0" cy="0"/>
+        </a:xfrm>
+      </p:grpSpPr>
+      <p:sp>
+        <p:nvSpPr>
+          <p:cNvPr id="4" name="Title 3">
+            <a:extLst>
+              <a:ext uri="{FF2B5EF4-FFF2-40B4-BE49-F238E27FC236}">
+                <a16:creationId xmlns:a16="http://schemas.microsoft.com/office/drawing/2014/main" id="{0051A32E-2E41-4A27-B7E4-AD2CBC1A3C80}"/>
+              </a:ext>
+            </a:extLst>
+          </p:cNvPr>
+          <p:cNvSpPr>
+            <a:spLocks noGrp="1"/>
+          </p:cNvSpPr>
+          <p:nvPr>
+            <p:ph type="title"/>
+          </p:nvPr>
+        </p:nvSpPr>
+        <p:spPr/>
+        <p:txBody>
+          <a:bodyPr/>
+          <a:lstStyle/>
+          <a:p>
+            <a:r>
+              <a:rPr lang="en-US" dirty="0"/>
+              <a:t>References and Bibliography</a:t>
+            </a:r>
+          </a:p>
+        </p:txBody>
+      </p:sp>
+      <p:sp>
+        <p:nvSpPr>
+          <p:cNvPr id="5" name="Text Placeholder 4">
+            <a:extLst>
+              <a:ext uri="{FF2B5EF4-FFF2-40B4-BE49-F238E27FC236}">
+                <a16:creationId xmlns:a16="http://schemas.microsoft.com/office/drawing/2014/main" id="{61CF831B-58F4-4E95-ADA5-84EB480AF391}"/>
+              </a:ext>
+            </a:extLst>
+          </p:cNvPr>
+          <p:cNvSpPr>
+            <a:spLocks noGrp="1"/>
+          </p:cNvSpPr>
+          <p:nvPr>
+            <p:ph type="body" idx="1"/>
+          </p:nvPr>
+        </p:nvSpPr>
+        <p:spPr/>
+        <p:txBody>
+          <a:bodyPr/>
+          <a:lstStyle/>
+          <a:p>
+            <a:pPr marL="118872" indent="0" algn="l">
+              <a:buNone/>
+            </a:pPr>
+            <a:r>
+              <a:rPr lang="en-US" b="0" i="0" dirty="0">
+                <a:solidFill>
+                  <a:srgbClr val="000000"/>
+                </a:solidFill>
+                <a:effectLst/>
+                <a:latin typeface="Helvetica Neue"/>
+              </a:rPr>
+              <a:t>Article from World Health Organization web-site: </a:t>
+            </a:r>
+          </a:p>
+          <a:p>
+            <a:pPr algn="l">
+              <a:buFont typeface="Arial" panose="020B0604020202020204" pitchFamily="34" charset="0"/>
+              <a:buChar char="•"/>
+            </a:pPr>
+            <a:r>
+              <a:rPr lang="en-US" b="0" i="0" u="sng" dirty="0">
+                <a:solidFill>
+                  <a:srgbClr val="296EAA"/>
+                </a:solidFill>
+                <a:effectLst/>
+                <a:latin typeface="Helvetica Neue"/>
+                <a:hlinkClick r:id="rId2"/>
+              </a:rPr>
+              <a:t>https://www.who.int/en/news-room/fact-sheets/detail/cardiovascular-diseases-(cvds)</a:t>
+            </a:r>
+            <a:endParaRPr lang="en-US" b="0" i="0" dirty="0">
+              <a:solidFill>
+                <a:srgbClr val="000000"/>
+              </a:solidFill>
+              <a:effectLst/>
+              <a:latin typeface="Helvetica Neue"/>
+            </a:endParaRPr>
+          </a:p>
+          <a:p>
+            <a:pPr marL="118872" indent="0" algn="l">
+              <a:buNone/>
+            </a:pPr>
+            <a:r>
+              <a:rPr lang="en-US" b="0" i="0" dirty="0" err="1">
+                <a:solidFill>
+                  <a:srgbClr val="000000"/>
+                </a:solidFill>
+                <a:effectLst/>
+                <a:latin typeface="Helvetica Neue"/>
+              </a:rPr>
+              <a:t>DataSet</a:t>
+            </a:r>
+            <a:r>
+              <a:rPr lang="en-US" dirty="0">
+                <a:latin typeface="Helvetica Neue"/>
+              </a:rPr>
+              <a:t> </a:t>
+            </a:r>
+            <a:r>
+              <a:rPr lang="en-US" b="0" i="0" dirty="0">
+                <a:solidFill>
+                  <a:srgbClr val="000000"/>
+                </a:solidFill>
+                <a:effectLst/>
+                <a:latin typeface="Helvetica Neue"/>
+              </a:rPr>
+              <a:t>resources: </a:t>
+            </a:r>
+          </a:p>
+          <a:p>
+            <a:pPr algn="l">
+              <a:buFont typeface="Arial" panose="020B0604020202020204" pitchFamily="34" charset="0"/>
+              <a:buChar char="•"/>
+            </a:pPr>
+            <a:r>
+              <a:rPr lang="en-US" b="0" i="0" u="sng" dirty="0">
+                <a:solidFill>
+                  <a:srgbClr val="296EAA"/>
+                </a:solidFill>
+                <a:effectLst/>
+                <a:latin typeface="Helvetica Neue"/>
+                <a:hlinkClick r:id="rId3"/>
+              </a:rPr>
+              <a:t>https://www.kaggle.com/dileep070/heart-disease-prediction-using-logistic-regression</a:t>
+            </a:r>
+            <a:endParaRPr lang="en-US" b="0" i="0" dirty="0">
+              <a:solidFill>
+                <a:srgbClr val="000000"/>
+              </a:solidFill>
+              <a:effectLst/>
+              <a:latin typeface="Helvetica Neue"/>
+            </a:endParaRPr>
+          </a:p>
+        </p:txBody>
+      </p:sp>
+    </p:spTree>
+    <p:extLst>
+      <p:ext uri="{BB962C8B-B14F-4D97-AF65-F5344CB8AC3E}">
+        <p14:creationId xmlns:p14="http://schemas.microsoft.com/office/powerpoint/2010/main" val="2778856172"/>
       </p:ext>
     </p:extLst>
   </p:cSld>
@@ -10805,7 +11307,7 @@
           </a:ln>
           <a:extLst>
             <a:ext uri="{C572A759-6A51-4108-AA02-DFA0A04FC94B}">
-              <ma14:wrappingTextBoxFlag xmlns="" xmlns:m="http://schemas.openxmlformats.org/officeDocument/2006/math" xmlns:a14="http://schemas.microsoft.com/office/drawing/2010/main" xmlns:ma14="http://schemas.microsoft.com/office/mac/drawingml/2011/main" val="1"/>
+              <ma14:wrappingTextBoxFlag xmlns:ma14="http://schemas.microsoft.com/office/mac/drawingml/2011/main" xmlns:a14="http://schemas.microsoft.com/office/drawing/2010/main" xmlns:m="http://schemas.openxmlformats.org/officeDocument/2006/math" xmlns="" val="1"/>
             </a:ext>
           </a:extLst>
         </p:spPr>
@@ -10888,7 +11390,7 @@
           </a:ln>
           <a:extLst>
             <a:ext uri="{C572A759-6A51-4108-AA02-DFA0A04FC94B}">
-              <ma14:wrappingTextBoxFlag xmlns="" xmlns:m="http://schemas.openxmlformats.org/officeDocument/2006/math" xmlns:a14="http://schemas.microsoft.com/office/drawing/2010/main" xmlns:ma14="http://schemas.microsoft.com/office/mac/drawingml/2011/main" val="1"/>
+              <ma14:wrappingTextBoxFlag xmlns:ma14="http://schemas.microsoft.com/office/mac/drawingml/2011/main" xmlns:a14="http://schemas.microsoft.com/office/drawing/2010/main" xmlns:m="http://schemas.openxmlformats.org/officeDocument/2006/math" xmlns="" val="1"/>
             </a:ext>
           </a:extLst>
         </p:spPr>
@@ -10938,7 +11440,7 @@
           </a:ln>
           <a:extLst>
             <a:ext uri="{C572A759-6A51-4108-AA02-DFA0A04FC94B}">
-              <ma14:wrappingTextBoxFlag xmlns="" xmlns:m="http://schemas.openxmlformats.org/officeDocument/2006/math" xmlns:a14="http://schemas.microsoft.com/office/drawing/2010/main" xmlns:ma14="http://schemas.microsoft.com/office/mac/drawingml/2011/main" val="1"/>
+              <ma14:wrappingTextBoxFlag xmlns:ma14="http://schemas.microsoft.com/office/mac/drawingml/2011/main" xmlns:a14="http://schemas.microsoft.com/office/drawing/2010/main" xmlns:m="http://schemas.openxmlformats.org/officeDocument/2006/math" xmlns="" val="1"/>
             </a:ext>
           </a:extLst>
         </p:spPr>
@@ -11009,7 +11511,7 @@
           </a:ln>
           <a:extLst>
             <a:ext uri="{C572A759-6A51-4108-AA02-DFA0A04FC94B}">
-              <ma14:wrappingTextBoxFlag xmlns="" xmlns:m="http://schemas.openxmlformats.org/officeDocument/2006/math" xmlns:a14="http://schemas.microsoft.com/office/drawing/2010/main" xmlns:ma14="http://schemas.microsoft.com/office/mac/drawingml/2011/main" val="1"/>
+              <ma14:wrappingTextBoxFlag xmlns:ma14="http://schemas.microsoft.com/office/mac/drawingml/2011/main" xmlns:a14="http://schemas.microsoft.com/office/drawing/2010/main" xmlns:m="http://schemas.openxmlformats.org/officeDocument/2006/math" xmlns="" val="1"/>
             </a:ext>
           </a:extLst>
         </p:spPr>
@@ -11153,7 +11655,7 @@
           </a:ln>
           <a:extLst>
             <a:ext uri="{C572A759-6A51-4108-AA02-DFA0A04FC94B}">
-              <ma14:wrappingTextBoxFlag xmlns="" xmlns:m="http://schemas.openxmlformats.org/officeDocument/2006/math" xmlns:a14="http://schemas.microsoft.com/office/drawing/2010/main" xmlns:ma14="http://schemas.microsoft.com/office/mac/drawingml/2011/main" val="1"/>
+              <ma14:wrappingTextBoxFlag xmlns:ma14="http://schemas.microsoft.com/office/mac/drawingml/2011/main" xmlns:a14="http://schemas.microsoft.com/office/drawing/2010/main" xmlns:m="http://schemas.openxmlformats.org/officeDocument/2006/math" xmlns="" val="1"/>
             </a:ext>
           </a:extLst>
         </p:spPr>
@@ -11298,7 +11800,7 @@
           </a:ln>
           <a:extLst>
             <a:ext uri="{C572A759-6A51-4108-AA02-DFA0A04FC94B}">
-              <ma14:wrappingTextBoxFlag xmlns="" xmlns:m="http://schemas.openxmlformats.org/officeDocument/2006/math" xmlns:a14="http://schemas.microsoft.com/office/drawing/2010/main" xmlns:ma14="http://schemas.microsoft.com/office/mac/drawingml/2011/main" val="1"/>
+              <ma14:wrappingTextBoxFlag xmlns:ma14="http://schemas.microsoft.com/office/mac/drawingml/2011/main" xmlns:a14="http://schemas.microsoft.com/office/drawing/2010/main" xmlns:m="http://schemas.openxmlformats.org/officeDocument/2006/math" xmlns="" val="1"/>
             </a:ext>
           </a:extLst>
         </p:spPr>
@@ -11342,7 +11844,7 @@
           </a:ln>
           <a:extLst>
             <a:ext uri="{C572A759-6A51-4108-AA02-DFA0A04FC94B}">
-              <ma14:wrappingTextBoxFlag xmlns="" xmlns:m="http://schemas.openxmlformats.org/officeDocument/2006/math" xmlns:a14="http://schemas.microsoft.com/office/drawing/2010/main" xmlns:ma14="http://schemas.microsoft.com/office/mac/drawingml/2011/main" val="1"/>
+              <ma14:wrappingTextBoxFlag xmlns:ma14="http://schemas.microsoft.com/office/mac/drawingml/2011/main" xmlns:a14="http://schemas.microsoft.com/office/drawing/2010/main" xmlns:m="http://schemas.openxmlformats.org/officeDocument/2006/math" xmlns="" val="1"/>
             </a:ext>
           </a:extLst>
         </p:spPr>
@@ -11457,7 +11959,7 @@
           </a:ln>
           <a:extLst>
             <a:ext uri="{C572A759-6A51-4108-AA02-DFA0A04FC94B}">
-              <ma14:wrappingTextBoxFlag xmlns="" xmlns:m="http://schemas.openxmlformats.org/officeDocument/2006/math" xmlns:a14="http://schemas.microsoft.com/office/drawing/2010/main" xmlns:ma14="http://schemas.microsoft.com/office/mac/drawingml/2011/main" val="1"/>
+              <ma14:wrappingTextBoxFlag xmlns:ma14="http://schemas.microsoft.com/office/mac/drawingml/2011/main" xmlns:a14="http://schemas.microsoft.com/office/drawing/2010/main" xmlns:m="http://schemas.openxmlformats.org/officeDocument/2006/math" xmlns="" val="1"/>
             </a:ext>
           </a:extLst>
         </p:spPr>
@@ -11528,7 +12030,7 @@
           </a:ln>
           <a:extLst>
             <a:ext uri="{C572A759-6A51-4108-AA02-DFA0A04FC94B}">
-              <ma14:wrappingTextBoxFlag xmlns="" xmlns:m="http://schemas.openxmlformats.org/officeDocument/2006/math" xmlns:a14="http://schemas.microsoft.com/office/drawing/2010/main" xmlns:ma14="http://schemas.microsoft.com/office/mac/drawingml/2011/main" val="1"/>
+              <ma14:wrappingTextBoxFlag xmlns:ma14="http://schemas.microsoft.com/office/mac/drawingml/2011/main" xmlns:a14="http://schemas.microsoft.com/office/drawing/2010/main" xmlns:m="http://schemas.openxmlformats.org/officeDocument/2006/math" xmlns="" val="1"/>
             </a:ext>
           </a:extLst>
         </p:spPr>
